--- a/KnowledgeSystem/AppResources/403_03_SurfaceRustHealth.pptx
+++ b/KnowledgeSystem/AppResources/403_03_SurfaceRustHealth.pptx
@@ -5,11 +5,15 @@
     <p:sldMasterId id="2147483648" r:id="rId1"/>
   </p:sldMasterIdLst>
   <p:notesMasterIdLst>
-    <p:notesMasterId r:id="rId4"/>
+    <p:notesMasterId r:id="rId8"/>
   </p:notesMasterIdLst>
   <p:sldIdLst>
     <p:sldId id="269" r:id="rId2"/>
-    <p:sldId id="272" r:id="rId3"/>
+    <p:sldId id="275" r:id="rId3"/>
+    <p:sldId id="273" r:id="rId4"/>
+    <p:sldId id="276" r:id="rId5"/>
+    <p:sldId id="274" r:id="rId6"/>
+    <p:sldId id="277" r:id="rId7"/>
   </p:sldIdLst>
   <p:sldSz cx="12192000" cy="6858000"/>
   <p:notesSz cx="6858000" cy="9144000"/>
@@ -108,6 +112,11 @@
       </a:defRPr>
     </a:lvl9pPr>
   </p:defaultTextStyle>
+  <p:extLst>
+    <p:ext uri="{EFAFB233-063F-42B5-8137-9DF3F51BA10A}">
+      <p15:sldGuideLst xmlns:p15="http://schemas.microsoft.com/office/powerpoint/2012/main"/>
+    </p:ext>
+  </p:extLst>
 </p:presentation>
 </file>
 
@@ -193,7 +202,7 @@
           <a:p>
             <a:fld id="{1C940E6E-64BF-49C8-A610-7930AC81B279}" type="datetimeFigureOut">
               <a:rPr lang="en-US" smtClean="0"/>
-              <a:t>2025/05/16</a:t>
+              <a:t>2025/05/17</a:t>
             </a:fld>
             <a:endParaRPr lang="en-US"/>
           </a:p>
@@ -582,7 +591,271 @@
     </p:spTree>
     <p:extLst>
       <p:ext uri="{BB962C8B-B14F-4D97-AF65-F5344CB8AC3E}">
-        <p14:creationId xmlns:p14="http://schemas.microsoft.com/office/powerpoint/2010/main" val="1469438002"/>
+        <p14:creationId xmlns:p14="http://schemas.microsoft.com/office/powerpoint/2010/main" val="2662781293"/>
+      </p:ext>
+    </p:extLst>
+  </p:cSld>
+  <p:clrMapOvr>
+    <a:masterClrMapping/>
+  </p:clrMapOvr>
+</p:notes>
+</file>
+
+<file path=ppt/notesSlides/notesSlide3.xml><?xml version="1.0" encoding="utf-8"?>
+<p:notes xmlns:a="http://schemas.openxmlformats.org/drawingml/2006/main" xmlns:r="http://schemas.openxmlformats.org/officeDocument/2006/relationships" xmlns:p="http://schemas.openxmlformats.org/presentationml/2006/main">
+  <p:cSld>
+    <p:spTree>
+      <p:nvGrpSpPr>
+        <p:cNvPr id="1" name=""/>
+        <p:cNvGrpSpPr/>
+        <p:nvPr/>
+      </p:nvGrpSpPr>
+      <p:grpSpPr>
+        <a:xfrm>
+          <a:off x="0" y="0"/>
+          <a:ext cx="0" cy="0"/>
+          <a:chOff x="0" y="0"/>
+          <a:chExt cx="0" cy="0"/>
+        </a:xfrm>
+      </p:grpSpPr>
+      <p:sp>
+        <p:nvSpPr>
+          <p:cNvPr id="2" name="投影片圖像版面配置區 1"/>
+          <p:cNvSpPr>
+            <a:spLocks noGrp="1" noRot="1" noChangeAspect="1"/>
+          </p:cNvSpPr>
+          <p:nvPr>
+            <p:ph type="sldImg"/>
+          </p:nvPr>
+        </p:nvSpPr>
+        <p:spPr>
+          <a:xfrm>
+            <a:off x="685800" y="1143000"/>
+            <a:ext cx="5486400" cy="3086100"/>
+          </a:xfrm>
+        </p:spPr>
+      </p:sp>
+      <p:sp>
+        <p:nvSpPr>
+          <p:cNvPr id="3" name="備忘稿版面配置區 2"/>
+          <p:cNvSpPr>
+            <a:spLocks noGrp="1"/>
+          </p:cNvSpPr>
+          <p:nvPr>
+            <p:ph type="body" idx="1"/>
+          </p:nvPr>
+        </p:nvSpPr>
+        <p:spPr/>
+        <p:txBody>
+          <a:bodyPr/>
+          <a:lstStyle/>
+          <a:p>
+            <a:endParaRPr lang="zh-TW" altLang="en-US" dirty="0"/>
+          </a:p>
+        </p:txBody>
+      </p:sp>
+    </p:spTree>
+    <p:extLst>
+      <p:ext uri="{BB962C8B-B14F-4D97-AF65-F5344CB8AC3E}">
+        <p14:creationId xmlns:p14="http://schemas.microsoft.com/office/powerpoint/2010/main" val="3497966569"/>
+      </p:ext>
+    </p:extLst>
+  </p:cSld>
+  <p:clrMapOvr>
+    <a:masterClrMapping/>
+  </p:clrMapOvr>
+</p:notes>
+</file>
+
+<file path=ppt/notesSlides/notesSlide4.xml><?xml version="1.0" encoding="utf-8"?>
+<p:notes xmlns:a="http://schemas.openxmlformats.org/drawingml/2006/main" xmlns:r="http://schemas.openxmlformats.org/officeDocument/2006/relationships" xmlns:p="http://schemas.openxmlformats.org/presentationml/2006/main">
+  <p:cSld>
+    <p:spTree>
+      <p:nvGrpSpPr>
+        <p:cNvPr id="1" name=""/>
+        <p:cNvGrpSpPr/>
+        <p:nvPr/>
+      </p:nvGrpSpPr>
+      <p:grpSpPr>
+        <a:xfrm>
+          <a:off x="0" y="0"/>
+          <a:ext cx="0" cy="0"/>
+          <a:chOff x="0" y="0"/>
+          <a:chExt cx="0" cy="0"/>
+        </a:xfrm>
+      </p:grpSpPr>
+      <p:sp>
+        <p:nvSpPr>
+          <p:cNvPr id="2" name="投影片圖像版面配置區 1"/>
+          <p:cNvSpPr>
+            <a:spLocks noGrp="1" noRot="1" noChangeAspect="1"/>
+          </p:cNvSpPr>
+          <p:nvPr>
+            <p:ph type="sldImg"/>
+          </p:nvPr>
+        </p:nvSpPr>
+        <p:spPr>
+          <a:xfrm>
+            <a:off x="685800" y="1143000"/>
+            <a:ext cx="5486400" cy="3086100"/>
+          </a:xfrm>
+        </p:spPr>
+      </p:sp>
+      <p:sp>
+        <p:nvSpPr>
+          <p:cNvPr id="3" name="備忘稿版面配置區 2"/>
+          <p:cNvSpPr>
+            <a:spLocks noGrp="1"/>
+          </p:cNvSpPr>
+          <p:nvPr>
+            <p:ph type="body" idx="1"/>
+          </p:nvPr>
+        </p:nvSpPr>
+        <p:spPr/>
+        <p:txBody>
+          <a:bodyPr/>
+          <a:lstStyle/>
+          <a:p>
+            <a:endParaRPr lang="zh-TW" altLang="en-US" dirty="0"/>
+          </a:p>
+        </p:txBody>
+      </p:sp>
+    </p:spTree>
+    <p:extLst>
+      <p:ext uri="{BB962C8B-B14F-4D97-AF65-F5344CB8AC3E}">
+        <p14:creationId xmlns:p14="http://schemas.microsoft.com/office/powerpoint/2010/main" val="454133062"/>
+      </p:ext>
+    </p:extLst>
+  </p:cSld>
+  <p:clrMapOvr>
+    <a:masterClrMapping/>
+  </p:clrMapOvr>
+</p:notes>
+</file>
+
+<file path=ppt/notesSlides/notesSlide5.xml><?xml version="1.0" encoding="utf-8"?>
+<p:notes xmlns:a="http://schemas.openxmlformats.org/drawingml/2006/main" xmlns:r="http://schemas.openxmlformats.org/officeDocument/2006/relationships" xmlns:p="http://schemas.openxmlformats.org/presentationml/2006/main">
+  <p:cSld>
+    <p:spTree>
+      <p:nvGrpSpPr>
+        <p:cNvPr id="1" name=""/>
+        <p:cNvGrpSpPr/>
+        <p:nvPr/>
+      </p:nvGrpSpPr>
+      <p:grpSpPr>
+        <a:xfrm>
+          <a:off x="0" y="0"/>
+          <a:ext cx="0" cy="0"/>
+          <a:chOff x="0" y="0"/>
+          <a:chExt cx="0" cy="0"/>
+        </a:xfrm>
+      </p:grpSpPr>
+      <p:sp>
+        <p:nvSpPr>
+          <p:cNvPr id="2" name="投影片圖像版面配置區 1"/>
+          <p:cNvSpPr>
+            <a:spLocks noGrp="1" noRot="1" noChangeAspect="1"/>
+          </p:cNvSpPr>
+          <p:nvPr>
+            <p:ph type="sldImg"/>
+          </p:nvPr>
+        </p:nvSpPr>
+        <p:spPr>
+          <a:xfrm>
+            <a:off x="685800" y="1143000"/>
+            <a:ext cx="5486400" cy="3086100"/>
+          </a:xfrm>
+        </p:spPr>
+      </p:sp>
+      <p:sp>
+        <p:nvSpPr>
+          <p:cNvPr id="3" name="備忘稿版面配置區 2"/>
+          <p:cNvSpPr>
+            <a:spLocks noGrp="1"/>
+          </p:cNvSpPr>
+          <p:nvPr>
+            <p:ph type="body" idx="1"/>
+          </p:nvPr>
+        </p:nvSpPr>
+        <p:spPr/>
+        <p:txBody>
+          <a:bodyPr/>
+          <a:lstStyle/>
+          <a:p>
+            <a:endParaRPr lang="zh-TW" altLang="en-US" dirty="0"/>
+          </a:p>
+        </p:txBody>
+      </p:sp>
+    </p:spTree>
+    <p:extLst>
+      <p:ext uri="{BB962C8B-B14F-4D97-AF65-F5344CB8AC3E}">
+        <p14:creationId xmlns:p14="http://schemas.microsoft.com/office/powerpoint/2010/main" val="1444729550"/>
+      </p:ext>
+    </p:extLst>
+  </p:cSld>
+  <p:clrMapOvr>
+    <a:masterClrMapping/>
+  </p:clrMapOvr>
+</p:notes>
+</file>
+
+<file path=ppt/notesSlides/notesSlide6.xml><?xml version="1.0" encoding="utf-8"?>
+<p:notes xmlns:a="http://schemas.openxmlformats.org/drawingml/2006/main" xmlns:r="http://schemas.openxmlformats.org/officeDocument/2006/relationships" xmlns:p="http://schemas.openxmlformats.org/presentationml/2006/main">
+  <p:cSld>
+    <p:spTree>
+      <p:nvGrpSpPr>
+        <p:cNvPr id="1" name=""/>
+        <p:cNvGrpSpPr/>
+        <p:nvPr/>
+      </p:nvGrpSpPr>
+      <p:grpSpPr>
+        <a:xfrm>
+          <a:off x="0" y="0"/>
+          <a:ext cx="0" cy="0"/>
+          <a:chOff x="0" y="0"/>
+          <a:chExt cx="0" cy="0"/>
+        </a:xfrm>
+      </p:grpSpPr>
+      <p:sp>
+        <p:nvSpPr>
+          <p:cNvPr id="2" name="投影片圖像版面配置區 1"/>
+          <p:cNvSpPr>
+            <a:spLocks noGrp="1" noRot="1" noChangeAspect="1"/>
+          </p:cNvSpPr>
+          <p:nvPr>
+            <p:ph type="sldImg"/>
+          </p:nvPr>
+        </p:nvSpPr>
+        <p:spPr>
+          <a:xfrm>
+            <a:off x="685800" y="1143000"/>
+            <a:ext cx="5486400" cy="3086100"/>
+          </a:xfrm>
+        </p:spPr>
+      </p:sp>
+      <p:sp>
+        <p:nvSpPr>
+          <p:cNvPr id="3" name="備忘稿版面配置區 2"/>
+          <p:cNvSpPr>
+            <a:spLocks noGrp="1"/>
+          </p:cNvSpPr>
+          <p:nvPr>
+            <p:ph type="body" idx="1"/>
+          </p:nvPr>
+        </p:nvSpPr>
+        <p:spPr/>
+        <p:txBody>
+          <a:bodyPr/>
+          <a:lstStyle/>
+          <a:p>
+            <a:endParaRPr lang="zh-TW" altLang="en-US" dirty="0"/>
+          </a:p>
+        </p:txBody>
+      </p:sp>
+    </p:spTree>
+    <p:extLst>
+      <p:ext uri="{BB962C8B-B14F-4D97-AF65-F5344CB8AC3E}">
+        <p14:creationId xmlns:p14="http://schemas.microsoft.com/office/powerpoint/2010/main" val="2517935655"/>
       </p:ext>
     </p:extLst>
   </p:cSld>
@@ -739,7 +1012,7 @@
           <a:p>
             <a:fld id="{06215139-CAC5-4AD9-98A4-100E1C427056}" type="datetimeFigureOut">
               <a:rPr lang="en-US" smtClean="0"/>
-              <a:t>2025/05/16</a:t>
+              <a:t>2025/05/17</a:t>
             </a:fld>
             <a:endParaRPr lang="en-US"/>
           </a:p>
@@ -937,7 +1210,7 @@
           <a:p>
             <a:fld id="{06215139-CAC5-4AD9-98A4-100E1C427056}" type="datetimeFigureOut">
               <a:rPr lang="en-US" smtClean="0"/>
-              <a:t>2025/05/16</a:t>
+              <a:t>2025/05/17</a:t>
             </a:fld>
             <a:endParaRPr lang="en-US"/>
           </a:p>
@@ -1145,7 +1418,7 @@
           <a:p>
             <a:fld id="{06215139-CAC5-4AD9-98A4-100E1C427056}" type="datetimeFigureOut">
               <a:rPr lang="en-US" smtClean="0"/>
-              <a:t>2025/05/16</a:t>
+              <a:t>2025/05/17</a:t>
             </a:fld>
             <a:endParaRPr lang="en-US"/>
           </a:p>
@@ -1343,7 +1616,7 @@
           <a:p>
             <a:fld id="{06215139-CAC5-4AD9-98A4-100E1C427056}" type="datetimeFigureOut">
               <a:rPr lang="en-US" smtClean="0"/>
-              <a:t>2025/05/16</a:t>
+              <a:t>2025/05/17</a:t>
             </a:fld>
             <a:endParaRPr lang="en-US"/>
           </a:p>
@@ -1618,7 +1891,7 @@
           <a:p>
             <a:fld id="{06215139-CAC5-4AD9-98A4-100E1C427056}" type="datetimeFigureOut">
               <a:rPr lang="en-US" smtClean="0"/>
-              <a:t>2025/05/16</a:t>
+              <a:t>2025/05/17</a:t>
             </a:fld>
             <a:endParaRPr lang="en-US"/>
           </a:p>
@@ -1883,7 +2156,7 @@
           <a:p>
             <a:fld id="{06215139-CAC5-4AD9-98A4-100E1C427056}" type="datetimeFigureOut">
               <a:rPr lang="en-US" smtClean="0"/>
-              <a:t>2025/05/16</a:t>
+              <a:t>2025/05/17</a:t>
             </a:fld>
             <a:endParaRPr lang="en-US"/>
           </a:p>
@@ -2295,7 +2568,7 @@
           <a:p>
             <a:fld id="{06215139-CAC5-4AD9-98A4-100E1C427056}" type="datetimeFigureOut">
               <a:rPr lang="en-US" smtClean="0"/>
-              <a:t>2025/05/16</a:t>
+              <a:t>2025/05/17</a:t>
             </a:fld>
             <a:endParaRPr lang="en-US"/>
           </a:p>
@@ -2436,7 +2709,7 @@
           <a:p>
             <a:fld id="{06215139-CAC5-4AD9-98A4-100E1C427056}" type="datetimeFigureOut">
               <a:rPr lang="en-US" smtClean="0"/>
-              <a:t>2025/05/16</a:t>
+              <a:t>2025/05/17</a:t>
             </a:fld>
             <a:endParaRPr lang="en-US"/>
           </a:p>
@@ -2549,7 +2822,7 @@
           <a:p>
             <a:fld id="{06215139-CAC5-4AD9-98A4-100E1C427056}" type="datetimeFigureOut">
               <a:rPr lang="en-US" smtClean="0"/>
-              <a:t>2025/05/16</a:t>
+              <a:t>2025/05/17</a:t>
             </a:fld>
             <a:endParaRPr lang="en-US"/>
           </a:p>
@@ -2860,7 +3133,7 @@
           <a:p>
             <a:fld id="{06215139-CAC5-4AD9-98A4-100E1C427056}" type="datetimeFigureOut">
               <a:rPr lang="en-US" smtClean="0"/>
-              <a:t>2025/05/16</a:t>
+              <a:t>2025/05/17</a:t>
             </a:fld>
             <a:endParaRPr lang="en-US"/>
           </a:p>
@@ -3148,7 +3421,7 @@
           <a:p>
             <a:fld id="{06215139-CAC5-4AD9-98A4-100E1C427056}" type="datetimeFigureOut">
               <a:rPr lang="en-US" smtClean="0"/>
-              <a:t>2025/05/16</a:t>
+              <a:t>2025/05/17</a:t>
             </a:fld>
             <a:endParaRPr lang="en-US"/>
           </a:p>
@@ -3389,7 +3662,7 @@
           <a:p>
             <a:fld id="{06215139-CAC5-4AD9-98A4-100E1C427056}" type="datetimeFigureOut">
               <a:rPr lang="en-US" smtClean="0"/>
-              <a:t>2025/05/16</a:t>
+              <a:t>2025/05/17</a:t>
             </a:fld>
             <a:endParaRPr lang="en-US"/>
           </a:p>
@@ -3890,7 +4163,7 @@
               <a:t>一、鋼捲</a:t>
             </a:r>
             <a:r>
-              <a:rPr lang="en-US" altLang="zh-CN" dirty="0">
+              <a:rPr lang="en-US" altLang="zh-CN">
                 <a:solidFill>
                   <a:srgbClr val="000000"/>
                 </a:solidFill>
@@ -3901,15 +4174,15 @@
               <a:t>ID </a:t>
             </a:r>
             <a:r>
-              <a:rPr lang="en-US" altLang="zh-TW" b="1" dirty="0">
+              <a:rPr lang="en-US" altLang="zh-TW" b="1">
                 <a:latin typeface="Times New Roman" panose="02020603050405020304" pitchFamily="18" charset="0"/>
                 <a:ea typeface="標楷體" panose="03000509000000000000" pitchFamily="65" charset="-120"/>
                 <a:cs typeface="Times New Roman" panose="02020603050405020304" pitchFamily="18" charset="0"/>
               </a:rPr>
-              <a:t>2783749000</a:t>
+              <a:t>idroll</a:t>
             </a:r>
             <a:r>
-              <a:rPr lang="en-US" altLang="zh-CN" b="1" dirty="0">
+              <a:rPr lang="en-US" altLang="zh-CN" b="1">
                 <a:solidFill>
                   <a:srgbClr val="000000"/>
                 </a:solidFill>
@@ -3920,7 +4193,7 @@
               <a:t>-</a:t>
             </a:r>
             <a:r>
-              <a:rPr lang="zh-CN" altLang="en-US" b="1" dirty="0">
+              <a:rPr lang="zh-CN" altLang="en-US" b="1">
                 <a:solidFill>
                   <a:srgbClr val="000000"/>
                 </a:solidFill>
@@ -3928,7 +4201,7 @@
                 <a:ea typeface="標楷體" panose="03000509000000000000" pitchFamily="65" charset="-120"/>
                 <a:cs typeface="Times New Roman" panose="02020603050405020304" pitchFamily="18" charset="0"/>
               </a:rPr>
-              <a:t>尾端</a:t>
+              <a:t>頭端</a:t>
             </a:r>
             <a:r>
               <a:rPr lang="zh-CN" altLang="en-US" sz="1600" dirty="0">
@@ -3955,14 +4228,14 @@
           <p:nvPr>
             <p:extLst>
               <p:ext uri="{D42A27DB-BD31-4B8C-83A1-F6EECF244321}">
-                <p14:modId xmlns:p14="http://schemas.microsoft.com/office/powerpoint/2010/main" val="2601502596"/>
+                <p14:modId xmlns:p14="http://schemas.microsoft.com/office/powerpoint/2010/main" val="2513225803"/>
               </p:ext>
             </p:extLst>
           </p:nvPr>
         </p:nvGraphicFramePr>
         <p:xfrm>
           <a:off x="29029" y="573948"/>
-          <a:ext cx="11887198" cy="6177588"/>
+          <a:ext cx="11887198" cy="6163047"/>
         </p:xfrm>
         <a:graphic>
           <a:graphicData uri="http://schemas.openxmlformats.org/drawingml/2006/table">
@@ -4007,7 +4280,7 @@
                   </a:extLst>
                 </a:gridCol>
               </a:tblGrid>
-              <a:tr h="367987">
+              <a:tr h="398930">
                 <a:tc gridSpan="2">
                   <a:txBody>
                     <a:bodyPr/>
@@ -4111,7 +4384,7 @@
                   </a:ext>
                 </a:extLst>
               </a:tr>
-              <a:tr h="417891">
+              <a:tr h="398930">
                 <a:tc gridSpan="2">
                   <a:txBody>
                     <a:bodyPr/>
@@ -4268,7 +4541,7 @@
                   </a:ext>
                 </a:extLst>
               </a:tr>
-              <a:tr h="1934214">
+              <a:tr h="1946567">
                 <a:tc rowSpan="3">
                   <a:txBody>
                     <a:bodyPr/>
@@ -4406,7 +4679,7 @@
                   </a:ext>
                 </a:extLst>
               </a:tr>
-              <a:tr h="367987">
+              <a:tr h="365760">
                 <a:tc vMerge="1">
                   <a:txBody>
                     <a:bodyPr/>
@@ -4507,12 +4780,12 @@
                         <a:defRPr/>
                       </a:pPr>
                       <a:r>
-                        <a:rPr lang="en-US" altLang="zh-CN" dirty="0">
-                          <a:latin typeface="Times New Roman" panose="02020603050405020304" pitchFamily="18" charset="0"/>
-                          <a:ea typeface="標楷體" panose="03000509000000000000" pitchFamily="65" charset="-120"/>
-                          <a:cs typeface="Times New Roman" panose="02020603050405020304" pitchFamily="18" charset="0"/>
-                        </a:rPr>
-                        <a:t>9.96μm</a:t>
+                        <a:rPr lang="en-US" altLang="zh-CN">
+                          <a:latin typeface="Times New Roman" panose="02020603050405020304" pitchFamily="18" charset="0"/>
+                          <a:ea typeface="標楷體" panose="03000509000000000000" pitchFamily="65" charset="-120"/>
+                          <a:cs typeface="Times New Roman" panose="02020603050405020304" pitchFamily="18" charset="0"/>
+                        </a:rPr>
+                        <a:t>T0-1μm</a:t>
                       </a:r>
                       <a:endParaRPr lang="zh-TW" altLang="en-US" dirty="0">
                         <a:latin typeface="Times New Roman" panose="02020603050405020304" pitchFamily="18" charset="0"/>
@@ -4546,53 +4819,23 @@
                         <a:defRPr/>
                       </a:pPr>
                       <a:r>
-                        <a:rPr lang="en-US" altLang="zh-CN" dirty="0">
-                          <a:latin typeface="Times New Roman" panose="02020603050405020304" pitchFamily="18" charset="0"/>
-                          <a:ea typeface="標楷體" panose="03000509000000000000" pitchFamily="65" charset="-120"/>
-                          <a:cs typeface="Times New Roman" panose="02020603050405020304" pitchFamily="18" charset="0"/>
-                        </a:rPr>
-                        <a:t>10.39μm</a:t>
-                      </a:r>
-                      <a:endParaRPr lang="zh-TW" altLang="en-US" dirty="0">
-                        <a:latin typeface="Times New Roman" panose="02020603050405020304" pitchFamily="18" charset="0"/>
-                        <a:ea typeface="標楷體" panose="03000509000000000000" pitchFamily="65" charset="-120"/>
-                        <a:cs typeface="Times New Roman" panose="02020603050405020304" pitchFamily="18" charset="0"/>
-                      </a:endParaRPr>
-                    </a:p>
-                  </a:txBody>
-                  <a:tcPr anchor="ctr"/>
-                </a:tc>
-                <a:tc>
-                  <a:txBody>
-                    <a:bodyPr/>
-                    <a:lstStyle/>
-                    <a:p>
-                      <a:pPr algn="ctr"/>
-                      <a:r>
-                        <a:rPr lang="en-US" altLang="zh-CN" dirty="0">
-                          <a:latin typeface="Times New Roman" panose="02020603050405020304" pitchFamily="18" charset="0"/>
-                          <a:ea typeface="標楷體" panose="03000509000000000000" pitchFamily="65" charset="-120"/>
-                          <a:cs typeface="Times New Roman" panose="02020603050405020304" pitchFamily="18" charset="0"/>
-                        </a:rPr>
-                        <a:t>10.17μm</a:t>
-                      </a:r>
-                      <a:endParaRPr lang="zh-TW" altLang="en-US" dirty="0">
-                        <a:latin typeface="Times New Roman" panose="02020603050405020304" pitchFamily="18" charset="0"/>
-                        <a:ea typeface="標楷體" panose="03000509000000000000" pitchFamily="65" charset="-120"/>
-                        <a:cs typeface="Times New Roman" panose="02020603050405020304" pitchFamily="18" charset="0"/>
-                      </a:endParaRPr>
-                    </a:p>
-                  </a:txBody>
-                  <a:tcPr anchor="ctr"/>
-                </a:tc>
-                <a:extLst>
-                  <a:ext uri="{0D108BD9-81ED-4DB2-BD59-A6C34878D82A}">
-                    <a16:rowId xmlns:a16="http://schemas.microsoft.com/office/drawing/2014/main" val="10003"/>
-                  </a:ext>
-                </a:extLst>
-              </a:tr>
-              <a:tr h="367987">
-                <a:tc vMerge="1">
+                        <a:rPr lang="en-US" altLang="zh-CN">
+                          <a:latin typeface="Times New Roman" panose="02020603050405020304" pitchFamily="18" charset="0"/>
+                          <a:ea typeface="標楷體" panose="03000509000000000000" pitchFamily="65" charset="-120"/>
+                          <a:cs typeface="Times New Roman" panose="02020603050405020304" pitchFamily="18" charset="0"/>
+                        </a:rPr>
+                        <a:t>T1-1μm</a:t>
+                      </a:r>
+                      <a:endParaRPr lang="zh-TW" altLang="en-US" dirty="0">
+                        <a:latin typeface="Times New Roman" panose="02020603050405020304" pitchFamily="18" charset="0"/>
+                        <a:ea typeface="標楷體" panose="03000509000000000000" pitchFamily="65" charset="-120"/>
+                        <a:cs typeface="Times New Roman" panose="02020603050405020304" pitchFamily="18" charset="0"/>
+                      </a:endParaRPr>
+                    </a:p>
+                  </a:txBody>
+                  <a:tcPr anchor="ctr"/>
+                </a:tc>
+                <a:tc>
                   <a:txBody>
                     <a:bodyPr/>
                     <a:lstStyle/>
@@ -4614,6 +4857,52 @@
                         <a:tabLst/>
                         <a:defRPr/>
                       </a:pPr>
+                      <a:r>
+                        <a:rPr lang="en-US" altLang="zh-CN">
+                          <a:latin typeface="Times New Roman" panose="02020603050405020304" pitchFamily="18" charset="0"/>
+                          <a:ea typeface="標楷體" panose="03000509000000000000" pitchFamily="65" charset="-120"/>
+                          <a:cs typeface="Times New Roman" panose="02020603050405020304" pitchFamily="18" charset="0"/>
+                        </a:rPr>
+                        <a:t>T2-1μm</a:t>
+                      </a:r>
+                      <a:endParaRPr lang="zh-TW" altLang="en-US" dirty="0">
+                        <a:latin typeface="Times New Roman" panose="02020603050405020304" pitchFamily="18" charset="0"/>
+                        <a:ea typeface="標楷體" panose="03000509000000000000" pitchFamily="65" charset="-120"/>
+                        <a:cs typeface="Times New Roman" panose="02020603050405020304" pitchFamily="18" charset="0"/>
+                      </a:endParaRPr>
+                    </a:p>
+                  </a:txBody>
+                  <a:tcPr anchor="ctr"/>
+                </a:tc>
+                <a:extLst>
+                  <a:ext uri="{0D108BD9-81ED-4DB2-BD59-A6C34878D82A}">
+                    <a16:rowId xmlns:a16="http://schemas.microsoft.com/office/drawing/2014/main" val="10003"/>
+                  </a:ext>
+                </a:extLst>
+              </a:tr>
+              <a:tr h="365760">
+                <a:tc vMerge="1">
+                  <a:txBody>
+                    <a:bodyPr/>
+                    <a:lstStyle/>
+                    <a:p>
+                      <a:pPr marL="0" marR="0" indent="0" algn="ctr" defTabSz="914400" rtl="0" eaLnBrk="1" fontAlgn="auto" latinLnBrk="0" hangingPunct="1">
+                        <a:lnSpc>
+                          <a:spcPct val="100000"/>
+                        </a:lnSpc>
+                        <a:spcBef>
+                          <a:spcPts val="0"/>
+                        </a:spcBef>
+                        <a:spcAft>
+                          <a:spcPts val="0"/>
+                        </a:spcAft>
+                        <a:buClrTx/>
+                        <a:buSzTx/>
+                        <a:buFontTx/>
+                        <a:buNone/>
+                        <a:tabLst/>
+                        <a:defRPr/>
+                      </a:pPr>
                       <a:endParaRPr lang="zh-TW" altLang="en-US" dirty="0">
                         <a:latin typeface="Times New Roman" panose="02020603050405020304" pitchFamily="18" charset="0"/>
                         <a:ea typeface="標楷體" panose="03000509000000000000" pitchFamily="65" charset="-120"/>
@@ -4660,12 +4949,12 @@
                     <a:p>
                       <a:pPr algn="ctr"/>
                       <a:r>
-                        <a:rPr lang="en-US" altLang="zh-TW" dirty="0">
-                          <a:latin typeface="Times New Roman" panose="02020603050405020304" pitchFamily="18" charset="0"/>
-                          <a:ea typeface="標楷體" panose="03000509000000000000" pitchFamily="65" charset="-120"/>
-                          <a:cs typeface="Times New Roman" panose="02020603050405020304" pitchFamily="18" charset="0"/>
-                        </a:rPr>
-                        <a:t>577</a:t>
+                        <a:rPr lang="en-US" altLang="zh-CN">
+                          <a:latin typeface="Times New Roman" panose="02020603050405020304" pitchFamily="18" charset="0"/>
+                          <a:ea typeface="標楷體" panose="03000509000000000000" pitchFamily="65" charset="-120"/>
+                          <a:cs typeface="Times New Roman" panose="02020603050405020304" pitchFamily="18" charset="0"/>
+                        </a:rPr>
+                        <a:t>T0-2</a:t>
                       </a:r>
                       <a:endParaRPr lang="zh-TW" altLang="en-US" dirty="0">
                         <a:latin typeface="Times New Roman" panose="02020603050405020304" pitchFamily="18" charset="0"/>
@@ -4683,12 +4972,12 @@
                     <a:p>
                       <a:pPr algn="ctr"/>
                       <a:r>
-                        <a:rPr lang="en-US" altLang="zh-TW" dirty="0">
-                          <a:latin typeface="Times New Roman" panose="02020603050405020304" pitchFamily="18" charset="0"/>
-                          <a:ea typeface="標楷體" panose="03000509000000000000" pitchFamily="65" charset="-120"/>
-                          <a:cs typeface="Times New Roman" panose="02020603050405020304" pitchFamily="18" charset="0"/>
-                        </a:rPr>
-                        <a:t>577</a:t>
+                        <a:rPr lang="en-US" altLang="zh-CN">
+                          <a:latin typeface="Times New Roman" panose="02020603050405020304" pitchFamily="18" charset="0"/>
+                          <a:ea typeface="標楷體" panose="03000509000000000000" pitchFamily="65" charset="-120"/>
+                          <a:cs typeface="Times New Roman" panose="02020603050405020304" pitchFamily="18" charset="0"/>
+                        </a:rPr>
+                        <a:t>T1-2</a:t>
                       </a:r>
                       <a:endParaRPr lang="zh-TW" altLang="en-US" dirty="0">
                         <a:latin typeface="Times New Roman" panose="02020603050405020304" pitchFamily="18" charset="0"/>
@@ -4706,12 +4995,12 @@
                     <a:p>
                       <a:pPr algn="ctr"/>
                       <a:r>
-                        <a:rPr lang="en-US" altLang="zh-TW" dirty="0">
-                          <a:latin typeface="Times New Roman" panose="02020603050405020304" pitchFamily="18" charset="0"/>
-                          <a:ea typeface="標楷體" panose="03000509000000000000" pitchFamily="65" charset="-120"/>
-                          <a:cs typeface="Times New Roman" panose="02020603050405020304" pitchFamily="18" charset="0"/>
-                        </a:rPr>
-                        <a:t>577</a:t>
+                        <a:rPr lang="en-US" altLang="zh-CN">
+                          <a:latin typeface="Times New Roman" panose="02020603050405020304" pitchFamily="18" charset="0"/>
+                          <a:ea typeface="標楷體" panose="03000509000000000000" pitchFamily="65" charset="-120"/>
+                          <a:cs typeface="Times New Roman" panose="02020603050405020304" pitchFamily="18" charset="0"/>
+                        </a:rPr>
+                        <a:t>T2-2</a:t>
                       </a:r>
                       <a:endParaRPr lang="zh-TW" altLang="en-US" dirty="0">
                         <a:latin typeface="Times New Roman" panose="02020603050405020304" pitchFamily="18" charset="0"/>
@@ -4728,7 +5017,7 @@
                   </a:ext>
                 </a:extLst>
               </a:tr>
-              <a:tr h="1938528">
+              <a:tr h="1950908">
                 <a:tc rowSpan="3">
                   <a:txBody>
                     <a:bodyPr/>
@@ -4954,7 +5243,7 @@
                   </a:ext>
                 </a:extLst>
               </a:tr>
-              <a:tr h="391497">
+              <a:tr h="368096">
                 <a:tc vMerge="1">
                   <a:txBody>
                     <a:bodyPr/>
@@ -5055,12 +5344,12 @@
                         <a:defRPr/>
                       </a:pPr>
                       <a:r>
-                        <a:rPr lang="en-US" altLang="zh-CN" dirty="0">
-                          <a:latin typeface="Times New Roman" panose="02020603050405020304" pitchFamily="18" charset="0"/>
-                          <a:ea typeface="標楷體" panose="03000509000000000000" pitchFamily="65" charset="-120"/>
-                          <a:cs typeface="Times New Roman" panose="02020603050405020304" pitchFamily="18" charset="0"/>
-                        </a:rPr>
-                        <a:t>10.42μm</a:t>
+                        <a:rPr lang="en-US" altLang="zh-CN">
+                          <a:latin typeface="Times New Roman" panose="02020603050405020304" pitchFamily="18" charset="0"/>
+                          <a:ea typeface="標楷體" panose="03000509000000000000" pitchFamily="65" charset="-120"/>
+                          <a:cs typeface="Times New Roman" panose="02020603050405020304" pitchFamily="18" charset="0"/>
+                        </a:rPr>
+                        <a:t>B0-1μm</a:t>
                       </a:r>
                       <a:endParaRPr lang="zh-TW" altLang="en-US" dirty="0">
                         <a:latin typeface="Times New Roman" panose="02020603050405020304" pitchFamily="18" charset="0"/>
@@ -5094,12 +5383,12 @@
                         <a:defRPr/>
                       </a:pPr>
                       <a:r>
-                        <a:rPr lang="en-US" altLang="zh-CN" dirty="0">
-                          <a:latin typeface="Times New Roman" panose="02020603050405020304" pitchFamily="18" charset="0"/>
-                          <a:ea typeface="標楷體" panose="03000509000000000000" pitchFamily="65" charset="-120"/>
-                          <a:cs typeface="Times New Roman" panose="02020603050405020304" pitchFamily="18" charset="0"/>
-                        </a:rPr>
-                        <a:t>10.42μm</a:t>
+                        <a:rPr lang="en-US" altLang="zh-CN">
+                          <a:latin typeface="Times New Roman" panose="02020603050405020304" pitchFamily="18" charset="0"/>
+                          <a:ea typeface="標楷體" panose="03000509000000000000" pitchFamily="65" charset="-120"/>
+                          <a:cs typeface="Times New Roman" panose="02020603050405020304" pitchFamily="18" charset="0"/>
+                        </a:rPr>
+                        <a:t>B1-1μm</a:t>
                       </a:r>
                       <a:endParaRPr lang="zh-TW" altLang="en-US" dirty="0">
                         <a:latin typeface="Times New Roman" panose="02020603050405020304" pitchFamily="18" charset="0"/>
@@ -5133,12 +5422,12 @@
                         <a:defRPr/>
                       </a:pPr>
                       <a:r>
-                        <a:rPr lang="en-US" altLang="zh-CN" dirty="0">
-                          <a:latin typeface="Times New Roman" panose="02020603050405020304" pitchFamily="18" charset="0"/>
-                          <a:ea typeface="標楷體" panose="03000509000000000000" pitchFamily="65" charset="-120"/>
-                          <a:cs typeface="Times New Roman" panose="02020603050405020304" pitchFamily="18" charset="0"/>
-                        </a:rPr>
-                        <a:t>9.77μm</a:t>
+                        <a:rPr lang="en-US" altLang="zh-CN">
+                          <a:latin typeface="Times New Roman" panose="02020603050405020304" pitchFamily="18" charset="0"/>
+                          <a:ea typeface="標楷體" panose="03000509000000000000" pitchFamily="65" charset="-120"/>
+                          <a:cs typeface="Times New Roman" panose="02020603050405020304" pitchFamily="18" charset="0"/>
+                        </a:rPr>
+                        <a:t>B2-1μm</a:t>
                       </a:r>
                       <a:endParaRPr lang="zh-TW" altLang="en-US" dirty="0">
                         <a:latin typeface="Times New Roman" panose="02020603050405020304" pitchFamily="18" charset="0"/>
@@ -5155,7 +5444,7 @@
                   </a:ext>
                 </a:extLst>
               </a:tr>
-              <a:tr h="391497">
+              <a:tr h="368096">
                 <a:tc vMerge="1">
                   <a:txBody>
                     <a:bodyPr/>
@@ -5222,108 +5511,60 @@
                     <a:bodyPr/>
                     <a:lstStyle/>
                     <a:p>
-                      <a:pPr marL="0" marR="0" indent="0" algn="ctr" defTabSz="914400" rtl="0" eaLnBrk="1" fontAlgn="auto" latinLnBrk="0" hangingPunct="1">
-                        <a:lnSpc>
-                          <a:spcPct val="100000"/>
-                        </a:lnSpc>
-                        <a:spcBef>
-                          <a:spcPts val="0"/>
-                        </a:spcBef>
-                        <a:spcAft>
-                          <a:spcPts val="0"/>
-                        </a:spcAft>
-                        <a:buClrTx/>
-                        <a:buSzTx/>
-                        <a:buFontTx/>
-                        <a:buNone/>
-                        <a:tabLst/>
-                        <a:defRPr/>
-                      </a:pPr>
-                      <a:r>
-                        <a:rPr lang="en-US" altLang="zh-TW" dirty="0">
-                          <a:latin typeface="Times New Roman" panose="02020603050405020304" pitchFamily="18" charset="0"/>
-                          <a:ea typeface="標楷體" panose="03000509000000000000" pitchFamily="65" charset="-120"/>
-                          <a:cs typeface="Times New Roman" panose="02020603050405020304" pitchFamily="18" charset="0"/>
-                        </a:rPr>
-                        <a:t>438</a:t>
-                      </a:r>
-                      <a:endParaRPr lang="zh-TW" altLang="en-US" dirty="0">
-                        <a:latin typeface="Times New Roman" panose="02020603050405020304" pitchFamily="18" charset="0"/>
-                        <a:ea typeface="標楷體" panose="03000509000000000000" pitchFamily="65" charset="-120"/>
-                        <a:cs typeface="Times New Roman" panose="02020603050405020304" pitchFamily="18" charset="0"/>
-                      </a:endParaRPr>
-                    </a:p>
-                  </a:txBody>
-                  <a:tcPr anchor="ctr"/>
-                </a:tc>
-                <a:tc>
-                  <a:txBody>
-                    <a:bodyPr/>
-                    <a:lstStyle/>
-                    <a:p>
-                      <a:pPr marL="0" marR="0" indent="0" algn="ctr" defTabSz="914400" rtl="0" eaLnBrk="1" fontAlgn="auto" latinLnBrk="0" hangingPunct="1">
-                        <a:lnSpc>
-                          <a:spcPct val="100000"/>
-                        </a:lnSpc>
-                        <a:spcBef>
-                          <a:spcPts val="0"/>
-                        </a:spcBef>
-                        <a:spcAft>
-                          <a:spcPts val="0"/>
-                        </a:spcAft>
-                        <a:buClrTx/>
-                        <a:buSzTx/>
-                        <a:buFontTx/>
-                        <a:buNone/>
-                        <a:tabLst/>
-                        <a:defRPr/>
-                      </a:pPr>
-                      <a:r>
-                        <a:rPr lang="en-US" altLang="zh-TW" dirty="0">
-                          <a:latin typeface="Times New Roman" panose="02020603050405020304" pitchFamily="18" charset="0"/>
-                          <a:ea typeface="標楷體" panose="03000509000000000000" pitchFamily="65" charset="-120"/>
-                          <a:cs typeface="Times New Roman" panose="02020603050405020304" pitchFamily="18" charset="0"/>
-                        </a:rPr>
-                        <a:t>577</a:t>
-                      </a:r>
-                      <a:endParaRPr lang="zh-TW" altLang="en-US" dirty="0">
-                        <a:latin typeface="Times New Roman" panose="02020603050405020304" pitchFamily="18" charset="0"/>
-                        <a:ea typeface="標楷體" panose="03000509000000000000" pitchFamily="65" charset="-120"/>
-                        <a:cs typeface="Times New Roman" panose="02020603050405020304" pitchFamily="18" charset="0"/>
-                      </a:endParaRPr>
-                    </a:p>
-                  </a:txBody>
-                  <a:tcPr anchor="ctr"/>
-                </a:tc>
-                <a:tc>
-                  <a:txBody>
-                    <a:bodyPr/>
-                    <a:lstStyle/>
-                    <a:p>
-                      <a:pPr marL="0" marR="0" indent="0" algn="ctr" defTabSz="914400" rtl="0" eaLnBrk="1" fontAlgn="auto" latinLnBrk="0" hangingPunct="1">
-                        <a:lnSpc>
-                          <a:spcPct val="100000"/>
-                        </a:lnSpc>
-                        <a:spcBef>
-                          <a:spcPts val="0"/>
-                        </a:spcBef>
-                        <a:spcAft>
-                          <a:spcPts val="0"/>
-                        </a:spcAft>
-                        <a:buClrTx/>
-                        <a:buSzTx/>
-                        <a:buFontTx/>
-                        <a:buNone/>
-                        <a:tabLst/>
-                        <a:defRPr/>
-                      </a:pPr>
-                      <a:r>
-                        <a:rPr lang="en-US" altLang="zh-TW" dirty="0">
-                          <a:latin typeface="Times New Roman" panose="02020603050405020304" pitchFamily="18" charset="0"/>
-                          <a:ea typeface="標楷體" panose="03000509000000000000" pitchFamily="65" charset="-120"/>
-                          <a:cs typeface="Times New Roman" panose="02020603050405020304" pitchFamily="18" charset="0"/>
-                        </a:rPr>
-                        <a:t>507</a:t>
+                      <a:pPr algn="ctr"/>
+                      <a:r>
+                        <a:rPr lang="en-US" altLang="zh-CN">
+                          <a:latin typeface="Times New Roman" panose="02020603050405020304" pitchFamily="18" charset="0"/>
+                          <a:ea typeface="標楷體" panose="03000509000000000000" pitchFamily="65" charset="-120"/>
+                          <a:cs typeface="Times New Roman" panose="02020603050405020304" pitchFamily="18" charset="0"/>
+                        </a:rPr>
+                        <a:t>B0-2</a:t>
+                      </a:r>
+                      <a:endParaRPr lang="zh-TW" altLang="en-US" dirty="0">
+                        <a:latin typeface="Times New Roman" panose="02020603050405020304" pitchFamily="18" charset="0"/>
+                        <a:ea typeface="標楷體" panose="03000509000000000000" pitchFamily="65" charset="-120"/>
+                        <a:cs typeface="Times New Roman" panose="02020603050405020304" pitchFamily="18" charset="0"/>
+                      </a:endParaRPr>
+                    </a:p>
+                  </a:txBody>
+                  <a:tcPr anchor="ctr"/>
+                </a:tc>
+                <a:tc>
+                  <a:txBody>
+                    <a:bodyPr/>
+                    <a:lstStyle/>
+                    <a:p>
+                      <a:pPr algn="ctr"/>
+                      <a:r>
+                        <a:rPr lang="en-US" altLang="zh-CN">
+                          <a:latin typeface="Times New Roman" panose="02020603050405020304" pitchFamily="18" charset="0"/>
+                          <a:ea typeface="標楷體" panose="03000509000000000000" pitchFamily="65" charset="-120"/>
+                          <a:cs typeface="Times New Roman" panose="02020603050405020304" pitchFamily="18" charset="0"/>
+                        </a:rPr>
+                        <a:t>B1-2</a:t>
+                      </a:r>
+                      <a:endParaRPr lang="zh-TW" altLang="en-US" dirty="0">
+                        <a:latin typeface="Times New Roman" panose="02020603050405020304" pitchFamily="18" charset="0"/>
+                        <a:ea typeface="標楷體" panose="03000509000000000000" pitchFamily="65" charset="-120"/>
+                        <a:cs typeface="Times New Roman" panose="02020603050405020304" pitchFamily="18" charset="0"/>
+                      </a:endParaRPr>
+                    </a:p>
+                  </a:txBody>
+                  <a:tcPr anchor="ctr"/>
+                </a:tc>
+                <a:tc>
+                  <a:txBody>
+                    <a:bodyPr/>
+                    <a:lstStyle/>
+                    <a:p>
+                      <a:pPr algn="ctr"/>
+                      <a:r>
+                        <a:rPr lang="en-US" altLang="zh-CN">
+                          <a:latin typeface="Times New Roman" panose="02020603050405020304" pitchFamily="18" charset="0"/>
+                          <a:ea typeface="標楷體" panose="03000509000000000000" pitchFamily="65" charset="-120"/>
+                          <a:cs typeface="Times New Roman" panose="02020603050405020304" pitchFamily="18" charset="0"/>
+                        </a:rPr>
+                        <a:t>B2-2</a:t>
                       </a:r>
                       <a:endParaRPr lang="zh-TW" altLang="en-US" dirty="0">
                         <a:latin typeface="Times New Roman" panose="02020603050405020304" pitchFamily="18" charset="0"/>
@@ -5458,7 +5699,7 @@
               <a:t>一、鋼捲</a:t>
             </a:r>
             <a:r>
-              <a:rPr lang="en-US" altLang="zh-CN" dirty="0">
+              <a:rPr lang="en-US" altLang="zh-CN">
                 <a:solidFill>
                   <a:srgbClr val="000000"/>
                 </a:solidFill>
@@ -5469,15 +5710,15 @@
               <a:t>ID </a:t>
             </a:r>
             <a:r>
-              <a:rPr lang="en-US" altLang="zh-TW" b="1" dirty="0">
+              <a:rPr lang="en-US" altLang="zh-TW" b="1">
                 <a:latin typeface="Times New Roman" panose="02020603050405020304" pitchFamily="18" charset="0"/>
                 <a:ea typeface="標楷體" panose="03000509000000000000" pitchFamily="65" charset="-120"/>
                 <a:cs typeface="Times New Roman" panose="02020603050405020304" pitchFamily="18" charset="0"/>
               </a:rPr>
-              <a:t>2783749000</a:t>
+              <a:t>idroll</a:t>
             </a:r>
             <a:r>
-              <a:rPr lang="en-US" altLang="zh-CN" b="1" dirty="0">
+              <a:rPr lang="en-US" altLang="zh-CN" b="1">
                 <a:solidFill>
                   <a:srgbClr val="000000"/>
                 </a:solidFill>
@@ -5523,14 +5764,1550 @@
           <p:nvPr>
             <p:extLst>
               <p:ext uri="{D42A27DB-BD31-4B8C-83A1-F6EECF244321}">
-                <p14:modId xmlns:p14="http://schemas.microsoft.com/office/powerpoint/2010/main" val="1715128788"/>
+                <p14:modId xmlns:p14="http://schemas.microsoft.com/office/powerpoint/2010/main" val="2013833558"/>
               </p:ext>
             </p:extLst>
           </p:nvPr>
         </p:nvGraphicFramePr>
         <p:xfrm>
           <a:off x="29029" y="573948"/>
-          <a:ext cx="11887201" cy="6177588"/>
+          <a:ext cx="11887198" cy="6163047"/>
+        </p:xfrm>
+        <a:graphic>
+          <a:graphicData uri="http://schemas.openxmlformats.org/drawingml/2006/table">
+            <a:tbl>
+              <a:tblPr firstRow="1" bandRow="1">
+                <a:tableStyleId>{5940675A-B579-460E-94D1-54222C63F5DA}</a:tableStyleId>
+              </a:tblPr>
+              <a:tblGrid>
+                <a:gridCol w="478971">
+                  <a:extLst>
+                    <a:ext uri="{9D8B030D-6E8A-4147-A177-3AD203B41FA5}">
+                      <a16:colId xmlns:a16="http://schemas.microsoft.com/office/drawing/2014/main" val="20000"/>
+                    </a:ext>
+                  </a:extLst>
+                </a:gridCol>
+                <a:gridCol w="1132114">
+                  <a:extLst>
+                    <a:ext uri="{9D8B030D-6E8A-4147-A177-3AD203B41FA5}">
+                      <a16:colId xmlns:a16="http://schemas.microsoft.com/office/drawing/2014/main" val="20001"/>
+                    </a:ext>
+                  </a:extLst>
+                </a:gridCol>
+                <a:gridCol w="3425371">
+                  <a:extLst>
+                    <a:ext uri="{9D8B030D-6E8A-4147-A177-3AD203B41FA5}">
+                      <a16:colId xmlns:a16="http://schemas.microsoft.com/office/drawing/2014/main" val="20002"/>
+                    </a:ext>
+                  </a:extLst>
+                </a:gridCol>
+                <a:gridCol w="3425371">
+                  <a:extLst>
+                    <a:ext uri="{9D8B030D-6E8A-4147-A177-3AD203B41FA5}">
+                      <a16:colId xmlns:a16="http://schemas.microsoft.com/office/drawing/2014/main" val="20003"/>
+                    </a:ext>
+                  </a:extLst>
+                </a:gridCol>
+                <a:gridCol w="3425371">
+                  <a:extLst>
+                    <a:ext uri="{9D8B030D-6E8A-4147-A177-3AD203B41FA5}">
+                      <a16:colId xmlns:a16="http://schemas.microsoft.com/office/drawing/2014/main" val="20004"/>
+                    </a:ext>
+                  </a:extLst>
+                </a:gridCol>
+              </a:tblGrid>
+              <a:tr h="398930">
+                <a:tc gridSpan="2">
+                  <a:txBody>
+                    <a:bodyPr/>
+                    <a:lstStyle/>
+                    <a:p>
+                      <a:pPr algn="ctr"/>
+                      <a:r>
+                        <a:rPr lang="zh-CN" altLang="en-US" dirty="0">
+                          <a:latin typeface="Times New Roman" panose="02020603050405020304" pitchFamily="18" charset="0"/>
+                          <a:ea typeface="標楷體" panose="03000509000000000000" pitchFamily="65" charset="-120"/>
+                          <a:cs typeface="Times New Roman" panose="02020603050405020304" pitchFamily="18" charset="0"/>
+                        </a:rPr>
+                        <a:t>試驗項目</a:t>
+                      </a:r>
+                      <a:endParaRPr lang="zh-TW" altLang="en-US" dirty="0">
+                        <a:latin typeface="Times New Roman" panose="02020603050405020304" pitchFamily="18" charset="0"/>
+                        <a:ea typeface="標楷體" panose="03000509000000000000" pitchFamily="65" charset="-120"/>
+                        <a:cs typeface="Times New Roman" panose="02020603050405020304" pitchFamily="18" charset="0"/>
+                      </a:endParaRPr>
+                    </a:p>
+                  </a:txBody>
+                  <a:tcPr anchor="ctr"/>
+                </a:tc>
+                <a:tc hMerge="1">
+                  <a:txBody>
+                    <a:bodyPr/>
+                    <a:lstStyle/>
+                    <a:p>
+                      <a:endParaRPr lang="zh-TW" altLang="en-US"/>
+                    </a:p>
+                  </a:txBody>
+                  <a:tcPr/>
+                </a:tc>
+                <a:tc gridSpan="3">
+                  <a:txBody>
+                    <a:bodyPr/>
+                    <a:lstStyle/>
+                    <a:p>
+                      <a:pPr algn="ctr"/>
+                      <a:r>
+                        <a:rPr lang="zh-CN" altLang="en-US" b="1" dirty="0">
+                          <a:latin typeface="Times New Roman" panose="02020603050405020304" pitchFamily="18" charset="0"/>
+                          <a:ea typeface="標楷體" panose="03000509000000000000" pitchFamily="65" charset="-120"/>
+                          <a:cs typeface="Times New Roman" panose="02020603050405020304" pitchFamily="18" charset="0"/>
+                        </a:rPr>
+                        <a:t>銹皮厚度</a:t>
+                      </a:r>
+                      <a:r>
+                        <a:rPr lang="zh-TW" altLang="en-US" b="1" dirty="0">
+                          <a:latin typeface="Times New Roman" panose="02020603050405020304" pitchFamily="18" charset="0"/>
+                          <a:ea typeface="標楷體" panose="03000509000000000000" pitchFamily="65" charset="-120"/>
+                          <a:cs typeface="Times New Roman" panose="02020603050405020304" pitchFamily="18" charset="0"/>
+                        </a:rPr>
+                        <a:t>量測</a:t>
+                      </a:r>
+                      <a:r>
+                        <a:rPr lang="zh-CN" altLang="en-US" b="1" dirty="0">
+                          <a:latin typeface="Times New Roman" panose="02020603050405020304" pitchFamily="18" charset="0"/>
+                          <a:ea typeface="標楷體" panose="03000509000000000000" pitchFamily="65" charset="-120"/>
+                          <a:cs typeface="Times New Roman" panose="02020603050405020304" pitchFamily="18" charset="0"/>
+                        </a:rPr>
+                        <a:t>及硬度</a:t>
+                      </a:r>
+                      <a:r>
+                        <a:rPr lang="zh-TW" altLang="en-US" b="1" dirty="0">
+                          <a:latin typeface="Times New Roman" panose="02020603050405020304" pitchFamily="18" charset="0"/>
+                          <a:ea typeface="標楷體" panose="03000509000000000000" pitchFamily="65" charset="-120"/>
+                          <a:cs typeface="Times New Roman" panose="02020603050405020304" pitchFamily="18" charset="0"/>
+                        </a:rPr>
+                        <a:t>試驗</a:t>
+                      </a:r>
+                    </a:p>
+                  </a:txBody>
+                  <a:tcPr anchor="ctr"/>
+                </a:tc>
+                <a:tc hMerge="1">
+                  <a:txBody>
+                    <a:bodyPr/>
+                    <a:lstStyle/>
+                    <a:p>
+                      <a:pPr algn="ctr"/>
+                      <a:endParaRPr lang="zh-TW" altLang="en-US" dirty="0"/>
+                    </a:p>
+                  </a:txBody>
+                  <a:tcPr anchor="ctr"/>
+                </a:tc>
+                <a:tc hMerge="1">
+                  <a:txBody>
+                    <a:bodyPr/>
+                    <a:lstStyle/>
+                    <a:p>
+                      <a:pPr algn="ctr"/>
+                      <a:endParaRPr lang="zh-TW" altLang="en-US" dirty="0"/>
+                    </a:p>
+                  </a:txBody>
+                  <a:tcPr anchor="ctr"/>
+                </a:tc>
+                <a:extLst>
+                  <a:ext uri="{0D108BD9-81ED-4DB2-BD59-A6C34878D82A}">
+                    <a16:rowId xmlns:a16="http://schemas.microsoft.com/office/drawing/2014/main" val="10000"/>
+                  </a:ext>
+                </a:extLst>
+              </a:tr>
+              <a:tr h="398930">
+                <a:tc gridSpan="2">
+                  <a:txBody>
+                    <a:bodyPr/>
+                    <a:lstStyle/>
+                    <a:p>
+                      <a:pPr algn="ctr"/>
+                      <a:r>
+                        <a:rPr lang="zh-CN" altLang="en-US" dirty="0">
+                          <a:latin typeface="Times New Roman" panose="02020603050405020304" pitchFamily="18" charset="0"/>
+                          <a:ea typeface="標楷體" panose="03000509000000000000" pitchFamily="65" charset="-120"/>
+                          <a:cs typeface="Times New Roman" panose="02020603050405020304" pitchFamily="18" charset="0"/>
+                        </a:rPr>
+                        <a:t>觀察位置</a:t>
+                      </a:r>
+                      <a:endParaRPr lang="zh-TW" altLang="en-US" dirty="0">
+                        <a:latin typeface="Times New Roman" panose="02020603050405020304" pitchFamily="18" charset="0"/>
+                        <a:ea typeface="標楷體" panose="03000509000000000000" pitchFamily="65" charset="-120"/>
+                        <a:cs typeface="Times New Roman" panose="02020603050405020304" pitchFamily="18" charset="0"/>
+                      </a:endParaRPr>
+                    </a:p>
+                  </a:txBody>
+                  <a:tcPr anchor="ctr"/>
+                </a:tc>
+                <a:tc hMerge="1">
+                  <a:txBody>
+                    <a:bodyPr/>
+                    <a:lstStyle/>
+                    <a:p>
+                      <a:endParaRPr lang="zh-TW" altLang="en-US"/>
+                    </a:p>
+                  </a:txBody>
+                  <a:tcPr/>
+                </a:tc>
+                <a:tc>
+                  <a:txBody>
+                    <a:bodyPr/>
+                    <a:lstStyle/>
+                    <a:p>
+                      <a:pPr marL="0" marR="0" indent="0" algn="ctr" defTabSz="914400" rtl="0" eaLnBrk="1" fontAlgn="auto" latinLnBrk="0" hangingPunct="1">
+                        <a:lnSpc>
+                          <a:spcPct val="100000"/>
+                        </a:lnSpc>
+                        <a:spcBef>
+                          <a:spcPts val="0"/>
+                        </a:spcBef>
+                        <a:spcAft>
+                          <a:spcPts val="0"/>
+                        </a:spcAft>
+                        <a:buClrTx/>
+                        <a:buSzTx/>
+                        <a:buFontTx/>
+                        <a:buNone/>
+                        <a:tabLst/>
+                        <a:defRPr/>
+                      </a:pPr>
+                      <a:r>
+                        <a:rPr lang="zh-CN" altLang="en-US" dirty="0">
+                          <a:latin typeface="Times New Roman" panose="02020603050405020304" pitchFamily="18" charset="0"/>
+                          <a:ea typeface="標楷體" panose="03000509000000000000" pitchFamily="65" charset="-120"/>
+                          <a:cs typeface="Times New Roman" panose="02020603050405020304" pitchFamily="18" charset="0"/>
+                        </a:rPr>
+                        <a:t>邊緣</a:t>
+                      </a:r>
+                      <a:endParaRPr lang="zh-TW" altLang="en-US" dirty="0">
+                        <a:latin typeface="Times New Roman" panose="02020603050405020304" pitchFamily="18" charset="0"/>
+                        <a:ea typeface="標楷體" panose="03000509000000000000" pitchFamily="65" charset="-120"/>
+                        <a:cs typeface="Times New Roman" panose="02020603050405020304" pitchFamily="18" charset="0"/>
+                      </a:endParaRPr>
+                    </a:p>
+                  </a:txBody>
+                  <a:tcPr anchor="ctr"/>
+                </a:tc>
+                <a:tc>
+                  <a:txBody>
+                    <a:bodyPr/>
+                    <a:lstStyle/>
+                    <a:p>
+                      <a:pPr marL="0" marR="0" indent="0" algn="ctr" defTabSz="914400" rtl="0" eaLnBrk="1" fontAlgn="auto" latinLnBrk="0" hangingPunct="1">
+                        <a:lnSpc>
+                          <a:spcPct val="100000"/>
+                        </a:lnSpc>
+                        <a:spcBef>
+                          <a:spcPts val="0"/>
+                        </a:spcBef>
+                        <a:spcAft>
+                          <a:spcPts val="0"/>
+                        </a:spcAft>
+                        <a:buClrTx/>
+                        <a:buSzTx/>
+                        <a:buFontTx/>
+                        <a:buNone/>
+                        <a:tabLst/>
+                        <a:defRPr/>
+                      </a:pPr>
+                      <a:r>
+                        <a:rPr lang="en-US" altLang="zh-CN" dirty="0">
+                          <a:latin typeface="Times New Roman" panose="02020603050405020304" pitchFamily="18" charset="0"/>
+                          <a:ea typeface="標楷體" panose="03000509000000000000" pitchFamily="65" charset="-120"/>
+                          <a:cs typeface="Times New Roman" panose="02020603050405020304" pitchFamily="18" charset="0"/>
+                        </a:rPr>
+                        <a:t>1/4</a:t>
+                      </a:r>
+                      <a:endParaRPr lang="zh-TW" altLang="en-US" dirty="0">
+                        <a:latin typeface="Times New Roman" panose="02020603050405020304" pitchFamily="18" charset="0"/>
+                        <a:ea typeface="標楷體" panose="03000509000000000000" pitchFamily="65" charset="-120"/>
+                        <a:cs typeface="Times New Roman" panose="02020603050405020304" pitchFamily="18" charset="0"/>
+                      </a:endParaRPr>
+                    </a:p>
+                  </a:txBody>
+                  <a:tcPr anchor="ctr"/>
+                </a:tc>
+                <a:tc>
+                  <a:txBody>
+                    <a:bodyPr/>
+                    <a:lstStyle/>
+                    <a:p>
+                      <a:pPr marL="0" marR="0" indent="0" algn="ctr" defTabSz="914400" rtl="0" eaLnBrk="1" fontAlgn="auto" latinLnBrk="0" hangingPunct="1">
+                        <a:lnSpc>
+                          <a:spcPct val="100000"/>
+                        </a:lnSpc>
+                        <a:spcBef>
+                          <a:spcPts val="0"/>
+                        </a:spcBef>
+                        <a:spcAft>
+                          <a:spcPts val="0"/>
+                        </a:spcAft>
+                        <a:buClrTx/>
+                        <a:buSzTx/>
+                        <a:buFontTx/>
+                        <a:buNone/>
+                        <a:tabLst/>
+                        <a:defRPr/>
+                      </a:pPr>
+                      <a:r>
+                        <a:rPr lang="zh-CN" altLang="en-US" dirty="0">
+                          <a:latin typeface="Times New Roman" panose="02020603050405020304" pitchFamily="18" charset="0"/>
+                          <a:ea typeface="標楷體" panose="03000509000000000000" pitchFamily="65" charset="-120"/>
+                          <a:cs typeface="Times New Roman" panose="02020603050405020304" pitchFamily="18" charset="0"/>
+                        </a:rPr>
+                        <a:t>中心 </a:t>
+                      </a:r>
+                      <a:endParaRPr lang="zh-TW" altLang="en-US" dirty="0">
+                        <a:latin typeface="Times New Roman" panose="02020603050405020304" pitchFamily="18" charset="0"/>
+                        <a:ea typeface="標楷體" panose="03000509000000000000" pitchFamily="65" charset="-120"/>
+                        <a:cs typeface="Times New Roman" panose="02020603050405020304" pitchFamily="18" charset="0"/>
+                      </a:endParaRPr>
+                    </a:p>
+                  </a:txBody>
+                  <a:tcPr anchor="ctr"/>
+                </a:tc>
+                <a:extLst>
+                  <a:ext uri="{0D108BD9-81ED-4DB2-BD59-A6C34878D82A}">
+                    <a16:rowId xmlns:a16="http://schemas.microsoft.com/office/drawing/2014/main" val="10001"/>
+                  </a:ext>
+                </a:extLst>
+              </a:tr>
+              <a:tr h="1946567">
+                <a:tc rowSpan="3">
+                  <a:txBody>
+                    <a:bodyPr/>
+                    <a:lstStyle/>
+                    <a:p>
+                      <a:pPr marL="0" marR="0" indent="0" algn="ctr" defTabSz="914400" rtl="0" eaLnBrk="1" fontAlgn="auto" latinLnBrk="0" hangingPunct="1">
+                        <a:lnSpc>
+                          <a:spcPct val="100000"/>
+                        </a:lnSpc>
+                        <a:spcBef>
+                          <a:spcPts val="0"/>
+                        </a:spcBef>
+                        <a:spcAft>
+                          <a:spcPts val="0"/>
+                        </a:spcAft>
+                        <a:buClrTx/>
+                        <a:buSzTx/>
+                        <a:buFontTx/>
+                        <a:buNone/>
+                        <a:tabLst/>
+                        <a:defRPr/>
+                      </a:pPr>
+                      <a:r>
+                        <a:rPr lang="zh-CN" altLang="en-US" dirty="0">
+                          <a:latin typeface="Times New Roman" panose="02020603050405020304" pitchFamily="18" charset="0"/>
+                          <a:ea typeface="標楷體" panose="03000509000000000000" pitchFamily="65" charset="-120"/>
+                          <a:cs typeface="Times New Roman" panose="02020603050405020304" pitchFamily="18" charset="0"/>
+                        </a:rPr>
+                        <a:t>上表面</a:t>
+                      </a:r>
+                      <a:endParaRPr lang="zh-TW" altLang="en-US" dirty="0">
+                        <a:latin typeface="Times New Roman" panose="02020603050405020304" pitchFamily="18" charset="0"/>
+                        <a:ea typeface="標楷體" panose="03000509000000000000" pitchFamily="65" charset="-120"/>
+                        <a:cs typeface="Times New Roman" panose="02020603050405020304" pitchFamily="18" charset="0"/>
+                      </a:endParaRPr>
+                    </a:p>
+                  </a:txBody>
+                  <a:tcPr anchor="ctr"/>
+                </a:tc>
+                <a:tc>
+                  <a:txBody>
+                    <a:bodyPr/>
+                    <a:lstStyle/>
+                    <a:p>
+                      <a:pPr marL="0" marR="0" indent="0" algn="ctr" defTabSz="914400" rtl="0" eaLnBrk="1" fontAlgn="auto" latinLnBrk="0" hangingPunct="1">
+                        <a:lnSpc>
+                          <a:spcPct val="100000"/>
+                        </a:lnSpc>
+                        <a:spcBef>
+                          <a:spcPts val="0"/>
+                        </a:spcBef>
+                        <a:spcAft>
+                          <a:spcPts val="0"/>
+                        </a:spcAft>
+                        <a:buClrTx/>
+                        <a:buSzTx/>
+                        <a:buFontTx/>
+                        <a:buNone/>
+                        <a:tabLst/>
+                        <a:defRPr/>
+                      </a:pPr>
+                      <a:r>
+                        <a:rPr lang="zh-CN" altLang="en-US" dirty="0">
+                          <a:latin typeface="Times New Roman" panose="02020603050405020304" pitchFamily="18" charset="0"/>
+                          <a:ea typeface="標楷體" panose="03000509000000000000" pitchFamily="65" charset="-120"/>
+                          <a:cs typeface="Times New Roman" panose="02020603050405020304" pitchFamily="18" charset="0"/>
+                        </a:rPr>
+                        <a:t>照片</a:t>
+                      </a:r>
+                      <a:endParaRPr lang="zh-TW" altLang="en-US" dirty="0">
+                        <a:latin typeface="Times New Roman" panose="02020603050405020304" pitchFamily="18" charset="0"/>
+                        <a:ea typeface="標楷體" panose="03000509000000000000" pitchFamily="65" charset="-120"/>
+                        <a:cs typeface="Times New Roman" panose="02020603050405020304" pitchFamily="18" charset="0"/>
+                      </a:endParaRPr>
+                    </a:p>
+                  </a:txBody>
+                  <a:tcPr anchor="ctr"/>
+                </a:tc>
+                <a:tc>
+                  <a:txBody>
+                    <a:bodyPr/>
+                    <a:lstStyle/>
+                    <a:p>
+                      <a:pPr algn="ctr"/>
+                      <a:endParaRPr lang="en-US" altLang="zh-TW" dirty="0">
+                        <a:latin typeface="Times New Roman" panose="02020603050405020304" pitchFamily="18" charset="0"/>
+                        <a:ea typeface="標楷體" panose="03000509000000000000" pitchFamily="65" charset="-120"/>
+                        <a:cs typeface="Times New Roman" panose="02020603050405020304" pitchFamily="18" charset="0"/>
+                      </a:endParaRPr>
+                    </a:p>
+                    <a:p>
+                      <a:pPr algn="ctr"/>
+                      <a:endParaRPr lang="zh-TW" altLang="en-US" dirty="0">
+                        <a:latin typeface="Times New Roman" panose="02020603050405020304" pitchFamily="18" charset="0"/>
+                        <a:ea typeface="標楷體" panose="03000509000000000000" pitchFamily="65" charset="-120"/>
+                        <a:cs typeface="Times New Roman" panose="02020603050405020304" pitchFamily="18" charset="0"/>
+                      </a:endParaRPr>
+                    </a:p>
+                  </a:txBody>
+                  <a:tcPr anchor="ctr"/>
+                </a:tc>
+                <a:tc>
+                  <a:txBody>
+                    <a:bodyPr/>
+                    <a:lstStyle/>
+                    <a:p>
+                      <a:pPr algn="ctr"/>
+                      <a:endParaRPr lang="zh-TW" altLang="en-US" dirty="0">
+                        <a:latin typeface="Times New Roman" panose="02020603050405020304" pitchFamily="18" charset="0"/>
+                        <a:ea typeface="標楷體" panose="03000509000000000000" pitchFamily="65" charset="-120"/>
+                        <a:cs typeface="Times New Roman" panose="02020603050405020304" pitchFamily="18" charset="0"/>
+                      </a:endParaRPr>
+                    </a:p>
+                  </a:txBody>
+                  <a:tcPr anchor="ctr"/>
+                </a:tc>
+                <a:tc>
+                  <a:txBody>
+                    <a:bodyPr/>
+                    <a:lstStyle/>
+                    <a:p>
+                      <a:pPr algn="ctr"/>
+                      <a:endParaRPr lang="zh-TW" altLang="en-US" dirty="0">
+                        <a:latin typeface="Times New Roman" panose="02020603050405020304" pitchFamily="18" charset="0"/>
+                        <a:ea typeface="標楷體" panose="03000509000000000000" pitchFamily="65" charset="-120"/>
+                        <a:cs typeface="Times New Roman" panose="02020603050405020304" pitchFamily="18" charset="0"/>
+                      </a:endParaRPr>
+                    </a:p>
+                  </a:txBody>
+                  <a:tcPr anchor="ctr"/>
+                </a:tc>
+                <a:extLst>
+                  <a:ext uri="{0D108BD9-81ED-4DB2-BD59-A6C34878D82A}">
+                    <a16:rowId xmlns:a16="http://schemas.microsoft.com/office/drawing/2014/main" val="10002"/>
+                  </a:ext>
+                </a:extLst>
+              </a:tr>
+              <a:tr h="365760">
+                <a:tc vMerge="1">
+                  <a:txBody>
+                    <a:bodyPr/>
+                    <a:lstStyle/>
+                    <a:p>
+                      <a:pPr marL="0" marR="0" indent="0" algn="ctr" defTabSz="914400" rtl="0" eaLnBrk="1" fontAlgn="auto" latinLnBrk="0" hangingPunct="1">
+                        <a:lnSpc>
+                          <a:spcPct val="100000"/>
+                        </a:lnSpc>
+                        <a:spcBef>
+                          <a:spcPts val="0"/>
+                        </a:spcBef>
+                        <a:spcAft>
+                          <a:spcPts val="0"/>
+                        </a:spcAft>
+                        <a:buClrTx/>
+                        <a:buSzTx/>
+                        <a:buFontTx/>
+                        <a:buNone/>
+                        <a:tabLst/>
+                        <a:defRPr/>
+                      </a:pPr>
+                      <a:endParaRPr lang="zh-TW" altLang="en-US" dirty="0">
+                        <a:latin typeface="Times New Roman" panose="02020603050405020304" pitchFamily="18" charset="0"/>
+                        <a:ea typeface="標楷體" panose="03000509000000000000" pitchFamily="65" charset="-120"/>
+                        <a:cs typeface="Times New Roman" panose="02020603050405020304" pitchFamily="18" charset="0"/>
+                      </a:endParaRPr>
+                    </a:p>
+                  </a:txBody>
+                  <a:tcPr anchor="ctr"/>
+                </a:tc>
+                <a:tc>
+                  <a:txBody>
+                    <a:bodyPr/>
+                    <a:lstStyle/>
+                    <a:p>
+                      <a:r>
+                        <a:rPr lang="zh-CN" altLang="en-US" dirty="0">
+                          <a:latin typeface="Times New Roman" panose="02020603050405020304" pitchFamily="18" charset="0"/>
+                          <a:ea typeface="標楷體" panose="03000509000000000000" pitchFamily="65" charset="-120"/>
+                          <a:cs typeface="Times New Roman" panose="02020603050405020304" pitchFamily="18" charset="0"/>
+                        </a:rPr>
+                        <a:t>厚度</a:t>
+                      </a:r>
+                      <a:r>
+                        <a:rPr lang="en-US" altLang="zh-CN" dirty="0">
+                          <a:latin typeface="Times New Roman" panose="02020603050405020304" pitchFamily="18" charset="0"/>
+                          <a:ea typeface="標楷體" panose="03000509000000000000" pitchFamily="65" charset="-120"/>
+                          <a:cs typeface="Times New Roman" panose="02020603050405020304" pitchFamily="18" charset="0"/>
+                        </a:rPr>
+                        <a:t>(</a:t>
+                      </a:r>
+                      <a:r>
+                        <a:rPr lang="en-US" altLang="zh-CN" dirty="0" err="1">
+                          <a:latin typeface="Times New Roman" panose="02020603050405020304" pitchFamily="18" charset="0"/>
+                          <a:ea typeface="標楷體" panose="03000509000000000000" pitchFamily="65" charset="-120"/>
+                          <a:cs typeface="Times New Roman" panose="02020603050405020304" pitchFamily="18" charset="0"/>
+                        </a:rPr>
+                        <a:t>μm</a:t>
+                      </a:r>
+                      <a:r>
+                        <a:rPr lang="en-US" altLang="zh-CN" dirty="0">
+                          <a:latin typeface="Times New Roman" panose="02020603050405020304" pitchFamily="18" charset="0"/>
+                          <a:ea typeface="標楷體" panose="03000509000000000000" pitchFamily="65" charset="-120"/>
+                          <a:cs typeface="Times New Roman" panose="02020603050405020304" pitchFamily="18" charset="0"/>
+                        </a:rPr>
+                        <a:t>)</a:t>
+                      </a:r>
+                      <a:endParaRPr lang="zh-TW" altLang="en-US" dirty="0">
+                        <a:latin typeface="Times New Roman" panose="02020603050405020304" pitchFamily="18" charset="0"/>
+                        <a:ea typeface="標楷體" panose="03000509000000000000" pitchFamily="65" charset="-120"/>
+                        <a:cs typeface="Times New Roman" panose="02020603050405020304" pitchFamily="18" charset="0"/>
+                      </a:endParaRPr>
+                    </a:p>
+                  </a:txBody>
+                  <a:tcPr anchor="ctr"/>
+                </a:tc>
+                <a:tc>
+                  <a:txBody>
+                    <a:bodyPr/>
+                    <a:lstStyle/>
+                    <a:p>
+                      <a:pPr marL="0" marR="0" indent="0" algn="ctr" defTabSz="914400" rtl="0" eaLnBrk="1" fontAlgn="auto" latinLnBrk="0" hangingPunct="1">
+                        <a:lnSpc>
+                          <a:spcPct val="100000"/>
+                        </a:lnSpc>
+                        <a:spcBef>
+                          <a:spcPts val="0"/>
+                        </a:spcBef>
+                        <a:spcAft>
+                          <a:spcPts val="0"/>
+                        </a:spcAft>
+                        <a:buClrTx/>
+                        <a:buSzTx/>
+                        <a:buFontTx/>
+                        <a:buNone/>
+                        <a:tabLst/>
+                        <a:defRPr/>
+                      </a:pPr>
+                      <a:r>
+                        <a:rPr lang="en-US" altLang="zh-CN">
+                          <a:latin typeface="Times New Roman" panose="02020603050405020304" pitchFamily="18" charset="0"/>
+                          <a:ea typeface="標楷體" panose="03000509000000000000" pitchFamily="65" charset="-120"/>
+                          <a:cs typeface="Times New Roman" panose="02020603050405020304" pitchFamily="18" charset="0"/>
+                        </a:rPr>
+                        <a:t>T0-1μm</a:t>
+                      </a:r>
+                      <a:endParaRPr lang="zh-TW" altLang="en-US" dirty="0">
+                        <a:latin typeface="Times New Roman" panose="02020603050405020304" pitchFamily="18" charset="0"/>
+                        <a:ea typeface="標楷體" panose="03000509000000000000" pitchFamily="65" charset="-120"/>
+                        <a:cs typeface="Times New Roman" panose="02020603050405020304" pitchFamily="18" charset="0"/>
+                      </a:endParaRPr>
+                    </a:p>
+                  </a:txBody>
+                  <a:tcPr anchor="ctr"/>
+                </a:tc>
+                <a:tc>
+                  <a:txBody>
+                    <a:bodyPr/>
+                    <a:lstStyle/>
+                    <a:p>
+                      <a:pPr marL="0" marR="0" indent="0" algn="ctr" defTabSz="914400" rtl="0" eaLnBrk="1" fontAlgn="auto" latinLnBrk="0" hangingPunct="1">
+                        <a:lnSpc>
+                          <a:spcPct val="100000"/>
+                        </a:lnSpc>
+                        <a:spcBef>
+                          <a:spcPts val="0"/>
+                        </a:spcBef>
+                        <a:spcAft>
+                          <a:spcPts val="0"/>
+                        </a:spcAft>
+                        <a:buClrTx/>
+                        <a:buSzTx/>
+                        <a:buFontTx/>
+                        <a:buNone/>
+                        <a:tabLst/>
+                        <a:defRPr/>
+                      </a:pPr>
+                      <a:r>
+                        <a:rPr lang="en-US" altLang="zh-CN">
+                          <a:latin typeface="Times New Roman" panose="02020603050405020304" pitchFamily="18" charset="0"/>
+                          <a:ea typeface="標楷體" panose="03000509000000000000" pitchFamily="65" charset="-120"/>
+                          <a:cs typeface="Times New Roman" panose="02020603050405020304" pitchFamily="18" charset="0"/>
+                        </a:rPr>
+                        <a:t>T1-1μm</a:t>
+                      </a:r>
+                      <a:endParaRPr lang="zh-TW" altLang="en-US" dirty="0">
+                        <a:latin typeface="Times New Roman" panose="02020603050405020304" pitchFamily="18" charset="0"/>
+                        <a:ea typeface="標楷體" panose="03000509000000000000" pitchFamily="65" charset="-120"/>
+                        <a:cs typeface="Times New Roman" panose="02020603050405020304" pitchFamily="18" charset="0"/>
+                      </a:endParaRPr>
+                    </a:p>
+                  </a:txBody>
+                  <a:tcPr anchor="ctr"/>
+                </a:tc>
+                <a:tc>
+                  <a:txBody>
+                    <a:bodyPr/>
+                    <a:lstStyle/>
+                    <a:p>
+                      <a:pPr marL="0" marR="0" indent="0" algn="ctr" defTabSz="914400" rtl="0" eaLnBrk="1" fontAlgn="auto" latinLnBrk="0" hangingPunct="1">
+                        <a:lnSpc>
+                          <a:spcPct val="100000"/>
+                        </a:lnSpc>
+                        <a:spcBef>
+                          <a:spcPts val="0"/>
+                        </a:spcBef>
+                        <a:spcAft>
+                          <a:spcPts val="0"/>
+                        </a:spcAft>
+                        <a:buClrTx/>
+                        <a:buSzTx/>
+                        <a:buFontTx/>
+                        <a:buNone/>
+                        <a:tabLst/>
+                        <a:defRPr/>
+                      </a:pPr>
+                      <a:r>
+                        <a:rPr lang="en-US" altLang="zh-CN">
+                          <a:latin typeface="Times New Roman" panose="02020603050405020304" pitchFamily="18" charset="0"/>
+                          <a:ea typeface="標楷體" panose="03000509000000000000" pitchFamily="65" charset="-120"/>
+                          <a:cs typeface="Times New Roman" panose="02020603050405020304" pitchFamily="18" charset="0"/>
+                        </a:rPr>
+                        <a:t>T2-1μm</a:t>
+                      </a:r>
+                      <a:endParaRPr lang="zh-TW" altLang="en-US" dirty="0">
+                        <a:latin typeface="Times New Roman" panose="02020603050405020304" pitchFamily="18" charset="0"/>
+                        <a:ea typeface="標楷體" panose="03000509000000000000" pitchFamily="65" charset="-120"/>
+                        <a:cs typeface="Times New Roman" panose="02020603050405020304" pitchFamily="18" charset="0"/>
+                      </a:endParaRPr>
+                    </a:p>
+                  </a:txBody>
+                  <a:tcPr anchor="ctr"/>
+                </a:tc>
+                <a:extLst>
+                  <a:ext uri="{0D108BD9-81ED-4DB2-BD59-A6C34878D82A}">
+                    <a16:rowId xmlns:a16="http://schemas.microsoft.com/office/drawing/2014/main" val="10003"/>
+                  </a:ext>
+                </a:extLst>
+              </a:tr>
+              <a:tr h="365760">
+                <a:tc vMerge="1">
+                  <a:txBody>
+                    <a:bodyPr/>
+                    <a:lstStyle/>
+                    <a:p>
+                      <a:pPr marL="0" marR="0" indent="0" algn="ctr" defTabSz="914400" rtl="0" eaLnBrk="1" fontAlgn="auto" latinLnBrk="0" hangingPunct="1">
+                        <a:lnSpc>
+                          <a:spcPct val="100000"/>
+                        </a:lnSpc>
+                        <a:spcBef>
+                          <a:spcPts val="0"/>
+                        </a:spcBef>
+                        <a:spcAft>
+                          <a:spcPts val="0"/>
+                        </a:spcAft>
+                        <a:buClrTx/>
+                        <a:buSzTx/>
+                        <a:buFontTx/>
+                        <a:buNone/>
+                        <a:tabLst/>
+                        <a:defRPr/>
+                      </a:pPr>
+                      <a:endParaRPr lang="zh-TW" altLang="en-US" dirty="0">
+                        <a:latin typeface="Times New Roman" panose="02020603050405020304" pitchFamily="18" charset="0"/>
+                        <a:ea typeface="標楷體" panose="03000509000000000000" pitchFamily="65" charset="-120"/>
+                        <a:cs typeface="Times New Roman" panose="02020603050405020304" pitchFamily="18" charset="0"/>
+                      </a:endParaRPr>
+                    </a:p>
+                  </a:txBody>
+                  <a:tcPr anchor="ctr"/>
+                </a:tc>
+                <a:tc>
+                  <a:txBody>
+                    <a:bodyPr/>
+                    <a:lstStyle/>
+                    <a:p>
+                      <a:r>
+                        <a:rPr lang="zh-CN" altLang="en-US" dirty="0">
+                          <a:latin typeface="Times New Roman" panose="02020603050405020304" pitchFamily="18" charset="0"/>
+                          <a:ea typeface="標楷體" panose="03000509000000000000" pitchFamily="65" charset="-120"/>
+                          <a:cs typeface="Times New Roman" panose="02020603050405020304" pitchFamily="18" charset="0"/>
+                        </a:rPr>
+                        <a:t>硬度</a:t>
+                      </a:r>
+                      <a:r>
+                        <a:rPr lang="en-US" altLang="zh-CN" dirty="0">
+                          <a:latin typeface="Times New Roman" panose="02020603050405020304" pitchFamily="18" charset="0"/>
+                          <a:ea typeface="標楷體" panose="03000509000000000000" pitchFamily="65" charset="-120"/>
+                          <a:cs typeface="Times New Roman" panose="02020603050405020304" pitchFamily="18" charset="0"/>
+                        </a:rPr>
+                        <a:t>(HV)</a:t>
+                      </a:r>
+                      <a:endParaRPr lang="zh-TW" altLang="en-US" dirty="0">
+                        <a:latin typeface="Times New Roman" panose="02020603050405020304" pitchFamily="18" charset="0"/>
+                        <a:ea typeface="標楷體" panose="03000509000000000000" pitchFamily="65" charset="-120"/>
+                        <a:cs typeface="Times New Roman" panose="02020603050405020304" pitchFamily="18" charset="0"/>
+                      </a:endParaRPr>
+                    </a:p>
+                  </a:txBody>
+                  <a:tcPr anchor="ctr"/>
+                </a:tc>
+                <a:tc>
+                  <a:txBody>
+                    <a:bodyPr/>
+                    <a:lstStyle/>
+                    <a:p>
+                      <a:pPr algn="ctr"/>
+                      <a:r>
+                        <a:rPr lang="en-US" altLang="zh-CN">
+                          <a:latin typeface="Times New Roman" panose="02020603050405020304" pitchFamily="18" charset="0"/>
+                          <a:ea typeface="標楷體" panose="03000509000000000000" pitchFamily="65" charset="-120"/>
+                          <a:cs typeface="Times New Roman" panose="02020603050405020304" pitchFamily="18" charset="0"/>
+                        </a:rPr>
+                        <a:t>T0-2</a:t>
+                      </a:r>
+                      <a:endParaRPr lang="zh-TW" altLang="en-US" dirty="0">
+                        <a:latin typeface="Times New Roman" panose="02020603050405020304" pitchFamily="18" charset="0"/>
+                        <a:ea typeface="標楷體" panose="03000509000000000000" pitchFamily="65" charset="-120"/>
+                        <a:cs typeface="Times New Roman" panose="02020603050405020304" pitchFamily="18" charset="0"/>
+                      </a:endParaRPr>
+                    </a:p>
+                  </a:txBody>
+                  <a:tcPr anchor="ctr"/>
+                </a:tc>
+                <a:tc>
+                  <a:txBody>
+                    <a:bodyPr/>
+                    <a:lstStyle/>
+                    <a:p>
+                      <a:pPr algn="ctr"/>
+                      <a:r>
+                        <a:rPr lang="en-US" altLang="zh-CN">
+                          <a:latin typeface="Times New Roman" panose="02020603050405020304" pitchFamily="18" charset="0"/>
+                          <a:ea typeface="標楷體" panose="03000509000000000000" pitchFamily="65" charset="-120"/>
+                          <a:cs typeface="Times New Roman" panose="02020603050405020304" pitchFamily="18" charset="0"/>
+                        </a:rPr>
+                        <a:t>T1-2</a:t>
+                      </a:r>
+                      <a:endParaRPr lang="zh-TW" altLang="en-US" dirty="0">
+                        <a:latin typeface="Times New Roman" panose="02020603050405020304" pitchFamily="18" charset="0"/>
+                        <a:ea typeface="標楷體" panose="03000509000000000000" pitchFamily="65" charset="-120"/>
+                        <a:cs typeface="Times New Roman" panose="02020603050405020304" pitchFamily="18" charset="0"/>
+                      </a:endParaRPr>
+                    </a:p>
+                  </a:txBody>
+                  <a:tcPr anchor="ctr"/>
+                </a:tc>
+                <a:tc>
+                  <a:txBody>
+                    <a:bodyPr/>
+                    <a:lstStyle/>
+                    <a:p>
+                      <a:pPr algn="ctr"/>
+                      <a:r>
+                        <a:rPr lang="en-US" altLang="zh-CN">
+                          <a:latin typeface="Times New Roman" panose="02020603050405020304" pitchFamily="18" charset="0"/>
+                          <a:ea typeface="標楷體" panose="03000509000000000000" pitchFamily="65" charset="-120"/>
+                          <a:cs typeface="Times New Roman" panose="02020603050405020304" pitchFamily="18" charset="0"/>
+                        </a:rPr>
+                        <a:t>T2-2</a:t>
+                      </a:r>
+                      <a:endParaRPr lang="zh-TW" altLang="en-US" dirty="0">
+                        <a:latin typeface="Times New Roman" panose="02020603050405020304" pitchFamily="18" charset="0"/>
+                        <a:ea typeface="標楷體" panose="03000509000000000000" pitchFamily="65" charset="-120"/>
+                        <a:cs typeface="Times New Roman" panose="02020603050405020304" pitchFamily="18" charset="0"/>
+                      </a:endParaRPr>
+                    </a:p>
+                  </a:txBody>
+                  <a:tcPr anchor="ctr"/>
+                </a:tc>
+                <a:extLst>
+                  <a:ext uri="{0D108BD9-81ED-4DB2-BD59-A6C34878D82A}">
+                    <a16:rowId xmlns:a16="http://schemas.microsoft.com/office/drawing/2014/main" val="10004"/>
+                  </a:ext>
+                </a:extLst>
+              </a:tr>
+              <a:tr h="1950908">
+                <a:tc rowSpan="3">
+                  <a:txBody>
+                    <a:bodyPr/>
+                    <a:lstStyle/>
+                    <a:p>
+                      <a:pPr marL="0" marR="0" indent="0" algn="ctr" defTabSz="914400" rtl="0" eaLnBrk="1" fontAlgn="auto" latinLnBrk="0" hangingPunct="1">
+                        <a:lnSpc>
+                          <a:spcPct val="100000"/>
+                        </a:lnSpc>
+                        <a:spcBef>
+                          <a:spcPts val="0"/>
+                        </a:spcBef>
+                        <a:spcAft>
+                          <a:spcPts val="0"/>
+                        </a:spcAft>
+                        <a:buClrTx/>
+                        <a:buSzTx/>
+                        <a:buFontTx/>
+                        <a:buNone/>
+                        <a:tabLst/>
+                        <a:defRPr/>
+                      </a:pPr>
+                      <a:r>
+                        <a:rPr lang="zh-CN" altLang="en-US" dirty="0">
+                          <a:latin typeface="Times New Roman" panose="02020603050405020304" pitchFamily="18" charset="0"/>
+                          <a:ea typeface="標楷體" panose="03000509000000000000" pitchFamily="65" charset="-120"/>
+                          <a:cs typeface="Times New Roman" panose="02020603050405020304" pitchFamily="18" charset="0"/>
+                        </a:rPr>
+                        <a:t>下表面</a:t>
+                      </a:r>
+                      <a:endParaRPr lang="zh-TW" altLang="en-US" dirty="0">
+                        <a:latin typeface="Times New Roman" panose="02020603050405020304" pitchFamily="18" charset="0"/>
+                        <a:ea typeface="標楷體" panose="03000509000000000000" pitchFamily="65" charset="-120"/>
+                        <a:cs typeface="Times New Roman" panose="02020603050405020304" pitchFamily="18" charset="0"/>
+                      </a:endParaRPr>
+                    </a:p>
+                  </a:txBody>
+                  <a:tcPr anchor="ctr"/>
+                </a:tc>
+                <a:tc>
+                  <a:txBody>
+                    <a:bodyPr/>
+                    <a:lstStyle/>
+                    <a:p>
+                      <a:pPr marL="0" marR="0" indent="0" algn="ctr" defTabSz="914400" rtl="0" eaLnBrk="1" fontAlgn="auto" latinLnBrk="0" hangingPunct="1">
+                        <a:lnSpc>
+                          <a:spcPct val="100000"/>
+                        </a:lnSpc>
+                        <a:spcBef>
+                          <a:spcPts val="0"/>
+                        </a:spcBef>
+                        <a:spcAft>
+                          <a:spcPts val="0"/>
+                        </a:spcAft>
+                        <a:buClrTx/>
+                        <a:buSzTx/>
+                        <a:buFontTx/>
+                        <a:buNone/>
+                        <a:tabLst/>
+                        <a:defRPr/>
+                      </a:pPr>
+                      <a:r>
+                        <a:rPr lang="zh-CN" altLang="en-US" dirty="0">
+                          <a:latin typeface="Times New Roman" panose="02020603050405020304" pitchFamily="18" charset="0"/>
+                          <a:ea typeface="標楷體" panose="03000509000000000000" pitchFamily="65" charset="-120"/>
+                          <a:cs typeface="Times New Roman" panose="02020603050405020304" pitchFamily="18" charset="0"/>
+                        </a:rPr>
+                        <a:t>照片</a:t>
+                      </a:r>
+                      <a:endParaRPr lang="zh-TW" altLang="en-US" dirty="0">
+                        <a:latin typeface="Times New Roman" panose="02020603050405020304" pitchFamily="18" charset="0"/>
+                        <a:ea typeface="標楷體" panose="03000509000000000000" pitchFamily="65" charset="-120"/>
+                        <a:cs typeface="Times New Roman" panose="02020603050405020304" pitchFamily="18" charset="0"/>
+                      </a:endParaRPr>
+                    </a:p>
+                  </a:txBody>
+                  <a:tcPr anchor="ctr"/>
+                </a:tc>
+                <a:tc>
+                  <a:txBody>
+                    <a:bodyPr/>
+                    <a:lstStyle/>
+                    <a:p>
+                      <a:pPr marL="0" marR="0" indent="0" algn="ctr" defTabSz="914400" rtl="0" eaLnBrk="1" fontAlgn="auto" latinLnBrk="0" hangingPunct="1">
+                        <a:lnSpc>
+                          <a:spcPct val="100000"/>
+                        </a:lnSpc>
+                        <a:spcBef>
+                          <a:spcPts val="0"/>
+                        </a:spcBef>
+                        <a:spcAft>
+                          <a:spcPts val="0"/>
+                        </a:spcAft>
+                        <a:buClrTx/>
+                        <a:buSzTx/>
+                        <a:buFontTx/>
+                        <a:buNone/>
+                        <a:tabLst/>
+                        <a:defRPr/>
+                      </a:pPr>
+                      <a:endParaRPr lang="en-US" altLang="zh-TW" dirty="0">
+                        <a:latin typeface="Times New Roman" panose="02020603050405020304" pitchFamily="18" charset="0"/>
+                        <a:ea typeface="標楷體" panose="03000509000000000000" pitchFamily="65" charset="-120"/>
+                        <a:cs typeface="Times New Roman" panose="02020603050405020304" pitchFamily="18" charset="0"/>
+                      </a:endParaRPr>
+                    </a:p>
+                    <a:p>
+                      <a:pPr marL="0" marR="0" indent="0" algn="ctr" defTabSz="914400" rtl="0" eaLnBrk="1" fontAlgn="auto" latinLnBrk="0" hangingPunct="1">
+                        <a:lnSpc>
+                          <a:spcPct val="100000"/>
+                        </a:lnSpc>
+                        <a:spcBef>
+                          <a:spcPts val="0"/>
+                        </a:spcBef>
+                        <a:spcAft>
+                          <a:spcPts val="0"/>
+                        </a:spcAft>
+                        <a:buClrTx/>
+                        <a:buSzTx/>
+                        <a:buFontTx/>
+                        <a:buNone/>
+                        <a:tabLst/>
+                        <a:defRPr/>
+                      </a:pPr>
+                      <a:endParaRPr lang="en-US" altLang="zh-TW" dirty="0">
+                        <a:latin typeface="Times New Roman" panose="02020603050405020304" pitchFamily="18" charset="0"/>
+                        <a:ea typeface="標楷體" panose="03000509000000000000" pitchFamily="65" charset="-120"/>
+                        <a:cs typeface="Times New Roman" panose="02020603050405020304" pitchFamily="18" charset="0"/>
+                      </a:endParaRPr>
+                    </a:p>
+                    <a:p>
+                      <a:pPr marL="0" marR="0" indent="0" algn="ctr" defTabSz="914400" rtl="0" eaLnBrk="1" fontAlgn="auto" latinLnBrk="0" hangingPunct="1">
+                        <a:lnSpc>
+                          <a:spcPct val="100000"/>
+                        </a:lnSpc>
+                        <a:spcBef>
+                          <a:spcPts val="0"/>
+                        </a:spcBef>
+                        <a:spcAft>
+                          <a:spcPts val="0"/>
+                        </a:spcAft>
+                        <a:buClrTx/>
+                        <a:buSzTx/>
+                        <a:buFontTx/>
+                        <a:buNone/>
+                        <a:tabLst/>
+                        <a:defRPr/>
+                      </a:pPr>
+                      <a:endParaRPr lang="zh-TW" altLang="en-US" dirty="0">
+                        <a:latin typeface="Times New Roman" panose="02020603050405020304" pitchFamily="18" charset="0"/>
+                        <a:ea typeface="標楷體" panose="03000509000000000000" pitchFamily="65" charset="-120"/>
+                        <a:cs typeface="Times New Roman" panose="02020603050405020304" pitchFamily="18" charset="0"/>
+                      </a:endParaRPr>
+                    </a:p>
+                  </a:txBody>
+                  <a:tcPr anchor="ctr"/>
+                </a:tc>
+                <a:tc>
+                  <a:txBody>
+                    <a:bodyPr/>
+                    <a:lstStyle/>
+                    <a:p>
+                      <a:pPr marL="0" marR="0" indent="0" algn="ctr" defTabSz="914400" rtl="0" eaLnBrk="1" fontAlgn="auto" latinLnBrk="0" hangingPunct="1">
+                        <a:lnSpc>
+                          <a:spcPct val="100000"/>
+                        </a:lnSpc>
+                        <a:spcBef>
+                          <a:spcPts val="0"/>
+                        </a:spcBef>
+                        <a:spcAft>
+                          <a:spcPts val="0"/>
+                        </a:spcAft>
+                        <a:buClrTx/>
+                        <a:buSzTx/>
+                        <a:buFontTx/>
+                        <a:buNone/>
+                        <a:tabLst/>
+                        <a:defRPr/>
+                      </a:pPr>
+                      <a:endParaRPr lang="zh-TW" altLang="en-US" dirty="0">
+                        <a:latin typeface="Times New Roman" panose="02020603050405020304" pitchFamily="18" charset="0"/>
+                        <a:ea typeface="標楷體" panose="03000509000000000000" pitchFamily="65" charset="-120"/>
+                        <a:cs typeface="Times New Roman" panose="02020603050405020304" pitchFamily="18" charset="0"/>
+                      </a:endParaRPr>
+                    </a:p>
+                  </a:txBody>
+                  <a:tcPr anchor="ctr"/>
+                </a:tc>
+                <a:tc>
+                  <a:txBody>
+                    <a:bodyPr/>
+                    <a:lstStyle/>
+                    <a:p>
+                      <a:pPr marL="0" marR="0" indent="0" algn="ctr" defTabSz="914400" rtl="0" eaLnBrk="1" fontAlgn="auto" latinLnBrk="0" hangingPunct="1">
+                        <a:lnSpc>
+                          <a:spcPct val="100000"/>
+                        </a:lnSpc>
+                        <a:spcBef>
+                          <a:spcPts val="0"/>
+                        </a:spcBef>
+                        <a:spcAft>
+                          <a:spcPts val="0"/>
+                        </a:spcAft>
+                        <a:buClrTx/>
+                        <a:buSzTx/>
+                        <a:buFontTx/>
+                        <a:buNone/>
+                        <a:tabLst/>
+                        <a:defRPr/>
+                      </a:pPr>
+                      <a:endParaRPr lang="zh-TW" altLang="en-US" dirty="0">
+                        <a:latin typeface="Times New Roman" panose="02020603050405020304" pitchFamily="18" charset="0"/>
+                        <a:ea typeface="標楷體" panose="03000509000000000000" pitchFamily="65" charset="-120"/>
+                        <a:cs typeface="Times New Roman" panose="02020603050405020304" pitchFamily="18" charset="0"/>
+                      </a:endParaRPr>
+                    </a:p>
+                  </a:txBody>
+                  <a:tcPr anchor="ctr"/>
+                </a:tc>
+                <a:extLst>
+                  <a:ext uri="{0D108BD9-81ED-4DB2-BD59-A6C34878D82A}">
+                    <a16:rowId xmlns:a16="http://schemas.microsoft.com/office/drawing/2014/main" val="10005"/>
+                  </a:ext>
+                </a:extLst>
+              </a:tr>
+              <a:tr h="368096">
+                <a:tc vMerge="1">
+                  <a:txBody>
+                    <a:bodyPr/>
+                    <a:lstStyle/>
+                    <a:p>
+                      <a:pPr marL="0" marR="0" indent="0" algn="ctr" defTabSz="914400" rtl="0" eaLnBrk="1" fontAlgn="auto" latinLnBrk="0" hangingPunct="1">
+                        <a:lnSpc>
+                          <a:spcPct val="100000"/>
+                        </a:lnSpc>
+                        <a:spcBef>
+                          <a:spcPts val="0"/>
+                        </a:spcBef>
+                        <a:spcAft>
+                          <a:spcPts val="0"/>
+                        </a:spcAft>
+                        <a:buClrTx/>
+                        <a:buSzTx/>
+                        <a:buFontTx/>
+                        <a:buNone/>
+                        <a:tabLst/>
+                        <a:defRPr/>
+                      </a:pPr>
+                      <a:endParaRPr lang="zh-TW" altLang="en-US" dirty="0">
+                        <a:latin typeface="Times New Roman" panose="02020603050405020304" pitchFamily="18" charset="0"/>
+                        <a:ea typeface="標楷體" panose="03000509000000000000" pitchFamily="65" charset="-120"/>
+                        <a:cs typeface="Times New Roman" panose="02020603050405020304" pitchFamily="18" charset="0"/>
+                      </a:endParaRPr>
+                    </a:p>
+                  </a:txBody>
+                  <a:tcPr anchor="ctr"/>
+                </a:tc>
+                <a:tc>
+                  <a:txBody>
+                    <a:bodyPr/>
+                    <a:lstStyle/>
+                    <a:p>
+                      <a:r>
+                        <a:rPr lang="zh-CN" altLang="en-US" dirty="0">
+                          <a:latin typeface="Times New Roman" panose="02020603050405020304" pitchFamily="18" charset="0"/>
+                          <a:ea typeface="標楷體" panose="03000509000000000000" pitchFamily="65" charset="-120"/>
+                          <a:cs typeface="Times New Roman" panose="02020603050405020304" pitchFamily="18" charset="0"/>
+                        </a:rPr>
+                        <a:t>厚度</a:t>
+                      </a:r>
+                      <a:r>
+                        <a:rPr lang="en-US" altLang="zh-CN" dirty="0">
+                          <a:latin typeface="Times New Roman" panose="02020603050405020304" pitchFamily="18" charset="0"/>
+                          <a:ea typeface="標楷體" panose="03000509000000000000" pitchFamily="65" charset="-120"/>
+                          <a:cs typeface="Times New Roman" panose="02020603050405020304" pitchFamily="18" charset="0"/>
+                        </a:rPr>
+                        <a:t>(</a:t>
+                      </a:r>
+                      <a:r>
+                        <a:rPr lang="en-US" altLang="zh-CN" dirty="0" err="1">
+                          <a:latin typeface="Times New Roman" panose="02020603050405020304" pitchFamily="18" charset="0"/>
+                          <a:ea typeface="標楷體" panose="03000509000000000000" pitchFamily="65" charset="-120"/>
+                          <a:cs typeface="Times New Roman" panose="02020603050405020304" pitchFamily="18" charset="0"/>
+                        </a:rPr>
+                        <a:t>μm</a:t>
+                      </a:r>
+                      <a:r>
+                        <a:rPr lang="en-US" altLang="zh-CN" dirty="0">
+                          <a:latin typeface="Times New Roman" panose="02020603050405020304" pitchFamily="18" charset="0"/>
+                          <a:ea typeface="標楷體" panose="03000509000000000000" pitchFamily="65" charset="-120"/>
+                          <a:cs typeface="Times New Roman" panose="02020603050405020304" pitchFamily="18" charset="0"/>
+                        </a:rPr>
+                        <a:t>)</a:t>
+                      </a:r>
+                      <a:endParaRPr lang="zh-TW" altLang="en-US" dirty="0">
+                        <a:latin typeface="Times New Roman" panose="02020603050405020304" pitchFamily="18" charset="0"/>
+                        <a:ea typeface="標楷體" panose="03000509000000000000" pitchFamily="65" charset="-120"/>
+                        <a:cs typeface="Times New Roman" panose="02020603050405020304" pitchFamily="18" charset="0"/>
+                      </a:endParaRPr>
+                    </a:p>
+                  </a:txBody>
+                  <a:tcPr anchor="ctr"/>
+                </a:tc>
+                <a:tc>
+                  <a:txBody>
+                    <a:bodyPr/>
+                    <a:lstStyle/>
+                    <a:p>
+                      <a:pPr marL="0" marR="0" indent="0" algn="ctr" defTabSz="914400" rtl="0" eaLnBrk="1" fontAlgn="auto" latinLnBrk="0" hangingPunct="1">
+                        <a:lnSpc>
+                          <a:spcPct val="100000"/>
+                        </a:lnSpc>
+                        <a:spcBef>
+                          <a:spcPts val="0"/>
+                        </a:spcBef>
+                        <a:spcAft>
+                          <a:spcPts val="0"/>
+                        </a:spcAft>
+                        <a:buClrTx/>
+                        <a:buSzTx/>
+                        <a:buFontTx/>
+                        <a:buNone/>
+                        <a:tabLst/>
+                        <a:defRPr/>
+                      </a:pPr>
+                      <a:r>
+                        <a:rPr lang="en-US" altLang="zh-CN">
+                          <a:latin typeface="Times New Roman" panose="02020603050405020304" pitchFamily="18" charset="0"/>
+                          <a:ea typeface="標楷體" panose="03000509000000000000" pitchFamily="65" charset="-120"/>
+                          <a:cs typeface="Times New Roman" panose="02020603050405020304" pitchFamily="18" charset="0"/>
+                        </a:rPr>
+                        <a:t>B0-1μm</a:t>
+                      </a:r>
+                      <a:endParaRPr lang="zh-TW" altLang="en-US" dirty="0">
+                        <a:latin typeface="Times New Roman" panose="02020603050405020304" pitchFamily="18" charset="0"/>
+                        <a:ea typeface="標楷體" panose="03000509000000000000" pitchFamily="65" charset="-120"/>
+                        <a:cs typeface="Times New Roman" panose="02020603050405020304" pitchFamily="18" charset="0"/>
+                      </a:endParaRPr>
+                    </a:p>
+                  </a:txBody>
+                  <a:tcPr anchor="ctr"/>
+                </a:tc>
+                <a:tc>
+                  <a:txBody>
+                    <a:bodyPr/>
+                    <a:lstStyle/>
+                    <a:p>
+                      <a:pPr marL="0" marR="0" indent="0" algn="ctr" defTabSz="914400" rtl="0" eaLnBrk="1" fontAlgn="auto" latinLnBrk="0" hangingPunct="1">
+                        <a:lnSpc>
+                          <a:spcPct val="100000"/>
+                        </a:lnSpc>
+                        <a:spcBef>
+                          <a:spcPts val="0"/>
+                        </a:spcBef>
+                        <a:spcAft>
+                          <a:spcPts val="0"/>
+                        </a:spcAft>
+                        <a:buClrTx/>
+                        <a:buSzTx/>
+                        <a:buFontTx/>
+                        <a:buNone/>
+                        <a:tabLst/>
+                        <a:defRPr/>
+                      </a:pPr>
+                      <a:r>
+                        <a:rPr lang="en-US" altLang="zh-CN">
+                          <a:latin typeface="Times New Roman" panose="02020603050405020304" pitchFamily="18" charset="0"/>
+                          <a:ea typeface="標楷體" panose="03000509000000000000" pitchFamily="65" charset="-120"/>
+                          <a:cs typeface="Times New Roman" panose="02020603050405020304" pitchFamily="18" charset="0"/>
+                        </a:rPr>
+                        <a:t>B1-1μm</a:t>
+                      </a:r>
+                      <a:endParaRPr lang="zh-TW" altLang="en-US" dirty="0">
+                        <a:latin typeface="Times New Roman" panose="02020603050405020304" pitchFamily="18" charset="0"/>
+                        <a:ea typeface="標楷體" panose="03000509000000000000" pitchFamily="65" charset="-120"/>
+                        <a:cs typeface="Times New Roman" panose="02020603050405020304" pitchFamily="18" charset="0"/>
+                      </a:endParaRPr>
+                    </a:p>
+                  </a:txBody>
+                  <a:tcPr anchor="ctr"/>
+                </a:tc>
+                <a:tc>
+                  <a:txBody>
+                    <a:bodyPr/>
+                    <a:lstStyle/>
+                    <a:p>
+                      <a:pPr marL="0" marR="0" indent="0" algn="ctr" defTabSz="914400" rtl="0" eaLnBrk="1" fontAlgn="auto" latinLnBrk="0" hangingPunct="1">
+                        <a:lnSpc>
+                          <a:spcPct val="100000"/>
+                        </a:lnSpc>
+                        <a:spcBef>
+                          <a:spcPts val="0"/>
+                        </a:spcBef>
+                        <a:spcAft>
+                          <a:spcPts val="0"/>
+                        </a:spcAft>
+                        <a:buClrTx/>
+                        <a:buSzTx/>
+                        <a:buFontTx/>
+                        <a:buNone/>
+                        <a:tabLst/>
+                        <a:defRPr/>
+                      </a:pPr>
+                      <a:r>
+                        <a:rPr lang="en-US" altLang="zh-CN">
+                          <a:latin typeface="Times New Roman" panose="02020603050405020304" pitchFamily="18" charset="0"/>
+                          <a:ea typeface="標楷體" panose="03000509000000000000" pitchFamily="65" charset="-120"/>
+                          <a:cs typeface="Times New Roman" panose="02020603050405020304" pitchFamily="18" charset="0"/>
+                        </a:rPr>
+                        <a:t>B2-1μm</a:t>
+                      </a:r>
+                      <a:endParaRPr lang="zh-TW" altLang="en-US" dirty="0">
+                        <a:latin typeface="Times New Roman" panose="02020603050405020304" pitchFamily="18" charset="0"/>
+                        <a:ea typeface="標楷體" panose="03000509000000000000" pitchFamily="65" charset="-120"/>
+                        <a:cs typeface="Times New Roman" panose="02020603050405020304" pitchFamily="18" charset="0"/>
+                      </a:endParaRPr>
+                    </a:p>
+                  </a:txBody>
+                  <a:tcPr anchor="ctr"/>
+                </a:tc>
+                <a:extLst>
+                  <a:ext uri="{0D108BD9-81ED-4DB2-BD59-A6C34878D82A}">
+                    <a16:rowId xmlns:a16="http://schemas.microsoft.com/office/drawing/2014/main" val="10006"/>
+                  </a:ext>
+                </a:extLst>
+              </a:tr>
+              <a:tr h="368096">
+                <a:tc vMerge="1">
+                  <a:txBody>
+                    <a:bodyPr/>
+                    <a:lstStyle/>
+                    <a:p>
+                      <a:pPr marL="0" marR="0" indent="0" algn="ctr" defTabSz="914400" rtl="0" eaLnBrk="1" fontAlgn="auto" latinLnBrk="0" hangingPunct="1">
+                        <a:lnSpc>
+                          <a:spcPct val="100000"/>
+                        </a:lnSpc>
+                        <a:spcBef>
+                          <a:spcPts val="0"/>
+                        </a:spcBef>
+                        <a:spcAft>
+                          <a:spcPts val="0"/>
+                        </a:spcAft>
+                        <a:buClrTx/>
+                        <a:buSzTx/>
+                        <a:buFontTx/>
+                        <a:buNone/>
+                        <a:tabLst/>
+                        <a:defRPr/>
+                      </a:pPr>
+                      <a:endParaRPr lang="zh-TW" altLang="en-US" dirty="0">
+                        <a:latin typeface="Times New Roman" panose="02020603050405020304" pitchFamily="18" charset="0"/>
+                        <a:ea typeface="標楷體" panose="03000509000000000000" pitchFamily="65" charset="-120"/>
+                        <a:cs typeface="Times New Roman" panose="02020603050405020304" pitchFamily="18" charset="0"/>
+                      </a:endParaRPr>
+                    </a:p>
+                  </a:txBody>
+                  <a:tcPr anchor="ctr"/>
+                </a:tc>
+                <a:tc>
+                  <a:txBody>
+                    <a:bodyPr/>
+                    <a:lstStyle/>
+                    <a:p>
+                      <a:r>
+                        <a:rPr lang="zh-CN" altLang="en-US" dirty="0">
+                          <a:latin typeface="Times New Roman" panose="02020603050405020304" pitchFamily="18" charset="0"/>
+                          <a:ea typeface="標楷體" panose="03000509000000000000" pitchFamily="65" charset="-120"/>
+                          <a:cs typeface="Times New Roman" panose="02020603050405020304" pitchFamily="18" charset="0"/>
+                        </a:rPr>
+                        <a:t>硬度</a:t>
+                      </a:r>
+                      <a:r>
+                        <a:rPr lang="en-US" altLang="zh-CN" dirty="0">
+                          <a:latin typeface="Times New Roman" panose="02020603050405020304" pitchFamily="18" charset="0"/>
+                          <a:ea typeface="標楷體" panose="03000509000000000000" pitchFamily="65" charset="-120"/>
+                          <a:cs typeface="Times New Roman" panose="02020603050405020304" pitchFamily="18" charset="0"/>
+                        </a:rPr>
+                        <a:t>(HV)</a:t>
+                      </a:r>
+                      <a:endParaRPr lang="zh-TW" altLang="en-US" dirty="0">
+                        <a:latin typeface="Times New Roman" panose="02020603050405020304" pitchFamily="18" charset="0"/>
+                        <a:ea typeface="標楷體" panose="03000509000000000000" pitchFamily="65" charset="-120"/>
+                        <a:cs typeface="Times New Roman" panose="02020603050405020304" pitchFamily="18" charset="0"/>
+                      </a:endParaRPr>
+                    </a:p>
+                  </a:txBody>
+                  <a:tcPr anchor="ctr"/>
+                </a:tc>
+                <a:tc>
+                  <a:txBody>
+                    <a:bodyPr/>
+                    <a:lstStyle/>
+                    <a:p>
+                      <a:pPr algn="ctr"/>
+                      <a:r>
+                        <a:rPr lang="en-US" altLang="zh-CN">
+                          <a:latin typeface="Times New Roman" panose="02020603050405020304" pitchFamily="18" charset="0"/>
+                          <a:ea typeface="標楷體" panose="03000509000000000000" pitchFamily="65" charset="-120"/>
+                          <a:cs typeface="Times New Roman" panose="02020603050405020304" pitchFamily="18" charset="0"/>
+                        </a:rPr>
+                        <a:t>B0-2</a:t>
+                      </a:r>
+                      <a:endParaRPr lang="zh-TW" altLang="en-US" dirty="0">
+                        <a:latin typeface="Times New Roman" panose="02020603050405020304" pitchFamily="18" charset="0"/>
+                        <a:ea typeface="標楷體" panose="03000509000000000000" pitchFamily="65" charset="-120"/>
+                        <a:cs typeface="Times New Roman" panose="02020603050405020304" pitchFamily="18" charset="0"/>
+                      </a:endParaRPr>
+                    </a:p>
+                  </a:txBody>
+                  <a:tcPr anchor="ctr"/>
+                </a:tc>
+                <a:tc>
+                  <a:txBody>
+                    <a:bodyPr/>
+                    <a:lstStyle/>
+                    <a:p>
+                      <a:pPr algn="ctr"/>
+                      <a:r>
+                        <a:rPr lang="en-US" altLang="zh-CN">
+                          <a:latin typeface="Times New Roman" panose="02020603050405020304" pitchFamily="18" charset="0"/>
+                          <a:ea typeface="標楷體" panose="03000509000000000000" pitchFamily="65" charset="-120"/>
+                          <a:cs typeface="Times New Roman" panose="02020603050405020304" pitchFamily="18" charset="0"/>
+                        </a:rPr>
+                        <a:t>B1-2</a:t>
+                      </a:r>
+                      <a:endParaRPr lang="zh-TW" altLang="en-US" dirty="0">
+                        <a:latin typeface="Times New Roman" panose="02020603050405020304" pitchFamily="18" charset="0"/>
+                        <a:ea typeface="標楷體" panose="03000509000000000000" pitchFamily="65" charset="-120"/>
+                        <a:cs typeface="Times New Roman" panose="02020603050405020304" pitchFamily="18" charset="0"/>
+                      </a:endParaRPr>
+                    </a:p>
+                  </a:txBody>
+                  <a:tcPr anchor="ctr"/>
+                </a:tc>
+                <a:tc>
+                  <a:txBody>
+                    <a:bodyPr/>
+                    <a:lstStyle/>
+                    <a:p>
+                      <a:pPr algn="ctr"/>
+                      <a:r>
+                        <a:rPr lang="en-US" altLang="zh-CN">
+                          <a:latin typeface="Times New Roman" panose="02020603050405020304" pitchFamily="18" charset="0"/>
+                          <a:ea typeface="標楷體" panose="03000509000000000000" pitchFamily="65" charset="-120"/>
+                          <a:cs typeface="Times New Roman" panose="02020603050405020304" pitchFamily="18" charset="0"/>
+                        </a:rPr>
+                        <a:t>B2-2</a:t>
+                      </a:r>
+                      <a:endParaRPr lang="zh-TW" altLang="en-US" dirty="0">
+                        <a:latin typeface="Times New Roman" panose="02020603050405020304" pitchFamily="18" charset="0"/>
+                        <a:ea typeface="標楷體" panose="03000509000000000000" pitchFamily="65" charset="-120"/>
+                        <a:cs typeface="Times New Roman" panose="02020603050405020304" pitchFamily="18" charset="0"/>
+                      </a:endParaRPr>
+                    </a:p>
+                  </a:txBody>
+                  <a:tcPr anchor="ctr"/>
+                </a:tc>
+                <a:extLst>
+                  <a:ext uri="{0D108BD9-81ED-4DB2-BD59-A6C34878D82A}">
+                    <a16:rowId xmlns:a16="http://schemas.microsoft.com/office/drawing/2014/main" val="10007"/>
+                  </a:ext>
+                </a:extLst>
+              </a:tr>
+            </a:tbl>
+          </a:graphicData>
+        </a:graphic>
+      </p:graphicFrame>
+    </p:spTree>
+    <p:extLst>
+      <p:ext uri="{BB962C8B-B14F-4D97-AF65-F5344CB8AC3E}">
+        <p14:creationId xmlns:p14="http://schemas.microsoft.com/office/powerpoint/2010/main" val="2727710128"/>
+      </p:ext>
+    </p:extLst>
+  </p:cSld>
+  <p:clrMapOvr>
+    <a:masterClrMapping/>
+  </p:clrMapOvr>
+</p:sld>
+</file>
+
+<file path=ppt/slides/slide3.xml><?xml version="1.0" encoding="utf-8"?>
+<p:sld xmlns:a="http://schemas.openxmlformats.org/drawingml/2006/main" xmlns:r="http://schemas.openxmlformats.org/officeDocument/2006/relationships" xmlns:p="http://schemas.openxmlformats.org/presentationml/2006/main">
+  <p:cSld>
+    <p:spTree>
+      <p:nvGrpSpPr>
+        <p:cNvPr id="1" name=""/>
+        <p:cNvGrpSpPr/>
+        <p:nvPr/>
+      </p:nvGrpSpPr>
+      <p:grpSpPr>
+        <a:xfrm>
+          <a:off x="0" y="0"/>
+          <a:ext cx="0" cy="0"/>
+          <a:chOff x="0" y="0"/>
+          <a:chExt cx="0" cy="0"/>
+        </a:xfrm>
+      </p:grpSpPr>
+      <p:sp>
+        <p:nvSpPr>
+          <p:cNvPr id="26" name="矩形 25"/>
+          <p:cNvSpPr/>
+          <p:nvPr/>
+        </p:nvSpPr>
+        <p:spPr>
+          <a:xfrm>
+            <a:off x="0" y="0"/>
+            <a:ext cx="12192000" cy="523220"/>
+          </a:xfrm>
+          <a:prstGeom prst="rect">
+            <a:avLst/>
+          </a:prstGeom>
+        </p:spPr>
+        <p:txBody>
+          <a:bodyPr wrap="square">
+            <a:spAutoFit/>
+          </a:bodyPr>
+          <a:lstStyle/>
+          <a:p>
+            <a:pPr algn="ctr">
+              <a:defRPr/>
+            </a:pPr>
+            <a:r>
+              <a:rPr lang="zh-CN" altLang="en-US" sz="2800" b="1" u="sng" dirty="0">
+                <a:solidFill>
+                  <a:prstClr val="black"/>
+                </a:solidFill>
+                <a:latin typeface="標楷體" panose="03000509000000000000" pitchFamily="65" charset="-120"/>
+                <a:ea typeface="標楷體" panose="03000509000000000000" pitchFamily="65" charset="-120"/>
+                <a:cs typeface="Times New Roman" panose="02020603050405020304" pitchFamily="18" charset="0"/>
+              </a:rPr>
+              <a:t>表面銹皮健康改善專案</a:t>
+            </a:r>
+            <a:endParaRPr lang="zh-TW" altLang="en-US" sz="2800" b="1" u="sng" dirty="0">
+              <a:solidFill>
+                <a:prstClr val="black"/>
+              </a:solidFill>
+              <a:latin typeface="標楷體" panose="03000509000000000000" pitchFamily="65" charset="-120"/>
+              <a:ea typeface="標楷體" panose="03000509000000000000" pitchFamily="65" charset="-120"/>
+              <a:cs typeface="Times New Roman" panose="02020603050405020304" pitchFamily="18" charset="0"/>
+            </a:endParaRPr>
+          </a:p>
+        </p:txBody>
+      </p:sp>
+      <p:sp>
+        <p:nvSpPr>
+          <p:cNvPr id="27" name="矩形 26"/>
+          <p:cNvSpPr/>
+          <p:nvPr/>
+        </p:nvSpPr>
+        <p:spPr>
+          <a:xfrm>
+            <a:off x="0" y="219130"/>
+            <a:ext cx="8810698" cy="369332"/>
+          </a:xfrm>
+          <a:prstGeom prst="rect">
+            <a:avLst/>
+          </a:prstGeom>
+        </p:spPr>
+        <p:txBody>
+          <a:bodyPr wrap="square">
+            <a:spAutoFit/>
+          </a:bodyPr>
+          <a:lstStyle/>
+          <a:p>
+            <a:pPr marL="442913" indent="-442913" algn="just">
+              <a:spcAft>
+                <a:spcPts val="1000"/>
+              </a:spcAft>
+            </a:pPr>
+            <a:r>
+              <a:rPr lang="zh-CN" altLang="en-US" dirty="0">
+                <a:solidFill>
+                  <a:srgbClr val="000000"/>
+                </a:solidFill>
+                <a:latin typeface="Times New Roman" panose="02020603050405020304" pitchFamily="18" charset="0"/>
+                <a:ea typeface="標楷體" panose="03000509000000000000" pitchFamily="65" charset="-120"/>
+                <a:cs typeface="Times New Roman" panose="02020603050405020304" pitchFamily="18" charset="0"/>
+              </a:rPr>
+              <a:t>一、鋼捲</a:t>
+            </a:r>
+            <a:r>
+              <a:rPr lang="en-US" altLang="zh-CN">
+                <a:solidFill>
+                  <a:srgbClr val="000000"/>
+                </a:solidFill>
+                <a:latin typeface="Times New Roman" panose="02020603050405020304" pitchFamily="18" charset="0"/>
+                <a:ea typeface="標楷體" panose="03000509000000000000" pitchFamily="65" charset="-120"/>
+                <a:cs typeface="Times New Roman" panose="02020603050405020304" pitchFamily="18" charset="0"/>
+              </a:rPr>
+              <a:t>ID </a:t>
+            </a:r>
+            <a:r>
+              <a:rPr lang="en-US" altLang="zh-TW" b="1">
+                <a:latin typeface="Times New Roman" panose="02020603050405020304" pitchFamily="18" charset="0"/>
+                <a:ea typeface="標楷體" panose="03000509000000000000" pitchFamily="65" charset="-120"/>
+                <a:cs typeface="Times New Roman" panose="02020603050405020304" pitchFamily="18" charset="0"/>
+              </a:rPr>
+              <a:t>idroll</a:t>
+            </a:r>
+            <a:r>
+              <a:rPr lang="en-US" altLang="zh-CN" b="1">
+                <a:solidFill>
+                  <a:srgbClr val="000000"/>
+                </a:solidFill>
+                <a:latin typeface="Times New Roman" panose="02020603050405020304" pitchFamily="18" charset="0"/>
+                <a:ea typeface="標楷體" panose="03000509000000000000" pitchFamily="65" charset="-120"/>
+                <a:cs typeface="Times New Roman" panose="02020603050405020304" pitchFamily="18" charset="0"/>
+              </a:rPr>
+              <a:t>-</a:t>
+            </a:r>
+            <a:r>
+              <a:rPr lang="zh-CN" altLang="en-US" b="1">
+                <a:solidFill>
+                  <a:srgbClr val="000000"/>
+                </a:solidFill>
+                <a:latin typeface="Times New Roman" panose="02020603050405020304" pitchFamily="18" charset="0"/>
+                <a:ea typeface="標楷體" panose="03000509000000000000" pitchFamily="65" charset="-120"/>
+                <a:cs typeface="Times New Roman" panose="02020603050405020304" pitchFamily="18" charset="0"/>
+              </a:rPr>
+              <a:t>頭端</a:t>
+            </a:r>
+            <a:r>
+              <a:rPr lang="zh-CN" altLang="en-US" sz="1600" dirty="0">
+                <a:latin typeface="Times New Roman" panose="02020603050405020304" pitchFamily="18" charset="0"/>
+                <a:ea typeface="標楷體" panose="03000509000000000000" pitchFamily="65" charset="-120"/>
+                <a:cs typeface="Times New Roman" panose="02020603050405020304" pitchFamily="18" charset="0"/>
+              </a:rPr>
+              <a:t>：</a:t>
+            </a:r>
+            <a:endParaRPr lang="zh-TW" altLang="en-US" sz="1600" dirty="0">
+              <a:latin typeface="Times New Roman" panose="02020603050405020304" pitchFamily="18" charset="0"/>
+              <a:ea typeface="標楷體" panose="03000509000000000000" pitchFamily="65" charset="-120"/>
+              <a:cs typeface="Times New Roman" panose="02020603050405020304" pitchFamily="18" charset="0"/>
+            </a:endParaRPr>
+          </a:p>
+        </p:txBody>
+      </p:sp>
+      <p:graphicFrame>
+        <p:nvGraphicFramePr>
+          <p:cNvPr id="50" name="表格 49"/>
+          <p:cNvGraphicFramePr>
+            <a:graphicFrameLocks noGrp="1"/>
+          </p:cNvGraphicFramePr>
+          <p:nvPr>
+            <p:extLst>
+              <p:ext uri="{D42A27DB-BD31-4B8C-83A1-F6EECF244321}">
+                <p14:modId xmlns:p14="http://schemas.microsoft.com/office/powerpoint/2010/main" val="3569204130"/>
+              </p:ext>
+            </p:extLst>
+          </p:nvPr>
+        </p:nvGraphicFramePr>
+        <p:xfrm>
+          <a:off x="29029" y="573948"/>
+          <a:ext cx="11887201" cy="6163047"/>
         </p:xfrm>
         <a:graphic>
           <a:graphicData uri="http://schemas.openxmlformats.org/drawingml/2006/table">
@@ -5563,7 +7340,7 @@
                 <a:gridCol w="1712686">
                   <a:extLst>
                     <a:ext uri="{9D8B030D-6E8A-4147-A177-3AD203B41FA5}">
-                      <a16:colId xmlns:a16="http://schemas.microsoft.com/office/drawing/2014/main" val="1077149346"/>
+                      <a16:colId xmlns:a16="http://schemas.microsoft.com/office/drawing/2014/main" val="3795221645"/>
                     </a:ext>
                   </a:extLst>
                 </a:gridCol>
@@ -5577,7 +7354,7 @@
                 <a:gridCol w="1712686">
                   <a:extLst>
                     <a:ext uri="{9D8B030D-6E8A-4147-A177-3AD203B41FA5}">
-                      <a16:colId xmlns:a16="http://schemas.microsoft.com/office/drawing/2014/main" val="789631888"/>
+                      <a16:colId xmlns:a16="http://schemas.microsoft.com/office/drawing/2014/main" val="3614160323"/>
                     </a:ext>
                   </a:extLst>
                 </a:gridCol>
@@ -5591,12 +7368,12 @@
                 <a:gridCol w="1712686">
                   <a:extLst>
                     <a:ext uri="{9D8B030D-6E8A-4147-A177-3AD203B41FA5}">
-                      <a16:colId xmlns:a16="http://schemas.microsoft.com/office/drawing/2014/main" val="2902831997"/>
+                      <a16:colId xmlns:a16="http://schemas.microsoft.com/office/drawing/2014/main" val="3542158680"/>
                     </a:ext>
                   </a:extLst>
                 </a:gridCol>
               </a:tblGrid>
-              <a:tr h="367987">
+              <a:tr h="398930">
                 <a:tc gridSpan="2">
                   <a:txBody>
                     <a:bodyPr/>
@@ -5650,31 +7427,7 @@
                           <a:ea typeface="標楷體" panose="03000509000000000000" pitchFamily="65" charset="-120"/>
                           <a:cs typeface="Times New Roman" panose="02020603050405020304" pitchFamily="18" charset="0"/>
                         </a:rPr>
-                        <a:t>相比例與氧</a:t>
-                      </a:r>
-                      <a:r>
-                        <a:rPr lang="en-US" altLang="zh-TW" b="1">
-                          <a:latin typeface="Times New Roman" panose="02020603050405020304" pitchFamily="18" charset="0"/>
-                          <a:ea typeface="標楷體" panose="03000509000000000000" pitchFamily="65" charset="-120"/>
-                          <a:cs typeface="Times New Roman" panose="02020603050405020304" pitchFamily="18" charset="0"/>
-                        </a:rPr>
-                        <a:t>/</a:t>
-                      </a:r>
-                      <a:r>
-                        <a:rPr lang="zh-TW" altLang="en-US" b="1">
-                          <a:latin typeface="Times New Roman" panose="02020603050405020304" pitchFamily="18" charset="0"/>
-                          <a:ea typeface="標楷體" panose="03000509000000000000" pitchFamily="65" charset="-120"/>
-                          <a:cs typeface="Times New Roman" panose="02020603050405020304" pitchFamily="18" charset="0"/>
-                        </a:rPr>
-                        <a:t>鐵比</a:t>
-                      </a:r>
-                      <a:r>
-                        <a:rPr lang="zh-CN" altLang="en-US" b="1">
-                          <a:latin typeface="Times New Roman" panose="02020603050405020304" pitchFamily="18" charset="0"/>
-                          <a:ea typeface="標楷體" panose="03000509000000000000" pitchFamily="65" charset="-120"/>
-                          <a:cs typeface="Times New Roman" panose="02020603050405020304" pitchFamily="18" charset="0"/>
-                        </a:rPr>
-                        <a:t>分析</a:t>
+                        <a:t>相比例</a:t>
                       </a:r>
                       <a:endParaRPr lang="zh-TW" altLang="en-US" b="1" dirty="0">
                         <a:latin typeface="Times New Roman" panose="02020603050405020304" pitchFamily="18" charset="0"/>
@@ -5743,7 +7496,7 @@
                   </a:ext>
                 </a:extLst>
               </a:tr>
-              <a:tr h="417891">
+              <a:tr h="398930">
                 <a:tc gridSpan="2">
                   <a:txBody>
                     <a:bodyPr/>
@@ -5930,7 +7683,7 @@
                   </a:ext>
                 </a:extLst>
               </a:tr>
-              <a:tr h="1934214">
+              <a:tr h="1946567">
                 <a:tc rowSpan="3">
                   <a:txBody>
                     <a:bodyPr/>
@@ -6098,7 +7851,7 @@
                   </a:ext>
                 </a:extLst>
               </a:tr>
-              <a:tr h="367987">
+              <a:tr h="365760">
                 <a:tc vMerge="1">
                   <a:txBody>
                     <a:bodyPr/>
@@ -6297,7 +8050,7 @@
                   </a:ext>
                 </a:extLst>
               </a:tr>
-              <a:tr h="367987">
+              <a:tr h="365760">
                 <a:tc vMerge="1">
                   <a:txBody>
                     <a:bodyPr/>
@@ -6367,20 +8120,10 @@
                           <a:latin typeface="Times New Roman" panose="02020603050405020304" pitchFamily="18" charset="0"/>
                           <a:cs typeface="Times New Roman" panose="02020603050405020304" pitchFamily="18" charset="0"/>
                         </a:rPr>
-                        <a:t>17.30</a:t>
-                      </a:r>
-                    </a:p>
-                  </a:txBody>
-                  <a:tcPr marL="9525" marR="9525" marT="9525" marB="0" anchor="ctr"/>
-                </a:tc>
-                <a:tc>
-                  <a:txBody>
-                    <a:bodyPr/>
-                    <a:lstStyle/>
-                    <a:p>
-                      <a:pPr algn="ctr" fontAlgn="ctr"/>
-                      <a:r>
-                        <a:rPr lang="en-US" altLang="zh-CN" sz="1800" b="0" i="0" u="none" strike="noStrike" dirty="0">
+                        <a:t>T0</a:t>
+                      </a:r>
+                      <a:r>
+                        <a:rPr lang="vi-VN" altLang="zh-CN" sz="1800" b="0" i="0" u="none" strike="noStrike">
                           <a:solidFill>
                             <a:srgbClr val="000000"/>
                           </a:solidFill>
@@ -6388,8 +8131,16 @@
                           <a:latin typeface="Times New Roman" panose="02020603050405020304" pitchFamily="18" charset="0"/>
                           <a:cs typeface="Times New Roman" panose="02020603050405020304" pitchFamily="18" charset="0"/>
                         </a:rPr>
-                        <a:t>79.02</a:t>
-                      </a:r>
+                        <a:t>-1</a:t>
+                      </a:r>
+                      <a:endParaRPr lang="en-US" altLang="zh-CN" sz="1800" b="0" i="0" u="none" strike="noStrike">
+                        <a:solidFill>
+                          <a:srgbClr val="000000"/>
+                        </a:solidFill>
+                        <a:effectLst/>
+                        <a:latin typeface="Times New Roman" panose="02020603050405020304" pitchFamily="18" charset="0"/>
+                        <a:cs typeface="Times New Roman" panose="02020603050405020304" pitchFamily="18" charset="0"/>
+                      </a:endParaRPr>
                     </a:p>
                   </a:txBody>
                   <a:tcPr marL="9525" marR="9525" marT="9525" marB="0" anchor="ctr"/>
@@ -6409,20 +8160,10 @@
                           <a:latin typeface="Times New Roman" panose="02020603050405020304" pitchFamily="18" charset="0"/>
                           <a:cs typeface="Times New Roman" panose="02020603050405020304" pitchFamily="18" charset="0"/>
                         </a:rPr>
-                        <a:t>17.30</a:t>
-                      </a:r>
-                    </a:p>
-                  </a:txBody>
-                  <a:tcPr marL="9525" marR="9525" marT="9525" marB="0" anchor="ctr"/>
-                </a:tc>
-                <a:tc>
-                  <a:txBody>
-                    <a:bodyPr/>
-                    <a:lstStyle/>
-                    <a:p>
-                      <a:pPr algn="ctr" fontAlgn="ctr"/>
-                      <a:r>
-                        <a:rPr lang="en-US" altLang="zh-CN" sz="1800" b="0" i="0" u="none" strike="noStrike" dirty="0">
+                        <a:t>T0</a:t>
+                      </a:r>
+                      <a:r>
+                        <a:rPr lang="vi-VN" altLang="zh-CN" sz="1800" b="0" i="0" u="none" strike="noStrike">
                           <a:solidFill>
                             <a:srgbClr val="000000"/>
                           </a:solidFill>
@@ -6430,8 +8171,16 @@
                           <a:latin typeface="Times New Roman" panose="02020603050405020304" pitchFamily="18" charset="0"/>
                           <a:cs typeface="Times New Roman" panose="02020603050405020304" pitchFamily="18" charset="0"/>
                         </a:rPr>
-                        <a:t>79.02</a:t>
-                      </a:r>
+                        <a:t>-2</a:t>
+                      </a:r>
+                      <a:endParaRPr lang="en-US" altLang="zh-CN" sz="1800" b="0" i="0" u="none" strike="noStrike" dirty="0">
+                        <a:solidFill>
+                          <a:srgbClr val="000000"/>
+                        </a:solidFill>
+                        <a:effectLst/>
+                        <a:latin typeface="Times New Roman" panose="02020603050405020304" pitchFamily="18" charset="0"/>
+                        <a:cs typeface="Times New Roman" panose="02020603050405020304" pitchFamily="18" charset="0"/>
+                      </a:endParaRPr>
                     </a:p>
                   </a:txBody>
                   <a:tcPr marL="9525" marR="9525" marT="9525" marB="0" anchor="ctr"/>
@@ -6451,20 +8200,10 @@
                           <a:latin typeface="Times New Roman" panose="02020603050405020304" pitchFamily="18" charset="0"/>
                           <a:cs typeface="Times New Roman" panose="02020603050405020304" pitchFamily="18" charset="0"/>
                         </a:rPr>
-                        <a:t>17.30</a:t>
-                      </a:r>
-                    </a:p>
-                  </a:txBody>
-                  <a:tcPr marL="9525" marR="9525" marT="9525" marB="0" anchor="ctr"/>
-                </a:tc>
-                <a:tc>
-                  <a:txBody>
-                    <a:bodyPr/>
-                    <a:lstStyle/>
-                    <a:p>
-                      <a:pPr algn="ctr" fontAlgn="ctr"/>
-                      <a:r>
-                        <a:rPr lang="en-US" altLang="zh-CN" sz="1800" b="0" i="0" u="none" strike="noStrike" dirty="0">
+                        <a:t>T1</a:t>
+                      </a:r>
+                      <a:r>
+                        <a:rPr lang="vi-VN" altLang="zh-CN" sz="1800" b="0" i="0" u="none" strike="noStrike">
                           <a:solidFill>
                             <a:srgbClr val="000000"/>
                           </a:solidFill>
@@ -6472,8 +8211,136 @@
                           <a:latin typeface="Times New Roman" panose="02020603050405020304" pitchFamily="18" charset="0"/>
                           <a:cs typeface="Times New Roman" panose="02020603050405020304" pitchFamily="18" charset="0"/>
                         </a:rPr>
-                        <a:t>79.02</a:t>
-                      </a:r>
+                        <a:t>-1</a:t>
+                      </a:r>
+                      <a:endParaRPr lang="en-US" altLang="zh-CN" sz="1800" b="0" i="0" u="none" strike="noStrike">
+                        <a:solidFill>
+                          <a:srgbClr val="000000"/>
+                        </a:solidFill>
+                        <a:effectLst/>
+                        <a:latin typeface="Times New Roman" panose="02020603050405020304" pitchFamily="18" charset="0"/>
+                        <a:cs typeface="Times New Roman" panose="02020603050405020304" pitchFamily="18" charset="0"/>
+                      </a:endParaRPr>
+                    </a:p>
+                  </a:txBody>
+                  <a:tcPr marL="9525" marR="9525" marT="9525" marB="0" anchor="ctr"/>
+                </a:tc>
+                <a:tc>
+                  <a:txBody>
+                    <a:bodyPr/>
+                    <a:lstStyle/>
+                    <a:p>
+                      <a:pPr algn="ctr" fontAlgn="ctr"/>
+                      <a:r>
+                        <a:rPr lang="en-US" altLang="zh-CN" sz="1800" b="0" i="0" u="none" strike="noStrike">
+                          <a:solidFill>
+                            <a:srgbClr val="000000"/>
+                          </a:solidFill>
+                          <a:effectLst/>
+                          <a:latin typeface="Times New Roman" panose="02020603050405020304" pitchFamily="18" charset="0"/>
+                          <a:cs typeface="Times New Roman" panose="02020603050405020304" pitchFamily="18" charset="0"/>
+                        </a:rPr>
+                        <a:t>T1</a:t>
+                      </a:r>
+                      <a:r>
+                        <a:rPr lang="vi-VN" altLang="zh-CN" sz="1800" b="0" i="0" u="none" strike="noStrike">
+                          <a:solidFill>
+                            <a:srgbClr val="000000"/>
+                          </a:solidFill>
+                          <a:effectLst/>
+                          <a:latin typeface="Times New Roman" panose="02020603050405020304" pitchFamily="18" charset="0"/>
+                          <a:cs typeface="Times New Roman" panose="02020603050405020304" pitchFamily="18" charset="0"/>
+                        </a:rPr>
+                        <a:t>-2</a:t>
+                      </a:r>
+                      <a:endParaRPr lang="en-US" altLang="zh-CN" sz="1800" b="0" i="0" u="none" strike="noStrike" dirty="0">
+                        <a:solidFill>
+                          <a:srgbClr val="000000"/>
+                        </a:solidFill>
+                        <a:effectLst/>
+                        <a:latin typeface="Times New Roman" panose="02020603050405020304" pitchFamily="18" charset="0"/>
+                        <a:cs typeface="Times New Roman" panose="02020603050405020304" pitchFamily="18" charset="0"/>
+                      </a:endParaRPr>
+                    </a:p>
+                  </a:txBody>
+                  <a:tcPr marL="9525" marR="9525" marT="9525" marB="0" anchor="ctr"/>
+                </a:tc>
+                <a:tc>
+                  <a:txBody>
+                    <a:bodyPr/>
+                    <a:lstStyle/>
+                    <a:p>
+                      <a:pPr algn="ctr" fontAlgn="ctr"/>
+                      <a:r>
+                        <a:rPr lang="en-US" altLang="zh-CN" sz="1800" b="0" i="0" u="none" strike="noStrike">
+                          <a:solidFill>
+                            <a:srgbClr val="000000"/>
+                          </a:solidFill>
+                          <a:effectLst/>
+                          <a:latin typeface="Times New Roman" panose="02020603050405020304" pitchFamily="18" charset="0"/>
+                          <a:cs typeface="Times New Roman" panose="02020603050405020304" pitchFamily="18" charset="0"/>
+                        </a:rPr>
+                        <a:t>T2</a:t>
+                      </a:r>
+                      <a:r>
+                        <a:rPr lang="vi-VN" altLang="zh-CN" sz="1800" b="0" i="0" u="none" strike="noStrike">
+                          <a:solidFill>
+                            <a:srgbClr val="000000"/>
+                          </a:solidFill>
+                          <a:effectLst/>
+                          <a:latin typeface="Times New Roman" panose="02020603050405020304" pitchFamily="18" charset="0"/>
+                          <a:cs typeface="Times New Roman" panose="02020603050405020304" pitchFamily="18" charset="0"/>
+                        </a:rPr>
+                        <a:t>-1</a:t>
+                      </a:r>
+                      <a:endParaRPr lang="en-US" altLang="zh-CN" sz="1800" b="0" i="0" u="none" strike="noStrike">
+                        <a:solidFill>
+                          <a:srgbClr val="000000"/>
+                        </a:solidFill>
+                        <a:effectLst/>
+                        <a:latin typeface="Times New Roman" panose="02020603050405020304" pitchFamily="18" charset="0"/>
+                        <a:cs typeface="Times New Roman" panose="02020603050405020304" pitchFamily="18" charset="0"/>
+                      </a:endParaRPr>
+                    </a:p>
+                  </a:txBody>
+                  <a:tcPr marL="9525" marR="9525" marT="9525" marB="0" anchor="ctr"/>
+                </a:tc>
+                <a:tc>
+                  <a:txBody>
+                    <a:bodyPr/>
+                    <a:lstStyle/>
+                    <a:p>
+                      <a:pPr algn="ctr" fontAlgn="ctr"/>
+                      <a:r>
+                        <a:rPr lang="en-US" altLang="zh-CN" sz="1800" b="0" i="0" u="none" strike="noStrike">
+                          <a:solidFill>
+                            <a:srgbClr val="000000"/>
+                          </a:solidFill>
+                          <a:effectLst/>
+                          <a:latin typeface="Times New Roman" panose="02020603050405020304" pitchFamily="18" charset="0"/>
+                          <a:cs typeface="Times New Roman" panose="02020603050405020304" pitchFamily="18" charset="0"/>
+                        </a:rPr>
+                        <a:t>T2</a:t>
+                      </a:r>
+                      <a:r>
+                        <a:rPr lang="vi-VN" altLang="zh-CN" sz="1800" b="0" i="0" u="none" strike="noStrike">
+                          <a:solidFill>
+                            <a:srgbClr val="000000"/>
+                          </a:solidFill>
+                          <a:effectLst/>
+                          <a:latin typeface="Times New Roman" panose="02020603050405020304" pitchFamily="18" charset="0"/>
+                          <a:cs typeface="Times New Roman" panose="02020603050405020304" pitchFamily="18" charset="0"/>
+                        </a:rPr>
+                        <a:t>-2</a:t>
+                      </a:r>
+                      <a:endParaRPr lang="en-US" altLang="zh-CN" sz="1800" b="0" i="0" u="none" strike="noStrike" dirty="0">
+                        <a:solidFill>
+                          <a:srgbClr val="000000"/>
+                        </a:solidFill>
+                        <a:effectLst/>
+                        <a:latin typeface="Times New Roman" panose="02020603050405020304" pitchFamily="18" charset="0"/>
+                        <a:cs typeface="Times New Roman" panose="02020603050405020304" pitchFamily="18" charset="0"/>
+                      </a:endParaRPr>
                     </a:p>
                   </a:txBody>
                   <a:tcPr marL="9525" marR="9525" marT="9525" marB="0" anchor="ctr"/>
@@ -6484,7 +8351,7 @@
                   </a:ext>
                 </a:extLst>
               </a:tr>
-              <a:tr h="1938528">
+              <a:tr h="1950908">
                 <a:tc rowSpan="3">
                   <a:txBody>
                     <a:bodyPr/>
@@ -6740,7 +8607,7 @@
                   </a:ext>
                 </a:extLst>
               </a:tr>
-              <a:tr h="391497">
+              <a:tr h="368096">
                 <a:tc vMerge="1">
                   <a:txBody>
                     <a:bodyPr/>
@@ -6939,7 +8806,7 @@
                   </a:ext>
                 </a:extLst>
               </a:tr>
-              <a:tr h="391497">
+              <a:tr h="368096">
                 <a:tc vMerge="1">
                   <a:txBody>
                     <a:bodyPr/>
@@ -7009,20 +8876,10 @@
                           <a:latin typeface="Times New Roman" panose="02020603050405020304" pitchFamily="18" charset="0"/>
                           <a:cs typeface="Times New Roman" panose="02020603050405020304" pitchFamily="18" charset="0"/>
                         </a:rPr>
-                        <a:t>17.30</a:t>
-                      </a:r>
-                    </a:p>
-                  </a:txBody>
-                  <a:tcPr marL="9525" marR="9525" marT="9525" marB="0" anchor="ctr"/>
-                </a:tc>
-                <a:tc>
-                  <a:txBody>
-                    <a:bodyPr/>
-                    <a:lstStyle/>
-                    <a:p>
-                      <a:pPr algn="ctr" fontAlgn="ctr"/>
-                      <a:r>
-                        <a:rPr lang="en-US" altLang="zh-CN" sz="1800" b="0" i="0" u="none" strike="noStrike" dirty="0">
+                        <a:t>B0</a:t>
+                      </a:r>
+                      <a:r>
+                        <a:rPr lang="vi-VN" altLang="zh-CN" sz="1800" b="0" i="0" u="none" strike="noStrike">
                           <a:solidFill>
                             <a:srgbClr val="000000"/>
                           </a:solidFill>
@@ -7030,8 +8887,16 @@
                           <a:latin typeface="Times New Roman" panose="02020603050405020304" pitchFamily="18" charset="0"/>
                           <a:cs typeface="Times New Roman" panose="02020603050405020304" pitchFamily="18" charset="0"/>
                         </a:rPr>
-                        <a:t>79.02</a:t>
-                      </a:r>
+                        <a:t>-1</a:t>
+                      </a:r>
+                      <a:endParaRPr lang="en-US" altLang="zh-CN" sz="1800" b="0" i="0" u="none" strike="noStrike">
+                        <a:solidFill>
+                          <a:srgbClr val="000000"/>
+                        </a:solidFill>
+                        <a:effectLst/>
+                        <a:latin typeface="Times New Roman" panose="02020603050405020304" pitchFamily="18" charset="0"/>
+                        <a:cs typeface="Times New Roman" panose="02020603050405020304" pitchFamily="18" charset="0"/>
+                      </a:endParaRPr>
                     </a:p>
                   </a:txBody>
                   <a:tcPr marL="9525" marR="9525" marT="9525" marB="0" anchor="ctr"/>
@@ -7051,20 +8916,10 @@
                           <a:latin typeface="Times New Roman" panose="02020603050405020304" pitchFamily="18" charset="0"/>
                           <a:cs typeface="Times New Roman" panose="02020603050405020304" pitchFamily="18" charset="0"/>
                         </a:rPr>
-                        <a:t>17.30</a:t>
-                      </a:r>
-                    </a:p>
-                  </a:txBody>
-                  <a:tcPr marL="9525" marR="9525" marT="9525" marB="0" anchor="ctr"/>
-                </a:tc>
-                <a:tc>
-                  <a:txBody>
-                    <a:bodyPr/>
-                    <a:lstStyle/>
-                    <a:p>
-                      <a:pPr algn="ctr" fontAlgn="ctr"/>
-                      <a:r>
-                        <a:rPr lang="en-US" altLang="zh-CN" sz="1800" b="0" i="0" u="none" strike="noStrike" dirty="0">
+                        <a:t>B0</a:t>
+                      </a:r>
+                      <a:r>
+                        <a:rPr lang="vi-VN" altLang="zh-CN" sz="1800" b="0" i="0" u="none" strike="noStrike">
                           <a:solidFill>
                             <a:srgbClr val="000000"/>
                           </a:solidFill>
@@ -7072,8 +8927,16 @@
                           <a:latin typeface="Times New Roman" panose="02020603050405020304" pitchFamily="18" charset="0"/>
                           <a:cs typeface="Times New Roman" panose="02020603050405020304" pitchFamily="18" charset="0"/>
                         </a:rPr>
-                        <a:t>79.02</a:t>
-                      </a:r>
+                        <a:t>-2</a:t>
+                      </a:r>
+                      <a:endParaRPr lang="en-US" altLang="zh-CN" sz="1800" b="0" i="0" u="none" strike="noStrike" dirty="0">
+                        <a:solidFill>
+                          <a:srgbClr val="000000"/>
+                        </a:solidFill>
+                        <a:effectLst/>
+                        <a:latin typeface="Times New Roman" panose="02020603050405020304" pitchFamily="18" charset="0"/>
+                        <a:cs typeface="Times New Roman" panose="02020603050405020304" pitchFamily="18" charset="0"/>
+                      </a:endParaRPr>
                     </a:p>
                   </a:txBody>
                   <a:tcPr marL="9525" marR="9525" marT="9525" marB="0" anchor="ctr"/>
@@ -7093,20 +8956,10 @@
                           <a:latin typeface="Times New Roman" panose="02020603050405020304" pitchFamily="18" charset="0"/>
                           <a:cs typeface="Times New Roman" panose="02020603050405020304" pitchFamily="18" charset="0"/>
                         </a:rPr>
-                        <a:t>17.30</a:t>
-                      </a:r>
-                    </a:p>
-                  </a:txBody>
-                  <a:tcPr marL="9525" marR="9525" marT="9525" marB="0" anchor="ctr"/>
-                </a:tc>
-                <a:tc>
-                  <a:txBody>
-                    <a:bodyPr/>
-                    <a:lstStyle/>
-                    <a:p>
-                      <a:pPr algn="ctr" fontAlgn="ctr"/>
-                      <a:r>
-                        <a:rPr lang="en-US" altLang="zh-CN" sz="1800" b="0" i="0" u="none" strike="noStrike" dirty="0">
+                        <a:t>B1</a:t>
+                      </a:r>
+                      <a:r>
+                        <a:rPr lang="vi-VN" altLang="zh-CN" sz="1800" b="0" i="0" u="none" strike="noStrike">
                           <a:solidFill>
                             <a:srgbClr val="000000"/>
                           </a:solidFill>
@@ -7114,8 +8967,136 @@
                           <a:latin typeface="Times New Roman" panose="02020603050405020304" pitchFamily="18" charset="0"/>
                           <a:cs typeface="Times New Roman" panose="02020603050405020304" pitchFamily="18" charset="0"/>
                         </a:rPr>
-                        <a:t>79.02</a:t>
-                      </a:r>
+                        <a:t>-1</a:t>
+                      </a:r>
+                      <a:endParaRPr lang="en-US" altLang="zh-CN" sz="1800" b="0" i="0" u="none" strike="noStrike">
+                        <a:solidFill>
+                          <a:srgbClr val="000000"/>
+                        </a:solidFill>
+                        <a:effectLst/>
+                        <a:latin typeface="Times New Roman" panose="02020603050405020304" pitchFamily="18" charset="0"/>
+                        <a:cs typeface="Times New Roman" panose="02020603050405020304" pitchFamily="18" charset="0"/>
+                      </a:endParaRPr>
+                    </a:p>
+                  </a:txBody>
+                  <a:tcPr marL="9525" marR="9525" marT="9525" marB="0" anchor="ctr"/>
+                </a:tc>
+                <a:tc>
+                  <a:txBody>
+                    <a:bodyPr/>
+                    <a:lstStyle/>
+                    <a:p>
+                      <a:pPr algn="ctr" fontAlgn="ctr"/>
+                      <a:r>
+                        <a:rPr lang="en-US" altLang="zh-CN" sz="1800" b="0" i="0" u="none" strike="noStrike">
+                          <a:solidFill>
+                            <a:srgbClr val="000000"/>
+                          </a:solidFill>
+                          <a:effectLst/>
+                          <a:latin typeface="Times New Roman" panose="02020603050405020304" pitchFamily="18" charset="0"/>
+                          <a:cs typeface="Times New Roman" panose="02020603050405020304" pitchFamily="18" charset="0"/>
+                        </a:rPr>
+                        <a:t>B1</a:t>
+                      </a:r>
+                      <a:r>
+                        <a:rPr lang="vi-VN" altLang="zh-CN" sz="1800" b="0" i="0" u="none" strike="noStrike">
+                          <a:solidFill>
+                            <a:srgbClr val="000000"/>
+                          </a:solidFill>
+                          <a:effectLst/>
+                          <a:latin typeface="Times New Roman" panose="02020603050405020304" pitchFamily="18" charset="0"/>
+                          <a:cs typeface="Times New Roman" panose="02020603050405020304" pitchFamily="18" charset="0"/>
+                        </a:rPr>
+                        <a:t>-2</a:t>
+                      </a:r>
+                      <a:endParaRPr lang="en-US" altLang="zh-CN" sz="1800" b="0" i="0" u="none" strike="noStrike" dirty="0">
+                        <a:solidFill>
+                          <a:srgbClr val="000000"/>
+                        </a:solidFill>
+                        <a:effectLst/>
+                        <a:latin typeface="Times New Roman" panose="02020603050405020304" pitchFamily="18" charset="0"/>
+                        <a:cs typeface="Times New Roman" panose="02020603050405020304" pitchFamily="18" charset="0"/>
+                      </a:endParaRPr>
+                    </a:p>
+                  </a:txBody>
+                  <a:tcPr marL="9525" marR="9525" marT="9525" marB="0" anchor="ctr"/>
+                </a:tc>
+                <a:tc>
+                  <a:txBody>
+                    <a:bodyPr/>
+                    <a:lstStyle/>
+                    <a:p>
+                      <a:pPr algn="ctr" fontAlgn="ctr"/>
+                      <a:r>
+                        <a:rPr lang="en-US" altLang="zh-CN" sz="1800" b="0" i="0" u="none" strike="noStrike">
+                          <a:solidFill>
+                            <a:srgbClr val="000000"/>
+                          </a:solidFill>
+                          <a:effectLst/>
+                          <a:latin typeface="Times New Roman" panose="02020603050405020304" pitchFamily="18" charset="0"/>
+                          <a:cs typeface="Times New Roman" panose="02020603050405020304" pitchFamily="18" charset="0"/>
+                        </a:rPr>
+                        <a:t>B2</a:t>
+                      </a:r>
+                      <a:r>
+                        <a:rPr lang="vi-VN" altLang="zh-CN" sz="1800" b="0" i="0" u="none" strike="noStrike">
+                          <a:solidFill>
+                            <a:srgbClr val="000000"/>
+                          </a:solidFill>
+                          <a:effectLst/>
+                          <a:latin typeface="Times New Roman" panose="02020603050405020304" pitchFamily="18" charset="0"/>
+                          <a:cs typeface="Times New Roman" panose="02020603050405020304" pitchFamily="18" charset="0"/>
+                        </a:rPr>
+                        <a:t>-1</a:t>
+                      </a:r>
+                      <a:endParaRPr lang="en-US" altLang="zh-CN" sz="1800" b="0" i="0" u="none" strike="noStrike">
+                        <a:solidFill>
+                          <a:srgbClr val="000000"/>
+                        </a:solidFill>
+                        <a:effectLst/>
+                        <a:latin typeface="Times New Roman" panose="02020603050405020304" pitchFamily="18" charset="0"/>
+                        <a:cs typeface="Times New Roman" panose="02020603050405020304" pitchFamily="18" charset="0"/>
+                      </a:endParaRPr>
+                    </a:p>
+                  </a:txBody>
+                  <a:tcPr marL="9525" marR="9525" marT="9525" marB="0" anchor="ctr"/>
+                </a:tc>
+                <a:tc>
+                  <a:txBody>
+                    <a:bodyPr/>
+                    <a:lstStyle/>
+                    <a:p>
+                      <a:pPr algn="ctr" fontAlgn="ctr"/>
+                      <a:r>
+                        <a:rPr lang="en-US" altLang="zh-CN" sz="1800" b="0" i="0" u="none" strike="noStrike">
+                          <a:solidFill>
+                            <a:srgbClr val="000000"/>
+                          </a:solidFill>
+                          <a:effectLst/>
+                          <a:latin typeface="Times New Roman" panose="02020603050405020304" pitchFamily="18" charset="0"/>
+                          <a:cs typeface="Times New Roman" panose="02020603050405020304" pitchFamily="18" charset="0"/>
+                        </a:rPr>
+                        <a:t>B2</a:t>
+                      </a:r>
+                      <a:r>
+                        <a:rPr lang="vi-VN" altLang="zh-CN" sz="1800" b="0" i="0" u="none" strike="noStrike">
+                          <a:solidFill>
+                            <a:srgbClr val="000000"/>
+                          </a:solidFill>
+                          <a:effectLst/>
+                          <a:latin typeface="Times New Roman" panose="02020603050405020304" pitchFamily="18" charset="0"/>
+                          <a:cs typeface="Times New Roman" panose="02020603050405020304" pitchFamily="18" charset="0"/>
+                        </a:rPr>
+                        <a:t>-2</a:t>
+                      </a:r>
+                      <a:endParaRPr lang="en-US" altLang="zh-CN" sz="1800" b="0" i="0" u="none" strike="noStrike" dirty="0">
+                        <a:solidFill>
+                          <a:srgbClr val="000000"/>
+                        </a:solidFill>
+                        <a:effectLst/>
+                        <a:latin typeface="Times New Roman" panose="02020603050405020304" pitchFamily="18" charset="0"/>
+                        <a:cs typeface="Times New Roman" panose="02020603050405020304" pitchFamily="18" charset="0"/>
+                      </a:endParaRPr>
                     </a:p>
                   </a:txBody>
                   <a:tcPr marL="9525" marR="9525" marT="9525" marB="0" anchor="ctr"/>
@@ -7133,7 +9114,3679 @@
     </p:spTree>
     <p:extLst>
       <p:ext uri="{BB962C8B-B14F-4D97-AF65-F5344CB8AC3E}">
-        <p14:creationId xmlns:p14="http://schemas.microsoft.com/office/powerpoint/2010/main" val="3121065207"/>
+        <p14:creationId xmlns:p14="http://schemas.microsoft.com/office/powerpoint/2010/main" val="2785111790"/>
+      </p:ext>
+    </p:extLst>
+  </p:cSld>
+  <p:clrMapOvr>
+    <a:masterClrMapping/>
+  </p:clrMapOvr>
+</p:sld>
+</file>
+
+<file path=ppt/slides/slide4.xml><?xml version="1.0" encoding="utf-8"?>
+<p:sld xmlns:a="http://schemas.openxmlformats.org/drawingml/2006/main" xmlns:r="http://schemas.openxmlformats.org/officeDocument/2006/relationships" xmlns:p="http://schemas.openxmlformats.org/presentationml/2006/main">
+  <p:cSld>
+    <p:spTree>
+      <p:nvGrpSpPr>
+        <p:cNvPr id="1" name=""/>
+        <p:cNvGrpSpPr/>
+        <p:nvPr/>
+      </p:nvGrpSpPr>
+      <p:grpSpPr>
+        <a:xfrm>
+          <a:off x="0" y="0"/>
+          <a:ext cx="0" cy="0"/>
+          <a:chOff x="0" y="0"/>
+          <a:chExt cx="0" cy="0"/>
+        </a:xfrm>
+      </p:grpSpPr>
+      <p:sp>
+        <p:nvSpPr>
+          <p:cNvPr id="26" name="矩形 25"/>
+          <p:cNvSpPr/>
+          <p:nvPr/>
+        </p:nvSpPr>
+        <p:spPr>
+          <a:xfrm>
+            <a:off x="0" y="0"/>
+            <a:ext cx="12192000" cy="523220"/>
+          </a:xfrm>
+          <a:prstGeom prst="rect">
+            <a:avLst/>
+          </a:prstGeom>
+        </p:spPr>
+        <p:txBody>
+          <a:bodyPr wrap="square">
+            <a:spAutoFit/>
+          </a:bodyPr>
+          <a:lstStyle/>
+          <a:p>
+            <a:pPr algn="ctr">
+              <a:defRPr/>
+            </a:pPr>
+            <a:r>
+              <a:rPr lang="zh-CN" altLang="en-US" sz="2800" b="1" u="sng" dirty="0">
+                <a:solidFill>
+                  <a:prstClr val="black"/>
+                </a:solidFill>
+                <a:latin typeface="標楷體" panose="03000509000000000000" pitchFamily="65" charset="-120"/>
+                <a:ea typeface="標楷體" panose="03000509000000000000" pitchFamily="65" charset="-120"/>
+                <a:cs typeface="Times New Roman" panose="02020603050405020304" pitchFamily="18" charset="0"/>
+              </a:rPr>
+              <a:t>表面銹皮健康改善專案</a:t>
+            </a:r>
+            <a:endParaRPr lang="zh-TW" altLang="en-US" sz="2800" b="1" u="sng" dirty="0">
+              <a:solidFill>
+                <a:prstClr val="black"/>
+              </a:solidFill>
+              <a:latin typeface="標楷體" panose="03000509000000000000" pitchFamily="65" charset="-120"/>
+              <a:ea typeface="標楷體" panose="03000509000000000000" pitchFamily="65" charset="-120"/>
+              <a:cs typeface="Times New Roman" panose="02020603050405020304" pitchFamily="18" charset="0"/>
+            </a:endParaRPr>
+          </a:p>
+        </p:txBody>
+      </p:sp>
+      <p:sp>
+        <p:nvSpPr>
+          <p:cNvPr id="27" name="矩形 26"/>
+          <p:cNvSpPr/>
+          <p:nvPr/>
+        </p:nvSpPr>
+        <p:spPr>
+          <a:xfrm>
+            <a:off x="0" y="219130"/>
+            <a:ext cx="8810698" cy="369332"/>
+          </a:xfrm>
+          <a:prstGeom prst="rect">
+            <a:avLst/>
+          </a:prstGeom>
+        </p:spPr>
+        <p:txBody>
+          <a:bodyPr wrap="square">
+            <a:spAutoFit/>
+          </a:bodyPr>
+          <a:lstStyle/>
+          <a:p>
+            <a:pPr marL="442913" indent="-442913" algn="just">
+              <a:spcAft>
+                <a:spcPts val="1000"/>
+              </a:spcAft>
+            </a:pPr>
+            <a:r>
+              <a:rPr lang="zh-CN" altLang="en-US" dirty="0">
+                <a:solidFill>
+                  <a:srgbClr val="000000"/>
+                </a:solidFill>
+                <a:latin typeface="Times New Roman" panose="02020603050405020304" pitchFamily="18" charset="0"/>
+                <a:ea typeface="標楷體" panose="03000509000000000000" pitchFamily="65" charset="-120"/>
+                <a:cs typeface="Times New Roman" panose="02020603050405020304" pitchFamily="18" charset="0"/>
+              </a:rPr>
+              <a:t>一、鋼捲</a:t>
+            </a:r>
+            <a:r>
+              <a:rPr lang="en-US" altLang="zh-CN">
+                <a:solidFill>
+                  <a:srgbClr val="000000"/>
+                </a:solidFill>
+                <a:latin typeface="Times New Roman" panose="02020603050405020304" pitchFamily="18" charset="0"/>
+                <a:ea typeface="標楷體" panose="03000509000000000000" pitchFamily="65" charset="-120"/>
+                <a:cs typeface="Times New Roman" panose="02020603050405020304" pitchFamily="18" charset="0"/>
+              </a:rPr>
+              <a:t>ID </a:t>
+            </a:r>
+            <a:r>
+              <a:rPr lang="en-US" altLang="zh-TW" b="1">
+                <a:latin typeface="Times New Roman" panose="02020603050405020304" pitchFamily="18" charset="0"/>
+                <a:ea typeface="標楷體" panose="03000509000000000000" pitchFamily="65" charset="-120"/>
+                <a:cs typeface="Times New Roman" panose="02020603050405020304" pitchFamily="18" charset="0"/>
+              </a:rPr>
+              <a:t>idroll</a:t>
+            </a:r>
+            <a:r>
+              <a:rPr lang="en-US" altLang="zh-CN" b="1">
+                <a:solidFill>
+                  <a:srgbClr val="000000"/>
+                </a:solidFill>
+                <a:latin typeface="Times New Roman" panose="02020603050405020304" pitchFamily="18" charset="0"/>
+                <a:ea typeface="標楷體" panose="03000509000000000000" pitchFamily="65" charset="-120"/>
+                <a:cs typeface="Times New Roman" panose="02020603050405020304" pitchFamily="18" charset="0"/>
+              </a:rPr>
+              <a:t>-</a:t>
+            </a:r>
+            <a:r>
+              <a:rPr lang="zh-CN" altLang="en-US" b="1" dirty="0">
+                <a:solidFill>
+                  <a:srgbClr val="000000"/>
+                </a:solidFill>
+                <a:latin typeface="Times New Roman" panose="02020603050405020304" pitchFamily="18" charset="0"/>
+                <a:ea typeface="標楷體" panose="03000509000000000000" pitchFamily="65" charset="-120"/>
+                <a:cs typeface="Times New Roman" panose="02020603050405020304" pitchFamily="18" charset="0"/>
+              </a:rPr>
+              <a:t>尾端</a:t>
+            </a:r>
+            <a:r>
+              <a:rPr lang="zh-CN" altLang="en-US" sz="1600" dirty="0">
+                <a:latin typeface="Times New Roman" panose="02020603050405020304" pitchFamily="18" charset="0"/>
+                <a:ea typeface="標楷體" panose="03000509000000000000" pitchFamily="65" charset="-120"/>
+                <a:cs typeface="Times New Roman" panose="02020603050405020304" pitchFamily="18" charset="0"/>
+              </a:rPr>
+              <a:t>：</a:t>
+            </a:r>
+            <a:endParaRPr lang="zh-TW" altLang="en-US" sz="1600" dirty="0">
+              <a:latin typeface="Times New Roman" panose="02020603050405020304" pitchFamily="18" charset="0"/>
+              <a:ea typeface="標楷體" panose="03000509000000000000" pitchFamily="65" charset="-120"/>
+              <a:cs typeface="Times New Roman" panose="02020603050405020304" pitchFamily="18" charset="0"/>
+            </a:endParaRPr>
+          </a:p>
+        </p:txBody>
+      </p:sp>
+      <p:graphicFrame>
+        <p:nvGraphicFramePr>
+          <p:cNvPr id="50" name="表格 49"/>
+          <p:cNvGraphicFramePr>
+            <a:graphicFrameLocks noGrp="1"/>
+          </p:cNvGraphicFramePr>
+          <p:nvPr>
+            <p:extLst>
+              <p:ext uri="{D42A27DB-BD31-4B8C-83A1-F6EECF244321}">
+                <p14:modId xmlns:p14="http://schemas.microsoft.com/office/powerpoint/2010/main" val="4094878965"/>
+              </p:ext>
+            </p:extLst>
+          </p:nvPr>
+        </p:nvGraphicFramePr>
+        <p:xfrm>
+          <a:off x="29029" y="573948"/>
+          <a:ext cx="11887201" cy="6163047"/>
+        </p:xfrm>
+        <a:graphic>
+          <a:graphicData uri="http://schemas.openxmlformats.org/drawingml/2006/table">
+            <a:tbl>
+              <a:tblPr firstRow="1" bandRow="1">
+                <a:tableStyleId>{5940675A-B579-460E-94D1-54222C63F5DA}</a:tableStyleId>
+              </a:tblPr>
+              <a:tblGrid>
+                <a:gridCol w="478971">
+                  <a:extLst>
+                    <a:ext uri="{9D8B030D-6E8A-4147-A177-3AD203B41FA5}">
+                      <a16:colId xmlns:a16="http://schemas.microsoft.com/office/drawing/2014/main" val="20000"/>
+                    </a:ext>
+                  </a:extLst>
+                </a:gridCol>
+                <a:gridCol w="1132114">
+                  <a:extLst>
+                    <a:ext uri="{9D8B030D-6E8A-4147-A177-3AD203B41FA5}">
+                      <a16:colId xmlns:a16="http://schemas.microsoft.com/office/drawing/2014/main" val="20001"/>
+                    </a:ext>
+                  </a:extLst>
+                </a:gridCol>
+                <a:gridCol w="1712686">
+                  <a:extLst>
+                    <a:ext uri="{9D8B030D-6E8A-4147-A177-3AD203B41FA5}">
+                      <a16:colId xmlns:a16="http://schemas.microsoft.com/office/drawing/2014/main" val="20002"/>
+                    </a:ext>
+                  </a:extLst>
+                </a:gridCol>
+                <a:gridCol w="1712686">
+                  <a:extLst>
+                    <a:ext uri="{9D8B030D-6E8A-4147-A177-3AD203B41FA5}">
+                      <a16:colId xmlns:a16="http://schemas.microsoft.com/office/drawing/2014/main" val="3795221645"/>
+                    </a:ext>
+                  </a:extLst>
+                </a:gridCol>
+                <a:gridCol w="1712686">
+                  <a:extLst>
+                    <a:ext uri="{9D8B030D-6E8A-4147-A177-3AD203B41FA5}">
+                      <a16:colId xmlns:a16="http://schemas.microsoft.com/office/drawing/2014/main" val="20003"/>
+                    </a:ext>
+                  </a:extLst>
+                </a:gridCol>
+                <a:gridCol w="1712686">
+                  <a:extLst>
+                    <a:ext uri="{9D8B030D-6E8A-4147-A177-3AD203B41FA5}">
+                      <a16:colId xmlns:a16="http://schemas.microsoft.com/office/drawing/2014/main" val="3614160323"/>
+                    </a:ext>
+                  </a:extLst>
+                </a:gridCol>
+                <a:gridCol w="1712686">
+                  <a:extLst>
+                    <a:ext uri="{9D8B030D-6E8A-4147-A177-3AD203B41FA5}">
+                      <a16:colId xmlns:a16="http://schemas.microsoft.com/office/drawing/2014/main" val="20004"/>
+                    </a:ext>
+                  </a:extLst>
+                </a:gridCol>
+                <a:gridCol w="1712686">
+                  <a:extLst>
+                    <a:ext uri="{9D8B030D-6E8A-4147-A177-3AD203B41FA5}">
+                      <a16:colId xmlns:a16="http://schemas.microsoft.com/office/drawing/2014/main" val="3542158680"/>
+                    </a:ext>
+                  </a:extLst>
+                </a:gridCol>
+              </a:tblGrid>
+              <a:tr h="398930">
+                <a:tc gridSpan="2">
+                  <a:txBody>
+                    <a:bodyPr/>
+                    <a:lstStyle/>
+                    <a:p>
+                      <a:pPr algn="ctr"/>
+                      <a:r>
+                        <a:rPr lang="zh-CN" altLang="en-US" dirty="0">
+                          <a:latin typeface="Times New Roman" panose="02020603050405020304" pitchFamily="18" charset="0"/>
+                          <a:ea typeface="標楷體" panose="03000509000000000000" pitchFamily="65" charset="-120"/>
+                          <a:cs typeface="Times New Roman" panose="02020603050405020304" pitchFamily="18" charset="0"/>
+                        </a:rPr>
+                        <a:t>試驗項目</a:t>
+                      </a:r>
+                      <a:endParaRPr lang="zh-TW" altLang="en-US" dirty="0">
+                        <a:latin typeface="Times New Roman" panose="02020603050405020304" pitchFamily="18" charset="0"/>
+                        <a:ea typeface="標楷體" panose="03000509000000000000" pitchFamily="65" charset="-120"/>
+                        <a:cs typeface="Times New Roman" panose="02020603050405020304" pitchFamily="18" charset="0"/>
+                      </a:endParaRPr>
+                    </a:p>
+                  </a:txBody>
+                  <a:tcPr anchor="ctr"/>
+                </a:tc>
+                <a:tc hMerge="1">
+                  <a:txBody>
+                    <a:bodyPr/>
+                    <a:lstStyle/>
+                    <a:p>
+                      <a:endParaRPr lang="zh-TW" altLang="en-US"/>
+                    </a:p>
+                  </a:txBody>
+                  <a:tcPr/>
+                </a:tc>
+                <a:tc gridSpan="6">
+                  <a:txBody>
+                    <a:bodyPr/>
+                    <a:lstStyle/>
+                    <a:p>
+                      <a:pPr algn="ctr"/>
+                      <a:r>
+                        <a:rPr lang="en-US" altLang="zh-CN" b="1">
+                          <a:latin typeface="Times New Roman" panose="02020603050405020304" pitchFamily="18" charset="0"/>
+                          <a:ea typeface="標楷體" panose="03000509000000000000" pitchFamily="65" charset="-120"/>
+                          <a:cs typeface="Times New Roman" panose="02020603050405020304" pitchFamily="18" charset="0"/>
+                        </a:rPr>
+                        <a:t>SEM</a:t>
+                      </a:r>
+                      <a:r>
+                        <a:rPr lang="zh-TW" altLang="en-US" b="1">
+                          <a:latin typeface="Times New Roman" panose="02020603050405020304" pitchFamily="18" charset="0"/>
+                          <a:ea typeface="標楷體" panose="03000509000000000000" pitchFamily="65" charset="-120"/>
+                          <a:cs typeface="Times New Roman" panose="02020603050405020304" pitchFamily="18" charset="0"/>
+                        </a:rPr>
+                        <a:t>相比例</a:t>
+                      </a:r>
+                      <a:endParaRPr lang="zh-TW" altLang="en-US" b="1" dirty="0">
+                        <a:latin typeface="Times New Roman" panose="02020603050405020304" pitchFamily="18" charset="0"/>
+                        <a:ea typeface="標楷體" panose="03000509000000000000" pitchFamily="65" charset="-120"/>
+                        <a:cs typeface="Times New Roman" panose="02020603050405020304" pitchFamily="18" charset="0"/>
+                      </a:endParaRPr>
+                    </a:p>
+                  </a:txBody>
+                  <a:tcPr anchor="ctr"/>
+                </a:tc>
+                <a:tc hMerge="1">
+                  <a:txBody>
+                    <a:bodyPr/>
+                    <a:lstStyle/>
+                    <a:p>
+                      <a:endParaRPr lang="en-US"/>
+                    </a:p>
+                  </a:txBody>
+                  <a:tcPr/>
+                </a:tc>
+                <a:tc hMerge="1">
+                  <a:txBody>
+                    <a:bodyPr/>
+                    <a:lstStyle/>
+                    <a:p>
+                      <a:pPr algn="ctr"/>
+                      <a:endParaRPr lang="zh-TW" altLang="en-US" dirty="0"/>
+                    </a:p>
+                  </a:txBody>
+                  <a:tcPr anchor="ctr"/>
+                </a:tc>
+                <a:tc hMerge="1">
+                  <a:txBody>
+                    <a:bodyPr/>
+                    <a:lstStyle/>
+                    <a:p>
+                      <a:endParaRPr lang="en-US"/>
+                    </a:p>
+                  </a:txBody>
+                  <a:tcPr/>
+                </a:tc>
+                <a:tc hMerge="1">
+                  <a:txBody>
+                    <a:bodyPr/>
+                    <a:lstStyle/>
+                    <a:p>
+                      <a:pPr algn="ctr"/>
+                      <a:endParaRPr lang="zh-TW" altLang="en-US" dirty="0"/>
+                    </a:p>
+                  </a:txBody>
+                  <a:tcPr anchor="ctr"/>
+                </a:tc>
+                <a:tc hMerge="1">
+                  <a:txBody>
+                    <a:bodyPr/>
+                    <a:lstStyle/>
+                    <a:p>
+                      <a:endParaRPr lang="en-US"/>
+                    </a:p>
+                  </a:txBody>
+                  <a:tcPr/>
+                </a:tc>
+                <a:extLst>
+                  <a:ext uri="{0D108BD9-81ED-4DB2-BD59-A6C34878D82A}">
+                    <a16:rowId xmlns:a16="http://schemas.microsoft.com/office/drawing/2014/main" val="10000"/>
+                  </a:ext>
+                </a:extLst>
+              </a:tr>
+              <a:tr h="398930">
+                <a:tc gridSpan="2">
+                  <a:txBody>
+                    <a:bodyPr/>
+                    <a:lstStyle/>
+                    <a:p>
+                      <a:pPr algn="ctr"/>
+                      <a:r>
+                        <a:rPr lang="zh-CN" altLang="en-US" dirty="0">
+                          <a:latin typeface="Times New Roman" panose="02020603050405020304" pitchFamily="18" charset="0"/>
+                          <a:ea typeface="標楷體" panose="03000509000000000000" pitchFamily="65" charset="-120"/>
+                          <a:cs typeface="Times New Roman" panose="02020603050405020304" pitchFamily="18" charset="0"/>
+                        </a:rPr>
+                        <a:t>觀察位置</a:t>
+                      </a:r>
+                      <a:endParaRPr lang="zh-TW" altLang="en-US" dirty="0">
+                        <a:latin typeface="Times New Roman" panose="02020603050405020304" pitchFamily="18" charset="0"/>
+                        <a:ea typeface="標楷體" panose="03000509000000000000" pitchFamily="65" charset="-120"/>
+                        <a:cs typeface="Times New Roman" panose="02020603050405020304" pitchFamily="18" charset="0"/>
+                      </a:endParaRPr>
+                    </a:p>
+                  </a:txBody>
+                  <a:tcPr anchor="ctr"/>
+                </a:tc>
+                <a:tc hMerge="1">
+                  <a:txBody>
+                    <a:bodyPr/>
+                    <a:lstStyle/>
+                    <a:p>
+                      <a:endParaRPr lang="zh-TW" altLang="en-US"/>
+                    </a:p>
+                  </a:txBody>
+                  <a:tcPr/>
+                </a:tc>
+                <a:tc gridSpan="2">
+                  <a:txBody>
+                    <a:bodyPr/>
+                    <a:lstStyle/>
+                    <a:p>
+                      <a:pPr marL="0" marR="0" indent="0" algn="ctr" defTabSz="914400" rtl="0" eaLnBrk="1" fontAlgn="auto" latinLnBrk="0" hangingPunct="1">
+                        <a:lnSpc>
+                          <a:spcPct val="100000"/>
+                        </a:lnSpc>
+                        <a:spcBef>
+                          <a:spcPts val="0"/>
+                        </a:spcBef>
+                        <a:spcAft>
+                          <a:spcPts val="0"/>
+                        </a:spcAft>
+                        <a:buClrTx/>
+                        <a:buSzTx/>
+                        <a:buFontTx/>
+                        <a:buNone/>
+                        <a:tabLst/>
+                        <a:defRPr/>
+                      </a:pPr>
+                      <a:r>
+                        <a:rPr lang="zh-CN" altLang="en-US" dirty="0">
+                          <a:latin typeface="Times New Roman" panose="02020603050405020304" pitchFamily="18" charset="0"/>
+                          <a:ea typeface="標楷體" panose="03000509000000000000" pitchFamily="65" charset="-120"/>
+                          <a:cs typeface="Times New Roman" panose="02020603050405020304" pitchFamily="18" charset="0"/>
+                        </a:rPr>
+                        <a:t>邊緣</a:t>
+                      </a:r>
+                      <a:endParaRPr lang="zh-TW" altLang="en-US" dirty="0">
+                        <a:latin typeface="Times New Roman" panose="02020603050405020304" pitchFamily="18" charset="0"/>
+                        <a:ea typeface="標楷體" panose="03000509000000000000" pitchFamily="65" charset="-120"/>
+                        <a:cs typeface="Times New Roman" panose="02020603050405020304" pitchFamily="18" charset="0"/>
+                      </a:endParaRPr>
+                    </a:p>
+                  </a:txBody>
+                  <a:tcPr anchor="ctr"/>
+                </a:tc>
+                <a:tc hMerge="1">
+                  <a:txBody>
+                    <a:bodyPr/>
+                    <a:lstStyle/>
+                    <a:p>
+                      <a:endParaRPr lang="en-US"/>
+                    </a:p>
+                  </a:txBody>
+                  <a:tcPr/>
+                </a:tc>
+                <a:tc gridSpan="2">
+                  <a:txBody>
+                    <a:bodyPr/>
+                    <a:lstStyle/>
+                    <a:p>
+                      <a:pPr marL="0" marR="0" indent="0" algn="ctr" defTabSz="914400" rtl="0" eaLnBrk="1" fontAlgn="auto" latinLnBrk="0" hangingPunct="1">
+                        <a:lnSpc>
+                          <a:spcPct val="100000"/>
+                        </a:lnSpc>
+                        <a:spcBef>
+                          <a:spcPts val="0"/>
+                        </a:spcBef>
+                        <a:spcAft>
+                          <a:spcPts val="0"/>
+                        </a:spcAft>
+                        <a:buClrTx/>
+                        <a:buSzTx/>
+                        <a:buFontTx/>
+                        <a:buNone/>
+                        <a:tabLst/>
+                        <a:defRPr/>
+                      </a:pPr>
+                      <a:r>
+                        <a:rPr lang="en-US" altLang="zh-CN" dirty="0">
+                          <a:latin typeface="Times New Roman" panose="02020603050405020304" pitchFamily="18" charset="0"/>
+                          <a:ea typeface="標楷體" panose="03000509000000000000" pitchFamily="65" charset="-120"/>
+                          <a:cs typeface="Times New Roman" panose="02020603050405020304" pitchFamily="18" charset="0"/>
+                        </a:rPr>
+                        <a:t>1/4</a:t>
+                      </a:r>
+                      <a:endParaRPr lang="zh-TW" altLang="en-US" dirty="0">
+                        <a:latin typeface="Times New Roman" panose="02020603050405020304" pitchFamily="18" charset="0"/>
+                        <a:ea typeface="標楷體" panose="03000509000000000000" pitchFamily="65" charset="-120"/>
+                        <a:cs typeface="Times New Roman" panose="02020603050405020304" pitchFamily="18" charset="0"/>
+                      </a:endParaRPr>
+                    </a:p>
+                  </a:txBody>
+                  <a:tcPr anchor="ctr"/>
+                </a:tc>
+                <a:tc hMerge="1">
+                  <a:txBody>
+                    <a:bodyPr/>
+                    <a:lstStyle/>
+                    <a:p>
+                      <a:endParaRPr lang="en-US"/>
+                    </a:p>
+                  </a:txBody>
+                  <a:tcPr/>
+                </a:tc>
+                <a:tc gridSpan="2">
+                  <a:txBody>
+                    <a:bodyPr/>
+                    <a:lstStyle/>
+                    <a:p>
+                      <a:pPr marL="0" marR="0" indent="0" algn="ctr" defTabSz="914400" rtl="0" eaLnBrk="1" fontAlgn="auto" latinLnBrk="0" hangingPunct="1">
+                        <a:lnSpc>
+                          <a:spcPct val="100000"/>
+                        </a:lnSpc>
+                        <a:spcBef>
+                          <a:spcPts val="0"/>
+                        </a:spcBef>
+                        <a:spcAft>
+                          <a:spcPts val="0"/>
+                        </a:spcAft>
+                        <a:buClrTx/>
+                        <a:buSzTx/>
+                        <a:buFontTx/>
+                        <a:buNone/>
+                        <a:tabLst/>
+                        <a:defRPr/>
+                      </a:pPr>
+                      <a:r>
+                        <a:rPr lang="zh-CN" altLang="en-US" dirty="0">
+                          <a:latin typeface="Times New Roman" panose="02020603050405020304" pitchFamily="18" charset="0"/>
+                          <a:ea typeface="標楷體" panose="03000509000000000000" pitchFamily="65" charset="-120"/>
+                          <a:cs typeface="Times New Roman" panose="02020603050405020304" pitchFamily="18" charset="0"/>
+                        </a:rPr>
+                        <a:t>中心 </a:t>
+                      </a:r>
+                      <a:endParaRPr lang="zh-TW" altLang="en-US" dirty="0">
+                        <a:latin typeface="Times New Roman" panose="02020603050405020304" pitchFamily="18" charset="0"/>
+                        <a:ea typeface="標楷體" panose="03000509000000000000" pitchFamily="65" charset="-120"/>
+                        <a:cs typeface="Times New Roman" panose="02020603050405020304" pitchFamily="18" charset="0"/>
+                      </a:endParaRPr>
+                    </a:p>
+                  </a:txBody>
+                  <a:tcPr anchor="ctr"/>
+                </a:tc>
+                <a:tc hMerge="1">
+                  <a:txBody>
+                    <a:bodyPr/>
+                    <a:lstStyle/>
+                    <a:p>
+                      <a:endParaRPr lang="en-US"/>
+                    </a:p>
+                  </a:txBody>
+                  <a:tcPr/>
+                </a:tc>
+                <a:extLst>
+                  <a:ext uri="{0D108BD9-81ED-4DB2-BD59-A6C34878D82A}">
+                    <a16:rowId xmlns:a16="http://schemas.microsoft.com/office/drawing/2014/main" val="10001"/>
+                  </a:ext>
+                </a:extLst>
+              </a:tr>
+              <a:tr h="1946567">
+                <a:tc rowSpan="3">
+                  <a:txBody>
+                    <a:bodyPr/>
+                    <a:lstStyle/>
+                    <a:p>
+                      <a:pPr marL="0" marR="0" indent="0" algn="ctr" defTabSz="914400" rtl="0" eaLnBrk="1" fontAlgn="auto" latinLnBrk="0" hangingPunct="1">
+                        <a:lnSpc>
+                          <a:spcPct val="100000"/>
+                        </a:lnSpc>
+                        <a:spcBef>
+                          <a:spcPts val="0"/>
+                        </a:spcBef>
+                        <a:spcAft>
+                          <a:spcPts val="0"/>
+                        </a:spcAft>
+                        <a:buClrTx/>
+                        <a:buSzTx/>
+                        <a:buFontTx/>
+                        <a:buNone/>
+                        <a:tabLst/>
+                        <a:defRPr/>
+                      </a:pPr>
+                      <a:r>
+                        <a:rPr lang="zh-CN" altLang="en-US" dirty="0">
+                          <a:latin typeface="Times New Roman" panose="02020603050405020304" pitchFamily="18" charset="0"/>
+                          <a:ea typeface="標楷體" panose="03000509000000000000" pitchFamily="65" charset="-120"/>
+                          <a:cs typeface="Times New Roman" panose="02020603050405020304" pitchFamily="18" charset="0"/>
+                        </a:rPr>
+                        <a:t>上表面</a:t>
+                      </a:r>
+                      <a:endParaRPr lang="zh-TW" altLang="en-US" dirty="0">
+                        <a:latin typeface="Times New Roman" panose="02020603050405020304" pitchFamily="18" charset="0"/>
+                        <a:ea typeface="標楷體" panose="03000509000000000000" pitchFamily="65" charset="-120"/>
+                        <a:cs typeface="Times New Roman" panose="02020603050405020304" pitchFamily="18" charset="0"/>
+                      </a:endParaRPr>
+                    </a:p>
+                  </a:txBody>
+                  <a:tcPr anchor="ctr"/>
+                </a:tc>
+                <a:tc>
+                  <a:txBody>
+                    <a:bodyPr/>
+                    <a:lstStyle/>
+                    <a:p>
+                      <a:pPr marL="0" marR="0" indent="0" algn="ctr" defTabSz="914400" rtl="0" eaLnBrk="1" fontAlgn="auto" latinLnBrk="0" hangingPunct="1">
+                        <a:lnSpc>
+                          <a:spcPct val="100000"/>
+                        </a:lnSpc>
+                        <a:spcBef>
+                          <a:spcPts val="0"/>
+                        </a:spcBef>
+                        <a:spcAft>
+                          <a:spcPts val="0"/>
+                        </a:spcAft>
+                        <a:buClrTx/>
+                        <a:buSzTx/>
+                        <a:buFontTx/>
+                        <a:buNone/>
+                        <a:tabLst/>
+                        <a:defRPr/>
+                      </a:pPr>
+                      <a:r>
+                        <a:rPr lang="zh-CN" altLang="en-US" dirty="0">
+                          <a:latin typeface="Times New Roman" panose="02020603050405020304" pitchFamily="18" charset="0"/>
+                          <a:ea typeface="標楷體" panose="03000509000000000000" pitchFamily="65" charset="-120"/>
+                          <a:cs typeface="Times New Roman" panose="02020603050405020304" pitchFamily="18" charset="0"/>
+                        </a:rPr>
+                        <a:t>照片</a:t>
+                      </a:r>
+                      <a:endParaRPr lang="zh-TW" altLang="en-US" dirty="0">
+                        <a:latin typeface="Times New Roman" panose="02020603050405020304" pitchFamily="18" charset="0"/>
+                        <a:ea typeface="標楷體" panose="03000509000000000000" pitchFamily="65" charset="-120"/>
+                        <a:cs typeface="Times New Roman" panose="02020603050405020304" pitchFamily="18" charset="0"/>
+                      </a:endParaRPr>
+                    </a:p>
+                  </a:txBody>
+                  <a:tcPr anchor="ctr"/>
+                </a:tc>
+                <a:tc gridSpan="2">
+                  <a:txBody>
+                    <a:bodyPr/>
+                    <a:lstStyle/>
+                    <a:p>
+                      <a:pPr algn="ctr"/>
+                      <a:endParaRPr lang="en-US" altLang="zh-TW" dirty="0">
+                        <a:latin typeface="Times New Roman" panose="02020603050405020304" pitchFamily="18" charset="0"/>
+                        <a:ea typeface="標楷體" panose="03000509000000000000" pitchFamily="65" charset="-120"/>
+                        <a:cs typeface="Times New Roman" panose="02020603050405020304" pitchFamily="18" charset="0"/>
+                      </a:endParaRPr>
+                    </a:p>
+                    <a:p>
+                      <a:pPr algn="ctr"/>
+                      <a:endParaRPr lang="zh-TW" altLang="en-US" dirty="0">
+                        <a:latin typeface="Times New Roman" panose="02020603050405020304" pitchFamily="18" charset="0"/>
+                        <a:ea typeface="標楷體" panose="03000509000000000000" pitchFamily="65" charset="-120"/>
+                        <a:cs typeface="Times New Roman" panose="02020603050405020304" pitchFamily="18" charset="0"/>
+                      </a:endParaRPr>
+                    </a:p>
+                  </a:txBody>
+                  <a:tcPr anchor="ctr"/>
+                </a:tc>
+                <a:tc hMerge="1">
+                  <a:txBody>
+                    <a:bodyPr/>
+                    <a:lstStyle/>
+                    <a:p>
+                      <a:endParaRPr lang="en-US"/>
+                    </a:p>
+                  </a:txBody>
+                  <a:tcPr/>
+                </a:tc>
+                <a:tc gridSpan="2">
+                  <a:txBody>
+                    <a:bodyPr/>
+                    <a:lstStyle/>
+                    <a:p>
+                      <a:pPr algn="ctr"/>
+                      <a:endParaRPr lang="zh-TW" altLang="en-US" dirty="0">
+                        <a:latin typeface="Times New Roman" panose="02020603050405020304" pitchFamily="18" charset="0"/>
+                        <a:ea typeface="標楷體" panose="03000509000000000000" pitchFamily="65" charset="-120"/>
+                        <a:cs typeface="Times New Roman" panose="02020603050405020304" pitchFamily="18" charset="0"/>
+                      </a:endParaRPr>
+                    </a:p>
+                  </a:txBody>
+                  <a:tcPr anchor="ctr"/>
+                </a:tc>
+                <a:tc hMerge="1">
+                  <a:txBody>
+                    <a:bodyPr/>
+                    <a:lstStyle/>
+                    <a:p>
+                      <a:endParaRPr lang="en-US"/>
+                    </a:p>
+                  </a:txBody>
+                  <a:tcPr/>
+                </a:tc>
+                <a:tc gridSpan="2">
+                  <a:txBody>
+                    <a:bodyPr/>
+                    <a:lstStyle/>
+                    <a:p>
+                      <a:pPr algn="ctr"/>
+                      <a:endParaRPr lang="zh-TW" altLang="en-US" dirty="0">
+                        <a:latin typeface="Times New Roman" panose="02020603050405020304" pitchFamily="18" charset="0"/>
+                        <a:ea typeface="標楷體" panose="03000509000000000000" pitchFamily="65" charset="-120"/>
+                        <a:cs typeface="Times New Roman" panose="02020603050405020304" pitchFamily="18" charset="0"/>
+                      </a:endParaRPr>
+                    </a:p>
+                  </a:txBody>
+                  <a:tcPr anchor="ctr"/>
+                </a:tc>
+                <a:tc hMerge="1">
+                  <a:txBody>
+                    <a:bodyPr/>
+                    <a:lstStyle/>
+                    <a:p>
+                      <a:endParaRPr lang="en-US"/>
+                    </a:p>
+                  </a:txBody>
+                  <a:tcPr/>
+                </a:tc>
+                <a:extLst>
+                  <a:ext uri="{0D108BD9-81ED-4DB2-BD59-A6C34878D82A}">
+                    <a16:rowId xmlns:a16="http://schemas.microsoft.com/office/drawing/2014/main" val="10002"/>
+                  </a:ext>
+                </a:extLst>
+              </a:tr>
+              <a:tr h="365760">
+                <a:tc vMerge="1">
+                  <a:txBody>
+                    <a:bodyPr/>
+                    <a:lstStyle/>
+                    <a:p>
+                      <a:pPr marL="0" marR="0" indent="0" algn="ctr" defTabSz="914400" rtl="0" eaLnBrk="1" fontAlgn="auto" latinLnBrk="0" hangingPunct="1">
+                        <a:lnSpc>
+                          <a:spcPct val="100000"/>
+                        </a:lnSpc>
+                        <a:spcBef>
+                          <a:spcPts val="0"/>
+                        </a:spcBef>
+                        <a:spcAft>
+                          <a:spcPts val="0"/>
+                        </a:spcAft>
+                        <a:buClrTx/>
+                        <a:buSzTx/>
+                        <a:buFontTx/>
+                        <a:buNone/>
+                        <a:tabLst/>
+                        <a:defRPr/>
+                      </a:pPr>
+                      <a:endParaRPr lang="zh-TW" altLang="en-US" dirty="0">
+                        <a:latin typeface="Times New Roman" panose="02020603050405020304" pitchFamily="18" charset="0"/>
+                        <a:ea typeface="標楷體" panose="03000509000000000000" pitchFamily="65" charset="-120"/>
+                        <a:cs typeface="Times New Roman" panose="02020603050405020304" pitchFamily="18" charset="0"/>
+                      </a:endParaRPr>
+                    </a:p>
+                  </a:txBody>
+                  <a:tcPr anchor="ctr"/>
+                </a:tc>
+                <a:tc>
+                  <a:txBody>
+                    <a:bodyPr/>
+                    <a:lstStyle/>
+                    <a:p>
+                      <a:pPr algn="ctr"/>
+                      <a:r>
+                        <a:rPr lang="zh-CN" altLang="en-US" dirty="0">
+                          <a:latin typeface="Times New Roman" panose="02020603050405020304" pitchFamily="18" charset="0"/>
+                          <a:ea typeface="標楷體" panose="03000509000000000000" pitchFamily="65" charset="-120"/>
+                          <a:cs typeface="Times New Roman" panose="02020603050405020304" pitchFamily="18" charset="0"/>
+                        </a:rPr>
+                        <a:t>顏色</a:t>
+                      </a:r>
+                      <a:endParaRPr lang="zh-TW" altLang="en-US" dirty="0">
+                        <a:latin typeface="Times New Roman" panose="02020603050405020304" pitchFamily="18" charset="0"/>
+                        <a:ea typeface="標楷體" panose="03000509000000000000" pitchFamily="65" charset="-120"/>
+                        <a:cs typeface="Times New Roman" panose="02020603050405020304" pitchFamily="18" charset="0"/>
+                      </a:endParaRPr>
+                    </a:p>
+                  </a:txBody>
+                  <a:tcPr anchor="ctr"/>
+                </a:tc>
+                <a:tc>
+                  <a:txBody>
+                    <a:bodyPr/>
+                    <a:lstStyle/>
+                    <a:p>
+                      <a:pPr algn="ctr"/>
+                      <a:r>
+                        <a:rPr lang="zh-CN" altLang="en-US" dirty="0">
+                          <a:latin typeface="Times New Roman" panose="02020603050405020304" pitchFamily="18" charset="0"/>
+                          <a:ea typeface="標楷體" panose="03000509000000000000" pitchFamily="65" charset="-120"/>
+                          <a:cs typeface="Times New Roman" panose="02020603050405020304" pitchFamily="18" charset="0"/>
+                        </a:rPr>
+                        <a:t>白色</a:t>
+                      </a:r>
+                      <a:endParaRPr lang="zh-TW" altLang="en-US" dirty="0">
+                        <a:latin typeface="Times New Roman" panose="02020603050405020304" pitchFamily="18" charset="0"/>
+                        <a:ea typeface="標楷體" panose="03000509000000000000" pitchFamily="65" charset="-120"/>
+                        <a:cs typeface="Times New Roman" panose="02020603050405020304" pitchFamily="18" charset="0"/>
+                      </a:endParaRPr>
+                    </a:p>
+                  </a:txBody>
+                  <a:tcPr anchor="ctr"/>
+                </a:tc>
+                <a:tc>
+                  <a:txBody>
+                    <a:bodyPr/>
+                    <a:lstStyle/>
+                    <a:p>
+                      <a:pPr algn="ctr"/>
+                      <a:r>
+                        <a:rPr lang="zh-CN" altLang="en-US" dirty="0">
+                          <a:latin typeface="Times New Roman" panose="02020603050405020304" pitchFamily="18" charset="0"/>
+                          <a:ea typeface="標楷體" panose="03000509000000000000" pitchFamily="65" charset="-120"/>
+                          <a:cs typeface="Times New Roman" panose="02020603050405020304" pitchFamily="18" charset="0"/>
+                        </a:rPr>
+                        <a:t>灰色</a:t>
+                      </a:r>
+                      <a:endParaRPr lang="zh-TW" altLang="en-US" dirty="0">
+                        <a:latin typeface="Times New Roman" panose="02020603050405020304" pitchFamily="18" charset="0"/>
+                        <a:ea typeface="標楷體" panose="03000509000000000000" pitchFamily="65" charset="-120"/>
+                        <a:cs typeface="Times New Roman" panose="02020603050405020304" pitchFamily="18" charset="0"/>
+                      </a:endParaRPr>
+                    </a:p>
+                  </a:txBody>
+                  <a:tcPr anchor="ctr"/>
+                </a:tc>
+                <a:tc>
+                  <a:txBody>
+                    <a:bodyPr/>
+                    <a:lstStyle/>
+                    <a:p>
+                      <a:pPr algn="ctr"/>
+                      <a:r>
+                        <a:rPr lang="zh-CN" altLang="en-US" dirty="0">
+                          <a:latin typeface="Times New Roman" panose="02020603050405020304" pitchFamily="18" charset="0"/>
+                          <a:ea typeface="標楷體" panose="03000509000000000000" pitchFamily="65" charset="-120"/>
+                          <a:cs typeface="Times New Roman" panose="02020603050405020304" pitchFamily="18" charset="0"/>
+                        </a:rPr>
+                        <a:t>白色</a:t>
+                      </a:r>
+                      <a:endParaRPr lang="zh-TW" altLang="en-US" dirty="0">
+                        <a:latin typeface="Times New Roman" panose="02020603050405020304" pitchFamily="18" charset="0"/>
+                        <a:ea typeface="標楷體" panose="03000509000000000000" pitchFamily="65" charset="-120"/>
+                        <a:cs typeface="Times New Roman" panose="02020603050405020304" pitchFamily="18" charset="0"/>
+                      </a:endParaRPr>
+                    </a:p>
+                  </a:txBody>
+                  <a:tcPr anchor="ctr"/>
+                </a:tc>
+                <a:tc>
+                  <a:txBody>
+                    <a:bodyPr/>
+                    <a:lstStyle/>
+                    <a:p>
+                      <a:pPr algn="ctr"/>
+                      <a:r>
+                        <a:rPr lang="zh-CN" altLang="en-US" dirty="0">
+                          <a:latin typeface="Times New Roman" panose="02020603050405020304" pitchFamily="18" charset="0"/>
+                          <a:ea typeface="標楷體" panose="03000509000000000000" pitchFamily="65" charset="-120"/>
+                          <a:cs typeface="Times New Roman" panose="02020603050405020304" pitchFamily="18" charset="0"/>
+                        </a:rPr>
+                        <a:t>灰色</a:t>
+                      </a:r>
+                      <a:endParaRPr lang="zh-TW" altLang="en-US" dirty="0">
+                        <a:latin typeface="Times New Roman" panose="02020603050405020304" pitchFamily="18" charset="0"/>
+                        <a:ea typeface="標楷體" panose="03000509000000000000" pitchFamily="65" charset="-120"/>
+                        <a:cs typeface="Times New Roman" panose="02020603050405020304" pitchFamily="18" charset="0"/>
+                      </a:endParaRPr>
+                    </a:p>
+                  </a:txBody>
+                  <a:tcPr anchor="ctr"/>
+                </a:tc>
+                <a:tc>
+                  <a:txBody>
+                    <a:bodyPr/>
+                    <a:lstStyle/>
+                    <a:p>
+                      <a:pPr algn="ctr"/>
+                      <a:r>
+                        <a:rPr lang="zh-CN" altLang="en-US" dirty="0">
+                          <a:latin typeface="Times New Roman" panose="02020603050405020304" pitchFamily="18" charset="0"/>
+                          <a:ea typeface="標楷體" panose="03000509000000000000" pitchFamily="65" charset="-120"/>
+                          <a:cs typeface="Times New Roman" panose="02020603050405020304" pitchFamily="18" charset="0"/>
+                        </a:rPr>
+                        <a:t>白色</a:t>
+                      </a:r>
+                      <a:endParaRPr lang="zh-TW" altLang="en-US" dirty="0">
+                        <a:latin typeface="Times New Roman" panose="02020603050405020304" pitchFamily="18" charset="0"/>
+                        <a:ea typeface="標楷體" panose="03000509000000000000" pitchFamily="65" charset="-120"/>
+                        <a:cs typeface="Times New Roman" panose="02020603050405020304" pitchFamily="18" charset="0"/>
+                      </a:endParaRPr>
+                    </a:p>
+                  </a:txBody>
+                  <a:tcPr anchor="ctr"/>
+                </a:tc>
+                <a:tc>
+                  <a:txBody>
+                    <a:bodyPr/>
+                    <a:lstStyle/>
+                    <a:p>
+                      <a:pPr algn="ctr"/>
+                      <a:r>
+                        <a:rPr lang="zh-CN" altLang="en-US" dirty="0">
+                          <a:latin typeface="Times New Roman" panose="02020603050405020304" pitchFamily="18" charset="0"/>
+                          <a:ea typeface="標楷體" panose="03000509000000000000" pitchFamily="65" charset="-120"/>
+                          <a:cs typeface="Times New Roman" panose="02020603050405020304" pitchFamily="18" charset="0"/>
+                        </a:rPr>
+                        <a:t>灰色</a:t>
+                      </a:r>
+                      <a:endParaRPr lang="zh-TW" altLang="en-US" dirty="0">
+                        <a:latin typeface="Times New Roman" panose="02020603050405020304" pitchFamily="18" charset="0"/>
+                        <a:ea typeface="標楷體" panose="03000509000000000000" pitchFamily="65" charset="-120"/>
+                        <a:cs typeface="Times New Roman" panose="02020603050405020304" pitchFamily="18" charset="0"/>
+                      </a:endParaRPr>
+                    </a:p>
+                  </a:txBody>
+                  <a:tcPr anchor="ctr"/>
+                </a:tc>
+                <a:extLst>
+                  <a:ext uri="{0D108BD9-81ED-4DB2-BD59-A6C34878D82A}">
+                    <a16:rowId xmlns:a16="http://schemas.microsoft.com/office/drawing/2014/main" val="10003"/>
+                  </a:ext>
+                </a:extLst>
+              </a:tr>
+              <a:tr h="365760">
+                <a:tc vMerge="1">
+                  <a:txBody>
+                    <a:bodyPr/>
+                    <a:lstStyle/>
+                    <a:p>
+                      <a:pPr marL="0" marR="0" indent="0" algn="ctr" defTabSz="914400" rtl="0" eaLnBrk="1" fontAlgn="auto" latinLnBrk="0" hangingPunct="1">
+                        <a:lnSpc>
+                          <a:spcPct val="100000"/>
+                        </a:lnSpc>
+                        <a:spcBef>
+                          <a:spcPts val="0"/>
+                        </a:spcBef>
+                        <a:spcAft>
+                          <a:spcPts val="0"/>
+                        </a:spcAft>
+                        <a:buClrTx/>
+                        <a:buSzTx/>
+                        <a:buFontTx/>
+                        <a:buNone/>
+                        <a:tabLst/>
+                        <a:defRPr/>
+                      </a:pPr>
+                      <a:endParaRPr lang="zh-TW" altLang="en-US" dirty="0">
+                        <a:latin typeface="Times New Roman" panose="02020603050405020304" pitchFamily="18" charset="0"/>
+                        <a:ea typeface="標楷體" panose="03000509000000000000" pitchFamily="65" charset="-120"/>
+                        <a:cs typeface="Times New Roman" panose="02020603050405020304" pitchFamily="18" charset="0"/>
+                      </a:endParaRPr>
+                    </a:p>
+                  </a:txBody>
+                  <a:tcPr anchor="ctr"/>
+                </a:tc>
+                <a:tc>
+                  <a:txBody>
+                    <a:bodyPr/>
+                    <a:lstStyle/>
+                    <a:p>
+                      <a:pPr algn="ctr"/>
+                      <a:r>
+                        <a:rPr lang="zh-CN" altLang="en-US" dirty="0">
+                          <a:latin typeface="Times New Roman" panose="02020603050405020304" pitchFamily="18" charset="0"/>
+                          <a:ea typeface="標楷體" panose="03000509000000000000" pitchFamily="65" charset="-120"/>
+                          <a:cs typeface="Times New Roman" panose="02020603050405020304" pitchFamily="18" charset="0"/>
+                        </a:rPr>
+                        <a:t>相比例</a:t>
+                      </a:r>
+                      <a:endParaRPr lang="zh-TW" altLang="en-US" dirty="0">
+                        <a:latin typeface="Times New Roman" panose="02020603050405020304" pitchFamily="18" charset="0"/>
+                        <a:ea typeface="標楷體" panose="03000509000000000000" pitchFamily="65" charset="-120"/>
+                        <a:cs typeface="Times New Roman" panose="02020603050405020304" pitchFamily="18" charset="0"/>
+                      </a:endParaRPr>
+                    </a:p>
+                  </a:txBody>
+                  <a:tcPr anchor="ctr"/>
+                </a:tc>
+                <a:tc>
+                  <a:txBody>
+                    <a:bodyPr/>
+                    <a:lstStyle/>
+                    <a:p>
+                      <a:pPr algn="ctr" fontAlgn="ctr"/>
+                      <a:r>
+                        <a:rPr lang="en-US" altLang="zh-CN" sz="1800" b="0" i="0" u="none" strike="noStrike">
+                          <a:solidFill>
+                            <a:srgbClr val="000000"/>
+                          </a:solidFill>
+                          <a:effectLst/>
+                          <a:latin typeface="Times New Roman" panose="02020603050405020304" pitchFamily="18" charset="0"/>
+                          <a:cs typeface="Times New Roman" panose="02020603050405020304" pitchFamily="18" charset="0"/>
+                        </a:rPr>
+                        <a:t>T0</a:t>
+                      </a:r>
+                      <a:r>
+                        <a:rPr lang="vi-VN" altLang="zh-CN" sz="1800" b="0" i="0" u="none" strike="noStrike">
+                          <a:solidFill>
+                            <a:srgbClr val="000000"/>
+                          </a:solidFill>
+                          <a:effectLst/>
+                          <a:latin typeface="Times New Roman" panose="02020603050405020304" pitchFamily="18" charset="0"/>
+                          <a:cs typeface="Times New Roman" panose="02020603050405020304" pitchFamily="18" charset="0"/>
+                        </a:rPr>
+                        <a:t>-1</a:t>
+                      </a:r>
+                      <a:endParaRPr lang="en-US" altLang="zh-CN" sz="1800" b="0" i="0" u="none" strike="noStrike">
+                        <a:solidFill>
+                          <a:srgbClr val="000000"/>
+                        </a:solidFill>
+                        <a:effectLst/>
+                        <a:latin typeface="Times New Roman" panose="02020603050405020304" pitchFamily="18" charset="0"/>
+                        <a:cs typeface="Times New Roman" panose="02020603050405020304" pitchFamily="18" charset="0"/>
+                      </a:endParaRPr>
+                    </a:p>
+                  </a:txBody>
+                  <a:tcPr marL="9525" marR="9525" marT="9525" marB="0" anchor="ctr"/>
+                </a:tc>
+                <a:tc>
+                  <a:txBody>
+                    <a:bodyPr/>
+                    <a:lstStyle/>
+                    <a:p>
+                      <a:pPr algn="ctr" fontAlgn="ctr"/>
+                      <a:r>
+                        <a:rPr lang="en-US" altLang="zh-CN" sz="1800" b="0" i="0" u="none" strike="noStrike">
+                          <a:solidFill>
+                            <a:srgbClr val="000000"/>
+                          </a:solidFill>
+                          <a:effectLst/>
+                          <a:latin typeface="Times New Roman" panose="02020603050405020304" pitchFamily="18" charset="0"/>
+                          <a:cs typeface="Times New Roman" panose="02020603050405020304" pitchFamily="18" charset="0"/>
+                        </a:rPr>
+                        <a:t>T0</a:t>
+                      </a:r>
+                      <a:r>
+                        <a:rPr lang="vi-VN" altLang="zh-CN" sz="1800" b="0" i="0" u="none" strike="noStrike">
+                          <a:solidFill>
+                            <a:srgbClr val="000000"/>
+                          </a:solidFill>
+                          <a:effectLst/>
+                          <a:latin typeface="Times New Roman" panose="02020603050405020304" pitchFamily="18" charset="0"/>
+                          <a:cs typeface="Times New Roman" panose="02020603050405020304" pitchFamily="18" charset="0"/>
+                        </a:rPr>
+                        <a:t>-2</a:t>
+                      </a:r>
+                      <a:endParaRPr lang="en-US" altLang="zh-CN" sz="1800" b="0" i="0" u="none" strike="noStrike" dirty="0">
+                        <a:solidFill>
+                          <a:srgbClr val="000000"/>
+                        </a:solidFill>
+                        <a:effectLst/>
+                        <a:latin typeface="Times New Roman" panose="02020603050405020304" pitchFamily="18" charset="0"/>
+                        <a:cs typeface="Times New Roman" panose="02020603050405020304" pitchFamily="18" charset="0"/>
+                      </a:endParaRPr>
+                    </a:p>
+                  </a:txBody>
+                  <a:tcPr marL="9525" marR="9525" marT="9525" marB="0" anchor="ctr"/>
+                </a:tc>
+                <a:tc>
+                  <a:txBody>
+                    <a:bodyPr/>
+                    <a:lstStyle/>
+                    <a:p>
+                      <a:pPr algn="ctr" fontAlgn="ctr"/>
+                      <a:r>
+                        <a:rPr lang="en-US" altLang="zh-CN" sz="1800" b="0" i="0" u="none" strike="noStrike">
+                          <a:solidFill>
+                            <a:srgbClr val="000000"/>
+                          </a:solidFill>
+                          <a:effectLst/>
+                          <a:latin typeface="Times New Roman" panose="02020603050405020304" pitchFamily="18" charset="0"/>
+                          <a:cs typeface="Times New Roman" panose="02020603050405020304" pitchFamily="18" charset="0"/>
+                        </a:rPr>
+                        <a:t>T1</a:t>
+                      </a:r>
+                      <a:r>
+                        <a:rPr lang="vi-VN" altLang="zh-CN" sz="1800" b="0" i="0" u="none" strike="noStrike">
+                          <a:solidFill>
+                            <a:srgbClr val="000000"/>
+                          </a:solidFill>
+                          <a:effectLst/>
+                          <a:latin typeface="Times New Roman" panose="02020603050405020304" pitchFamily="18" charset="0"/>
+                          <a:cs typeface="Times New Roman" panose="02020603050405020304" pitchFamily="18" charset="0"/>
+                        </a:rPr>
+                        <a:t>-1</a:t>
+                      </a:r>
+                      <a:endParaRPr lang="en-US" altLang="zh-CN" sz="1800" b="0" i="0" u="none" strike="noStrike">
+                        <a:solidFill>
+                          <a:srgbClr val="000000"/>
+                        </a:solidFill>
+                        <a:effectLst/>
+                        <a:latin typeface="Times New Roman" panose="02020603050405020304" pitchFamily="18" charset="0"/>
+                        <a:cs typeface="Times New Roman" panose="02020603050405020304" pitchFamily="18" charset="0"/>
+                      </a:endParaRPr>
+                    </a:p>
+                  </a:txBody>
+                  <a:tcPr marL="9525" marR="9525" marT="9525" marB="0" anchor="ctr"/>
+                </a:tc>
+                <a:tc>
+                  <a:txBody>
+                    <a:bodyPr/>
+                    <a:lstStyle/>
+                    <a:p>
+                      <a:pPr algn="ctr" fontAlgn="ctr"/>
+                      <a:r>
+                        <a:rPr lang="en-US" altLang="zh-CN" sz="1800" b="0" i="0" u="none" strike="noStrike">
+                          <a:solidFill>
+                            <a:srgbClr val="000000"/>
+                          </a:solidFill>
+                          <a:effectLst/>
+                          <a:latin typeface="Times New Roman" panose="02020603050405020304" pitchFamily="18" charset="0"/>
+                          <a:cs typeface="Times New Roman" panose="02020603050405020304" pitchFamily="18" charset="0"/>
+                        </a:rPr>
+                        <a:t>T1</a:t>
+                      </a:r>
+                      <a:r>
+                        <a:rPr lang="vi-VN" altLang="zh-CN" sz="1800" b="0" i="0" u="none" strike="noStrike">
+                          <a:solidFill>
+                            <a:srgbClr val="000000"/>
+                          </a:solidFill>
+                          <a:effectLst/>
+                          <a:latin typeface="Times New Roman" panose="02020603050405020304" pitchFamily="18" charset="0"/>
+                          <a:cs typeface="Times New Roman" panose="02020603050405020304" pitchFamily="18" charset="0"/>
+                        </a:rPr>
+                        <a:t>-2</a:t>
+                      </a:r>
+                      <a:endParaRPr lang="en-US" altLang="zh-CN" sz="1800" b="0" i="0" u="none" strike="noStrike" dirty="0">
+                        <a:solidFill>
+                          <a:srgbClr val="000000"/>
+                        </a:solidFill>
+                        <a:effectLst/>
+                        <a:latin typeface="Times New Roman" panose="02020603050405020304" pitchFamily="18" charset="0"/>
+                        <a:cs typeface="Times New Roman" panose="02020603050405020304" pitchFamily="18" charset="0"/>
+                      </a:endParaRPr>
+                    </a:p>
+                  </a:txBody>
+                  <a:tcPr marL="9525" marR="9525" marT="9525" marB="0" anchor="ctr"/>
+                </a:tc>
+                <a:tc>
+                  <a:txBody>
+                    <a:bodyPr/>
+                    <a:lstStyle/>
+                    <a:p>
+                      <a:pPr algn="ctr" fontAlgn="ctr"/>
+                      <a:r>
+                        <a:rPr lang="en-US" altLang="zh-CN" sz="1800" b="0" i="0" u="none" strike="noStrike">
+                          <a:solidFill>
+                            <a:srgbClr val="000000"/>
+                          </a:solidFill>
+                          <a:effectLst/>
+                          <a:latin typeface="Times New Roman" panose="02020603050405020304" pitchFamily="18" charset="0"/>
+                          <a:cs typeface="Times New Roman" panose="02020603050405020304" pitchFamily="18" charset="0"/>
+                        </a:rPr>
+                        <a:t>T2</a:t>
+                      </a:r>
+                      <a:r>
+                        <a:rPr lang="vi-VN" altLang="zh-CN" sz="1800" b="0" i="0" u="none" strike="noStrike">
+                          <a:solidFill>
+                            <a:srgbClr val="000000"/>
+                          </a:solidFill>
+                          <a:effectLst/>
+                          <a:latin typeface="Times New Roman" panose="02020603050405020304" pitchFamily="18" charset="0"/>
+                          <a:cs typeface="Times New Roman" panose="02020603050405020304" pitchFamily="18" charset="0"/>
+                        </a:rPr>
+                        <a:t>-1</a:t>
+                      </a:r>
+                      <a:endParaRPr lang="en-US" altLang="zh-CN" sz="1800" b="0" i="0" u="none" strike="noStrike">
+                        <a:solidFill>
+                          <a:srgbClr val="000000"/>
+                        </a:solidFill>
+                        <a:effectLst/>
+                        <a:latin typeface="Times New Roman" panose="02020603050405020304" pitchFamily="18" charset="0"/>
+                        <a:cs typeface="Times New Roman" panose="02020603050405020304" pitchFamily="18" charset="0"/>
+                      </a:endParaRPr>
+                    </a:p>
+                  </a:txBody>
+                  <a:tcPr marL="9525" marR="9525" marT="9525" marB="0" anchor="ctr"/>
+                </a:tc>
+                <a:tc>
+                  <a:txBody>
+                    <a:bodyPr/>
+                    <a:lstStyle/>
+                    <a:p>
+                      <a:pPr algn="ctr" fontAlgn="ctr"/>
+                      <a:r>
+                        <a:rPr lang="en-US" altLang="zh-CN" sz="1800" b="0" i="0" u="none" strike="noStrike">
+                          <a:solidFill>
+                            <a:srgbClr val="000000"/>
+                          </a:solidFill>
+                          <a:effectLst/>
+                          <a:latin typeface="Times New Roman" panose="02020603050405020304" pitchFamily="18" charset="0"/>
+                          <a:cs typeface="Times New Roman" panose="02020603050405020304" pitchFamily="18" charset="0"/>
+                        </a:rPr>
+                        <a:t>T2</a:t>
+                      </a:r>
+                      <a:r>
+                        <a:rPr lang="vi-VN" altLang="zh-CN" sz="1800" b="0" i="0" u="none" strike="noStrike">
+                          <a:solidFill>
+                            <a:srgbClr val="000000"/>
+                          </a:solidFill>
+                          <a:effectLst/>
+                          <a:latin typeface="Times New Roman" panose="02020603050405020304" pitchFamily="18" charset="0"/>
+                          <a:cs typeface="Times New Roman" panose="02020603050405020304" pitchFamily="18" charset="0"/>
+                        </a:rPr>
+                        <a:t>-2</a:t>
+                      </a:r>
+                      <a:endParaRPr lang="en-US" altLang="zh-CN" sz="1800" b="0" i="0" u="none" strike="noStrike" dirty="0">
+                        <a:solidFill>
+                          <a:srgbClr val="000000"/>
+                        </a:solidFill>
+                        <a:effectLst/>
+                        <a:latin typeface="Times New Roman" panose="02020603050405020304" pitchFamily="18" charset="0"/>
+                        <a:cs typeface="Times New Roman" panose="02020603050405020304" pitchFamily="18" charset="0"/>
+                      </a:endParaRPr>
+                    </a:p>
+                  </a:txBody>
+                  <a:tcPr marL="9525" marR="9525" marT="9525" marB="0" anchor="ctr"/>
+                </a:tc>
+                <a:extLst>
+                  <a:ext uri="{0D108BD9-81ED-4DB2-BD59-A6C34878D82A}">
+                    <a16:rowId xmlns:a16="http://schemas.microsoft.com/office/drawing/2014/main" val="10004"/>
+                  </a:ext>
+                </a:extLst>
+              </a:tr>
+              <a:tr h="1950908">
+                <a:tc rowSpan="3">
+                  <a:txBody>
+                    <a:bodyPr/>
+                    <a:lstStyle/>
+                    <a:p>
+                      <a:pPr marL="0" marR="0" indent="0" algn="ctr" defTabSz="914400" rtl="0" eaLnBrk="1" fontAlgn="auto" latinLnBrk="0" hangingPunct="1">
+                        <a:lnSpc>
+                          <a:spcPct val="100000"/>
+                        </a:lnSpc>
+                        <a:spcBef>
+                          <a:spcPts val="0"/>
+                        </a:spcBef>
+                        <a:spcAft>
+                          <a:spcPts val="0"/>
+                        </a:spcAft>
+                        <a:buClrTx/>
+                        <a:buSzTx/>
+                        <a:buFontTx/>
+                        <a:buNone/>
+                        <a:tabLst/>
+                        <a:defRPr/>
+                      </a:pPr>
+                      <a:r>
+                        <a:rPr lang="zh-CN" altLang="en-US" dirty="0">
+                          <a:latin typeface="Times New Roman" panose="02020603050405020304" pitchFamily="18" charset="0"/>
+                          <a:ea typeface="標楷體" panose="03000509000000000000" pitchFamily="65" charset="-120"/>
+                          <a:cs typeface="Times New Roman" panose="02020603050405020304" pitchFamily="18" charset="0"/>
+                        </a:rPr>
+                        <a:t>下表面</a:t>
+                      </a:r>
+                      <a:endParaRPr lang="zh-TW" altLang="en-US" dirty="0">
+                        <a:latin typeface="Times New Roman" panose="02020603050405020304" pitchFamily="18" charset="0"/>
+                        <a:ea typeface="標楷體" panose="03000509000000000000" pitchFamily="65" charset="-120"/>
+                        <a:cs typeface="Times New Roman" panose="02020603050405020304" pitchFamily="18" charset="0"/>
+                      </a:endParaRPr>
+                    </a:p>
+                  </a:txBody>
+                  <a:tcPr anchor="ctr"/>
+                </a:tc>
+                <a:tc>
+                  <a:txBody>
+                    <a:bodyPr/>
+                    <a:lstStyle/>
+                    <a:p>
+                      <a:pPr marL="0" marR="0" indent="0" algn="ctr" defTabSz="914400" rtl="0" eaLnBrk="1" fontAlgn="auto" latinLnBrk="0" hangingPunct="1">
+                        <a:lnSpc>
+                          <a:spcPct val="100000"/>
+                        </a:lnSpc>
+                        <a:spcBef>
+                          <a:spcPts val="0"/>
+                        </a:spcBef>
+                        <a:spcAft>
+                          <a:spcPts val="0"/>
+                        </a:spcAft>
+                        <a:buClrTx/>
+                        <a:buSzTx/>
+                        <a:buFontTx/>
+                        <a:buNone/>
+                        <a:tabLst/>
+                        <a:defRPr/>
+                      </a:pPr>
+                      <a:r>
+                        <a:rPr lang="zh-CN" altLang="en-US" dirty="0">
+                          <a:latin typeface="Times New Roman" panose="02020603050405020304" pitchFamily="18" charset="0"/>
+                          <a:ea typeface="標楷體" panose="03000509000000000000" pitchFamily="65" charset="-120"/>
+                          <a:cs typeface="Times New Roman" panose="02020603050405020304" pitchFamily="18" charset="0"/>
+                        </a:rPr>
+                        <a:t>照片</a:t>
+                      </a:r>
+                      <a:endParaRPr lang="zh-TW" altLang="en-US" dirty="0">
+                        <a:latin typeface="Times New Roman" panose="02020603050405020304" pitchFamily="18" charset="0"/>
+                        <a:ea typeface="標楷體" panose="03000509000000000000" pitchFamily="65" charset="-120"/>
+                        <a:cs typeface="Times New Roman" panose="02020603050405020304" pitchFamily="18" charset="0"/>
+                      </a:endParaRPr>
+                    </a:p>
+                  </a:txBody>
+                  <a:tcPr anchor="ctr"/>
+                </a:tc>
+                <a:tc gridSpan="2">
+                  <a:txBody>
+                    <a:bodyPr/>
+                    <a:lstStyle/>
+                    <a:p>
+                      <a:pPr marL="0" marR="0" indent="0" algn="ctr" defTabSz="914400" rtl="0" eaLnBrk="1" fontAlgn="auto" latinLnBrk="0" hangingPunct="1">
+                        <a:lnSpc>
+                          <a:spcPct val="100000"/>
+                        </a:lnSpc>
+                        <a:spcBef>
+                          <a:spcPts val="0"/>
+                        </a:spcBef>
+                        <a:spcAft>
+                          <a:spcPts val="0"/>
+                        </a:spcAft>
+                        <a:buClrTx/>
+                        <a:buSzTx/>
+                        <a:buFontTx/>
+                        <a:buNone/>
+                        <a:tabLst/>
+                        <a:defRPr/>
+                      </a:pPr>
+                      <a:endParaRPr lang="en-US" altLang="zh-TW" dirty="0">
+                        <a:latin typeface="Times New Roman" panose="02020603050405020304" pitchFamily="18" charset="0"/>
+                        <a:ea typeface="標楷體" panose="03000509000000000000" pitchFamily="65" charset="-120"/>
+                        <a:cs typeface="Times New Roman" panose="02020603050405020304" pitchFamily="18" charset="0"/>
+                      </a:endParaRPr>
+                    </a:p>
+                    <a:p>
+                      <a:pPr marL="0" marR="0" indent="0" algn="ctr" defTabSz="914400" rtl="0" eaLnBrk="1" fontAlgn="auto" latinLnBrk="0" hangingPunct="1">
+                        <a:lnSpc>
+                          <a:spcPct val="100000"/>
+                        </a:lnSpc>
+                        <a:spcBef>
+                          <a:spcPts val="0"/>
+                        </a:spcBef>
+                        <a:spcAft>
+                          <a:spcPts val="0"/>
+                        </a:spcAft>
+                        <a:buClrTx/>
+                        <a:buSzTx/>
+                        <a:buFontTx/>
+                        <a:buNone/>
+                        <a:tabLst/>
+                        <a:defRPr/>
+                      </a:pPr>
+                      <a:endParaRPr lang="en-US" altLang="zh-TW" dirty="0">
+                        <a:latin typeface="Times New Roman" panose="02020603050405020304" pitchFamily="18" charset="0"/>
+                        <a:ea typeface="標楷體" panose="03000509000000000000" pitchFamily="65" charset="-120"/>
+                        <a:cs typeface="Times New Roman" panose="02020603050405020304" pitchFamily="18" charset="0"/>
+                      </a:endParaRPr>
+                    </a:p>
+                    <a:p>
+                      <a:pPr marL="0" marR="0" indent="0" algn="ctr" defTabSz="914400" rtl="0" eaLnBrk="1" fontAlgn="auto" latinLnBrk="0" hangingPunct="1">
+                        <a:lnSpc>
+                          <a:spcPct val="100000"/>
+                        </a:lnSpc>
+                        <a:spcBef>
+                          <a:spcPts val="0"/>
+                        </a:spcBef>
+                        <a:spcAft>
+                          <a:spcPts val="0"/>
+                        </a:spcAft>
+                        <a:buClrTx/>
+                        <a:buSzTx/>
+                        <a:buFontTx/>
+                        <a:buNone/>
+                        <a:tabLst/>
+                        <a:defRPr/>
+                      </a:pPr>
+                      <a:endParaRPr lang="zh-TW" altLang="en-US" dirty="0">
+                        <a:latin typeface="Times New Roman" panose="02020603050405020304" pitchFamily="18" charset="0"/>
+                        <a:ea typeface="標楷體" panose="03000509000000000000" pitchFamily="65" charset="-120"/>
+                        <a:cs typeface="Times New Roman" panose="02020603050405020304" pitchFamily="18" charset="0"/>
+                      </a:endParaRPr>
+                    </a:p>
+                  </a:txBody>
+                  <a:tcPr anchor="ctr"/>
+                </a:tc>
+                <a:tc hMerge="1">
+                  <a:txBody>
+                    <a:bodyPr/>
+                    <a:lstStyle/>
+                    <a:p>
+                      <a:endParaRPr lang="en-US"/>
+                    </a:p>
+                  </a:txBody>
+                  <a:tcPr/>
+                </a:tc>
+                <a:tc gridSpan="2">
+                  <a:txBody>
+                    <a:bodyPr/>
+                    <a:lstStyle/>
+                    <a:p>
+                      <a:pPr marL="0" marR="0" indent="0" algn="ctr" defTabSz="914400" rtl="0" eaLnBrk="1" fontAlgn="auto" latinLnBrk="0" hangingPunct="1">
+                        <a:lnSpc>
+                          <a:spcPct val="100000"/>
+                        </a:lnSpc>
+                        <a:spcBef>
+                          <a:spcPts val="0"/>
+                        </a:spcBef>
+                        <a:spcAft>
+                          <a:spcPts val="0"/>
+                        </a:spcAft>
+                        <a:buClrTx/>
+                        <a:buSzTx/>
+                        <a:buFontTx/>
+                        <a:buNone/>
+                        <a:tabLst/>
+                        <a:defRPr/>
+                      </a:pPr>
+                      <a:endParaRPr lang="zh-TW" altLang="en-US" dirty="0">
+                        <a:latin typeface="Times New Roman" panose="02020603050405020304" pitchFamily="18" charset="0"/>
+                        <a:ea typeface="標楷體" panose="03000509000000000000" pitchFamily="65" charset="-120"/>
+                        <a:cs typeface="Times New Roman" panose="02020603050405020304" pitchFamily="18" charset="0"/>
+                      </a:endParaRPr>
+                    </a:p>
+                  </a:txBody>
+                  <a:tcPr anchor="ctr"/>
+                </a:tc>
+                <a:tc hMerge="1">
+                  <a:txBody>
+                    <a:bodyPr/>
+                    <a:lstStyle/>
+                    <a:p>
+                      <a:endParaRPr lang="en-US"/>
+                    </a:p>
+                  </a:txBody>
+                  <a:tcPr/>
+                </a:tc>
+                <a:tc gridSpan="2">
+                  <a:txBody>
+                    <a:bodyPr/>
+                    <a:lstStyle/>
+                    <a:p>
+                      <a:pPr marL="0" marR="0" indent="0" algn="ctr" defTabSz="914400" rtl="0" eaLnBrk="1" fontAlgn="auto" latinLnBrk="0" hangingPunct="1">
+                        <a:lnSpc>
+                          <a:spcPct val="100000"/>
+                        </a:lnSpc>
+                        <a:spcBef>
+                          <a:spcPts val="0"/>
+                        </a:spcBef>
+                        <a:spcAft>
+                          <a:spcPts val="0"/>
+                        </a:spcAft>
+                        <a:buClrTx/>
+                        <a:buSzTx/>
+                        <a:buFontTx/>
+                        <a:buNone/>
+                        <a:tabLst/>
+                        <a:defRPr/>
+                      </a:pPr>
+                      <a:endParaRPr lang="zh-TW" altLang="en-US" dirty="0">
+                        <a:latin typeface="Times New Roman" panose="02020603050405020304" pitchFamily="18" charset="0"/>
+                        <a:ea typeface="標楷體" panose="03000509000000000000" pitchFamily="65" charset="-120"/>
+                        <a:cs typeface="Times New Roman" panose="02020603050405020304" pitchFamily="18" charset="0"/>
+                      </a:endParaRPr>
+                    </a:p>
+                  </a:txBody>
+                  <a:tcPr anchor="ctr"/>
+                </a:tc>
+                <a:tc hMerge="1">
+                  <a:txBody>
+                    <a:bodyPr/>
+                    <a:lstStyle/>
+                    <a:p>
+                      <a:endParaRPr lang="en-US"/>
+                    </a:p>
+                  </a:txBody>
+                  <a:tcPr/>
+                </a:tc>
+                <a:extLst>
+                  <a:ext uri="{0D108BD9-81ED-4DB2-BD59-A6C34878D82A}">
+                    <a16:rowId xmlns:a16="http://schemas.microsoft.com/office/drawing/2014/main" val="10005"/>
+                  </a:ext>
+                </a:extLst>
+              </a:tr>
+              <a:tr h="368096">
+                <a:tc vMerge="1">
+                  <a:txBody>
+                    <a:bodyPr/>
+                    <a:lstStyle/>
+                    <a:p>
+                      <a:pPr marL="0" marR="0" indent="0" algn="ctr" defTabSz="914400" rtl="0" eaLnBrk="1" fontAlgn="auto" latinLnBrk="0" hangingPunct="1">
+                        <a:lnSpc>
+                          <a:spcPct val="100000"/>
+                        </a:lnSpc>
+                        <a:spcBef>
+                          <a:spcPts val="0"/>
+                        </a:spcBef>
+                        <a:spcAft>
+                          <a:spcPts val="0"/>
+                        </a:spcAft>
+                        <a:buClrTx/>
+                        <a:buSzTx/>
+                        <a:buFontTx/>
+                        <a:buNone/>
+                        <a:tabLst/>
+                        <a:defRPr/>
+                      </a:pPr>
+                      <a:endParaRPr lang="zh-TW" altLang="en-US" dirty="0">
+                        <a:latin typeface="Times New Roman" panose="02020603050405020304" pitchFamily="18" charset="0"/>
+                        <a:ea typeface="標楷體" panose="03000509000000000000" pitchFamily="65" charset="-120"/>
+                        <a:cs typeface="Times New Roman" panose="02020603050405020304" pitchFamily="18" charset="0"/>
+                      </a:endParaRPr>
+                    </a:p>
+                  </a:txBody>
+                  <a:tcPr anchor="ctr"/>
+                </a:tc>
+                <a:tc>
+                  <a:txBody>
+                    <a:bodyPr/>
+                    <a:lstStyle/>
+                    <a:p>
+                      <a:pPr algn="ctr"/>
+                      <a:r>
+                        <a:rPr lang="zh-CN" altLang="en-US" dirty="0">
+                          <a:latin typeface="Times New Roman" panose="02020603050405020304" pitchFamily="18" charset="0"/>
+                          <a:ea typeface="標楷體" panose="03000509000000000000" pitchFamily="65" charset="-120"/>
+                          <a:cs typeface="Times New Roman" panose="02020603050405020304" pitchFamily="18" charset="0"/>
+                        </a:rPr>
+                        <a:t>顏色</a:t>
+                      </a:r>
+                      <a:endParaRPr lang="zh-TW" altLang="en-US" dirty="0">
+                        <a:latin typeface="Times New Roman" panose="02020603050405020304" pitchFamily="18" charset="0"/>
+                        <a:ea typeface="標楷體" panose="03000509000000000000" pitchFamily="65" charset="-120"/>
+                        <a:cs typeface="Times New Roman" panose="02020603050405020304" pitchFamily="18" charset="0"/>
+                      </a:endParaRPr>
+                    </a:p>
+                  </a:txBody>
+                  <a:tcPr anchor="ctr"/>
+                </a:tc>
+                <a:tc>
+                  <a:txBody>
+                    <a:bodyPr/>
+                    <a:lstStyle/>
+                    <a:p>
+                      <a:pPr algn="ctr"/>
+                      <a:r>
+                        <a:rPr lang="zh-CN" altLang="en-US" dirty="0">
+                          <a:latin typeface="Times New Roman" panose="02020603050405020304" pitchFamily="18" charset="0"/>
+                          <a:ea typeface="標楷體" panose="03000509000000000000" pitchFamily="65" charset="-120"/>
+                          <a:cs typeface="Times New Roman" panose="02020603050405020304" pitchFamily="18" charset="0"/>
+                        </a:rPr>
+                        <a:t>白色</a:t>
+                      </a:r>
+                      <a:endParaRPr lang="zh-TW" altLang="en-US" dirty="0">
+                        <a:latin typeface="Times New Roman" panose="02020603050405020304" pitchFamily="18" charset="0"/>
+                        <a:ea typeface="標楷體" panose="03000509000000000000" pitchFamily="65" charset="-120"/>
+                        <a:cs typeface="Times New Roman" panose="02020603050405020304" pitchFamily="18" charset="0"/>
+                      </a:endParaRPr>
+                    </a:p>
+                  </a:txBody>
+                  <a:tcPr anchor="ctr"/>
+                </a:tc>
+                <a:tc>
+                  <a:txBody>
+                    <a:bodyPr/>
+                    <a:lstStyle/>
+                    <a:p>
+                      <a:pPr algn="ctr"/>
+                      <a:r>
+                        <a:rPr lang="zh-CN" altLang="en-US" dirty="0">
+                          <a:latin typeface="Times New Roman" panose="02020603050405020304" pitchFamily="18" charset="0"/>
+                          <a:ea typeface="標楷體" panose="03000509000000000000" pitchFamily="65" charset="-120"/>
+                          <a:cs typeface="Times New Roman" panose="02020603050405020304" pitchFamily="18" charset="0"/>
+                        </a:rPr>
+                        <a:t>灰色</a:t>
+                      </a:r>
+                      <a:endParaRPr lang="zh-TW" altLang="en-US" dirty="0">
+                        <a:latin typeface="Times New Roman" panose="02020603050405020304" pitchFamily="18" charset="0"/>
+                        <a:ea typeface="標楷體" panose="03000509000000000000" pitchFamily="65" charset="-120"/>
+                        <a:cs typeface="Times New Roman" panose="02020603050405020304" pitchFamily="18" charset="0"/>
+                      </a:endParaRPr>
+                    </a:p>
+                  </a:txBody>
+                  <a:tcPr anchor="ctr"/>
+                </a:tc>
+                <a:tc>
+                  <a:txBody>
+                    <a:bodyPr/>
+                    <a:lstStyle/>
+                    <a:p>
+                      <a:pPr algn="ctr"/>
+                      <a:r>
+                        <a:rPr lang="zh-CN" altLang="en-US" dirty="0">
+                          <a:latin typeface="Times New Roman" panose="02020603050405020304" pitchFamily="18" charset="0"/>
+                          <a:ea typeface="標楷體" panose="03000509000000000000" pitchFamily="65" charset="-120"/>
+                          <a:cs typeface="Times New Roman" panose="02020603050405020304" pitchFamily="18" charset="0"/>
+                        </a:rPr>
+                        <a:t>白色</a:t>
+                      </a:r>
+                      <a:endParaRPr lang="zh-TW" altLang="en-US" dirty="0">
+                        <a:latin typeface="Times New Roman" panose="02020603050405020304" pitchFamily="18" charset="0"/>
+                        <a:ea typeface="標楷體" panose="03000509000000000000" pitchFamily="65" charset="-120"/>
+                        <a:cs typeface="Times New Roman" panose="02020603050405020304" pitchFamily="18" charset="0"/>
+                      </a:endParaRPr>
+                    </a:p>
+                  </a:txBody>
+                  <a:tcPr anchor="ctr"/>
+                </a:tc>
+                <a:tc>
+                  <a:txBody>
+                    <a:bodyPr/>
+                    <a:lstStyle/>
+                    <a:p>
+                      <a:pPr algn="ctr"/>
+                      <a:r>
+                        <a:rPr lang="zh-CN" altLang="en-US" dirty="0">
+                          <a:latin typeface="Times New Roman" panose="02020603050405020304" pitchFamily="18" charset="0"/>
+                          <a:ea typeface="標楷體" panose="03000509000000000000" pitchFamily="65" charset="-120"/>
+                          <a:cs typeface="Times New Roman" panose="02020603050405020304" pitchFamily="18" charset="0"/>
+                        </a:rPr>
+                        <a:t>灰色</a:t>
+                      </a:r>
+                      <a:endParaRPr lang="zh-TW" altLang="en-US" dirty="0">
+                        <a:latin typeface="Times New Roman" panose="02020603050405020304" pitchFamily="18" charset="0"/>
+                        <a:ea typeface="標楷體" panose="03000509000000000000" pitchFamily="65" charset="-120"/>
+                        <a:cs typeface="Times New Roman" panose="02020603050405020304" pitchFamily="18" charset="0"/>
+                      </a:endParaRPr>
+                    </a:p>
+                  </a:txBody>
+                  <a:tcPr anchor="ctr"/>
+                </a:tc>
+                <a:tc>
+                  <a:txBody>
+                    <a:bodyPr/>
+                    <a:lstStyle/>
+                    <a:p>
+                      <a:pPr algn="ctr"/>
+                      <a:r>
+                        <a:rPr lang="zh-CN" altLang="en-US" dirty="0">
+                          <a:latin typeface="Times New Roman" panose="02020603050405020304" pitchFamily="18" charset="0"/>
+                          <a:ea typeface="標楷體" panose="03000509000000000000" pitchFamily="65" charset="-120"/>
+                          <a:cs typeface="Times New Roman" panose="02020603050405020304" pitchFamily="18" charset="0"/>
+                        </a:rPr>
+                        <a:t>白色</a:t>
+                      </a:r>
+                      <a:endParaRPr lang="zh-TW" altLang="en-US" dirty="0">
+                        <a:latin typeface="Times New Roman" panose="02020603050405020304" pitchFamily="18" charset="0"/>
+                        <a:ea typeface="標楷體" panose="03000509000000000000" pitchFamily="65" charset="-120"/>
+                        <a:cs typeface="Times New Roman" panose="02020603050405020304" pitchFamily="18" charset="0"/>
+                      </a:endParaRPr>
+                    </a:p>
+                  </a:txBody>
+                  <a:tcPr anchor="ctr"/>
+                </a:tc>
+                <a:tc>
+                  <a:txBody>
+                    <a:bodyPr/>
+                    <a:lstStyle/>
+                    <a:p>
+                      <a:pPr algn="ctr"/>
+                      <a:r>
+                        <a:rPr lang="zh-CN" altLang="en-US" dirty="0">
+                          <a:latin typeface="Times New Roman" panose="02020603050405020304" pitchFamily="18" charset="0"/>
+                          <a:ea typeface="標楷體" panose="03000509000000000000" pitchFamily="65" charset="-120"/>
+                          <a:cs typeface="Times New Roman" panose="02020603050405020304" pitchFamily="18" charset="0"/>
+                        </a:rPr>
+                        <a:t>灰色</a:t>
+                      </a:r>
+                      <a:endParaRPr lang="zh-TW" altLang="en-US" dirty="0">
+                        <a:latin typeface="Times New Roman" panose="02020603050405020304" pitchFamily="18" charset="0"/>
+                        <a:ea typeface="標楷體" panose="03000509000000000000" pitchFamily="65" charset="-120"/>
+                        <a:cs typeface="Times New Roman" panose="02020603050405020304" pitchFamily="18" charset="0"/>
+                      </a:endParaRPr>
+                    </a:p>
+                  </a:txBody>
+                  <a:tcPr anchor="ctr"/>
+                </a:tc>
+                <a:extLst>
+                  <a:ext uri="{0D108BD9-81ED-4DB2-BD59-A6C34878D82A}">
+                    <a16:rowId xmlns:a16="http://schemas.microsoft.com/office/drawing/2014/main" val="10006"/>
+                  </a:ext>
+                </a:extLst>
+              </a:tr>
+              <a:tr h="368096">
+                <a:tc vMerge="1">
+                  <a:txBody>
+                    <a:bodyPr/>
+                    <a:lstStyle/>
+                    <a:p>
+                      <a:pPr marL="0" marR="0" indent="0" algn="ctr" defTabSz="914400" rtl="0" eaLnBrk="1" fontAlgn="auto" latinLnBrk="0" hangingPunct="1">
+                        <a:lnSpc>
+                          <a:spcPct val="100000"/>
+                        </a:lnSpc>
+                        <a:spcBef>
+                          <a:spcPts val="0"/>
+                        </a:spcBef>
+                        <a:spcAft>
+                          <a:spcPts val="0"/>
+                        </a:spcAft>
+                        <a:buClrTx/>
+                        <a:buSzTx/>
+                        <a:buFontTx/>
+                        <a:buNone/>
+                        <a:tabLst/>
+                        <a:defRPr/>
+                      </a:pPr>
+                      <a:endParaRPr lang="zh-TW" altLang="en-US" dirty="0">
+                        <a:latin typeface="Times New Roman" panose="02020603050405020304" pitchFamily="18" charset="0"/>
+                        <a:ea typeface="標楷體" panose="03000509000000000000" pitchFamily="65" charset="-120"/>
+                        <a:cs typeface="Times New Roman" panose="02020603050405020304" pitchFamily="18" charset="0"/>
+                      </a:endParaRPr>
+                    </a:p>
+                  </a:txBody>
+                  <a:tcPr anchor="ctr"/>
+                </a:tc>
+                <a:tc>
+                  <a:txBody>
+                    <a:bodyPr/>
+                    <a:lstStyle/>
+                    <a:p>
+                      <a:pPr algn="ctr"/>
+                      <a:r>
+                        <a:rPr lang="zh-CN" altLang="en-US" dirty="0">
+                          <a:latin typeface="Times New Roman" panose="02020603050405020304" pitchFamily="18" charset="0"/>
+                          <a:ea typeface="標楷體" panose="03000509000000000000" pitchFamily="65" charset="-120"/>
+                          <a:cs typeface="Times New Roman" panose="02020603050405020304" pitchFamily="18" charset="0"/>
+                        </a:rPr>
+                        <a:t>相比例</a:t>
+                      </a:r>
+                      <a:endParaRPr lang="zh-TW" altLang="en-US" dirty="0">
+                        <a:latin typeface="Times New Roman" panose="02020603050405020304" pitchFamily="18" charset="0"/>
+                        <a:ea typeface="標楷體" panose="03000509000000000000" pitchFamily="65" charset="-120"/>
+                        <a:cs typeface="Times New Roman" panose="02020603050405020304" pitchFamily="18" charset="0"/>
+                      </a:endParaRPr>
+                    </a:p>
+                  </a:txBody>
+                  <a:tcPr anchor="ctr"/>
+                </a:tc>
+                <a:tc>
+                  <a:txBody>
+                    <a:bodyPr/>
+                    <a:lstStyle/>
+                    <a:p>
+                      <a:pPr algn="ctr" fontAlgn="ctr"/>
+                      <a:r>
+                        <a:rPr lang="en-US" altLang="zh-CN" sz="1800" b="0" i="0" u="none" strike="noStrike">
+                          <a:solidFill>
+                            <a:srgbClr val="000000"/>
+                          </a:solidFill>
+                          <a:effectLst/>
+                          <a:latin typeface="Times New Roman" panose="02020603050405020304" pitchFamily="18" charset="0"/>
+                          <a:cs typeface="Times New Roman" panose="02020603050405020304" pitchFamily="18" charset="0"/>
+                        </a:rPr>
+                        <a:t>B0</a:t>
+                      </a:r>
+                      <a:r>
+                        <a:rPr lang="vi-VN" altLang="zh-CN" sz="1800" b="0" i="0" u="none" strike="noStrike">
+                          <a:solidFill>
+                            <a:srgbClr val="000000"/>
+                          </a:solidFill>
+                          <a:effectLst/>
+                          <a:latin typeface="Times New Roman" panose="02020603050405020304" pitchFamily="18" charset="0"/>
+                          <a:cs typeface="Times New Roman" panose="02020603050405020304" pitchFamily="18" charset="0"/>
+                        </a:rPr>
+                        <a:t>-1</a:t>
+                      </a:r>
+                      <a:endParaRPr lang="en-US" altLang="zh-CN" sz="1800" b="0" i="0" u="none" strike="noStrike">
+                        <a:solidFill>
+                          <a:srgbClr val="000000"/>
+                        </a:solidFill>
+                        <a:effectLst/>
+                        <a:latin typeface="Times New Roman" panose="02020603050405020304" pitchFamily="18" charset="0"/>
+                        <a:cs typeface="Times New Roman" panose="02020603050405020304" pitchFamily="18" charset="0"/>
+                      </a:endParaRPr>
+                    </a:p>
+                  </a:txBody>
+                  <a:tcPr marL="9525" marR="9525" marT="9525" marB="0" anchor="ctr"/>
+                </a:tc>
+                <a:tc>
+                  <a:txBody>
+                    <a:bodyPr/>
+                    <a:lstStyle/>
+                    <a:p>
+                      <a:pPr algn="ctr" fontAlgn="ctr"/>
+                      <a:r>
+                        <a:rPr lang="en-US" altLang="zh-CN" sz="1800" b="0" i="0" u="none" strike="noStrike">
+                          <a:solidFill>
+                            <a:srgbClr val="000000"/>
+                          </a:solidFill>
+                          <a:effectLst/>
+                          <a:latin typeface="Times New Roman" panose="02020603050405020304" pitchFamily="18" charset="0"/>
+                          <a:cs typeface="Times New Roman" panose="02020603050405020304" pitchFamily="18" charset="0"/>
+                        </a:rPr>
+                        <a:t>B0</a:t>
+                      </a:r>
+                      <a:r>
+                        <a:rPr lang="vi-VN" altLang="zh-CN" sz="1800" b="0" i="0" u="none" strike="noStrike">
+                          <a:solidFill>
+                            <a:srgbClr val="000000"/>
+                          </a:solidFill>
+                          <a:effectLst/>
+                          <a:latin typeface="Times New Roman" panose="02020603050405020304" pitchFamily="18" charset="0"/>
+                          <a:cs typeface="Times New Roman" panose="02020603050405020304" pitchFamily="18" charset="0"/>
+                        </a:rPr>
+                        <a:t>-2</a:t>
+                      </a:r>
+                      <a:endParaRPr lang="en-US" altLang="zh-CN" sz="1800" b="0" i="0" u="none" strike="noStrike" dirty="0">
+                        <a:solidFill>
+                          <a:srgbClr val="000000"/>
+                        </a:solidFill>
+                        <a:effectLst/>
+                        <a:latin typeface="Times New Roman" panose="02020603050405020304" pitchFamily="18" charset="0"/>
+                        <a:cs typeface="Times New Roman" panose="02020603050405020304" pitchFamily="18" charset="0"/>
+                      </a:endParaRPr>
+                    </a:p>
+                  </a:txBody>
+                  <a:tcPr marL="9525" marR="9525" marT="9525" marB="0" anchor="ctr"/>
+                </a:tc>
+                <a:tc>
+                  <a:txBody>
+                    <a:bodyPr/>
+                    <a:lstStyle/>
+                    <a:p>
+                      <a:pPr algn="ctr" fontAlgn="ctr"/>
+                      <a:r>
+                        <a:rPr lang="en-US" altLang="zh-CN" sz="1800" b="0" i="0" u="none" strike="noStrike">
+                          <a:solidFill>
+                            <a:srgbClr val="000000"/>
+                          </a:solidFill>
+                          <a:effectLst/>
+                          <a:latin typeface="Times New Roman" panose="02020603050405020304" pitchFamily="18" charset="0"/>
+                          <a:cs typeface="Times New Roman" panose="02020603050405020304" pitchFamily="18" charset="0"/>
+                        </a:rPr>
+                        <a:t>B1</a:t>
+                      </a:r>
+                      <a:r>
+                        <a:rPr lang="vi-VN" altLang="zh-CN" sz="1800" b="0" i="0" u="none" strike="noStrike">
+                          <a:solidFill>
+                            <a:srgbClr val="000000"/>
+                          </a:solidFill>
+                          <a:effectLst/>
+                          <a:latin typeface="Times New Roman" panose="02020603050405020304" pitchFamily="18" charset="0"/>
+                          <a:cs typeface="Times New Roman" panose="02020603050405020304" pitchFamily="18" charset="0"/>
+                        </a:rPr>
+                        <a:t>-1</a:t>
+                      </a:r>
+                      <a:endParaRPr lang="en-US" altLang="zh-CN" sz="1800" b="0" i="0" u="none" strike="noStrike">
+                        <a:solidFill>
+                          <a:srgbClr val="000000"/>
+                        </a:solidFill>
+                        <a:effectLst/>
+                        <a:latin typeface="Times New Roman" panose="02020603050405020304" pitchFamily="18" charset="0"/>
+                        <a:cs typeface="Times New Roman" panose="02020603050405020304" pitchFamily="18" charset="0"/>
+                      </a:endParaRPr>
+                    </a:p>
+                  </a:txBody>
+                  <a:tcPr marL="9525" marR="9525" marT="9525" marB="0" anchor="ctr"/>
+                </a:tc>
+                <a:tc>
+                  <a:txBody>
+                    <a:bodyPr/>
+                    <a:lstStyle/>
+                    <a:p>
+                      <a:pPr algn="ctr" fontAlgn="ctr"/>
+                      <a:r>
+                        <a:rPr lang="en-US" altLang="zh-CN" sz="1800" b="0" i="0" u="none" strike="noStrike">
+                          <a:solidFill>
+                            <a:srgbClr val="000000"/>
+                          </a:solidFill>
+                          <a:effectLst/>
+                          <a:latin typeface="Times New Roman" panose="02020603050405020304" pitchFamily="18" charset="0"/>
+                          <a:cs typeface="Times New Roman" panose="02020603050405020304" pitchFamily="18" charset="0"/>
+                        </a:rPr>
+                        <a:t>B1</a:t>
+                      </a:r>
+                      <a:r>
+                        <a:rPr lang="vi-VN" altLang="zh-CN" sz="1800" b="0" i="0" u="none" strike="noStrike">
+                          <a:solidFill>
+                            <a:srgbClr val="000000"/>
+                          </a:solidFill>
+                          <a:effectLst/>
+                          <a:latin typeface="Times New Roman" panose="02020603050405020304" pitchFamily="18" charset="0"/>
+                          <a:cs typeface="Times New Roman" panose="02020603050405020304" pitchFamily="18" charset="0"/>
+                        </a:rPr>
+                        <a:t>-2</a:t>
+                      </a:r>
+                      <a:endParaRPr lang="en-US" altLang="zh-CN" sz="1800" b="0" i="0" u="none" strike="noStrike" dirty="0">
+                        <a:solidFill>
+                          <a:srgbClr val="000000"/>
+                        </a:solidFill>
+                        <a:effectLst/>
+                        <a:latin typeface="Times New Roman" panose="02020603050405020304" pitchFamily="18" charset="0"/>
+                        <a:cs typeface="Times New Roman" panose="02020603050405020304" pitchFamily="18" charset="0"/>
+                      </a:endParaRPr>
+                    </a:p>
+                  </a:txBody>
+                  <a:tcPr marL="9525" marR="9525" marT="9525" marB="0" anchor="ctr"/>
+                </a:tc>
+                <a:tc>
+                  <a:txBody>
+                    <a:bodyPr/>
+                    <a:lstStyle/>
+                    <a:p>
+                      <a:pPr algn="ctr" fontAlgn="ctr"/>
+                      <a:r>
+                        <a:rPr lang="en-US" altLang="zh-CN" sz="1800" b="0" i="0" u="none" strike="noStrike">
+                          <a:solidFill>
+                            <a:srgbClr val="000000"/>
+                          </a:solidFill>
+                          <a:effectLst/>
+                          <a:latin typeface="Times New Roman" panose="02020603050405020304" pitchFamily="18" charset="0"/>
+                          <a:cs typeface="Times New Roman" panose="02020603050405020304" pitchFamily="18" charset="0"/>
+                        </a:rPr>
+                        <a:t>B2</a:t>
+                      </a:r>
+                      <a:r>
+                        <a:rPr lang="vi-VN" altLang="zh-CN" sz="1800" b="0" i="0" u="none" strike="noStrike">
+                          <a:solidFill>
+                            <a:srgbClr val="000000"/>
+                          </a:solidFill>
+                          <a:effectLst/>
+                          <a:latin typeface="Times New Roman" panose="02020603050405020304" pitchFamily="18" charset="0"/>
+                          <a:cs typeface="Times New Roman" panose="02020603050405020304" pitchFamily="18" charset="0"/>
+                        </a:rPr>
+                        <a:t>-1</a:t>
+                      </a:r>
+                      <a:endParaRPr lang="en-US" altLang="zh-CN" sz="1800" b="0" i="0" u="none" strike="noStrike">
+                        <a:solidFill>
+                          <a:srgbClr val="000000"/>
+                        </a:solidFill>
+                        <a:effectLst/>
+                        <a:latin typeface="Times New Roman" panose="02020603050405020304" pitchFamily="18" charset="0"/>
+                        <a:cs typeface="Times New Roman" panose="02020603050405020304" pitchFamily="18" charset="0"/>
+                      </a:endParaRPr>
+                    </a:p>
+                  </a:txBody>
+                  <a:tcPr marL="9525" marR="9525" marT="9525" marB="0" anchor="ctr"/>
+                </a:tc>
+                <a:tc>
+                  <a:txBody>
+                    <a:bodyPr/>
+                    <a:lstStyle/>
+                    <a:p>
+                      <a:pPr algn="ctr" fontAlgn="ctr"/>
+                      <a:r>
+                        <a:rPr lang="en-US" altLang="zh-CN" sz="1800" b="0" i="0" u="none" strike="noStrike">
+                          <a:solidFill>
+                            <a:srgbClr val="000000"/>
+                          </a:solidFill>
+                          <a:effectLst/>
+                          <a:latin typeface="Times New Roman" panose="02020603050405020304" pitchFamily="18" charset="0"/>
+                          <a:cs typeface="Times New Roman" panose="02020603050405020304" pitchFamily="18" charset="0"/>
+                        </a:rPr>
+                        <a:t>B2</a:t>
+                      </a:r>
+                      <a:r>
+                        <a:rPr lang="vi-VN" altLang="zh-CN" sz="1800" b="0" i="0" u="none" strike="noStrike">
+                          <a:solidFill>
+                            <a:srgbClr val="000000"/>
+                          </a:solidFill>
+                          <a:effectLst/>
+                          <a:latin typeface="Times New Roman" panose="02020603050405020304" pitchFamily="18" charset="0"/>
+                          <a:cs typeface="Times New Roman" panose="02020603050405020304" pitchFamily="18" charset="0"/>
+                        </a:rPr>
+                        <a:t>-2</a:t>
+                      </a:r>
+                      <a:endParaRPr lang="en-US" altLang="zh-CN" sz="1800" b="0" i="0" u="none" strike="noStrike" dirty="0">
+                        <a:solidFill>
+                          <a:srgbClr val="000000"/>
+                        </a:solidFill>
+                        <a:effectLst/>
+                        <a:latin typeface="Times New Roman" panose="02020603050405020304" pitchFamily="18" charset="0"/>
+                        <a:cs typeface="Times New Roman" panose="02020603050405020304" pitchFamily="18" charset="0"/>
+                      </a:endParaRPr>
+                    </a:p>
+                  </a:txBody>
+                  <a:tcPr marL="9525" marR="9525" marT="9525" marB="0" anchor="ctr"/>
+                </a:tc>
+                <a:extLst>
+                  <a:ext uri="{0D108BD9-81ED-4DB2-BD59-A6C34878D82A}">
+                    <a16:rowId xmlns:a16="http://schemas.microsoft.com/office/drawing/2014/main" val="10007"/>
+                  </a:ext>
+                </a:extLst>
+              </a:tr>
+            </a:tbl>
+          </a:graphicData>
+        </a:graphic>
+      </p:graphicFrame>
+    </p:spTree>
+    <p:extLst>
+      <p:ext uri="{BB962C8B-B14F-4D97-AF65-F5344CB8AC3E}">
+        <p14:creationId xmlns:p14="http://schemas.microsoft.com/office/powerpoint/2010/main" val="158520088"/>
+      </p:ext>
+    </p:extLst>
+  </p:cSld>
+  <p:clrMapOvr>
+    <a:masterClrMapping/>
+  </p:clrMapOvr>
+</p:sld>
+</file>
+
+<file path=ppt/slides/slide5.xml><?xml version="1.0" encoding="utf-8"?>
+<p:sld xmlns:a="http://schemas.openxmlformats.org/drawingml/2006/main" xmlns:r="http://schemas.openxmlformats.org/officeDocument/2006/relationships" xmlns:p="http://schemas.openxmlformats.org/presentationml/2006/main">
+  <p:cSld>
+    <p:spTree>
+      <p:nvGrpSpPr>
+        <p:cNvPr id="1" name=""/>
+        <p:cNvGrpSpPr/>
+        <p:nvPr/>
+      </p:nvGrpSpPr>
+      <p:grpSpPr>
+        <a:xfrm>
+          <a:off x="0" y="0"/>
+          <a:ext cx="0" cy="0"/>
+          <a:chOff x="0" y="0"/>
+          <a:chExt cx="0" cy="0"/>
+        </a:xfrm>
+      </p:grpSpPr>
+      <p:sp>
+        <p:nvSpPr>
+          <p:cNvPr id="26" name="矩形 25"/>
+          <p:cNvSpPr/>
+          <p:nvPr/>
+        </p:nvSpPr>
+        <p:spPr>
+          <a:xfrm>
+            <a:off x="0" y="0"/>
+            <a:ext cx="12192000" cy="523220"/>
+          </a:xfrm>
+          <a:prstGeom prst="rect">
+            <a:avLst/>
+          </a:prstGeom>
+        </p:spPr>
+        <p:txBody>
+          <a:bodyPr wrap="square">
+            <a:spAutoFit/>
+          </a:bodyPr>
+          <a:lstStyle/>
+          <a:p>
+            <a:pPr algn="ctr">
+              <a:defRPr/>
+            </a:pPr>
+            <a:r>
+              <a:rPr lang="zh-CN" altLang="en-US" sz="2800" b="1" u="sng" dirty="0">
+                <a:solidFill>
+                  <a:prstClr val="black"/>
+                </a:solidFill>
+                <a:latin typeface="標楷體" panose="03000509000000000000" pitchFamily="65" charset="-120"/>
+                <a:ea typeface="標楷體" panose="03000509000000000000" pitchFamily="65" charset="-120"/>
+                <a:cs typeface="Times New Roman" panose="02020603050405020304" pitchFamily="18" charset="0"/>
+              </a:rPr>
+              <a:t>表面銹皮健康改善專案</a:t>
+            </a:r>
+            <a:endParaRPr lang="zh-TW" altLang="en-US" sz="2800" b="1" u="sng" dirty="0">
+              <a:solidFill>
+                <a:prstClr val="black"/>
+              </a:solidFill>
+              <a:latin typeface="標楷體" panose="03000509000000000000" pitchFamily="65" charset="-120"/>
+              <a:ea typeface="標楷體" panose="03000509000000000000" pitchFamily="65" charset="-120"/>
+              <a:cs typeface="Times New Roman" panose="02020603050405020304" pitchFamily="18" charset="0"/>
+            </a:endParaRPr>
+          </a:p>
+        </p:txBody>
+      </p:sp>
+      <p:sp>
+        <p:nvSpPr>
+          <p:cNvPr id="27" name="矩形 26"/>
+          <p:cNvSpPr/>
+          <p:nvPr/>
+        </p:nvSpPr>
+        <p:spPr>
+          <a:xfrm>
+            <a:off x="0" y="219130"/>
+            <a:ext cx="8810698" cy="369332"/>
+          </a:xfrm>
+          <a:prstGeom prst="rect">
+            <a:avLst/>
+          </a:prstGeom>
+        </p:spPr>
+        <p:txBody>
+          <a:bodyPr wrap="square">
+            <a:spAutoFit/>
+          </a:bodyPr>
+          <a:lstStyle/>
+          <a:p>
+            <a:pPr marL="442913" indent="-442913" algn="just">
+              <a:spcAft>
+                <a:spcPts val="1000"/>
+              </a:spcAft>
+            </a:pPr>
+            <a:r>
+              <a:rPr lang="zh-CN" altLang="en-US" dirty="0">
+                <a:solidFill>
+                  <a:srgbClr val="000000"/>
+                </a:solidFill>
+                <a:latin typeface="Times New Roman" panose="02020603050405020304" pitchFamily="18" charset="0"/>
+                <a:ea typeface="標楷體" panose="03000509000000000000" pitchFamily="65" charset="-120"/>
+                <a:cs typeface="Times New Roman" panose="02020603050405020304" pitchFamily="18" charset="0"/>
+              </a:rPr>
+              <a:t>一、鋼捲</a:t>
+            </a:r>
+            <a:r>
+              <a:rPr lang="en-US" altLang="zh-CN">
+                <a:solidFill>
+                  <a:srgbClr val="000000"/>
+                </a:solidFill>
+                <a:latin typeface="Times New Roman" panose="02020603050405020304" pitchFamily="18" charset="0"/>
+                <a:ea typeface="標楷體" panose="03000509000000000000" pitchFamily="65" charset="-120"/>
+                <a:cs typeface="Times New Roman" panose="02020603050405020304" pitchFamily="18" charset="0"/>
+              </a:rPr>
+              <a:t>ID </a:t>
+            </a:r>
+            <a:r>
+              <a:rPr lang="en-US" altLang="zh-TW" b="1">
+                <a:latin typeface="Times New Roman" panose="02020603050405020304" pitchFamily="18" charset="0"/>
+                <a:ea typeface="標楷體" panose="03000509000000000000" pitchFamily="65" charset="-120"/>
+                <a:cs typeface="Times New Roman" panose="02020603050405020304" pitchFamily="18" charset="0"/>
+              </a:rPr>
+              <a:t>idroll</a:t>
+            </a:r>
+            <a:r>
+              <a:rPr lang="en-US" altLang="zh-CN" b="1">
+                <a:solidFill>
+                  <a:srgbClr val="000000"/>
+                </a:solidFill>
+                <a:latin typeface="Times New Roman" panose="02020603050405020304" pitchFamily="18" charset="0"/>
+                <a:ea typeface="標楷體" panose="03000509000000000000" pitchFamily="65" charset="-120"/>
+                <a:cs typeface="Times New Roman" panose="02020603050405020304" pitchFamily="18" charset="0"/>
+              </a:rPr>
+              <a:t>-</a:t>
+            </a:r>
+            <a:r>
+              <a:rPr lang="zh-CN" altLang="en-US" b="1">
+                <a:solidFill>
+                  <a:srgbClr val="000000"/>
+                </a:solidFill>
+                <a:latin typeface="Times New Roman" panose="02020603050405020304" pitchFamily="18" charset="0"/>
+                <a:ea typeface="標楷體" panose="03000509000000000000" pitchFamily="65" charset="-120"/>
+                <a:cs typeface="Times New Roman" panose="02020603050405020304" pitchFamily="18" charset="0"/>
+              </a:rPr>
+              <a:t>頭端</a:t>
+            </a:r>
+            <a:r>
+              <a:rPr lang="zh-CN" altLang="en-US" sz="1600" dirty="0">
+                <a:latin typeface="Times New Roman" panose="02020603050405020304" pitchFamily="18" charset="0"/>
+                <a:ea typeface="標楷體" panose="03000509000000000000" pitchFamily="65" charset="-120"/>
+                <a:cs typeface="Times New Roman" panose="02020603050405020304" pitchFamily="18" charset="0"/>
+              </a:rPr>
+              <a:t>：</a:t>
+            </a:r>
+            <a:endParaRPr lang="zh-TW" altLang="en-US" sz="1600" dirty="0">
+              <a:latin typeface="Times New Roman" panose="02020603050405020304" pitchFamily="18" charset="0"/>
+              <a:ea typeface="標楷體" panose="03000509000000000000" pitchFamily="65" charset="-120"/>
+              <a:cs typeface="Times New Roman" panose="02020603050405020304" pitchFamily="18" charset="0"/>
+            </a:endParaRPr>
+          </a:p>
+        </p:txBody>
+      </p:sp>
+      <p:graphicFrame>
+        <p:nvGraphicFramePr>
+          <p:cNvPr id="50" name="表格 49"/>
+          <p:cNvGraphicFramePr>
+            <a:graphicFrameLocks noGrp="1"/>
+          </p:cNvGraphicFramePr>
+          <p:nvPr>
+            <p:extLst>
+              <p:ext uri="{D42A27DB-BD31-4B8C-83A1-F6EECF244321}">
+                <p14:modId xmlns:p14="http://schemas.microsoft.com/office/powerpoint/2010/main" val="1561876761"/>
+              </p:ext>
+            </p:extLst>
+          </p:nvPr>
+        </p:nvGraphicFramePr>
+        <p:xfrm>
+          <a:off x="29029" y="573948"/>
+          <a:ext cx="11887201" cy="6163047"/>
+        </p:xfrm>
+        <a:graphic>
+          <a:graphicData uri="http://schemas.openxmlformats.org/drawingml/2006/table">
+            <a:tbl>
+              <a:tblPr firstRow="1" bandRow="1">
+                <a:tableStyleId>{5940675A-B579-460E-94D1-54222C63F5DA}</a:tableStyleId>
+              </a:tblPr>
+              <a:tblGrid>
+                <a:gridCol w="478971">
+                  <a:extLst>
+                    <a:ext uri="{9D8B030D-6E8A-4147-A177-3AD203B41FA5}">
+                      <a16:colId xmlns:a16="http://schemas.microsoft.com/office/drawing/2014/main" val="20000"/>
+                    </a:ext>
+                  </a:extLst>
+                </a:gridCol>
+                <a:gridCol w="1132114">
+                  <a:extLst>
+                    <a:ext uri="{9D8B030D-6E8A-4147-A177-3AD203B41FA5}">
+                      <a16:colId xmlns:a16="http://schemas.microsoft.com/office/drawing/2014/main" val="20001"/>
+                    </a:ext>
+                  </a:extLst>
+                </a:gridCol>
+                <a:gridCol w="3425372">
+                  <a:extLst>
+                    <a:ext uri="{9D8B030D-6E8A-4147-A177-3AD203B41FA5}">
+                      <a16:colId xmlns:a16="http://schemas.microsoft.com/office/drawing/2014/main" val="20002"/>
+                    </a:ext>
+                  </a:extLst>
+                </a:gridCol>
+                <a:gridCol w="3425372">
+                  <a:extLst>
+                    <a:ext uri="{9D8B030D-6E8A-4147-A177-3AD203B41FA5}">
+                      <a16:colId xmlns:a16="http://schemas.microsoft.com/office/drawing/2014/main" val="20003"/>
+                    </a:ext>
+                  </a:extLst>
+                </a:gridCol>
+                <a:gridCol w="3425372">
+                  <a:extLst>
+                    <a:ext uri="{9D8B030D-6E8A-4147-A177-3AD203B41FA5}">
+                      <a16:colId xmlns:a16="http://schemas.microsoft.com/office/drawing/2014/main" val="20004"/>
+                    </a:ext>
+                  </a:extLst>
+                </a:gridCol>
+              </a:tblGrid>
+              <a:tr h="398930">
+                <a:tc gridSpan="2">
+                  <a:txBody>
+                    <a:bodyPr/>
+                    <a:lstStyle/>
+                    <a:p>
+                      <a:pPr algn="ctr"/>
+                      <a:r>
+                        <a:rPr lang="zh-CN" altLang="en-US" dirty="0">
+                          <a:latin typeface="Times New Roman" panose="02020603050405020304" pitchFamily="18" charset="0"/>
+                          <a:ea typeface="標楷體" panose="03000509000000000000" pitchFamily="65" charset="-120"/>
+                          <a:cs typeface="Times New Roman" panose="02020603050405020304" pitchFamily="18" charset="0"/>
+                        </a:rPr>
+                        <a:t>試驗項目</a:t>
+                      </a:r>
+                      <a:endParaRPr lang="zh-TW" altLang="en-US" dirty="0">
+                        <a:latin typeface="Times New Roman" panose="02020603050405020304" pitchFamily="18" charset="0"/>
+                        <a:ea typeface="標楷體" panose="03000509000000000000" pitchFamily="65" charset="-120"/>
+                        <a:cs typeface="Times New Roman" panose="02020603050405020304" pitchFamily="18" charset="0"/>
+                      </a:endParaRPr>
+                    </a:p>
+                  </a:txBody>
+                  <a:tcPr anchor="ctr"/>
+                </a:tc>
+                <a:tc hMerge="1">
+                  <a:txBody>
+                    <a:bodyPr/>
+                    <a:lstStyle/>
+                    <a:p>
+                      <a:endParaRPr lang="zh-TW" altLang="en-US"/>
+                    </a:p>
+                  </a:txBody>
+                  <a:tcPr/>
+                </a:tc>
+                <a:tc gridSpan="3">
+                  <a:txBody>
+                    <a:bodyPr/>
+                    <a:lstStyle/>
+                    <a:p>
+                      <a:pPr algn="ctr"/>
+                      <a:r>
+                        <a:rPr lang="en-US" altLang="zh-CN" b="1">
+                          <a:latin typeface="Times New Roman" panose="02020603050405020304" pitchFamily="18" charset="0"/>
+                          <a:ea typeface="標楷體" panose="03000509000000000000" pitchFamily="65" charset="-120"/>
+                          <a:cs typeface="Times New Roman" panose="02020603050405020304" pitchFamily="18" charset="0"/>
+                        </a:rPr>
+                        <a:t>XRD</a:t>
+                      </a:r>
+                      <a:r>
+                        <a:rPr lang="zh-CN" altLang="en-US" b="1">
+                          <a:latin typeface="Times New Roman" panose="02020603050405020304" pitchFamily="18" charset="0"/>
+                          <a:ea typeface="標楷體" panose="03000509000000000000" pitchFamily="65" charset="-120"/>
+                          <a:cs typeface="Times New Roman" panose="02020603050405020304" pitchFamily="18" charset="0"/>
+                        </a:rPr>
+                        <a:t>表面分析</a:t>
+                      </a:r>
+                    </a:p>
+                  </a:txBody>
+                  <a:tcPr anchor="ctr"/>
+                </a:tc>
+                <a:tc hMerge="1">
+                  <a:txBody>
+                    <a:bodyPr/>
+                    <a:lstStyle/>
+                    <a:p>
+                      <a:pPr algn="ctr"/>
+                      <a:endParaRPr lang="zh-TW" altLang="en-US" dirty="0"/>
+                    </a:p>
+                  </a:txBody>
+                  <a:tcPr anchor="ctr"/>
+                </a:tc>
+                <a:tc hMerge="1">
+                  <a:txBody>
+                    <a:bodyPr/>
+                    <a:lstStyle/>
+                    <a:p>
+                      <a:pPr algn="ctr"/>
+                      <a:endParaRPr lang="zh-TW" altLang="en-US" dirty="0"/>
+                    </a:p>
+                  </a:txBody>
+                  <a:tcPr anchor="ctr"/>
+                </a:tc>
+                <a:extLst>
+                  <a:ext uri="{0D108BD9-81ED-4DB2-BD59-A6C34878D82A}">
+                    <a16:rowId xmlns:a16="http://schemas.microsoft.com/office/drawing/2014/main" val="10000"/>
+                  </a:ext>
+                </a:extLst>
+              </a:tr>
+              <a:tr h="398930">
+                <a:tc gridSpan="2">
+                  <a:txBody>
+                    <a:bodyPr/>
+                    <a:lstStyle/>
+                    <a:p>
+                      <a:pPr algn="ctr"/>
+                      <a:r>
+                        <a:rPr lang="zh-CN" altLang="en-US" dirty="0">
+                          <a:latin typeface="Times New Roman" panose="02020603050405020304" pitchFamily="18" charset="0"/>
+                          <a:ea typeface="標楷體" panose="03000509000000000000" pitchFamily="65" charset="-120"/>
+                          <a:cs typeface="Times New Roman" panose="02020603050405020304" pitchFamily="18" charset="0"/>
+                        </a:rPr>
+                        <a:t>觀察位置</a:t>
+                      </a:r>
+                      <a:endParaRPr lang="zh-TW" altLang="en-US" dirty="0">
+                        <a:latin typeface="Times New Roman" panose="02020603050405020304" pitchFamily="18" charset="0"/>
+                        <a:ea typeface="標楷體" panose="03000509000000000000" pitchFamily="65" charset="-120"/>
+                        <a:cs typeface="Times New Roman" panose="02020603050405020304" pitchFamily="18" charset="0"/>
+                      </a:endParaRPr>
+                    </a:p>
+                  </a:txBody>
+                  <a:tcPr anchor="ctr"/>
+                </a:tc>
+                <a:tc hMerge="1">
+                  <a:txBody>
+                    <a:bodyPr/>
+                    <a:lstStyle/>
+                    <a:p>
+                      <a:endParaRPr lang="zh-TW" altLang="en-US"/>
+                    </a:p>
+                  </a:txBody>
+                  <a:tcPr/>
+                </a:tc>
+                <a:tc>
+                  <a:txBody>
+                    <a:bodyPr/>
+                    <a:lstStyle/>
+                    <a:p>
+                      <a:pPr marL="0" marR="0" indent="0" algn="ctr" defTabSz="914400" rtl="0" eaLnBrk="1" fontAlgn="auto" latinLnBrk="0" hangingPunct="1">
+                        <a:lnSpc>
+                          <a:spcPct val="100000"/>
+                        </a:lnSpc>
+                        <a:spcBef>
+                          <a:spcPts val="0"/>
+                        </a:spcBef>
+                        <a:spcAft>
+                          <a:spcPts val="0"/>
+                        </a:spcAft>
+                        <a:buClrTx/>
+                        <a:buSzTx/>
+                        <a:buFontTx/>
+                        <a:buNone/>
+                        <a:tabLst/>
+                        <a:defRPr/>
+                      </a:pPr>
+                      <a:r>
+                        <a:rPr lang="zh-CN" altLang="en-US" dirty="0">
+                          <a:latin typeface="Times New Roman" panose="02020603050405020304" pitchFamily="18" charset="0"/>
+                          <a:ea typeface="標楷體" panose="03000509000000000000" pitchFamily="65" charset="-120"/>
+                          <a:cs typeface="Times New Roman" panose="02020603050405020304" pitchFamily="18" charset="0"/>
+                        </a:rPr>
+                        <a:t>邊緣</a:t>
+                      </a:r>
+                      <a:endParaRPr lang="zh-TW" altLang="en-US" dirty="0">
+                        <a:latin typeface="Times New Roman" panose="02020603050405020304" pitchFamily="18" charset="0"/>
+                        <a:ea typeface="標楷體" panose="03000509000000000000" pitchFamily="65" charset="-120"/>
+                        <a:cs typeface="Times New Roman" panose="02020603050405020304" pitchFamily="18" charset="0"/>
+                      </a:endParaRPr>
+                    </a:p>
+                  </a:txBody>
+                  <a:tcPr anchor="ctr"/>
+                </a:tc>
+                <a:tc>
+                  <a:txBody>
+                    <a:bodyPr/>
+                    <a:lstStyle/>
+                    <a:p>
+                      <a:pPr marL="0" marR="0" indent="0" algn="ctr" defTabSz="914400" rtl="0" eaLnBrk="1" fontAlgn="auto" latinLnBrk="0" hangingPunct="1">
+                        <a:lnSpc>
+                          <a:spcPct val="100000"/>
+                        </a:lnSpc>
+                        <a:spcBef>
+                          <a:spcPts val="0"/>
+                        </a:spcBef>
+                        <a:spcAft>
+                          <a:spcPts val="0"/>
+                        </a:spcAft>
+                        <a:buClrTx/>
+                        <a:buSzTx/>
+                        <a:buFontTx/>
+                        <a:buNone/>
+                        <a:tabLst/>
+                        <a:defRPr/>
+                      </a:pPr>
+                      <a:r>
+                        <a:rPr lang="en-US" altLang="zh-CN" dirty="0">
+                          <a:latin typeface="Times New Roman" panose="02020603050405020304" pitchFamily="18" charset="0"/>
+                          <a:ea typeface="標楷體" panose="03000509000000000000" pitchFamily="65" charset="-120"/>
+                          <a:cs typeface="Times New Roman" panose="02020603050405020304" pitchFamily="18" charset="0"/>
+                        </a:rPr>
+                        <a:t>1/4</a:t>
+                      </a:r>
+                      <a:endParaRPr lang="zh-TW" altLang="en-US" dirty="0">
+                        <a:latin typeface="Times New Roman" panose="02020603050405020304" pitchFamily="18" charset="0"/>
+                        <a:ea typeface="標楷體" panose="03000509000000000000" pitchFamily="65" charset="-120"/>
+                        <a:cs typeface="Times New Roman" panose="02020603050405020304" pitchFamily="18" charset="0"/>
+                      </a:endParaRPr>
+                    </a:p>
+                  </a:txBody>
+                  <a:tcPr anchor="ctr"/>
+                </a:tc>
+                <a:tc>
+                  <a:txBody>
+                    <a:bodyPr/>
+                    <a:lstStyle/>
+                    <a:p>
+                      <a:pPr marL="0" marR="0" indent="0" algn="ctr" defTabSz="914400" rtl="0" eaLnBrk="1" fontAlgn="auto" latinLnBrk="0" hangingPunct="1">
+                        <a:lnSpc>
+                          <a:spcPct val="100000"/>
+                        </a:lnSpc>
+                        <a:spcBef>
+                          <a:spcPts val="0"/>
+                        </a:spcBef>
+                        <a:spcAft>
+                          <a:spcPts val="0"/>
+                        </a:spcAft>
+                        <a:buClrTx/>
+                        <a:buSzTx/>
+                        <a:buFontTx/>
+                        <a:buNone/>
+                        <a:tabLst/>
+                        <a:defRPr/>
+                      </a:pPr>
+                      <a:r>
+                        <a:rPr lang="zh-CN" altLang="en-US" dirty="0">
+                          <a:latin typeface="Times New Roman" panose="02020603050405020304" pitchFamily="18" charset="0"/>
+                          <a:ea typeface="標楷體" panose="03000509000000000000" pitchFamily="65" charset="-120"/>
+                          <a:cs typeface="Times New Roman" panose="02020603050405020304" pitchFamily="18" charset="0"/>
+                        </a:rPr>
+                        <a:t>中心 </a:t>
+                      </a:r>
+                      <a:endParaRPr lang="zh-TW" altLang="en-US" dirty="0">
+                        <a:latin typeface="Times New Roman" panose="02020603050405020304" pitchFamily="18" charset="0"/>
+                        <a:ea typeface="標楷體" panose="03000509000000000000" pitchFamily="65" charset="-120"/>
+                        <a:cs typeface="Times New Roman" panose="02020603050405020304" pitchFamily="18" charset="0"/>
+                      </a:endParaRPr>
+                    </a:p>
+                  </a:txBody>
+                  <a:tcPr anchor="ctr"/>
+                </a:tc>
+                <a:extLst>
+                  <a:ext uri="{0D108BD9-81ED-4DB2-BD59-A6C34878D82A}">
+                    <a16:rowId xmlns:a16="http://schemas.microsoft.com/office/drawing/2014/main" val="10001"/>
+                  </a:ext>
+                </a:extLst>
+              </a:tr>
+              <a:tr h="2678087">
+                <a:tc>
+                  <a:txBody>
+                    <a:bodyPr/>
+                    <a:lstStyle/>
+                    <a:p>
+                      <a:pPr marL="0" marR="0" indent="0" algn="ctr" defTabSz="914400" rtl="0" eaLnBrk="1" fontAlgn="auto" latinLnBrk="0" hangingPunct="1">
+                        <a:lnSpc>
+                          <a:spcPct val="100000"/>
+                        </a:lnSpc>
+                        <a:spcBef>
+                          <a:spcPts val="0"/>
+                        </a:spcBef>
+                        <a:spcAft>
+                          <a:spcPts val="0"/>
+                        </a:spcAft>
+                        <a:buClrTx/>
+                        <a:buSzTx/>
+                        <a:buFontTx/>
+                        <a:buNone/>
+                        <a:tabLst/>
+                        <a:defRPr/>
+                      </a:pPr>
+                      <a:r>
+                        <a:rPr lang="zh-CN" altLang="en-US" dirty="0">
+                          <a:latin typeface="Times New Roman" panose="02020603050405020304" pitchFamily="18" charset="0"/>
+                          <a:ea typeface="標楷體" panose="03000509000000000000" pitchFamily="65" charset="-120"/>
+                          <a:cs typeface="Times New Roman" panose="02020603050405020304" pitchFamily="18" charset="0"/>
+                        </a:rPr>
+                        <a:t>上表面</a:t>
+                      </a:r>
+                      <a:endParaRPr lang="zh-TW" altLang="en-US" dirty="0">
+                        <a:latin typeface="Times New Roman" panose="02020603050405020304" pitchFamily="18" charset="0"/>
+                        <a:ea typeface="標楷體" panose="03000509000000000000" pitchFamily="65" charset="-120"/>
+                        <a:cs typeface="Times New Roman" panose="02020603050405020304" pitchFamily="18" charset="0"/>
+                      </a:endParaRPr>
+                    </a:p>
+                  </a:txBody>
+                  <a:tcPr anchor="ctr"/>
+                </a:tc>
+                <a:tc>
+                  <a:txBody>
+                    <a:bodyPr/>
+                    <a:lstStyle/>
+                    <a:p>
+                      <a:pPr marL="0" marR="0" indent="0" algn="ctr" defTabSz="914400" rtl="0" eaLnBrk="1" fontAlgn="auto" latinLnBrk="0" hangingPunct="1">
+                        <a:lnSpc>
+                          <a:spcPct val="100000"/>
+                        </a:lnSpc>
+                        <a:spcBef>
+                          <a:spcPts val="0"/>
+                        </a:spcBef>
+                        <a:spcAft>
+                          <a:spcPts val="0"/>
+                        </a:spcAft>
+                        <a:buClrTx/>
+                        <a:buSzTx/>
+                        <a:buFontTx/>
+                        <a:buNone/>
+                        <a:tabLst/>
+                        <a:defRPr/>
+                      </a:pPr>
+                      <a:r>
+                        <a:rPr lang="zh-CN" altLang="en-US" dirty="0">
+                          <a:latin typeface="Times New Roman" panose="02020603050405020304" pitchFamily="18" charset="0"/>
+                          <a:ea typeface="標楷體" panose="03000509000000000000" pitchFamily="65" charset="-120"/>
+                          <a:cs typeface="Times New Roman" panose="02020603050405020304" pitchFamily="18" charset="0"/>
+                        </a:rPr>
+                        <a:t>照片</a:t>
+                      </a:r>
+                      <a:endParaRPr lang="zh-TW" altLang="en-US" dirty="0">
+                        <a:latin typeface="Times New Roman" panose="02020603050405020304" pitchFamily="18" charset="0"/>
+                        <a:ea typeface="標楷體" panose="03000509000000000000" pitchFamily="65" charset="-120"/>
+                        <a:cs typeface="Times New Roman" panose="02020603050405020304" pitchFamily="18" charset="0"/>
+                      </a:endParaRPr>
+                    </a:p>
+                  </a:txBody>
+                  <a:tcPr anchor="ctr"/>
+                </a:tc>
+                <a:tc>
+                  <a:txBody>
+                    <a:bodyPr/>
+                    <a:lstStyle/>
+                    <a:p>
+                      <a:pPr algn="ctr"/>
+                      <a:endParaRPr lang="en-US" altLang="zh-TW" dirty="0">
+                        <a:latin typeface="Times New Roman" panose="02020603050405020304" pitchFamily="18" charset="0"/>
+                        <a:ea typeface="標楷體" panose="03000509000000000000" pitchFamily="65" charset="-120"/>
+                        <a:cs typeface="Times New Roman" panose="02020603050405020304" pitchFamily="18" charset="0"/>
+                      </a:endParaRPr>
+                    </a:p>
+                    <a:p>
+                      <a:pPr algn="ctr"/>
+                      <a:endParaRPr lang="zh-TW" altLang="en-US" dirty="0">
+                        <a:latin typeface="Times New Roman" panose="02020603050405020304" pitchFamily="18" charset="0"/>
+                        <a:ea typeface="標楷體" panose="03000509000000000000" pitchFamily="65" charset="-120"/>
+                        <a:cs typeface="Times New Roman" panose="02020603050405020304" pitchFamily="18" charset="0"/>
+                      </a:endParaRPr>
+                    </a:p>
+                  </a:txBody>
+                  <a:tcPr anchor="ctr"/>
+                </a:tc>
+                <a:tc>
+                  <a:txBody>
+                    <a:bodyPr/>
+                    <a:lstStyle/>
+                    <a:p>
+                      <a:pPr algn="ctr"/>
+                      <a:endParaRPr lang="zh-TW" altLang="en-US" dirty="0">
+                        <a:latin typeface="Times New Roman" panose="02020603050405020304" pitchFamily="18" charset="0"/>
+                        <a:ea typeface="標楷體" panose="03000509000000000000" pitchFamily="65" charset="-120"/>
+                        <a:cs typeface="Times New Roman" panose="02020603050405020304" pitchFamily="18" charset="0"/>
+                      </a:endParaRPr>
+                    </a:p>
+                  </a:txBody>
+                  <a:tcPr anchor="ctr"/>
+                </a:tc>
+                <a:tc>
+                  <a:txBody>
+                    <a:bodyPr/>
+                    <a:lstStyle/>
+                    <a:p>
+                      <a:pPr algn="ctr"/>
+                      <a:endParaRPr lang="zh-TW" altLang="en-US" dirty="0">
+                        <a:latin typeface="Times New Roman" panose="02020603050405020304" pitchFamily="18" charset="0"/>
+                        <a:ea typeface="標楷體" panose="03000509000000000000" pitchFamily="65" charset="-120"/>
+                        <a:cs typeface="Times New Roman" panose="02020603050405020304" pitchFamily="18" charset="0"/>
+                      </a:endParaRPr>
+                    </a:p>
+                  </a:txBody>
+                  <a:tcPr anchor="ctr"/>
+                </a:tc>
+                <a:extLst>
+                  <a:ext uri="{0D108BD9-81ED-4DB2-BD59-A6C34878D82A}">
+                    <a16:rowId xmlns:a16="http://schemas.microsoft.com/office/drawing/2014/main" val="10002"/>
+                  </a:ext>
+                </a:extLst>
+              </a:tr>
+              <a:tr h="2687100">
+                <a:tc>
+                  <a:txBody>
+                    <a:bodyPr/>
+                    <a:lstStyle/>
+                    <a:p>
+                      <a:pPr marL="0" marR="0" indent="0" algn="ctr" defTabSz="914400" rtl="0" eaLnBrk="1" fontAlgn="auto" latinLnBrk="0" hangingPunct="1">
+                        <a:lnSpc>
+                          <a:spcPct val="100000"/>
+                        </a:lnSpc>
+                        <a:spcBef>
+                          <a:spcPts val="0"/>
+                        </a:spcBef>
+                        <a:spcAft>
+                          <a:spcPts val="0"/>
+                        </a:spcAft>
+                        <a:buClrTx/>
+                        <a:buSzTx/>
+                        <a:buFontTx/>
+                        <a:buNone/>
+                        <a:tabLst/>
+                        <a:defRPr/>
+                      </a:pPr>
+                      <a:r>
+                        <a:rPr lang="zh-CN" altLang="en-US" dirty="0">
+                          <a:latin typeface="Times New Roman" panose="02020603050405020304" pitchFamily="18" charset="0"/>
+                          <a:ea typeface="標楷體" panose="03000509000000000000" pitchFamily="65" charset="-120"/>
+                          <a:cs typeface="Times New Roman" panose="02020603050405020304" pitchFamily="18" charset="0"/>
+                        </a:rPr>
+                        <a:t>下表面</a:t>
+                      </a:r>
+                      <a:endParaRPr lang="zh-TW" altLang="en-US" dirty="0">
+                        <a:latin typeface="Times New Roman" panose="02020603050405020304" pitchFamily="18" charset="0"/>
+                        <a:ea typeface="標楷體" panose="03000509000000000000" pitchFamily="65" charset="-120"/>
+                        <a:cs typeface="Times New Roman" panose="02020603050405020304" pitchFamily="18" charset="0"/>
+                      </a:endParaRPr>
+                    </a:p>
+                  </a:txBody>
+                  <a:tcPr anchor="ctr"/>
+                </a:tc>
+                <a:tc>
+                  <a:txBody>
+                    <a:bodyPr/>
+                    <a:lstStyle/>
+                    <a:p>
+                      <a:pPr marL="0" marR="0" indent="0" algn="ctr" defTabSz="914400" rtl="0" eaLnBrk="1" fontAlgn="auto" latinLnBrk="0" hangingPunct="1">
+                        <a:lnSpc>
+                          <a:spcPct val="100000"/>
+                        </a:lnSpc>
+                        <a:spcBef>
+                          <a:spcPts val="0"/>
+                        </a:spcBef>
+                        <a:spcAft>
+                          <a:spcPts val="0"/>
+                        </a:spcAft>
+                        <a:buClrTx/>
+                        <a:buSzTx/>
+                        <a:buFontTx/>
+                        <a:buNone/>
+                        <a:tabLst/>
+                        <a:defRPr/>
+                      </a:pPr>
+                      <a:r>
+                        <a:rPr lang="zh-CN" altLang="en-US" dirty="0">
+                          <a:latin typeface="Times New Roman" panose="02020603050405020304" pitchFamily="18" charset="0"/>
+                          <a:ea typeface="標楷體" panose="03000509000000000000" pitchFamily="65" charset="-120"/>
+                          <a:cs typeface="Times New Roman" panose="02020603050405020304" pitchFamily="18" charset="0"/>
+                        </a:rPr>
+                        <a:t>照片</a:t>
+                      </a:r>
+                      <a:endParaRPr lang="zh-TW" altLang="en-US" dirty="0">
+                        <a:latin typeface="Times New Roman" panose="02020603050405020304" pitchFamily="18" charset="0"/>
+                        <a:ea typeface="標楷體" panose="03000509000000000000" pitchFamily="65" charset="-120"/>
+                        <a:cs typeface="Times New Roman" panose="02020603050405020304" pitchFamily="18" charset="0"/>
+                      </a:endParaRPr>
+                    </a:p>
+                  </a:txBody>
+                  <a:tcPr anchor="ctr"/>
+                </a:tc>
+                <a:tc>
+                  <a:txBody>
+                    <a:bodyPr/>
+                    <a:lstStyle/>
+                    <a:p>
+                      <a:pPr marL="0" marR="0" indent="0" algn="ctr" defTabSz="914400" rtl="0" eaLnBrk="1" fontAlgn="auto" latinLnBrk="0" hangingPunct="1">
+                        <a:lnSpc>
+                          <a:spcPct val="100000"/>
+                        </a:lnSpc>
+                        <a:spcBef>
+                          <a:spcPts val="0"/>
+                        </a:spcBef>
+                        <a:spcAft>
+                          <a:spcPts val="0"/>
+                        </a:spcAft>
+                        <a:buClrTx/>
+                        <a:buSzTx/>
+                        <a:buFontTx/>
+                        <a:buNone/>
+                        <a:tabLst/>
+                        <a:defRPr/>
+                      </a:pPr>
+                      <a:endParaRPr lang="en-US" altLang="zh-TW" dirty="0">
+                        <a:latin typeface="Times New Roman" panose="02020603050405020304" pitchFamily="18" charset="0"/>
+                        <a:ea typeface="標楷體" panose="03000509000000000000" pitchFamily="65" charset="-120"/>
+                        <a:cs typeface="Times New Roman" panose="02020603050405020304" pitchFamily="18" charset="0"/>
+                      </a:endParaRPr>
+                    </a:p>
+                    <a:p>
+                      <a:pPr marL="0" marR="0" indent="0" algn="ctr" defTabSz="914400" rtl="0" eaLnBrk="1" fontAlgn="auto" latinLnBrk="0" hangingPunct="1">
+                        <a:lnSpc>
+                          <a:spcPct val="100000"/>
+                        </a:lnSpc>
+                        <a:spcBef>
+                          <a:spcPts val="0"/>
+                        </a:spcBef>
+                        <a:spcAft>
+                          <a:spcPts val="0"/>
+                        </a:spcAft>
+                        <a:buClrTx/>
+                        <a:buSzTx/>
+                        <a:buFontTx/>
+                        <a:buNone/>
+                        <a:tabLst/>
+                        <a:defRPr/>
+                      </a:pPr>
+                      <a:endParaRPr lang="en-US" altLang="zh-TW" dirty="0">
+                        <a:latin typeface="Times New Roman" panose="02020603050405020304" pitchFamily="18" charset="0"/>
+                        <a:ea typeface="標楷體" panose="03000509000000000000" pitchFamily="65" charset="-120"/>
+                        <a:cs typeface="Times New Roman" panose="02020603050405020304" pitchFamily="18" charset="0"/>
+                      </a:endParaRPr>
+                    </a:p>
+                    <a:p>
+                      <a:pPr marL="0" marR="0" indent="0" algn="ctr" defTabSz="914400" rtl="0" eaLnBrk="1" fontAlgn="auto" latinLnBrk="0" hangingPunct="1">
+                        <a:lnSpc>
+                          <a:spcPct val="100000"/>
+                        </a:lnSpc>
+                        <a:spcBef>
+                          <a:spcPts val="0"/>
+                        </a:spcBef>
+                        <a:spcAft>
+                          <a:spcPts val="0"/>
+                        </a:spcAft>
+                        <a:buClrTx/>
+                        <a:buSzTx/>
+                        <a:buFontTx/>
+                        <a:buNone/>
+                        <a:tabLst/>
+                        <a:defRPr/>
+                      </a:pPr>
+                      <a:endParaRPr lang="zh-TW" altLang="en-US" dirty="0">
+                        <a:latin typeface="Times New Roman" panose="02020603050405020304" pitchFamily="18" charset="0"/>
+                        <a:ea typeface="標楷體" panose="03000509000000000000" pitchFamily="65" charset="-120"/>
+                        <a:cs typeface="Times New Roman" panose="02020603050405020304" pitchFamily="18" charset="0"/>
+                      </a:endParaRPr>
+                    </a:p>
+                  </a:txBody>
+                  <a:tcPr anchor="ctr"/>
+                </a:tc>
+                <a:tc>
+                  <a:txBody>
+                    <a:bodyPr/>
+                    <a:lstStyle/>
+                    <a:p>
+                      <a:pPr marL="0" marR="0" indent="0" algn="ctr" defTabSz="914400" rtl="0" eaLnBrk="1" fontAlgn="auto" latinLnBrk="0" hangingPunct="1">
+                        <a:lnSpc>
+                          <a:spcPct val="100000"/>
+                        </a:lnSpc>
+                        <a:spcBef>
+                          <a:spcPts val="0"/>
+                        </a:spcBef>
+                        <a:spcAft>
+                          <a:spcPts val="0"/>
+                        </a:spcAft>
+                        <a:buClrTx/>
+                        <a:buSzTx/>
+                        <a:buFontTx/>
+                        <a:buNone/>
+                        <a:tabLst/>
+                        <a:defRPr/>
+                      </a:pPr>
+                      <a:endParaRPr lang="zh-TW" altLang="en-US" dirty="0">
+                        <a:latin typeface="Times New Roman" panose="02020603050405020304" pitchFamily="18" charset="0"/>
+                        <a:ea typeface="標楷體" panose="03000509000000000000" pitchFamily="65" charset="-120"/>
+                        <a:cs typeface="Times New Roman" panose="02020603050405020304" pitchFamily="18" charset="0"/>
+                      </a:endParaRPr>
+                    </a:p>
+                  </a:txBody>
+                  <a:tcPr anchor="ctr"/>
+                </a:tc>
+                <a:tc>
+                  <a:txBody>
+                    <a:bodyPr/>
+                    <a:lstStyle/>
+                    <a:p>
+                      <a:pPr marL="0" marR="0" indent="0" algn="ctr" defTabSz="914400" rtl="0" eaLnBrk="1" fontAlgn="auto" latinLnBrk="0" hangingPunct="1">
+                        <a:lnSpc>
+                          <a:spcPct val="100000"/>
+                        </a:lnSpc>
+                        <a:spcBef>
+                          <a:spcPts val="0"/>
+                        </a:spcBef>
+                        <a:spcAft>
+                          <a:spcPts val="0"/>
+                        </a:spcAft>
+                        <a:buClrTx/>
+                        <a:buSzTx/>
+                        <a:buFontTx/>
+                        <a:buNone/>
+                        <a:tabLst/>
+                        <a:defRPr/>
+                      </a:pPr>
+                      <a:endParaRPr lang="zh-TW" altLang="en-US" dirty="0">
+                        <a:latin typeface="Times New Roman" panose="02020603050405020304" pitchFamily="18" charset="0"/>
+                        <a:ea typeface="標楷體" panose="03000509000000000000" pitchFamily="65" charset="-120"/>
+                        <a:cs typeface="Times New Roman" panose="02020603050405020304" pitchFamily="18" charset="0"/>
+                      </a:endParaRPr>
+                    </a:p>
+                  </a:txBody>
+                  <a:tcPr anchor="ctr"/>
+                </a:tc>
+                <a:extLst>
+                  <a:ext uri="{0D108BD9-81ED-4DB2-BD59-A6C34878D82A}">
+                    <a16:rowId xmlns:a16="http://schemas.microsoft.com/office/drawing/2014/main" val="10005"/>
+                  </a:ext>
+                </a:extLst>
+              </a:tr>
+            </a:tbl>
+          </a:graphicData>
+        </a:graphic>
+      </p:graphicFrame>
+    </p:spTree>
+    <p:extLst>
+      <p:ext uri="{BB962C8B-B14F-4D97-AF65-F5344CB8AC3E}">
+        <p14:creationId xmlns:p14="http://schemas.microsoft.com/office/powerpoint/2010/main" val="3049125031"/>
+      </p:ext>
+    </p:extLst>
+  </p:cSld>
+  <p:clrMapOvr>
+    <a:masterClrMapping/>
+  </p:clrMapOvr>
+</p:sld>
+</file>
+
+<file path=ppt/slides/slide6.xml><?xml version="1.0" encoding="utf-8"?>
+<p:sld xmlns:a="http://schemas.openxmlformats.org/drawingml/2006/main" xmlns:r="http://schemas.openxmlformats.org/officeDocument/2006/relationships" xmlns:p="http://schemas.openxmlformats.org/presentationml/2006/main">
+  <p:cSld>
+    <p:spTree>
+      <p:nvGrpSpPr>
+        <p:cNvPr id="1" name=""/>
+        <p:cNvGrpSpPr/>
+        <p:nvPr/>
+      </p:nvGrpSpPr>
+      <p:grpSpPr>
+        <a:xfrm>
+          <a:off x="0" y="0"/>
+          <a:ext cx="0" cy="0"/>
+          <a:chOff x="0" y="0"/>
+          <a:chExt cx="0" cy="0"/>
+        </a:xfrm>
+      </p:grpSpPr>
+      <p:sp>
+        <p:nvSpPr>
+          <p:cNvPr id="26" name="矩形 25"/>
+          <p:cNvSpPr/>
+          <p:nvPr/>
+        </p:nvSpPr>
+        <p:spPr>
+          <a:xfrm>
+            <a:off x="0" y="0"/>
+            <a:ext cx="12192000" cy="523220"/>
+          </a:xfrm>
+          <a:prstGeom prst="rect">
+            <a:avLst/>
+          </a:prstGeom>
+        </p:spPr>
+        <p:txBody>
+          <a:bodyPr wrap="square">
+            <a:spAutoFit/>
+          </a:bodyPr>
+          <a:lstStyle/>
+          <a:p>
+            <a:pPr algn="ctr">
+              <a:defRPr/>
+            </a:pPr>
+            <a:r>
+              <a:rPr lang="zh-CN" altLang="en-US" sz="2800" b="1" u="sng" dirty="0">
+                <a:solidFill>
+                  <a:prstClr val="black"/>
+                </a:solidFill>
+                <a:latin typeface="標楷體" panose="03000509000000000000" pitchFamily="65" charset="-120"/>
+                <a:ea typeface="標楷體" panose="03000509000000000000" pitchFamily="65" charset="-120"/>
+                <a:cs typeface="Times New Roman" panose="02020603050405020304" pitchFamily="18" charset="0"/>
+              </a:rPr>
+              <a:t>表面銹皮健康改善專案</a:t>
+            </a:r>
+            <a:endParaRPr lang="zh-TW" altLang="en-US" sz="2800" b="1" u="sng" dirty="0">
+              <a:solidFill>
+                <a:prstClr val="black"/>
+              </a:solidFill>
+              <a:latin typeface="標楷體" panose="03000509000000000000" pitchFamily="65" charset="-120"/>
+              <a:ea typeface="標楷體" panose="03000509000000000000" pitchFamily="65" charset="-120"/>
+              <a:cs typeface="Times New Roman" panose="02020603050405020304" pitchFamily="18" charset="0"/>
+            </a:endParaRPr>
+          </a:p>
+        </p:txBody>
+      </p:sp>
+      <p:sp>
+        <p:nvSpPr>
+          <p:cNvPr id="27" name="矩形 26"/>
+          <p:cNvSpPr/>
+          <p:nvPr/>
+        </p:nvSpPr>
+        <p:spPr>
+          <a:xfrm>
+            <a:off x="0" y="219130"/>
+            <a:ext cx="8810698" cy="369332"/>
+          </a:xfrm>
+          <a:prstGeom prst="rect">
+            <a:avLst/>
+          </a:prstGeom>
+        </p:spPr>
+        <p:txBody>
+          <a:bodyPr wrap="square">
+            <a:spAutoFit/>
+          </a:bodyPr>
+          <a:lstStyle/>
+          <a:p>
+            <a:pPr marL="442913" indent="-442913" algn="just">
+              <a:spcAft>
+                <a:spcPts val="1000"/>
+              </a:spcAft>
+            </a:pPr>
+            <a:r>
+              <a:rPr lang="zh-CN" altLang="en-US" dirty="0">
+                <a:solidFill>
+                  <a:srgbClr val="000000"/>
+                </a:solidFill>
+                <a:latin typeface="Times New Roman" panose="02020603050405020304" pitchFamily="18" charset="0"/>
+                <a:ea typeface="標楷體" panose="03000509000000000000" pitchFamily="65" charset="-120"/>
+                <a:cs typeface="Times New Roman" panose="02020603050405020304" pitchFamily="18" charset="0"/>
+              </a:rPr>
+              <a:t>一、鋼捲</a:t>
+            </a:r>
+            <a:r>
+              <a:rPr lang="en-US" altLang="zh-CN">
+                <a:solidFill>
+                  <a:srgbClr val="000000"/>
+                </a:solidFill>
+                <a:latin typeface="Times New Roman" panose="02020603050405020304" pitchFamily="18" charset="0"/>
+                <a:ea typeface="標楷體" panose="03000509000000000000" pitchFamily="65" charset="-120"/>
+                <a:cs typeface="Times New Roman" panose="02020603050405020304" pitchFamily="18" charset="0"/>
+              </a:rPr>
+              <a:t>ID </a:t>
+            </a:r>
+            <a:r>
+              <a:rPr lang="en-US" altLang="zh-TW" b="1">
+                <a:latin typeface="Times New Roman" panose="02020603050405020304" pitchFamily="18" charset="0"/>
+                <a:ea typeface="標楷體" panose="03000509000000000000" pitchFamily="65" charset="-120"/>
+                <a:cs typeface="Times New Roman" panose="02020603050405020304" pitchFamily="18" charset="0"/>
+              </a:rPr>
+              <a:t>idroll</a:t>
+            </a:r>
+            <a:r>
+              <a:rPr lang="en-US" altLang="zh-CN" b="1">
+                <a:solidFill>
+                  <a:srgbClr val="000000"/>
+                </a:solidFill>
+                <a:latin typeface="Times New Roman" panose="02020603050405020304" pitchFamily="18" charset="0"/>
+                <a:ea typeface="標楷體" panose="03000509000000000000" pitchFamily="65" charset="-120"/>
+                <a:cs typeface="Times New Roman" panose="02020603050405020304" pitchFamily="18" charset="0"/>
+              </a:rPr>
+              <a:t>-</a:t>
+            </a:r>
+            <a:r>
+              <a:rPr lang="zh-CN" altLang="en-US" b="1" dirty="0">
+                <a:solidFill>
+                  <a:srgbClr val="000000"/>
+                </a:solidFill>
+                <a:latin typeface="Times New Roman" panose="02020603050405020304" pitchFamily="18" charset="0"/>
+                <a:ea typeface="標楷體" panose="03000509000000000000" pitchFamily="65" charset="-120"/>
+                <a:cs typeface="Times New Roman" panose="02020603050405020304" pitchFamily="18" charset="0"/>
+              </a:rPr>
+              <a:t>尾端</a:t>
+            </a:r>
+            <a:r>
+              <a:rPr lang="zh-CN" altLang="en-US" sz="1600" dirty="0">
+                <a:latin typeface="Times New Roman" panose="02020603050405020304" pitchFamily="18" charset="0"/>
+                <a:ea typeface="標楷體" panose="03000509000000000000" pitchFamily="65" charset="-120"/>
+                <a:cs typeface="Times New Roman" panose="02020603050405020304" pitchFamily="18" charset="0"/>
+              </a:rPr>
+              <a:t>：</a:t>
+            </a:r>
+            <a:endParaRPr lang="zh-TW" altLang="en-US" sz="1600" dirty="0">
+              <a:latin typeface="Times New Roman" panose="02020603050405020304" pitchFamily="18" charset="0"/>
+              <a:ea typeface="標楷體" panose="03000509000000000000" pitchFamily="65" charset="-120"/>
+              <a:cs typeface="Times New Roman" panose="02020603050405020304" pitchFamily="18" charset="0"/>
+            </a:endParaRPr>
+          </a:p>
+        </p:txBody>
+      </p:sp>
+      <p:graphicFrame>
+        <p:nvGraphicFramePr>
+          <p:cNvPr id="50" name="表格 49"/>
+          <p:cNvGraphicFramePr>
+            <a:graphicFrameLocks noGrp="1"/>
+          </p:cNvGraphicFramePr>
+          <p:nvPr/>
+        </p:nvGraphicFramePr>
+        <p:xfrm>
+          <a:off x="29029" y="573948"/>
+          <a:ext cx="11887201" cy="6163047"/>
+        </p:xfrm>
+        <a:graphic>
+          <a:graphicData uri="http://schemas.openxmlformats.org/drawingml/2006/table">
+            <a:tbl>
+              <a:tblPr firstRow="1" bandRow="1">
+                <a:tableStyleId>{5940675A-B579-460E-94D1-54222C63F5DA}</a:tableStyleId>
+              </a:tblPr>
+              <a:tblGrid>
+                <a:gridCol w="478971">
+                  <a:extLst>
+                    <a:ext uri="{9D8B030D-6E8A-4147-A177-3AD203B41FA5}">
+                      <a16:colId xmlns:a16="http://schemas.microsoft.com/office/drawing/2014/main" val="20000"/>
+                    </a:ext>
+                  </a:extLst>
+                </a:gridCol>
+                <a:gridCol w="1132114">
+                  <a:extLst>
+                    <a:ext uri="{9D8B030D-6E8A-4147-A177-3AD203B41FA5}">
+                      <a16:colId xmlns:a16="http://schemas.microsoft.com/office/drawing/2014/main" val="20001"/>
+                    </a:ext>
+                  </a:extLst>
+                </a:gridCol>
+                <a:gridCol w="3425372">
+                  <a:extLst>
+                    <a:ext uri="{9D8B030D-6E8A-4147-A177-3AD203B41FA5}">
+                      <a16:colId xmlns:a16="http://schemas.microsoft.com/office/drawing/2014/main" val="20002"/>
+                    </a:ext>
+                  </a:extLst>
+                </a:gridCol>
+                <a:gridCol w="3425372">
+                  <a:extLst>
+                    <a:ext uri="{9D8B030D-6E8A-4147-A177-3AD203B41FA5}">
+                      <a16:colId xmlns:a16="http://schemas.microsoft.com/office/drawing/2014/main" val="20003"/>
+                    </a:ext>
+                  </a:extLst>
+                </a:gridCol>
+                <a:gridCol w="3425372">
+                  <a:extLst>
+                    <a:ext uri="{9D8B030D-6E8A-4147-A177-3AD203B41FA5}">
+                      <a16:colId xmlns:a16="http://schemas.microsoft.com/office/drawing/2014/main" val="20004"/>
+                    </a:ext>
+                  </a:extLst>
+                </a:gridCol>
+              </a:tblGrid>
+              <a:tr h="398930">
+                <a:tc gridSpan="2">
+                  <a:txBody>
+                    <a:bodyPr/>
+                    <a:lstStyle/>
+                    <a:p>
+                      <a:pPr algn="ctr"/>
+                      <a:r>
+                        <a:rPr lang="zh-CN" altLang="en-US" dirty="0">
+                          <a:latin typeface="Times New Roman" panose="02020603050405020304" pitchFamily="18" charset="0"/>
+                          <a:ea typeface="標楷體" panose="03000509000000000000" pitchFamily="65" charset="-120"/>
+                          <a:cs typeface="Times New Roman" panose="02020603050405020304" pitchFamily="18" charset="0"/>
+                        </a:rPr>
+                        <a:t>試驗項目</a:t>
+                      </a:r>
+                      <a:endParaRPr lang="zh-TW" altLang="en-US" dirty="0">
+                        <a:latin typeface="Times New Roman" panose="02020603050405020304" pitchFamily="18" charset="0"/>
+                        <a:ea typeface="標楷體" panose="03000509000000000000" pitchFamily="65" charset="-120"/>
+                        <a:cs typeface="Times New Roman" panose="02020603050405020304" pitchFamily="18" charset="0"/>
+                      </a:endParaRPr>
+                    </a:p>
+                  </a:txBody>
+                  <a:tcPr anchor="ctr"/>
+                </a:tc>
+                <a:tc hMerge="1">
+                  <a:txBody>
+                    <a:bodyPr/>
+                    <a:lstStyle/>
+                    <a:p>
+                      <a:endParaRPr lang="zh-TW" altLang="en-US"/>
+                    </a:p>
+                  </a:txBody>
+                  <a:tcPr/>
+                </a:tc>
+                <a:tc gridSpan="3">
+                  <a:txBody>
+                    <a:bodyPr/>
+                    <a:lstStyle/>
+                    <a:p>
+                      <a:pPr algn="ctr"/>
+                      <a:r>
+                        <a:rPr lang="en-US" altLang="zh-CN" b="1">
+                          <a:latin typeface="Times New Roman" panose="02020603050405020304" pitchFamily="18" charset="0"/>
+                          <a:ea typeface="標楷體" panose="03000509000000000000" pitchFamily="65" charset="-120"/>
+                          <a:cs typeface="Times New Roman" panose="02020603050405020304" pitchFamily="18" charset="0"/>
+                        </a:rPr>
+                        <a:t>XRD</a:t>
+                      </a:r>
+                      <a:r>
+                        <a:rPr lang="zh-CN" altLang="en-US" b="1">
+                          <a:latin typeface="Times New Roman" panose="02020603050405020304" pitchFamily="18" charset="0"/>
+                          <a:ea typeface="標楷體" panose="03000509000000000000" pitchFamily="65" charset="-120"/>
+                          <a:cs typeface="Times New Roman" panose="02020603050405020304" pitchFamily="18" charset="0"/>
+                        </a:rPr>
+                        <a:t>表面分析</a:t>
+                      </a:r>
+                    </a:p>
+                  </a:txBody>
+                  <a:tcPr anchor="ctr"/>
+                </a:tc>
+                <a:tc hMerge="1">
+                  <a:txBody>
+                    <a:bodyPr/>
+                    <a:lstStyle/>
+                    <a:p>
+                      <a:pPr algn="ctr"/>
+                      <a:endParaRPr lang="zh-TW" altLang="en-US" dirty="0"/>
+                    </a:p>
+                  </a:txBody>
+                  <a:tcPr anchor="ctr"/>
+                </a:tc>
+                <a:tc hMerge="1">
+                  <a:txBody>
+                    <a:bodyPr/>
+                    <a:lstStyle/>
+                    <a:p>
+                      <a:pPr algn="ctr"/>
+                      <a:endParaRPr lang="zh-TW" altLang="en-US" dirty="0"/>
+                    </a:p>
+                  </a:txBody>
+                  <a:tcPr anchor="ctr"/>
+                </a:tc>
+                <a:extLst>
+                  <a:ext uri="{0D108BD9-81ED-4DB2-BD59-A6C34878D82A}">
+                    <a16:rowId xmlns:a16="http://schemas.microsoft.com/office/drawing/2014/main" val="10000"/>
+                  </a:ext>
+                </a:extLst>
+              </a:tr>
+              <a:tr h="398930">
+                <a:tc gridSpan="2">
+                  <a:txBody>
+                    <a:bodyPr/>
+                    <a:lstStyle/>
+                    <a:p>
+                      <a:pPr algn="ctr"/>
+                      <a:r>
+                        <a:rPr lang="zh-CN" altLang="en-US" dirty="0">
+                          <a:latin typeface="Times New Roman" panose="02020603050405020304" pitchFamily="18" charset="0"/>
+                          <a:ea typeface="標楷體" panose="03000509000000000000" pitchFamily="65" charset="-120"/>
+                          <a:cs typeface="Times New Roman" panose="02020603050405020304" pitchFamily="18" charset="0"/>
+                        </a:rPr>
+                        <a:t>觀察位置</a:t>
+                      </a:r>
+                      <a:endParaRPr lang="zh-TW" altLang="en-US" dirty="0">
+                        <a:latin typeface="Times New Roman" panose="02020603050405020304" pitchFamily="18" charset="0"/>
+                        <a:ea typeface="標楷體" panose="03000509000000000000" pitchFamily="65" charset="-120"/>
+                        <a:cs typeface="Times New Roman" panose="02020603050405020304" pitchFamily="18" charset="0"/>
+                      </a:endParaRPr>
+                    </a:p>
+                  </a:txBody>
+                  <a:tcPr anchor="ctr"/>
+                </a:tc>
+                <a:tc hMerge="1">
+                  <a:txBody>
+                    <a:bodyPr/>
+                    <a:lstStyle/>
+                    <a:p>
+                      <a:endParaRPr lang="zh-TW" altLang="en-US"/>
+                    </a:p>
+                  </a:txBody>
+                  <a:tcPr/>
+                </a:tc>
+                <a:tc>
+                  <a:txBody>
+                    <a:bodyPr/>
+                    <a:lstStyle/>
+                    <a:p>
+                      <a:pPr marL="0" marR="0" indent="0" algn="ctr" defTabSz="914400" rtl="0" eaLnBrk="1" fontAlgn="auto" latinLnBrk="0" hangingPunct="1">
+                        <a:lnSpc>
+                          <a:spcPct val="100000"/>
+                        </a:lnSpc>
+                        <a:spcBef>
+                          <a:spcPts val="0"/>
+                        </a:spcBef>
+                        <a:spcAft>
+                          <a:spcPts val="0"/>
+                        </a:spcAft>
+                        <a:buClrTx/>
+                        <a:buSzTx/>
+                        <a:buFontTx/>
+                        <a:buNone/>
+                        <a:tabLst/>
+                        <a:defRPr/>
+                      </a:pPr>
+                      <a:r>
+                        <a:rPr lang="zh-CN" altLang="en-US" dirty="0">
+                          <a:latin typeface="Times New Roman" panose="02020603050405020304" pitchFamily="18" charset="0"/>
+                          <a:ea typeface="標楷體" panose="03000509000000000000" pitchFamily="65" charset="-120"/>
+                          <a:cs typeface="Times New Roman" panose="02020603050405020304" pitchFamily="18" charset="0"/>
+                        </a:rPr>
+                        <a:t>邊緣</a:t>
+                      </a:r>
+                      <a:endParaRPr lang="zh-TW" altLang="en-US" dirty="0">
+                        <a:latin typeface="Times New Roman" panose="02020603050405020304" pitchFamily="18" charset="0"/>
+                        <a:ea typeface="標楷體" panose="03000509000000000000" pitchFamily="65" charset="-120"/>
+                        <a:cs typeface="Times New Roman" panose="02020603050405020304" pitchFamily="18" charset="0"/>
+                      </a:endParaRPr>
+                    </a:p>
+                  </a:txBody>
+                  <a:tcPr anchor="ctr"/>
+                </a:tc>
+                <a:tc>
+                  <a:txBody>
+                    <a:bodyPr/>
+                    <a:lstStyle/>
+                    <a:p>
+                      <a:pPr marL="0" marR="0" indent="0" algn="ctr" defTabSz="914400" rtl="0" eaLnBrk="1" fontAlgn="auto" latinLnBrk="0" hangingPunct="1">
+                        <a:lnSpc>
+                          <a:spcPct val="100000"/>
+                        </a:lnSpc>
+                        <a:spcBef>
+                          <a:spcPts val="0"/>
+                        </a:spcBef>
+                        <a:spcAft>
+                          <a:spcPts val="0"/>
+                        </a:spcAft>
+                        <a:buClrTx/>
+                        <a:buSzTx/>
+                        <a:buFontTx/>
+                        <a:buNone/>
+                        <a:tabLst/>
+                        <a:defRPr/>
+                      </a:pPr>
+                      <a:r>
+                        <a:rPr lang="en-US" altLang="zh-CN" dirty="0">
+                          <a:latin typeface="Times New Roman" panose="02020603050405020304" pitchFamily="18" charset="0"/>
+                          <a:ea typeface="標楷體" panose="03000509000000000000" pitchFamily="65" charset="-120"/>
+                          <a:cs typeface="Times New Roman" panose="02020603050405020304" pitchFamily="18" charset="0"/>
+                        </a:rPr>
+                        <a:t>1/4</a:t>
+                      </a:r>
+                      <a:endParaRPr lang="zh-TW" altLang="en-US" dirty="0">
+                        <a:latin typeface="Times New Roman" panose="02020603050405020304" pitchFamily="18" charset="0"/>
+                        <a:ea typeface="標楷體" panose="03000509000000000000" pitchFamily="65" charset="-120"/>
+                        <a:cs typeface="Times New Roman" panose="02020603050405020304" pitchFamily="18" charset="0"/>
+                      </a:endParaRPr>
+                    </a:p>
+                  </a:txBody>
+                  <a:tcPr anchor="ctr"/>
+                </a:tc>
+                <a:tc>
+                  <a:txBody>
+                    <a:bodyPr/>
+                    <a:lstStyle/>
+                    <a:p>
+                      <a:pPr marL="0" marR="0" indent="0" algn="ctr" defTabSz="914400" rtl="0" eaLnBrk="1" fontAlgn="auto" latinLnBrk="0" hangingPunct="1">
+                        <a:lnSpc>
+                          <a:spcPct val="100000"/>
+                        </a:lnSpc>
+                        <a:spcBef>
+                          <a:spcPts val="0"/>
+                        </a:spcBef>
+                        <a:spcAft>
+                          <a:spcPts val="0"/>
+                        </a:spcAft>
+                        <a:buClrTx/>
+                        <a:buSzTx/>
+                        <a:buFontTx/>
+                        <a:buNone/>
+                        <a:tabLst/>
+                        <a:defRPr/>
+                      </a:pPr>
+                      <a:r>
+                        <a:rPr lang="zh-CN" altLang="en-US" dirty="0">
+                          <a:latin typeface="Times New Roman" panose="02020603050405020304" pitchFamily="18" charset="0"/>
+                          <a:ea typeface="標楷體" panose="03000509000000000000" pitchFamily="65" charset="-120"/>
+                          <a:cs typeface="Times New Roman" panose="02020603050405020304" pitchFamily="18" charset="0"/>
+                        </a:rPr>
+                        <a:t>中心 </a:t>
+                      </a:r>
+                      <a:endParaRPr lang="zh-TW" altLang="en-US" dirty="0">
+                        <a:latin typeface="Times New Roman" panose="02020603050405020304" pitchFamily="18" charset="0"/>
+                        <a:ea typeface="標楷體" panose="03000509000000000000" pitchFamily="65" charset="-120"/>
+                        <a:cs typeface="Times New Roman" panose="02020603050405020304" pitchFamily="18" charset="0"/>
+                      </a:endParaRPr>
+                    </a:p>
+                  </a:txBody>
+                  <a:tcPr anchor="ctr"/>
+                </a:tc>
+                <a:extLst>
+                  <a:ext uri="{0D108BD9-81ED-4DB2-BD59-A6C34878D82A}">
+                    <a16:rowId xmlns:a16="http://schemas.microsoft.com/office/drawing/2014/main" val="10001"/>
+                  </a:ext>
+                </a:extLst>
+              </a:tr>
+              <a:tr h="2678087">
+                <a:tc>
+                  <a:txBody>
+                    <a:bodyPr/>
+                    <a:lstStyle/>
+                    <a:p>
+                      <a:pPr marL="0" marR="0" indent="0" algn="ctr" defTabSz="914400" rtl="0" eaLnBrk="1" fontAlgn="auto" latinLnBrk="0" hangingPunct="1">
+                        <a:lnSpc>
+                          <a:spcPct val="100000"/>
+                        </a:lnSpc>
+                        <a:spcBef>
+                          <a:spcPts val="0"/>
+                        </a:spcBef>
+                        <a:spcAft>
+                          <a:spcPts val="0"/>
+                        </a:spcAft>
+                        <a:buClrTx/>
+                        <a:buSzTx/>
+                        <a:buFontTx/>
+                        <a:buNone/>
+                        <a:tabLst/>
+                        <a:defRPr/>
+                      </a:pPr>
+                      <a:r>
+                        <a:rPr lang="zh-CN" altLang="en-US" dirty="0">
+                          <a:latin typeface="Times New Roman" panose="02020603050405020304" pitchFamily="18" charset="0"/>
+                          <a:ea typeface="標楷體" panose="03000509000000000000" pitchFamily="65" charset="-120"/>
+                          <a:cs typeface="Times New Roman" panose="02020603050405020304" pitchFamily="18" charset="0"/>
+                        </a:rPr>
+                        <a:t>上表面</a:t>
+                      </a:r>
+                      <a:endParaRPr lang="zh-TW" altLang="en-US" dirty="0">
+                        <a:latin typeface="Times New Roman" panose="02020603050405020304" pitchFamily="18" charset="0"/>
+                        <a:ea typeface="標楷體" panose="03000509000000000000" pitchFamily="65" charset="-120"/>
+                        <a:cs typeface="Times New Roman" panose="02020603050405020304" pitchFamily="18" charset="0"/>
+                      </a:endParaRPr>
+                    </a:p>
+                  </a:txBody>
+                  <a:tcPr anchor="ctr"/>
+                </a:tc>
+                <a:tc>
+                  <a:txBody>
+                    <a:bodyPr/>
+                    <a:lstStyle/>
+                    <a:p>
+                      <a:pPr marL="0" marR="0" indent="0" algn="ctr" defTabSz="914400" rtl="0" eaLnBrk="1" fontAlgn="auto" latinLnBrk="0" hangingPunct="1">
+                        <a:lnSpc>
+                          <a:spcPct val="100000"/>
+                        </a:lnSpc>
+                        <a:spcBef>
+                          <a:spcPts val="0"/>
+                        </a:spcBef>
+                        <a:spcAft>
+                          <a:spcPts val="0"/>
+                        </a:spcAft>
+                        <a:buClrTx/>
+                        <a:buSzTx/>
+                        <a:buFontTx/>
+                        <a:buNone/>
+                        <a:tabLst/>
+                        <a:defRPr/>
+                      </a:pPr>
+                      <a:r>
+                        <a:rPr lang="zh-CN" altLang="en-US" dirty="0">
+                          <a:latin typeface="Times New Roman" panose="02020603050405020304" pitchFamily="18" charset="0"/>
+                          <a:ea typeface="標楷體" panose="03000509000000000000" pitchFamily="65" charset="-120"/>
+                          <a:cs typeface="Times New Roman" panose="02020603050405020304" pitchFamily="18" charset="0"/>
+                        </a:rPr>
+                        <a:t>照片</a:t>
+                      </a:r>
+                      <a:endParaRPr lang="zh-TW" altLang="en-US" dirty="0">
+                        <a:latin typeface="Times New Roman" panose="02020603050405020304" pitchFamily="18" charset="0"/>
+                        <a:ea typeface="標楷體" panose="03000509000000000000" pitchFamily="65" charset="-120"/>
+                        <a:cs typeface="Times New Roman" panose="02020603050405020304" pitchFamily="18" charset="0"/>
+                      </a:endParaRPr>
+                    </a:p>
+                  </a:txBody>
+                  <a:tcPr anchor="ctr"/>
+                </a:tc>
+                <a:tc>
+                  <a:txBody>
+                    <a:bodyPr/>
+                    <a:lstStyle/>
+                    <a:p>
+                      <a:pPr algn="ctr"/>
+                      <a:endParaRPr lang="en-US" altLang="zh-TW" dirty="0">
+                        <a:latin typeface="Times New Roman" panose="02020603050405020304" pitchFamily="18" charset="0"/>
+                        <a:ea typeface="標楷體" panose="03000509000000000000" pitchFamily="65" charset="-120"/>
+                        <a:cs typeface="Times New Roman" panose="02020603050405020304" pitchFamily="18" charset="0"/>
+                      </a:endParaRPr>
+                    </a:p>
+                    <a:p>
+                      <a:pPr algn="ctr"/>
+                      <a:endParaRPr lang="zh-TW" altLang="en-US" dirty="0">
+                        <a:latin typeface="Times New Roman" panose="02020603050405020304" pitchFamily="18" charset="0"/>
+                        <a:ea typeface="標楷體" panose="03000509000000000000" pitchFamily="65" charset="-120"/>
+                        <a:cs typeface="Times New Roman" panose="02020603050405020304" pitchFamily="18" charset="0"/>
+                      </a:endParaRPr>
+                    </a:p>
+                  </a:txBody>
+                  <a:tcPr anchor="ctr"/>
+                </a:tc>
+                <a:tc>
+                  <a:txBody>
+                    <a:bodyPr/>
+                    <a:lstStyle/>
+                    <a:p>
+                      <a:pPr algn="ctr"/>
+                      <a:endParaRPr lang="zh-TW" altLang="en-US" dirty="0">
+                        <a:latin typeface="Times New Roman" panose="02020603050405020304" pitchFamily="18" charset="0"/>
+                        <a:ea typeface="標楷體" panose="03000509000000000000" pitchFamily="65" charset="-120"/>
+                        <a:cs typeface="Times New Roman" panose="02020603050405020304" pitchFamily="18" charset="0"/>
+                      </a:endParaRPr>
+                    </a:p>
+                  </a:txBody>
+                  <a:tcPr anchor="ctr"/>
+                </a:tc>
+                <a:tc>
+                  <a:txBody>
+                    <a:bodyPr/>
+                    <a:lstStyle/>
+                    <a:p>
+                      <a:pPr algn="ctr"/>
+                      <a:endParaRPr lang="zh-TW" altLang="en-US" dirty="0">
+                        <a:latin typeface="Times New Roman" panose="02020603050405020304" pitchFamily="18" charset="0"/>
+                        <a:ea typeface="標楷體" panose="03000509000000000000" pitchFamily="65" charset="-120"/>
+                        <a:cs typeface="Times New Roman" panose="02020603050405020304" pitchFamily="18" charset="0"/>
+                      </a:endParaRPr>
+                    </a:p>
+                  </a:txBody>
+                  <a:tcPr anchor="ctr"/>
+                </a:tc>
+                <a:extLst>
+                  <a:ext uri="{0D108BD9-81ED-4DB2-BD59-A6C34878D82A}">
+                    <a16:rowId xmlns:a16="http://schemas.microsoft.com/office/drawing/2014/main" val="10002"/>
+                  </a:ext>
+                </a:extLst>
+              </a:tr>
+              <a:tr h="2687100">
+                <a:tc>
+                  <a:txBody>
+                    <a:bodyPr/>
+                    <a:lstStyle/>
+                    <a:p>
+                      <a:pPr marL="0" marR="0" indent="0" algn="ctr" defTabSz="914400" rtl="0" eaLnBrk="1" fontAlgn="auto" latinLnBrk="0" hangingPunct="1">
+                        <a:lnSpc>
+                          <a:spcPct val="100000"/>
+                        </a:lnSpc>
+                        <a:spcBef>
+                          <a:spcPts val="0"/>
+                        </a:spcBef>
+                        <a:spcAft>
+                          <a:spcPts val="0"/>
+                        </a:spcAft>
+                        <a:buClrTx/>
+                        <a:buSzTx/>
+                        <a:buFontTx/>
+                        <a:buNone/>
+                        <a:tabLst/>
+                        <a:defRPr/>
+                      </a:pPr>
+                      <a:r>
+                        <a:rPr lang="zh-CN" altLang="en-US" dirty="0">
+                          <a:latin typeface="Times New Roman" panose="02020603050405020304" pitchFamily="18" charset="0"/>
+                          <a:ea typeface="標楷體" panose="03000509000000000000" pitchFamily="65" charset="-120"/>
+                          <a:cs typeface="Times New Roman" panose="02020603050405020304" pitchFamily="18" charset="0"/>
+                        </a:rPr>
+                        <a:t>下表面</a:t>
+                      </a:r>
+                      <a:endParaRPr lang="zh-TW" altLang="en-US" dirty="0">
+                        <a:latin typeface="Times New Roman" panose="02020603050405020304" pitchFamily="18" charset="0"/>
+                        <a:ea typeface="標楷體" panose="03000509000000000000" pitchFamily="65" charset="-120"/>
+                        <a:cs typeface="Times New Roman" panose="02020603050405020304" pitchFamily="18" charset="0"/>
+                      </a:endParaRPr>
+                    </a:p>
+                  </a:txBody>
+                  <a:tcPr anchor="ctr"/>
+                </a:tc>
+                <a:tc>
+                  <a:txBody>
+                    <a:bodyPr/>
+                    <a:lstStyle/>
+                    <a:p>
+                      <a:pPr marL="0" marR="0" indent="0" algn="ctr" defTabSz="914400" rtl="0" eaLnBrk="1" fontAlgn="auto" latinLnBrk="0" hangingPunct="1">
+                        <a:lnSpc>
+                          <a:spcPct val="100000"/>
+                        </a:lnSpc>
+                        <a:spcBef>
+                          <a:spcPts val="0"/>
+                        </a:spcBef>
+                        <a:spcAft>
+                          <a:spcPts val="0"/>
+                        </a:spcAft>
+                        <a:buClrTx/>
+                        <a:buSzTx/>
+                        <a:buFontTx/>
+                        <a:buNone/>
+                        <a:tabLst/>
+                        <a:defRPr/>
+                      </a:pPr>
+                      <a:r>
+                        <a:rPr lang="zh-CN" altLang="en-US" dirty="0">
+                          <a:latin typeface="Times New Roman" panose="02020603050405020304" pitchFamily="18" charset="0"/>
+                          <a:ea typeface="標楷體" panose="03000509000000000000" pitchFamily="65" charset="-120"/>
+                          <a:cs typeface="Times New Roman" panose="02020603050405020304" pitchFamily="18" charset="0"/>
+                        </a:rPr>
+                        <a:t>照片</a:t>
+                      </a:r>
+                      <a:endParaRPr lang="zh-TW" altLang="en-US" dirty="0">
+                        <a:latin typeface="Times New Roman" panose="02020603050405020304" pitchFamily="18" charset="0"/>
+                        <a:ea typeface="標楷體" panose="03000509000000000000" pitchFamily="65" charset="-120"/>
+                        <a:cs typeface="Times New Roman" panose="02020603050405020304" pitchFamily="18" charset="0"/>
+                      </a:endParaRPr>
+                    </a:p>
+                  </a:txBody>
+                  <a:tcPr anchor="ctr"/>
+                </a:tc>
+                <a:tc>
+                  <a:txBody>
+                    <a:bodyPr/>
+                    <a:lstStyle/>
+                    <a:p>
+                      <a:pPr marL="0" marR="0" indent="0" algn="ctr" defTabSz="914400" rtl="0" eaLnBrk="1" fontAlgn="auto" latinLnBrk="0" hangingPunct="1">
+                        <a:lnSpc>
+                          <a:spcPct val="100000"/>
+                        </a:lnSpc>
+                        <a:spcBef>
+                          <a:spcPts val="0"/>
+                        </a:spcBef>
+                        <a:spcAft>
+                          <a:spcPts val="0"/>
+                        </a:spcAft>
+                        <a:buClrTx/>
+                        <a:buSzTx/>
+                        <a:buFontTx/>
+                        <a:buNone/>
+                        <a:tabLst/>
+                        <a:defRPr/>
+                      </a:pPr>
+                      <a:endParaRPr lang="en-US" altLang="zh-TW" dirty="0">
+                        <a:latin typeface="Times New Roman" panose="02020603050405020304" pitchFamily="18" charset="0"/>
+                        <a:ea typeface="標楷體" panose="03000509000000000000" pitchFamily="65" charset="-120"/>
+                        <a:cs typeface="Times New Roman" panose="02020603050405020304" pitchFamily="18" charset="0"/>
+                      </a:endParaRPr>
+                    </a:p>
+                    <a:p>
+                      <a:pPr marL="0" marR="0" indent="0" algn="ctr" defTabSz="914400" rtl="0" eaLnBrk="1" fontAlgn="auto" latinLnBrk="0" hangingPunct="1">
+                        <a:lnSpc>
+                          <a:spcPct val="100000"/>
+                        </a:lnSpc>
+                        <a:spcBef>
+                          <a:spcPts val="0"/>
+                        </a:spcBef>
+                        <a:spcAft>
+                          <a:spcPts val="0"/>
+                        </a:spcAft>
+                        <a:buClrTx/>
+                        <a:buSzTx/>
+                        <a:buFontTx/>
+                        <a:buNone/>
+                        <a:tabLst/>
+                        <a:defRPr/>
+                      </a:pPr>
+                      <a:endParaRPr lang="en-US" altLang="zh-TW" dirty="0">
+                        <a:latin typeface="Times New Roman" panose="02020603050405020304" pitchFamily="18" charset="0"/>
+                        <a:ea typeface="標楷體" panose="03000509000000000000" pitchFamily="65" charset="-120"/>
+                        <a:cs typeface="Times New Roman" panose="02020603050405020304" pitchFamily="18" charset="0"/>
+                      </a:endParaRPr>
+                    </a:p>
+                    <a:p>
+                      <a:pPr marL="0" marR="0" indent="0" algn="ctr" defTabSz="914400" rtl="0" eaLnBrk="1" fontAlgn="auto" latinLnBrk="0" hangingPunct="1">
+                        <a:lnSpc>
+                          <a:spcPct val="100000"/>
+                        </a:lnSpc>
+                        <a:spcBef>
+                          <a:spcPts val="0"/>
+                        </a:spcBef>
+                        <a:spcAft>
+                          <a:spcPts val="0"/>
+                        </a:spcAft>
+                        <a:buClrTx/>
+                        <a:buSzTx/>
+                        <a:buFontTx/>
+                        <a:buNone/>
+                        <a:tabLst/>
+                        <a:defRPr/>
+                      </a:pPr>
+                      <a:endParaRPr lang="zh-TW" altLang="en-US" dirty="0">
+                        <a:latin typeface="Times New Roman" panose="02020603050405020304" pitchFamily="18" charset="0"/>
+                        <a:ea typeface="標楷體" panose="03000509000000000000" pitchFamily="65" charset="-120"/>
+                        <a:cs typeface="Times New Roman" panose="02020603050405020304" pitchFamily="18" charset="0"/>
+                      </a:endParaRPr>
+                    </a:p>
+                  </a:txBody>
+                  <a:tcPr anchor="ctr"/>
+                </a:tc>
+                <a:tc>
+                  <a:txBody>
+                    <a:bodyPr/>
+                    <a:lstStyle/>
+                    <a:p>
+                      <a:pPr marL="0" marR="0" indent="0" algn="ctr" defTabSz="914400" rtl="0" eaLnBrk="1" fontAlgn="auto" latinLnBrk="0" hangingPunct="1">
+                        <a:lnSpc>
+                          <a:spcPct val="100000"/>
+                        </a:lnSpc>
+                        <a:spcBef>
+                          <a:spcPts val="0"/>
+                        </a:spcBef>
+                        <a:spcAft>
+                          <a:spcPts val="0"/>
+                        </a:spcAft>
+                        <a:buClrTx/>
+                        <a:buSzTx/>
+                        <a:buFontTx/>
+                        <a:buNone/>
+                        <a:tabLst/>
+                        <a:defRPr/>
+                      </a:pPr>
+                      <a:endParaRPr lang="zh-TW" altLang="en-US" dirty="0">
+                        <a:latin typeface="Times New Roman" panose="02020603050405020304" pitchFamily="18" charset="0"/>
+                        <a:ea typeface="標楷體" panose="03000509000000000000" pitchFamily="65" charset="-120"/>
+                        <a:cs typeface="Times New Roman" panose="02020603050405020304" pitchFamily="18" charset="0"/>
+                      </a:endParaRPr>
+                    </a:p>
+                  </a:txBody>
+                  <a:tcPr anchor="ctr"/>
+                </a:tc>
+                <a:tc>
+                  <a:txBody>
+                    <a:bodyPr/>
+                    <a:lstStyle/>
+                    <a:p>
+                      <a:pPr marL="0" marR="0" indent="0" algn="ctr" defTabSz="914400" rtl="0" eaLnBrk="1" fontAlgn="auto" latinLnBrk="0" hangingPunct="1">
+                        <a:lnSpc>
+                          <a:spcPct val="100000"/>
+                        </a:lnSpc>
+                        <a:spcBef>
+                          <a:spcPts val="0"/>
+                        </a:spcBef>
+                        <a:spcAft>
+                          <a:spcPts val="0"/>
+                        </a:spcAft>
+                        <a:buClrTx/>
+                        <a:buSzTx/>
+                        <a:buFontTx/>
+                        <a:buNone/>
+                        <a:tabLst/>
+                        <a:defRPr/>
+                      </a:pPr>
+                      <a:endParaRPr lang="zh-TW" altLang="en-US" dirty="0">
+                        <a:latin typeface="Times New Roman" panose="02020603050405020304" pitchFamily="18" charset="0"/>
+                        <a:ea typeface="標楷體" panose="03000509000000000000" pitchFamily="65" charset="-120"/>
+                        <a:cs typeface="Times New Roman" panose="02020603050405020304" pitchFamily="18" charset="0"/>
+                      </a:endParaRPr>
+                    </a:p>
+                  </a:txBody>
+                  <a:tcPr anchor="ctr"/>
+                </a:tc>
+                <a:extLst>
+                  <a:ext uri="{0D108BD9-81ED-4DB2-BD59-A6C34878D82A}">
+                    <a16:rowId xmlns:a16="http://schemas.microsoft.com/office/drawing/2014/main" val="10005"/>
+                  </a:ext>
+                </a:extLst>
+              </a:tr>
+            </a:tbl>
+          </a:graphicData>
+        </a:graphic>
+      </p:graphicFrame>
+    </p:spTree>
+    <p:extLst>
+      <p:ext uri="{BB962C8B-B14F-4D97-AF65-F5344CB8AC3E}">
+        <p14:creationId xmlns:p14="http://schemas.microsoft.com/office/powerpoint/2010/main" val="1212513190"/>
       </p:ext>
     </p:extLst>
   </p:cSld>

--- a/KnowledgeSystem/AppResources/403_03_SurfaceRustHealth.pptx
+++ b/KnowledgeSystem/AppResources/403_03_SurfaceRustHealth.pptx
@@ -8,12 +8,12 @@
     <p:notesMasterId r:id="rId8"/>
   </p:notesMasterIdLst>
   <p:sldIdLst>
-    <p:sldId id="269" r:id="rId2"/>
-    <p:sldId id="275" r:id="rId3"/>
+    <p:sldId id="274" r:id="rId2"/>
+    <p:sldId id="269" r:id="rId3"/>
     <p:sldId id="273" r:id="rId4"/>
-    <p:sldId id="276" r:id="rId5"/>
-    <p:sldId id="274" r:id="rId6"/>
-    <p:sldId id="277" r:id="rId7"/>
+    <p:sldId id="277" r:id="rId5"/>
+    <p:sldId id="278" r:id="rId6"/>
+    <p:sldId id="279" r:id="rId7"/>
   </p:sldIdLst>
   <p:sldSz cx="12192000" cy="6858000"/>
   <p:notesSz cx="6858000" cy="9144000"/>
@@ -202,7 +202,7 @@
           <a:p>
             <a:fld id="{1C940E6E-64BF-49C8-A610-7930AC81B279}" type="datetimeFigureOut">
               <a:rPr lang="en-US" smtClean="0"/>
-              <a:t>2025/05/17</a:t>
+              <a:t>2025/05/22</a:t>
             </a:fld>
             <a:endParaRPr lang="en-US"/>
           </a:p>
@@ -525,7 +525,7 @@
     </p:spTree>
     <p:extLst>
       <p:ext uri="{BB962C8B-B14F-4D97-AF65-F5344CB8AC3E}">
-        <p14:creationId xmlns:p14="http://schemas.microsoft.com/office/powerpoint/2010/main" val="2813935764"/>
+        <p14:creationId xmlns:p14="http://schemas.microsoft.com/office/powerpoint/2010/main" val="1444729550"/>
       </p:ext>
     </p:extLst>
   </p:cSld>
@@ -591,7 +591,7 @@
     </p:spTree>
     <p:extLst>
       <p:ext uri="{BB962C8B-B14F-4D97-AF65-F5344CB8AC3E}">
-        <p14:creationId xmlns:p14="http://schemas.microsoft.com/office/powerpoint/2010/main" val="2662781293"/>
+        <p14:creationId xmlns:p14="http://schemas.microsoft.com/office/powerpoint/2010/main" val="2813935764"/>
       </p:ext>
     </p:extLst>
   </p:cSld>
@@ -723,7 +723,7 @@
     </p:spTree>
     <p:extLst>
       <p:ext uri="{BB962C8B-B14F-4D97-AF65-F5344CB8AC3E}">
-        <p14:creationId xmlns:p14="http://schemas.microsoft.com/office/powerpoint/2010/main" val="454133062"/>
+        <p14:creationId xmlns:p14="http://schemas.microsoft.com/office/powerpoint/2010/main" val="2517935655"/>
       </p:ext>
     </p:extLst>
   </p:cSld>
@@ -789,7 +789,7 @@
     </p:spTree>
     <p:extLst>
       <p:ext uri="{BB962C8B-B14F-4D97-AF65-F5344CB8AC3E}">
-        <p14:creationId xmlns:p14="http://schemas.microsoft.com/office/powerpoint/2010/main" val="1444729550"/>
+        <p14:creationId xmlns:p14="http://schemas.microsoft.com/office/powerpoint/2010/main" val="348799873"/>
       </p:ext>
     </p:extLst>
   </p:cSld>
@@ -855,7 +855,7 @@
     </p:spTree>
     <p:extLst>
       <p:ext uri="{BB962C8B-B14F-4D97-AF65-F5344CB8AC3E}">
-        <p14:creationId xmlns:p14="http://schemas.microsoft.com/office/powerpoint/2010/main" val="2517935655"/>
+        <p14:creationId xmlns:p14="http://schemas.microsoft.com/office/powerpoint/2010/main" val="4293506734"/>
       </p:ext>
     </p:extLst>
   </p:cSld>
@@ -1012,7 +1012,7 @@
           <a:p>
             <a:fld id="{06215139-CAC5-4AD9-98A4-100E1C427056}" type="datetimeFigureOut">
               <a:rPr lang="en-US" smtClean="0"/>
-              <a:t>2025/05/17</a:t>
+              <a:t>2025/05/22</a:t>
             </a:fld>
             <a:endParaRPr lang="en-US"/>
           </a:p>
@@ -1210,7 +1210,7 @@
           <a:p>
             <a:fld id="{06215139-CAC5-4AD9-98A4-100E1C427056}" type="datetimeFigureOut">
               <a:rPr lang="en-US" smtClean="0"/>
-              <a:t>2025/05/17</a:t>
+              <a:t>2025/05/22</a:t>
             </a:fld>
             <a:endParaRPr lang="en-US"/>
           </a:p>
@@ -1418,7 +1418,7 @@
           <a:p>
             <a:fld id="{06215139-CAC5-4AD9-98A4-100E1C427056}" type="datetimeFigureOut">
               <a:rPr lang="en-US" smtClean="0"/>
-              <a:t>2025/05/17</a:t>
+              <a:t>2025/05/22</a:t>
             </a:fld>
             <a:endParaRPr lang="en-US"/>
           </a:p>
@@ -1616,7 +1616,7 @@
           <a:p>
             <a:fld id="{06215139-CAC5-4AD9-98A4-100E1C427056}" type="datetimeFigureOut">
               <a:rPr lang="en-US" smtClean="0"/>
-              <a:t>2025/05/17</a:t>
+              <a:t>2025/05/22</a:t>
             </a:fld>
             <a:endParaRPr lang="en-US"/>
           </a:p>
@@ -1891,7 +1891,7 @@
           <a:p>
             <a:fld id="{06215139-CAC5-4AD9-98A4-100E1C427056}" type="datetimeFigureOut">
               <a:rPr lang="en-US" smtClean="0"/>
-              <a:t>2025/05/17</a:t>
+              <a:t>2025/05/22</a:t>
             </a:fld>
             <a:endParaRPr lang="en-US"/>
           </a:p>
@@ -2156,7 +2156,7 @@
           <a:p>
             <a:fld id="{06215139-CAC5-4AD9-98A4-100E1C427056}" type="datetimeFigureOut">
               <a:rPr lang="en-US" smtClean="0"/>
-              <a:t>2025/05/17</a:t>
+              <a:t>2025/05/22</a:t>
             </a:fld>
             <a:endParaRPr lang="en-US"/>
           </a:p>
@@ -2568,7 +2568,7 @@
           <a:p>
             <a:fld id="{06215139-CAC5-4AD9-98A4-100E1C427056}" type="datetimeFigureOut">
               <a:rPr lang="en-US" smtClean="0"/>
-              <a:t>2025/05/17</a:t>
+              <a:t>2025/05/22</a:t>
             </a:fld>
             <a:endParaRPr lang="en-US"/>
           </a:p>
@@ -2709,7 +2709,7 @@
           <a:p>
             <a:fld id="{06215139-CAC5-4AD9-98A4-100E1C427056}" type="datetimeFigureOut">
               <a:rPr lang="en-US" smtClean="0"/>
-              <a:t>2025/05/17</a:t>
+              <a:t>2025/05/22</a:t>
             </a:fld>
             <a:endParaRPr lang="en-US"/>
           </a:p>
@@ -2822,7 +2822,7 @@
           <a:p>
             <a:fld id="{06215139-CAC5-4AD9-98A4-100E1C427056}" type="datetimeFigureOut">
               <a:rPr lang="en-US" smtClean="0"/>
-              <a:t>2025/05/17</a:t>
+              <a:t>2025/05/22</a:t>
             </a:fld>
             <a:endParaRPr lang="en-US"/>
           </a:p>
@@ -3133,7 +3133,7 @@
           <a:p>
             <a:fld id="{06215139-CAC5-4AD9-98A4-100E1C427056}" type="datetimeFigureOut">
               <a:rPr lang="en-US" smtClean="0"/>
-              <a:t>2025/05/17</a:t>
+              <a:t>2025/05/22</a:t>
             </a:fld>
             <a:endParaRPr lang="en-US"/>
           </a:p>
@@ -3421,7 +3421,7 @@
           <a:p>
             <a:fld id="{06215139-CAC5-4AD9-98A4-100E1C427056}" type="datetimeFigureOut">
               <a:rPr lang="en-US" smtClean="0"/>
-              <a:t>2025/05/17</a:t>
+              <a:t>2025/05/22</a:t>
             </a:fld>
             <a:endParaRPr lang="en-US"/>
           </a:p>
@@ -3662,7 +3662,7 @@
           <a:p>
             <a:fld id="{06215139-CAC5-4AD9-98A4-100E1C427056}" type="datetimeFigureOut">
               <a:rPr lang="en-US" smtClean="0"/>
-              <a:t>2025/05/17</a:t>
+              <a:t>2025/05/22</a:t>
             </a:fld>
             <a:endParaRPr lang="en-US"/>
           </a:p>
@@ -4228,14 +4228,14 @@
           <p:nvPr>
             <p:extLst>
               <p:ext uri="{D42A27DB-BD31-4B8C-83A1-F6EECF244321}">
-                <p14:modId xmlns:p14="http://schemas.microsoft.com/office/powerpoint/2010/main" val="2513225803"/>
+                <p14:modId xmlns:p14="http://schemas.microsoft.com/office/powerpoint/2010/main" val="392838083"/>
               </p:ext>
             </p:extLst>
           </p:nvPr>
         </p:nvGraphicFramePr>
         <p:xfrm>
-          <a:off x="29029" y="573948"/>
-          <a:ext cx="11887198" cy="6163047"/>
+          <a:off x="136609" y="573948"/>
+          <a:ext cx="11887201" cy="6163047"/>
         </p:xfrm>
         <a:graphic>
           <a:graphicData uri="http://schemas.openxmlformats.org/drawingml/2006/table">
@@ -4258,21 +4258,21 @@
                     </a:ext>
                   </a:extLst>
                 </a:gridCol>
-                <a:gridCol w="3425371">
+                <a:gridCol w="3425372">
                   <a:extLst>
                     <a:ext uri="{9D8B030D-6E8A-4147-A177-3AD203B41FA5}">
                       <a16:colId xmlns:a16="http://schemas.microsoft.com/office/drawing/2014/main" val="20002"/>
                     </a:ext>
                   </a:extLst>
                 </a:gridCol>
-                <a:gridCol w="3425371">
+                <a:gridCol w="3425372">
                   <a:extLst>
                     <a:ext uri="{9D8B030D-6E8A-4147-A177-3AD203B41FA5}">
                       <a16:colId xmlns:a16="http://schemas.microsoft.com/office/drawing/2014/main" val="20003"/>
                     </a:ext>
                   </a:extLst>
                 </a:gridCol>
-                <a:gridCol w="3425371">
+                <a:gridCol w="3425372">
                   <a:extLst>
                     <a:ext uri="{9D8B030D-6E8A-4147-A177-3AD203B41FA5}">
                       <a16:colId xmlns:a16="http://schemas.microsoft.com/office/drawing/2014/main" val="20004"/>
@@ -4321,36 +4321,20 @@
                     <a:p>
                       <a:pPr algn="ctr"/>
                       <a:r>
-                        <a:rPr lang="zh-CN" altLang="en-US" b="1" dirty="0">
-                          <a:latin typeface="Times New Roman" panose="02020603050405020304" pitchFamily="18" charset="0"/>
-                          <a:ea typeface="標楷體" panose="03000509000000000000" pitchFamily="65" charset="-120"/>
-                          <a:cs typeface="Times New Roman" panose="02020603050405020304" pitchFamily="18" charset="0"/>
-                        </a:rPr>
-                        <a:t>銹皮厚度</a:t>
-                      </a:r>
-                      <a:r>
-                        <a:rPr lang="zh-TW" altLang="en-US" b="1" dirty="0">
-                          <a:latin typeface="Times New Roman" panose="02020603050405020304" pitchFamily="18" charset="0"/>
-                          <a:ea typeface="標楷體" panose="03000509000000000000" pitchFamily="65" charset="-120"/>
-                          <a:cs typeface="Times New Roman" panose="02020603050405020304" pitchFamily="18" charset="0"/>
-                        </a:rPr>
-                        <a:t>量測</a:t>
-                      </a:r>
-                      <a:r>
-                        <a:rPr lang="zh-CN" altLang="en-US" b="1" dirty="0">
-                          <a:latin typeface="Times New Roman" panose="02020603050405020304" pitchFamily="18" charset="0"/>
-                          <a:ea typeface="標楷體" panose="03000509000000000000" pitchFamily="65" charset="-120"/>
-                          <a:cs typeface="Times New Roman" panose="02020603050405020304" pitchFamily="18" charset="0"/>
-                        </a:rPr>
-                        <a:t>及硬度</a:t>
-                      </a:r>
-                      <a:r>
-                        <a:rPr lang="zh-TW" altLang="en-US" b="1" dirty="0">
-                          <a:latin typeface="Times New Roman" panose="02020603050405020304" pitchFamily="18" charset="0"/>
-                          <a:ea typeface="標楷體" panose="03000509000000000000" pitchFamily="65" charset="-120"/>
-                          <a:cs typeface="Times New Roman" panose="02020603050405020304" pitchFamily="18" charset="0"/>
-                        </a:rPr>
-                        <a:t>試驗</a:t>
+                        <a:rPr lang="en-US" altLang="zh-CN" b="1">
+                          <a:latin typeface="Times New Roman" panose="02020603050405020304" pitchFamily="18" charset="0"/>
+                          <a:ea typeface="標楷體" panose="03000509000000000000" pitchFamily="65" charset="-120"/>
+                          <a:cs typeface="Times New Roman" panose="02020603050405020304" pitchFamily="18" charset="0"/>
+                        </a:rPr>
+                        <a:t>XRD</a:t>
+                      </a:r>
+                      <a:r>
+                        <a:rPr lang="zh-CN" altLang="en-US" b="1">
+                          <a:latin typeface="Times New Roman" panose="02020603050405020304" pitchFamily="18" charset="0"/>
+                          <a:ea typeface="標楷體" panose="03000509000000000000" pitchFamily="65" charset="-120"/>
+                          <a:cs typeface="Times New Roman" panose="02020603050405020304" pitchFamily="18" charset="0"/>
+                        </a:rPr>
+                        <a:t>表面分析</a:t>
                       </a:r>
                     </a:p>
                   </a:txBody>
@@ -4541,8 +4525,8 @@
                   </a:ext>
                 </a:extLst>
               </a:tr>
-              <a:tr h="1946567">
-                <a:tc rowSpan="3">
+              <a:tr h="2678087">
+                <a:tc>
                   <a:txBody>
                     <a:bodyPr/>
                     <a:lstStyle/>
@@ -4679,346 +4663,8 @@
                   </a:ext>
                 </a:extLst>
               </a:tr>
-              <a:tr h="365760">
-                <a:tc vMerge="1">
-                  <a:txBody>
-                    <a:bodyPr/>
-                    <a:lstStyle/>
-                    <a:p>
-                      <a:pPr marL="0" marR="0" indent="0" algn="ctr" defTabSz="914400" rtl="0" eaLnBrk="1" fontAlgn="auto" latinLnBrk="0" hangingPunct="1">
-                        <a:lnSpc>
-                          <a:spcPct val="100000"/>
-                        </a:lnSpc>
-                        <a:spcBef>
-                          <a:spcPts val="0"/>
-                        </a:spcBef>
-                        <a:spcAft>
-                          <a:spcPts val="0"/>
-                        </a:spcAft>
-                        <a:buClrTx/>
-                        <a:buSzTx/>
-                        <a:buFontTx/>
-                        <a:buNone/>
-                        <a:tabLst/>
-                        <a:defRPr/>
-                      </a:pPr>
-                      <a:endParaRPr lang="zh-TW" altLang="en-US" dirty="0">
-                        <a:latin typeface="Times New Roman" panose="02020603050405020304" pitchFamily="18" charset="0"/>
-                        <a:ea typeface="標楷體" panose="03000509000000000000" pitchFamily="65" charset="-120"/>
-                        <a:cs typeface="Times New Roman" panose="02020603050405020304" pitchFamily="18" charset="0"/>
-                      </a:endParaRPr>
-                    </a:p>
-                  </a:txBody>
-                  <a:tcPr anchor="ctr"/>
-                </a:tc>
-                <a:tc>
-                  <a:txBody>
-                    <a:bodyPr/>
-                    <a:lstStyle/>
-                    <a:p>
-                      <a:r>
-                        <a:rPr lang="zh-CN" altLang="en-US" dirty="0">
-                          <a:latin typeface="Times New Roman" panose="02020603050405020304" pitchFamily="18" charset="0"/>
-                          <a:ea typeface="標楷體" panose="03000509000000000000" pitchFamily="65" charset="-120"/>
-                          <a:cs typeface="Times New Roman" panose="02020603050405020304" pitchFamily="18" charset="0"/>
-                        </a:rPr>
-                        <a:t>厚度</a:t>
-                      </a:r>
-                      <a:r>
-                        <a:rPr lang="en-US" altLang="zh-CN" dirty="0">
-                          <a:latin typeface="Times New Roman" panose="02020603050405020304" pitchFamily="18" charset="0"/>
-                          <a:ea typeface="標楷體" panose="03000509000000000000" pitchFamily="65" charset="-120"/>
-                          <a:cs typeface="Times New Roman" panose="02020603050405020304" pitchFamily="18" charset="0"/>
-                        </a:rPr>
-                        <a:t>(</a:t>
-                      </a:r>
-                      <a:r>
-                        <a:rPr lang="en-US" altLang="zh-CN" dirty="0" err="1">
-                          <a:latin typeface="Times New Roman" panose="02020603050405020304" pitchFamily="18" charset="0"/>
-                          <a:ea typeface="標楷體" panose="03000509000000000000" pitchFamily="65" charset="-120"/>
-                          <a:cs typeface="Times New Roman" panose="02020603050405020304" pitchFamily="18" charset="0"/>
-                        </a:rPr>
-                        <a:t>μm</a:t>
-                      </a:r>
-                      <a:r>
-                        <a:rPr lang="en-US" altLang="zh-CN" dirty="0">
-                          <a:latin typeface="Times New Roman" panose="02020603050405020304" pitchFamily="18" charset="0"/>
-                          <a:ea typeface="標楷體" panose="03000509000000000000" pitchFamily="65" charset="-120"/>
-                          <a:cs typeface="Times New Roman" panose="02020603050405020304" pitchFamily="18" charset="0"/>
-                        </a:rPr>
-                        <a:t>)</a:t>
-                      </a:r>
-                      <a:endParaRPr lang="zh-TW" altLang="en-US" dirty="0">
-                        <a:latin typeface="Times New Roman" panose="02020603050405020304" pitchFamily="18" charset="0"/>
-                        <a:ea typeface="標楷體" panose="03000509000000000000" pitchFamily="65" charset="-120"/>
-                        <a:cs typeface="Times New Roman" panose="02020603050405020304" pitchFamily="18" charset="0"/>
-                      </a:endParaRPr>
-                    </a:p>
-                  </a:txBody>
-                  <a:tcPr anchor="ctr"/>
-                </a:tc>
-                <a:tc>
-                  <a:txBody>
-                    <a:bodyPr/>
-                    <a:lstStyle/>
-                    <a:p>
-                      <a:pPr marL="0" marR="0" indent="0" algn="ctr" defTabSz="914400" rtl="0" eaLnBrk="1" fontAlgn="auto" latinLnBrk="0" hangingPunct="1">
-                        <a:lnSpc>
-                          <a:spcPct val="100000"/>
-                        </a:lnSpc>
-                        <a:spcBef>
-                          <a:spcPts val="0"/>
-                        </a:spcBef>
-                        <a:spcAft>
-                          <a:spcPts val="0"/>
-                        </a:spcAft>
-                        <a:buClrTx/>
-                        <a:buSzTx/>
-                        <a:buFontTx/>
-                        <a:buNone/>
-                        <a:tabLst/>
-                        <a:defRPr/>
-                      </a:pPr>
-                      <a:r>
-                        <a:rPr lang="en-US" altLang="zh-CN">
-                          <a:latin typeface="Times New Roman" panose="02020603050405020304" pitchFamily="18" charset="0"/>
-                          <a:ea typeface="標楷體" panose="03000509000000000000" pitchFamily="65" charset="-120"/>
-                          <a:cs typeface="Times New Roman" panose="02020603050405020304" pitchFamily="18" charset="0"/>
-                        </a:rPr>
-                        <a:t>T0-1μm</a:t>
-                      </a:r>
-                      <a:endParaRPr lang="zh-TW" altLang="en-US" dirty="0">
-                        <a:latin typeface="Times New Roman" panose="02020603050405020304" pitchFamily="18" charset="0"/>
-                        <a:ea typeface="標楷體" panose="03000509000000000000" pitchFamily="65" charset="-120"/>
-                        <a:cs typeface="Times New Roman" panose="02020603050405020304" pitchFamily="18" charset="0"/>
-                      </a:endParaRPr>
-                    </a:p>
-                  </a:txBody>
-                  <a:tcPr anchor="ctr"/>
-                </a:tc>
-                <a:tc>
-                  <a:txBody>
-                    <a:bodyPr/>
-                    <a:lstStyle/>
-                    <a:p>
-                      <a:pPr marL="0" marR="0" indent="0" algn="ctr" defTabSz="914400" rtl="0" eaLnBrk="1" fontAlgn="auto" latinLnBrk="0" hangingPunct="1">
-                        <a:lnSpc>
-                          <a:spcPct val="100000"/>
-                        </a:lnSpc>
-                        <a:spcBef>
-                          <a:spcPts val="0"/>
-                        </a:spcBef>
-                        <a:spcAft>
-                          <a:spcPts val="0"/>
-                        </a:spcAft>
-                        <a:buClrTx/>
-                        <a:buSzTx/>
-                        <a:buFontTx/>
-                        <a:buNone/>
-                        <a:tabLst/>
-                        <a:defRPr/>
-                      </a:pPr>
-                      <a:r>
-                        <a:rPr lang="en-US" altLang="zh-CN">
-                          <a:latin typeface="Times New Roman" panose="02020603050405020304" pitchFamily="18" charset="0"/>
-                          <a:ea typeface="標楷體" panose="03000509000000000000" pitchFamily="65" charset="-120"/>
-                          <a:cs typeface="Times New Roman" panose="02020603050405020304" pitchFamily="18" charset="0"/>
-                        </a:rPr>
-                        <a:t>T1-1μm</a:t>
-                      </a:r>
-                      <a:endParaRPr lang="zh-TW" altLang="en-US" dirty="0">
-                        <a:latin typeface="Times New Roman" panose="02020603050405020304" pitchFamily="18" charset="0"/>
-                        <a:ea typeface="標楷體" panose="03000509000000000000" pitchFamily="65" charset="-120"/>
-                        <a:cs typeface="Times New Roman" panose="02020603050405020304" pitchFamily="18" charset="0"/>
-                      </a:endParaRPr>
-                    </a:p>
-                  </a:txBody>
-                  <a:tcPr anchor="ctr"/>
-                </a:tc>
-                <a:tc>
-                  <a:txBody>
-                    <a:bodyPr/>
-                    <a:lstStyle/>
-                    <a:p>
-                      <a:pPr marL="0" marR="0" indent="0" algn="ctr" defTabSz="914400" rtl="0" eaLnBrk="1" fontAlgn="auto" latinLnBrk="0" hangingPunct="1">
-                        <a:lnSpc>
-                          <a:spcPct val="100000"/>
-                        </a:lnSpc>
-                        <a:spcBef>
-                          <a:spcPts val="0"/>
-                        </a:spcBef>
-                        <a:spcAft>
-                          <a:spcPts val="0"/>
-                        </a:spcAft>
-                        <a:buClrTx/>
-                        <a:buSzTx/>
-                        <a:buFontTx/>
-                        <a:buNone/>
-                        <a:tabLst/>
-                        <a:defRPr/>
-                      </a:pPr>
-                      <a:r>
-                        <a:rPr lang="en-US" altLang="zh-CN">
-                          <a:latin typeface="Times New Roman" panose="02020603050405020304" pitchFamily="18" charset="0"/>
-                          <a:ea typeface="標楷體" panose="03000509000000000000" pitchFamily="65" charset="-120"/>
-                          <a:cs typeface="Times New Roman" panose="02020603050405020304" pitchFamily="18" charset="0"/>
-                        </a:rPr>
-                        <a:t>T2-1μm</a:t>
-                      </a:r>
-                      <a:endParaRPr lang="zh-TW" altLang="en-US" dirty="0">
-                        <a:latin typeface="Times New Roman" panose="02020603050405020304" pitchFamily="18" charset="0"/>
-                        <a:ea typeface="標楷體" panose="03000509000000000000" pitchFamily="65" charset="-120"/>
-                        <a:cs typeface="Times New Roman" panose="02020603050405020304" pitchFamily="18" charset="0"/>
-                      </a:endParaRPr>
-                    </a:p>
-                  </a:txBody>
-                  <a:tcPr anchor="ctr"/>
-                </a:tc>
-                <a:extLst>
-                  <a:ext uri="{0D108BD9-81ED-4DB2-BD59-A6C34878D82A}">
-                    <a16:rowId xmlns:a16="http://schemas.microsoft.com/office/drawing/2014/main" val="10003"/>
-                  </a:ext>
-                </a:extLst>
-              </a:tr>
-              <a:tr h="365760">
-                <a:tc vMerge="1">
-                  <a:txBody>
-                    <a:bodyPr/>
-                    <a:lstStyle/>
-                    <a:p>
-                      <a:pPr marL="0" marR="0" indent="0" algn="ctr" defTabSz="914400" rtl="0" eaLnBrk="1" fontAlgn="auto" latinLnBrk="0" hangingPunct="1">
-                        <a:lnSpc>
-                          <a:spcPct val="100000"/>
-                        </a:lnSpc>
-                        <a:spcBef>
-                          <a:spcPts val="0"/>
-                        </a:spcBef>
-                        <a:spcAft>
-                          <a:spcPts val="0"/>
-                        </a:spcAft>
-                        <a:buClrTx/>
-                        <a:buSzTx/>
-                        <a:buFontTx/>
-                        <a:buNone/>
-                        <a:tabLst/>
-                        <a:defRPr/>
-                      </a:pPr>
-                      <a:endParaRPr lang="zh-TW" altLang="en-US" dirty="0">
-                        <a:latin typeface="Times New Roman" panose="02020603050405020304" pitchFamily="18" charset="0"/>
-                        <a:ea typeface="標楷體" panose="03000509000000000000" pitchFamily="65" charset="-120"/>
-                        <a:cs typeface="Times New Roman" panose="02020603050405020304" pitchFamily="18" charset="0"/>
-                      </a:endParaRPr>
-                    </a:p>
-                  </a:txBody>
-                  <a:tcPr anchor="ctr"/>
-                </a:tc>
-                <a:tc>
-                  <a:txBody>
-                    <a:bodyPr/>
-                    <a:lstStyle/>
-                    <a:p>
-                      <a:r>
-                        <a:rPr lang="zh-CN" altLang="en-US" dirty="0">
-                          <a:latin typeface="Times New Roman" panose="02020603050405020304" pitchFamily="18" charset="0"/>
-                          <a:ea typeface="標楷體" panose="03000509000000000000" pitchFamily="65" charset="-120"/>
-                          <a:cs typeface="Times New Roman" panose="02020603050405020304" pitchFamily="18" charset="0"/>
-                        </a:rPr>
-                        <a:t>硬度</a:t>
-                      </a:r>
-                      <a:r>
-                        <a:rPr lang="en-US" altLang="zh-CN" dirty="0">
-                          <a:latin typeface="Times New Roman" panose="02020603050405020304" pitchFamily="18" charset="0"/>
-                          <a:ea typeface="標楷體" panose="03000509000000000000" pitchFamily="65" charset="-120"/>
-                          <a:cs typeface="Times New Roman" panose="02020603050405020304" pitchFamily="18" charset="0"/>
-                        </a:rPr>
-                        <a:t>(HV)</a:t>
-                      </a:r>
-                      <a:endParaRPr lang="zh-TW" altLang="en-US" dirty="0">
-                        <a:latin typeface="Times New Roman" panose="02020603050405020304" pitchFamily="18" charset="0"/>
-                        <a:ea typeface="標楷體" panose="03000509000000000000" pitchFamily="65" charset="-120"/>
-                        <a:cs typeface="Times New Roman" panose="02020603050405020304" pitchFamily="18" charset="0"/>
-                      </a:endParaRPr>
-                    </a:p>
-                  </a:txBody>
-                  <a:tcPr anchor="ctr"/>
-                </a:tc>
-                <a:tc>
-                  <a:txBody>
-                    <a:bodyPr/>
-                    <a:lstStyle/>
-                    <a:p>
-                      <a:pPr algn="ctr"/>
-                      <a:r>
-                        <a:rPr lang="en-US" altLang="zh-CN">
-                          <a:latin typeface="Times New Roman" panose="02020603050405020304" pitchFamily="18" charset="0"/>
-                          <a:ea typeface="標楷體" panose="03000509000000000000" pitchFamily="65" charset="-120"/>
-                          <a:cs typeface="Times New Roman" panose="02020603050405020304" pitchFamily="18" charset="0"/>
-                        </a:rPr>
-                        <a:t>T0-2</a:t>
-                      </a:r>
-                      <a:endParaRPr lang="zh-TW" altLang="en-US" dirty="0">
-                        <a:latin typeface="Times New Roman" panose="02020603050405020304" pitchFamily="18" charset="0"/>
-                        <a:ea typeface="標楷體" panose="03000509000000000000" pitchFamily="65" charset="-120"/>
-                        <a:cs typeface="Times New Roman" panose="02020603050405020304" pitchFamily="18" charset="0"/>
-                      </a:endParaRPr>
-                    </a:p>
-                  </a:txBody>
-                  <a:tcPr anchor="ctr"/>
-                </a:tc>
-                <a:tc>
-                  <a:txBody>
-                    <a:bodyPr/>
-                    <a:lstStyle/>
-                    <a:p>
-                      <a:pPr algn="ctr"/>
-                      <a:r>
-                        <a:rPr lang="en-US" altLang="zh-CN">
-                          <a:latin typeface="Times New Roman" panose="02020603050405020304" pitchFamily="18" charset="0"/>
-                          <a:ea typeface="標楷體" panose="03000509000000000000" pitchFamily="65" charset="-120"/>
-                          <a:cs typeface="Times New Roman" panose="02020603050405020304" pitchFamily="18" charset="0"/>
-                        </a:rPr>
-                        <a:t>T1-2</a:t>
-                      </a:r>
-                      <a:endParaRPr lang="zh-TW" altLang="en-US" dirty="0">
-                        <a:latin typeface="Times New Roman" panose="02020603050405020304" pitchFamily="18" charset="0"/>
-                        <a:ea typeface="標楷體" panose="03000509000000000000" pitchFamily="65" charset="-120"/>
-                        <a:cs typeface="Times New Roman" panose="02020603050405020304" pitchFamily="18" charset="0"/>
-                      </a:endParaRPr>
-                    </a:p>
-                  </a:txBody>
-                  <a:tcPr anchor="ctr"/>
-                </a:tc>
-                <a:tc>
-                  <a:txBody>
-                    <a:bodyPr/>
-                    <a:lstStyle/>
-                    <a:p>
-                      <a:pPr algn="ctr"/>
-                      <a:r>
-                        <a:rPr lang="en-US" altLang="zh-CN">
-                          <a:latin typeface="Times New Roman" panose="02020603050405020304" pitchFamily="18" charset="0"/>
-                          <a:ea typeface="標楷體" panose="03000509000000000000" pitchFamily="65" charset="-120"/>
-                          <a:cs typeface="Times New Roman" panose="02020603050405020304" pitchFamily="18" charset="0"/>
-                        </a:rPr>
-                        <a:t>T2-2</a:t>
-                      </a:r>
-                      <a:endParaRPr lang="zh-TW" altLang="en-US" dirty="0">
-                        <a:latin typeface="Times New Roman" panose="02020603050405020304" pitchFamily="18" charset="0"/>
-                        <a:ea typeface="標楷體" panose="03000509000000000000" pitchFamily="65" charset="-120"/>
-                        <a:cs typeface="Times New Roman" panose="02020603050405020304" pitchFamily="18" charset="0"/>
-                      </a:endParaRPr>
-                    </a:p>
-                  </a:txBody>
-                  <a:tcPr anchor="ctr"/>
-                </a:tc>
-                <a:extLst>
-                  <a:ext uri="{0D108BD9-81ED-4DB2-BD59-A6C34878D82A}">
-                    <a16:rowId xmlns:a16="http://schemas.microsoft.com/office/drawing/2014/main" val="10004"/>
-                  </a:ext>
-                </a:extLst>
-              </a:tr>
-              <a:tr h="1950908">
-                <a:tc rowSpan="3">
+              <a:tr h="2687100">
+                <a:tc>
                   <a:txBody>
                     <a:bodyPr/>
                     <a:lstStyle/>
@@ -5240,344 +4886,6 @@
                 <a:extLst>
                   <a:ext uri="{0D108BD9-81ED-4DB2-BD59-A6C34878D82A}">
                     <a16:rowId xmlns:a16="http://schemas.microsoft.com/office/drawing/2014/main" val="10005"/>
-                  </a:ext>
-                </a:extLst>
-              </a:tr>
-              <a:tr h="368096">
-                <a:tc vMerge="1">
-                  <a:txBody>
-                    <a:bodyPr/>
-                    <a:lstStyle/>
-                    <a:p>
-                      <a:pPr marL="0" marR="0" indent="0" algn="ctr" defTabSz="914400" rtl="0" eaLnBrk="1" fontAlgn="auto" latinLnBrk="0" hangingPunct="1">
-                        <a:lnSpc>
-                          <a:spcPct val="100000"/>
-                        </a:lnSpc>
-                        <a:spcBef>
-                          <a:spcPts val="0"/>
-                        </a:spcBef>
-                        <a:spcAft>
-                          <a:spcPts val="0"/>
-                        </a:spcAft>
-                        <a:buClrTx/>
-                        <a:buSzTx/>
-                        <a:buFontTx/>
-                        <a:buNone/>
-                        <a:tabLst/>
-                        <a:defRPr/>
-                      </a:pPr>
-                      <a:endParaRPr lang="zh-TW" altLang="en-US" dirty="0">
-                        <a:latin typeface="Times New Roman" panose="02020603050405020304" pitchFamily="18" charset="0"/>
-                        <a:ea typeface="標楷體" panose="03000509000000000000" pitchFamily="65" charset="-120"/>
-                        <a:cs typeface="Times New Roman" panose="02020603050405020304" pitchFamily="18" charset="0"/>
-                      </a:endParaRPr>
-                    </a:p>
-                  </a:txBody>
-                  <a:tcPr anchor="ctr"/>
-                </a:tc>
-                <a:tc>
-                  <a:txBody>
-                    <a:bodyPr/>
-                    <a:lstStyle/>
-                    <a:p>
-                      <a:r>
-                        <a:rPr lang="zh-CN" altLang="en-US" dirty="0">
-                          <a:latin typeface="Times New Roman" panose="02020603050405020304" pitchFamily="18" charset="0"/>
-                          <a:ea typeface="標楷體" panose="03000509000000000000" pitchFamily="65" charset="-120"/>
-                          <a:cs typeface="Times New Roman" panose="02020603050405020304" pitchFamily="18" charset="0"/>
-                        </a:rPr>
-                        <a:t>厚度</a:t>
-                      </a:r>
-                      <a:r>
-                        <a:rPr lang="en-US" altLang="zh-CN" dirty="0">
-                          <a:latin typeface="Times New Roman" panose="02020603050405020304" pitchFamily="18" charset="0"/>
-                          <a:ea typeface="標楷體" panose="03000509000000000000" pitchFamily="65" charset="-120"/>
-                          <a:cs typeface="Times New Roman" panose="02020603050405020304" pitchFamily="18" charset="0"/>
-                        </a:rPr>
-                        <a:t>(</a:t>
-                      </a:r>
-                      <a:r>
-                        <a:rPr lang="en-US" altLang="zh-CN" dirty="0" err="1">
-                          <a:latin typeface="Times New Roman" panose="02020603050405020304" pitchFamily="18" charset="0"/>
-                          <a:ea typeface="標楷體" panose="03000509000000000000" pitchFamily="65" charset="-120"/>
-                          <a:cs typeface="Times New Roman" panose="02020603050405020304" pitchFamily="18" charset="0"/>
-                        </a:rPr>
-                        <a:t>μm</a:t>
-                      </a:r>
-                      <a:r>
-                        <a:rPr lang="en-US" altLang="zh-CN" dirty="0">
-                          <a:latin typeface="Times New Roman" panose="02020603050405020304" pitchFamily="18" charset="0"/>
-                          <a:ea typeface="標楷體" panose="03000509000000000000" pitchFamily="65" charset="-120"/>
-                          <a:cs typeface="Times New Roman" panose="02020603050405020304" pitchFamily="18" charset="0"/>
-                        </a:rPr>
-                        <a:t>)</a:t>
-                      </a:r>
-                      <a:endParaRPr lang="zh-TW" altLang="en-US" dirty="0">
-                        <a:latin typeface="Times New Roman" panose="02020603050405020304" pitchFamily="18" charset="0"/>
-                        <a:ea typeface="標楷體" panose="03000509000000000000" pitchFamily="65" charset="-120"/>
-                        <a:cs typeface="Times New Roman" panose="02020603050405020304" pitchFamily="18" charset="0"/>
-                      </a:endParaRPr>
-                    </a:p>
-                  </a:txBody>
-                  <a:tcPr anchor="ctr"/>
-                </a:tc>
-                <a:tc>
-                  <a:txBody>
-                    <a:bodyPr/>
-                    <a:lstStyle/>
-                    <a:p>
-                      <a:pPr marL="0" marR="0" indent="0" algn="ctr" defTabSz="914400" rtl="0" eaLnBrk="1" fontAlgn="auto" latinLnBrk="0" hangingPunct="1">
-                        <a:lnSpc>
-                          <a:spcPct val="100000"/>
-                        </a:lnSpc>
-                        <a:spcBef>
-                          <a:spcPts val="0"/>
-                        </a:spcBef>
-                        <a:spcAft>
-                          <a:spcPts val="0"/>
-                        </a:spcAft>
-                        <a:buClrTx/>
-                        <a:buSzTx/>
-                        <a:buFontTx/>
-                        <a:buNone/>
-                        <a:tabLst/>
-                        <a:defRPr/>
-                      </a:pPr>
-                      <a:r>
-                        <a:rPr lang="en-US" altLang="zh-CN">
-                          <a:latin typeface="Times New Roman" panose="02020603050405020304" pitchFamily="18" charset="0"/>
-                          <a:ea typeface="標楷體" panose="03000509000000000000" pitchFamily="65" charset="-120"/>
-                          <a:cs typeface="Times New Roman" panose="02020603050405020304" pitchFamily="18" charset="0"/>
-                        </a:rPr>
-                        <a:t>B0-1μm</a:t>
-                      </a:r>
-                      <a:endParaRPr lang="zh-TW" altLang="en-US" dirty="0">
-                        <a:latin typeface="Times New Roman" panose="02020603050405020304" pitchFamily="18" charset="0"/>
-                        <a:ea typeface="標楷體" panose="03000509000000000000" pitchFamily="65" charset="-120"/>
-                        <a:cs typeface="Times New Roman" panose="02020603050405020304" pitchFamily="18" charset="0"/>
-                      </a:endParaRPr>
-                    </a:p>
-                  </a:txBody>
-                  <a:tcPr anchor="ctr"/>
-                </a:tc>
-                <a:tc>
-                  <a:txBody>
-                    <a:bodyPr/>
-                    <a:lstStyle/>
-                    <a:p>
-                      <a:pPr marL="0" marR="0" indent="0" algn="ctr" defTabSz="914400" rtl="0" eaLnBrk="1" fontAlgn="auto" latinLnBrk="0" hangingPunct="1">
-                        <a:lnSpc>
-                          <a:spcPct val="100000"/>
-                        </a:lnSpc>
-                        <a:spcBef>
-                          <a:spcPts val="0"/>
-                        </a:spcBef>
-                        <a:spcAft>
-                          <a:spcPts val="0"/>
-                        </a:spcAft>
-                        <a:buClrTx/>
-                        <a:buSzTx/>
-                        <a:buFontTx/>
-                        <a:buNone/>
-                        <a:tabLst/>
-                        <a:defRPr/>
-                      </a:pPr>
-                      <a:r>
-                        <a:rPr lang="en-US" altLang="zh-CN">
-                          <a:latin typeface="Times New Roman" panose="02020603050405020304" pitchFamily="18" charset="0"/>
-                          <a:ea typeface="標楷體" panose="03000509000000000000" pitchFamily="65" charset="-120"/>
-                          <a:cs typeface="Times New Roman" panose="02020603050405020304" pitchFamily="18" charset="0"/>
-                        </a:rPr>
-                        <a:t>B1-1μm</a:t>
-                      </a:r>
-                      <a:endParaRPr lang="zh-TW" altLang="en-US" dirty="0">
-                        <a:latin typeface="Times New Roman" panose="02020603050405020304" pitchFamily="18" charset="0"/>
-                        <a:ea typeface="標楷體" panose="03000509000000000000" pitchFamily="65" charset="-120"/>
-                        <a:cs typeface="Times New Roman" panose="02020603050405020304" pitchFamily="18" charset="0"/>
-                      </a:endParaRPr>
-                    </a:p>
-                  </a:txBody>
-                  <a:tcPr anchor="ctr"/>
-                </a:tc>
-                <a:tc>
-                  <a:txBody>
-                    <a:bodyPr/>
-                    <a:lstStyle/>
-                    <a:p>
-                      <a:pPr marL="0" marR="0" indent="0" algn="ctr" defTabSz="914400" rtl="0" eaLnBrk="1" fontAlgn="auto" latinLnBrk="0" hangingPunct="1">
-                        <a:lnSpc>
-                          <a:spcPct val="100000"/>
-                        </a:lnSpc>
-                        <a:spcBef>
-                          <a:spcPts val="0"/>
-                        </a:spcBef>
-                        <a:spcAft>
-                          <a:spcPts val="0"/>
-                        </a:spcAft>
-                        <a:buClrTx/>
-                        <a:buSzTx/>
-                        <a:buFontTx/>
-                        <a:buNone/>
-                        <a:tabLst/>
-                        <a:defRPr/>
-                      </a:pPr>
-                      <a:r>
-                        <a:rPr lang="en-US" altLang="zh-CN">
-                          <a:latin typeface="Times New Roman" panose="02020603050405020304" pitchFamily="18" charset="0"/>
-                          <a:ea typeface="標楷體" panose="03000509000000000000" pitchFamily="65" charset="-120"/>
-                          <a:cs typeface="Times New Roman" panose="02020603050405020304" pitchFamily="18" charset="0"/>
-                        </a:rPr>
-                        <a:t>B2-1μm</a:t>
-                      </a:r>
-                      <a:endParaRPr lang="zh-TW" altLang="en-US" dirty="0">
-                        <a:latin typeface="Times New Roman" panose="02020603050405020304" pitchFamily="18" charset="0"/>
-                        <a:ea typeface="標楷體" panose="03000509000000000000" pitchFamily="65" charset="-120"/>
-                        <a:cs typeface="Times New Roman" panose="02020603050405020304" pitchFamily="18" charset="0"/>
-                      </a:endParaRPr>
-                    </a:p>
-                  </a:txBody>
-                  <a:tcPr anchor="ctr"/>
-                </a:tc>
-                <a:extLst>
-                  <a:ext uri="{0D108BD9-81ED-4DB2-BD59-A6C34878D82A}">
-                    <a16:rowId xmlns:a16="http://schemas.microsoft.com/office/drawing/2014/main" val="10006"/>
-                  </a:ext>
-                </a:extLst>
-              </a:tr>
-              <a:tr h="368096">
-                <a:tc vMerge="1">
-                  <a:txBody>
-                    <a:bodyPr/>
-                    <a:lstStyle/>
-                    <a:p>
-                      <a:pPr marL="0" marR="0" indent="0" algn="ctr" defTabSz="914400" rtl="0" eaLnBrk="1" fontAlgn="auto" latinLnBrk="0" hangingPunct="1">
-                        <a:lnSpc>
-                          <a:spcPct val="100000"/>
-                        </a:lnSpc>
-                        <a:spcBef>
-                          <a:spcPts val="0"/>
-                        </a:spcBef>
-                        <a:spcAft>
-                          <a:spcPts val="0"/>
-                        </a:spcAft>
-                        <a:buClrTx/>
-                        <a:buSzTx/>
-                        <a:buFontTx/>
-                        <a:buNone/>
-                        <a:tabLst/>
-                        <a:defRPr/>
-                      </a:pPr>
-                      <a:endParaRPr lang="zh-TW" altLang="en-US" dirty="0">
-                        <a:latin typeface="Times New Roman" panose="02020603050405020304" pitchFamily="18" charset="0"/>
-                        <a:ea typeface="標楷體" panose="03000509000000000000" pitchFamily="65" charset="-120"/>
-                        <a:cs typeface="Times New Roman" panose="02020603050405020304" pitchFamily="18" charset="0"/>
-                      </a:endParaRPr>
-                    </a:p>
-                  </a:txBody>
-                  <a:tcPr anchor="ctr"/>
-                </a:tc>
-                <a:tc>
-                  <a:txBody>
-                    <a:bodyPr/>
-                    <a:lstStyle/>
-                    <a:p>
-                      <a:r>
-                        <a:rPr lang="zh-CN" altLang="en-US" dirty="0">
-                          <a:latin typeface="Times New Roman" panose="02020603050405020304" pitchFamily="18" charset="0"/>
-                          <a:ea typeface="標楷體" panose="03000509000000000000" pitchFamily="65" charset="-120"/>
-                          <a:cs typeface="Times New Roman" panose="02020603050405020304" pitchFamily="18" charset="0"/>
-                        </a:rPr>
-                        <a:t>硬度</a:t>
-                      </a:r>
-                      <a:r>
-                        <a:rPr lang="en-US" altLang="zh-CN" dirty="0">
-                          <a:latin typeface="Times New Roman" panose="02020603050405020304" pitchFamily="18" charset="0"/>
-                          <a:ea typeface="標楷體" panose="03000509000000000000" pitchFamily="65" charset="-120"/>
-                          <a:cs typeface="Times New Roman" panose="02020603050405020304" pitchFamily="18" charset="0"/>
-                        </a:rPr>
-                        <a:t>(HV)</a:t>
-                      </a:r>
-                      <a:endParaRPr lang="zh-TW" altLang="en-US" dirty="0">
-                        <a:latin typeface="Times New Roman" panose="02020603050405020304" pitchFamily="18" charset="0"/>
-                        <a:ea typeface="標楷體" panose="03000509000000000000" pitchFamily="65" charset="-120"/>
-                        <a:cs typeface="Times New Roman" panose="02020603050405020304" pitchFamily="18" charset="0"/>
-                      </a:endParaRPr>
-                    </a:p>
-                  </a:txBody>
-                  <a:tcPr anchor="ctr"/>
-                </a:tc>
-                <a:tc>
-                  <a:txBody>
-                    <a:bodyPr/>
-                    <a:lstStyle/>
-                    <a:p>
-                      <a:pPr algn="ctr"/>
-                      <a:r>
-                        <a:rPr lang="en-US" altLang="zh-CN">
-                          <a:latin typeface="Times New Roman" panose="02020603050405020304" pitchFamily="18" charset="0"/>
-                          <a:ea typeface="標楷體" panose="03000509000000000000" pitchFamily="65" charset="-120"/>
-                          <a:cs typeface="Times New Roman" panose="02020603050405020304" pitchFamily="18" charset="0"/>
-                        </a:rPr>
-                        <a:t>B0-2</a:t>
-                      </a:r>
-                      <a:endParaRPr lang="zh-TW" altLang="en-US" dirty="0">
-                        <a:latin typeface="Times New Roman" panose="02020603050405020304" pitchFamily="18" charset="0"/>
-                        <a:ea typeface="標楷體" panose="03000509000000000000" pitchFamily="65" charset="-120"/>
-                        <a:cs typeface="Times New Roman" panose="02020603050405020304" pitchFamily="18" charset="0"/>
-                      </a:endParaRPr>
-                    </a:p>
-                  </a:txBody>
-                  <a:tcPr anchor="ctr"/>
-                </a:tc>
-                <a:tc>
-                  <a:txBody>
-                    <a:bodyPr/>
-                    <a:lstStyle/>
-                    <a:p>
-                      <a:pPr algn="ctr"/>
-                      <a:r>
-                        <a:rPr lang="en-US" altLang="zh-CN">
-                          <a:latin typeface="Times New Roman" panose="02020603050405020304" pitchFamily="18" charset="0"/>
-                          <a:ea typeface="標楷體" panose="03000509000000000000" pitchFamily="65" charset="-120"/>
-                          <a:cs typeface="Times New Roman" panose="02020603050405020304" pitchFamily="18" charset="0"/>
-                        </a:rPr>
-                        <a:t>B1-2</a:t>
-                      </a:r>
-                      <a:endParaRPr lang="zh-TW" altLang="en-US" dirty="0">
-                        <a:latin typeface="Times New Roman" panose="02020603050405020304" pitchFamily="18" charset="0"/>
-                        <a:ea typeface="標楷體" panose="03000509000000000000" pitchFamily="65" charset="-120"/>
-                        <a:cs typeface="Times New Roman" panose="02020603050405020304" pitchFamily="18" charset="0"/>
-                      </a:endParaRPr>
-                    </a:p>
-                  </a:txBody>
-                  <a:tcPr anchor="ctr"/>
-                </a:tc>
-                <a:tc>
-                  <a:txBody>
-                    <a:bodyPr/>
-                    <a:lstStyle/>
-                    <a:p>
-                      <a:pPr algn="ctr"/>
-                      <a:r>
-                        <a:rPr lang="en-US" altLang="zh-CN">
-                          <a:latin typeface="Times New Roman" panose="02020603050405020304" pitchFamily="18" charset="0"/>
-                          <a:ea typeface="標楷體" panose="03000509000000000000" pitchFamily="65" charset="-120"/>
-                          <a:cs typeface="Times New Roman" panose="02020603050405020304" pitchFamily="18" charset="0"/>
-                        </a:rPr>
-                        <a:t>B2-2</a:t>
-                      </a:r>
-                      <a:endParaRPr lang="zh-TW" altLang="en-US" dirty="0">
-                        <a:latin typeface="Times New Roman" panose="02020603050405020304" pitchFamily="18" charset="0"/>
-                        <a:ea typeface="標楷體" panose="03000509000000000000" pitchFamily="65" charset="-120"/>
-                        <a:cs typeface="Times New Roman" panose="02020603050405020304" pitchFamily="18" charset="0"/>
-                      </a:endParaRPr>
-                    </a:p>
-                  </a:txBody>
-                  <a:tcPr anchor="ctr"/>
-                </a:tc>
-                <a:extLst>
-                  <a:ext uri="{0D108BD9-81ED-4DB2-BD59-A6C34878D82A}">
-                    <a16:rowId xmlns:a16="http://schemas.microsoft.com/office/drawing/2014/main" val="10007"/>
                   </a:ext>
                 </a:extLst>
               </a:tr>
@@ -5588,7 +4896,7 @@
     </p:spTree>
     <p:extLst>
       <p:ext uri="{BB962C8B-B14F-4D97-AF65-F5344CB8AC3E}">
-        <p14:creationId xmlns:p14="http://schemas.microsoft.com/office/powerpoint/2010/main" val="975892046"/>
+        <p14:creationId xmlns:p14="http://schemas.microsoft.com/office/powerpoint/2010/main" val="3049125031"/>
       </p:ext>
     </p:extLst>
   </p:cSld>
@@ -5729,7 +5037,7 @@
               <a:t>-</a:t>
             </a:r>
             <a:r>
-              <a:rPr lang="zh-CN" altLang="en-US" b="1" dirty="0">
+              <a:rPr lang="zh-CN" altLang="en-US" b="1">
                 <a:solidFill>
                   <a:srgbClr val="000000"/>
                 </a:solidFill>
@@ -5737,7 +5045,7 @@
                 <a:ea typeface="標楷體" panose="03000509000000000000" pitchFamily="65" charset="-120"/>
                 <a:cs typeface="Times New Roman" panose="02020603050405020304" pitchFamily="18" charset="0"/>
               </a:rPr>
-              <a:t>尾端</a:t>
+              <a:t>頭端</a:t>
             </a:r>
             <a:r>
               <a:rPr lang="zh-CN" altLang="en-US" sz="1600" dirty="0">
@@ -5764,14 +5072,14 @@
           <p:nvPr>
             <p:extLst>
               <p:ext uri="{D42A27DB-BD31-4B8C-83A1-F6EECF244321}">
-                <p14:modId xmlns:p14="http://schemas.microsoft.com/office/powerpoint/2010/main" val="2013833558"/>
+                <p14:modId xmlns:p14="http://schemas.microsoft.com/office/powerpoint/2010/main" val="3258229529"/>
               </p:ext>
             </p:extLst>
           </p:nvPr>
         </p:nvGraphicFramePr>
         <p:xfrm>
-          <a:off x="29029" y="573948"/>
-          <a:ext cx="11887198" cy="6163047"/>
+          <a:off x="136609" y="573948"/>
+          <a:ext cx="11887197" cy="6163047"/>
         </p:xfrm>
         <a:graphic>
           <a:graphicData uri="http://schemas.openxmlformats.org/drawingml/2006/table">
@@ -5787,28 +5095,28 @@
                     </a:ext>
                   </a:extLst>
                 </a:gridCol>
-                <a:gridCol w="1132114">
+                <a:gridCol w="1634565">
                   <a:extLst>
                     <a:ext uri="{9D8B030D-6E8A-4147-A177-3AD203B41FA5}">
                       <a16:colId xmlns:a16="http://schemas.microsoft.com/office/drawing/2014/main" val="20001"/>
                     </a:ext>
                   </a:extLst>
                 </a:gridCol>
-                <a:gridCol w="3425371">
+                <a:gridCol w="3257887">
                   <a:extLst>
                     <a:ext uri="{9D8B030D-6E8A-4147-A177-3AD203B41FA5}">
                       <a16:colId xmlns:a16="http://schemas.microsoft.com/office/drawing/2014/main" val="20002"/>
                     </a:ext>
                   </a:extLst>
                 </a:gridCol>
-                <a:gridCol w="3425371">
+                <a:gridCol w="3257887">
                   <a:extLst>
                     <a:ext uri="{9D8B030D-6E8A-4147-A177-3AD203B41FA5}">
                       <a16:colId xmlns:a16="http://schemas.microsoft.com/office/drawing/2014/main" val="20003"/>
                     </a:ext>
                   </a:extLst>
                 </a:gridCol>
-                <a:gridCol w="3425371">
+                <a:gridCol w="3257887">
                   <a:extLst>
                     <a:ext uri="{9D8B030D-6E8A-4147-A177-3AD203B41FA5}">
                       <a16:colId xmlns:a16="http://schemas.microsoft.com/office/drawing/2014/main" val="20004"/>
@@ -6454,7 +5762,7 @@
                     <a:lstStyle/>
                     <a:p>
                       <a:r>
-                        <a:rPr lang="zh-CN" altLang="en-US" dirty="0">
+                        <a:rPr lang="zh-CN" altLang="en-US">
                           <a:latin typeface="Times New Roman" panose="02020603050405020304" pitchFamily="18" charset="0"/>
                           <a:ea typeface="標楷體" panose="03000509000000000000" pitchFamily="65" charset="-120"/>
                           <a:cs typeface="Times New Roman" panose="02020603050405020304" pitchFamily="18" charset="0"/>
@@ -6462,12 +5770,28 @@
                         <a:t>硬度</a:t>
                       </a:r>
                       <a:r>
-                        <a:rPr lang="en-US" altLang="zh-CN" dirty="0">
-                          <a:latin typeface="Times New Roman" panose="02020603050405020304" pitchFamily="18" charset="0"/>
-                          <a:ea typeface="標楷體" panose="03000509000000000000" pitchFamily="65" charset="-120"/>
-                          <a:cs typeface="Times New Roman" panose="02020603050405020304" pitchFamily="18" charset="0"/>
-                        </a:rPr>
-                        <a:t>(HV)</a:t>
+                        <a:rPr lang="en-US" altLang="zh-CN">
+                          <a:latin typeface="Times New Roman" panose="02020603050405020304" pitchFamily="18" charset="0"/>
+                          <a:ea typeface="標楷體" panose="03000509000000000000" pitchFamily="65" charset="-120"/>
+                          <a:cs typeface="Times New Roman" panose="02020603050405020304" pitchFamily="18" charset="0"/>
+                        </a:rPr>
+                        <a:t>(</a:t>
+                      </a:r>
+                      <a:r>
+                        <a:rPr lang="vi-VN" altLang="zh-CN">
+                          <a:latin typeface="Times New Roman" panose="02020603050405020304" pitchFamily="18" charset="0"/>
+                          <a:ea typeface="標楷體" panose="03000509000000000000" pitchFamily="65" charset="-120"/>
+                          <a:cs typeface="Times New Roman" panose="02020603050405020304" pitchFamily="18" charset="0"/>
+                        </a:rPr>
+                        <a:t>HV0.005</a:t>
+                      </a:r>
+                      <a:r>
+                        <a:rPr lang="en-US" altLang="zh-CN">
+                          <a:latin typeface="Times New Roman" panose="02020603050405020304" pitchFamily="18" charset="0"/>
+                          <a:ea typeface="標楷體" panose="03000509000000000000" pitchFamily="65" charset="-120"/>
+                          <a:cs typeface="Times New Roman" panose="02020603050405020304" pitchFamily="18" charset="0"/>
+                        </a:rPr>
+                        <a:t>)</a:t>
                       </a:r>
                       <a:endParaRPr lang="zh-TW" altLang="en-US" dirty="0">
                         <a:latin typeface="Times New Roman" panose="02020603050405020304" pitchFamily="18" charset="0"/>
@@ -7124,7 +6448,7 @@
     </p:spTree>
     <p:extLst>
       <p:ext uri="{BB962C8B-B14F-4D97-AF65-F5344CB8AC3E}">
-        <p14:creationId xmlns:p14="http://schemas.microsoft.com/office/powerpoint/2010/main" val="2727710128"/>
+        <p14:creationId xmlns:p14="http://schemas.microsoft.com/office/powerpoint/2010/main" val="975892046"/>
       </p:ext>
     </p:extLst>
   </p:cSld>
@@ -7300,14 +6624,14 @@
           <p:nvPr>
             <p:extLst>
               <p:ext uri="{D42A27DB-BD31-4B8C-83A1-F6EECF244321}">
-                <p14:modId xmlns:p14="http://schemas.microsoft.com/office/powerpoint/2010/main" val="3569204130"/>
+                <p14:modId xmlns:p14="http://schemas.microsoft.com/office/powerpoint/2010/main" val="3494406594"/>
               </p:ext>
             </p:extLst>
           </p:nvPr>
         </p:nvGraphicFramePr>
         <p:xfrm>
-          <a:off x="29029" y="573948"/>
-          <a:ext cx="11887201" cy="6163047"/>
+          <a:off x="136609" y="573948"/>
+          <a:ext cx="11887199" cy="6163047"/>
         </p:xfrm>
         <a:graphic>
           <a:graphicData uri="http://schemas.openxmlformats.org/drawingml/2006/table">
@@ -7323,49 +6647,49 @@
                     </a:ext>
                   </a:extLst>
                 </a:gridCol>
-                <a:gridCol w="1132114">
+                <a:gridCol w="1632320">
                   <a:extLst>
                     <a:ext uri="{9D8B030D-6E8A-4147-A177-3AD203B41FA5}">
                       <a16:colId xmlns:a16="http://schemas.microsoft.com/office/drawing/2014/main" val="20001"/>
                     </a:ext>
                   </a:extLst>
                 </a:gridCol>
-                <a:gridCol w="1712686">
+                <a:gridCol w="1629318">
                   <a:extLst>
                     <a:ext uri="{9D8B030D-6E8A-4147-A177-3AD203B41FA5}">
                       <a16:colId xmlns:a16="http://schemas.microsoft.com/office/drawing/2014/main" val="20002"/>
                     </a:ext>
                   </a:extLst>
                 </a:gridCol>
-                <a:gridCol w="1712686">
+                <a:gridCol w="1629318">
                   <a:extLst>
                     <a:ext uri="{9D8B030D-6E8A-4147-A177-3AD203B41FA5}">
                       <a16:colId xmlns:a16="http://schemas.microsoft.com/office/drawing/2014/main" val="3795221645"/>
                     </a:ext>
                   </a:extLst>
                 </a:gridCol>
-                <a:gridCol w="1712686">
+                <a:gridCol w="1629318">
                   <a:extLst>
                     <a:ext uri="{9D8B030D-6E8A-4147-A177-3AD203B41FA5}">
                       <a16:colId xmlns:a16="http://schemas.microsoft.com/office/drawing/2014/main" val="20003"/>
                     </a:ext>
                   </a:extLst>
                 </a:gridCol>
-                <a:gridCol w="1712686">
+                <a:gridCol w="1629318">
                   <a:extLst>
                     <a:ext uri="{9D8B030D-6E8A-4147-A177-3AD203B41FA5}">
                       <a16:colId xmlns:a16="http://schemas.microsoft.com/office/drawing/2014/main" val="3614160323"/>
                     </a:ext>
                   </a:extLst>
                 </a:gridCol>
-                <a:gridCol w="1712686">
+                <a:gridCol w="1629318">
                   <a:extLst>
                     <a:ext uri="{9D8B030D-6E8A-4147-A177-3AD203B41FA5}">
                       <a16:colId xmlns:a16="http://schemas.microsoft.com/office/drawing/2014/main" val="20004"/>
                     </a:ext>
                   </a:extLst>
                 </a:gridCol>
-                <a:gridCol w="1712686">
+                <a:gridCol w="1629318">
                   <a:extLst>
                     <a:ext uri="{9D8B030D-6E8A-4147-A177-3AD203B41FA5}">
                       <a16:colId xmlns:a16="http://schemas.microsoft.com/office/drawing/2014/main" val="3542158680"/>
@@ -8089,12 +7413,20 @@
                     <a:p>
                       <a:pPr algn="ctr"/>
                       <a:r>
-                        <a:rPr lang="zh-CN" altLang="en-US" dirty="0">
+                        <a:rPr lang="zh-CN" altLang="en-US">
                           <a:latin typeface="Times New Roman" panose="02020603050405020304" pitchFamily="18" charset="0"/>
                           <a:ea typeface="標楷體" panose="03000509000000000000" pitchFamily="65" charset="-120"/>
                           <a:cs typeface="Times New Roman" panose="02020603050405020304" pitchFamily="18" charset="0"/>
                         </a:rPr>
                         <a:t>相比例</a:t>
+                      </a:r>
+                      <a:r>
+                        <a:rPr lang="vi-VN" altLang="zh-CN">
+                          <a:latin typeface="Times New Roman" panose="02020603050405020304" pitchFamily="18" charset="0"/>
+                          <a:ea typeface="標楷體" panose="03000509000000000000" pitchFamily="65" charset="-120"/>
+                          <a:cs typeface="Times New Roman" panose="02020603050405020304" pitchFamily="18" charset="0"/>
+                        </a:rPr>
+                        <a:t>(%)</a:t>
                       </a:r>
                       <a:endParaRPr lang="zh-TW" altLang="en-US" dirty="0">
                         <a:latin typeface="Times New Roman" panose="02020603050405020304" pitchFamily="18" charset="0"/>
@@ -9290,13 +8622,13 @@
           <p:nvPr>
             <p:extLst>
               <p:ext uri="{D42A27DB-BD31-4B8C-83A1-F6EECF244321}">
-                <p14:modId xmlns:p14="http://schemas.microsoft.com/office/powerpoint/2010/main" val="4094878965"/>
+                <p14:modId xmlns:p14="http://schemas.microsoft.com/office/powerpoint/2010/main" val="3533348854"/>
               </p:ext>
             </p:extLst>
           </p:nvPr>
         </p:nvGraphicFramePr>
         <p:xfrm>
-          <a:off x="29029" y="573948"/>
+          <a:off x="136605" y="573948"/>
           <a:ext cx="11887201" cy="6163047"/>
         </p:xfrm>
         <a:graphic>
@@ -9320,48 +8652,27 @@
                     </a:ext>
                   </a:extLst>
                 </a:gridCol>
-                <a:gridCol w="1712686">
+                <a:gridCol w="3425372">
                   <a:extLst>
                     <a:ext uri="{9D8B030D-6E8A-4147-A177-3AD203B41FA5}">
                       <a16:colId xmlns:a16="http://schemas.microsoft.com/office/drawing/2014/main" val="20002"/>
                     </a:ext>
                   </a:extLst>
                 </a:gridCol>
-                <a:gridCol w="1712686">
-                  <a:extLst>
-                    <a:ext uri="{9D8B030D-6E8A-4147-A177-3AD203B41FA5}">
-                      <a16:colId xmlns:a16="http://schemas.microsoft.com/office/drawing/2014/main" val="3795221645"/>
-                    </a:ext>
-                  </a:extLst>
-                </a:gridCol>
-                <a:gridCol w="1712686">
+                <a:gridCol w="3425372">
                   <a:extLst>
                     <a:ext uri="{9D8B030D-6E8A-4147-A177-3AD203B41FA5}">
                       <a16:colId xmlns:a16="http://schemas.microsoft.com/office/drawing/2014/main" val="20003"/>
                     </a:ext>
                   </a:extLst>
                 </a:gridCol>
-                <a:gridCol w="1712686">
-                  <a:extLst>
-                    <a:ext uri="{9D8B030D-6E8A-4147-A177-3AD203B41FA5}">
-                      <a16:colId xmlns:a16="http://schemas.microsoft.com/office/drawing/2014/main" val="3614160323"/>
-                    </a:ext>
-                  </a:extLst>
-                </a:gridCol>
-                <a:gridCol w="1712686">
+                <a:gridCol w="3425372">
                   <a:extLst>
                     <a:ext uri="{9D8B030D-6E8A-4147-A177-3AD203B41FA5}">
                       <a16:colId xmlns:a16="http://schemas.microsoft.com/office/drawing/2014/main" val="20004"/>
                     </a:ext>
                   </a:extLst>
                 </a:gridCol>
-                <a:gridCol w="1712686">
-                  <a:extLst>
-                    <a:ext uri="{9D8B030D-6E8A-4147-A177-3AD203B41FA5}">
-                      <a16:colId xmlns:a16="http://schemas.microsoft.com/office/drawing/2014/main" val="3542158680"/>
-                    </a:ext>
-                  </a:extLst>
-                </a:gridCol>
               </a:tblGrid>
               <a:tr h="398930">
                 <a:tc gridSpan="2">
@@ -9397,7 +8708,7 @@
                   </a:txBody>
                   <a:tcPr/>
                 </a:tc>
-                <a:tc gridSpan="6">
+                <a:tc gridSpan="3">
                   <a:txBody>
                     <a:bodyPr/>
                     <a:lstStyle/>
@@ -9409,34 +8720,19 @@
                           <a:ea typeface="標楷體" panose="03000509000000000000" pitchFamily="65" charset="-120"/>
                           <a:cs typeface="Times New Roman" panose="02020603050405020304" pitchFamily="18" charset="0"/>
                         </a:rPr>
-                        <a:t>SEM</a:t>
-                      </a:r>
-                      <a:r>
-                        <a:rPr lang="zh-TW" altLang="en-US" b="1">
-                          <a:latin typeface="Times New Roman" panose="02020603050405020304" pitchFamily="18" charset="0"/>
-                          <a:ea typeface="標楷體" panose="03000509000000000000" pitchFamily="65" charset="-120"/>
-                          <a:cs typeface="Times New Roman" panose="02020603050405020304" pitchFamily="18" charset="0"/>
-                        </a:rPr>
-                        <a:t>相比例</a:t>
-                      </a:r>
-                      <a:endParaRPr lang="zh-TW" altLang="en-US" b="1" dirty="0">
-                        <a:latin typeface="Times New Roman" panose="02020603050405020304" pitchFamily="18" charset="0"/>
-                        <a:ea typeface="標楷體" panose="03000509000000000000" pitchFamily="65" charset="-120"/>
-                        <a:cs typeface="Times New Roman" panose="02020603050405020304" pitchFamily="18" charset="0"/>
-                      </a:endParaRPr>
-                    </a:p>
-                  </a:txBody>
-                  <a:tcPr anchor="ctr"/>
-                </a:tc>
-                <a:tc hMerge="1">
-                  <a:txBody>
-                    <a:bodyPr/>
-                    <a:lstStyle/>
-                    <a:p>
-                      <a:endParaRPr lang="en-US"/>
-                    </a:p>
-                  </a:txBody>
-                  <a:tcPr/>
+                        <a:t>XRD</a:t>
+                      </a:r>
+                      <a:r>
+                        <a:rPr lang="zh-CN" altLang="en-US" b="1">
+                          <a:latin typeface="Times New Roman" panose="02020603050405020304" pitchFamily="18" charset="0"/>
+                          <a:ea typeface="標楷體" panose="03000509000000000000" pitchFamily="65" charset="-120"/>
+                          <a:cs typeface="Times New Roman" panose="02020603050405020304" pitchFamily="18" charset="0"/>
+                        </a:rPr>
+                        <a:t>表面分析</a:t>
+                      </a:r>
+                    </a:p>
+                  </a:txBody>
+                  <a:tcPr anchor="ctr"/>
                 </a:tc>
                 <a:tc hMerge="1">
                   <a:txBody>
@@ -9454,31 +8750,11 @@
                     <a:bodyPr/>
                     <a:lstStyle/>
                     <a:p>
-                      <a:endParaRPr lang="en-US"/>
-                    </a:p>
-                  </a:txBody>
-                  <a:tcPr/>
-                </a:tc>
-                <a:tc hMerge="1">
-                  <a:txBody>
-                    <a:bodyPr/>
-                    <a:lstStyle/>
-                    <a:p>
                       <a:pPr algn="ctr"/>
                       <a:endParaRPr lang="zh-TW" altLang="en-US" dirty="0"/>
                     </a:p>
                   </a:txBody>
                   <a:tcPr anchor="ctr"/>
-                </a:tc>
-                <a:tc hMerge="1">
-                  <a:txBody>
-                    <a:bodyPr/>
-                    <a:lstStyle/>
-                    <a:p>
-                      <a:endParaRPr lang="en-US"/>
-                    </a:p>
-                  </a:txBody>
-                  <a:tcPr/>
                 </a:tc>
                 <a:extLst>
                   <a:ext uri="{0D108BD9-81ED-4DB2-BD59-A6C34878D82A}">
@@ -9520,7 +8796,7 @@
                   </a:txBody>
                   <a:tcPr/>
                 </a:tc>
-                <a:tc gridSpan="2">
+                <a:tc>
                   <a:txBody>
                     <a:bodyPr/>
                     <a:lstStyle/>
@@ -9559,17 +8835,7 @@
                   </a:txBody>
                   <a:tcPr anchor="ctr"/>
                 </a:tc>
-                <a:tc hMerge="1">
-                  <a:txBody>
-                    <a:bodyPr/>
-                    <a:lstStyle/>
-                    <a:p>
-                      <a:endParaRPr lang="en-US"/>
-                    </a:p>
-                  </a:txBody>
-                  <a:tcPr/>
-                </a:tc>
-                <a:tc gridSpan="2">
+                <a:tc>
                   <a:txBody>
                     <a:bodyPr/>
                     <a:lstStyle/>
@@ -9608,17 +8874,7 @@
                   </a:txBody>
                   <a:tcPr anchor="ctr"/>
                 </a:tc>
-                <a:tc hMerge="1">
-                  <a:txBody>
-                    <a:bodyPr/>
-                    <a:lstStyle/>
-                    <a:p>
-                      <a:endParaRPr lang="en-US"/>
-                    </a:p>
-                  </a:txBody>
-                  <a:tcPr/>
-                </a:tc>
-                <a:tc gridSpan="2">
+                <a:tc>
                   <a:txBody>
                     <a:bodyPr/>
                     <a:lstStyle/>
@@ -9657,24 +8913,14 @@
                   </a:txBody>
                   <a:tcPr anchor="ctr"/>
                 </a:tc>
-                <a:tc hMerge="1">
-                  <a:txBody>
-                    <a:bodyPr/>
-                    <a:lstStyle/>
-                    <a:p>
-                      <a:endParaRPr lang="en-US"/>
-                    </a:p>
-                  </a:txBody>
-                  <a:tcPr/>
-                </a:tc>
                 <a:extLst>
                   <a:ext uri="{0D108BD9-81ED-4DB2-BD59-A6C34878D82A}">
                     <a16:rowId xmlns:a16="http://schemas.microsoft.com/office/drawing/2014/main" val="10001"/>
                   </a:ext>
                 </a:extLst>
               </a:tr>
-              <a:tr h="1946567">
-                <a:tc rowSpan="3">
+              <a:tr h="2678087">
+                <a:tc>
                   <a:txBody>
                     <a:bodyPr/>
                     <a:lstStyle/>
@@ -9752,7 +8998,7 @@
                   </a:txBody>
                   <a:tcPr anchor="ctr"/>
                 </a:tc>
-                <a:tc gridSpan="2">
+                <a:tc>
                   <a:txBody>
                     <a:bodyPr/>
                     <a:lstStyle/>
@@ -9775,17 +9021,7 @@
                   </a:txBody>
                   <a:tcPr anchor="ctr"/>
                 </a:tc>
-                <a:tc hMerge="1">
-                  <a:txBody>
-                    <a:bodyPr/>
-                    <a:lstStyle/>
-                    <a:p>
-                      <a:endParaRPr lang="en-US"/>
-                    </a:p>
-                  </a:txBody>
-                  <a:tcPr/>
-                </a:tc>
-                <a:tc gridSpan="2">
+                <a:tc>
                   <a:txBody>
                     <a:bodyPr/>
                     <a:lstStyle/>
@@ -9800,17 +9036,7 @@
                   </a:txBody>
                   <a:tcPr anchor="ctr"/>
                 </a:tc>
-                <a:tc hMerge="1">
-                  <a:txBody>
-                    <a:bodyPr/>
-                    <a:lstStyle/>
-                    <a:p>
-                      <a:endParaRPr lang="en-US"/>
-                    </a:p>
-                  </a:txBody>
-                  <a:tcPr/>
-                </a:tc>
-                <a:tc gridSpan="2">
+                <a:tc>
                   <a:txBody>
                     <a:bodyPr/>
                     <a:lstStyle/>
@@ -9824,16 +9050,6 @@
                     </a:p>
                   </a:txBody>
                   <a:tcPr anchor="ctr"/>
-                </a:tc>
-                <a:tc hMerge="1">
-                  <a:txBody>
-                    <a:bodyPr/>
-                    <a:lstStyle/>
-                    <a:p>
-                      <a:endParaRPr lang="en-US"/>
-                    </a:p>
-                  </a:txBody>
-                  <a:tcPr/>
                 </a:tc>
                 <a:extLst>
                   <a:ext uri="{0D108BD9-81ED-4DB2-BD59-A6C34878D82A}">
@@ -9841,8 +9057,8 @@
                   </a:ext>
                 </a:extLst>
               </a:tr>
-              <a:tr h="365760">
-                <a:tc vMerge="1">
+              <a:tr h="2687100">
+                <a:tc>
                   <a:txBody>
                     <a:bodyPr/>
                     <a:lstStyle/>
@@ -9864,184 +9080,24 @@
                         <a:tabLst/>
                         <a:defRPr/>
                       </a:pPr>
-                      <a:endParaRPr lang="zh-TW" altLang="en-US" dirty="0">
-                        <a:latin typeface="Times New Roman" panose="02020603050405020304" pitchFamily="18" charset="0"/>
-                        <a:ea typeface="標楷體" panose="03000509000000000000" pitchFamily="65" charset="-120"/>
-                        <a:cs typeface="Times New Roman" panose="02020603050405020304" pitchFamily="18" charset="0"/>
-                      </a:endParaRPr>
-                    </a:p>
-                  </a:txBody>
-                  <a:tcPr anchor="ctr"/>
-                </a:tc>
-                <a:tc>
-                  <a:txBody>
-                    <a:bodyPr/>
-                    <a:lstStyle/>
-                    <a:p>
-                      <a:pPr algn="ctr"/>
                       <a:r>
                         <a:rPr lang="zh-CN" altLang="en-US" dirty="0">
                           <a:latin typeface="Times New Roman" panose="02020603050405020304" pitchFamily="18" charset="0"/>
                           <a:ea typeface="標楷體" panose="03000509000000000000" pitchFamily="65" charset="-120"/>
                           <a:cs typeface="Times New Roman" panose="02020603050405020304" pitchFamily="18" charset="0"/>
                         </a:rPr>
-                        <a:t>顏色</a:t>
-                      </a:r>
-                      <a:endParaRPr lang="zh-TW" altLang="en-US" dirty="0">
-                        <a:latin typeface="Times New Roman" panose="02020603050405020304" pitchFamily="18" charset="0"/>
-                        <a:ea typeface="標楷體" panose="03000509000000000000" pitchFamily="65" charset="-120"/>
-                        <a:cs typeface="Times New Roman" panose="02020603050405020304" pitchFamily="18" charset="0"/>
-                      </a:endParaRPr>
-                    </a:p>
-                  </a:txBody>
-                  <a:tcPr anchor="ctr"/>
-                </a:tc>
-                <a:tc>
-                  <a:txBody>
-                    <a:bodyPr/>
-                    <a:lstStyle/>
-                    <a:p>
-                      <a:pPr algn="ctr"/>
-                      <a:r>
-                        <a:rPr lang="zh-CN" altLang="en-US" dirty="0">
-                          <a:latin typeface="Times New Roman" panose="02020603050405020304" pitchFamily="18" charset="0"/>
-                          <a:ea typeface="標楷體" panose="03000509000000000000" pitchFamily="65" charset="-120"/>
-                          <a:cs typeface="Times New Roman" panose="02020603050405020304" pitchFamily="18" charset="0"/>
-                        </a:rPr>
-                        <a:t>白色</a:t>
-                      </a:r>
-                      <a:endParaRPr lang="zh-TW" altLang="en-US" dirty="0">
-                        <a:latin typeface="Times New Roman" panose="02020603050405020304" pitchFamily="18" charset="0"/>
-                        <a:ea typeface="標楷體" panose="03000509000000000000" pitchFamily="65" charset="-120"/>
-                        <a:cs typeface="Times New Roman" panose="02020603050405020304" pitchFamily="18" charset="0"/>
-                      </a:endParaRPr>
-                    </a:p>
-                  </a:txBody>
-                  <a:tcPr anchor="ctr"/>
-                </a:tc>
-                <a:tc>
-                  <a:txBody>
-                    <a:bodyPr/>
-                    <a:lstStyle/>
-                    <a:p>
-                      <a:pPr algn="ctr"/>
-                      <a:r>
-                        <a:rPr lang="zh-CN" altLang="en-US" dirty="0">
-                          <a:latin typeface="Times New Roman" panose="02020603050405020304" pitchFamily="18" charset="0"/>
-                          <a:ea typeface="標楷體" panose="03000509000000000000" pitchFamily="65" charset="-120"/>
-                          <a:cs typeface="Times New Roman" panose="02020603050405020304" pitchFamily="18" charset="0"/>
-                        </a:rPr>
-                        <a:t>灰色</a:t>
-                      </a:r>
-                      <a:endParaRPr lang="zh-TW" altLang="en-US" dirty="0">
-                        <a:latin typeface="Times New Roman" panose="02020603050405020304" pitchFamily="18" charset="0"/>
-                        <a:ea typeface="標楷體" panose="03000509000000000000" pitchFamily="65" charset="-120"/>
-                        <a:cs typeface="Times New Roman" panose="02020603050405020304" pitchFamily="18" charset="0"/>
-                      </a:endParaRPr>
-                    </a:p>
-                  </a:txBody>
-                  <a:tcPr anchor="ctr"/>
-                </a:tc>
-                <a:tc>
-                  <a:txBody>
-                    <a:bodyPr/>
-                    <a:lstStyle/>
-                    <a:p>
-                      <a:pPr algn="ctr"/>
-                      <a:r>
-                        <a:rPr lang="zh-CN" altLang="en-US" dirty="0">
-                          <a:latin typeface="Times New Roman" panose="02020603050405020304" pitchFamily="18" charset="0"/>
-                          <a:ea typeface="標楷體" panose="03000509000000000000" pitchFamily="65" charset="-120"/>
-                          <a:cs typeface="Times New Roman" panose="02020603050405020304" pitchFamily="18" charset="0"/>
-                        </a:rPr>
-                        <a:t>白色</a:t>
-                      </a:r>
-                      <a:endParaRPr lang="zh-TW" altLang="en-US" dirty="0">
-                        <a:latin typeface="Times New Roman" panose="02020603050405020304" pitchFamily="18" charset="0"/>
-                        <a:ea typeface="標楷體" panose="03000509000000000000" pitchFamily="65" charset="-120"/>
-                        <a:cs typeface="Times New Roman" panose="02020603050405020304" pitchFamily="18" charset="0"/>
-                      </a:endParaRPr>
-                    </a:p>
-                  </a:txBody>
-                  <a:tcPr anchor="ctr"/>
-                </a:tc>
-                <a:tc>
-                  <a:txBody>
-                    <a:bodyPr/>
-                    <a:lstStyle/>
-                    <a:p>
-                      <a:pPr algn="ctr"/>
-                      <a:r>
-                        <a:rPr lang="zh-CN" altLang="en-US" dirty="0">
-                          <a:latin typeface="Times New Roman" panose="02020603050405020304" pitchFamily="18" charset="0"/>
-                          <a:ea typeface="標楷體" panose="03000509000000000000" pitchFamily="65" charset="-120"/>
-                          <a:cs typeface="Times New Roman" panose="02020603050405020304" pitchFamily="18" charset="0"/>
-                        </a:rPr>
-                        <a:t>灰色</a:t>
-                      </a:r>
-                      <a:endParaRPr lang="zh-TW" altLang="en-US" dirty="0">
-                        <a:latin typeface="Times New Roman" panose="02020603050405020304" pitchFamily="18" charset="0"/>
-                        <a:ea typeface="標楷體" panose="03000509000000000000" pitchFamily="65" charset="-120"/>
-                        <a:cs typeface="Times New Roman" panose="02020603050405020304" pitchFamily="18" charset="0"/>
-                      </a:endParaRPr>
-                    </a:p>
-                  </a:txBody>
-                  <a:tcPr anchor="ctr"/>
-                </a:tc>
-                <a:tc>
-                  <a:txBody>
-                    <a:bodyPr/>
-                    <a:lstStyle/>
-                    <a:p>
-                      <a:pPr algn="ctr"/>
-                      <a:r>
-                        <a:rPr lang="zh-CN" altLang="en-US" dirty="0">
-                          <a:latin typeface="Times New Roman" panose="02020603050405020304" pitchFamily="18" charset="0"/>
-                          <a:ea typeface="標楷體" panose="03000509000000000000" pitchFamily="65" charset="-120"/>
-                          <a:cs typeface="Times New Roman" panose="02020603050405020304" pitchFamily="18" charset="0"/>
-                        </a:rPr>
-                        <a:t>白色</a:t>
-                      </a:r>
-                      <a:endParaRPr lang="zh-TW" altLang="en-US" dirty="0">
-                        <a:latin typeface="Times New Roman" panose="02020603050405020304" pitchFamily="18" charset="0"/>
-                        <a:ea typeface="標楷體" panose="03000509000000000000" pitchFamily="65" charset="-120"/>
-                        <a:cs typeface="Times New Roman" panose="02020603050405020304" pitchFamily="18" charset="0"/>
-                      </a:endParaRPr>
-                    </a:p>
-                  </a:txBody>
-                  <a:tcPr anchor="ctr"/>
-                </a:tc>
-                <a:tc>
-                  <a:txBody>
-                    <a:bodyPr/>
-                    <a:lstStyle/>
-                    <a:p>
-                      <a:pPr algn="ctr"/>
-                      <a:r>
-                        <a:rPr lang="zh-CN" altLang="en-US" dirty="0">
-                          <a:latin typeface="Times New Roman" panose="02020603050405020304" pitchFamily="18" charset="0"/>
-                          <a:ea typeface="標楷體" panose="03000509000000000000" pitchFamily="65" charset="-120"/>
-                          <a:cs typeface="Times New Roman" panose="02020603050405020304" pitchFamily="18" charset="0"/>
-                        </a:rPr>
-                        <a:t>灰色</a:t>
-                      </a:r>
-                      <a:endParaRPr lang="zh-TW" altLang="en-US" dirty="0">
-                        <a:latin typeface="Times New Roman" panose="02020603050405020304" pitchFamily="18" charset="0"/>
-                        <a:ea typeface="標楷體" panose="03000509000000000000" pitchFamily="65" charset="-120"/>
-                        <a:cs typeface="Times New Roman" panose="02020603050405020304" pitchFamily="18" charset="0"/>
-                      </a:endParaRPr>
-                    </a:p>
-                  </a:txBody>
-                  <a:tcPr anchor="ctr"/>
-                </a:tc>
-                <a:extLst>
-                  <a:ext uri="{0D108BD9-81ED-4DB2-BD59-A6C34878D82A}">
-                    <a16:rowId xmlns:a16="http://schemas.microsoft.com/office/drawing/2014/main" val="10003"/>
-                  </a:ext>
-                </a:extLst>
-              </a:tr>
-              <a:tr h="365760">
-                <a:tc vMerge="1">
+                        <a:t>下表面</a:t>
+                      </a:r>
+                      <a:endParaRPr lang="zh-TW" altLang="en-US" dirty="0">
+                        <a:latin typeface="Times New Roman" panose="02020603050405020304" pitchFamily="18" charset="0"/>
+                        <a:ea typeface="標楷體" panose="03000509000000000000" pitchFamily="65" charset="-120"/>
+                        <a:cs typeface="Times New Roman" panose="02020603050405020304" pitchFamily="18" charset="0"/>
+                      </a:endParaRPr>
+                    </a:p>
+                  </a:txBody>
+                  <a:tcPr anchor="ctr"/>
+                </a:tc>
+                <a:tc>
                   <a:txBody>
                     <a:bodyPr/>
                     <a:lstStyle/>
@@ -10063,352 +9119,12 @@
                         <a:tabLst/>
                         <a:defRPr/>
                       </a:pPr>
-                      <a:endParaRPr lang="zh-TW" altLang="en-US" dirty="0">
-                        <a:latin typeface="Times New Roman" panose="02020603050405020304" pitchFamily="18" charset="0"/>
-                        <a:ea typeface="標楷體" panose="03000509000000000000" pitchFamily="65" charset="-120"/>
-                        <a:cs typeface="Times New Roman" panose="02020603050405020304" pitchFamily="18" charset="0"/>
-                      </a:endParaRPr>
-                    </a:p>
-                  </a:txBody>
-                  <a:tcPr anchor="ctr"/>
-                </a:tc>
-                <a:tc>
-                  <a:txBody>
-                    <a:bodyPr/>
-                    <a:lstStyle/>
-                    <a:p>
-                      <a:pPr algn="ctr"/>
                       <a:r>
                         <a:rPr lang="zh-CN" altLang="en-US" dirty="0">
                           <a:latin typeface="Times New Roman" panose="02020603050405020304" pitchFamily="18" charset="0"/>
                           <a:ea typeface="標楷體" panose="03000509000000000000" pitchFamily="65" charset="-120"/>
                           <a:cs typeface="Times New Roman" panose="02020603050405020304" pitchFamily="18" charset="0"/>
                         </a:rPr>
-                        <a:t>相比例</a:t>
-                      </a:r>
-                      <a:endParaRPr lang="zh-TW" altLang="en-US" dirty="0">
-                        <a:latin typeface="Times New Roman" panose="02020603050405020304" pitchFamily="18" charset="0"/>
-                        <a:ea typeface="標楷體" panose="03000509000000000000" pitchFamily="65" charset="-120"/>
-                        <a:cs typeface="Times New Roman" panose="02020603050405020304" pitchFamily="18" charset="0"/>
-                      </a:endParaRPr>
-                    </a:p>
-                  </a:txBody>
-                  <a:tcPr anchor="ctr"/>
-                </a:tc>
-                <a:tc>
-                  <a:txBody>
-                    <a:bodyPr/>
-                    <a:lstStyle/>
-                    <a:p>
-                      <a:pPr algn="ctr" fontAlgn="ctr"/>
-                      <a:r>
-                        <a:rPr lang="en-US" altLang="zh-CN" sz="1800" b="0" i="0" u="none" strike="noStrike">
-                          <a:solidFill>
-                            <a:srgbClr val="000000"/>
-                          </a:solidFill>
-                          <a:effectLst/>
-                          <a:latin typeface="Times New Roman" panose="02020603050405020304" pitchFamily="18" charset="0"/>
-                          <a:cs typeface="Times New Roman" panose="02020603050405020304" pitchFamily="18" charset="0"/>
-                        </a:rPr>
-                        <a:t>T0</a:t>
-                      </a:r>
-                      <a:r>
-                        <a:rPr lang="vi-VN" altLang="zh-CN" sz="1800" b="0" i="0" u="none" strike="noStrike">
-                          <a:solidFill>
-                            <a:srgbClr val="000000"/>
-                          </a:solidFill>
-                          <a:effectLst/>
-                          <a:latin typeface="Times New Roman" panose="02020603050405020304" pitchFamily="18" charset="0"/>
-                          <a:cs typeface="Times New Roman" panose="02020603050405020304" pitchFamily="18" charset="0"/>
-                        </a:rPr>
-                        <a:t>-1</a:t>
-                      </a:r>
-                      <a:endParaRPr lang="en-US" altLang="zh-CN" sz="1800" b="0" i="0" u="none" strike="noStrike">
-                        <a:solidFill>
-                          <a:srgbClr val="000000"/>
-                        </a:solidFill>
-                        <a:effectLst/>
-                        <a:latin typeface="Times New Roman" panose="02020603050405020304" pitchFamily="18" charset="0"/>
-                        <a:cs typeface="Times New Roman" panose="02020603050405020304" pitchFamily="18" charset="0"/>
-                      </a:endParaRPr>
-                    </a:p>
-                  </a:txBody>
-                  <a:tcPr marL="9525" marR="9525" marT="9525" marB="0" anchor="ctr"/>
-                </a:tc>
-                <a:tc>
-                  <a:txBody>
-                    <a:bodyPr/>
-                    <a:lstStyle/>
-                    <a:p>
-                      <a:pPr algn="ctr" fontAlgn="ctr"/>
-                      <a:r>
-                        <a:rPr lang="en-US" altLang="zh-CN" sz="1800" b="0" i="0" u="none" strike="noStrike">
-                          <a:solidFill>
-                            <a:srgbClr val="000000"/>
-                          </a:solidFill>
-                          <a:effectLst/>
-                          <a:latin typeface="Times New Roman" panose="02020603050405020304" pitchFamily="18" charset="0"/>
-                          <a:cs typeface="Times New Roman" panose="02020603050405020304" pitchFamily="18" charset="0"/>
-                        </a:rPr>
-                        <a:t>T0</a:t>
-                      </a:r>
-                      <a:r>
-                        <a:rPr lang="vi-VN" altLang="zh-CN" sz="1800" b="0" i="0" u="none" strike="noStrike">
-                          <a:solidFill>
-                            <a:srgbClr val="000000"/>
-                          </a:solidFill>
-                          <a:effectLst/>
-                          <a:latin typeface="Times New Roman" panose="02020603050405020304" pitchFamily="18" charset="0"/>
-                          <a:cs typeface="Times New Roman" panose="02020603050405020304" pitchFamily="18" charset="0"/>
-                        </a:rPr>
-                        <a:t>-2</a:t>
-                      </a:r>
-                      <a:endParaRPr lang="en-US" altLang="zh-CN" sz="1800" b="0" i="0" u="none" strike="noStrike" dirty="0">
-                        <a:solidFill>
-                          <a:srgbClr val="000000"/>
-                        </a:solidFill>
-                        <a:effectLst/>
-                        <a:latin typeface="Times New Roman" panose="02020603050405020304" pitchFamily="18" charset="0"/>
-                        <a:cs typeface="Times New Roman" panose="02020603050405020304" pitchFamily="18" charset="0"/>
-                      </a:endParaRPr>
-                    </a:p>
-                  </a:txBody>
-                  <a:tcPr marL="9525" marR="9525" marT="9525" marB="0" anchor="ctr"/>
-                </a:tc>
-                <a:tc>
-                  <a:txBody>
-                    <a:bodyPr/>
-                    <a:lstStyle/>
-                    <a:p>
-                      <a:pPr algn="ctr" fontAlgn="ctr"/>
-                      <a:r>
-                        <a:rPr lang="en-US" altLang="zh-CN" sz="1800" b="0" i="0" u="none" strike="noStrike">
-                          <a:solidFill>
-                            <a:srgbClr val="000000"/>
-                          </a:solidFill>
-                          <a:effectLst/>
-                          <a:latin typeface="Times New Roman" panose="02020603050405020304" pitchFamily="18" charset="0"/>
-                          <a:cs typeface="Times New Roman" panose="02020603050405020304" pitchFamily="18" charset="0"/>
-                        </a:rPr>
-                        <a:t>T1</a:t>
-                      </a:r>
-                      <a:r>
-                        <a:rPr lang="vi-VN" altLang="zh-CN" sz="1800" b="0" i="0" u="none" strike="noStrike">
-                          <a:solidFill>
-                            <a:srgbClr val="000000"/>
-                          </a:solidFill>
-                          <a:effectLst/>
-                          <a:latin typeface="Times New Roman" panose="02020603050405020304" pitchFamily="18" charset="0"/>
-                          <a:cs typeface="Times New Roman" panose="02020603050405020304" pitchFamily="18" charset="0"/>
-                        </a:rPr>
-                        <a:t>-1</a:t>
-                      </a:r>
-                      <a:endParaRPr lang="en-US" altLang="zh-CN" sz="1800" b="0" i="0" u="none" strike="noStrike">
-                        <a:solidFill>
-                          <a:srgbClr val="000000"/>
-                        </a:solidFill>
-                        <a:effectLst/>
-                        <a:latin typeface="Times New Roman" panose="02020603050405020304" pitchFamily="18" charset="0"/>
-                        <a:cs typeface="Times New Roman" panose="02020603050405020304" pitchFamily="18" charset="0"/>
-                      </a:endParaRPr>
-                    </a:p>
-                  </a:txBody>
-                  <a:tcPr marL="9525" marR="9525" marT="9525" marB="0" anchor="ctr"/>
-                </a:tc>
-                <a:tc>
-                  <a:txBody>
-                    <a:bodyPr/>
-                    <a:lstStyle/>
-                    <a:p>
-                      <a:pPr algn="ctr" fontAlgn="ctr"/>
-                      <a:r>
-                        <a:rPr lang="en-US" altLang="zh-CN" sz="1800" b="0" i="0" u="none" strike="noStrike">
-                          <a:solidFill>
-                            <a:srgbClr val="000000"/>
-                          </a:solidFill>
-                          <a:effectLst/>
-                          <a:latin typeface="Times New Roman" panose="02020603050405020304" pitchFamily="18" charset="0"/>
-                          <a:cs typeface="Times New Roman" panose="02020603050405020304" pitchFamily="18" charset="0"/>
-                        </a:rPr>
-                        <a:t>T1</a:t>
-                      </a:r>
-                      <a:r>
-                        <a:rPr lang="vi-VN" altLang="zh-CN" sz="1800" b="0" i="0" u="none" strike="noStrike">
-                          <a:solidFill>
-                            <a:srgbClr val="000000"/>
-                          </a:solidFill>
-                          <a:effectLst/>
-                          <a:latin typeface="Times New Roman" panose="02020603050405020304" pitchFamily="18" charset="0"/>
-                          <a:cs typeface="Times New Roman" panose="02020603050405020304" pitchFamily="18" charset="0"/>
-                        </a:rPr>
-                        <a:t>-2</a:t>
-                      </a:r>
-                      <a:endParaRPr lang="en-US" altLang="zh-CN" sz="1800" b="0" i="0" u="none" strike="noStrike" dirty="0">
-                        <a:solidFill>
-                          <a:srgbClr val="000000"/>
-                        </a:solidFill>
-                        <a:effectLst/>
-                        <a:latin typeface="Times New Roman" panose="02020603050405020304" pitchFamily="18" charset="0"/>
-                        <a:cs typeface="Times New Roman" panose="02020603050405020304" pitchFamily="18" charset="0"/>
-                      </a:endParaRPr>
-                    </a:p>
-                  </a:txBody>
-                  <a:tcPr marL="9525" marR="9525" marT="9525" marB="0" anchor="ctr"/>
-                </a:tc>
-                <a:tc>
-                  <a:txBody>
-                    <a:bodyPr/>
-                    <a:lstStyle/>
-                    <a:p>
-                      <a:pPr algn="ctr" fontAlgn="ctr"/>
-                      <a:r>
-                        <a:rPr lang="en-US" altLang="zh-CN" sz="1800" b="0" i="0" u="none" strike="noStrike">
-                          <a:solidFill>
-                            <a:srgbClr val="000000"/>
-                          </a:solidFill>
-                          <a:effectLst/>
-                          <a:latin typeface="Times New Roman" panose="02020603050405020304" pitchFamily="18" charset="0"/>
-                          <a:cs typeface="Times New Roman" panose="02020603050405020304" pitchFamily="18" charset="0"/>
-                        </a:rPr>
-                        <a:t>T2</a:t>
-                      </a:r>
-                      <a:r>
-                        <a:rPr lang="vi-VN" altLang="zh-CN" sz="1800" b="0" i="0" u="none" strike="noStrike">
-                          <a:solidFill>
-                            <a:srgbClr val="000000"/>
-                          </a:solidFill>
-                          <a:effectLst/>
-                          <a:latin typeface="Times New Roman" panose="02020603050405020304" pitchFamily="18" charset="0"/>
-                          <a:cs typeface="Times New Roman" panose="02020603050405020304" pitchFamily="18" charset="0"/>
-                        </a:rPr>
-                        <a:t>-1</a:t>
-                      </a:r>
-                      <a:endParaRPr lang="en-US" altLang="zh-CN" sz="1800" b="0" i="0" u="none" strike="noStrike">
-                        <a:solidFill>
-                          <a:srgbClr val="000000"/>
-                        </a:solidFill>
-                        <a:effectLst/>
-                        <a:latin typeface="Times New Roman" panose="02020603050405020304" pitchFamily="18" charset="0"/>
-                        <a:cs typeface="Times New Roman" panose="02020603050405020304" pitchFamily="18" charset="0"/>
-                      </a:endParaRPr>
-                    </a:p>
-                  </a:txBody>
-                  <a:tcPr marL="9525" marR="9525" marT="9525" marB="0" anchor="ctr"/>
-                </a:tc>
-                <a:tc>
-                  <a:txBody>
-                    <a:bodyPr/>
-                    <a:lstStyle/>
-                    <a:p>
-                      <a:pPr algn="ctr" fontAlgn="ctr"/>
-                      <a:r>
-                        <a:rPr lang="en-US" altLang="zh-CN" sz="1800" b="0" i="0" u="none" strike="noStrike">
-                          <a:solidFill>
-                            <a:srgbClr val="000000"/>
-                          </a:solidFill>
-                          <a:effectLst/>
-                          <a:latin typeface="Times New Roman" panose="02020603050405020304" pitchFamily="18" charset="0"/>
-                          <a:cs typeface="Times New Roman" panose="02020603050405020304" pitchFamily="18" charset="0"/>
-                        </a:rPr>
-                        <a:t>T2</a:t>
-                      </a:r>
-                      <a:r>
-                        <a:rPr lang="vi-VN" altLang="zh-CN" sz="1800" b="0" i="0" u="none" strike="noStrike">
-                          <a:solidFill>
-                            <a:srgbClr val="000000"/>
-                          </a:solidFill>
-                          <a:effectLst/>
-                          <a:latin typeface="Times New Roman" panose="02020603050405020304" pitchFamily="18" charset="0"/>
-                          <a:cs typeface="Times New Roman" panose="02020603050405020304" pitchFamily="18" charset="0"/>
-                        </a:rPr>
-                        <a:t>-2</a:t>
-                      </a:r>
-                      <a:endParaRPr lang="en-US" altLang="zh-CN" sz="1800" b="0" i="0" u="none" strike="noStrike" dirty="0">
-                        <a:solidFill>
-                          <a:srgbClr val="000000"/>
-                        </a:solidFill>
-                        <a:effectLst/>
-                        <a:latin typeface="Times New Roman" panose="02020603050405020304" pitchFamily="18" charset="0"/>
-                        <a:cs typeface="Times New Roman" panose="02020603050405020304" pitchFamily="18" charset="0"/>
-                      </a:endParaRPr>
-                    </a:p>
-                  </a:txBody>
-                  <a:tcPr marL="9525" marR="9525" marT="9525" marB="0" anchor="ctr"/>
-                </a:tc>
-                <a:extLst>
-                  <a:ext uri="{0D108BD9-81ED-4DB2-BD59-A6C34878D82A}">
-                    <a16:rowId xmlns:a16="http://schemas.microsoft.com/office/drawing/2014/main" val="10004"/>
-                  </a:ext>
-                </a:extLst>
-              </a:tr>
-              <a:tr h="1950908">
-                <a:tc rowSpan="3">
-                  <a:txBody>
-                    <a:bodyPr/>
-                    <a:lstStyle/>
-                    <a:p>
-                      <a:pPr marL="0" marR="0" indent="0" algn="ctr" defTabSz="914400" rtl="0" eaLnBrk="1" fontAlgn="auto" latinLnBrk="0" hangingPunct="1">
-                        <a:lnSpc>
-                          <a:spcPct val="100000"/>
-                        </a:lnSpc>
-                        <a:spcBef>
-                          <a:spcPts val="0"/>
-                        </a:spcBef>
-                        <a:spcAft>
-                          <a:spcPts val="0"/>
-                        </a:spcAft>
-                        <a:buClrTx/>
-                        <a:buSzTx/>
-                        <a:buFontTx/>
-                        <a:buNone/>
-                        <a:tabLst/>
-                        <a:defRPr/>
-                      </a:pPr>
-                      <a:r>
-                        <a:rPr lang="zh-CN" altLang="en-US" dirty="0">
-                          <a:latin typeface="Times New Roman" panose="02020603050405020304" pitchFamily="18" charset="0"/>
-                          <a:ea typeface="標楷體" panose="03000509000000000000" pitchFamily="65" charset="-120"/>
-                          <a:cs typeface="Times New Roman" panose="02020603050405020304" pitchFamily="18" charset="0"/>
-                        </a:rPr>
-                        <a:t>下表面</a:t>
-                      </a:r>
-                      <a:endParaRPr lang="zh-TW" altLang="en-US" dirty="0">
-                        <a:latin typeface="Times New Roman" panose="02020603050405020304" pitchFamily="18" charset="0"/>
-                        <a:ea typeface="標楷體" panose="03000509000000000000" pitchFamily="65" charset="-120"/>
-                        <a:cs typeface="Times New Roman" panose="02020603050405020304" pitchFamily="18" charset="0"/>
-                      </a:endParaRPr>
-                    </a:p>
-                  </a:txBody>
-                  <a:tcPr anchor="ctr"/>
-                </a:tc>
-                <a:tc>
-                  <a:txBody>
-                    <a:bodyPr/>
-                    <a:lstStyle/>
-                    <a:p>
-                      <a:pPr marL="0" marR="0" indent="0" algn="ctr" defTabSz="914400" rtl="0" eaLnBrk="1" fontAlgn="auto" latinLnBrk="0" hangingPunct="1">
-                        <a:lnSpc>
-                          <a:spcPct val="100000"/>
-                        </a:lnSpc>
-                        <a:spcBef>
-                          <a:spcPts val="0"/>
-                        </a:spcBef>
-                        <a:spcAft>
-                          <a:spcPts val="0"/>
-                        </a:spcAft>
-                        <a:buClrTx/>
-                        <a:buSzTx/>
-                        <a:buFontTx/>
-                        <a:buNone/>
-                        <a:tabLst/>
-                        <a:defRPr/>
-                      </a:pPr>
-                      <a:r>
-                        <a:rPr lang="zh-CN" altLang="en-US" dirty="0">
-                          <a:latin typeface="Times New Roman" panose="02020603050405020304" pitchFamily="18" charset="0"/>
-                          <a:ea typeface="標楷體" panose="03000509000000000000" pitchFamily="65" charset="-120"/>
-                          <a:cs typeface="Times New Roman" panose="02020603050405020304" pitchFamily="18" charset="0"/>
-                        </a:rPr>
                         <a:t>照片</a:t>
                       </a:r>
                       <a:endParaRPr lang="zh-TW" altLang="en-US" dirty="0">
@@ -10420,7 +9136,7 @@
                   </a:txBody>
                   <a:tcPr anchor="ctr"/>
                 </a:tc>
-                <a:tc gridSpan="2">
+                <a:tc>
                   <a:txBody>
                     <a:bodyPr/>
                     <a:lstStyle/>
@@ -10499,17 +9215,7 @@
                   </a:txBody>
                   <a:tcPr anchor="ctr"/>
                 </a:tc>
-                <a:tc hMerge="1">
-                  <a:txBody>
-                    <a:bodyPr/>
-                    <a:lstStyle/>
-                    <a:p>
-                      <a:endParaRPr lang="en-US"/>
-                    </a:p>
-                  </a:txBody>
-                  <a:tcPr/>
-                </a:tc>
-                <a:tc gridSpan="2">
+                <a:tc>
                   <a:txBody>
                     <a:bodyPr/>
                     <a:lstStyle/>
@@ -10540,17 +9246,7 @@
                   </a:txBody>
                   <a:tcPr anchor="ctr"/>
                 </a:tc>
-                <a:tc hMerge="1">
-                  <a:txBody>
-                    <a:bodyPr/>
-                    <a:lstStyle/>
-                    <a:p>
-                      <a:endParaRPr lang="en-US"/>
-                    </a:p>
-                  </a:txBody>
-                  <a:tcPr/>
-                </a:tc>
-                <a:tc gridSpan="2">
+                <a:tc>
                   <a:txBody>
                     <a:bodyPr/>
                     <a:lstStyle/>
@@ -10581,519 +9277,9 @@
                   </a:txBody>
                   <a:tcPr anchor="ctr"/>
                 </a:tc>
-                <a:tc hMerge="1">
-                  <a:txBody>
-                    <a:bodyPr/>
-                    <a:lstStyle/>
-                    <a:p>
-                      <a:endParaRPr lang="en-US"/>
-                    </a:p>
-                  </a:txBody>
-                  <a:tcPr/>
-                </a:tc>
                 <a:extLst>
                   <a:ext uri="{0D108BD9-81ED-4DB2-BD59-A6C34878D82A}">
                     <a16:rowId xmlns:a16="http://schemas.microsoft.com/office/drawing/2014/main" val="10005"/>
-                  </a:ext>
-                </a:extLst>
-              </a:tr>
-              <a:tr h="368096">
-                <a:tc vMerge="1">
-                  <a:txBody>
-                    <a:bodyPr/>
-                    <a:lstStyle/>
-                    <a:p>
-                      <a:pPr marL="0" marR="0" indent="0" algn="ctr" defTabSz="914400" rtl="0" eaLnBrk="1" fontAlgn="auto" latinLnBrk="0" hangingPunct="1">
-                        <a:lnSpc>
-                          <a:spcPct val="100000"/>
-                        </a:lnSpc>
-                        <a:spcBef>
-                          <a:spcPts val="0"/>
-                        </a:spcBef>
-                        <a:spcAft>
-                          <a:spcPts val="0"/>
-                        </a:spcAft>
-                        <a:buClrTx/>
-                        <a:buSzTx/>
-                        <a:buFontTx/>
-                        <a:buNone/>
-                        <a:tabLst/>
-                        <a:defRPr/>
-                      </a:pPr>
-                      <a:endParaRPr lang="zh-TW" altLang="en-US" dirty="0">
-                        <a:latin typeface="Times New Roman" panose="02020603050405020304" pitchFamily="18" charset="0"/>
-                        <a:ea typeface="標楷體" panose="03000509000000000000" pitchFamily="65" charset="-120"/>
-                        <a:cs typeface="Times New Roman" panose="02020603050405020304" pitchFamily="18" charset="0"/>
-                      </a:endParaRPr>
-                    </a:p>
-                  </a:txBody>
-                  <a:tcPr anchor="ctr"/>
-                </a:tc>
-                <a:tc>
-                  <a:txBody>
-                    <a:bodyPr/>
-                    <a:lstStyle/>
-                    <a:p>
-                      <a:pPr algn="ctr"/>
-                      <a:r>
-                        <a:rPr lang="zh-CN" altLang="en-US" dirty="0">
-                          <a:latin typeface="Times New Roman" panose="02020603050405020304" pitchFamily="18" charset="0"/>
-                          <a:ea typeface="標楷體" panose="03000509000000000000" pitchFamily="65" charset="-120"/>
-                          <a:cs typeface="Times New Roman" panose="02020603050405020304" pitchFamily="18" charset="0"/>
-                        </a:rPr>
-                        <a:t>顏色</a:t>
-                      </a:r>
-                      <a:endParaRPr lang="zh-TW" altLang="en-US" dirty="0">
-                        <a:latin typeface="Times New Roman" panose="02020603050405020304" pitchFamily="18" charset="0"/>
-                        <a:ea typeface="標楷體" panose="03000509000000000000" pitchFamily="65" charset="-120"/>
-                        <a:cs typeface="Times New Roman" panose="02020603050405020304" pitchFamily="18" charset="0"/>
-                      </a:endParaRPr>
-                    </a:p>
-                  </a:txBody>
-                  <a:tcPr anchor="ctr"/>
-                </a:tc>
-                <a:tc>
-                  <a:txBody>
-                    <a:bodyPr/>
-                    <a:lstStyle/>
-                    <a:p>
-                      <a:pPr algn="ctr"/>
-                      <a:r>
-                        <a:rPr lang="zh-CN" altLang="en-US" dirty="0">
-                          <a:latin typeface="Times New Roman" panose="02020603050405020304" pitchFamily="18" charset="0"/>
-                          <a:ea typeface="標楷體" panose="03000509000000000000" pitchFamily="65" charset="-120"/>
-                          <a:cs typeface="Times New Roman" panose="02020603050405020304" pitchFamily="18" charset="0"/>
-                        </a:rPr>
-                        <a:t>白色</a:t>
-                      </a:r>
-                      <a:endParaRPr lang="zh-TW" altLang="en-US" dirty="0">
-                        <a:latin typeface="Times New Roman" panose="02020603050405020304" pitchFamily="18" charset="0"/>
-                        <a:ea typeface="標楷體" panose="03000509000000000000" pitchFamily="65" charset="-120"/>
-                        <a:cs typeface="Times New Roman" panose="02020603050405020304" pitchFamily="18" charset="0"/>
-                      </a:endParaRPr>
-                    </a:p>
-                  </a:txBody>
-                  <a:tcPr anchor="ctr"/>
-                </a:tc>
-                <a:tc>
-                  <a:txBody>
-                    <a:bodyPr/>
-                    <a:lstStyle/>
-                    <a:p>
-                      <a:pPr algn="ctr"/>
-                      <a:r>
-                        <a:rPr lang="zh-CN" altLang="en-US" dirty="0">
-                          <a:latin typeface="Times New Roman" panose="02020603050405020304" pitchFamily="18" charset="0"/>
-                          <a:ea typeface="標楷體" panose="03000509000000000000" pitchFamily="65" charset="-120"/>
-                          <a:cs typeface="Times New Roman" panose="02020603050405020304" pitchFamily="18" charset="0"/>
-                        </a:rPr>
-                        <a:t>灰色</a:t>
-                      </a:r>
-                      <a:endParaRPr lang="zh-TW" altLang="en-US" dirty="0">
-                        <a:latin typeface="Times New Roman" panose="02020603050405020304" pitchFamily="18" charset="0"/>
-                        <a:ea typeface="標楷體" panose="03000509000000000000" pitchFamily="65" charset="-120"/>
-                        <a:cs typeface="Times New Roman" panose="02020603050405020304" pitchFamily="18" charset="0"/>
-                      </a:endParaRPr>
-                    </a:p>
-                  </a:txBody>
-                  <a:tcPr anchor="ctr"/>
-                </a:tc>
-                <a:tc>
-                  <a:txBody>
-                    <a:bodyPr/>
-                    <a:lstStyle/>
-                    <a:p>
-                      <a:pPr algn="ctr"/>
-                      <a:r>
-                        <a:rPr lang="zh-CN" altLang="en-US" dirty="0">
-                          <a:latin typeface="Times New Roman" panose="02020603050405020304" pitchFamily="18" charset="0"/>
-                          <a:ea typeface="標楷體" panose="03000509000000000000" pitchFamily="65" charset="-120"/>
-                          <a:cs typeface="Times New Roman" panose="02020603050405020304" pitchFamily="18" charset="0"/>
-                        </a:rPr>
-                        <a:t>白色</a:t>
-                      </a:r>
-                      <a:endParaRPr lang="zh-TW" altLang="en-US" dirty="0">
-                        <a:latin typeface="Times New Roman" panose="02020603050405020304" pitchFamily="18" charset="0"/>
-                        <a:ea typeface="標楷體" panose="03000509000000000000" pitchFamily="65" charset="-120"/>
-                        <a:cs typeface="Times New Roman" panose="02020603050405020304" pitchFamily="18" charset="0"/>
-                      </a:endParaRPr>
-                    </a:p>
-                  </a:txBody>
-                  <a:tcPr anchor="ctr"/>
-                </a:tc>
-                <a:tc>
-                  <a:txBody>
-                    <a:bodyPr/>
-                    <a:lstStyle/>
-                    <a:p>
-                      <a:pPr algn="ctr"/>
-                      <a:r>
-                        <a:rPr lang="zh-CN" altLang="en-US" dirty="0">
-                          <a:latin typeface="Times New Roman" panose="02020603050405020304" pitchFamily="18" charset="0"/>
-                          <a:ea typeface="標楷體" panose="03000509000000000000" pitchFamily="65" charset="-120"/>
-                          <a:cs typeface="Times New Roman" panose="02020603050405020304" pitchFamily="18" charset="0"/>
-                        </a:rPr>
-                        <a:t>灰色</a:t>
-                      </a:r>
-                      <a:endParaRPr lang="zh-TW" altLang="en-US" dirty="0">
-                        <a:latin typeface="Times New Roman" panose="02020603050405020304" pitchFamily="18" charset="0"/>
-                        <a:ea typeface="標楷體" panose="03000509000000000000" pitchFamily="65" charset="-120"/>
-                        <a:cs typeface="Times New Roman" panose="02020603050405020304" pitchFamily="18" charset="0"/>
-                      </a:endParaRPr>
-                    </a:p>
-                  </a:txBody>
-                  <a:tcPr anchor="ctr"/>
-                </a:tc>
-                <a:tc>
-                  <a:txBody>
-                    <a:bodyPr/>
-                    <a:lstStyle/>
-                    <a:p>
-                      <a:pPr algn="ctr"/>
-                      <a:r>
-                        <a:rPr lang="zh-CN" altLang="en-US" dirty="0">
-                          <a:latin typeface="Times New Roman" panose="02020603050405020304" pitchFamily="18" charset="0"/>
-                          <a:ea typeface="標楷體" panose="03000509000000000000" pitchFamily="65" charset="-120"/>
-                          <a:cs typeface="Times New Roman" panose="02020603050405020304" pitchFamily="18" charset="0"/>
-                        </a:rPr>
-                        <a:t>白色</a:t>
-                      </a:r>
-                      <a:endParaRPr lang="zh-TW" altLang="en-US" dirty="0">
-                        <a:latin typeface="Times New Roman" panose="02020603050405020304" pitchFamily="18" charset="0"/>
-                        <a:ea typeface="標楷體" panose="03000509000000000000" pitchFamily="65" charset="-120"/>
-                        <a:cs typeface="Times New Roman" panose="02020603050405020304" pitchFamily="18" charset="0"/>
-                      </a:endParaRPr>
-                    </a:p>
-                  </a:txBody>
-                  <a:tcPr anchor="ctr"/>
-                </a:tc>
-                <a:tc>
-                  <a:txBody>
-                    <a:bodyPr/>
-                    <a:lstStyle/>
-                    <a:p>
-                      <a:pPr algn="ctr"/>
-                      <a:r>
-                        <a:rPr lang="zh-CN" altLang="en-US" dirty="0">
-                          <a:latin typeface="Times New Roman" panose="02020603050405020304" pitchFamily="18" charset="0"/>
-                          <a:ea typeface="標楷體" panose="03000509000000000000" pitchFamily="65" charset="-120"/>
-                          <a:cs typeface="Times New Roman" panose="02020603050405020304" pitchFamily="18" charset="0"/>
-                        </a:rPr>
-                        <a:t>灰色</a:t>
-                      </a:r>
-                      <a:endParaRPr lang="zh-TW" altLang="en-US" dirty="0">
-                        <a:latin typeface="Times New Roman" panose="02020603050405020304" pitchFamily="18" charset="0"/>
-                        <a:ea typeface="標楷體" panose="03000509000000000000" pitchFamily="65" charset="-120"/>
-                        <a:cs typeface="Times New Roman" panose="02020603050405020304" pitchFamily="18" charset="0"/>
-                      </a:endParaRPr>
-                    </a:p>
-                  </a:txBody>
-                  <a:tcPr anchor="ctr"/>
-                </a:tc>
-                <a:extLst>
-                  <a:ext uri="{0D108BD9-81ED-4DB2-BD59-A6C34878D82A}">
-                    <a16:rowId xmlns:a16="http://schemas.microsoft.com/office/drawing/2014/main" val="10006"/>
-                  </a:ext>
-                </a:extLst>
-              </a:tr>
-              <a:tr h="368096">
-                <a:tc vMerge="1">
-                  <a:txBody>
-                    <a:bodyPr/>
-                    <a:lstStyle/>
-                    <a:p>
-                      <a:pPr marL="0" marR="0" indent="0" algn="ctr" defTabSz="914400" rtl="0" eaLnBrk="1" fontAlgn="auto" latinLnBrk="0" hangingPunct="1">
-                        <a:lnSpc>
-                          <a:spcPct val="100000"/>
-                        </a:lnSpc>
-                        <a:spcBef>
-                          <a:spcPts val="0"/>
-                        </a:spcBef>
-                        <a:spcAft>
-                          <a:spcPts val="0"/>
-                        </a:spcAft>
-                        <a:buClrTx/>
-                        <a:buSzTx/>
-                        <a:buFontTx/>
-                        <a:buNone/>
-                        <a:tabLst/>
-                        <a:defRPr/>
-                      </a:pPr>
-                      <a:endParaRPr lang="zh-TW" altLang="en-US" dirty="0">
-                        <a:latin typeface="Times New Roman" panose="02020603050405020304" pitchFamily="18" charset="0"/>
-                        <a:ea typeface="標楷體" panose="03000509000000000000" pitchFamily="65" charset="-120"/>
-                        <a:cs typeface="Times New Roman" panose="02020603050405020304" pitchFamily="18" charset="0"/>
-                      </a:endParaRPr>
-                    </a:p>
-                  </a:txBody>
-                  <a:tcPr anchor="ctr"/>
-                </a:tc>
-                <a:tc>
-                  <a:txBody>
-                    <a:bodyPr/>
-                    <a:lstStyle/>
-                    <a:p>
-                      <a:pPr algn="ctr"/>
-                      <a:r>
-                        <a:rPr lang="zh-CN" altLang="en-US" dirty="0">
-                          <a:latin typeface="Times New Roman" panose="02020603050405020304" pitchFamily="18" charset="0"/>
-                          <a:ea typeface="標楷體" panose="03000509000000000000" pitchFamily="65" charset="-120"/>
-                          <a:cs typeface="Times New Roman" panose="02020603050405020304" pitchFamily="18" charset="0"/>
-                        </a:rPr>
-                        <a:t>相比例</a:t>
-                      </a:r>
-                      <a:endParaRPr lang="zh-TW" altLang="en-US" dirty="0">
-                        <a:latin typeface="Times New Roman" panose="02020603050405020304" pitchFamily="18" charset="0"/>
-                        <a:ea typeface="標楷體" panose="03000509000000000000" pitchFamily="65" charset="-120"/>
-                        <a:cs typeface="Times New Roman" panose="02020603050405020304" pitchFamily="18" charset="0"/>
-                      </a:endParaRPr>
-                    </a:p>
-                  </a:txBody>
-                  <a:tcPr anchor="ctr"/>
-                </a:tc>
-                <a:tc>
-                  <a:txBody>
-                    <a:bodyPr/>
-                    <a:lstStyle/>
-                    <a:p>
-                      <a:pPr algn="ctr" fontAlgn="ctr"/>
-                      <a:r>
-                        <a:rPr lang="en-US" altLang="zh-CN" sz="1800" b="0" i="0" u="none" strike="noStrike">
-                          <a:solidFill>
-                            <a:srgbClr val="000000"/>
-                          </a:solidFill>
-                          <a:effectLst/>
-                          <a:latin typeface="Times New Roman" panose="02020603050405020304" pitchFamily="18" charset="0"/>
-                          <a:cs typeface="Times New Roman" panose="02020603050405020304" pitchFamily="18" charset="0"/>
-                        </a:rPr>
-                        <a:t>B0</a:t>
-                      </a:r>
-                      <a:r>
-                        <a:rPr lang="vi-VN" altLang="zh-CN" sz="1800" b="0" i="0" u="none" strike="noStrike">
-                          <a:solidFill>
-                            <a:srgbClr val="000000"/>
-                          </a:solidFill>
-                          <a:effectLst/>
-                          <a:latin typeface="Times New Roman" panose="02020603050405020304" pitchFamily="18" charset="0"/>
-                          <a:cs typeface="Times New Roman" panose="02020603050405020304" pitchFamily="18" charset="0"/>
-                        </a:rPr>
-                        <a:t>-1</a:t>
-                      </a:r>
-                      <a:endParaRPr lang="en-US" altLang="zh-CN" sz="1800" b="0" i="0" u="none" strike="noStrike">
-                        <a:solidFill>
-                          <a:srgbClr val="000000"/>
-                        </a:solidFill>
-                        <a:effectLst/>
-                        <a:latin typeface="Times New Roman" panose="02020603050405020304" pitchFamily="18" charset="0"/>
-                        <a:cs typeface="Times New Roman" panose="02020603050405020304" pitchFamily="18" charset="0"/>
-                      </a:endParaRPr>
-                    </a:p>
-                  </a:txBody>
-                  <a:tcPr marL="9525" marR="9525" marT="9525" marB="0" anchor="ctr"/>
-                </a:tc>
-                <a:tc>
-                  <a:txBody>
-                    <a:bodyPr/>
-                    <a:lstStyle/>
-                    <a:p>
-                      <a:pPr algn="ctr" fontAlgn="ctr"/>
-                      <a:r>
-                        <a:rPr lang="en-US" altLang="zh-CN" sz="1800" b="0" i="0" u="none" strike="noStrike">
-                          <a:solidFill>
-                            <a:srgbClr val="000000"/>
-                          </a:solidFill>
-                          <a:effectLst/>
-                          <a:latin typeface="Times New Roman" panose="02020603050405020304" pitchFamily="18" charset="0"/>
-                          <a:cs typeface="Times New Roman" panose="02020603050405020304" pitchFamily="18" charset="0"/>
-                        </a:rPr>
-                        <a:t>B0</a:t>
-                      </a:r>
-                      <a:r>
-                        <a:rPr lang="vi-VN" altLang="zh-CN" sz="1800" b="0" i="0" u="none" strike="noStrike">
-                          <a:solidFill>
-                            <a:srgbClr val="000000"/>
-                          </a:solidFill>
-                          <a:effectLst/>
-                          <a:latin typeface="Times New Roman" panose="02020603050405020304" pitchFamily="18" charset="0"/>
-                          <a:cs typeface="Times New Roman" panose="02020603050405020304" pitchFamily="18" charset="0"/>
-                        </a:rPr>
-                        <a:t>-2</a:t>
-                      </a:r>
-                      <a:endParaRPr lang="en-US" altLang="zh-CN" sz="1800" b="0" i="0" u="none" strike="noStrike" dirty="0">
-                        <a:solidFill>
-                          <a:srgbClr val="000000"/>
-                        </a:solidFill>
-                        <a:effectLst/>
-                        <a:latin typeface="Times New Roman" panose="02020603050405020304" pitchFamily="18" charset="0"/>
-                        <a:cs typeface="Times New Roman" panose="02020603050405020304" pitchFamily="18" charset="0"/>
-                      </a:endParaRPr>
-                    </a:p>
-                  </a:txBody>
-                  <a:tcPr marL="9525" marR="9525" marT="9525" marB="0" anchor="ctr"/>
-                </a:tc>
-                <a:tc>
-                  <a:txBody>
-                    <a:bodyPr/>
-                    <a:lstStyle/>
-                    <a:p>
-                      <a:pPr algn="ctr" fontAlgn="ctr"/>
-                      <a:r>
-                        <a:rPr lang="en-US" altLang="zh-CN" sz="1800" b="0" i="0" u="none" strike="noStrike">
-                          <a:solidFill>
-                            <a:srgbClr val="000000"/>
-                          </a:solidFill>
-                          <a:effectLst/>
-                          <a:latin typeface="Times New Roman" panose="02020603050405020304" pitchFamily="18" charset="0"/>
-                          <a:cs typeface="Times New Roman" panose="02020603050405020304" pitchFamily="18" charset="0"/>
-                        </a:rPr>
-                        <a:t>B1</a:t>
-                      </a:r>
-                      <a:r>
-                        <a:rPr lang="vi-VN" altLang="zh-CN" sz="1800" b="0" i="0" u="none" strike="noStrike">
-                          <a:solidFill>
-                            <a:srgbClr val="000000"/>
-                          </a:solidFill>
-                          <a:effectLst/>
-                          <a:latin typeface="Times New Roman" panose="02020603050405020304" pitchFamily="18" charset="0"/>
-                          <a:cs typeface="Times New Roman" panose="02020603050405020304" pitchFamily="18" charset="0"/>
-                        </a:rPr>
-                        <a:t>-1</a:t>
-                      </a:r>
-                      <a:endParaRPr lang="en-US" altLang="zh-CN" sz="1800" b="0" i="0" u="none" strike="noStrike">
-                        <a:solidFill>
-                          <a:srgbClr val="000000"/>
-                        </a:solidFill>
-                        <a:effectLst/>
-                        <a:latin typeface="Times New Roman" panose="02020603050405020304" pitchFamily="18" charset="0"/>
-                        <a:cs typeface="Times New Roman" panose="02020603050405020304" pitchFamily="18" charset="0"/>
-                      </a:endParaRPr>
-                    </a:p>
-                  </a:txBody>
-                  <a:tcPr marL="9525" marR="9525" marT="9525" marB="0" anchor="ctr"/>
-                </a:tc>
-                <a:tc>
-                  <a:txBody>
-                    <a:bodyPr/>
-                    <a:lstStyle/>
-                    <a:p>
-                      <a:pPr algn="ctr" fontAlgn="ctr"/>
-                      <a:r>
-                        <a:rPr lang="en-US" altLang="zh-CN" sz="1800" b="0" i="0" u="none" strike="noStrike">
-                          <a:solidFill>
-                            <a:srgbClr val="000000"/>
-                          </a:solidFill>
-                          <a:effectLst/>
-                          <a:latin typeface="Times New Roman" panose="02020603050405020304" pitchFamily="18" charset="0"/>
-                          <a:cs typeface="Times New Roman" panose="02020603050405020304" pitchFamily="18" charset="0"/>
-                        </a:rPr>
-                        <a:t>B1</a:t>
-                      </a:r>
-                      <a:r>
-                        <a:rPr lang="vi-VN" altLang="zh-CN" sz="1800" b="0" i="0" u="none" strike="noStrike">
-                          <a:solidFill>
-                            <a:srgbClr val="000000"/>
-                          </a:solidFill>
-                          <a:effectLst/>
-                          <a:latin typeface="Times New Roman" panose="02020603050405020304" pitchFamily="18" charset="0"/>
-                          <a:cs typeface="Times New Roman" panose="02020603050405020304" pitchFamily="18" charset="0"/>
-                        </a:rPr>
-                        <a:t>-2</a:t>
-                      </a:r>
-                      <a:endParaRPr lang="en-US" altLang="zh-CN" sz="1800" b="0" i="0" u="none" strike="noStrike" dirty="0">
-                        <a:solidFill>
-                          <a:srgbClr val="000000"/>
-                        </a:solidFill>
-                        <a:effectLst/>
-                        <a:latin typeface="Times New Roman" panose="02020603050405020304" pitchFamily="18" charset="0"/>
-                        <a:cs typeface="Times New Roman" panose="02020603050405020304" pitchFamily="18" charset="0"/>
-                      </a:endParaRPr>
-                    </a:p>
-                  </a:txBody>
-                  <a:tcPr marL="9525" marR="9525" marT="9525" marB="0" anchor="ctr"/>
-                </a:tc>
-                <a:tc>
-                  <a:txBody>
-                    <a:bodyPr/>
-                    <a:lstStyle/>
-                    <a:p>
-                      <a:pPr algn="ctr" fontAlgn="ctr"/>
-                      <a:r>
-                        <a:rPr lang="en-US" altLang="zh-CN" sz="1800" b="0" i="0" u="none" strike="noStrike">
-                          <a:solidFill>
-                            <a:srgbClr val="000000"/>
-                          </a:solidFill>
-                          <a:effectLst/>
-                          <a:latin typeface="Times New Roman" panose="02020603050405020304" pitchFamily="18" charset="0"/>
-                          <a:cs typeface="Times New Roman" panose="02020603050405020304" pitchFamily="18" charset="0"/>
-                        </a:rPr>
-                        <a:t>B2</a:t>
-                      </a:r>
-                      <a:r>
-                        <a:rPr lang="vi-VN" altLang="zh-CN" sz="1800" b="0" i="0" u="none" strike="noStrike">
-                          <a:solidFill>
-                            <a:srgbClr val="000000"/>
-                          </a:solidFill>
-                          <a:effectLst/>
-                          <a:latin typeface="Times New Roman" panose="02020603050405020304" pitchFamily="18" charset="0"/>
-                          <a:cs typeface="Times New Roman" panose="02020603050405020304" pitchFamily="18" charset="0"/>
-                        </a:rPr>
-                        <a:t>-1</a:t>
-                      </a:r>
-                      <a:endParaRPr lang="en-US" altLang="zh-CN" sz="1800" b="0" i="0" u="none" strike="noStrike">
-                        <a:solidFill>
-                          <a:srgbClr val="000000"/>
-                        </a:solidFill>
-                        <a:effectLst/>
-                        <a:latin typeface="Times New Roman" panose="02020603050405020304" pitchFamily="18" charset="0"/>
-                        <a:cs typeface="Times New Roman" panose="02020603050405020304" pitchFamily="18" charset="0"/>
-                      </a:endParaRPr>
-                    </a:p>
-                  </a:txBody>
-                  <a:tcPr marL="9525" marR="9525" marT="9525" marB="0" anchor="ctr"/>
-                </a:tc>
-                <a:tc>
-                  <a:txBody>
-                    <a:bodyPr/>
-                    <a:lstStyle/>
-                    <a:p>
-                      <a:pPr algn="ctr" fontAlgn="ctr"/>
-                      <a:r>
-                        <a:rPr lang="en-US" altLang="zh-CN" sz="1800" b="0" i="0" u="none" strike="noStrike">
-                          <a:solidFill>
-                            <a:srgbClr val="000000"/>
-                          </a:solidFill>
-                          <a:effectLst/>
-                          <a:latin typeface="Times New Roman" panose="02020603050405020304" pitchFamily="18" charset="0"/>
-                          <a:cs typeface="Times New Roman" panose="02020603050405020304" pitchFamily="18" charset="0"/>
-                        </a:rPr>
-                        <a:t>B2</a:t>
-                      </a:r>
-                      <a:r>
-                        <a:rPr lang="vi-VN" altLang="zh-CN" sz="1800" b="0" i="0" u="none" strike="noStrike">
-                          <a:solidFill>
-                            <a:srgbClr val="000000"/>
-                          </a:solidFill>
-                          <a:effectLst/>
-                          <a:latin typeface="Times New Roman" panose="02020603050405020304" pitchFamily="18" charset="0"/>
-                          <a:cs typeface="Times New Roman" panose="02020603050405020304" pitchFamily="18" charset="0"/>
-                        </a:rPr>
-                        <a:t>-2</a:t>
-                      </a:r>
-                      <a:endParaRPr lang="en-US" altLang="zh-CN" sz="1800" b="0" i="0" u="none" strike="noStrike" dirty="0">
-                        <a:solidFill>
-                          <a:srgbClr val="000000"/>
-                        </a:solidFill>
-                        <a:effectLst/>
-                        <a:latin typeface="Times New Roman" panose="02020603050405020304" pitchFamily="18" charset="0"/>
-                        <a:cs typeface="Times New Roman" panose="02020603050405020304" pitchFamily="18" charset="0"/>
-                      </a:endParaRPr>
-                    </a:p>
-                  </a:txBody>
-                  <a:tcPr marL="9525" marR="9525" marT="9525" marB="0" anchor="ctr"/>
-                </a:tc>
-                <a:extLst>
-                  <a:ext uri="{0D108BD9-81ED-4DB2-BD59-A6C34878D82A}">
-                    <a16:rowId xmlns:a16="http://schemas.microsoft.com/office/drawing/2014/main" val="10007"/>
                   </a:ext>
                 </a:extLst>
               </a:tr>
@@ -11104,7 +9290,7 @@
     </p:spTree>
     <p:extLst>
       <p:ext uri="{BB962C8B-B14F-4D97-AF65-F5344CB8AC3E}">
-        <p14:creationId xmlns:p14="http://schemas.microsoft.com/office/powerpoint/2010/main" val="158520088"/>
+        <p14:creationId xmlns:p14="http://schemas.microsoft.com/office/powerpoint/2010/main" val="1212513190"/>
       </p:ext>
     </p:extLst>
   </p:cSld>
@@ -11253,7 +9439,7 @@
                 <a:ea typeface="標楷體" panose="03000509000000000000" pitchFamily="65" charset="-120"/>
                 <a:cs typeface="Times New Roman" panose="02020603050405020304" pitchFamily="18" charset="0"/>
               </a:rPr>
-              <a:t>頭端</a:t>
+              <a:t>尾端</a:t>
             </a:r>
             <a:r>
               <a:rPr lang="zh-CN" altLang="en-US" sz="1600" dirty="0">
@@ -11280,14 +9466,14 @@
           <p:nvPr>
             <p:extLst>
               <p:ext uri="{D42A27DB-BD31-4B8C-83A1-F6EECF244321}">
-                <p14:modId xmlns:p14="http://schemas.microsoft.com/office/powerpoint/2010/main" val="1561876761"/>
+                <p14:modId xmlns:p14="http://schemas.microsoft.com/office/powerpoint/2010/main" val="657514633"/>
               </p:ext>
             </p:extLst>
           </p:nvPr>
         </p:nvGraphicFramePr>
         <p:xfrm>
-          <a:off x="29029" y="573948"/>
-          <a:ext cx="11887201" cy="6163047"/>
+          <a:off x="136609" y="573948"/>
+          <a:ext cx="11887197" cy="6163047"/>
         </p:xfrm>
         <a:graphic>
           <a:graphicData uri="http://schemas.openxmlformats.org/drawingml/2006/table">
@@ -11303,28 +9489,28 @@
                     </a:ext>
                   </a:extLst>
                 </a:gridCol>
-                <a:gridCol w="1132114">
+                <a:gridCol w="1634565">
                   <a:extLst>
                     <a:ext uri="{9D8B030D-6E8A-4147-A177-3AD203B41FA5}">
                       <a16:colId xmlns:a16="http://schemas.microsoft.com/office/drawing/2014/main" val="20001"/>
                     </a:ext>
                   </a:extLst>
                 </a:gridCol>
-                <a:gridCol w="3425372">
+                <a:gridCol w="3257887">
                   <a:extLst>
                     <a:ext uri="{9D8B030D-6E8A-4147-A177-3AD203B41FA5}">
                       <a16:colId xmlns:a16="http://schemas.microsoft.com/office/drawing/2014/main" val="20002"/>
                     </a:ext>
                   </a:extLst>
                 </a:gridCol>
-                <a:gridCol w="3425372">
+                <a:gridCol w="3257887">
                   <a:extLst>
                     <a:ext uri="{9D8B030D-6E8A-4147-A177-3AD203B41FA5}">
                       <a16:colId xmlns:a16="http://schemas.microsoft.com/office/drawing/2014/main" val="20003"/>
                     </a:ext>
                   </a:extLst>
                 </a:gridCol>
-                <a:gridCol w="3425372">
+                <a:gridCol w="3257887">
                   <a:extLst>
                     <a:ext uri="{9D8B030D-6E8A-4147-A177-3AD203B41FA5}">
                       <a16:colId xmlns:a16="http://schemas.microsoft.com/office/drawing/2014/main" val="20004"/>
@@ -11373,20 +9559,36 @@
                     <a:p>
                       <a:pPr algn="ctr"/>
                       <a:r>
-                        <a:rPr lang="en-US" altLang="zh-CN" b="1">
-                          <a:latin typeface="Times New Roman" panose="02020603050405020304" pitchFamily="18" charset="0"/>
-                          <a:ea typeface="標楷體" panose="03000509000000000000" pitchFamily="65" charset="-120"/>
-                          <a:cs typeface="Times New Roman" panose="02020603050405020304" pitchFamily="18" charset="0"/>
-                        </a:rPr>
-                        <a:t>XRD</a:t>
-                      </a:r>
-                      <a:r>
-                        <a:rPr lang="zh-CN" altLang="en-US" b="1">
-                          <a:latin typeface="Times New Roman" panose="02020603050405020304" pitchFamily="18" charset="0"/>
-                          <a:ea typeface="標楷體" panose="03000509000000000000" pitchFamily="65" charset="-120"/>
-                          <a:cs typeface="Times New Roman" panose="02020603050405020304" pitchFamily="18" charset="0"/>
-                        </a:rPr>
-                        <a:t>表面分析</a:t>
+                        <a:rPr lang="zh-CN" altLang="en-US" b="1" dirty="0">
+                          <a:latin typeface="Times New Roman" panose="02020603050405020304" pitchFamily="18" charset="0"/>
+                          <a:ea typeface="標楷體" panose="03000509000000000000" pitchFamily="65" charset="-120"/>
+                          <a:cs typeface="Times New Roman" panose="02020603050405020304" pitchFamily="18" charset="0"/>
+                        </a:rPr>
+                        <a:t>銹皮厚度</a:t>
+                      </a:r>
+                      <a:r>
+                        <a:rPr lang="zh-TW" altLang="en-US" b="1" dirty="0">
+                          <a:latin typeface="Times New Roman" panose="02020603050405020304" pitchFamily="18" charset="0"/>
+                          <a:ea typeface="標楷體" panose="03000509000000000000" pitchFamily="65" charset="-120"/>
+                          <a:cs typeface="Times New Roman" panose="02020603050405020304" pitchFamily="18" charset="0"/>
+                        </a:rPr>
+                        <a:t>量測</a:t>
+                      </a:r>
+                      <a:r>
+                        <a:rPr lang="zh-CN" altLang="en-US" b="1" dirty="0">
+                          <a:latin typeface="Times New Roman" panose="02020603050405020304" pitchFamily="18" charset="0"/>
+                          <a:ea typeface="標楷體" panose="03000509000000000000" pitchFamily="65" charset="-120"/>
+                          <a:cs typeface="Times New Roman" panose="02020603050405020304" pitchFamily="18" charset="0"/>
+                        </a:rPr>
+                        <a:t>及硬度</a:t>
+                      </a:r>
+                      <a:r>
+                        <a:rPr lang="zh-TW" altLang="en-US" b="1" dirty="0">
+                          <a:latin typeface="Times New Roman" panose="02020603050405020304" pitchFamily="18" charset="0"/>
+                          <a:ea typeface="標楷體" panose="03000509000000000000" pitchFamily="65" charset="-120"/>
+                          <a:cs typeface="Times New Roman" panose="02020603050405020304" pitchFamily="18" charset="0"/>
+                        </a:rPr>
+                        <a:t>試驗</a:t>
                       </a:r>
                     </a:p>
                   </a:txBody>
@@ -11577,8 +9779,8 @@
                   </a:ext>
                 </a:extLst>
               </a:tr>
-              <a:tr h="2678087">
-                <a:tc>
+              <a:tr h="1946567">
+                <a:tc rowSpan="3">
                   <a:txBody>
                     <a:bodyPr/>
                     <a:lstStyle/>
@@ -11715,8 +9917,362 @@
                   </a:ext>
                 </a:extLst>
               </a:tr>
-              <a:tr h="2687100">
-                <a:tc>
+              <a:tr h="365760">
+                <a:tc vMerge="1">
+                  <a:txBody>
+                    <a:bodyPr/>
+                    <a:lstStyle/>
+                    <a:p>
+                      <a:pPr marL="0" marR="0" indent="0" algn="ctr" defTabSz="914400" rtl="0" eaLnBrk="1" fontAlgn="auto" latinLnBrk="0" hangingPunct="1">
+                        <a:lnSpc>
+                          <a:spcPct val="100000"/>
+                        </a:lnSpc>
+                        <a:spcBef>
+                          <a:spcPts val="0"/>
+                        </a:spcBef>
+                        <a:spcAft>
+                          <a:spcPts val="0"/>
+                        </a:spcAft>
+                        <a:buClrTx/>
+                        <a:buSzTx/>
+                        <a:buFontTx/>
+                        <a:buNone/>
+                        <a:tabLst/>
+                        <a:defRPr/>
+                      </a:pPr>
+                      <a:endParaRPr lang="zh-TW" altLang="en-US" dirty="0">
+                        <a:latin typeface="Times New Roman" panose="02020603050405020304" pitchFamily="18" charset="0"/>
+                        <a:ea typeface="標楷體" panose="03000509000000000000" pitchFamily="65" charset="-120"/>
+                        <a:cs typeface="Times New Roman" panose="02020603050405020304" pitchFamily="18" charset="0"/>
+                      </a:endParaRPr>
+                    </a:p>
+                  </a:txBody>
+                  <a:tcPr anchor="ctr"/>
+                </a:tc>
+                <a:tc>
+                  <a:txBody>
+                    <a:bodyPr/>
+                    <a:lstStyle/>
+                    <a:p>
+                      <a:r>
+                        <a:rPr lang="zh-CN" altLang="en-US" dirty="0">
+                          <a:latin typeface="Times New Roman" panose="02020603050405020304" pitchFamily="18" charset="0"/>
+                          <a:ea typeface="標楷體" panose="03000509000000000000" pitchFamily="65" charset="-120"/>
+                          <a:cs typeface="Times New Roman" panose="02020603050405020304" pitchFamily="18" charset="0"/>
+                        </a:rPr>
+                        <a:t>厚度</a:t>
+                      </a:r>
+                      <a:r>
+                        <a:rPr lang="en-US" altLang="zh-CN" dirty="0">
+                          <a:latin typeface="Times New Roman" panose="02020603050405020304" pitchFamily="18" charset="0"/>
+                          <a:ea typeface="標楷體" panose="03000509000000000000" pitchFamily="65" charset="-120"/>
+                          <a:cs typeface="Times New Roman" panose="02020603050405020304" pitchFamily="18" charset="0"/>
+                        </a:rPr>
+                        <a:t>(</a:t>
+                      </a:r>
+                      <a:r>
+                        <a:rPr lang="en-US" altLang="zh-CN" dirty="0" err="1">
+                          <a:latin typeface="Times New Roman" panose="02020603050405020304" pitchFamily="18" charset="0"/>
+                          <a:ea typeface="標楷體" panose="03000509000000000000" pitchFamily="65" charset="-120"/>
+                          <a:cs typeface="Times New Roman" panose="02020603050405020304" pitchFamily="18" charset="0"/>
+                        </a:rPr>
+                        <a:t>μm</a:t>
+                      </a:r>
+                      <a:r>
+                        <a:rPr lang="en-US" altLang="zh-CN" dirty="0">
+                          <a:latin typeface="Times New Roman" panose="02020603050405020304" pitchFamily="18" charset="0"/>
+                          <a:ea typeface="標楷體" panose="03000509000000000000" pitchFamily="65" charset="-120"/>
+                          <a:cs typeface="Times New Roman" panose="02020603050405020304" pitchFamily="18" charset="0"/>
+                        </a:rPr>
+                        <a:t>)</a:t>
+                      </a:r>
+                      <a:endParaRPr lang="zh-TW" altLang="en-US" dirty="0">
+                        <a:latin typeface="Times New Roman" panose="02020603050405020304" pitchFamily="18" charset="0"/>
+                        <a:ea typeface="標楷體" panose="03000509000000000000" pitchFamily="65" charset="-120"/>
+                        <a:cs typeface="Times New Roman" panose="02020603050405020304" pitchFamily="18" charset="0"/>
+                      </a:endParaRPr>
+                    </a:p>
+                  </a:txBody>
+                  <a:tcPr anchor="ctr"/>
+                </a:tc>
+                <a:tc>
+                  <a:txBody>
+                    <a:bodyPr/>
+                    <a:lstStyle/>
+                    <a:p>
+                      <a:pPr marL="0" marR="0" indent="0" algn="ctr" defTabSz="914400" rtl="0" eaLnBrk="1" fontAlgn="auto" latinLnBrk="0" hangingPunct="1">
+                        <a:lnSpc>
+                          <a:spcPct val="100000"/>
+                        </a:lnSpc>
+                        <a:spcBef>
+                          <a:spcPts val="0"/>
+                        </a:spcBef>
+                        <a:spcAft>
+                          <a:spcPts val="0"/>
+                        </a:spcAft>
+                        <a:buClrTx/>
+                        <a:buSzTx/>
+                        <a:buFontTx/>
+                        <a:buNone/>
+                        <a:tabLst/>
+                        <a:defRPr/>
+                      </a:pPr>
+                      <a:r>
+                        <a:rPr lang="en-US" altLang="zh-CN">
+                          <a:latin typeface="Times New Roman" panose="02020603050405020304" pitchFamily="18" charset="0"/>
+                          <a:ea typeface="標楷體" panose="03000509000000000000" pitchFamily="65" charset="-120"/>
+                          <a:cs typeface="Times New Roman" panose="02020603050405020304" pitchFamily="18" charset="0"/>
+                        </a:rPr>
+                        <a:t>T0-1μm</a:t>
+                      </a:r>
+                      <a:endParaRPr lang="zh-TW" altLang="en-US" dirty="0">
+                        <a:latin typeface="Times New Roman" panose="02020603050405020304" pitchFamily="18" charset="0"/>
+                        <a:ea typeface="標楷體" panose="03000509000000000000" pitchFamily="65" charset="-120"/>
+                        <a:cs typeface="Times New Roman" panose="02020603050405020304" pitchFamily="18" charset="0"/>
+                      </a:endParaRPr>
+                    </a:p>
+                  </a:txBody>
+                  <a:tcPr anchor="ctr"/>
+                </a:tc>
+                <a:tc>
+                  <a:txBody>
+                    <a:bodyPr/>
+                    <a:lstStyle/>
+                    <a:p>
+                      <a:pPr marL="0" marR="0" indent="0" algn="ctr" defTabSz="914400" rtl="0" eaLnBrk="1" fontAlgn="auto" latinLnBrk="0" hangingPunct="1">
+                        <a:lnSpc>
+                          <a:spcPct val="100000"/>
+                        </a:lnSpc>
+                        <a:spcBef>
+                          <a:spcPts val="0"/>
+                        </a:spcBef>
+                        <a:spcAft>
+                          <a:spcPts val="0"/>
+                        </a:spcAft>
+                        <a:buClrTx/>
+                        <a:buSzTx/>
+                        <a:buFontTx/>
+                        <a:buNone/>
+                        <a:tabLst/>
+                        <a:defRPr/>
+                      </a:pPr>
+                      <a:r>
+                        <a:rPr lang="en-US" altLang="zh-CN">
+                          <a:latin typeface="Times New Roman" panose="02020603050405020304" pitchFamily="18" charset="0"/>
+                          <a:ea typeface="標楷體" panose="03000509000000000000" pitchFamily="65" charset="-120"/>
+                          <a:cs typeface="Times New Roman" panose="02020603050405020304" pitchFamily="18" charset="0"/>
+                        </a:rPr>
+                        <a:t>T1-1μm</a:t>
+                      </a:r>
+                      <a:endParaRPr lang="zh-TW" altLang="en-US" dirty="0">
+                        <a:latin typeface="Times New Roman" panose="02020603050405020304" pitchFamily="18" charset="0"/>
+                        <a:ea typeface="標楷體" panose="03000509000000000000" pitchFamily="65" charset="-120"/>
+                        <a:cs typeface="Times New Roman" panose="02020603050405020304" pitchFamily="18" charset="0"/>
+                      </a:endParaRPr>
+                    </a:p>
+                  </a:txBody>
+                  <a:tcPr anchor="ctr"/>
+                </a:tc>
+                <a:tc>
+                  <a:txBody>
+                    <a:bodyPr/>
+                    <a:lstStyle/>
+                    <a:p>
+                      <a:pPr marL="0" marR="0" indent="0" algn="ctr" defTabSz="914400" rtl="0" eaLnBrk="1" fontAlgn="auto" latinLnBrk="0" hangingPunct="1">
+                        <a:lnSpc>
+                          <a:spcPct val="100000"/>
+                        </a:lnSpc>
+                        <a:spcBef>
+                          <a:spcPts val="0"/>
+                        </a:spcBef>
+                        <a:spcAft>
+                          <a:spcPts val="0"/>
+                        </a:spcAft>
+                        <a:buClrTx/>
+                        <a:buSzTx/>
+                        <a:buFontTx/>
+                        <a:buNone/>
+                        <a:tabLst/>
+                        <a:defRPr/>
+                      </a:pPr>
+                      <a:r>
+                        <a:rPr lang="en-US" altLang="zh-CN">
+                          <a:latin typeface="Times New Roman" panose="02020603050405020304" pitchFamily="18" charset="0"/>
+                          <a:ea typeface="標楷體" panose="03000509000000000000" pitchFamily="65" charset="-120"/>
+                          <a:cs typeface="Times New Roman" panose="02020603050405020304" pitchFamily="18" charset="0"/>
+                        </a:rPr>
+                        <a:t>T2-1μm</a:t>
+                      </a:r>
+                      <a:endParaRPr lang="zh-TW" altLang="en-US" dirty="0">
+                        <a:latin typeface="Times New Roman" panose="02020603050405020304" pitchFamily="18" charset="0"/>
+                        <a:ea typeface="標楷體" panose="03000509000000000000" pitchFamily="65" charset="-120"/>
+                        <a:cs typeface="Times New Roman" panose="02020603050405020304" pitchFamily="18" charset="0"/>
+                      </a:endParaRPr>
+                    </a:p>
+                  </a:txBody>
+                  <a:tcPr anchor="ctr"/>
+                </a:tc>
+                <a:extLst>
+                  <a:ext uri="{0D108BD9-81ED-4DB2-BD59-A6C34878D82A}">
+                    <a16:rowId xmlns:a16="http://schemas.microsoft.com/office/drawing/2014/main" val="10003"/>
+                  </a:ext>
+                </a:extLst>
+              </a:tr>
+              <a:tr h="365760">
+                <a:tc vMerge="1">
+                  <a:txBody>
+                    <a:bodyPr/>
+                    <a:lstStyle/>
+                    <a:p>
+                      <a:pPr marL="0" marR="0" indent="0" algn="ctr" defTabSz="914400" rtl="0" eaLnBrk="1" fontAlgn="auto" latinLnBrk="0" hangingPunct="1">
+                        <a:lnSpc>
+                          <a:spcPct val="100000"/>
+                        </a:lnSpc>
+                        <a:spcBef>
+                          <a:spcPts val="0"/>
+                        </a:spcBef>
+                        <a:spcAft>
+                          <a:spcPts val="0"/>
+                        </a:spcAft>
+                        <a:buClrTx/>
+                        <a:buSzTx/>
+                        <a:buFontTx/>
+                        <a:buNone/>
+                        <a:tabLst/>
+                        <a:defRPr/>
+                      </a:pPr>
+                      <a:endParaRPr lang="zh-TW" altLang="en-US" dirty="0">
+                        <a:latin typeface="Times New Roman" panose="02020603050405020304" pitchFamily="18" charset="0"/>
+                        <a:ea typeface="標楷體" panose="03000509000000000000" pitchFamily="65" charset="-120"/>
+                        <a:cs typeface="Times New Roman" panose="02020603050405020304" pitchFamily="18" charset="0"/>
+                      </a:endParaRPr>
+                    </a:p>
+                  </a:txBody>
+                  <a:tcPr anchor="ctr"/>
+                </a:tc>
+                <a:tc>
+                  <a:txBody>
+                    <a:bodyPr/>
+                    <a:lstStyle/>
+                    <a:p>
+                      <a:r>
+                        <a:rPr lang="zh-CN" altLang="en-US">
+                          <a:latin typeface="Times New Roman" panose="02020603050405020304" pitchFamily="18" charset="0"/>
+                          <a:ea typeface="標楷體" panose="03000509000000000000" pitchFamily="65" charset="-120"/>
+                          <a:cs typeface="Times New Roman" panose="02020603050405020304" pitchFamily="18" charset="0"/>
+                        </a:rPr>
+                        <a:t>硬度</a:t>
+                      </a:r>
+                      <a:r>
+                        <a:rPr lang="en-US" altLang="zh-CN">
+                          <a:latin typeface="Times New Roman" panose="02020603050405020304" pitchFamily="18" charset="0"/>
+                          <a:ea typeface="標楷體" panose="03000509000000000000" pitchFamily="65" charset="-120"/>
+                          <a:cs typeface="Times New Roman" panose="02020603050405020304" pitchFamily="18" charset="0"/>
+                        </a:rPr>
+                        <a:t>(</a:t>
+                      </a:r>
+                      <a:r>
+                        <a:rPr lang="vi-VN" altLang="zh-CN">
+                          <a:latin typeface="Times New Roman" panose="02020603050405020304" pitchFamily="18" charset="0"/>
+                          <a:ea typeface="標楷體" panose="03000509000000000000" pitchFamily="65" charset="-120"/>
+                          <a:cs typeface="Times New Roman" panose="02020603050405020304" pitchFamily="18" charset="0"/>
+                        </a:rPr>
+                        <a:t>HV0.005</a:t>
+                      </a:r>
+                      <a:r>
+                        <a:rPr lang="en-US" altLang="zh-CN">
+                          <a:latin typeface="Times New Roman" panose="02020603050405020304" pitchFamily="18" charset="0"/>
+                          <a:ea typeface="標楷體" panose="03000509000000000000" pitchFamily="65" charset="-120"/>
+                          <a:cs typeface="Times New Roman" panose="02020603050405020304" pitchFamily="18" charset="0"/>
+                        </a:rPr>
+                        <a:t>)</a:t>
+                      </a:r>
+                      <a:endParaRPr lang="zh-TW" altLang="en-US" dirty="0">
+                        <a:latin typeface="Times New Roman" panose="02020603050405020304" pitchFamily="18" charset="0"/>
+                        <a:ea typeface="標楷體" panose="03000509000000000000" pitchFamily="65" charset="-120"/>
+                        <a:cs typeface="Times New Roman" panose="02020603050405020304" pitchFamily="18" charset="0"/>
+                      </a:endParaRPr>
+                    </a:p>
+                  </a:txBody>
+                  <a:tcPr anchor="ctr"/>
+                </a:tc>
+                <a:tc>
+                  <a:txBody>
+                    <a:bodyPr/>
+                    <a:lstStyle/>
+                    <a:p>
+                      <a:pPr algn="ctr"/>
+                      <a:r>
+                        <a:rPr lang="en-US" altLang="zh-CN">
+                          <a:latin typeface="Times New Roman" panose="02020603050405020304" pitchFamily="18" charset="0"/>
+                          <a:ea typeface="標楷體" panose="03000509000000000000" pitchFamily="65" charset="-120"/>
+                          <a:cs typeface="Times New Roman" panose="02020603050405020304" pitchFamily="18" charset="0"/>
+                        </a:rPr>
+                        <a:t>T0-2</a:t>
+                      </a:r>
+                      <a:endParaRPr lang="zh-TW" altLang="en-US" dirty="0">
+                        <a:latin typeface="Times New Roman" panose="02020603050405020304" pitchFamily="18" charset="0"/>
+                        <a:ea typeface="標楷體" panose="03000509000000000000" pitchFamily="65" charset="-120"/>
+                        <a:cs typeface="Times New Roman" panose="02020603050405020304" pitchFamily="18" charset="0"/>
+                      </a:endParaRPr>
+                    </a:p>
+                  </a:txBody>
+                  <a:tcPr anchor="ctr"/>
+                </a:tc>
+                <a:tc>
+                  <a:txBody>
+                    <a:bodyPr/>
+                    <a:lstStyle/>
+                    <a:p>
+                      <a:pPr algn="ctr"/>
+                      <a:r>
+                        <a:rPr lang="en-US" altLang="zh-CN">
+                          <a:latin typeface="Times New Roman" panose="02020603050405020304" pitchFamily="18" charset="0"/>
+                          <a:ea typeface="標楷體" panose="03000509000000000000" pitchFamily="65" charset="-120"/>
+                          <a:cs typeface="Times New Roman" panose="02020603050405020304" pitchFamily="18" charset="0"/>
+                        </a:rPr>
+                        <a:t>T1-2</a:t>
+                      </a:r>
+                      <a:endParaRPr lang="zh-TW" altLang="en-US" dirty="0">
+                        <a:latin typeface="Times New Roman" panose="02020603050405020304" pitchFamily="18" charset="0"/>
+                        <a:ea typeface="標楷體" panose="03000509000000000000" pitchFamily="65" charset="-120"/>
+                        <a:cs typeface="Times New Roman" panose="02020603050405020304" pitchFamily="18" charset="0"/>
+                      </a:endParaRPr>
+                    </a:p>
+                  </a:txBody>
+                  <a:tcPr anchor="ctr"/>
+                </a:tc>
+                <a:tc>
+                  <a:txBody>
+                    <a:bodyPr/>
+                    <a:lstStyle/>
+                    <a:p>
+                      <a:pPr algn="ctr"/>
+                      <a:r>
+                        <a:rPr lang="en-US" altLang="zh-CN">
+                          <a:latin typeface="Times New Roman" panose="02020603050405020304" pitchFamily="18" charset="0"/>
+                          <a:ea typeface="標楷體" panose="03000509000000000000" pitchFamily="65" charset="-120"/>
+                          <a:cs typeface="Times New Roman" panose="02020603050405020304" pitchFamily="18" charset="0"/>
+                        </a:rPr>
+                        <a:t>T2-2</a:t>
+                      </a:r>
+                      <a:endParaRPr lang="zh-TW" altLang="en-US" dirty="0">
+                        <a:latin typeface="Times New Roman" panose="02020603050405020304" pitchFamily="18" charset="0"/>
+                        <a:ea typeface="標楷體" panose="03000509000000000000" pitchFamily="65" charset="-120"/>
+                        <a:cs typeface="Times New Roman" panose="02020603050405020304" pitchFamily="18" charset="0"/>
+                      </a:endParaRPr>
+                    </a:p>
+                  </a:txBody>
+                  <a:tcPr anchor="ctr"/>
+                </a:tc>
+                <a:extLst>
+                  <a:ext uri="{0D108BD9-81ED-4DB2-BD59-A6C34878D82A}">
+                    <a16:rowId xmlns:a16="http://schemas.microsoft.com/office/drawing/2014/main" val="10004"/>
+                  </a:ext>
+                </a:extLst>
+              </a:tr>
+              <a:tr h="1950908">
+                <a:tc rowSpan="3">
                   <a:txBody>
                     <a:bodyPr/>
                     <a:lstStyle/>
@@ -11938,6 +10494,344 @@
                 <a:extLst>
                   <a:ext uri="{0D108BD9-81ED-4DB2-BD59-A6C34878D82A}">
                     <a16:rowId xmlns:a16="http://schemas.microsoft.com/office/drawing/2014/main" val="10005"/>
+                  </a:ext>
+                </a:extLst>
+              </a:tr>
+              <a:tr h="368096">
+                <a:tc vMerge="1">
+                  <a:txBody>
+                    <a:bodyPr/>
+                    <a:lstStyle/>
+                    <a:p>
+                      <a:pPr marL="0" marR="0" indent="0" algn="ctr" defTabSz="914400" rtl="0" eaLnBrk="1" fontAlgn="auto" latinLnBrk="0" hangingPunct="1">
+                        <a:lnSpc>
+                          <a:spcPct val="100000"/>
+                        </a:lnSpc>
+                        <a:spcBef>
+                          <a:spcPts val="0"/>
+                        </a:spcBef>
+                        <a:spcAft>
+                          <a:spcPts val="0"/>
+                        </a:spcAft>
+                        <a:buClrTx/>
+                        <a:buSzTx/>
+                        <a:buFontTx/>
+                        <a:buNone/>
+                        <a:tabLst/>
+                        <a:defRPr/>
+                      </a:pPr>
+                      <a:endParaRPr lang="zh-TW" altLang="en-US" dirty="0">
+                        <a:latin typeface="Times New Roman" panose="02020603050405020304" pitchFamily="18" charset="0"/>
+                        <a:ea typeface="標楷體" panose="03000509000000000000" pitchFamily="65" charset="-120"/>
+                        <a:cs typeface="Times New Roman" panose="02020603050405020304" pitchFamily="18" charset="0"/>
+                      </a:endParaRPr>
+                    </a:p>
+                  </a:txBody>
+                  <a:tcPr anchor="ctr"/>
+                </a:tc>
+                <a:tc>
+                  <a:txBody>
+                    <a:bodyPr/>
+                    <a:lstStyle/>
+                    <a:p>
+                      <a:r>
+                        <a:rPr lang="zh-CN" altLang="en-US" dirty="0">
+                          <a:latin typeface="Times New Roman" panose="02020603050405020304" pitchFamily="18" charset="0"/>
+                          <a:ea typeface="標楷體" panose="03000509000000000000" pitchFamily="65" charset="-120"/>
+                          <a:cs typeface="Times New Roman" panose="02020603050405020304" pitchFamily="18" charset="0"/>
+                        </a:rPr>
+                        <a:t>厚度</a:t>
+                      </a:r>
+                      <a:r>
+                        <a:rPr lang="en-US" altLang="zh-CN" dirty="0">
+                          <a:latin typeface="Times New Roman" panose="02020603050405020304" pitchFamily="18" charset="0"/>
+                          <a:ea typeface="標楷體" panose="03000509000000000000" pitchFamily="65" charset="-120"/>
+                          <a:cs typeface="Times New Roman" panose="02020603050405020304" pitchFamily="18" charset="0"/>
+                        </a:rPr>
+                        <a:t>(</a:t>
+                      </a:r>
+                      <a:r>
+                        <a:rPr lang="en-US" altLang="zh-CN" dirty="0" err="1">
+                          <a:latin typeface="Times New Roman" panose="02020603050405020304" pitchFamily="18" charset="0"/>
+                          <a:ea typeface="標楷體" panose="03000509000000000000" pitchFamily="65" charset="-120"/>
+                          <a:cs typeface="Times New Roman" panose="02020603050405020304" pitchFamily="18" charset="0"/>
+                        </a:rPr>
+                        <a:t>μm</a:t>
+                      </a:r>
+                      <a:r>
+                        <a:rPr lang="en-US" altLang="zh-CN" dirty="0">
+                          <a:latin typeface="Times New Roman" panose="02020603050405020304" pitchFamily="18" charset="0"/>
+                          <a:ea typeface="標楷體" panose="03000509000000000000" pitchFamily="65" charset="-120"/>
+                          <a:cs typeface="Times New Roman" panose="02020603050405020304" pitchFamily="18" charset="0"/>
+                        </a:rPr>
+                        <a:t>)</a:t>
+                      </a:r>
+                      <a:endParaRPr lang="zh-TW" altLang="en-US" dirty="0">
+                        <a:latin typeface="Times New Roman" panose="02020603050405020304" pitchFamily="18" charset="0"/>
+                        <a:ea typeface="標楷體" panose="03000509000000000000" pitchFamily="65" charset="-120"/>
+                        <a:cs typeface="Times New Roman" panose="02020603050405020304" pitchFamily="18" charset="0"/>
+                      </a:endParaRPr>
+                    </a:p>
+                  </a:txBody>
+                  <a:tcPr anchor="ctr"/>
+                </a:tc>
+                <a:tc>
+                  <a:txBody>
+                    <a:bodyPr/>
+                    <a:lstStyle/>
+                    <a:p>
+                      <a:pPr marL="0" marR="0" indent="0" algn="ctr" defTabSz="914400" rtl="0" eaLnBrk="1" fontAlgn="auto" latinLnBrk="0" hangingPunct="1">
+                        <a:lnSpc>
+                          <a:spcPct val="100000"/>
+                        </a:lnSpc>
+                        <a:spcBef>
+                          <a:spcPts val="0"/>
+                        </a:spcBef>
+                        <a:spcAft>
+                          <a:spcPts val="0"/>
+                        </a:spcAft>
+                        <a:buClrTx/>
+                        <a:buSzTx/>
+                        <a:buFontTx/>
+                        <a:buNone/>
+                        <a:tabLst/>
+                        <a:defRPr/>
+                      </a:pPr>
+                      <a:r>
+                        <a:rPr lang="en-US" altLang="zh-CN">
+                          <a:latin typeface="Times New Roman" panose="02020603050405020304" pitchFamily="18" charset="0"/>
+                          <a:ea typeface="標楷體" panose="03000509000000000000" pitchFamily="65" charset="-120"/>
+                          <a:cs typeface="Times New Roman" panose="02020603050405020304" pitchFamily="18" charset="0"/>
+                        </a:rPr>
+                        <a:t>B0-1μm</a:t>
+                      </a:r>
+                      <a:endParaRPr lang="zh-TW" altLang="en-US" dirty="0">
+                        <a:latin typeface="Times New Roman" panose="02020603050405020304" pitchFamily="18" charset="0"/>
+                        <a:ea typeface="標楷體" panose="03000509000000000000" pitchFamily="65" charset="-120"/>
+                        <a:cs typeface="Times New Roman" panose="02020603050405020304" pitchFamily="18" charset="0"/>
+                      </a:endParaRPr>
+                    </a:p>
+                  </a:txBody>
+                  <a:tcPr anchor="ctr"/>
+                </a:tc>
+                <a:tc>
+                  <a:txBody>
+                    <a:bodyPr/>
+                    <a:lstStyle/>
+                    <a:p>
+                      <a:pPr marL="0" marR="0" indent="0" algn="ctr" defTabSz="914400" rtl="0" eaLnBrk="1" fontAlgn="auto" latinLnBrk="0" hangingPunct="1">
+                        <a:lnSpc>
+                          <a:spcPct val="100000"/>
+                        </a:lnSpc>
+                        <a:spcBef>
+                          <a:spcPts val="0"/>
+                        </a:spcBef>
+                        <a:spcAft>
+                          <a:spcPts val="0"/>
+                        </a:spcAft>
+                        <a:buClrTx/>
+                        <a:buSzTx/>
+                        <a:buFontTx/>
+                        <a:buNone/>
+                        <a:tabLst/>
+                        <a:defRPr/>
+                      </a:pPr>
+                      <a:r>
+                        <a:rPr lang="en-US" altLang="zh-CN">
+                          <a:latin typeface="Times New Roman" panose="02020603050405020304" pitchFamily="18" charset="0"/>
+                          <a:ea typeface="標楷體" panose="03000509000000000000" pitchFamily="65" charset="-120"/>
+                          <a:cs typeface="Times New Roman" panose="02020603050405020304" pitchFamily="18" charset="0"/>
+                        </a:rPr>
+                        <a:t>B1-1μm</a:t>
+                      </a:r>
+                      <a:endParaRPr lang="zh-TW" altLang="en-US" dirty="0">
+                        <a:latin typeface="Times New Roman" panose="02020603050405020304" pitchFamily="18" charset="0"/>
+                        <a:ea typeface="標楷體" panose="03000509000000000000" pitchFamily="65" charset="-120"/>
+                        <a:cs typeface="Times New Roman" panose="02020603050405020304" pitchFamily="18" charset="0"/>
+                      </a:endParaRPr>
+                    </a:p>
+                  </a:txBody>
+                  <a:tcPr anchor="ctr"/>
+                </a:tc>
+                <a:tc>
+                  <a:txBody>
+                    <a:bodyPr/>
+                    <a:lstStyle/>
+                    <a:p>
+                      <a:pPr marL="0" marR="0" indent="0" algn="ctr" defTabSz="914400" rtl="0" eaLnBrk="1" fontAlgn="auto" latinLnBrk="0" hangingPunct="1">
+                        <a:lnSpc>
+                          <a:spcPct val="100000"/>
+                        </a:lnSpc>
+                        <a:spcBef>
+                          <a:spcPts val="0"/>
+                        </a:spcBef>
+                        <a:spcAft>
+                          <a:spcPts val="0"/>
+                        </a:spcAft>
+                        <a:buClrTx/>
+                        <a:buSzTx/>
+                        <a:buFontTx/>
+                        <a:buNone/>
+                        <a:tabLst/>
+                        <a:defRPr/>
+                      </a:pPr>
+                      <a:r>
+                        <a:rPr lang="en-US" altLang="zh-CN">
+                          <a:latin typeface="Times New Roman" panose="02020603050405020304" pitchFamily="18" charset="0"/>
+                          <a:ea typeface="標楷體" panose="03000509000000000000" pitchFamily="65" charset="-120"/>
+                          <a:cs typeface="Times New Roman" panose="02020603050405020304" pitchFamily="18" charset="0"/>
+                        </a:rPr>
+                        <a:t>B2-1μm</a:t>
+                      </a:r>
+                      <a:endParaRPr lang="zh-TW" altLang="en-US" dirty="0">
+                        <a:latin typeface="Times New Roman" panose="02020603050405020304" pitchFamily="18" charset="0"/>
+                        <a:ea typeface="標楷體" panose="03000509000000000000" pitchFamily="65" charset="-120"/>
+                        <a:cs typeface="Times New Roman" panose="02020603050405020304" pitchFamily="18" charset="0"/>
+                      </a:endParaRPr>
+                    </a:p>
+                  </a:txBody>
+                  <a:tcPr anchor="ctr"/>
+                </a:tc>
+                <a:extLst>
+                  <a:ext uri="{0D108BD9-81ED-4DB2-BD59-A6C34878D82A}">
+                    <a16:rowId xmlns:a16="http://schemas.microsoft.com/office/drawing/2014/main" val="10006"/>
+                  </a:ext>
+                </a:extLst>
+              </a:tr>
+              <a:tr h="368096">
+                <a:tc vMerge="1">
+                  <a:txBody>
+                    <a:bodyPr/>
+                    <a:lstStyle/>
+                    <a:p>
+                      <a:pPr marL="0" marR="0" indent="0" algn="ctr" defTabSz="914400" rtl="0" eaLnBrk="1" fontAlgn="auto" latinLnBrk="0" hangingPunct="1">
+                        <a:lnSpc>
+                          <a:spcPct val="100000"/>
+                        </a:lnSpc>
+                        <a:spcBef>
+                          <a:spcPts val="0"/>
+                        </a:spcBef>
+                        <a:spcAft>
+                          <a:spcPts val="0"/>
+                        </a:spcAft>
+                        <a:buClrTx/>
+                        <a:buSzTx/>
+                        <a:buFontTx/>
+                        <a:buNone/>
+                        <a:tabLst/>
+                        <a:defRPr/>
+                      </a:pPr>
+                      <a:endParaRPr lang="zh-TW" altLang="en-US" dirty="0">
+                        <a:latin typeface="Times New Roman" panose="02020603050405020304" pitchFamily="18" charset="0"/>
+                        <a:ea typeface="標楷體" panose="03000509000000000000" pitchFamily="65" charset="-120"/>
+                        <a:cs typeface="Times New Roman" panose="02020603050405020304" pitchFamily="18" charset="0"/>
+                      </a:endParaRPr>
+                    </a:p>
+                  </a:txBody>
+                  <a:tcPr anchor="ctr"/>
+                </a:tc>
+                <a:tc>
+                  <a:txBody>
+                    <a:bodyPr/>
+                    <a:lstStyle/>
+                    <a:p>
+                      <a:r>
+                        <a:rPr lang="zh-CN" altLang="en-US" dirty="0">
+                          <a:latin typeface="Times New Roman" panose="02020603050405020304" pitchFamily="18" charset="0"/>
+                          <a:ea typeface="標楷體" panose="03000509000000000000" pitchFamily="65" charset="-120"/>
+                          <a:cs typeface="Times New Roman" panose="02020603050405020304" pitchFamily="18" charset="0"/>
+                        </a:rPr>
+                        <a:t>硬度</a:t>
+                      </a:r>
+                      <a:r>
+                        <a:rPr lang="en-US" altLang="zh-CN" dirty="0">
+                          <a:latin typeface="Times New Roman" panose="02020603050405020304" pitchFamily="18" charset="0"/>
+                          <a:ea typeface="標楷體" panose="03000509000000000000" pitchFamily="65" charset="-120"/>
+                          <a:cs typeface="Times New Roman" panose="02020603050405020304" pitchFamily="18" charset="0"/>
+                        </a:rPr>
+                        <a:t>(HV)</a:t>
+                      </a:r>
+                      <a:endParaRPr lang="zh-TW" altLang="en-US" dirty="0">
+                        <a:latin typeface="Times New Roman" panose="02020603050405020304" pitchFamily="18" charset="0"/>
+                        <a:ea typeface="標楷體" panose="03000509000000000000" pitchFamily="65" charset="-120"/>
+                        <a:cs typeface="Times New Roman" panose="02020603050405020304" pitchFamily="18" charset="0"/>
+                      </a:endParaRPr>
+                    </a:p>
+                  </a:txBody>
+                  <a:tcPr anchor="ctr"/>
+                </a:tc>
+                <a:tc>
+                  <a:txBody>
+                    <a:bodyPr/>
+                    <a:lstStyle/>
+                    <a:p>
+                      <a:pPr algn="ctr"/>
+                      <a:r>
+                        <a:rPr lang="en-US" altLang="zh-CN">
+                          <a:latin typeface="Times New Roman" panose="02020603050405020304" pitchFamily="18" charset="0"/>
+                          <a:ea typeface="標楷體" panose="03000509000000000000" pitchFamily="65" charset="-120"/>
+                          <a:cs typeface="Times New Roman" panose="02020603050405020304" pitchFamily="18" charset="0"/>
+                        </a:rPr>
+                        <a:t>B0-2</a:t>
+                      </a:r>
+                      <a:endParaRPr lang="zh-TW" altLang="en-US" dirty="0">
+                        <a:latin typeface="Times New Roman" panose="02020603050405020304" pitchFamily="18" charset="0"/>
+                        <a:ea typeface="標楷體" panose="03000509000000000000" pitchFamily="65" charset="-120"/>
+                        <a:cs typeface="Times New Roman" panose="02020603050405020304" pitchFamily="18" charset="0"/>
+                      </a:endParaRPr>
+                    </a:p>
+                  </a:txBody>
+                  <a:tcPr anchor="ctr"/>
+                </a:tc>
+                <a:tc>
+                  <a:txBody>
+                    <a:bodyPr/>
+                    <a:lstStyle/>
+                    <a:p>
+                      <a:pPr algn="ctr"/>
+                      <a:r>
+                        <a:rPr lang="en-US" altLang="zh-CN">
+                          <a:latin typeface="Times New Roman" panose="02020603050405020304" pitchFamily="18" charset="0"/>
+                          <a:ea typeface="標楷體" panose="03000509000000000000" pitchFamily="65" charset="-120"/>
+                          <a:cs typeface="Times New Roman" panose="02020603050405020304" pitchFamily="18" charset="0"/>
+                        </a:rPr>
+                        <a:t>B1-2</a:t>
+                      </a:r>
+                      <a:endParaRPr lang="zh-TW" altLang="en-US" dirty="0">
+                        <a:latin typeface="Times New Roman" panose="02020603050405020304" pitchFamily="18" charset="0"/>
+                        <a:ea typeface="標楷體" panose="03000509000000000000" pitchFamily="65" charset="-120"/>
+                        <a:cs typeface="Times New Roman" panose="02020603050405020304" pitchFamily="18" charset="0"/>
+                      </a:endParaRPr>
+                    </a:p>
+                  </a:txBody>
+                  <a:tcPr anchor="ctr"/>
+                </a:tc>
+                <a:tc>
+                  <a:txBody>
+                    <a:bodyPr/>
+                    <a:lstStyle/>
+                    <a:p>
+                      <a:pPr algn="ctr"/>
+                      <a:r>
+                        <a:rPr lang="en-US" altLang="zh-CN">
+                          <a:latin typeface="Times New Roman" panose="02020603050405020304" pitchFamily="18" charset="0"/>
+                          <a:ea typeface="標楷體" panose="03000509000000000000" pitchFamily="65" charset="-120"/>
+                          <a:cs typeface="Times New Roman" panose="02020603050405020304" pitchFamily="18" charset="0"/>
+                        </a:rPr>
+                        <a:t>B2-2</a:t>
+                      </a:r>
+                      <a:endParaRPr lang="zh-TW" altLang="en-US" dirty="0">
+                        <a:latin typeface="Times New Roman" panose="02020603050405020304" pitchFamily="18" charset="0"/>
+                        <a:ea typeface="標楷體" panose="03000509000000000000" pitchFamily="65" charset="-120"/>
+                        <a:cs typeface="Times New Roman" panose="02020603050405020304" pitchFamily="18" charset="0"/>
+                      </a:endParaRPr>
+                    </a:p>
+                  </a:txBody>
+                  <a:tcPr anchor="ctr"/>
+                </a:tc>
+                <a:extLst>
+                  <a:ext uri="{0D108BD9-81ED-4DB2-BD59-A6C34878D82A}">
+                    <a16:rowId xmlns:a16="http://schemas.microsoft.com/office/drawing/2014/main" val="10007"/>
                   </a:ext>
                 </a:extLst>
               </a:tr>
@@ -11948,7 +10842,7 @@
     </p:spTree>
     <p:extLst>
       <p:ext uri="{BB962C8B-B14F-4D97-AF65-F5344CB8AC3E}">
-        <p14:creationId xmlns:p14="http://schemas.microsoft.com/office/powerpoint/2010/main" val="3049125031"/>
+        <p14:creationId xmlns:p14="http://schemas.microsoft.com/office/powerpoint/2010/main" val="2149375605"/>
       </p:ext>
     </p:extLst>
   </p:cSld>
@@ -12089,7 +10983,7 @@
               <a:t>-</a:t>
             </a:r>
             <a:r>
-              <a:rPr lang="zh-CN" altLang="en-US" b="1" dirty="0">
+              <a:rPr lang="zh-CN" altLang="en-US" b="1">
                 <a:solidFill>
                   <a:srgbClr val="000000"/>
                 </a:solidFill>
@@ -12121,11 +11015,17 @@
           <p:cNvGraphicFramePr>
             <a:graphicFrameLocks noGrp="1"/>
           </p:cNvGraphicFramePr>
-          <p:nvPr/>
+          <p:nvPr>
+            <p:extLst>
+              <p:ext uri="{D42A27DB-BD31-4B8C-83A1-F6EECF244321}">
+                <p14:modId xmlns:p14="http://schemas.microsoft.com/office/powerpoint/2010/main" val="3020575749"/>
+              </p:ext>
+            </p:extLst>
+          </p:nvPr>
         </p:nvGraphicFramePr>
         <p:xfrm>
-          <a:off x="29029" y="573948"/>
-          <a:ext cx="11887201" cy="6163047"/>
+          <a:off x="136609" y="573948"/>
+          <a:ext cx="11887199" cy="6163047"/>
         </p:xfrm>
         <a:graphic>
           <a:graphicData uri="http://schemas.openxmlformats.org/drawingml/2006/table">
@@ -12141,34 +11041,55 @@
                     </a:ext>
                   </a:extLst>
                 </a:gridCol>
-                <a:gridCol w="1132114">
+                <a:gridCol w="1632320">
                   <a:extLst>
                     <a:ext uri="{9D8B030D-6E8A-4147-A177-3AD203B41FA5}">
                       <a16:colId xmlns:a16="http://schemas.microsoft.com/office/drawing/2014/main" val="20001"/>
                     </a:ext>
                   </a:extLst>
                 </a:gridCol>
-                <a:gridCol w="3425372">
+                <a:gridCol w="1629318">
                   <a:extLst>
                     <a:ext uri="{9D8B030D-6E8A-4147-A177-3AD203B41FA5}">
                       <a16:colId xmlns:a16="http://schemas.microsoft.com/office/drawing/2014/main" val="20002"/>
                     </a:ext>
                   </a:extLst>
                 </a:gridCol>
-                <a:gridCol w="3425372">
+                <a:gridCol w="1629318">
+                  <a:extLst>
+                    <a:ext uri="{9D8B030D-6E8A-4147-A177-3AD203B41FA5}">
+                      <a16:colId xmlns:a16="http://schemas.microsoft.com/office/drawing/2014/main" val="3795221645"/>
+                    </a:ext>
+                  </a:extLst>
+                </a:gridCol>
+                <a:gridCol w="1629318">
                   <a:extLst>
                     <a:ext uri="{9D8B030D-6E8A-4147-A177-3AD203B41FA5}">
                       <a16:colId xmlns:a16="http://schemas.microsoft.com/office/drawing/2014/main" val="20003"/>
                     </a:ext>
                   </a:extLst>
                 </a:gridCol>
-                <a:gridCol w="3425372">
+                <a:gridCol w="1629318">
+                  <a:extLst>
+                    <a:ext uri="{9D8B030D-6E8A-4147-A177-3AD203B41FA5}">
+                      <a16:colId xmlns:a16="http://schemas.microsoft.com/office/drawing/2014/main" val="3614160323"/>
+                    </a:ext>
+                  </a:extLst>
+                </a:gridCol>
+                <a:gridCol w="1629318">
                   <a:extLst>
                     <a:ext uri="{9D8B030D-6E8A-4147-A177-3AD203B41FA5}">
                       <a16:colId xmlns:a16="http://schemas.microsoft.com/office/drawing/2014/main" val="20004"/>
                     </a:ext>
                   </a:extLst>
                 </a:gridCol>
+                <a:gridCol w="1629318">
+                  <a:extLst>
+                    <a:ext uri="{9D8B030D-6E8A-4147-A177-3AD203B41FA5}">
+                      <a16:colId xmlns:a16="http://schemas.microsoft.com/office/drawing/2014/main" val="3542158680"/>
+                    </a:ext>
+                  </a:extLst>
+                </a:gridCol>
               </a:tblGrid>
               <a:tr h="398930">
                 <a:tc gridSpan="2">
@@ -12204,7 +11125,7 @@
                   </a:txBody>
                   <a:tcPr/>
                 </a:tc>
-                <a:tc gridSpan="3">
+                <a:tc gridSpan="6">
                   <a:txBody>
                     <a:bodyPr/>
                     <a:lstStyle/>
@@ -12216,19 +11137,34 @@
                           <a:ea typeface="標楷體" panose="03000509000000000000" pitchFamily="65" charset="-120"/>
                           <a:cs typeface="Times New Roman" panose="02020603050405020304" pitchFamily="18" charset="0"/>
                         </a:rPr>
-                        <a:t>XRD</a:t>
-                      </a:r>
-                      <a:r>
-                        <a:rPr lang="zh-CN" altLang="en-US" b="1">
-                          <a:latin typeface="Times New Roman" panose="02020603050405020304" pitchFamily="18" charset="0"/>
-                          <a:ea typeface="標楷體" panose="03000509000000000000" pitchFamily="65" charset="-120"/>
-                          <a:cs typeface="Times New Roman" panose="02020603050405020304" pitchFamily="18" charset="0"/>
-                        </a:rPr>
-                        <a:t>表面分析</a:t>
-                      </a:r>
-                    </a:p>
-                  </a:txBody>
-                  <a:tcPr anchor="ctr"/>
+                        <a:t>SEM</a:t>
+                      </a:r>
+                      <a:r>
+                        <a:rPr lang="zh-TW" altLang="en-US" b="1">
+                          <a:latin typeface="Times New Roman" panose="02020603050405020304" pitchFamily="18" charset="0"/>
+                          <a:ea typeface="標楷體" panose="03000509000000000000" pitchFamily="65" charset="-120"/>
+                          <a:cs typeface="Times New Roman" panose="02020603050405020304" pitchFamily="18" charset="0"/>
+                        </a:rPr>
+                        <a:t>相比例</a:t>
+                      </a:r>
+                      <a:endParaRPr lang="zh-TW" altLang="en-US" b="1" dirty="0">
+                        <a:latin typeface="Times New Roman" panose="02020603050405020304" pitchFamily="18" charset="0"/>
+                        <a:ea typeface="標楷體" panose="03000509000000000000" pitchFamily="65" charset="-120"/>
+                        <a:cs typeface="Times New Roman" panose="02020603050405020304" pitchFamily="18" charset="0"/>
+                      </a:endParaRPr>
+                    </a:p>
+                  </a:txBody>
+                  <a:tcPr anchor="ctr"/>
+                </a:tc>
+                <a:tc hMerge="1">
+                  <a:txBody>
+                    <a:bodyPr/>
+                    <a:lstStyle/>
+                    <a:p>
+                      <a:endParaRPr lang="en-US"/>
+                    </a:p>
+                  </a:txBody>
+                  <a:tcPr/>
                 </a:tc>
                 <a:tc hMerge="1">
                   <a:txBody>
@@ -12246,11 +11182,31 @@
                     <a:bodyPr/>
                     <a:lstStyle/>
                     <a:p>
+                      <a:endParaRPr lang="en-US"/>
+                    </a:p>
+                  </a:txBody>
+                  <a:tcPr/>
+                </a:tc>
+                <a:tc hMerge="1">
+                  <a:txBody>
+                    <a:bodyPr/>
+                    <a:lstStyle/>
+                    <a:p>
                       <a:pPr algn="ctr"/>
                       <a:endParaRPr lang="zh-TW" altLang="en-US" dirty="0"/>
                     </a:p>
                   </a:txBody>
                   <a:tcPr anchor="ctr"/>
+                </a:tc>
+                <a:tc hMerge="1">
+                  <a:txBody>
+                    <a:bodyPr/>
+                    <a:lstStyle/>
+                    <a:p>
+                      <a:endParaRPr lang="en-US"/>
+                    </a:p>
+                  </a:txBody>
+                  <a:tcPr/>
                 </a:tc>
                 <a:extLst>
                   <a:ext uri="{0D108BD9-81ED-4DB2-BD59-A6C34878D82A}">
@@ -12292,7 +11248,7 @@
                   </a:txBody>
                   <a:tcPr/>
                 </a:tc>
-                <a:tc>
+                <a:tc gridSpan="2">
                   <a:txBody>
                     <a:bodyPr/>
                     <a:lstStyle/>
@@ -12331,7 +11287,17 @@
                   </a:txBody>
                   <a:tcPr anchor="ctr"/>
                 </a:tc>
-                <a:tc>
+                <a:tc hMerge="1">
+                  <a:txBody>
+                    <a:bodyPr/>
+                    <a:lstStyle/>
+                    <a:p>
+                      <a:endParaRPr lang="en-US"/>
+                    </a:p>
+                  </a:txBody>
+                  <a:tcPr/>
+                </a:tc>
+                <a:tc gridSpan="2">
                   <a:txBody>
                     <a:bodyPr/>
                     <a:lstStyle/>
@@ -12370,7 +11336,17 @@
                   </a:txBody>
                   <a:tcPr anchor="ctr"/>
                 </a:tc>
-                <a:tc>
+                <a:tc hMerge="1">
+                  <a:txBody>
+                    <a:bodyPr/>
+                    <a:lstStyle/>
+                    <a:p>
+                      <a:endParaRPr lang="en-US"/>
+                    </a:p>
+                  </a:txBody>
+                  <a:tcPr/>
+                </a:tc>
+                <a:tc gridSpan="2">
                   <a:txBody>
                     <a:bodyPr/>
                     <a:lstStyle/>
@@ -12409,14 +11385,24 @@
                   </a:txBody>
                   <a:tcPr anchor="ctr"/>
                 </a:tc>
+                <a:tc hMerge="1">
+                  <a:txBody>
+                    <a:bodyPr/>
+                    <a:lstStyle/>
+                    <a:p>
+                      <a:endParaRPr lang="en-US"/>
+                    </a:p>
+                  </a:txBody>
+                  <a:tcPr/>
+                </a:tc>
                 <a:extLst>
                   <a:ext uri="{0D108BD9-81ED-4DB2-BD59-A6C34878D82A}">
                     <a16:rowId xmlns:a16="http://schemas.microsoft.com/office/drawing/2014/main" val="10001"/>
                   </a:ext>
                 </a:extLst>
               </a:tr>
-              <a:tr h="2678087">
-                <a:tc>
+              <a:tr h="1946567">
+                <a:tc rowSpan="3">
                   <a:txBody>
                     <a:bodyPr/>
                     <a:lstStyle/>
@@ -12494,7 +11480,7 @@
                   </a:txBody>
                   <a:tcPr anchor="ctr"/>
                 </a:tc>
-                <a:tc>
+                <a:tc gridSpan="2">
                   <a:txBody>
                     <a:bodyPr/>
                     <a:lstStyle/>
@@ -12517,7 +11503,17 @@
                   </a:txBody>
                   <a:tcPr anchor="ctr"/>
                 </a:tc>
-                <a:tc>
+                <a:tc hMerge="1">
+                  <a:txBody>
+                    <a:bodyPr/>
+                    <a:lstStyle/>
+                    <a:p>
+                      <a:endParaRPr lang="en-US"/>
+                    </a:p>
+                  </a:txBody>
+                  <a:tcPr/>
+                </a:tc>
+                <a:tc gridSpan="2">
                   <a:txBody>
                     <a:bodyPr/>
                     <a:lstStyle/>
@@ -12532,7 +11528,17 @@
                   </a:txBody>
                   <a:tcPr anchor="ctr"/>
                 </a:tc>
-                <a:tc>
+                <a:tc hMerge="1">
+                  <a:txBody>
+                    <a:bodyPr/>
+                    <a:lstStyle/>
+                    <a:p>
+                      <a:endParaRPr lang="en-US"/>
+                    </a:p>
+                  </a:txBody>
+                  <a:tcPr/>
+                </a:tc>
+                <a:tc gridSpan="2">
                   <a:txBody>
                     <a:bodyPr/>
                     <a:lstStyle/>
@@ -12546,6 +11552,16 @@
                     </a:p>
                   </a:txBody>
                   <a:tcPr anchor="ctr"/>
+                </a:tc>
+                <a:tc hMerge="1">
+                  <a:txBody>
+                    <a:bodyPr/>
+                    <a:lstStyle/>
+                    <a:p>
+                      <a:endParaRPr lang="en-US"/>
+                    </a:p>
+                  </a:txBody>
+                  <a:tcPr/>
                 </a:tc>
                 <a:extLst>
                   <a:ext uri="{0D108BD9-81ED-4DB2-BD59-A6C34878D82A}">
@@ -12553,8 +11569,8 @@
                   </a:ext>
                 </a:extLst>
               </a:tr>
-              <a:tr h="2687100">
-                <a:tc>
+              <a:tr h="365760">
+                <a:tc vMerge="1">
                   <a:txBody>
                     <a:bodyPr/>
                     <a:lstStyle/>
@@ -12576,24 +11592,184 @@
                         <a:tabLst/>
                         <a:defRPr/>
                       </a:pPr>
+                      <a:endParaRPr lang="zh-TW" altLang="en-US" dirty="0">
+                        <a:latin typeface="Times New Roman" panose="02020603050405020304" pitchFamily="18" charset="0"/>
+                        <a:ea typeface="標楷體" panose="03000509000000000000" pitchFamily="65" charset="-120"/>
+                        <a:cs typeface="Times New Roman" panose="02020603050405020304" pitchFamily="18" charset="0"/>
+                      </a:endParaRPr>
+                    </a:p>
+                  </a:txBody>
+                  <a:tcPr anchor="ctr"/>
+                </a:tc>
+                <a:tc>
+                  <a:txBody>
+                    <a:bodyPr/>
+                    <a:lstStyle/>
+                    <a:p>
+                      <a:pPr algn="ctr"/>
                       <a:r>
                         <a:rPr lang="zh-CN" altLang="en-US" dirty="0">
                           <a:latin typeface="Times New Roman" panose="02020603050405020304" pitchFamily="18" charset="0"/>
                           <a:ea typeface="標楷體" panose="03000509000000000000" pitchFamily="65" charset="-120"/>
                           <a:cs typeface="Times New Roman" panose="02020603050405020304" pitchFamily="18" charset="0"/>
                         </a:rPr>
-                        <a:t>下表面</a:t>
-                      </a:r>
-                      <a:endParaRPr lang="zh-TW" altLang="en-US" dirty="0">
-                        <a:latin typeface="Times New Roman" panose="02020603050405020304" pitchFamily="18" charset="0"/>
-                        <a:ea typeface="標楷體" panose="03000509000000000000" pitchFamily="65" charset="-120"/>
-                        <a:cs typeface="Times New Roman" panose="02020603050405020304" pitchFamily="18" charset="0"/>
-                      </a:endParaRPr>
-                    </a:p>
-                  </a:txBody>
-                  <a:tcPr anchor="ctr"/>
-                </a:tc>
-                <a:tc>
+                        <a:t>顏色</a:t>
+                      </a:r>
+                      <a:endParaRPr lang="zh-TW" altLang="en-US" dirty="0">
+                        <a:latin typeface="Times New Roman" panose="02020603050405020304" pitchFamily="18" charset="0"/>
+                        <a:ea typeface="標楷體" panose="03000509000000000000" pitchFamily="65" charset="-120"/>
+                        <a:cs typeface="Times New Roman" panose="02020603050405020304" pitchFamily="18" charset="0"/>
+                      </a:endParaRPr>
+                    </a:p>
+                  </a:txBody>
+                  <a:tcPr anchor="ctr"/>
+                </a:tc>
+                <a:tc>
+                  <a:txBody>
+                    <a:bodyPr/>
+                    <a:lstStyle/>
+                    <a:p>
+                      <a:pPr algn="ctr"/>
+                      <a:r>
+                        <a:rPr lang="zh-CN" altLang="en-US" dirty="0">
+                          <a:latin typeface="Times New Roman" panose="02020603050405020304" pitchFamily="18" charset="0"/>
+                          <a:ea typeface="標楷體" panose="03000509000000000000" pitchFamily="65" charset="-120"/>
+                          <a:cs typeface="Times New Roman" panose="02020603050405020304" pitchFamily="18" charset="0"/>
+                        </a:rPr>
+                        <a:t>白色</a:t>
+                      </a:r>
+                      <a:endParaRPr lang="zh-TW" altLang="en-US" dirty="0">
+                        <a:latin typeface="Times New Roman" panose="02020603050405020304" pitchFamily="18" charset="0"/>
+                        <a:ea typeface="標楷體" panose="03000509000000000000" pitchFamily="65" charset="-120"/>
+                        <a:cs typeface="Times New Roman" panose="02020603050405020304" pitchFamily="18" charset="0"/>
+                      </a:endParaRPr>
+                    </a:p>
+                  </a:txBody>
+                  <a:tcPr anchor="ctr"/>
+                </a:tc>
+                <a:tc>
+                  <a:txBody>
+                    <a:bodyPr/>
+                    <a:lstStyle/>
+                    <a:p>
+                      <a:pPr algn="ctr"/>
+                      <a:r>
+                        <a:rPr lang="zh-CN" altLang="en-US" dirty="0">
+                          <a:latin typeface="Times New Roman" panose="02020603050405020304" pitchFamily="18" charset="0"/>
+                          <a:ea typeface="標楷體" panose="03000509000000000000" pitchFamily="65" charset="-120"/>
+                          <a:cs typeface="Times New Roman" panose="02020603050405020304" pitchFamily="18" charset="0"/>
+                        </a:rPr>
+                        <a:t>灰色</a:t>
+                      </a:r>
+                      <a:endParaRPr lang="zh-TW" altLang="en-US" dirty="0">
+                        <a:latin typeface="Times New Roman" panose="02020603050405020304" pitchFamily="18" charset="0"/>
+                        <a:ea typeface="標楷體" panose="03000509000000000000" pitchFamily="65" charset="-120"/>
+                        <a:cs typeface="Times New Roman" panose="02020603050405020304" pitchFamily="18" charset="0"/>
+                      </a:endParaRPr>
+                    </a:p>
+                  </a:txBody>
+                  <a:tcPr anchor="ctr"/>
+                </a:tc>
+                <a:tc>
+                  <a:txBody>
+                    <a:bodyPr/>
+                    <a:lstStyle/>
+                    <a:p>
+                      <a:pPr algn="ctr"/>
+                      <a:r>
+                        <a:rPr lang="zh-CN" altLang="en-US" dirty="0">
+                          <a:latin typeface="Times New Roman" panose="02020603050405020304" pitchFamily="18" charset="0"/>
+                          <a:ea typeface="標楷體" panose="03000509000000000000" pitchFamily="65" charset="-120"/>
+                          <a:cs typeface="Times New Roman" panose="02020603050405020304" pitchFamily="18" charset="0"/>
+                        </a:rPr>
+                        <a:t>白色</a:t>
+                      </a:r>
+                      <a:endParaRPr lang="zh-TW" altLang="en-US" dirty="0">
+                        <a:latin typeface="Times New Roman" panose="02020603050405020304" pitchFamily="18" charset="0"/>
+                        <a:ea typeface="標楷體" panose="03000509000000000000" pitchFamily="65" charset="-120"/>
+                        <a:cs typeface="Times New Roman" panose="02020603050405020304" pitchFamily="18" charset="0"/>
+                      </a:endParaRPr>
+                    </a:p>
+                  </a:txBody>
+                  <a:tcPr anchor="ctr"/>
+                </a:tc>
+                <a:tc>
+                  <a:txBody>
+                    <a:bodyPr/>
+                    <a:lstStyle/>
+                    <a:p>
+                      <a:pPr algn="ctr"/>
+                      <a:r>
+                        <a:rPr lang="zh-CN" altLang="en-US" dirty="0">
+                          <a:latin typeface="Times New Roman" panose="02020603050405020304" pitchFamily="18" charset="0"/>
+                          <a:ea typeface="標楷體" panose="03000509000000000000" pitchFamily="65" charset="-120"/>
+                          <a:cs typeface="Times New Roman" panose="02020603050405020304" pitchFamily="18" charset="0"/>
+                        </a:rPr>
+                        <a:t>灰色</a:t>
+                      </a:r>
+                      <a:endParaRPr lang="zh-TW" altLang="en-US" dirty="0">
+                        <a:latin typeface="Times New Roman" panose="02020603050405020304" pitchFamily="18" charset="0"/>
+                        <a:ea typeface="標楷體" panose="03000509000000000000" pitchFamily="65" charset="-120"/>
+                        <a:cs typeface="Times New Roman" panose="02020603050405020304" pitchFamily="18" charset="0"/>
+                      </a:endParaRPr>
+                    </a:p>
+                  </a:txBody>
+                  <a:tcPr anchor="ctr"/>
+                </a:tc>
+                <a:tc>
+                  <a:txBody>
+                    <a:bodyPr/>
+                    <a:lstStyle/>
+                    <a:p>
+                      <a:pPr algn="ctr"/>
+                      <a:r>
+                        <a:rPr lang="zh-CN" altLang="en-US" dirty="0">
+                          <a:latin typeface="Times New Roman" panose="02020603050405020304" pitchFamily="18" charset="0"/>
+                          <a:ea typeface="標楷體" panose="03000509000000000000" pitchFamily="65" charset="-120"/>
+                          <a:cs typeface="Times New Roman" panose="02020603050405020304" pitchFamily="18" charset="0"/>
+                        </a:rPr>
+                        <a:t>白色</a:t>
+                      </a:r>
+                      <a:endParaRPr lang="zh-TW" altLang="en-US" dirty="0">
+                        <a:latin typeface="Times New Roman" panose="02020603050405020304" pitchFamily="18" charset="0"/>
+                        <a:ea typeface="標楷體" panose="03000509000000000000" pitchFamily="65" charset="-120"/>
+                        <a:cs typeface="Times New Roman" panose="02020603050405020304" pitchFamily="18" charset="0"/>
+                      </a:endParaRPr>
+                    </a:p>
+                  </a:txBody>
+                  <a:tcPr anchor="ctr"/>
+                </a:tc>
+                <a:tc>
+                  <a:txBody>
+                    <a:bodyPr/>
+                    <a:lstStyle/>
+                    <a:p>
+                      <a:pPr algn="ctr"/>
+                      <a:r>
+                        <a:rPr lang="zh-CN" altLang="en-US" dirty="0">
+                          <a:latin typeface="Times New Roman" panose="02020603050405020304" pitchFamily="18" charset="0"/>
+                          <a:ea typeface="標楷體" panose="03000509000000000000" pitchFamily="65" charset="-120"/>
+                          <a:cs typeface="Times New Roman" panose="02020603050405020304" pitchFamily="18" charset="0"/>
+                        </a:rPr>
+                        <a:t>灰色</a:t>
+                      </a:r>
+                      <a:endParaRPr lang="zh-TW" altLang="en-US" dirty="0">
+                        <a:latin typeface="Times New Roman" panose="02020603050405020304" pitchFamily="18" charset="0"/>
+                        <a:ea typeface="標楷體" panose="03000509000000000000" pitchFamily="65" charset="-120"/>
+                        <a:cs typeface="Times New Roman" panose="02020603050405020304" pitchFamily="18" charset="0"/>
+                      </a:endParaRPr>
+                    </a:p>
+                  </a:txBody>
+                  <a:tcPr anchor="ctr"/>
+                </a:tc>
+                <a:extLst>
+                  <a:ext uri="{0D108BD9-81ED-4DB2-BD59-A6C34878D82A}">
+                    <a16:rowId xmlns:a16="http://schemas.microsoft.com/office/drawing/2014/main" val="10003"/>
+                  </a:ext>
+                </a:extLst>
+              </a:tr>
+              <a:tr h="365760">
+                <a:tc vMerge="1">
                   <a:txBody>
                     <a:bodyPr/>
                     <a:lstStyle/>
@@ -12615,12 +11791,360 @@
                         <a:tabLst/>
                         <a:defRPr/>
                       </a:pPr>
+                      <a:endParaRPr lang="zh-TW" altLang="en-US" dirty="0">
+                        <a:latin typeface="Times New Roman" panose="02020603050405020304" pitchFamily="18" charset="0"/>
+                        <a:ea typeface="標楷體" panose="03000509000000000000" pitchFamily="65" charset="-120"/>
+                        <a:cs typeface="Times New Roman" panose="02020603050405020304" pitchFamily="18" charset="0"/>
+                      </a:endParaRPr>
+                    </a:p>
+                  </a:txBody>
+                  <a:tcPr anchor="ctr"/>
+                </a:tc>
+                <a:tc>
+                  <a:txBody>
+                    <a:bodyPr/>
+                    <a:lstStyle/>
+                    <a:p>
+                      <a:pPr algn="ctr"/>
+                      <a:r>
+                        <a:rPr lang="zh-CN" altLang="en-US">
+                          <a:latin typeface="Times New Roman" panose="02020603050405020304" pitchFamily="18" charset="0"/>
+                          <a:ea typeface="標楷體" panose="03000509000000000000" pitchFamily="65" charset="-120"/>
+                          <a:cs typeface="Times New Roman" panose="02020603050405020304" pitchFamily="18" charset="0"/>
+                        </a:rPr>
+                        <a:t>相比例</a:t>
+                      </a:r>
+                      <a:r>
+                        <a:rPr lang="vi-VN" altLang="zh-CN">
+                          <a:latin typeface="Times New Roman" panose="02020603050405020304" pitchFamily="18" charset="0"/>
+                          <a:ea typeface="標楷體" panose="03000509000000000000" pitchFamily="65" charset="-120"/>
+                          <a:cs typeface="Times New Roman" panose="02020603050405020304" pitchFamily="18" charset="0"/>
+                        </a:rPr>
+                        <a:t>(%)</a:t>
+                      </a:r>
+                      <a:endParaRPr lang="zh-TW" altLang="en-US" dirty="0">
+                        <a:latin typeface="Times New Roman" panose="02020603050405020304" pitchFamily="18" charset="0"/>
+                        <a:ea typeface="標楷體" panose="03000509000000000000" pitchFamily="65" charset="-120"/>
+                        <a:cs typeface="Times New Roman" panose="02020603050405020304" pitchFamily="18" charset="0"/>
+                      </a:endParaRPr>
+                    </a:p>
+                  </a:txBody>
+                  <a:tcPr anchor="ctr"/>
+                </a:tc>
+                <a:tc>
+                  <a:txBody>
+                    <a:bodyPr/>
+                    <a:lstStyle/>
+                    <a:p>
+                      <a:pPr algn="ctr" fontAlgn="ctr"/>
+                      <a:r>
+                        <a:rPr lang="en-US" altLang="zh-CN" sz="1800" b="0" i="0" u="none" strike="noStrike">
+                          <a:solidFill>
+                            <a:srgbClr val="000000"/>
+                          </a:solidFill>
+                          <a:effectLst/>
+                          <a:latin typeface="Times New Roman" panose="02020603050405020304" pitchFamily="18" charset="0"/>
+                          <a:cs typeface="Times New Roman" panose="02020603050405020304" pitchFamily="18" charset="0"/>
+                        </a:rPr>
+                        <a:t>T0</a:t>
+                      </a:r>
+                      <a:r>
+                        <a:rPr lang="vi-VN" altLang="zh-CN" sz="1800" b="0" i="0" u="none" strike="noStrike">
+                          <a:solidFill>
+                            <a:srgbClr val="000000"/>
+                          </a:solidFill>
+                          <a:effectLst/>
+                          <a:latin typeface="Times New Roman" panose="02020603050405020304" pitchFamily="18" charset="0"/>
+                          <a:cs typeface="Times New Roman" panose="02020603050405020304" pitchFamily="18" charset="0"/>
+                        </a:rPr>
+                        <a:t>-1</a:t>
+                      </a:r>
+                      <a:endParaRPr lang="en-US" altLang="zh-CN" sz="1800" b="0" i="0" u="none" strike="noStrike">
+                        <a:solidFill>
+                          <a:srgbClr val="000000"/>
+                        </a:solidFill>
+                        <a:effectLst/>
+                        <a:latin typeface="Times New Roman" panose="02020603050405020304" pitchFamily="18" charset="0"/>
+                        <a:cs typeface="Times New Roman" panose="02020603050405020304" pitchFamily="18" charset="0"/>
+                      </a:endParaRPr>
+                    </a:p>
+                  </a:txBody>
+                  <a:tcPr marL="9525" marR="9525" marT="9525" marB="0" anchor="ctr"/>
+                </a:tc>
+                <a:tc>
+                  <a:txBody>
+                    <a:bodyPr/>
+                    <a:lstStyle/>
+                    <a:p>
+                      <a:pPr algn="ctr" fontAlgn="ctr"/>
+                      <a:r>
+                        <a:rPr lang="en-US" altLang="zh-CN" sz="1800" b="0" i="0" u="none" strike="noStrike">
+                          <a:solidFill>
+                            <a:srgbClr val="000000"/>
+                          </a:solidFill>
+                          <a:effectLst/>
+                          <a:latin typeface="Times New Roman" panose="02020603050405020304" pitchFamily="18" charset="0"/>
+                          <a:cs typeface="Times New Roman" panose="02020603050405020304" pitchFamily="18" charset="0"/>
+                        </a:rPr>
+                        <a:t>T0</a:t>
+                      </a:r>
+                      <a:r>
+                        <a:rPr lang="vi-VN" altLang="zh-CN" sz="1800" b="0" i="0" u="none" strike="noStrike">
+                          <a:solidFill>
+                            <a:srgbClr val="000000"/>
+                          </a:solidFill>
+                          <a:effectLst/>
+                          <a:latin typeface="Times New Roman" panose="02020603050405020304" pitchFamily="18" charset="0"/>
+                          <a:cs typeface="Times New Roman" panose="02020603050405020304" pitchFamily="18" charset="0"/>
+                        </a:rPr>
+                        <a:t>-2</a:t>
+                      </a:r>
+                      <a:endParaRPr lang="en-US" altLang="zh-CN" sz="1800" b="0" i="0" u="none" strike="noStrike" dirty="0">
+                        <a:solidFill>
+                          <a:srgbClr val="000000"/>
+                        </a:solidFill>
+                        <a:effectLst/>
+                        <a:latin typeface="Times New Roman" panose="02020603050405020304" pitchFamily="18" charset="0"/>
+                        <a:cs typeface="Times New Roman" panose="02020603050405020304" pitchFamily="18" charset="0"/>
+                      </a:endParaRPr>
+                    </a:p>
+                  </a:txBody>
+                  <a:tcPr marL="9525" marR="9525" marT="9525" marB="0" anchor="ctr"/>
+                </a:tc>
+                <a:tc>
+                  <a:txBody>
+                    <a:bodyPr/>
+                    <a:lstStyle/>
+                    <a:p>
+                      <a:pPr algn="ctr" fontAlgn="ctr"/>
+                      <a:r>
+                        <a:rPr lang="en-US" altLang="zh-CN" sz="1800" b="0" i="0" u="none" strike="noStrike">
+                          <a:solidFill>
+                            <a:srgbClr val="000000"/>
+                          </a:solidFill>
+                          <a:effectLst/>
+                          <a:latin typeface="Times New Roman" panose="02020603050405020304" pitchFamily="18" charset="0"/>
+                          <a:cs typeface="Times New Roman" panose="02020603050405020304" pitchFamily="18" charset="0"/>
+                        </a:rPr>
+                        <a:t>T1</a:t>
+                      </a:r>
+                      <a:r>
+                        <a:rPr lang="vi-VN" altLang="zh-CN" sz="1800" b="0" i="0" u="none" strike="noStrike">
+                          <a:solidFill>
+                            <a:srgbClr val="000000"/>
+                          </a:solidFill>
+                          <a:effectLst/>
+                          <a:latin typeface="Times New Roman" panose="02020603050405020304" pitchFamily="18" charset="0"/>
+                          <a:cs typeface="Times New Roman" panose="02020603050405020304" pitchFamily="18" charset="0"/>
+                        </a:rPr>
+                        <a:t>-1</a:t>
+                      </a:r>
+                      <a:endParaRPr lang="en-US" altLang="zh-CN" sz="1800" b="0" i="0" u="none" strike="noStrike">
+                        <a:solidFill>
+                          <a:srgbClr val="000000"/>
+                        </a:solidFill>
+                        <a:effectLst/>
+                        <a:latin typeface="Times New Roman" panose="02020603050405020304" pitchFamily="18" charset="0"/>
+                        <a:cs typeface="Times New Roman" panose="02020603050405020304" pitchFamily="18" charset="0"/>
+                      </a:endParaRPr>
+                    </a:p>
+                  </a:txBody>
+                  <a:tcPr marL="9525" marR="9525" marT="9525" marB="0" anchor="ctr"/>
+                </a:tc>
+                <a:tc>
+                  <a:txBody>
+                    <a:bodyPr/>
+                    <a:lstStyle/>
+                    <a:p>
+                      <a:pPr algn="ctr" fontAlgn="ctr"/>
+                      <a:r>
+                        <a:rPr lang="en-US" altLang="zh-CN" sz="1800" b="0" i="0" u="none" strike="noStrike">
+                          <a:solidFill>
+                            <a:srgbClr val="000000"/>
+                          </a:solidFill>
+                          <a:effectLst/>
+                          <a:latin typeface="Times New Roman" panose="02020603050405020304" pitchFamily="18" charset="0"/>
+                          <a:cs typeface="Times New Roman" panose="02020603050405020304" pitchFamily="18" charset="0"/>
+                        </a:rPr>
+                        <a:t>T1</a:t>
+                      </a:r>
+                      <a:r>
+                        <a:rPr lang="vi-VN" altLang="zh-CN" sz="1800" b="0" i="0" u="none" strike="noStrike">
+                          <a:solidFill>
+                            <a:srgbClr val="000000"/>
+                          </a:solidFill>
+                          <a:effectLst/>
+                          <a:latin typeface="Times New Roman" panose="02020603050405020304" pitchFamily="18" charset="0"/>
+                          <a:cs typeface="Times New Roman" panose="02020603050405020304" pitchFamily="18" charset="0"/>
+                        </a:rPr>
+                        <a:t>-2</a:t>
+                      </a:r>
+                      <a:endParaRPr lang="en-US" altLang="zh-CN" sz="1800" b="0" i="0" u="none" strike="noStrike" dirty="0">
+                        <a:solidFill>
+                          <a:srgbClr val="000000"/>
+                        </a:solidFill>
+                        <a:effectLst/>
+                        <a:latin typeface="Times New Roman" panose="02020603050405020304" pitchFamily="18" charset="0"/>
+                        <a:cs typeface="Times New Roman" panose="02020603050405020304" pitchFamily="18" charset="0"/>
+                      </a:endParaRPr>
+                    </a:p>
+                  </a:txBody>
+                  <a:tcPr marL="9525" marR="9525" marT="9525" marB="0" anchor="ctr"/>
+                </a:tc>
+                <a:tc>
+                  <a:txBody>
+                    <a:bodyPr/>
+                    <a:lstStyle/>
+                    <a:p>
+                      <a:pPr algn="ctr" fontAlgn="ctr"/>
+                      <a:r>
+                        <a:rPr lang="en-US" altLang="zh-CN" sz="1800" b="0" i="0" u="none" strike="noStrike">
+                          <a:solidFill>
+                            <a:srgbClr val="000000"/>
+                          </a:solidFill>
+                          <a:effectLst/>
+                          <a:latin typeface="Times New Roman" panose="02020603050405020304" pitchFamily="18" charset="0"/>
+                          <a:cs typeface="Times New Roman" panose="02020603050405020304" pitchFamily="18" charset="0"/>
+                        </a:rPr>
+                        <a:t>T2</a:t>
+                      </a:r>
+                      <a:r>
+                        <a:rPr lang="vi-VN" altLang="zh-CN" sz="1800" b="0" i="0" u="none" strike="noStrike">
+                          <a:solidFill>
+                            <a:srgbClr val="000000"/>
+                          </a:solidFill>
+                          <a:effectLst/>
+                          <a:latin typeface="Times New Roman" panose="02020603050405020304" pitchFamily="18" charset="0"/>
+                          <a:cs typeface="Times New Roman" panose="02020603050405020304" pitchFamily="18" charset="0"/>
+                        </a:rPr>
+                        <a:t>-1</a:t>
+                      </a:r>
+                      <a:endParaRPr lang="en-US" altLang="zh-CN" sz="1800" b="0" i="0" u="none" strike="noStrike">
+                        <a:solidFill>
+                          <a:srgbClr val="000000"/>
+                        </a:solidFill>
+                        <a:effectLst/>
+                        <a:latin typeface="Times New Roman" panose="02020603050405020304" pitchFamily="18" charset="0"/>
+                        <a:cs typeface="Times New Roman" panose="02020603050405020304" pitchFamily="18" charset="0"/>
+                      </a:endParaRPr>
+                    </a:p>
+                  </a:txBody>
+                  <a:tcPr marL="9525" marR="9525" marT="9525" marB="0" anchor="ctr"/>
+                </a:tc>
+                <a:tc>
+                  <a:txBody>
+                    <a:bodyPr/>
+                    <a:lstStyle/>
+                    <a:p>
+                      <a:pPr algn="ctr" fontAlgn="ctr"/>
+                      <a:r>
+                        <a:rPr lang="en-US" altLang="zh-CN" sz="1800" b="0" i="0" u="none" strike="noStrike">
+                          <a:solidFill>
+                            <a:srgbClr val="000000"/>
+                          </a:solidFill>
+                          <a:effectLst/>
+                          <a:latin typeface="Times New Roman" panose="02020603050405020304" pitchFamily="18" charset="0"/>
+                          <a:cs typeface="Times New Roman" panose="02020603050405020304" pitchFamily="18" charset="0"/>
+                        </a:rPr>
+                        <a:t>T2</a:t>
+                      </a:r>
+                      <a:r>
+                        <a:rPr lang="vi-VN" altLang="zh-CN" sz="1800" b="0" i="0" u="none" strike="noStrike">
+                          <a:solidFill>
+                            <a:srgbClr val="000000"/>
+                          </a:solidFill>
+                          <a:effectLst/>
+                          <a:latin typeface="Times New Roman" panose="02020603050405020304" pitchFamily="18" charset="0"/>
+                          <a:cs typeface="Times New Roman" panose="02020603050405020304" pitchFamily="18" charset="0"/>
+                        </a:rPr>
+                        <a:t>-2</a:t>
+                      </a:r>
+                      <a:endParaRPr lang="en-US" altLang="zh-CN" sz="1800" b="0" i="0" u="none" strike="noStrike" dirty="0">
+                        <a:solidFill>
+                          <a:srgbClr val="000000"/>
+                        </a:solidFill>
+                        <a:effectLst/>
+                        <a:latin typeface="Times New Roman" panose="02020603050405020304" pitchFamily="18" charset="0"/>
+                        <a:cs typeface="Times New Roman" panose="02020603050405020304" pitchFamily="18" charset="0"/>
+                      </a:endParaRPr>
+                    </a:p>
+                  </a:txBody>
+                  <a:tcPr marL="9525" marR="9525" marT="9525" marB="0" anchor="ctr"/>
+                </a:tc>
+                <a:extLst>
+                  <a:ext uri="{0D108BD9-81ED-4DB2-BD59-A6C34878D82A}">
+                    <a16:rowId xmlns:a16="http://schemas.microsoft.com/office/drawing/2014/main" val="10004"/>
+                  </a:ext>
+                </a:extLst>
+              </a:tr>
+              <a:tr h="1950908">
+                <a:tc rowSpan="3">
+                  <a:txBody>
+                    <a:bodyPr/>
+                    <a:lstStyle/>
+                    <a:p>
+                      <a:pPr marL="0" marR="0" indent="0" algn="ctr" defTabSz="914400" rtl="0" eaLnBrk="1" fontAlgn="auto" latinLnBrk="0" hangingPunct="1">
+                        <a:lnSpc>
+                          <a:spcPct val="100000"/>
+                        </a:lnSpc>
+                        <a:spcBef>
+                          <a:spcPts val="0"/>
+                        </a:spcBef>
+                        <a:spcAft>
+                          <a:spcPts val="0"/>
+                        </a:spcAft>
+                        <a:buClrTx/>
+                        <a:buSzTx/>
+                        <a:buFontTx/>
+                        <a:buNone/>
+                        <a:tabLst/>
+                        <a:defRPr/>
+                      </a:pPr>
                       <a:r>
                         <a:rPr lang="zh-CN" altLang="en-US" dirty="0">
                           <a:latin typeface="Times New Roman" panose="02020603050405020304" pitchFamily="18" charset="0"/>
                           <a:ea typeface="標楷體" panose="03000509000000000000" pitchFamily="65" charset="-120"/>
                           <a:cs typeface="Times New Roman" panose="02020603050405020304" pitchFamily="18" charset="0"/>
                         </a:rPr>
+                        <a:t>下表面</a:t>
+                      </a:r>
+                      <a:endParaRPr lang="zh-TW" altLang="en-US" dirty="0">
+                        <a:latin typeface="Times New Roman" panose="02020603050405020304" pitchFamily="18" charset="0"/>
+                        <a:ea typeface="標楷體" panose="03000509000000000000" pitchFamily="65" charset="-120"/>
+                        <a:cs typeface="Times New Roman" panose="02020603050405020304" pitchFamily="18" charset="0"/>
+                      </a:endParaRPr>
+                    </a:p>
+                  </a:txBody>
+                  <a:tcPr anchor="ctr"/>
+                </a:tc>
+                <a:tc>
+                  <a:txBody>
+                    <a:bodyPr/>
+                    <a:lstStyle/>
+                    <a:p>
+                      <a:pPr marL="0" marR="0" indent="0" algn="ctr" defTabSz="914400" rtl="0" eaLnBrk="1" fontAlgn="auto" latinLnBrk="0" hangingPunct="1">
+                        <a:lnSpc>
+                          <a:spcPct val="100000"/>
+                        </a:lnSpc>
+                        <a:spcBef>
+                          <a:spcPts val="0"/>
+                        </a:spcBef>
+                        <a:spcAft>
+                          <a:spcPts val="0"/>
+                        </a:spcAft>
+                        <a:buClrTx/>
+                        <a:buSzTx/>
+                        <a:buFontTx/>
+                        <a:buNone/>
+                        <a:tabLst/>
+                        <a:defRPr/>
+                      </a:pPr>
+                      <a:r>
+                        <a:rPr lang="zh-CN" altLang="en-US" dirty="0">
+                          <a:latin typeface="Times New Roman" panose="02020603050405020304" pitchFamily="18" charset="0"/>
+                          <a:ea typeface="標楷體" panose="03000509000000000000" pitchFamily="65" charset="-120"/>
+                          <a:cs typeface="Times New Roman" panose="02020603050405020304" pitchFamily="18" charset="0"/>
+                        </a:rPr>
                         <a:t>照片</a:t>
                       </a:r>
                       <a:endParaRPr lang="zh-TW" altLang="en-US" dirty="0">
@@ -12632,7 +12156,7 @@
                   </a:txBody>
                   <a:tcPr anchor="ctr"/>
                 </a:tc>
-                <a:tc>
+                <a:tc gridSpan="2">
                   <a:txBody>
                     <a:bodyPr/>
                     <a:lstStyle/>
@@ -12711,7 +12235,17 @@
                   </a:txBody>
                   <a:tcPr anchor="ctr"/>
                 </a:tc>
-                <a:tc>
+                <a:tc hMerge="1">
+                  <a:txBody>
+                    <a:bodyPr/>
+                    <a:lstStyle/>
+                    <a:p>
+                      <a:endParaRPr lang="en-US"/>
+                    </a:p>
+                  </a:txBody>
+                  <a:tcPr/>
+                </a:tc>
+                <a:tc gridSpan="2">
                   <a:txBody>
                     <a:bodyPr/>
                     <a:lstStyle/>
@@ -12742,7 +12276,17 @@
                   </a:txBody>
                   <a:tcPr anchor="ctr"/>
                 </a:tc>
-                <a:tc>
+                <a:tc hMerge="1">
+                  <a:txBody>
+                    <a:bodyPr/>
+                    <a:lstStyle/>
+                    <a:p>
+                      <a:endParaRPr lang="en-US"/>
+                    </a:p>
+                  </a:txBody>
+                  <a:tcPr/>
+                </a:tc>
+                <a:tc gridSpan="2">
                   <a:txBody>
                     <a:bodyPr/>
                     <a:lstStyle/>
@@ -12773,9 +12317,519 @@
                   </a:txBody>
                   <a:tcPr anchor="ctr"/>
                 </a:tc>
+                <a:tc hMerge="1">
+                  <a:txBody>
+                    <a:bodyPr/>
+                    <a:lstStyle/>
+                    <a:p>
+                      <a:endParaRPr lang="en-US"/>
+                    </a:p>
+                  </a:txBody>
+                  <a:tcPr/>
+                </a:tc>
                 <a:extLst>
                   <a:ext uri="{0D108BD9-81ED-4DB2-BD59-A6C34878D82A}">
                     <a16:rowId xmlns:a16="http://schemas.microsoft.com/office/drawing/2014/main" val="10005"/>
+                  </a:ext>
+                </a:extLst>
+              </a:tr>
+              <a:tr h="368096">
+                <a:tc vMerge="1">
+                  <a:txBody>
+                    <a:bodyPr/>
+                    <a:lstStyle/>
+                    <a:p>
+                      <a:pPr marL="0" marR="0" indent="0" algn="ctr" defTabSz="914400" rtl="0" eaLnBrk="1" fontAlgn="auto" latinLnBrk="0" hangingPunct="1">
+                        <a:lnSpc>
+                          <a:spcPct val="100000"/>
+                        </a:lnSpc>
+                        <a:spcBef>
+                          <a:spcPts val="0"/>
+                        </a:spcBef>
+                        <a:spcAft>
+                          <a:spcPts val="0"/>
+                        </a:spcAft>
+                        <a:buClrTx/>
+                        <a:buSzTx/>
+                        <a:buFontTx/>
+                        <a:buNone/>
+                        <a:tabLst/>
+                        <a:defRPr/>
+                      </a:pPr>
+                      <a:endParaRPr lang="zh-TW" altLang="en-US" dirty="0">
+                        <a:latin typeface="Times New Roman" panose="02020603050405020304" pitchFamily="18" charset="0"/>
+                        <a:ea typeface="標楷體" panose="03000509000000000000" pitchFamily="65" charset="-120"/>
+                        <a:cs typeface="Times New Roman" panose="02020603050405020304" pitchFamily="18" charset="0"/>
+                      </a:endParaRPr>
+                    </a:p>
+                  </a:txBody>
+                  <a:tcPr anchor="ctr"/>
+                </a:tc>
+                <a:tc>
+                  <a:txBody>
+                    <a:bodyPr/>
+                    <a:lstStyle/>
+                    <a:p>
+                      <a:pPr algn="ctr"/>
+                      <a:r>
+                        <a:rPr lang="zh-CN" altLang="en-US" dirty="0">
+                          <a:latin typeface="Times New Roman" panose="02020603050405020304" pitchFamily="18" charset="0"/>
+                          <a:ea typeface="標楷體" panose="03000509000000000000" pitchFamily="65" charset="-120"/>
+                          <a:cs typeface="Times New Roman" panose="02020603050405020304" pitchFamily="18" charset="0"/>
+                        </a:rPr>
+                        <a:t>顏色</a:t>
+                      </a:r>
+                      <a:endParaRPr lang="zh-TW" altLang="en-US" dirty="0">
+                        <a:latin typeface="Times New Roman" panose="02020603050405020304" pitchFamily="18" charset="0"/>
+                        <a:ea typeface="標楷體" panose="03000509000000000000" pitchFamily="65" charset="-120"/>
+                        <a:cs typeface="Times New Roman" panose="02020603050405020304" pitchFamily="18" charset="0"/>
+                      </a:endParaRPr>
+                    </a:p>
+                  </a:txBody>
+                  <a:tcPr anchor="ctr"/>
+                </a:tc>
+                <a:tc>
+                  <a:txBody>
+                    <a:bodyPr/>
+                    <a:lstStyle/>
+                    <a:p>
+                      <a:pPr algn="ctr"/>
+                      <a:r>
+                        <a:rPr lang="zh-CN" altLang="en-US" dirty="0">
+                          <a:latin typeface="Times New Roman" panose="02020603050405020304" pitchFamily="18" charset="0"/>
+                          <a:ea typeface="標楷體" panose="03000509000000000000" pitchFamily="65" charset="-120"/>
+                          <a:cs typeface="Times New Roman" panose="02020603050405020304" pitchFamily="18" charset="0"/>
+                        </a:rPr>
+                        <a:t>白色</a:t>
+                      </a:r>
+                      <a:endParaRPr lang="zh-TW" altLang="en-US" dirty="0">
+                        <a:latin typeface="Times New Roman" panose="02020603050405020304" pitchFamily="18" charset="0"/>
+                        <a:ea typeface="標楷體" panose="03000509000000000000" pitchFamily="65" charset="-120"/>
+                        <a:cs typeface="Times New Roman" panose="02020603050405020304" pitchFamily="18" charset="0"/>
+                      </a:endParaRPr>
+                    </a:p>
+                  </a:txBody>
+                  <a:tcPr anchor="ctr"/>
+                </a:tc>
+                <a:tc>
+                  <a:txBody>
+                    <a:bodyPr/>
+                    <a:lstStyle/>
+                    <a:p>
+                      <a:pPr algn="ctr"/>
+                      <a:r>
+                        <a:rPr lang="zh-CN" altLang="en-US" dirty="0">
+                          <a:latin typeface="Times New Roman" panose="02020603050405020304" pitchFamily="18" charset="0"/>
+                          <a:ea typeface="標楷體" panose="03000509000000000000" pitchFamily="65" charset="-120"/>
+                          <a:cs typeface="Times New Roman" panose="02020603050405020304" pitchFamily="18" charset="0"/>
+                        </a:rPr>
+                        <a:t>灰色</a:t>
+                      </a:r>
+                      <a:endParaRPr lang="zh-TW" altLang="en-US" dirty="0">
+                        <a:latin typeface="Times New Roman" panose="02020603050405020304" pitchFamily="18" charset="0"/>
+                        <a:ea typeface="標楷體" panose="03000509000000000000" pitchFamily="65" charset="-120"/>
+                        <a:cs typeface="Times New Roman" panose="02020603050405020304" pitchFamily="18" charset="0"/>
+                      </a:endParaRPr>
+                    </a:p>
+                  </a:txBody>
+                  <a:tcPr anchor="ctr"/>
+                </a:tc>
+                <a:tc>
+                  <a:txBody>
+                    <a:bodyPr/>
+                    <a:lstStyle/>
+                    <a:p>
+                      <a:pPr algn="ctr"/>
+                      <a:r>
+                        <a:rPr lang="zh-CN" altLang="en-US" dirty="0">
+                          <a:latin typeface="Times New Roman" panose="02020603050405020304" pitchFamily="18" charset="0"/>
+                          <a:ea typeface="標楷體" panose="03000509000000000000" pitchFamily="65" charset="-120"/>
+                          <a:cs typeface="Times New Roman" panose="02020603050405020304" pitchFamily="18" charset="0"/>
+                        </a:rPr>
+                        <a:t>白色</a:t>
+                      </a:r>
+                      <a:endParaRPr lang="zh-TW" altLang="en-US" dirty="0">
+                        <a:latin typeface="Times New Roman" panose="02020603050405020304" pitchFamily="18" charset="0"/>
+                        <a:ea typeface="標楷體" panose="03000509000000000000" pitchFamily="65" charset="-120"/>
+                        <a:cs typeface="Times New Roman" panose="02020603050405020304" pitchFamily="18" charset="0"/>
+                      </a:endParaRPr>
+                    </a:p>
+                  </a:txBody>
+                  <a:tcPr anchor="ctr"/>
+                </a:tc>
+                <a:tc>
+                  <a:txBody>
+                    <a:bodyPr/>
+                    <a:lstStyle/>
+                    <a:p>
+                      <a:pPr algn="ctr"/>
+                      <a:r>
+                        <a:rPr lang="zh-CN" altLang="en-US" dirty="0">
+                          <a:latin typeface="Times New Roman" panose="02020603050405020304" pitchFamily="18" charset="0"/>
+                          <a:ea typeface="標楷體" panose="03000509000000000000" pitchFamily="65" charset="-120"/>
+                          <a:cs typeface="Times New Roman" panose="02020603050405020304" pitchFamily="18" charset="0"/>
+                        </a:rPr>
+                        <a:t>灰色</a:t>
+                      </a:r>
+                      <a:endParaRPr lang="zh-TW" altLang="en-US" dirty="0">
+                        <a:latin typeface="Times New Roman" panose="02020603050405020304" pitchFamily="18" charset="0"/>
+                        <a:ea typeface="標楷體" panose="03000509000000000000" pitchFamily="65" charset="-120"/>
+                        <a:cs typeface="Times New Roman" panose="02020603050405020304" pitchFamily="18" charset="0"/>
+                      </a:endParaRPr>
+                    </a:p>
+                  </a:txBody>
+                  <a:tcPr anchor="ctr"/>
+                </a:tc>
+                <a:tc>
+                  <a:txBody>
+                    <a:bodyPr/>
+                    <a:lstStyle/>
+                    <a:p>
+                      <a:pPr algn="ctr"/>
+                      <a:r>
+                        <a:rPr lang="zh-CN" altLang="en-US" dirty="0">
+                          <a:latin typeface="Times New Roman" panose="02020603050405020304" pitchFamily="18" charset="0"/>
+                          <a:ea typeface="標楷體" panose="03000509000000000000" pitchFamily="65" charset="-120"/>
+                          <a:cs typeface="Times New Roman" panose="02020603050405020304" pitchFamily="18" charset="0"/>
+                        </a:rPr>
+                        <a:t>白色</a:t>
+                      </a:r>
+                      <a:endParaRPr lang="zh-TW" altLang="en-US" dirty="0">
+                        <a:latin typeface="Times New Roman" panose="02020603050405020304" pitchFamily="18" charset="0"/>
+                        <a:ea typeface="標楷體" panose="03000509000000000000" pitchFamily="65" charset="-120"/>
+                        <a:cs typeface="Times New Roman" panose="02020603050405020304" pitchFamily="18" charset="0"/>
+                      </a:endParaRPr>
+                    </a:p>
+                  </a:txBody>
+                  <a:tcPr anchor="ctr"/>
+                </a:tc>
+                <a:tc>
+                  <a:txBody>
+                    <a:bodyPr/>
+                    <a:lstStyle/>
+                    <a:p>
+                      <a:pPr algn="ctr"/>
+                      <a:r>
+                        <a:rPr lang="zh-CN" altLang="en-US" dirty="0">
+                          <a:latin typeface="Times New Roman" panose="02020603050405020304" pitchFamily="18" charset="0"/>
+                          <a:ea typeface="標楷體" panose="03000509000000000000" pitchFamily="65" charset="-120"/>
+                          <a:cs typeface="Times New Roman" panose="02020603050405020304" pitchFamily="18" charset="0"/>
+                        </a:rPr>
+                        <a:t>灰色</a:t>
+                      </a:r>
+                      <a:endParaRPr lang="zh-TW" altLang="en-US" dirty="0">
+                        <a:latin typeface="Times New Roman" panose="02020603050405020304" pitchFamily="18" charset="0"/>
+                        <a:ea typeface="標楷體" panose="03000509000000000000" pitchFamily="65" charset="-120"/>
+                        <a:cs typeface="Times New Roman" panose="02020603050405020304" pitchFamily="18" charset="0"/>
+                      </a:endParaRPr>
+                    </a:p>
+                  </a:txBody>
+                  <a:tcPr anchor="ctr"/>
+                </a:tc>
+                <a:extLst>
+                  <a:ext uri="{0D108BD9-81ED-4DB2-BD59-A6C34878D82A}">
+                    <a16:rowId xmlns:a16="http://schemas.microsoft.com/office/drawing/2014/main" val="10006"/>
+                  </a:ext>
+                </a:extLst>
+              </a:tr>
+              <a:tr h="368096">
+                <a:tc vMerge="1">
+                  <a:txBody>
+                    <a:bodyPr/>
+                    <a:lstStyle/>
+                    <a:p>
+                      <a:pPr marL="0" marR="0" indent="0" algn="ctr" defTabSz="914400" rtl="0" eaLnBrk="1" fontAlgn="auto" latinLnBrk="0" hangingPunct="1">
+                        <a:lnSpc>
+                          <a:spcPct val="100000"/>
+                        </a:lnSpc>
+                        <a:spcBef>
+                          <a:spcPts val="0"/>
+                        </a:spcBef>
+                        <a:spcAft>
+                          <a:spcPts val="0"/>
+                        </a:spcAft>
+                        <a:buClrTx/>
+                        <a:buSzTx/>
+                        <a:buFontTx/>
+                        <a:buNone/>
+                        <a:tabLst/>
+                        <a:defRPr/>
+                      </a:pPr>
+                      <a:endParaRPr lang="zh-TW" altLang="en-US" dirty="0">
+                        <a:latin typeface="Times New Roman" panose="02020603050405020304" pitchFamily="18" charset="0"/>
+                        <a:ea typeface="標楷體" panose="03000509000000000000" pitchFamily="65" charset="-120"/>
+                        <a:cs typeface="Times New Roman" panose="02020603050405020304" pitchFamily="18" charset="0"/>
+                      </a:endParaRPr>
+                    </a:p>
+                  </a:txBody>
+                  <a:tcPr anchor="ctr"/>
+                </a:tc>
+                <a:tc>
+                  <a:txBody>
+                    <a:bodyPr/>
+                    <a:lstStyle/>
+                    <a:p>
+                      <a:pPr algn="ctr"/>
+                      <a:r>
+                        <a:rPr lang="zh-CN" altLang="en-US" dirty="0">
+                          <a:latin typeface="Times New Roman" panose="02020603050405020304" pitchFamily="18" charset="0"/>
+                          <a:ea typeface="標楷體" panose="03000509000000000000" pitchFamily="65" charset="-120"/>
+                          <a:cs typeface="Times New Roman" panose="02020603050405020304" pitchFamily="18" charset="0"/>
+                        </a:rPr>
+                        <a:t>相比例</a:t>
+                      </a:r>
+                      <a:endParaRPr lang="zh-TW" altLang="en-US" dirty="0">
+                        <a:latin typeface="Times New Roman" panose="02020603050405020304" pitchFamily="18" charset="0"/>
+                        <a:ea typeface="標楷體" panose="03000509000000000000" pitchFamily="65" charset="-120"/>
+                        <a:cs typeface="Times New Roman" panose="02020603050405020304" pitchFamily="18" charset="0"/>
+                      </a:endParaRPr>
+                    </a:p>
+                  </a:txBody>
+                  <a:tcPr anchor="ctr"/>
+                </a:tc>
+                <a:tc>
+                  <a:txBody>
+                    <a:bodyPr/>
+                    <a:lstStyle/>
+                    <a:p>
+                      <a:pPr algn="ctr" fontAlgn="ctr"/>
+                      <a:r>
+                        <a:rPr lang="en-US" altLang="zh-CN" sz="1800" b="0" i="0" u="none" strike="noStrike">
+                          <a:solidFill>
+                            <a:srgbClr val="000000"/>
+                          </a:solidFill>
+                          <a:effectLst/>
+                          <a:latin typeface="Times New Roman" panose="02020603050405020304" pitchFamily="18" charset="0"/>
+                          <a:cs typeface="Times New Roman" panose="02020603050405020304" pitchFamily="18" charset="0"/>
+                        </a:rPr>
+                        <a:t>B0</a:t>
+                      </a:r>
+                      <a:r>
+                        <a:rPr lang="vi-VN" altLang="zh-CN" sz="1800" b="0" i="0" u="none" strike="noStrike">
+                          <a:solidFill>
+                            <a:srgbClr val="000000"/>
+                          </a:solidFill>
+                          <a:effectLst/>
+                          <a:latin typeface="Times New Roman" panose="02020603050405020304" pitchFamily="18" charset="0"/>
+                          <a:cs typeface="Times New Roman" panose="02020603050405020304" pitchFamily="18" charset="0"/>
+                        </a:rPr>
+                        <a:t>-1</a:t>
+                      </a:r>
+                      <a:endParaRPr lang="en-US" altLang="zh-CN" sz="1800" b="0" i="0" u="none" strike="noStrike">
+                        <a:solidFill>
+                          <a:srgbClr val="000000"/>
+                        </a:solidFill>
+                        <a:effectLst/>
+                        <a:latin typeface="Times New Roman" panose="02020603050405020304" pitchFamily="18" charset="0"/>
+                        <a:cs typeface="Times New Roman" panose="02020603050405020304" pitchFamily="18" charset="0"/>
+                      </a:endParaRPr>
+                    </a:p>
+                  </a:txBody>
+                  <a:tcPr marL="9525" marR="9525" marT="9525" marB="0" anchor="ctr"/>
+                </a:tc>
+                <a:tc>
+                  <a:txBody>
+                    <a:bodyPr/>
+                    <a:lstStyle/>
+                    <a:p>
+                      <a:pPr algn="ctr" fontAlgn="ctr"/>
+                      <a:r>
+                        <a:rPr lang="en-US" altLang="zh-CN" sz="1800" b="0" i="0" u="none" strike="noStrike">
+                          <a:solidFill>
+                            <a:srgbClr val="000000"/>
+                          </a:solidFill>
+                          <a:effectLst/>
+                          <a:latin typeface="Times New Roman" panose="02020603050405020304" pitchFamily="18" charset="0"/>
+                          <a:cs typeface="Times New Roman" panose="02020603050405020304" pitchFamily="18" charset="0"/>
+                        </a:rPr>
+                        <a:t>B0</a:t>
+                      </a:r>
+                      <a:r>
+                        <a:rPr lang="vi-VN" altLang="zh-CN" sz="1800" b="0" i="0" u="none" strike="noStrike">
+                          <a:solidFill>
+                            <a:srgbClr val="000000"/>
+                          </a:solidFill>
+                          <a:effectLst/>
+                          <a:latin typeface="Times New Roman" panose="02020603050405020304" pitchFamily="18" charset="0"/>
+                          <a:cs typeface="Times New Roman" panose="02020603050405020304" pitchFamily="18" charset="0"/>
+                        </a:rPr>
+                        <a:t>-2</a:t>
+                      </a:r>
+                      <a:endParaRPr lang="en-US" altLang="zh-CN" sz="1800" b="0" i="0" u="none" strike="noStrike" dirty="0">
+                        <a:solidFill>
+                          <a:srgbClr val="000000"/>
+                        </a:solidFill>
+                        <a:effectLst/>
+                        <a:latin typeface="Times New Roman" panose="02020603050405020304" pitchFamily="18" charset="0"/>
+                        <a:cs typeface="Times New Roman" panose="02020603050405020304" pitchFamily="18" charset="0"/>
+                      </a:endParaRPr>
+                    </a:p>
+                  </a:txBody>
+                  <a:tcPr marL="9525" marR="9525" marT="9525" marB="0" anchor="ctr"/>
+                </a:tc>
+                <a:tc>
+                  <a:txBody>
+                    <a:bodyPr/>
+                    <a:lstStyle/>
+                    <a:p>
+                      <a:pPr algn="ctr" fontAlgn="ctr"/>
+                      <a:r>
+                        <a:rPr lang="en-US" altLang="zh-CN" sz="1800" b="0" i="0" u="none" strike="noStrike">
+                          <a:solidFill>
+                            <a:srgbClr val="000000"/>
+                          </a:solidFill>
+                          <a:effectLst/>
+                          <a:latin typeface="Times New Roman" panose="02020603050405020304" pitchFamily="18" charset="0"/>
+                          <a:cs typeface="Times New Roman" panose="02020603050405020304" pitchFamily="18" charset="0"/>
+                        </a:rPr>
+                        <a:t>B1</a:t>
+                      </a:r>
+                      <a:r>
+                        <a:rPr lang="vi-VN" altLang="zh-CN" sz="1800" b="0" i="0" u="none" strike="noStrike">
+                          <a:solidFill>
+                            <a:srgbClr val="000000"/>
+                          </a:solidFill>
+                          <a:effectLst/>
+                          <a:latin typeface="Times New Roman" panose="02020603050405020304" pitchFamily="18" charset="0"/>
+                          <a:cs typeface="Times New Roman" panose="02020603050405020304" pitchFamily="18" charset="0"/>
+                        </a:rPr>
+                        <a:t>-1</a:t>
+                      </a:r>
+                      <a:endParaRPr lang="en-US" altLang="zh-CN" sz="1800" b="0" i="0" u="none" strike="noStrike">
+                        <a:solidFill>
+                          <a:srgbClr val="000000"/>
+                        </a:solidFill>
+                        <a:effectLst/>
+                        <a:latin typeface="Times New Roman" panose="02020603050405020304" pitchFamily="18" charset="0"/>
+                        <a:cs typeface="Times New Roman" panose="02020603050405020304" pitchFamily="18" charset="0"/>
+                      </a:endParaRPr>
+                    </a:p>
+                  </a:txBody>
+                  <a:tcPr marL="9525" marR="9525" marT="9525" marB="0" anchor="ctr"/>
+                </a:tc>
+                <a:tc>
+                  <a:txBody>
+                    <a:bodyPr/>
+                    <a:lstStyle/>
+                    <a:p>
+                      <a:pPr algn="ctr" fontAlgn="ctr"/>
+                      <a:r>
+                        <a:rPr lang="en-US" altLang="zh-CN" sz="1800" b="0" i="0" u="none" strike="noStrike">
+                          <a:solidFill>
+                            <a:srgbClr val="000000"/>
+                          </a:solidFill>
+                          <a:effectLst/>
+                          <a:latin typeface="Times New Roman" panose="02020603050405020304" pitchFamily="18" charset="0"/>
+                          <a:cs typeface="Times New Roman" panose="02020603050405020304" pitchFamily="18" charset="0"/>
+                        </a:rPr>
+                        <a:t>B1</a:t>
+                      </a:r>
+                      <a:r>
+                        <a:rPr lang="vi-VN" altLang="zh-CN" sz="1800" b="0" i="0" u="none" strike="noStrike">
+                          <a:solidFill>
+                            <a:srgbClr val="000000"/>
+                          </a:solidFill>
+                          <a:effectLst/>
+                          <a:latin typeface="Times New Roman" panose="02020603050405020304" pitchFamily="18" charset="0"/>
+                          <a:cs typeface="Times New Roman" panose="02020603050405020304" pitchFamily="18" charset="0"/>
+                        </a:rPr>
+                        <a:t>-2</a:t>
+                      </a:r>
+                      <a:endParaRPr lang="en-US" altLang="zh-CN" sz="1800" b="0" i="0" u="none" strike="noStrike" dirty="0">
+                        <a:solidFill>
+                          <a:srgbClr val="000000"/>
+                        </a:solidFill>
+                        <a:effectLst/>
+                        <a:latin typeface="Times New Roman" panose="02020603050405020304" pitchFamily="18" charset="0"/>
+                        <a:cs typeface="Times New Roman" panose="02020603050405020304" pitchFamily="18" charset="0"/>
+                      </a:endParaRPr>
+                    </a:p>
+                  </a:txBody>
+                  <a:tcPr marL="9525" marR="9525" marT="9525" marB="0" anchor="ctr"/>
+                </a:tc>
+                <a:tc>
+                  <a:txBody>
+                    <a:bodyPr/>
+                    <a:lstStyle/>
+                    <a:p>
+                      <a:pPr algn="ctr" fontAlgn="ctr"/>
+                      <a:r>
+                        <a:rPr lang="en-US" altLang="zh-CN" sz="1800" b="0" i="0" u="none" strike="noStrike">
+                          <a:solidFill>
+                            <a:srgbClr val="000000"/>
+                          </a:solidFill>
+                          <a:effectLst/>
+                          <a:latin typeface="Times New Roman" panose="02020603050405020304" pitchFamily="18" charset="0"/>
+                          <a:cs typeface="Times New Roman" panose="02020603050405020304" pitchFamily="18" charset="0"/>
+                        </a:rPr>
+                        <a:t>B2</a:t>
+                      </a:r>
+                      <a:r>
+                        <a:rPr lang="vi-VN" altLang="zh-CN" sz="1800" b="0" i="0" u="none" strike="noStrike">
+                          <a:solidFill>
+                            <a:srgbClr val="000000"/>
+                          </a:solidFill>
+                          <a:effectLst/>
+                          <a:latin typeface="Times New Roman" panose="02020603050405020304" pitchFamily="18" charset="0"/>
+                          <a:cs typeface="Times New Roman" panose="02020603050405020304" pitchFamily="18" charset="0"/>
+                        </a:rPr>
+                        <a:t>-1</a:t>
+                      </a:r>
+                      <a:endParaRPr lang="en-US" altLang="zh-CN" sz="1800" b="0" i="0" u="none" strike="noStrike">
+                        <a:solidFill>
+                          <a:srgbClr val="000000"/>
+                        </a:solidFill>
+                        <a:effectLst/>
+                        <a:latin typeface="Times New Roman" panose="02020603050405020304" pitchFamily="18" charset="0"/>
+                        <a:cs typeface="Times New Roman" panose="02020603050405020304" pitchFamily="18" charset="0"/>
+                      </a:endParaRPr>
+                    </a:p>
+                  </a:txBody>
+                  <a:tcPr marL="9525" marR="9525" marT="9525" marB="0" anchor="ctr"/>
+                </a:tc>
+                <a:tc>
+                  <a:txBody>
+                    <a:bodyPr/>
+                    <a:lstStyle/>
+                    <a:p>
+                      <a:pPr algn="ctr" fontAlgn="ctr"/>
+                      <a:r>
+                        <a:rPr lang="en-US" altLang="zh-CN" sz="1800" b="0" i="0" u="none" strike="noStrike">
+                          <a:solidFill>
+                            <a:srgbClr val="000000"/>
+                          </a:solidFill>
+                          <a:effectLst/>
+                          <a:latin typeface="Times New Roman" panose="02020603050405020304" pitchFamily="18" charset="0"/>
+                          <a:cs typeface="Times New Roman" panose="02020603050405020304" pitchFamily="18" charset="0"/>
+                        </a:rPr>
+                        <a:t>B2</a:t>
+                      </a:r>
+                      <a:r>
+                        <a:rPr lang="vi-VN" altLang="zh-CN" sz="1800" b="0" i="0" u="none" strike="noStrike">
+                          <a:solidFill>
+                            <a:srgbClr val="000000"/>
+                          </a:solidFill>
+                          <a:effectLst/>
+                          <a:latin typeface="Times New Roman" panose="02020603050405020304" pitchFamily="18" charset="0"/>
+                          <a:cs typeface="Times New Roman" panose="02020603050405020304" pitchFamily="18" charset="0"/>
+                        </a:rPr>
+                        <a:t>-2</a:t>
+                      </a:r>
+                      <a:endParaRPr lang="en-US" altLang="zh-CN" sz="1800" b="0" i="0" u="none" strike="noStrike" dirty="0">
+                        <a:solidFill>
+                          <a:srgbClr val="000000"/>
+                        </a:solidFill>
+                        <a:effectLst/>
+                        <a:latin typeface="Times New Roman" panose="02020603050405020304" pitchFamily="18" charset="0"/>
+                        <a:cs typeface="Times New Roman" panose="02020603050405020304" pitchFamily="18" charset="0"/>
+                      </a:endParaRPr>
+                    </a:p>
+                  </a:txBody>
+                  <a:tcPr marL="9525" marR="9525" marT="9525" marB="0" anchor="ctr"/>
+                </a:tc>
+                <a:extLst>
+                  <a:ext uri="{0D108BD9-81ED-4DB2-BD59-A6C34878D82A}">
+                    <a16:rowId xmlns:a16="http://schemas.microsoft.com/office/drawing/2014/main" val="10007"/>
                   </a:ext>
                 </a:extLst>
               </a:tr>
@@ -12786,7 +12840,7 @@
     </p:spTree>
     <p:extLst>
       <p:ext uri="{BB962C8B-B14F-4D97-AF65-F5344CB8AC3E}">
-        <p14:creationId xmlns:p14="http://schemas.microsoft.com/office/powerpoint/2010/main" val="1212513190"/>
+        <p14:creationId xmlns:p14="http://schemas.microsoft.com/office/powerpoint/2010/main" val="2956591765"/>
       </p:ext>
     </p:extLst>
   </p:cSld>

--- a/KnowledgeSystem/AppResources/403_03_SurfaceRustHealth.pptx
+++ b/KnowledgeSystem/AppResources/403_03_SurfaceRustHealth.pptx
@@ -8,12 +8,12 @@
     <p:notesMasterId r:id="rId8"/>
   </p:notesMasterIdLst>
   <p:sldIdLst>
-    <p:sldId id="274" r:id="rId2"/>
+    <p:sldId id="281" r:id="rId2"/>
     <p:sldId id="269" r:id="rId3"/>
     <p:sldId id="273" r:id="rId4"/>
-    <p:sldId id="277" r:id="rId5"/>
+    <p:sldId id="279" r:id="rId5"/>
     <p:sldId id="278" r:id="rId6"/>
-    <p:sldId id="279" r:id="rId7"/>
+    <p:sldId id="280" r:id="rId7"/>
   </p:sldIdLst>
   <p:sldSz cx="12192000" cy="6858000"/>
   <p:notesSz cx="6858000" cy="9144000"/>
@@ -202,7 +202,7 @@
           <a:p>
             <a:fld id="{1C940E6E-64BF-49C8-A610-7930AC81B279}" type="datetimeFigureOut">
               <a:rPr lang="en-US" smtClean="0"/>
-              <a:t>2025/05/22</a:t>
+              <a:t>2025/05/29</a:t>
             </a:fld>
             <a:endParaRPr lang="en-US"/>
           </a:p>
@@ -525,7 +525,7 @@
     </p:spTree>
     <p:extLst>
       <p:ext uri="{BB962C8B-B14F-4D97-AF65-F5344CB8AC3E}">
-        <p14:creationId xmlns:p14="http://schemas.microsoft.com/office/powerpoint/2010/main" val="1444729550"/>
+        <p14:creationId xmlns:p14="http://schemas.microsoft.com/office/powerpoint/2010/main" val="4262493174"/>
       </p:ext>
     </p:extLst>
   </p:cSld>
@@ -723,7 +723,7 @@
     </p:spTree>
     <p:extLst>
       <p:ext uri="{BB962C8B-B14F-4D97-AF65-F5344CB8AC3E}">
-        <p14:creationId xmlns:p14="http://schemas.microsoft.com/office/powerpoint/2010/main" val="2517935655"/>
+        <p14:creationId xmlns:p14="http://schemas.microsoft.com/office/powerpoint/2010/main" val="4293506734"/>
       </p:ext>
     </p:extLst>
   </p:cSld>
@@ -855,7 +855,7 @@
     </p:spTree>
     <p:extLst>
       <p:ext uri="{BB962C8B-B14F-4D97-AF65-F5344CB8AC3E}">
-        <p14:creationId xmlns:p14="http://schemas.microsoft.com/office/powerpoint/2010/main" val="4293506734"/>
+        <p14:creationId xmlns:p14="http://schemas.microsoft.com/office/powerpoint/2010/main" val="2513952994"/>
       </p:ext>
     </p:extLst>
   </p:cSld>
@@ -1012,7 +1012,7 @@
           <a:p>
             <a:fld id="{06215139-CAC5-4AD9-98A4-100E1C427056}" type="datetimeFigureOut">
               <a:rPr lang="en-US" smtClean="0"/>
-              <a:t>2025/05/22</a:t>
+              <a:t>2025/05/29</a:t>
             </a:fld>
             <a:endParaRPr lang="en-US"/>
           </a:p>
@@ -1210,7 +1210,7 @@
           <a:p>
             <a:fld id="{06215139-CAC5-4AD9-98A4-100E1C427056}" type="datetimeFigureOut">
               <a:rPr lang="en-US" smtClean="0"/>
-              <a:t>2025/05/22</a:t>
+              <a:t>2025/05/29</a:t>
             </a:fld>
             <a:endParaRPr lang="en-US"/>
           </a:p>
@@ -1418,7 +1418,7 @@
           <a:p>
             <a:fld id="{06215139-CAC5-4AD9-98A4-100E1C427056}" type="datetimeFigureOut">
               <a:rPr lang="en-US" smtClean="0"/>
-              <a:t>2025/05/22</a:t>
+              <a:t>2025/05/29</a:t>
             </a:fld>
             <a:endParaRPr lang="en-US"/>
           </a:p>
@@ -1616,7 +1616,7 @@
           <a:p>
             <a:fld id="{06215139-CAC5-4AD9-98A4-100E1C427056}" type="datetimeFigureOut">
               <a:rPr lang="en-US" smtClean="0"/>
-              <a:t>2025/05/22</a:t>
+              <a:t>2025/05/29</a:t>
             </a:fld>
             <a:endParaRPr lang="en-US"/>
           </a:p>
@@ -1891,7 +1891,7 @@
           <a:p>
             <a:fld id="{06215139-CAC5-4AD9-98A4-100E1C427056}" type="datetimeFigureOut">
               <a:rPr lang="en-US" smtClean="0"/>
-              <a:t>2025/05/22</a:t>
+              <a:t>2025/05/29</a:t>
             </a:fld>
             <a:endParaRPr lang="en-US"/>
           </a:p>
@@ -2156,7 +2156,7 @@
           <a:p>
             <a:fld id="{06215139-CAC5-4AD9-98A4-100E1C427056}" type="datetimeFigureOut">
               <a:rPr lang="en-US" smtClean="0"/>
-              <a:t>2025/05/22</a:t>
+              <a:t>2025/05/29</a:t>
             </a:fld>
             <a:endParaRPr lang="en-US"/>
           </a:p>
@@ -2568,7 +2568,7 @@
           <a:p>
             <a:fld id="{06215139-CAC5-4AD9-98A4-100E1C427056}" type="datetimeFigureOut">
               <a:rPr lang="en-US" smtClean="0"/>
-              <a:t>2025/05/22</a:t>
+              <a:t>2025/05/29</a:t>
             </a:fld>
             <a:endParaRPr lang="en-US"/>
           </a:p>
@@ -2709,7 +2709,7 @@
           <a:p>
             <a:fld id="{06215139-CAC5-4AD9-98A4-100E1C427056}" type="datetimeFigureOut">
               <a:rPr lang="en-US" smtClean="0"/>
-              <a:t>2025/05/22</a:t>
+              <a:t>2025/05/29</a:t>
             </a:fld>
             <a:endParaRPr lang="en-US"/>
           </a:p>
@@ -2822,7 +2822,7 @@
           <a:p>
             <a:fld id="{06215139-CAC5-4AD9-98A4-100E1C427056}" type="datetimeFigureOut">
               <a:rPr lang="en-US" smtClean="0"/>
-              <a:t>2025/05/22</a:t>
+              <a:t>2025/05/29</a:t>
             </a:fld>
             <a:endParaRPr lang="en-US"/>
           </a:p>
@@ -3133,7 +3133,7 @@
           <a:p>
             <a:fld id="{06215139-CAC5-4AD9-98A4-100E1C427056}" type="datetimeFigureOut">
               <a:rPr lang="en-US" smtClean="0"/>
-              <a:t>2025/05/22</a:t>
+              <a:t>2025/05/29</a:t>
             </a:fld>
             <a:endParaRPr lang="en-US"/>
           </a:p>
@@ -3421,7 +3421,7 @@
           <a:p>
             <a:fld id="{06215139-CAC5-4AD9-98A4-100E1C427056}" type="datetimeFigureOut">
               <a:rPr lang="en-US" smtClean="0"/>
-              <a:t>2025/05/22</a:t>
+              <a:t>2025/05/29</a:t>
             </a:fld>
             <a:endParaRPr lang="en-US"/>
           </a:p>
@@ -3662,7 +3662,7 @@
           <a:p>
             <a:fld id="{06215139-CAC5-4AD9-98A4-100E1C427056}" type="datetimeFigureOut">
               <a:rPr lang="en-US" smtClean="0"/>
-              <a:t>2025/05/22</a:t>
+              <a:t>2025/05/29</a:t>
             </a:fld>
             <a:endParaRPr lang="en-US"/>
           </a:p>
@@ -4228,14 +4228,14 @@
           <p:nvPr>
             <p:extLst>
               <p:ext uri="{D42A27DB-BD31-4B8C-83A1-F6EECF244321}">
-                <p14:modId xmlns:p14="http://schemas.microsoft.com/office/powerpoint/2010/main" val="392838083"/>
+                <p14:modId xmlns:p14="http://schemas.microsoft.com/office/powerpoint/2010/main" val="214912182"/>
               </p:ext>
             </p:extLst>
           </p:nvPr>
         </p:nvGraphicFramePr>
         <p:xfrm>
           <a:off x="136609" y="573948"/>
-          <a:ext cx="11887201" cy="6163047"/>
+          <a:ext cx="11887199" cy="6163047"/>
         </p:xfrm>
         <a:graphic>
           <a:graphicData uri="http://schemas.openxmlformats.org/drawingml/2006/table">
@@ -4251,34 +4251,97 @@
                     </a:ext>
                   </a:extLst>
                 </a:gridCol>
-                <a:gridCol w="1132114">
+                <a:gridCol w="1632320">
                   <a:extLst>
                     <a:ext uri="{9D8B030D-6E8A-4147-A177-3AD203B41FA5}">
                       <a16:colId xmlns:a16="http://schemas.microsoft.com/office/drawing/2014/main" val="20001"/>
                     </a:ext>
                   </a:extLst>
                 </a:gridCol>
-                <a:gridCol w="3425372">
+                <a:gridCol w="814659">
                   <a:extLst>
                     <a:ext uri="{9D8B030D-6E8A-4147-A177-3AD203B41FA5}">
                       <a16:colId xmlns:a16="http://schemas.microsoft.com/office/drawing/2014/main" val="20002"/>
                     </a:ext>
                   </a:extLst>
                 </a:gridCol>
-                <a:gridCol w="3425372">
+                <a:gridCol w="814659">
+                  <a:extLst>
+                    <a:ext uri="{9D8B030D-6E8A-4147-A177-3AD203B41FA5}">
+                      <a16:colId xmlns:a16="http://schemas.microsoft.com/office/drawing/2014/main" val="2178151460"/>
+                    </a:ext>
+                  </a:extLst>
+                </a:gridCol>
+                <a:gridCol w="814659">
+                  <a:extLst>
+                    <a:ext uri="{9D8B030D-6E8A-4147-A177-3AD203B41FA5}">
+                      <a16:colId xmlns:a16="http://schemas.microsoft.com/office/drawing/2014/main" val="3795221645"/>
+                    </a:ext>
+                  </a:extLst>
+                </a:gridCol>
+                <a:gridCol w="814659">
+                  <a:extLst>
+                    <a:ext uri="{9D8B030D-6E8A-4147-A177-3AD203B41FA5}">
+                      <a16:colId xmlns:a16="http://schemas.microsoft.com/office/drawing/2014/main" val="1831111882"/>
+                    </a:ext>
+                  </a:extLst>
+                </a:gridCol>
+                <a:gridCol w="814659">
                   <a:extLst>
                     <a:ext uri="{9D8B030D-6E8A-4147-A177-3AD203B41FA5}">
                       <a16:colId xmlns:a16="http://schemas.microsoft.com/office/drawing/2014/main" val="20003"/>
                     </a:ext>
                   </a:extLst>
                 </a:gridCol>
-                <a:gridCol w="3425372">
+                <a:gridCol w="814659">
+                  <a:extLst>
+                    <a:ext uri="{9D8B030D-6E8A-4147-A177-3AD203B41FA5}">
+                      <a16:colId xmlns:a16="http://schemas.microsoft.com/office/drawing/2014/main" val="251269237"/>
+                    </a:ext>
+                  </a:extLst>
+                </a:gridCol>
+                <a:gridCol w="814659">
+                  <a:extLst>
+                    <a:ext uri="{9D8B030D-6E8A-4147-A177-3AD203B41FA5}">
+                      <a16:colId xmlns:a16="http://schemas.microsoft.com/office/drawing/2014/main" val="3614160323"/>
+                    </a:ext>
+                  </a:extLst>
+                </a:gridCol>
+                <a:gridCol w="814659">
+                  <a:extLst>
+                    <a:ext uri="{9D8B030D-6E8A-4147-A177-3AD203B41FA5}">
+                      <a16:colId xmlns:a16="http://schemas.microsoft.com/office/drawing/2014/main" val="326833049"/>
+                    </a:ext>
+                  </a:extLst>
+                </a:gridCol>
+                <a:gridCol w="814659">
                   <a:extLst>
                     <a:ext uri="{9D8B030D-6E8A-4147-A177-3AD203B41FA5}">
                       <a16:colId xmlns:a16="http://schemas.microsoft.com/office/drawing/2014/main" val="20004"/>
                     </a:ext>
                   </a:extLst>
                 </a:gridCol>
+                <a:gridCol w="814659">
+                  <a:extLst>
+                    <a:ext uri="{9D8B030D-6E8A-4147-A177-3AD203B41FA5}">
+                      <a16:colId xmlns:a16="http://schemas.microsoft.com/office/drawing/2014/main" val="4162324503"/>
+                    </a:ext>
+                  </a:extLst>
+                </a:gridCol>
+                <a:gridCol w="814659">
+                  <a:extLst>
+                    <a:ext uri="{9D8B030D-6E8A-4147-A177-3AD203B41FA5}">
+                      <a16:colId xmlns:a16="http://schemas.microsoft.com/office/drawing/2014/main" val="3542158680"/>
+                    </a:ext>
+                  </a:extLst>
+                </a:gridCol>
+                <a:gridCol w="814659">
+                  <a:extLst>
+                    <a:ext uri="{9D8B030D-6E8A-4147-A177-3AD203B41FA5}">
+                      <a16:colId xmlns:a16="http://schemas.microsoft.com/office/drawing/2014/main" val="2941728888"/>
+                    </a:ext>
+                  </a:extLst>
+                </a:gridCol>
               </a:tblGrid>
               <a:tr h="398930">
                 <a:tc gridSpan="2">
@@ -4314,7 +4377,7 @@
                   </a:txBody>
                   <a:tcPr/>
                 </a:tc>
-                <a:tc gridSpan="3">
+                <a:tc gridSpan="12">
                   <a:txBody>
                     <a:bodyPr/>
                     <a:lstStyle/>
@@ -4339,6 +4402,36 @@
                     </a:p>
                   </a:txBody>
                   <a:tcPr anchor="ctr"/>
+                </a:tc>
+                <a:tc hMerge="1">
+                  <a:txBody>
+                    <a:bodyPr/>
+                    <a:lstStyle/>
+                    <a:p>
+                      <a:endParaRPr lang="en-US"/>
+                    </a:p>
+                  </a:txBody>
+                  <a:tcPr/>
+                </a:tc>
+                <a:tc hMerge="1">
+                  <a:txBody>
+                    <a:bodyPr/>
+                    <a:lstStyle/>
+                    <a:p>
+                      <a:endParaRPr lang="en-US"/>
+                    </a:p>
+                  </a:txBody>
+                  <a:tcPr/>
+                </a:tc>
+                <a:tc hMerge="1">
+                  <a:txBody>
+                    <a:bodyPr/>
+                    <a:lstStyle/>
+                    <a:p>
+                      <a:endParaRPr lang="en-US"/>
+                    </a:p>
+                  </a:txBody>
+                  <a:tcPr/>
                 </a:tc>
                 <a:tc hMerge="1">
                   <a:txBody>
@@ -4356,11 +4449,71 @@
                     <a:bodyPr/>
                     <a:lstStyle/>
                     <a:p>
+                      <a:endParaRPr lang="en-US"/>
+                    </a:p>
+                  </a:txBody>
+                  <a:tcPr/>
+                </a:tc>
+                <a:tc hMerge="1">
+                  <a:txBody>
+                    <a:bodyPr/>
+                    <a:lstStyle/>
+                    <a:p>
+                      <a:endParaRPr lang="en-US"/>
+                    </a:p>
+                  </a:txBody>
+                  <a:tcPr/>
+                </a:tc>
+                <a:tc hMerge="1">
+                  <a:txBody>
+                    <a:bodyPr/>
+                    <a:lstStyle/>
+                    <a:p>
+                      <a:endParaRPr lang="en-US"/>
+                    </a:p>
+                  </a:txBody>
+                  <a:tcPr/>
+                </a:tc>
+                <a:tc hMerge="1">
+                  <a:txBody>
+                    <a:bodyPr/>
+                    <a:lstStyle/>
+                    <a:p>
                       <a:pPr algn="ctr"/>
                       <a:endParaRPr lang="zh-TW" altLang="en-US" dirty="0"/>
                     </a:p>
                   </a:txBody>
                   <a:tcPr anchor="ctr"/>
+                </a:tc>
+                <a:tc hMerge="1">
+                  <a:txBody>
+                    <a:bodyPr/>
+                    <a:lstStyle/>
+                    <a:p>
+                      <a:endParaRPr lang="en-US"/>
+                    </a:p>
+                  </a:txBody>
+                  <a:tcPr/>
+                </a:tc>
+                <a:tc hMerge="1">
+                  <a:txBody>
+                    <a:bodyPr/>
+                    <a:lstStyle/>
+                    <a:p>
+                      <a:endParaRPr lang="en-US"/>
+                    </a:p>
+                  </a:txBody>
+                  <a:tcPr/>
+                </a:tc>
+                <a:tc hMerge="1">
+                  <a:txBody>
+                    <a:bodyPr/>
+                    <a:lstStyle/>
+                    <a:p>
+                      <a:endParaRPr lang="en-US"/>
+                    </a:p>
+                  </a:txBody>
+                  <a:tcPr/>
                 </a:tc>
                 <a:extLst>
                   <a:ext uri="{0D108BD9-81ED-4DB2-BD59-A6C34878D82A}">
@@ -4402,7 +4555,7 @@
                   </a:txBody>
                   <a:tcPr/>
                 </a:tc>
-                <a:tc>
+                <a:tc gridSpan="4">
                   <a:txBody>
                     <a:bodyPr/>
                     <a:lstStyle/>
@@ -4441,7 +4594,37 @@
                   </a:txBody>
                   <a:tcPr anchor="ctr"/>
                 </a:tc>
-                <a:tc>
+                <a:tc hMerge="1">
+                  <a:txBody>
+                    <a:bodyPr/>
+                    <a:lstStyle/>
+                    <a:p>
+                      <a:endParaRPr lang="en-US"/>
+                    </a:p>
+                  </a:txBody>
+                  <a:tcPr/>
+                </a:tc>
+                <a:tc hMerge="1">
+                  <a:txBody>
+                    <a:bodyPr/>
+                    <a:lstStyle/>
+                    <a:p>
+                      <a:endParaRPr lang="en-US"/>
+                    </a:p>
+                  </a:txBody>
+                  <a:tcPr/>
+                </a:tc>
+                <a:tc hMerge="1">
+                  <a:txBody>
+                    <a:bodyPr/>
+                    <a:lstStyle/>
+                    <a:p>
+                      <a:endParaRPr lang="en-US"/>
+                    </a:p>
+                  </a:txBody>
+                  <a:tcPr/>
+                </a:tc>
+                <a:tc gridSpan="4">
                   <a:txBody>
                     <a:bodyPr/>
                     <a:lstStyle/>
@@ -4480,7 +4663,37 @@
                   </a:txBody>
                   <a:tcPr anchor="ctr"/>
                 </a:tc>
-                <a:tc>
+                <a:tc hMerge="1">
+                  <a:txBody>
+                    <a:bodyPr/>
+                    <a:lstStyle/>
+                    <a:p>
+                      <a:endParaRPr lang="en-US"/>
+                    </a:p>
+                  </a:txBody>
+                  <a:tcPr/>
+                </a:tc>
+                <a:tc hMerge="1">
+                  <a:txBody>
+                    <a:bodyPr/>
+                    <a:lstStyle/>
+                    <a:p>
+                      <a:endParaRPr lang="en-US"/>
+                    </a:p>
+                  </a:txBody>
+                  <a:tcPr/>
+                </a:tc>
+                <a:tc hMerge="1">
+                  <a:txBody>
+                    <a:bodyPr/>
+                    <a:lstStyle/>
+                    <a:p>
+                      <a:endParaRPr lang="en-US"/>
+                    </a:p>
+                  </a:txBody>
+                  <a:tcPr/>
+                </a:tc>
+                <a:tc gridSpan="4">
                   <a:txBody>
                     <a:bodyPr/>
                     <a:lstStyle/>
@@ -4519,14 +4732,44 @@
                   </a:txBody>
                   <a:tcPr anchor="ctr"/>
                 </a:tc>
+                <a:tc hMerge="1">
+                  <a:txBody>
+                    <a:bodyPr/>
+                    <a:lstStyle/>
+                    <a:p>
+                      <a:endParaRPr lang="en-US"/>
+                    </a:p>
+                  </a:txBody>
+                  <a:tcPr/>
+                </a:tc>
+                <a:tc hMerge="1">
+                  <a:txBody>
+                    <a:bodyPr/>
+                    <a:lstStyle/>
+                    <a:p>
+                      <a:endParaRPr lang="en-US"/>
+                    </a:p>
+                  </a:txBody>
+                  <a:tcPr/>
+                </a:tc>
+                <a:tc hMerge="1">
+                  <a:txBody>
+                    <a:bodyPr/>
+                    <a:lstStyle/>
+                    <a:p>
+                      <a:endParaRPr lang="en-US"/>
+                    </a:p>
+                  </a:txBody>
+                  <a:tcPr/>
+                </a:tc>
                 <a:extLst>
                   <a:ext uri="{0D108BD9-81ED-4DB2-BD59-A6C34878D82A}">
                     <a16:rowId xmlns:a16="http://schemas.microsoft.com/office/drawing/2014/main" val="10001"/>
                   </a:ext>
                 </a:extLst>
               </a:tr>
-              <a:tr h="2678087">
-                <a:tc>
+              <a:tr h="1946567">
+                <a:tc rowSpan="3">
                   <a:txBody>
                     <a:bodyPr/>
                     <a:lstStyle/>
@@ -4604,7 +4847,7 @@
                   </a:txBody>
                   <a:tcPr anchor="ctr"/>
                 </a:tc>
-                <a:tc>
+                <a:tc gridSpan="4">
                   <a:txBody>
                     <a:bodyPr/>
                     <a:lstStyle/>
@@ -4627,7 +4870,37 @@
                   </a:txBody>
                   <a:tcPr anchor="ctr"/>
                 </a:tc>
-                <a:tc>
+                <a:tc hMerge="1">
+                  <a:txBody>
+                    <a:bodyPr/>
+                    <a:lstStyle/>
+                    <a:p>
+                      <a:endParaRPr lang="en-US"/>
+                    </a:p>
+                  </a:txBody>
+                  <a:tcPr/>
+                </a:tc>
+                <a:tc hMerge="1">
+                  <a:txBody>
+                    <a:bodyPr/>
+                    <a:lstStyle/>
+                    <a:p>
+                      <a:endParaRPr lang="en-US"/>
+                    </a:p>
+                  </a:txBody>
+                  <a:tcPr/>
+                </a:tc>
+                <a:tc hMerge="1">
+                  <a:txBody>
+                    <a:bodyPr/>
+                    <a:lstStyle/>
+                    <a:p>
+                      <a:endParaRPr lang="en-US"/>
+                    </a:p>
+                  </a:txBody>
+                  <a:tcPr/>
+                </a:tc>
+                <a:tc gridSpan="4">
                   <a:txBody>
                     <a:bodyPr/>
                     <a:lstStyle/>
@@ -4642,7 +4915,37 @@
                   </a:txBody>
                   <a:tcPr anchor="ctr"/>
                 </a:tc>
-                <a:tc>
+                <a:tc hMerge="1">
+                  <a:txBody>
+                    <a:bodyPr/>
+                    <a:lstStyle/>
+                    <a:p>
+                      <a:endParaRPr lang="en-US"/>
+                    </a:p>
+                  </a:txBody>
+                  <a:tcPr/>
+                </a:tc>
+                <a:tc hMerge="1">
+                  <a:txBody>
+                    <a:bodyPr/>
+                    <a:lstStyle/>
+                    <a:p>
+                      <a:endParaRPr lang="en-US"/>
+                    </a:p>
+                  </a:txBody>
+                  <a:tcPr/>
+                </a:tc>
+                <a:tc hMerge="1">
+                  <a:txBody>
+                    <a:bodyPr/>
+                    <a:lstStyle/>
+                    <a:p>
+                      <a:endParaRPr lang="en-US"/>
+                    </a:p>
+                  </a:txBody>
+                  <a:tcPr/>
+                </a:tc>
+                <a:tc gridSpan="4">
                   <a:txBody>
                     <a:bodyPr/>
                     <a:lstStyle/>
@@ -4656,6 +4959,36 @@
                     </a:p>
                   </a:txBody>
                   <a:tcPr anchor="ctr"/>
+                </a:tc>
+                <a:tc hMerge="1">
+                  <a:txBody>
+                    <a:bodyPr/>
+                    <a:lstStyle/>
+                    <a:p>
+                      <a:endParaRPr lang="en-US"/>
+                    </a:p>
+                  </a:txBody>
+                  <a:tcPr/>
+                </a:tc>
+                <a:tc hMerge="1">
+                  <a:txBody>
+                    <a:bodyPr/>
+                    <a:lstStyle/>
+                    <a:p>
+                      <a:endParaRPr lang="en-US"/>
+                    </a:p>
+                  </a:txBody>
+                  <a:tcPr/>
+                </a:tc>
+                <a:tc hMerge="1">
+                  <a:txBody>
+                    <a:bodyPr/>
+                    <a:lstStyle/>
+                    <a:p>
+                      <a:endParaRPr lang="en-US"/>
+                    </a:p>
+                  </a:txBody>
+                  <a:tcPr/>
                 </a:tc>
                 <a:extLst>
                   <a:ext uri="{0D108BD9-81ED-4DB2-BD59-A6C34878D82A}">
@@ -4663,8 +4996,8 @@
                   </a:ext>
                 </a:extLst>
               </a:tr>
-              <a:tr h="2687100">
-                <a:tc>
+              <a:tr h="365760">
+                <a:tc vMerge="1">
                   <a:txBody>
                     <a:bodyPr/>
                     <a:lstStyle/>
@@ -4686,14 +5019,6 @@
                         <a:tabLst/>
                         <a:defRPr/>
                       </a:pPr>
-                      <a:r>
-                        <a:rPr lang="zh-CN" altLang="en-US" dirty="0">
-                          <a:latin typeface="Times New Roman" panose="02020603050405020304" pitchFamily="18" charset="0"/>
-                          <a:ea typeface="標楷體" panose="03000509000000000000" pitchFamily="65" charset="-120"/>
-                          <a:cs typeface="Times New Roman" panose="02020603050405020304" pitchFamily="18" charset="0"/>
-                        </a:rPr>
-                        <a:t>下表面</a:t>
-                      </a:r>
                       <a:endParaRPr lang="zh-TW" altLang="en-US" dirty="0">
                         <a:latin typeface="Times New Roman" panose="02020603050405020304" pitchFamily="18" charset="0"/>
                         <a:ea typeface="標楷體" panose="03000509000000000000" pitchFamily="65" charset="-120"/>
@@ -4710,7 +5035,7 @@
                     <a:p>
                       <a:pPr marL="0" marR="0" indent="0" algn="ctr" defTabSz="914400" rtl="0" eaLnBrk="1" fontAlgn="auto" latinLnBrk="0" hangingPunct="1">
                         <a:lnSpc>
-                          <a:spcPct val="100000"/>
+                          <a:spcPts val="1500"/>
                         </a:lnSpc>
                         <a:spcBef>
                           <a:spcPts val="0"/>
@@ -4731,6 +5056,1004 @@
                           <a:ea typeface="標楷體" panose="03000509000000000000" pitchFamily="65" charset="-120"/>
                           <a:cs typeface="Times New Roman" panose="02020603050405020304" pitchFamily="18" charset="0"/>
                         </a:rPr>
+                        <a:t>相</a:t>
+                      </a:r>
+                      <a:endParaRPr lang="zh-TW" altLang="en-US" dirty="0">
+                        <a:latin typeface="Times New Roman" panose="02020603050405020304" pitchFamily="18" charset="0"/>
+                        <a:ea typeface="標楷體" panose="03000509000000000000" pitchFamily="65" charset="-120"/>
+                        <a:cs typeface="Times New Roman" panose="02020603050405020304" pitchFamily="18" charset="0"/>
+                      </a:endParaRPr>
+                    </a:p>
+                  </a:txBody>
+                  <a:tcPr anchor="ctr"/>
+                </a:tc>
+                <a:tc>
+                  <a:txBody>
+                    <a:bodyPr/>
+                    <a:lstStyle/>
+                    <a:p>
+                      <a:pPr marL="0" marR="0" indent="0" algn="ctr" defTabSz="914400" rtl="0" eaLnBrk="1" fontAlgn="auto" latinLnBrk="0" hangingPunct="1">
+                        <a:lnSpc>
+                          <a:spcPts val="1500"/>
+                        </a:lnSpc>
+                        <a:spcBef>
+                          <a:spcPts val="0"/>
+                        </a:spcBef>
+                        <a:spcAft>
+                          <a:spcPts val="0"/>
+                        </a:spcAft>
+                        <a:buClrTx/>
+                        <a:buSzTx/>
+                        <a:buFontTx/>
+                        <a:buNone/>
+                        <a:tabLst/>
+                        <a:defRPr/>
+                      </a:pPr>
+                      <a:r>
+                        <a:rPr lang="en-US" altLang="zh-CN" dirty="0">
+                          <a:latin typeface="Times New Roman" panose="02020603050405020304" pitchFamily="18" charset="0"/>
+                          <a:ea typeface="標楷體" panose="03000509000000000000" pitchFamily="65" charset="-120"/>
+                          <a:cs typeface="Times New Roman" panose="02020603050405020304" pitchFamily="18" charset="0"/>
+                        </a:rPr>
+                        <a:t>Fe</a:t>
+                      </a:r>
+                      <a:endParaRPr lang="zh-TW" altLang="en-US" dirty="0">
+                        <a:latin typeface="Times New Roman" panose="02020603050405020304" pitchFamily="18" charset="0"/>
+                        <a:ea typeface="標楷體" panose="03000509000000000000" pitchFamily="65" charset="-120"/>
+                        <a:cs typeface="Times New Roman" panose="02020603050405020304" pitchFamily="18" charset="0"/>
+                      </a:endParaRPr>
+                    </a:p>
+                  </a:txBody>
+                  <a:tcPr anchor="ctr"/>
+                </a:tc>
+                <a:tc>
+                  <a:txBody>
+                    <a:bodyPr/>
+                    <a:lstStyle/>
+                    <a:p>
+                      <a:pPr marL="0" marR="0" indent="0" algn="ctr" defTabSz="914400" rtl="0" eaLnBrk="1" fontAlgn="auto" latinLnBrk="0" hangingPunct="1">
+                        <a:lnSpc>
+                          <a:spcPts val="1500"/>
+                        </a:lnSpc>
+                        <a:spcBef>
+                          <a:spcPts val="0"/>
+                        </a:spcBef>
+                        <a:spcAft>
+                          <a:spcPts val="0"/>
+                        </a:spcAft>
+                        <a:buClrTx/>
+                        <a:buSzTx/>
+                        <a:buFontTx/>
+                        <a:buNone/>
+                        <a:tabLst/>
+                        <a:defRPr/>
+                      </a:pPr>
+                      <a:r>
+                        <a:rPr lang="en-US" altLang="zh-CN" dirty="0" err="1">
+                          <a:latin typeface="Times New Roman" panose="02020603050405020304" pitchFamily="18" charset="0"/>
+                          <a:ea typeface="標楷體" panose="03000509000000000000" pitchFamily="65" charset="-120"/>
+                          <a:cs typeface="Times New Roman" panose="02020603050405020304" pitchFamily="18" charset="0"/>
+                        </a:rPr>
+                        <a:t>FeO</a:t>
+                      </a:r>
+                      <a:endParaRPr lang="zh-TW" altLang="en-US" dirty="0">
+                        <a:latin typeface="Times New Roman" panose="02020603050405020304" pitchFamily="18" charset="0"/>
+                        <a:ea typeface="標楷體" panose="03000509000000000000" pitchFamily="65" charset="-120"/>
+                        <a:cs typeface="Times New Roman" panose="02020603050405020304" pitchFamily="18" charset="0"/>
+                      </a:endParaRPr>
+                    </a:p>
+                  </a:txBody>
+                  <a:tcPr anchor="ctr"/>
+                </a:tc>
+                <a:tc>
+                  <a:txBody>
+                    <a:bodyPr/>
+                    <a:lstStyle/>
+                    <a:p>
+                      <a:pPr marL="0" marR="0" indent="0" algn="ctr" defTabSz="914400" rtl="0" eaLnBrk="1" fontAlgn="auto" latinLnBrk="0" hangingPunct="1">
+                        <a:lnSpc>
+                          <a:spcPts val="1500"/>
+                        </a:lnSpc>
+                        <a:spcBef>
+                          <a:spcPts val="0"/>
+                        </a:spcBef>
+                        <a:spcAft>
+                          <a:spcPts val="0"/>
+                        </a:spcAft>
+                        <a:buClrTx/>
+                        <a:buSzTx/>
+                        <a:buFontTx/>
+                        <a:buNone/>
+                        <a:tabLst/>
+                        <a:defRPr/>
+                      </a:pPr>
+                      <a:r>
+                        <a:rPr lang="en-US" altLang="zh-CN" dirty="0">
+                          <a:latin typeface="Times New Roman" panose="02020603050405020304" pitchFamily="18" charset="0"/>
+                          <a:ea typeface="標楷體" panose="03000509000000000000" pitchFamily="65" charset="-120"/>
+                          <a:cs typeface="Times New Roman" panose="02020603050405020304" pitchFamily="18" charset="0"/>
+                        </a:rPr>
+                        <a:t>Fe</a:t>
+                      </a:r>
+                      <a:r>
+                        <a:rPr lang="en-US" altLang="zh-CN" baseline="-25000" dirty="0">
+                          <a:latin typeface="Times New Roman" panose="02020603050405020304" pitchFamily="18" charset="0"/>
+                          <a:ea typeface="標楷體" panose="03000509000000000000" pitchFamily="65" charset="-120"/>
+                          <a:cs typeface="Times New Roman" panose="02020603050405020304" pitchFamily="18" charset="0"/>
+                        </a:rPr>
+                        <a:t>2</a:t>
+                      </a:r>
+                      <a:r>
+                        <a:rPr lang="en-US" altLang="zh-CN" dirty="0">
+                          <a:latin typeface="Times New Roman" panose="02020603050405020304" pitchFamily="18" charset="0"/>
+                          <a:ea typeface="標楷體" panose="03000509000000000000" pitchFamily="65" charset="-120"/>
+                          <a:cs typeface="Times New Roman" panose="02020603050405020304" pitchFamily="18" charset="0"/>
+                        </a:rPr>
+                        <a:t>O</a:t>
+                      </a:r>
+                      <a:r>
+                        <a:rPr lang="en-US" altLang="zh-CN" baseline="-25000" dirty="0">
+                          <a:latin typeface="Times New Roman" panose="02020603050405020304" pitchFamily="18" charset="0"/>
+                          <a:ea typeface="標楷體" panose="03000509000000000000" pitchFamily="65" charset="-120"/>
+                          <a:cs typeface="Times New Roman" panose="02020603050405020304" pitchFamily="18" charset="0"/>
+                        </a:rPr>
+                        <a:t>3</a:t>
+                      </a:r>
+                      <a:endParaRPr lang="zh-TW" altLang="en-US" baseline="-25000" dirty="0">
+                        <a:latin typeface="Times New Roman" panose="02020603050405020304" pitchFamily="18" charset="0"/>
+                        <a:ea typeface="標楷體" panose="03000509000000000000" pitchFamily="65" charset="-120"/>
+                        <a:cs typeface="Times New Roman" panose="02020603050405020304" pitchFamily="18" charset="0"/>
+                      </a:endParaRPr>
+                    </a:p>
+                  </a:txBody>
+                  <a:tcPr anchor="ctr"/>
+                </a:tc>
+                <a:tc>
+                  <a:txBody>
+                    <a:bodyPr/>
+                    <a:lstStyle/>
+                    <a:p>
+                      <a:pPr marL="0" marR="0" indent="0" algn="ctr" defTabSz="914400" rtl="0" eaLnBrk="1" fontAlgn="auto" latinLnBrk="0" hangingPunct="1">
+                        <a:lnSpc>
+                          <a:spcPts val="1500"/>
+                        </a:lnSpc>
+                        <a:spcBef>
+                          <a:spcPts val="0"/>
+                        </a:spcBef>
+                        <a:spcAft>
+                          <a:spcPts val="0"/>
+                        </a:spcAft>
+                        <a:buClrTx/>
+                        <a:buSzTx/>
+                        <a:buFontTx/>
+                        <a:buNone/>
+                        <a:tabLst/>
+                        <a:defRPr/>
+                      </a:pPr>
+                      <a:r>
+                        <a:rPr lang="en-US" altLang="zh-CN" dirty="0">
+                          <a:latin typeface="Times New Roman" panose="02020603050405020304" pitchFamily="18" charset="0"/>
+                          <a:ea typeface="標楷體" panose="03000509000000000000" pitchFamily="65" charset="-120"/>
+                          <a:cs typeface="Times New Roman" panose="02020603050405020304" pitchFamily="18" charset="0"/>
+                        </a:rPr>
+                        <a:t>Fe</a:t>
+                      </a:r>
+                      <a:r>
+                        <a:rPr lang="en-US" altLang="zh-CN" baseline="-25000" dirty="0">
+                          <a:latin typeface="Times New Roman" panose="02020603050405020304" pitchFamily="18" charset="0"/>
+                          <a:ea typeface="標楷體" panose="03000509000000000000" pitchFamily="65" charset="-120"/>
+                          <a:cs typeface="Times New Roman" panose="02020603050405020304" pitchFamily="18" charset="0"/>
+                        </a:rPr>
+                        <a:t>3</a:t>
+                      </a:r>
+                      <a:r>
+                        <a:rPr lang="en-US" altLang="zh-CN" dirty="0">
+                          <a:latin typeface="Times New Roman" panose="02020603050405020304" pitchFamily="18" charset="0"/>
+                          <a:ea typeface="標楷體" panose="03000509000000000000" pitchFamily="65" charset="-120"/>
+                          <a:cs typeface="Times New Roman" panose="02020603050405020304" pitchFamily="18" charset="0"/>
+                        </a:rPr>
+                        <a:t>O</a:t>
+                      </a:r>
+                      <a:r>
+                        <a:rPr lang="en-US" altLang="zh-CN" baseline="-25000" dirty="0">
+                          <a:latin typeface="Times New Roman" panose="02020603050405020304" pitchFamily="18" charset="0"/>
+                          <a:ea typeface="標楷體" panose="03000509000000000000" pitchFamily="65" charset="-120"/>
+                          <a:cs typeface="Times New Roman" panose="02020603050405020304" pitchFamily="18" charset="0"/>
+                        </a:rPr>
+                        <a:t>4</a:t>
+                      </a:r>
+                      <a:endParaRPr lang="zh-TW" altLang="en-US" baseline="-25000" dirty="0">
+                        <a:latin typeface="Times New Roman" panose="02020603050405020304" pitchFamily="18" charset="0"/>
+                        <a:ea typeface="標楷體" panose="03000509000000000000" pitchFamily="65" charset="-120"/>
+                        <a:cs typeface="Times New Roman" panose="02020603050405020304" pitchFamily="18" charset="0"/>
+                      </a:endParaRPr>
+                    </a:p>
+                  </a:txBody>
+                  <a:tcPr anchor="ctr"/>
+                </a:tc>
+                <a:tc>
+                  <a:txBody>
+                    <a:bodyPr/>
+                    <a:lstStyle/>
+                    <a:p>
+                      <a:pPr marL="0" marR="0" indent="0" algn="ctr" defTabSz="914400" rtl="0" eaLnBrk="1" fontAlgn="auto" latinLnBrk="0" hangingPunct="1">
+                        <a:lnSpc>
+                          <a:spcPts val="1500"/>
+                        </a:lnSpc>
+                        <a:spcBef>
+                          <a:spcPts val="0"/>
+                        </a:spcBef>
+                        <a:spcAft>
+                          <a:spcPts val="0"/>
+                        </a:spcAft>
+                        <a:buClrTx/>
+                        <a:buSzTx/>
+                        <a:buFontTx/>
+                        <a:buNone/>
+                        <a:tabLst/>
+                        <a:defRPr/>
+                      </a:pPr>
+                      <a:r>
+                        <a:rPr lang="en-US" altLang="zh-CN" dirty="0">
+                          <a:latin typeface="Times New Roman" panose="02020603050405020304" pitchFamily="18" charset="0"/>
+                          <a:ea typeface="標楷體" panose="03000509000000000000" pitchFamily="65" charset="-120"/>
+                          <a:cs typeface="Times New Roman" panose="02020603050405020304" pitchFamily="18" charset="0"/>
+                        </a:rPr>
+                        <a:t>Fe</a:t>
+                      </a:r>
+                      <a:endParaRPr lang="zh-TW" altLang="en-US" dirty="0">
+                        <a:latin typeface="Times New Roman" panose="02020603050405020304" pitchFamily="18" charset="0"/>
+                        <a:ea typeface="標楷體" panose="03000509000000000000" pitchFamily="65" charset="-120"/>
+                        <a:cs typeface="Times New Roman" panose="02020603050405020304" pitchFamily="18" charset="0"/>
+                      </a:endParaRPr>
+                    </a:p>
+                  </a:txBody>
+                  <a:tcPr anchor="ctr"/>
+                </a:tc>
+                <a:tc>
+                  <a:txBody>
+                    <a:bodyPr/>
+                    <a:lstStyle/>
+                    <a:p>
+                      <a:pPr marL="0" marR="0" indent="0" algn="ctr" defTabSz="914400" rtl="0" eaLnBrk="1" fontAlgn="auto" latinLnBrk="0" hangingPunct="1">
+                        <a:lnSpc>
+                          <a:spcPts val="1500"/>
+                        </a:lnSpc>
+                        <a:spcBef>
+                          <a:spcPts val="0"/>
+                        </a:spcBef>
+                        <a:spcAft>
+                          <a:spcPts val="0"/>
+                        </a:spcAft>
+                        <a:buClrTx/>
+                        <a:buSzTx/>
+                        <a:buFontTx/>
+                        <a:buNone/>
+                        <a:tabLst/>
+                        <a:defRPr/>
+                      </a:pPr>
+                      <a:r>
+                        <a:rPr lang="en-US" altLang="zh-CN" dirty="0" err="1">
+                          <a:latin typeface="Times New Roman" panose="02020603050405020304" pitchFamily="18" charset="0"/>
+                          <a:ea typeface="標楷體" panose="03000509000000000000" pitchFamily="65" charset="-120"/>
+                          <a:cs typeface="Times New Roman" panose="02020603050405020304" pitchFamily="18" charset="0"/>
+                        </a:rPr>
+                        <a:t>FeO</a:t>
+                      </a:r>
+                      <a:endParaRPr lang="zh-TW" altLang="en-US" dirty="0">
+                        <a:latin typeface="Times New Roman" panose="02020603050405020304" pitchFamily="18" charset="0"/>
+                        <a:ea typeface="標楷體" panose="03000509000000000000" pitchFamily="65" charset="-120"/>
+                        <a:cs typeface="Times New Roman" panose="02020603050405020304" pitchFamily="18" charset="0"/>
+                      </a:endParaRPr>
+                    </a:p>
+                  </a:txBody>
+                  <a:tcPr anchor="ctr"/>
+                </a:tc>
+                <a:tc>
+                  <a:txBody>
+                    <a:bodyPr/>
+                    <a:lstStyle/>
+                    <a:p>
+                      <a:pPr marL="0" marR="0" indent="0" algn="ctr" defTabSz="914400" rtl="0" eaLnBrk="1" fontAlgn="auto" latinLnBrk="0" hangingPunct="1">
+                        <a:lnSpc>
+                          <a:spcPts val="1500"/>
+                        </a:lnSpc>
+                        <a:spcBef>
+                          <a:spcPts val="0"/>
+                        </a:spcBef>
+                        <a:spcAft>
+                          <a:spcPts val="0"/>
+                        </a:spcAft>
+                        <a:buClrTx/>
+                        <a:buSzTx/>
+                        <a:buFontTx/>
+                        <a:buNone/>
+                        <a:tabLst/>
+                        <a:defRPr/>
+                      </a:pPr>
+                      <a:r>
+                        <a:rPr lang="en-US" altLang="zh-CN" dirty="0">
+                          <a:latin typeface="Times New Roman" panose="02020603050405020304" pitchFamily="18" charset="0"/>
+                          <a:ea typeface="標楷體" panose="03000509000000000000" pitchFamily="65" charset="-120"/>
+                          <a:cs typeface="Times New Roman" panose="02020603050405020304" pitchFamily="18" charset="0"/>
+                        </a:rPr>
+                        <a:t>Fe</a:t>
+                      </a:r>
+                      <a:r>
+                        <a:rPr lang="en-US" altLang="zh-CN" baseline="-25000" dirty="0">
+                          <a:latin typeface="Times New Roman" panose="02020603050405020304" pitchFamily="18" charset="0"/>
+                          <a:ea typeface="標楷體" panose="03000509000000000000" pitchFamily="65" charset="-120"/>
+                          <a:cs typeface="Times New Roman" panose="02020603050405020304" pitchFamily="18" charset="0"/>
+                        </a:rPr>
+                        <a:t>2</a:t>
+                      </a:r>
+                      <a:r>
+                        <a:rPr lang="en-US" altLang="zh-CN" dirty="0">
+                          <a:latin typeface="Times New Roman" panose="02020603050405020304" pitchFamily="18" charset="0"/>
+                          <a:ea typeface="標楷體" panose="03000509000000000000" pitchFamily="65" charset="-120"/>
+                          <a:cs typeface="Times New Roman" panose="02020603050405020304" pitchFamily="18" charset="0"/>
+                        </a:rPr>
+                        <a:t>O</a:t>
+                      </a:r>
+                      <a:r>
+                        <a:rPr lang="en-US" altLang="zh-CN" baseline="-25000" dirty="0">
+                          <a:latin typeface="Times New Roman" panose="02020603050405020304" pitchFamily="18" charset="0"/>
+                          <a:ea typeface="標楷體" panose="03000509000000000000" pitchFamily="65" charset="-120"/>
+                          <a:cs typeface="Times New Roman" panose="02020603050405020304" pitchFamily="18" charset="0"/>
+                        </a:rPr>
+                        <a:t>3</a:t>
+                      </a:r>
+                      <a:endParaRPr lang="zh-TW" altLang="en-US" baseline="-25000" dirty="0">
+                        <a:latin typeface="Times New Roman" panose="02020603050405020304" pitchFamily="18" charset="0"/>
+                        <a:ea typeface="標楷體" panose="03000509000000000000" pitchFamily="65" charset="-120"/>
+                        <a:cs typeface="Times New Roman" panose="02020603050405020304" pitchFamily="18" charset="0"/>
+                      </a:endParaRPr>
+                    </a:p>
+                  </a:txBody>
+                  <a:tcPr anchor="ctr"/>
+                </a:tc>
+                <a:tc>
+                  <a:txBody>
+                    <a:bodyPr/>
+                    <a:lstStyle/>
+                    <a:p>
+                      <a:pPr marL="0" marR="0" indent="0" algn="ctr" defTabSz="914400" rtl="0" eaLnBrk="1" fontAlgn="auto" latinLnBrk="0" hangingPunct="1">
+                        <a:lnSpc>
+                          <a:spcPts val="1500"/>
+                        </a:lnSpc>
+                        <a:spcBef>
+                          <a:spcPts val="0"/>
+                        </a:spcBef>
+                        <a:spcAft>
+                          <a:spcPts val="0"/>
+                        </a:spcAft>
+                        <a:buClrTx/>
+                        <a:buSzTx/>
+                        <a:buFontTx/>
+                        <a:buNone/>
+                        <a:tabLst/>
+                        <a:defRPr/>
+                      </a:pPr>
+                      <a:r>
+                        <a:rPr lang="en-US" altLang="zh-CN" dirty="0">
+                          <a:latin typeface="Times New Roman" panose="02020603050405020304" pitchFamily="18" charset="0"/>
+                          <a:ea typeface="標楷體" panose="03000509000000000000" pitchFamily="65" charset="-120"/>
+                          <a:cs typeface="Times New Roman" panose="02020603050405020304" pitchFamily="18" charset="0"/>
+                        </a:rPr>
+                        <a:t>Fe</a:t>
+                      </a:r>
+                      <a:r>
+                        <a:rPr lang="en-US" altLang="zh-CN" baseline="-25000" dirty="0">
+                          <a:latin typeface="Times New Roman" panose="02020603050405020304" pitchFamily="18" charset="0"/>
+                          <a:ea typeface="標楷體" panose="03000509000000000000" pitchFamily="65" charset="-120"/>
+                          <a:cs typeface="Times New Roman" panose="02020603050405020304" pitchFamily="18" charset="0"/>
+                        </a:rPr>
+                        <a:t>3</a:t>
+                      </a:r>
+                      <a:r>
+                        <a:rPr lang="en-US" altLang="zh-CN" dirty="0">
+                          <a:latin typeface="Times New Roman" panose="02020603050405020304" pitchFamily="18" charset="0"/>
+                          <a:ea typeface="標楷體" panose="03000509000000000000" pitchFamily="65" charset="-120"/>
+                          <a:cs typeface="Times New Roman" panose="02020603050405020304" pitchFamily="18" charset="0"/>
+                        </a:rPr>
+                        <a:t>O</a:t>
+                      </a:r>
+                      <a:r>
+                        <a:rPr lang="en-US" altLang="zh-CN" baseline="-25000" dirty="0">
+                          <a:latin typeface="Times New Roman" panose="02020603050405020304" pitchFamily="18" charset="0"/>
+                          <a:ea typeface="標楷體" panose="03000509000000000000" pitchFamily="65" charset="-120"/>
+                          <a:cs typeface="Times New Roman" panose="02020603050405020304" pitchFamily="18" charset="0"/>
+                        </a:rPr>
+                        <a:t>4</a:t>
+                      </a:r>
+                      <a:endParaRPr lang="zh-TW" altLang="en-US" baseline="-25000" dirty="0">
+                        <a:latin typeface="Times New Roman" panose="02020603050405020304" pitchFamily="18" charset="0"/>
+                        <a:ea typeface="標楷體" panose="03000509000000000000" pitchFamily="65" charset="-120"/>
+                        <a:cs typeface="Times New Roman" panose="02020603050405020304" pitchFamily="18" charset="0"/>
+                      </a:endParaRPr>
+                    </a:p>
+                  </a:txBody>
+                  <a:tcPr anchor="ctr"/>
+                </a:tc>
+                <a:tc>
+                  <a:txBody>
+                    <a:bodyPr/>
+                    <a:lstStyle/>
+                    <a:p>
+                      <a:pPr marL="0" marR="0" indent="0" algn="ctr" defTabSz="914400" rtl="0" eaLnBrk="1" fontAlgn="auto" latinLnBrk="0" hangingPunct="1">
+                        <a:lnSpc>
+                          <a:spcPts val="1500"/>
+                        </a:lnSpc>
+                        <a:spcBef>
+                          <a:spcPts val="0"/>
+                        </a:spcBef>
+                        <a:spcAft>
+                          <a:spcPts val="0"/>
+                        </a:spcAft>
+                        <a:buClrTx/>
+                        <a:buSzTx/>
+                        <a:buFontTx/>
+                        <a:buNone/>
+                        <a:tabLst/>
+                        <a:defRPr/>
+                      </a:pPr>
+                      <a:r>
+                        <a:rPr lang="en-US" altLang="zh-CN" dirty="0">
+                          <a:latin typeface="Times New Roman" panose="02020603050405020304" pitchFamily="18" charset="0"/>
+                          <a:ea typeface="標楷體" panose="03000509000000000000" pitchFamily="65" charset="-120"/>
+                          <a:cs typeface="Times New Roman" panose="02020603050405020304" pitchFamily="18" charset="0"/>
+                        </a:rPr>
+                        <a:t>Fe</a:t>
+                      </a:r>
+                      <a:endParaRPr lang="zh-TW" altLang="en-US" dirty="0">
+                        <a:latin typeface="Times New Roman" panose="02020603050405020304" pitchFamily="18" charset="0"/>
+                        <a:ea typeface="標楷體" panose="03000509000000000000" pitchFamily="65" charset="-120"/>
+                        <a:cs typeface="Times New Roman" panose="02020603050405020304" pitchFamily="18" charset="0"/>
+                      </a:endParaRPr>
+                    </a:p>
+                  </a:txBody>
+                  <a:tcPr anchor="ctr"/>
+                </a:tc>
+                <a:tc>
+                  <a:txBody>
+                    <a:bodyPr/>
+                    <a:lstStyle/>
+                    <a:p>
+                      <a:pPr marL="0" marR="0" indent="0" algn="ctr" defTabSz="914400" rtl="0" eaLnBrk="1" fontAlgn="auto" latinLnBrk="0" hangingPunct="1">
+                        <a:lnSpc>
+                          <a:spcPts val="1500"/>
+                        </a:lnSpc>
+                        <a:spcBef>
+                          <a:spcPts val="0"/>
+                        </a:spcBef>
+                        <a:spcAft>
+                          <a:spcPts val="0"/>
+                        </a:spcAft>
+                        <a:buClrTx/>
+                        <a:buSzTx/>
+                        <a:buFontTx/>
+                        <a:buNone/>
+                        <a:tabLst/>
+                        <a:defRPr/>
+                      </a:pPr>
+                      <a:r>
+                        <a:rPr lang="en-US" altLang="zh-CN" dirty="0" err="1">
+                          <a:latin typeface="Times New Roman" panose="02020603050405020304" pitchFamily="18" charset="0"/>
+                          <a:ea typeface="標楷體" panose="03000509000000000000" pitchFamily="65" charset="-120"/>
+                          <a:cs typeface="Times New Roman" panose="02020603050405020304" pitchFamily="18" charset="0"/>
+                        </a:rPr>
+                        <a:t>FeO</a:t>
+                      </a:r>
+                      <a:endParaRPr lang="zh-TW" altLang="en-US" dirty="0">
+                        <a:latin typeface="Times New Roman" panose="02020603050405020304" pitchFamily="18" charset="0"/>
+                        <a:ea typeface="標楷體" panose="03000509000000000000" pitchFamily="65" charset="-120"/>
+                        <a:cs typeface="Times New Roman" panose="02020603050405020304" pitchFamily="18" charset="0"/>
+                      </a:endParaRPr>
+                    </a:p>
+                  </a:txBody>
+                  <a:tcPr anchor="ctr"/>
+                </a:tc>
+                <a:tc>
+                  <a:txBody>
+                    <a:bodyPr/>
+                    <a:lstStyle/>
+                    <a:p>
+                      <a:pPr marL="0" marR="0" indent="0" algn="ctr" defTabSz="914400" rtl="0" eaLnBrk="1" fontAlgn="auto" latinLnBrk="0" hangingPunct="1">
+                        <a:lnSpc>
+                          <a:spcPts val="1500"/>
+                        </a:lnSpc>
+                        <a:spcBef>
+                          <a:spcPts val="0"/>
+                        </a:spcBef>
+                        <a:spcAft>
+                          <a:spcPts val="0"/>
+                        </a:spcAft>
+                        <a:buClrTx/>
+                        <a:buSzTx/>
+                        <a:buFontTx/>
+                        <a:buNone/>
+                        <a:tabLst/>
+                        <a:defRPr/>
+                      </a:pPr>
+                      <a:r>
+                        <a:rPr lang="en-US" altLang="zh-CN" dirty="0">
+                          <a:latin typeface="Times New Roman" panose="02020603050405020304" pitchFamily="18" charset="0"/>
+                          <a:ea typeface="標楷體" panose="03000509000000000000" pitchFamily="65" charset="-120"/>
+                          <a:cs typeface="Times New Roman" panose="02020603050405020304" pitchFamily="18" charset="0"/>
+                        </a:rPr>
+                        <a:t>Fe</a:t>
+                      </a:r>
+                      <a:r>
+                        <a:rPr lang="en-US" altLang="zh-CN" baseline="-25000" dirty="0">
+                          <a:latin typeface="Times New Roman" panose="02020603050405020304" pitchFamily="18" charset="0"/>
+                          <a:ea typeface="標楷體" panose="03000509000000000000" pitchFamily="65" charset="-120"/>
+                          <a:cs typeface="Times New Roman" panose="02020603050405020304" pitchFamily="18" charset="0"/>
+                        </a:rPr>
+                        <a:t>2</a:t>
+                      </a:r>
+                      <a:r>
+                        <a:rPr lang="en-US" altLang="zh-CN" dirty="0">
+                          <a:latin typeface="Times New Roman" panose="02020603050405020304" pitchFamily="18" charset="0"/>
+                          <a:ea typeface="標楷體" panose="03000509000000000000" pitchFamily="65" charset="-120"/>
+                          <a:cs typeface="Times New Roman" panose="02020603050405020304" pitchFamily="18" charset="0"/>
+                        </a:rPr>
+                        <a:t>O</a:t>
+                      </a:r>
+                      <a:r>
+                        <a:rPr lang="en-US" altLang="zh-CN" baseline="-25000" dirty="0">
+                          <a:latin typeface="Times New Roman" panose="02020603050405020304" pitchFamily="18" charset="0"/>
+                          <a:ea typeface="標楷體" panose="03000509000000000000" pitchFamily="65" charset="-120"/>
+                          <a:cs typeface="Times New Roman" panose="02020603050405020304" pitchFamily="18" charset="0"/>
+                        </a:rPr>
+                        <a:t>3</a:t>
+                      </a:r>
+                      <a:endParaRPr lang="zh-TW" altLang="en-US" baseline="-25000" dirty="0">
+                        <a:latin typeface="Times New Roman" panose="02020603050405020304" pitchFamily="18" charset="0"/>
+                        <a:ea typeface="標楷體" panose="03000509000000000000" pitchFamily="65" charset="-120"/>
+                        <a:cs typeface="Times New Roman" panose="02020603050405020304" pitchFamily="18" charset="0"/>
+                      </a:endParaRPr>
+                    </a:p>
+                  </a:txBody>
+                  <a:tcPr anchor="ctr"/>
+                </a:tc>
+                <a:tc>
+                  <a:txBody>
+                    <a:bodyPr/>
+                    <a:lstStyle/>
+                    <a:p>
+                      <a:pPr marL="0" marR="0" indent="0" algn="ctr" defTabSz="914400" rtl="0" eaLnBrk="1" fontAlgn="auto" latinLnBrk="0" hangingPunct="1">
+                        <a:lnSpc>
+                          <a:spcPts val="1500"/>
+                        </a:lnSpc>
+                        <a:spcBef>
+                          <a:spcPts val="0"/>
+                        </a:spcBef>
+                        <a:spcAft>
+                          <a:spcPts val="0"/>
+                        </a:spcAft>
+                        <a:buClrTx/>
+                        <a:buSzTx/>
+                        <a:buFontTx/>
+                        <a:buNone/>
+                        <a:tabLst/>
+                        <a:defRPr/>
+                      </a:pPr>
+                      <a:r>
+                        <a:rPr lang="en-US" altLang="zh-CN" dirty="0">
+                          <a:latin typeface="Times New Roman" panose="02020603050405020304" pitchFamily="18" charset="0"/>
+                          <a:ea typeface="標楷體" panose="03000509000000000000" pitchFamily="65" charset="-120"/>
+                          <a:cs typeface="Times New Roman" panose="02020603050405020304" pitchFamily="18" charset="0"/>
+                        </a:rPr>
+                        <a:t>Fe</a:t>
+                      </a:r>
+                      <a:r>
+                        <a:rPr lang="en-US" altLang="zh-CN" baseline="-25000" dirty="0">
+                          <a:latin typeface="Times New Roman" panose="02020603050405020304" pitchFamily="18" charset="0"/>
+                          <a:ea typeface="標楷體" panose="03000509000000000000" pitchFamily="65" charset="-120"/>
+                          <a:cs typeface="Times New Roman" panose="02020603050405020304" pitchFamily="18" charset="0"/>
+                        </a:rPr>
+                        <a:t>3</a:t>
+                      </a:r>
+                      <a:r>
+                        <a:rPr lang="en-US" altLang="zh-CN" dirty="0">
+                          <a:latin typeface="Times New Roman" panose="02020603050405020304" pitchFamily="18" charset="0"/>
+                          <a:ea typeface="標楷體" panose="03000509000000000000" pitchFamily="65" charset="-120"/>
+                          <a:cs typeface="Times New Roman" panose="02020603050405020304" pitchFamily="18" charset="0"/>
+                        </a:rPr>
+                        <a:t>O</a:t>
+                      </a:r>
+                      <a:r>
+                        <a:rPr lang="en-US" altLang="zh-CN" baseline="-25000" dirty="0">
+                          <a:latin typeface="Times New Roman" panose="02020603050405020304" pitchFamily="18" charset="0"/>
+                          <a:ea typeface="標楷體" panose="03000509000000000000" pitchFamily="65" charset="-120"/>
+                          <a:cs typeface="Times New Roman" panose="02020603050405020304" pitchFamily="18" charset="0"/>
+                        </a:rPr>
+                        <a:t>4</a:t>
+                      </a:r>
+                      <a:endParaRPr lang="zh-TW" altLang="en-US" baseline="-25000" dirty="0">
+                        <a:latin typeface="Times New Roman" panose="02020603050405020304" pitchFamily="18" charset="0"/>
+                        <a:ea typeface="標楷體" panose="03000509000000000000" pitchFamily="65" charset="-120"/>
+                        <a:cs typeface="Times New Roman" panose="02020603050405020304" pitchFamily="18" charset="0"/>
+                      </a:endParaRPr>
+                    </a:p>
+                  </a:txBody>
+                  <a:tcPr anchor="ctr"/>
+                </a:tc>
+                <a:extLst>
+                  <a:ext uri="{0D108BD9-81ED-4DB2-BD59-A6C34878D82A}">
+                    <a16:rowId xmlns:a16="http://schemas.microsoft.com/office/drawing/2014/main" val="10003"/>
+                  </a:ext>
+                </a:extLst>
+              </a:tr>
+              <a:tr h="365760">
+                <a:tc vMerge="1">
+                  <a:txBody>
+                    <a:bodyPr/>
+                    <a:lstStyle/>
+                    <a:p>
+                      <a:pPr marL="0" marR="0" indent="0" algn="ctr" defTabSz="914400" rtl="0" eaLnBrk="1" fontAlgn="auto" latinLnBrk="0" hangingPunct="1">
+                        <a:lnSpc>
+                          <a:spcPct val="100000"/>
+                        </a:lnSpc>
+                        <a:spcBef>
+                          <a:spcPts val="0"/>
+                        </a:spcBef>
+                        <a:spcAft>
+                          <a:spcPts val="0"/>
+                        </a:spcAft>
+                        <a:buClrTx/>
+                        <a:buSzTx/>
+                        <a:buFontTx/>
+                        <a:buNone/>
+                        <a:tabLst/>
+                        <a:defRPr/>
+                      </a:pPr>
+                      <a:endParaRPr lang="zh-TW" altLang="en-US" dirty="0">
+                        <a:latin typeface="Times New Roman" panose="02020603050405020304" pitchFamily="18" charset="0"/>
+                        <a:ea typeface="標楷體" panose="03000509000000000000" pitchFamily="65" charset="-120"/>
+                        <a:cs typeface="Times New Roman" panose="02020603050405020304" pitchFamily="18" charset="0"/>
+                      </a:endParaRPr>
+                    </a:p>
+                  </a:txBody>
+                  <a:tcPr anchor="ctr"/>
+                </a:tc>
+                <a:tc>
+                  <a:txBody>
+                    <a:bodyPr/>
+                    <a:lstStyle/>
+                    <a:p>
+                      <a:pPr marL="0" marR="0" indent="0" algn="ctr" defTabSz="914400" rtl="0" eaLnBrk="1" fontAlgn="auto" latinLnBrk="0" hangingPunct="1">
+                        <a:lnSpc>
+                          <a:spcPts val="1500"/>
+                        </a:lnSpc>
+                        <a:spcBef>
+                          <a:spcPts val="0"/>
+                        </a:spcBef>
+                        <a:spcAft>
+                          <a:spcPts val="0"/>
+                        </a:spcAft>
+                        <a:buClrTx/>
+                        <a:buSzTx/>
+                        <a:buFontTx/>
+                        <a:buNone/>
+                        <a:tabLst/>
+                        <a:defRPr/>
+                      </a:pPr>
+                      <a:r>
+                        <a:rPr lang="zh-CN" altLang="en-US">
+                          <a:latin typeface="Times New Roman" panose="02020603050405020304" pitchFamily="18" charset="0"/>
+                          <a:ea typeface="標楷體" panose="03000509000000000000" pitchFamily="65" charset="-120"/>
+                          <a:cs typeface="Times New Roman" panose="02020603050405020304" pitchFamily="18" charset="0"/>
+                        </a:rPr>
+                        <a:t>比例</a:t>
+                      </a:r>
+                      <a:r>
+                        <a:rPr lang="en-US" altLang="zh-CN">
+                          <a:latin typeface="Times New Roman" panose="02020603050405020304" pitchFamily="18" charset="0"/>
+                          <a:ea typeface="標楷體" panose="03000509000000000000" pitchFamily="65" charset="-120"/>
+                          <a:cs typeface="Times New Roman" panose="02020603050405020304" pitchFamily="18" charset="0"/>
+                        </a:rPr>
+                        <a:t>(%)</a:t>
+                      </a:r>
+                      <a:endParaRPr lang="zh-TW" altLang="en-US" dirty="0">
+                        <a:latin typeface="Times New Roman" panose="02020603050405020304" pitchFamily="18" charset="0"/>
+                        <a:ea typeface="標楷體" panose="03000509000000000000" pitchFamily="65" charset="-120"/>
+                        <a:cs typeface="Times New Roman" panose="02020603050405020304" pitchFamily="18" charset="0"/>
+                      </a:endParaRPr>
+                    </a:p>
+                  </a:txBody>
+                  <a:tcPr anchor="ctr"/>
+                </a:tc>
+                <a:tc>
+                  <a:txBody>
+                    <a:bodyPr/>
+                    <a:lstStyle/>
+                    <a:p>
+                      <a:pPr algn="ctr" fontAlgn="ctr"/>
+                      <a:endParaRPr lang="en-US" altLang="zh-CN" sz="1800" b="0" i="0" u="none" strike="noStrike">
+                        <a:solidFill>
+                          <a:srgbClr val="000000"/>
+                        </a:solidFill>
+                        <a:effectLst/>
+                        <a:latin typeface="Times New Roman" panose="02020603050405020304" pitchFamily="18" charset="0"/>
+                        <a:cs typeface="Times New Roman" panose="02020603050405020304" pitchFamily="18" charset="0"/>
+                      </a:endParaRPr>
+                    </a:p>
+                  </a:txBody>
+                  <a:tcPr marL="9525" marR="9525" marT="9525" marB="0" anchor="ctr"/>
+                </a:tc>
+                <a:tc>
+                  <a:txBody>
+                    <a:bodyPr/>
+                    <a:lstStyle/>
+                    <a:p>
+                      <a:pPr algn="ctr" fontAlgn="ctr"/>
+                      <a:endParaRPr lang="en-US" altLang="zh-CN" sz="1800" b="0" i="0" u="none" strike="noStrike">
+                        <a:solidFill>
+                          <a:srgbClr val="000000"/>
+                        </a:solidFill>
+                        <a:effectLst/>
+                        <a:latin typeface="Times New Roman" panose="02020603050405020304" pitchFamily="18" charset="0"/>
+                        <a:cs typeface="Times New Roman" panose="02020603050405020304" pitchFamily="18" charset="0"/>
+                      </a:endParaRPr>
+                    </a:p>
+                  </a:txBody>
+                  <a:tcPr marL="9525" marR="9525" marT="9525" marB="0" anchor="ctr"/>
+                </a:tc>
+                <a:tc>
+                  <a:txBody>
+                    <a:bodyPr/>
+                    <a:lstStyle/>
+                    <a:p>
+                      <a:pPr algn="ctr" fontAlgn="ctr"/>
+                      <a:endParaRPr lang="en-US" altLang="zh-CN" sz="1800" b="0" i="0" u="none" strike="noStrike" dirty="0">
+                        <a:solidFill>
+                          <a:srgbClr val="000000"/>
+                        </a:solidFill>
+                        <a:effectLst/>
+                        <a:latin typeface="Times New Roman" panose="02020603050405020304" pitchFamily="18" charset="0"/>
+                        <a:cs typeface="Times New Roman" panose="02020603050405020304" pitchFamily="18" charset="0"/>
+                      </a:endParaRPr>
+                    </a:p>
+                  </a:txBody>
+                  <a:tcPr marL="9525" marR="9525" marT="9525" marB="0" anchor="ctr"/>
+                </a:tc>
+                <a:tc>
+                  <a:txBody>
+                    <a:bodyPr/>
+                    <a:lstStyle/>
+                    <a:p>
+                      <a:pPr algn="ctr" fontAlgn="ctr"/>
+                      <a:endParaRPr lang="en-US" altLang="zh-CN" sz="1800" b="0" i="0" u="none" strike="noStrike" dirty="0">
+                        <a:solidFill>
+                          <a:srgbClr val="000000"/>
+                        </a:solidFill>
+                        <a:effectLst/>
+                        <a:latin typeface="Times New Roman" panose="02020603050405020304" pitchFamily="18" charset="0"/>
+                        <a:cs typeface="Times New Roman" panose="02020603050405020304" pitchFamily="18" charset="0"/>
+                      </a:endParaRPr>
+                    </a:p>
+                  </a:txBody>
+                  <a:tcPr marL="9525" marR="9525" marT="9525" marB="0" anchor="ctr"/>
+                </a:tc>
+                <a:tc>
+                  <a:txBody>
+                    <a:bodyPr/>
+                    <a:lstStyle/>
+                    <a:p>
+                      <a:pPr algn="ctr" fontAlgn="ctr"/>
+                      <a:endParaRPr lang="en-US" altLang="zh-CN" sz="1800" b="0" i="0" u="none" strike="noStrike">
+                        <a:solidFill>
+                          <a:srgbClr val="000000"/>
+                        </a:solidFill>
+                        <a:effectLst/>
+                        <a:latin typeface="Times New Roman" panose="02020603050405020304" pitchFamily="18" charset="0"/>
+                        <a:cs typeface="Times New Roman" panose="02020603050405020304" pitchFamily="18" charset="0"/>
+                      </a:endParaRPr>
+                    </a:p>
+                  </a:txBody>
+                  <a:tcPr marL="9525" marR="9525" marT="9525" marB="0" anchor="ctr"/>
+                </a:tc>
+                <a:tc>
+                  <a:txBody>
+                    <a:bodyPr/>
+                    <a:lstStyle/>
+                    <a:p>
+                      <a:pPr algn="ctr" fontAlgn="ctr"/>
+                      <a:endParaRPr lang="en-US" altLang="zh-CN" sz="1800" b="0" i="0" u="none" strike="noStrike">
+                        <a:solidFill>
+                          <a:srgbClr val="000000"/>
+                        </a:solidFill>
+                        <a:effectLst/>
+                        <a:latin typeface="Times New Roman" panose="02020603050405020304" pitchFamily="18" charset="0"/>
+                        <a:cs typeface="Times New Roman" panose="02020603050405020304" pitchFamily="18" charset="0"/>
+                      </a:endParaRPr>
+                    </a:p>
+                  </a:txBody>
+                  <a:tcPr marL="9525" marR="9525" marT="9525" marB="0" anchor="ctr"/>
+                </a:tc>
+                <a:tc>
+                  <a:txBody>
+                    <a:bodyPr/>
+                    <a:lstStyle/>
+                    <a:p>
+                      <a:pPr algn="ctr" fontAlgn="ctr"/>
+                      <a:endParaRPr lang="en-US" altLang="zh-CN" sz="1800" b="0" i="0" u="none" strike="noStrike">
+                        <a:solidFill>
+                          <a:srgbClr val="000000"/>
+                        </a:solidFill>
+                        <a:effectLst/>
+                        <a:latin typeface="Times New Roman" panose="02020603050405020304" pitchFamily="18" charset="0"/>
+                        <a:cs typeface="Times New Roman" panose="02020603050405020304" pitchFamily="18" charset="0"/>
+                      </a:endParaRPr>
+                    </a:p>
+                  </a:txBody>
+                  <a:tcPr marL="9525" marR="9525" marT="9525" marB="0" anchor="ctr"/>
+                </a:tc>
+                <a:tc>
+                  <a:txBody>
+                    <a:bodyPr/>
+                    <a:lstStyle/>
+                    <a:p>
+                      <a:pPr algn="ctr" fontAlgn="ctr"/>
+                      <a:endParaRPr lang="en-US" altLang="zh-CN" sz="1800" b="0" i="0" u="none" strike="noStrike">
+                        <a:solidFill>
+                          <a:srgbClr val="000000"/>
+                        </a:solidFill>
+                        <a:effectLst/>
+                        <a:latin typeface="Times New Roman" panose="02020603050405020304" pitchFamily="18" charset="0"/>
+                        <a:cs typeface="Times New Roman" panose="02020603050405020304" pitchFamily="18" charset="0"/>
+                      </a:endParaRPr>
+                    </a:p>
+                  </a:txBody>
+                  <a:tcPr marL="9525" marR="9525" marT="9525" marB="0" anchor="ctr"/>
+                </a:tc>
+                <a:tc>
+                  <a:txBody>
+                    <a:bodyPr/>
+                    <a:lstStyle/>
+                    <a:p>
+                      <a:pPr algn="ctr" fontAlgn="ctr"/>
+                      <a:endParaRPr lang="en-US" altLang="zh-CN" sz="1800" b="0" i="0" u="none" strike="noStrike">
+                        <a:solidFill>
+                          <a:srgbClr val="000000"/>
+                        </a:solidFill>
+                        <a:effectLst/>
+                        <a:latin typeface="Times New Roman" panose="02020603050405020304" pitchFamily="18" charset="0"/>
+                        <a:cs typeface="Times New Roman" panose="02020603050405020304" pitchFamily="18" charset="0"/>
+                      </a:endParaRPr>
+                    </a:p>
+                  </a:txBody>
+                  <a:tcPr marL="9525" marR="9525" marT="9525" marB="0" anchor="ctr"/>
+                </a:tc>
+                <a:tc>
+                  <a:txBody>
+                    <a:bodyPr/>
+                    <a:lstStyle/>
+                    <a:p>
+                      <a:pPr algn="ctr" fontAlgn="ctr"/>
+                      <a:endParaRPr lang="en-US" altLang="zh-CN" sz="1800" b="0" i="0" u="none" strike="noStrike">
+                        <a:solidFill>
+                          <a:srgbClr val="000000"/>
+                        </a:solidFill>
+                        <a:effectLst/>
+                        <a:latin typeface="Times New Roman" panose="02020603050405020304" pitchFamily="18" charset="0"/>
+                        <a:cs typeface="Times New Roman" panose="02020603050405020304" pitchFamily="18" charset="0"/>
+                      </a:endParaRPr>
+                    </a:p>
+                  </a:txBody>
+                  <a:tcPr marL="9525" marR="9525" marT="9525" marB="0" anchor="ctr"/>
+                </a:tc>
+                <a:tc>
+                  <a:txBody>
+                    <a:bodyPr/>
+                    <a:lstStyle/>
+                    <a:p>
+                      <a:pPr algn="ctr" fontAlgn="ctr"/>
+                      <a:endParaRPr lang="en-US" altLang="zh-CN" sz="1800" b="0" i="0" u="none" strike="noStrike" dirty="0">
+                        <a:solidFill>
+                          <a:srgbClr val="000000"/>
+                        </a:solidFill>
+                        <a:effectLst/>
+                        <a:latin typeface="Times New Roman" panose="02020603050405020304" pitchFamily="18" charset="0"/>
+                        <a:cs typeface="Times New Roman" panose="02020603050405020304" pitchFamily="18" charset="0"/>
+                      </a:endParaRPr>
+                    </a:p>
+                  </a:txBody>
+                  <a:tcPr marL="9525" marR="9525" marT="9525" marB="0" anchor="ctr"/>
+                </a:tc>
+                <a:tc>
+                  <a:txBody>
+                    <a:bodyPr/>
+                    <a:lstStyle/>
+                    <a:p>
+                      <a:pPr algn="ctr" fontAlgn="ctr"/>
+                      <a:endParaRPr lang="en-US" altLang="zh-CN" sz="1800" b="0" i="0" u="none" strike="noStrike" dirty="0">
+                        <a:solidFill>
+                          <a:srgbClr val="000000"/>
+                        </a:solidFill>
+                        <a:effectLst/>
+                        <a:latin typeface="Times New Roman" panose="02020603050405020304" pitchFamily="18" charset="0"/>
+                        <a:cs typeface="Times New Roman" panose="02020603050405020304" pitchFamily="18" charset="0"/>
+                      </a:endParaRPr>
+                    </a:p>
+                  </a:txBody>
+                  <a:tcPr marL="9525" marR="9525" marT="9525" marB="0" anchor="ctr"/>
+                </a:tc>
+                <a:extLst>
+                  <a:ext uri="{0D108BD9-81ED-4DB2-BD59-A6C34878D82A}">
+                    <a16:rowId xmlns:a16="http://schemas.microsoft.com/office/drawing/2014/main" val="10004"/>
+                  </a:ext>
+                </a:extLst>
+              </a:tr>
+              <a:tr h="1950908">
+                <a:tc rowSpan="3">
+                  <a:txBody>
+                    <a:bodyPr/>
+                    <a:lstStyle/>
+                    <a:p>
+                      <a:pPr marL="0" marR="0" indent="0" algn="ctr" defTabSz="914400" rtl="0" eaLnBrk="1" fontAlgn="auto" latinLnBrk="0" hangingPunct="1">
+                        <a:lnSpc>
+                          <a:spcPct val="100000"/>
+                        </a:lnSpc>
+                        <a:spcBef>
+                          <a:spcPts val="0"/>
+                        </a:spcBef>
+                        <a:spcAft>
+                          <a:spcPts val="0"/>
+                        </a:spcAft>
+                        <a:buClrTx/>
+                        <a:buSzTx/>
+                        <a:buFontTx/>
+                        <a:buNone/>
+                        <a:tabLst/>
+                        <a:defRPr/>
+                      </a:pPr>
+                      <a:r>
+                        <a:rPr lang="zh-CN" altLang="en-US" dirty="0">
+                          <a:latin typeface="Times New Roman" panose="02020603050405020304" pitchFamily="18" charset="0"/>
+                          <a:ea typeface="標楷體" panose="03000509000000000000" pitchFamily="65" charset="-120"/>
+                          <a:cs typeface="Times New Roman" panose="02020603050405020304" pitchFamily="18" charset="0"/>
+                        </a:rPr>
+                        <a:t>下表面</a:t>
+                      </a:r>
+                      <a:endParaRPr lang="zh-TW" altLang="en-US" dirty="0">
+                        <a:latin typeface="Times New Roman" panose="02020603050405020304" pitchFamily="18" charset="0"/>
+                        <a:ea typeface="標楷體" panose="03000509000000000000" pitchFamily="65" charset="-120"/>
+                        <a:cs typeface="Times New Roman" panose="02020603050405020304" pitchFamily="18" charset="0"/>
+                      </a:endParaRPr>
+                    </a:p>
+                  </a:txBody>
+                  <a:tcPr anchor="ctr"/>
+                </a:tc>
+                <a:tc>
+                  <a:txBody>
+                    <a:bodyPr/>
+                    <a:lstStyle/>
+                    <a:p>
+                      <a:pPr marL="0" marR="0" indent="0" algn="ctr" defTabSz="914400" rtl="0" eaLnBrk="1" fontAlgn="auto" latinLnBrk="0" hangingPunct="1">
+                        <a:lnSpc>
+                          <a:spcPct val="100000"/>
+                        </a:lnSpc>
+                        <a:spcBef>
+                          <a:spcPts val="0"/>
+                        </a:spcBef>
+                        <a:spcAft>
+                          <a:spcPts val="0"/>
+                        </a:spcAft>
+                        <a:buClrTx/>
+                        <a:buSzTx/>
+                        <a:buFontTx/>
+                        <a:buNone/>
+                        <a:tabLst/>
+                        <a:defRPr/>
+                      </a:pPr>
+                      <a:r>
+                        <a:rPr lang="zh-CN" altLang="en-US" dirty="0">
+                          <a:latin typeface="Times New Roman" panose="02020603050405020304" pitchFamily="18" charset="0"/>
+                          <a:ea typeface="標楷體" panose="03000509000000000000" pitchFamily="65" charset="-120"/>
+                          <a:cs typeface="Times New Roman" panose="02020603050405020304" pitchFamily="18" charset="0"/>
+                        </a:rPr>
                         <a:t>照片</a:t>
                       </a:r>
                       <a:endParaRPr lang="zh-TW" altLang="en-US" dirty="0">
@@ -4742,7 +6065,7 @@
                   </a:txBody>
                   <a:tcPr anchor="ctr"/>
                 </a:tc>
-                <a:tc>
+                <a:tc gridSpan="4">
                   <a:txBody>
                     <a:bodyPr/>
                     <a:lstStyle/>
@@ -4821,7 +6144,37 @@
                   </a:txBody>
                   <a:tcPr anchor="ctr"/>
                 </a:tc>
-                <a:tc>
+                <a:tc hMerge="1">
+                  <a:txBody>
+                    <a:bodyPr/>
+                    <a:lstStyle/>
+                    <a:p>
+                      <a:endParaRPr lang="en-US"/>
+                    </a:p>
+                  </a:txBody>
+                  <a:tcPr/>
+                </a:tc>
+                <a:tc hMerge="1">
+                  <a:txBody>
+                    <a:bodyPr/>
+                    <a:lstStyle/>
+                    <a:p>
+                      <a:endParaRPr lang="en-US"/>
+                    </a:p>
+                  </a:txBody>
+                  <a:tcPr/>
+                </a:tc>
+                <a:tc hMerge="1">
+                  <a:txBody>
+                    <a:bodyPr/>
+                    <a:lstStyle/>
+                    <a:p>
+                      <a:endParaRPr lang="en-US"/>
+                    </a:p>
+                  </a:txBody>
+                  <a:tcPr/>
+                </a:tc>
+                <a:tc gridSpan="4">
                   <a:txBody>
                     <a:bodyPr/>
                     <a:lstStyle/>
@@ -4852,7 +6205,37 @@
                   </a:txBody>
                   <a:tcPr anchor="ctr"/>
                 </a:tc>
-                <a:tc>
+                <a:tc hMerge="1">
+                  <a:txBody>
+                    <a:bodyPr/>
+                    <a:lstStyle/>
+                    <a:p>
+                      <a:endParaRPr lang="en-US"/>
+                    </a:p>
+                  </a:txBody>
+                  <a:tcPr/>
+                </a:tc>
+                <a:tc hMerge="1">
+                  <a:txBody>
+                    <a:bodyPr/>
+                    <a:lstStyle/>
+                    <a:p>
+                      <a:endParaRPr lang="en-US"/>
+                    </a:p>
+                  </a:txBody>
+                  <a:tcPr/>
+                </a:tc>
+                <a:tc hMerge="1">
+                  <a:txBody>
+                    <a:bodyPr/>
+                    <a:lstStyle/>
+                    <a:p>
+                      <a:endParaRPr lang="en-US"/>
+                    </a:p>
+                  </a:txBody>
+                  <a:tcPr/>
+                </a:tc>
+                <a:tc gridSpan="4">
                   <a:txBody>
                     <a:bodyPr/>
                     <a:lstStyle/>
@@ -4883,9 +6266,1029 @@
                   </a:txBody>
                   <a:tcPr anchor="ctr"/>
                 </a:tc>
+                <a:tc hMerge="1">
+                  <a:txBody>
+                    <a:bodyPr/>
+                    <a:lstStyle/>
+                    <a:p>
+                      <a:endParaRPr lang="en-US"/>
+                    </a:p>
+                  </a:txBody>
+                  <a:tcPr/>
+                </a:tc>
+                <a:tc hMerge="1">
+                  <a:txBody>
+                    <a:bodyPr/>
+                    <a:lstStyle/>
+                    <a:p>
+                      <a:endParaRPr lang="en-US"/>
+                    </a:p>
+                  </a:txBody>
+                  <a:tcPr/>
+                </a:tc>
+                <a:tc hMerge="1">
+                  <a:txBody>
+                    <a:bodyPr/>
+                    <a:lstStyle/>
+                    <a:p>
+                      <a:endParaRPr lang="en-US"/>
+                    </a:p>
+                  </a:txBody>
+                  <a:tcPr/>
+                </a:tc>
                 <a:extLst>
                   <a:ext uri="{0D108BD9-81ED-4DB2-BD59-A6C34878D82A}">
                     <a16:rowId xmlns:a16="http://schemas.microsoft.com/office/drawing/2014/main" val="10005"/>
+                  </a:ext>
+                </a:extLst>
+              </a:tr>
+              <a:tr h="368096">
+                <a:tc vMerge="1">
+                  <a:txBody>
+                    <a:bodyPr/>
+                    <a:lstStyle/>
+                    <a:p>
+                      <a:pPr marL="0" marR="0" indent="0" algn="ctr" defTabSz="914400" rtl="0" eaLnBrk="1" fontAlgn="auto" latinLnBrk="0" hangingPunct="1">
+                        <a:lnSpc>
+                          <a:spcPct val="100000"/>
+                        </a:lnSpc>
+                        <a:spcBef>
+                          <a:spcPts val="0"/>
+                        </a:spcBef>
+                        <a:spcAft>
+                          <a:spcPts val="0"/>
+                        </a:spcAft>
+                        <a:buClrTx/>
+                        <a:buSzTx/>
+                        <a:buFontTx/>
+                        <a:buNone/>
+                        <a:tabLst/>
+                        <a:defRPr/>
+                      </a:pPr>
+                      <a:endParaRPr lang="zh-TW" altLang="en-US" dirty="0">
+                        <a:latin typeface="Times New Roman" panose="02020603050405020304" pitchFamily="18" charset="0"/>
+                        <a:ea typeface="標楷體" panose="03000509000000000000" pitchFamily="65" charset="-120"/>
+                        <a:cs typeface="Times New Roman" panose="02020603050405020304" pitchFamily="18" charset="0"/>
+                      </a:endParaRPr>
+                    </a:p>
+                  </a:txBody>
+                  <a:tcPr anchor="ctr"/>
+                </a:tc>
+                <a:tc>
+                  <a:txBody>
+                    <a:bodyPr/>
+                    <a:lstStyle/>
+                    <a:p>
+                      <a:pPr marL="0" marR="0" indent="0" algn="ctr" defTabSz="914400" rtl="0" eaLnBrk="1" fontAlgn="auto" latinLnBrk="0" hangingPunct="1">
+                        <a:lnSpc>
+                          <a:spcPts val="1500"/>
+                        </a:lnSpc>
+                        <a:spcBef>
+                          <a:spcPts val="0"/>
+                        </a:spcBef>
+                        <a:spcAft>
+                          <a:spcPts val="0"/>
+                        </a:spcAft>
+                        <a:buClrTx/>
+                        <a:buSzTx/>
+                        <a:buFontTx/>
+                        <a:buNone/>
+                        <a:tabLst/>
+                        <a:defRPr/>
+                      </a:pPr>
+                      <a:r>
+                        <a:rPr lang="zh-CN" altLang="en-US" dirty="0">
+                          <a:latin typeface="Times New Roman" panose="02020603050405020304" pitchFamily="18" charset="0"/>
+                          <a:ea typeface="標楷體" panose="03000509000000000000" pitchFamily="65" charset="-120"/>
+                          <a:cs typeface="Times New Roman" panose="02020603050405020304" pitchFamily="18" charset="0"/>
+                        </a:rPr>
+                        <a:t>相</a:t>
+                      </a:r>
+                      <a:endParaRPr lang="zh-TW" altLang="en-US" dirty="0">
+                        <a:latin typeface="Times New Roman" panose="02020603050405020304" pitchFamily="18" charset="0"/>
+                        <a:ea typeface="標楷體" panose="03000509000000000000" pitchFamily="65" charset="-120"/>
+                        <a:cs typeface="Times New Roman" panose="02020603050405020304" pitchFamily="18" charset="0"/>
+                      </a:endParaRPr>
+                    </a:p>
+                  </a:txBody>
+                  <a:tcPr anchor="ctr"/>
+                </a:tc>
+                <a:tc>
+                  <a:txBody>
+                    <a:bodyPr/>
+                    <a:lstStyle/>
+                    <a:p>
+                      <a:pPr marL="0" marR="0" indent="0" algn="ctr" defTabSz="914400" rtl="0" eaLnBrk="1" fontAlgn="auto" latinLnBrk="0" hangingPunct="1">
+                        <a:lnSpc>
+                          <a:spcPts val="1500"/>
+                        </a:lnSpc>
+                        <a:spcBef>
+                          <a:spcPts val="0"/>
+                        </a:spcBef>
+                        <a:spcAft>
+                          <a:spcPts val="0"/>
+                        </a:spcAft>
+                        <a:buClrTx/>
+                        <a:buSzTx/>
+                        <a:buFontTx/>
+                        <a:buNone/>
+                        <a:tabLst/>
+                        <a:defRPr/>
+                      </a:pPr>
+                      <a:r>
+                        <a:rPr lang="en-US" altLang="zh-CN" dirty="0">
+                          <a:latin typeface="Times New Roman" panose="02020603050405020304" pitchFamily="18" charset="0"/>
+                          <a:ea typeface="標楷體" panose="03000509000000000000" pitchFamily="65" charset="-120"/>
+                          <a:cs typeface="Times New Roman" panose="02020603050405020304" pitchFamily="18" charset="0"/>
+                        </a:rPr>
+                        <a:t>Fe</a:t>
+                      </a:r>
+                      <a:endParaRPr lang="zh-TW" altLang="en-US" dirty="0">
+                        <a:latin typeface="Times New Roman" panose="02020603050405020304" pitchFamily="18" charset="0"/>
+                        <a:ea typeface="標楷體" panose="03000509000000000000" pitchFamily="65" charset="-120"/>
+                        <a:cs typeface="Times New Roman" panose="02020603050405020304" pitchFamily="18" charset="0"/>
+                      </a:endParaRPr>
+                    </a:p>
+                  </a:txBody>
+                  <a:tcPr anchor="ctr"/>
+                </a:tc>
+                <a:tc>
+                  <a:txBody>
+                    <a:bodyPr/>
+                    <a:lstStyle/>
+                    <a:p>
+                      <a:pPr marL="0" marR="0" indent="0" algn="ctr" defTabSz="914400" rtl="0" eaLnBrk="1" fontAlgn="auto" latinLnBrk="0" hangingPunct="1">
+                        <a:lnSpc>
+                          <a:spcPts val="1500"/>
+                        </a:lnSpc>
+                        <a:spcBef>
+                          <a:spcPts val="0"/>
+                        </a:spcBef>
+                        <a:spcAft>
+                          <a:spcPts val="0"/>
+                        </a:spcAft>
+                        <a:buClrTx/>
+                        <a:buSzTx/>
+                        <a:buFontTx/>
+                        <a:buNone/>
+                        <a:tabLst/>
+                        <a:defRPr/>
+                      </a:pPr>
+                      <a:r>
+                        <a:rPr lang="en-US" altLang="zh-CN" dirty="0" err="1">
+                          <a:latin typeface="Times New Roman" panose="02020603050405020304" pitchFamily="18" charset="0"/>
+                          <a:ea typeface="標楷體" panose="03000509000000000000" pitchFamily="65" charset="-120"/>
+                          <a:cs typeface="Times New Roman" panose="02020603050405020304" pitchFamily="18" charset="0"/>
+                        </a:rPr>
+                        <a:t>FeO</a:t>
+                      </a:r>
+                      <a:endParaRPr lang="zh-TW" altLang="en-US" dirty="0">
+                        <a:latin typeface="Times New Roman" panose="02020603050405020304" pitchFamily="18" charset="0"/>
+                        <a:ea typeface="標楷體" panose="03000509000000000000" pitchFamily="65" charset="-120"/>
+                        <a:cs typeface="Times New Roman" panose="02020603050405020304" pitchFamily="18" charset="0"/>
+                      </a:endParaRPr>
+                    </a:p>
+                  </a:txBody>
+                  <a:tcPr anchor="ctr"/>
+                </a:tc>
+                <a:tc>
+                  <a:txBody>
+                    <a:bodyPr/>
+                    <a:lstStyle/>
+                    <a:p>
+                      <a:pPr marL="0" marR="0" indent="0" algn="ctr" defTabSz="914400" rtl="0" eaLnBrk="1" fontAlgn="auto" latinLnBrk="0" hangingPunct="1">
+                        <a:lnSpc>
+                          <a:spcPts val="1500"/>
+                        </a:lnSpc>
+                        <a:spcBef>
+                          <a:spcPts val="0"/>
+                        </a:spcBef>
+                        <a:spcAft>
+                          <a:spcPts val="0"/>
+                        </a:spcAft>
+                        <a:buClrTx/>
+                        <a:buSzTx/>
+                        <a:buFontTx/>
+                        <a:buNone/>
+                        <a:tabLst/>
+                        <a:defRPr/>
+                      </a:pPr>
+                      <a:r>
+                        <a:rPr lang="en-US" altLang="zh-CN" dirty="0">
+                          <a:latin typeface="Times New Roman" panose="02020603050405020304" pitchFamily="18" charset="0"/>
+                          <a:ea typeface="標楷體" panose="03000509000000000000" pitchFamily="65" charset="-120"/>
+                          <a:cs typeface="Times New Roman" panose="02020603050405020304" pitchFamily="18" charset="0"/>
+                        </a:rPr>
+                        <a:t>Fe</a:t>
+                      </a:r>
+                      <a:r>
+                        <a:rPr lang="en-US" altLang="zh-CN" baseline="-25000" dirty="0">
+                          <a:latin typeface="Times New Roman" panose="02020603050405020304" pitchFamily="18" charset="0"/>
+                          <a:ea typeface="標楷體" panose="03000509000000000000" pitchFamily="65" charset="-120"/>
+                          <a:cs typeface="Times New Roman" panose="02020603050405020304" pitchFamily="18" charset="0"/>
+                        </a:rPr>
+                        <a:t>2</a:t>
+                      </a:r>
+                      <a:r>
+                        <a:rPr lang="en-US" altLang="zh-CN" dirty="0">
+                          <a:latin typeface="Times New Roman" panose="02020603050405020304" pitchFamily="18" charset="0"/>
+                          <a:ea typeface="標楷體" panose="03000509000000000000" pitchFamily="65" charset="-120"/>
+                          <a:cs typeface="Times New Roman" panose="02020603050405020304" pitchFamily="18" charset="0"/>
+                        </a:rPr>
+                        <a:t>O</a:t>
+                      </a:r>
+                      <a:r>
+                        <a:rPr lang="en-US" altLang="zh-CN" baseline="-25000" dirty="0">
+                          <a:latin typeface="Times New Roman" panose="02020603050405020304" pitchFamily="18" charset="0"/>
+                          <a:ea typeface="標楷體" panose="03000509000000000000" pitchFamily="65" charset="-120"/>
+                          <a:cs typeface="Times New Roman" panose="02020603050405020304" pitchFamily="18" charset="0"/>
+                        </a:rPr>
+                        <a:t>3</a:t>
+                      </a:r>
+                      <a:endParaRPr lang="zh-TW" altLang="en-US" baseline="-25000" dirty="0">
+                        <a:latin typeface="Times New Roman" panose="02020603050405020304" pitchFamily="18" charset="0"/>
+                        <a:ea typeface="標楷體" panose="03000509000000000000" pitchFamily="65" charset="-120"/>
+                        <a:cs typeface="Times New Roman" panose="02020603050405020304" pitchFamily="18" charset="0"/>
+                      </a:endParaRPr>
+                    </a:p>
+                  </a:txBody>
+                  <a:tcPr anchor="ctr"/>
+                </a:tc>
+                <a:tc>
+                  <a:txBody>
+                    <a:bodyPr/>
+                    <a:lstStyle/>
+                    <a:p>
+                      <a:pPr marL="0" marR="0" indent="0" algn="ctr" defTabSz="914400" rtl="0" eaLnBrk="1" fontAlgn="auto" latinLnBrk="0" hangingPunct="1">
+                        <a:lnSpc>
+                          <a:spcPts val="1500"/>
+                        </a:lnSpc>
+                        <a:spcBef>
+                          <a:spcPts val="0"/>
+                        </a:spcBef>
+                        <a:spcAft>
+                          <a:spcPts val="0"/>
+                        </a:spcAft>
+                        <a:buClrTx/>
+                        <a:buSzTx/>
+                        <a:buFontTx/>
+                        <a:buNone/>
+                        <a:tabLst/>
+                        <a:defRPr/>
+                      </a:pPr>
+                      <a:r>
+                        <a:rPr lang="en-US" altLang="zh-CN" dirty="0">
+                          <a:latin typeface="Times New Roman" panose="02020603050405020304" pitchFamily="18" charset="0"/>
+                          <a:ea typeface="標楷體" panose="03000509000000000000" pitchFamily="65" charset="-120"/>
+                          <a:cs typeface="Times New Roman" panose="02020603050405020304" pitchFamily="18" charset="0"/>
+                        </a:rPr>
+                        <a:t>Fe</a:t>
+                      </a:r>
+                      <a:r>
+                        <a:rPr lang="en-US" altLang="zh-CN" baseline="-25000" dirty="0">
+                          <a:latin typeface="Times New Roman" panose="02020603050405020304" pitchFamily="18" charset="0"/>
+                          <a:ea typeface="標楷體" panose="03000509000000000000" pitchFamily="65" charset="-120"/>
+                          <a:cs typeface="Times New Roman" panose="02020603050405020304" pitchFamily="18" charset="0"/>
+                        </a:rPr>
+                        <a:t>3</a:t>
+                      </a:r>
+                      <a:r>
+                        <a:rPr lang="en-US" altLang="zh-CN" dirty="0">
+                          <a:latin typeface="Times New Roman" panose="02020603050405020304" pitchFamily="18" charset="0"/>
+                          <a:ea typeface="標楷體" panose="03000509000000000000" pitchFamily="65" charset="-120"/>
+                          <a:cs typeface="Times New Roman" panose="02020603050405020304" pitchFamily="18" charset="0"/>
+                        </a:rPr>
+                        <a:t>O</a:t>
+                      </a:r>
+                      <a:r>
+                        <a:rPr lang="en-US" altLang="zh-CN" baseline="-25000" dirty="0">
+                          <a:latin typeface="Times New Roman" panose="02020603050405020304" pitchFamily="18" charset="0"/>
+                          <a:ea typeface="標楷體" panose="03000509000000000000" pitchFamily="65" charset="-120"/>
+                          <a:cs typeface="Times New Roman" panose="02020603050405020304" pitchFamily="18" charset="0"/>
+                        </a:rPr>
+                        <a:t>4</a:t>
+                      </a:r>
+                      <a:endParaRPr lang="zh-TW" altLang="en-US" baseline="-25000" dirty="0">
+                        <a:latin typeface="Times New Roman" panose="02020603050405020304" pitchFamily="18" charset="0"/>
+                        <a:ea typeface="標楷體" panose="03000509000000000000" pitchFamily="65" charset="-120"/>
+                        <a:cs typeface="Times New Roman" panose="02020603050405020304" pitchFamily="18" charset="0"/>
+                      </a:endParaRPr>
+                    </a:p>
+                  </a:txBody>
+                  <a:tcPr anchor="ctr"/>
+                </a:tc>
+                <a:tc>
+                  <a:txBody>
+                    <a:bodyPr/>
+                    <a:lstStyle/>
+                    <a:p>
+                      <a:pPr marL="0" marR="0" indent="0" algn="ctr" defTabSz="914400" rtl="0" eaLnBrk="1" fontAlgn="auto" latinLnBrk="0" hangingPunct="1">
+                        <a:lnSpc>
+                          <a:spcPts val="1500"/>
+                        </a:lnSpc>
+                        <a:spcBef>
+                          <a:spcPts val="0"/>
+                        </a:spcBef>
+                        <a:spcAft>
+                          <a:spcPts val="0"/>
+                        </a:spcAft>
+                        <a:buClrTx/>
+                        <a:buSzTx/>
+                        <a:buFontTx/>
+                        <a:buNone/>
+                        <a:tabLst/>
+                        <a:defRPr/>
+                      </a:pPr>
+                      <a:r>
+                        <a:rPr lang="en-US" altLang="zh-CN" dirty="0">
+                          <a:latin typeface="Times New Roman" panose="02020603050405020304" pitchFamily="18" charset="0"/>
+                          <a:ea typeface="標楷體" panose="03000509000000000000" pitchFamily="65" charset="-120"/>
+                          <a:cs typeface="Times New Roman" panose="02020603050405020304" pitchFamily="18" charset="0"/>
+                        </a:rPr>
+                        <a:t>Fe</a:t>
+                      </a:r>
+                      <a:endParaRPr lang="zh-TW" altLang="en-US" dirty="0">
+                        <a:latin typeface="Times New Roman" panose="02020603050405020304" pitchFamily="18" charset="0"/>
+                        <a:ea typeface="標楷體" panose="03000509000000000000" pitchFamily="65" charset="-120"/>
+                        <a:cs typeface="Times New Roman" panose="02020603050405020304" pitchFamily="18" charset="0"/>
+                      </a:endParaRPr>
+                    </a:p>
+                  </a:txBody>
+                  <a:tcPr anchor="ctr"/>
+                </a:tc>
+                <a:tc>
+                  <a:txBody>
+                    <a:bodyPr/>
+                    <a:lstStyle/>
+                    <a:p>
+                      <a:pPr marL="0" marR="0" indent="0" algn="ctr" defTabSz="914400" rtl="0" eaLnBrk="1" fontAlgn="auto" latinLnBrk="0" hangingPunct="1">
+                        <a:lnSpc>
+                          <a:spcPts val="1500"/>
+                        </a:lnSpc>
+                        <a:spcBef>
+                          <a:spcPts val="0"/>
+                        </a:spcBef>
+                        <a:spcAft>
+                          <a:spcPts val="0"/>
+                        </a:spcAft>
+                        <a:buClrTx/>
+                        <a:buSzTx/>
+                        <a:buFontTx/>
+                        <a:buNone/>
+                        <a:tabLst/>
+                        <a:defRPr/>
+                      </a:pPr>
+                      <a:r>
+                        <a:rPr lang="en-US" altLang="zh-CN" dirty="0" err="1">
+                          <a:latin typeface="Times New Roman" panose="02020603050405020304" pitchFamily="18" charset="0"/>
+                          <a:ea typeface="標楷體" panose="03000509000000000000" pitchFamily="65" charset="-120"/>
+                          <a:cs typeface="Times New Roman" panose="02020603050405020304" pitchFamily="18" charset="0"/>
+                        </a:rPr>
+                        <a:t>FeO</a:t>
+                      </a:r>
+                      <a:endParaRPr lang="zh-TW" altLang="en-US" dirty="0">
+                        <a:latin typeface="Times New Roman" panose="02020603050405020304" pitchFamily="18" charset="0"/>
+                        <a:ea typeface="標楷體" panose="03000509000000000000" pitchFamily="65" charset="-120"/>
+                        <a:cs typeface="Times New Roman" panose="02020603050405020304" pitchFamily="18" charset="0"/>
+                      </a:endParaRPr>
+                    </a:p>
+                  </a:txBody>
+                  <a:tcPr anchor="ctr"/>
+                </a:tc>
+                <a:tc>
+                  <a:txBody>
+                    <a:bodyPr/>
+                    <a:lstStyle/>
+                    <a:p>
+                      <a:pPr marL="0" marR="0" indent="0" algn="ctr" defTabSz="914400" rtl="0" eaLnBrk="1" fontAlgn="auto" latinLnBrk="0" hangingPunct="1">
+                        <a:lnSpc>
+                          <a:spcPts val="1500"/>
+                        </a:lnSpc>
+                        <a:spcBef>
+                          <a:spcPts val="0"/>
+                        </a:spcBef>
+                        <a:spcAft>
+                          <a:spcPts val="0"/>
+                        </a:spcAft>
+                        <a:buClrTx/>
+                        <a:buSzTx/>
+                        <a:buFontTx/>
+                        <a:buNone/>
+                        <a:tabLst/>
+                        <a:defRPr/>
+                      </a:pPr>
+                      <a:r>
+                        <a:rPr lang="en-US" altLang="zh-CN" dirty="0">
+                          <a:latin typeface="Times New Roman" panose="02020603050405020304" pitchFamily="18" charset="0"/>
+                          <a:ea typeface="標楷體" panose="03000509000000000000" pitchFamily="65" charset="-120"/>
+                          <a:cs typeface="Times New Roman" panose="02020603050405020304" pitchFamily="18" charset="0"/>
+                        </a:rPr>
+                        <a:t>Fe</a:t>
+                      </a:r>
+                      <a:r>
+                        <a:rPr lang="en-US" altLang="zh-CN" baseline="-25000" dirty="0">
+                          <a:latin typeface="Times New Roman" panose="02020603050405020304" pitchFamily="18" charset="0"/>
+                          <a:ea typeface="標楷體" panose="03000509000000000000" pitchFamily="65" charset="-120"/>
+                          <a:cs typeface="Times New Roman" panose="02020603050405020304" pitchFamily="18" charset="0"/>
+                        </a:rPr>
+                        <a:t>2</a:t>
+                      </a:r>
+                      <a:r>
+                        <a:rPr lang="en-US" altLang="zh-CN" dirty="0">
+                          <a:latin typeface="Times New Roman" panose="02020603050405020304" pitchFamily="18" charset="0"/>
+                          <a:ea typeface="標楷體" panose="03000509000000000000" pitchFamily="65" charset="-120"/>
+                          <a:cs typeface="Times New Roman" panose="02020603050405020304" pitchFamily="18" charset="0"/>
+                        </a:rPr>
+                        <a:t>O</a:t>
+                      </a:r>
+                      <a:r>
+                        <a:rPr lang="en-US" altLang="zh-CN" baseline="-25000" dirty="0">
+                          <a:latin typeface="Times New Roman" panose="02020603050405020304" pitchFamily="18" charset="0"/>
+                          <a:ea typeface="標楷體" panose="03000509000000000000" pitchFamily="65" charset="-120"/>
+                          <a:cs typeface="Times New Roman" panose="02020603050405020304" pitchFamily="18" charset="0"/>
+                        </a:rPr>
+                        <a:t>3</a:t>
+                      </a:r>
+                      <a:endParaRPr lang="zh-TW" altLang="en-US" baseline="-25000" dirty="0">
+                        <a:latin typeface="Times New Roman" panose="02020603050405020304" pitchFamily="18" charset="0"/>
+                        <a:ea typeface="標楷體" panose="03000509000000000000" pitchFamily="65" charset="-120"/>
+                        <a:cs typeface="Times New Roman" panose="02020603050405020304" pitchFamily="18" charset="0"/>
+                      </a:endParaRPr>
+                    </a:p>
+                  </a:txBody>
+                  <a:tcPr anchor="ctr"/>
+                </a:tc>
+                <a:tc>
+                  <a:txBody>
+                    <a:bodyPr/>
+                    <a:lstStyle/>
+                    <a:p>
+                      <a:pPr marL="0" marR="0" indent="0" algn="ctr" defTabSz="914400" rtl="0" eaLnBrk="1" fontAlgn="auto" latinLnBrk="0" hangingPunct="1">
+                        <a:lnSpc>
+                          <a:spcPts val="1500"/>
+                        </a:lnSpc>
+                        <a:spcBef>
+                          <a:spcPts val="0"/>
+                        </a:spcBef>
+                        <a:spcAft>
+                          <a:spcPts val="0"/>
+                        </a:spcAft>
+                        <a:buClrTx/>
+                        <a:buSzTx/>
+                        <a:buFontTx/>
+                        <a:buNone/>
+                        <a:tabLst/>
+                        <a:defRPr/>
+                      </a:pPr>
+                      <a:r>
+                        <a:rPr lang="en-US" altLang="zh-CN" dirty="0">
+                          <a:latin typeface="Times New Roman" panose="02020603050405020304" pitchFamily="18" charset="0"/>
+                          <a:ea typeface="標楷體" panose="03000509000000000000" pitchFamily="65" charset="-120"/>
+                          <a:cs typeface="Times New Roman" panose="02020603050405020304" pitchFamily="18" charset="0"/>
+                        </a:rPr>
+                        <a:t>Fe</a:t>
+                      </a:r>
+                      <a:r>
+                        <a:rPr lang="en-US" altLang="zh-CN" baseline="-25000" dirty="0">
+                          <a:latin typeface="Times New Roman" panose="02020603050405020304" pitchFamily="18" charset="0"/>
+                          <a:ea typeface="標楷體" panose="03000509000000000000" pitchFamily="65" charset="-120"/>
+                          <a:cs typeface="Times New Roman" panose="02020603050405020304" pitchFamily="18" charset="0"/>
+                        </a:rPr>
+                        <a:t>3</a:t>
+                      </a:r>
+                      <a:r>
+                        <a:rPr lang="en-US" altLang="zh-CN" dirty="0">
+                          <a:latin typeface="Times New Roman" panose="02020603050405020304" pitchFamily="18" charset="0"/>
+                          <a:ea typeface="標楷體" panose="03000509000000000000" pitchFamily="65" charset="-120"/>
+                          <a:cs typeface="Times New Roman" panose="02020603050405020304" pitchFamily="18" charset="0"/>
+                        </a:rPr>
+                        <a:t>O</a:t>
+                      </a:r>
+                      <a:r>
+                        <a:rPr lang="en-US" altLang="zh-CN" baseline="-25000" dirty="0">
+                          <a:latin typeface="Times New Roman" panose="02020603050405020304" pitchFamily="18" charset="0"/>
+                          <a:ea typeface="標楷體" panose="03000509000000000000" pitchFamily="65" charset="-120"/>
+                          <a:cs typeface="Times New Roman" panose="02020603050405020304" pitchFamily="18" charset="0"/>
+                        </a:rPr>
+                        <a:t>4</a:t>
+                      </a:r>
+                      <a:endParaRPr lang="zh-TW" altLang="en-US" baseline="-25000" dirty="0">
+                        <a:latin typeface="Times New Roman" panose="02020603050405020304" pitchFamily="18" charset="0"/>
+                        <a:ea typeface="標楷體" panose="03000509000000000000" pitchFamily="65" charset="-120"/>
+                        <a:cs typeface="Times New Roman" panose="02020603050405020304" pitchFamily="18" charset="0"/>
+                      </a:endParaRPr>
+                    </a:p>
+                  </a:txBody>
+                  <a:tcPr anchor="ctr"/>
+                </a:tc>
+                <a:tc>
+                  <a:txBody>
+                    <a:bodyPr/>
+                    <a:lstStyle/>
+                    <a:p>
+                      <a:pPr marL="0" marR="0" indent="0" algn="ctr" defTabSz="914400" rtl="0" eaLnBrk="1" fontAlgn="auto" latinLnBrk="0" hangingPunct="1">
+                        <a:lnSpc>
+                          <a:spcPts val="1500"/>
+                        </a:lnSpc>
+                        <a:spcBef>
+                          <a:spcPts val="0"/>
+                        </a:spcBef>
+                        <a:spcAft>
+                          <a:spcPts val="0"/>
+                        </a:spcAft>
+                        <a:buClrTx/>
+                        <a:buSzTx/>
+                        <a:buFontTx/>
+                        <a:buNone/>
+                        <a:tabLst/>
+                        <a:defRPr/>
+                      </a:pPr>
+                      <a:r>
+                        <a:rPr lang="en-US" altLang="zh-CN" dirty="0">
+                          <a:latin typeface="Times New Roman" panose="02020603050405020304" pitchFamily="18" charset="0"/>
+                          <a:ea typeface="標楷體" panose="03000509000000000000" pitchFamily="65" charset="-120"/>
+                          <a:cs typeface="Times New Roman" panose="02020603050405020304" pitchFamily="18" charset="0"/>
+                        </a:rPr>
+                        <a:t>Fe</a:t>
+                      </a:r>
+                      <a:endParaRPr lang="zh-TW" altLang="en-US" dirty="0">
+                        <a:latin typeface="Times New Roman" panose="02020603050405020304" pitchFamily="18" charset="0"/>
+                        <a:ea typeface="標楷體" panose="03000509000000000000" pitchFamily="65" charset="-120"/>
+                        <a:cs typeface="Times New Roman" panose="02020603050405020304" pitchFamily="18" charset="0"/>
+                      </a:endParaRPr>
+                    </a:p>
+                  </a:txBody>
+                  <a:tcPr anchor="ctr"/>
+                </a:tc>
+                <a:tc>
+                  <a:txBody>
+                    <a:bodyPr/>
+                    <a:lstStyle/>
+                    <a:p>
+                      <a:pPr marL="0" marR="0" indent="0" algn="ctr" defTabSz="914400" rtl="0" eaLnBrk="1" fontAlgn="auto" latinLnBrk="0" hangingPunct="1">
+                        <a:lnSpc>
+                          <a:spcPts val="1500"/>
+                        </a:lnSpc>
+                        <a:spcBef>
+                          <a:spcPts val="0"/>
+                        </a:spcBef>
+                        <a:spcAft>
+                          <a:spcPts val="0"/>
+                        </a:spcAft>
+                        <a:buClrTx/>
+                        <a:buSzTx/>
+                        <a:buFontTx/>
+                        <a:buNone/>
+                        <a:tabLst/>
+                        <a:defRPr/>
+                      </a:pPr>
+                      <a:r>
+                        <a:rPr lang="en-US" altLang="zh-CN" dirty="0" err="1">
+                          <a:latin typeface="Times New Roman" panose="02020603050405020304" pitchFamily="18" charset="0"/>
+                          <a:ea typeface="標楷體" panose="03000509000000000000" pitchFamily="65" charset="-120"/>
+                          <a:cs typeface="Times New Roman" panose="02020603050405020304" pitchFamily="18" charset="0"/>
+                        </a:rPr>
+                        <a:t>FeO</a:t>
+                      </a:r>
+                      <a:endParaRPr lang="zh-TW" altLang="en-US" dirty="0">
+                        <a:latin typeface="Times New Roman" panose="02020603050405020304" pitchFamily="18" charset="0"/>
+                        <a:ea typeface="標楷體" panose="03000509000000000000" pitchFamily="65" charset="-120"/>
+                        <a:cs typeface="Times New Roman" panose="02020603050405020304" pitchFamily="18" charset="0"/>
+                      </a:endParaRPr>
+                    </a:p>
+                  </a:txBody>
+                  <a:tcPr anchor="ctr"/>
+                </a:tc>
+                <a:tc>
+                  <a:txBody>
+                    <a:bodyPr/>
+                    <a:lstStyle/>
+                    <a:p>
+                      <a:pPr marL="0" marR="0" indent="0" algn="ctr" defTabSz="914400" rtl="0" eaLnBrk="1" fontAlgn="auto" latinLnBrk="0" hangingPunct="1">
+                        <a:lnSpc>
+                          <a:spcPts val="1500"/>
+                        </a:lnSpc>
+                        <a:spcBef>
+                          <a:spcPts val="0"/>
+                        </a:spcBef>
+                        <a:spcAft>
+                          <a:spcPts val="0"/>
+                        </a:spcAft>
+                        <a:buClrTx/>
+                        <a:buSzTx/>
+                        <a:buFontTx/>
+                        <a:buNone/>
+                        <a:tabLst/>
+                        <a:defRPr/>
+                      </a:pPr>
+                      <a:r>
+                        <a:rPr lang="en-US" altLang="zh-CN" dirty="0">
+                          <a:latin typeface="Times New Roman" panose="02020603050405020304" pitchFamily="18" charset="0"/>
+                          <a:ea typeface="標楷體" panose="03000509000000000000" pitchFamily="65" charset="-120"/>
+                          <a:cs typeface="Times New Roman" panose="02020603050405020304" pitchFamily="18" charset="0"/>
+                        </a:rPr>
+                        <a:t>Fe</a:t>
+                      </a:r>
+                      <a:r>
+                        <a:rPr lang="en-US" altLang="zh-CN" baseline="-25000" dirty="0">
+                          <a:latin typeface="Times New Roman" panose="02020603050405020304" pitchFamily="18" charset="0"/>
+                          <a:ea typeface="標楷體" panose="03000509000000000000" pitchFamily="65" charset="-120"/>
+                          <a:cs typeface="Times New Roman" panose="02020603050405020304" pitchFamily="18" charset="0"/>
+                        </a:rPr>
+                        <a:t>2</a:t>
+                      </a:r>
+                      <a:r>
+                        <a:rPr lang="en-US" altLang="zh-CN" dirty="0">
+                          <a:latin typeface="Times New Roman" panose="02020603050405020304" pitchFamily="18" charset="0"/>
+                          <a:ea typeface="標楷體" panose="03000509000000000000" pitchFamily="65" charset="-120"/>
+                          <a:cs typeface="Times New Roman" panose="02020603050405020304" pitchFamily="18" charset="0"/>
+                        </a:rPr>
+                        <a:t>O</a:t>
+                      </a:r>
+                      <a:r>
+                        <a:rPr lang="en-US" altLang="zh-CN" baseline="-25000" dirty="0">
+                          <a:latin typeface="Times New Roman" panose="02020603050405020304" pitchFamily="18" charset="0"/>
+                          <a:ea typeface="標楷體" panose="03000509000000000000" pitchFamily="65" charset="-120"/>
+                          <a:cs typeface="Times New Roman" panose="02020603050405020304" pitchFamily="18" charset="0"/>
+                        </a:rPr>
+                        <a:t>3</a:t>
+                      </a:r>
+                      <a:endParaRPr lang="zh-TW" altLang="en-US" baseline="-25000" dirty="0">
+                        <a:latin typeface="Times New Roman" panose="02020603050405020304" pitchFamily="18" charset="0"/>
+                        <a:ea typeface="標楷體" panose="03000509000000000000" pitchFamily="65" charset="-120"/>
+                        <a:cs typeface="Times New Roman" panose="02020603050405020304" pitchFamily="18" charset="0"/>
+                      </a:endParaRPr>
+                    </a:p>
+                  </a:txBody>
+                  <a:tcPr anchor="ctr"/>
+                </a:tc>
+                <a:tc>
+                  <a:txBody>
+                    <a:bodyPr/>
+                    <a:lstStyle/>
+                    <a:p>
+                      <a:pPr marL="0" marR="0" indent="0" algn="ctr" defTabSz="914400" rtl="0" eaLnBrk="1" fontAlgn="auto" latinLnBrk="0" hangingPunct="1">
+                        <a:lnSpc>
+                          <a:spcPts val="1500"/>
+                        </a:lnSpc>
+                        <a:spcBef>
+                          <a:spcPts val="0"/>
+                        </a:spcBef>
+                        <a:spcAft>
+                          <a:spcPts val="0"/>
+                        </a:spcAft>
+                        <a:buClrTx/>
+                        <a:buSzTx/>
+                        <a:buFontTx/>
+                        <a:buNone/>
+                        <a:tabLst/>
+                        <a:defRPr/>
+                      </a:pPr>
+                      <a:r>
+                        <a:rPr lang="en-US" altLang="zh-CN" dirty="0">
+                          <a:latin typeface="Times New Roman" panose="02020603050405020304" pitchFamily="18" charset="0"/>
+                          <a:ea typeface="標楷體" panose="03000509000000000000" pitchFamily="65" charset="-120"/>
+                          <a:cs typeface="Times New Roman" panose="02020603050405020304" pitchFamily="18" charset="0"/>
+                        </a:rPr>
+                        <a:t>Fe</a:t>
+                      </a:r>
+                      <a:r>
+                        <a:rPr lang="en-US" altLang="zh-CN" baseline="-25000" dirty="0">
+                          <a:latin typeface="Times New Roman" panose="02020603050405020304" pitchFamily="18" charset="0"/>
+                          <a:ea typeface="標楷體" panose="03000509000000000000" pitchFamily="65" charset="-120"/>
+                          <a:cs typeface="Times New Roman" panose="02020603050405020304" pitchFamily="18" charset="0"/>
+                        </a:rPr>
+                        <a:t>3</a:t>
+                      </a:r>
+                      <a:r>
+                        <a:rPr lang="en-US" altLang="zh-CN" dirty="0">
+                          <a:latin typeface="Times New Roman" panose="02020603050405020304" pitchFamily="18" charset="0"/>
+                          <a:ea typeface="標楷體" panose="03000509000000000000" pitchFamily="65" charset="-120"/>
+                          <a:cs typeface="Times New Roman" panose="02020603050405020304" pitchFamily="18" charset="0"/>
+                        </a:rPr>
+                        <a:t>O</a:t>
+                      </a:r>
+                      <a:r>
+                        <a:rPr lang="en-US" altLang="zh-CN" baseline="-25000" dirty="0">
+                          <a:latin typeface="Times New Roman" panose="02020603050405020304" pitchFamily="18" charset="0"/>
+                          <a:ea typeface="標楷體" panose="03000509000000000000" pitchFamily="65" charset="-120"/>
+                          <a:cs typeface="Times New Roman" panose="02020603050405020304" pitchFamily="18" charset="0"/>
+                        </a:rPr>
+                        <a:t>4</a:t>
+                      </a:r>
+                      <a:endParaRPr lang="zh-TW" altLang="en-US" baseline="-25000" dirty="0">
+                        <a:latin typeface="Times New Roman" panose="02020603050405020304" pitchFamily="18" charset="0"/>
+                        <a:ea typeface="標楷體" panose="03000509000000000000" pitchFamily="65" charset="-120"/>
+                        <a:cs typeface="Times New Roman" panose="02020603050405020304" pitchFamily="18" charset="0"/>
+                      </a:endParaRPr>
+                    </a:p>
+                  </a:txBody>
+                  <a:tcPr anchor="ctr"/>
+                </a:tc>
+                <a:extLst>
+                  <a:ext uri="{0D108BD9-81ED-4DB2-BD59-A6C34878D82A}">
+                    <a16:rowId xmlns:a16="http://schemas.microsoft.com/office/drawing/2014/main" val="10006"/>
+                  </a:ext>
+                </a:extLst>
+              </a:tr>
+              <a:tr h="368096">
+                <a:tc vMerge="1">
+                  <a:txBody>
+                    <a:bodyPr/>
+                    <a:lstStyle/>
+                    <a:p>
+                      <a:pPr marL="0" marR="0" indent="0" algn="ctr" defTabSz="914400" rtl="0" eaLnBrk="1" fontAlgn="auto" latinLnBrk="0" hangingPunct="1">
+                        <a:lnSpc>
+                          <a:spcPct val="100000"/>
+                        </a:lnSpc>
+                        <a:spcBef>
+                          <a:spcPts val="0"/>
+                        </a:spcBef>
+                        <a:spcAft>
+                          <a:spcPts val="0"/>
+                        </a:spcAft>
+                        <a:buClrTx/>
+                        <a:buSzTx/>
+                        <a:buFontTx/>
+                        <a:buNone/>
+                        <a:tabLst/>
+                        <a:defRPr/>
+                      </a:pPr>
+                      <a:endParaRPr lang="zh-TW" altLang="en-US" dirty="0">
+                        <a:latin typeface="Times New Roman" panose="02020603050405020304" pitchFamily="18" charset="0"/>
+                        <a:ea typeface="標楷體" panose="03000509000000000000" pitchFamily="65" charset="-120"/>
+                        <a:cs typeface="Times New Roman" panose="02020603050405020304" pitchFamily="18" charset="0"/>
+                      </a:endParaRPr>
+                    </a:p>
+                  </a:txBody>
+                  <a:tcPr anchor="ctr"/>
+                </a:tc>
+                <a:tc>
+                  <a:txBody>
+                    <a:bodyPr/>
+                    <a:lstStyle/>
+                    <a:p>
+                      <a:pPr marL="0" marR="0" indent="0" algn="ctr" defTabSz="914400" rtl="0" eaLnBrk="1" fontAlgn="auto" latinLnBrk="0" hangingPunct="1">
+                        <a:lnSpc>
+                          <a:spcPts val="1500"/>
+                        </a:lnSpc>
+                        <a:spcBef>
+                          <a:spcPts val="0"/>
+                        </a:spcBef>
+                        <a:spcAft>
+                          <a:spcPts val="0"/>
+                        </a:spcAft>
+                        <a:buClrTx/>
+                        <a:buSzTx/>
+                        <a:buFontTx/>
+                        <a:buNone/>
+                        <a:tabLst/>
+                        <a:defRPr/>
+                      </a:pPr>
+                      <a:r>
+                        <a:rPr lang="zh-CN" altLang="en-US">
+                          <a:latin typeface="Times New Roman" panose="02020603050405020304" pitchFamily="18" charset="0"/>
+                          <a:ea typeface="標楷體" panose="03000509000000000000" pitchFamily="65" charset="-120"/>
+                          <a:cs typeface="Times New Roman" panose="02020603050405020304" pitchFamily="18" charset="0"/>
+                        </a:rPr>
+                        <a:t>比例</a:t>
+                      </a:r>
+                      <a:r>
+                        <a:rPr lang="en-US" altLang="zh-CN">
+                          <a:latin typeface="Times New Roman" panose="02020603050405020304" pitchFamily="18" charset="0"/>
+                          <a:ea typeface="標楷體" panose="03000509000000000000" pitchFamily="65" charset="-120"/>
+                          <a:cs typeface="Times New Roman" panose="02020603050405020304" pitchFamily="18" charset="0"/>
+                        </a:rPr>
+                        <a:t>(%)</a:t>
+                      </a:r>
+                      <a:endParaRPr lang="zh-TW" altLang="en-US" dirty="0">
+                        <a:latin typeface="Times New Roman" panose="02020603050405020304" pitchFamily="18" charset="0"/>
+                        <a:ea typeface="標楷體" panose="03000509000000000000" pitchFamily="65" charset="-120"/>
+                        <a:cs typeface="Times New Roman" panose="02020603050405020304" pitchFamily="18" charset="0"/>
+                      </a:endParaRPr>
+                    </a:p>
+                  </a:txBody>
+                  <a:tcPr anchor="ctr"/>
+                </a:tc>
+                <a:tc>
+                  <a:txBody>
+                    <a:bodyPr/>
+                    <a:lstStyle/>
+                    <a:p>
+                      <a:pPr algn="ctr" fontAlgn="ctr"/>
+                      <a:endParaRPr lang="en-US" altLang="zh-CN" sz="1800" b="0" i="0" u="none" strike="noStrike">
+                        <a:solidFill>
+                          <a:srgbClr val="000000"/>
+                        </a:solidFill>
+                        <a:effectLst/>
+                        <a:latin typeface="Times New Roman" panose="02020603050405020304" pitchFamily="18" charset="0"/>
+                        <a:cs typeface="Times New Roman" panose="02020603050405020304" pitchFamily="18" charset="0"/>
+                      </a:endParaRPr>
+                    </a:p>
+                  </a:txBody>
+                  <a:tcPr marL="9525" marR="9525" marT="9525" marB="0" anchor="ctr"/>
+                </a:tc>
+                <a:tc>
+                  <a:txBody>
+                    <a:bodyPr/>
+                    <a:lstStyle/>
+                    <a:p>
+                      <a:pPr algn="ctr" fontAlgn="ctr"/>
+                      <a:endParaRPr lang="en-US" altLang="zh-CN" sz="1800" b="0" i="0" u="none" strike="noStrike">
+                        <a:solidFill>
+                          <a:srgbClr val="000000"/>
+                        </a:solidFill>
+                        <a:effectLst/>
+                        <a:latin typeface="Times New Roman" panose="02020603050405020304" pitchFamily="18" charset="0"/>
+                        <a:cs typeface="Times New Roman" panose="02020603050405020304" pitchFamily="18" charset="0"/>
+                      </a:endParaRPr>
+                    </a:p>
+                  </a:txBody>
+                  <a:tcPr marL="9525" marR="9525" marT="9525" marB="0" anchor="ctr"/>
+                </a:tc>
+                <a:tc>
+                  <a:txBody>
+                    <a:bodyPr/>
+                    <a:lstStyle/>
+                    <a:p>
+                      <a:pPr algn="ctr" fontAlgn="ctr"/>
+                      <a:endParaRPr lang="en-US" altLang="zh-CN" sz="1800" b="0" i="0" u="none" strike="noStrike" dirty="0">
+                        <a:solidFill>
+                          <a:srgbClr val="000000"/>
+                        </a:solidFill>
+                        <a:effectLst/>
+                        <a:latin typeface="Times New Roman" panose="02020603050405020304" pitchFamily="18" charset="0"/>
+                        <a:cs typeface="Times New Roman" panose="02020603050405020304" pitchFamily="18" charset="0"/>
+                      </a:endParaRPr>
+                    </a:p>
+                  </a:txBody>
+                  <a:tcPr marL="9525" marR="9525" marT="9525" marB="0" anchor="ctr"/>
+                </a:tc>
+                <a:tc>
+                  <a:txBody>
+                    <a:bodyPr/>
+                    <a:lstStyle/>
+                    <a:p>
+                      <a:pPr algn="ctr" fontAlgn="ctr"/>
+                      <a:endParaRPr lang="en-US" altLang="zh-CN" sz="1800" b="0" i="0" u="none" strike="noStrike" dirty="0">
+                        <a:solidFill>
+                          <a:srgbClr val="000000"/>
+                        </a:solidFill>
+                        <a:effectLst/>
+                        <a:latin typeface="Times New Roman" panose="02020603050405020304" pitchFamily="18" charset="0"/>
+                        <a:cs typeface="Times New Roman" panose="02020603050405020304" pitchFamily="18" charset="0"/>
+                      </a:endParaRPr>
+                    </a:p>
+                  </a:txBody>
+                  <a:tcPr marL="9525" marR="9525" marT="9525" marB="0" anchor="ctr"/>
+                </a:tc>
+                <a:tc>
+                  <a:txBody>
+                    <a:bodyPr/>
+                    <a:lstStyle/>
+                    <a:p>
+                      <a:pPr algn="ctr" fontAlgn="ctr"/>
+                      <a:endParaRPr lang="en-US" altLang="zh-CN" sz="1800" b="0" i="0" u="none" strike="noStrike">
+                        <a:solidFill>
+                          <a:srgbClr val="000000"/>
+                        </a:solidFill>
+                        <a:effectLst/>
+                        <a:latin typeface="Times New Roman" panose="02020603050405020304" pitchFamily="18" charset="0"/>
+                        <a:cs typeface="Times New Roman" panose="02020603050405020304" pitchFamily="18" charset="0"/>
+                      </a:endParaRPr>
+                    </a:p>
+                  </a:txBody>
+                  <a:tcPr marL="9525" marR="9525" marT="9525" marB="0" anchor="ctr"/>
+                </a:tc>
+                <a:tc>
+                  <a:txBody>
+                    <a:bodyPr/>
+                    <a:lstStyle/>
+                    <a:p>
+                      <a:pPr algn="ctr" fontAlgn="ctr"/>
+                      <a:endParaRPr lang="en-US" altLang="zh-CN" sz="1800" b="0" i="0" u="none" strike="noStrike">
+                        <a:solidFill>
+                          <a:srgbClr val="000000"/>
+                        </a:solidFill>
+                        <a:effectLst/>
+                        <a:latin typeface="Times New Roman" panose="02020603050405020304" pitchFamily="18" charset="0"/>
+                        <a:cs typeface="Times New Roman" panose="02020603050405020304" pitchFamily="18" charset="0"/>
+                      </a:endParaRPr>
+                    </a:p>
+                  </a:txBody>
+                  <a:tcPr marL="9525" marR="9525" marT="9525" marB="0" anchor="ctr"/>
+                </a:tc>
+                <a:tc>
+                  <a:txBody>
+                    <a:bodyPr/>
+                    <a:lstStyle/>
+                    <a:p>
+                      <a:pPr algn="ctr" fontAlgn="ctr"/>
+                      <a:endParaRPr lang="en-US" altLang="zh-CN" sz="1800" b="0" i="0" u="none" strike="noStrike" dirty="0">
+                        <a:solidFill>
+                          <a:srgbClr val="000000"/>
+                        </a:solidFill>
+                        <a:effectLst/>
+                        <a:latin typeface="Times New Roman" panose="02020603050405020304" pitchFamily="18" charset="0"/>
+                        <a:cs typeface="Times New Roman" panose="02020603050405020304" pitchFamily="18" charset="0"/>
+                      </a:endParaRPr>
+                    </a:p>
+                  </a:txBody>
+                  <a:tcPr marL="9525" marR="9525" marT="9525" marB="0" anchor="ctr"/>
+                </a:tc>
+                <a:tc>
+                  <a:txBody>
+                    <a:bodyPr/>
+                    <a:lstStyle/>
+                    <a:p>
+                      <a:pPr algn="ctr" fontAlgn="ctr"/>
+                      <a:endParaRPr lang="en-US" altLang="zh-CN" sz="1800" b="0" i="0" u="none" strike="noStrike" dirty="0">
+                        <a:solidFill>
+                          <a:srgbClr val="000000"/>
+                        </a:solidFill>
+                        <a:effectLst/>
+                        <a:latin typeface="Times New Roman" panose="02020603050405020304" pitchFamily="18" charset="0"/>
+                        <a:cs typeface="Times New Roman" panose="02020603050405020304" pitchFamily="18" charset="0"/>
+                      </a:endParaRPr>
+                    </a:p>
+                  </a:txBody>
+                  <a:tcPr marL="9525" marR="9525" marT="9525" marB="0" anchor="ctr"/>
+                </a:tc>
+                <a:tc>
+                  <a:txBody>
+                    <a:bodyPr/>
+                    <a:lstStyle/>
+                    <a:p>
+                      <a:pPr algn="ctr" fontAlgn="ctr"/>
+                      <a:endParaRPr lang="en-US" altLang="zh-CN" sz="1800" b="0" i="0" u="none" strike="noStrike">
+                        <a:solidFill>
+                          <a:srgbClr val="000000"/>
+                        </a:solidFill>
+                        <a:effectLst/>
+                        <a:latin typeface="Times New Roman" panose="02020603050405020304" pitchFamily="18" charset="0"/>
+                        <a:cs typeface="Times New Roman" panose="02020603050405020304" pitchFamily="18" charset="0"/>
+                      </a:endParaRPr>
+                    </a:p>
+                  </a:txBody>
+                  <a:tcPr marL="9525" marR="9525" marT="9525" marB="0" anchor="ctr"/>
+                </a:tc>
+                <a:tc>
+                  <a:txBody>
+                    <a:bodyPr/>
+                    <a:lstStyle/>
+                    <a:p>
+                      <a:pPr algn="ctr" fontAlgn="ctr"/>
+                      <a:endParaRPr lang="en-US" altLang="zh-CN" sz="1800" b="0" i="0" u="none" strike="noStrike">
+                        <a:solidFill>
+                          <a:srgbClr val="000000"/>
+                        </a:solidFill>
+                        <a:effectLst/>
+                        <a:latin typeface="Times New Roman" panose="02020603050405020304" pitchFamily="18" charset="0"/>
+                        <a:cs typeface="Times New Roman" panose="02020603050405020304" pitchFamily="18" charset="0"/>
+                      </a:endParaRPr>
+                    </a:p>
+                  </a:txBody>
+                  <a:tcPr marL="9525" marR="9525" marT="9525" marB="0" anchor="ctr"/>
+                </a:tc>
+                <a:tc>
+                  <a:txBody>
+                    <a:bodyPr/>
+                    <a:lstStyle/>
+                    <a:p>
+                      <a:pPr algn="ctr" fontAlgn="ctr"/>
+                      <a:endParaRPr lang="en-US" altLang="zh-CN" sz="1800" b="0" i="0" u="none" strike="noStrike" dirty="0">
+                        <a:solidFill>
+                          <a:srgbClr val="000000"/>
+                        </a:solidFill>
+                        <a:effectLst/>
+                        <a:latin typeface="Times New Roman" panose="02020603050405020304" pitchFamily="18" charset="0"/>
+                        <a:cs typeface="Times New Roman" panose="02020603050405020304" pitchFamily="18" charset="0"/>
+                      </a:endParaRPr>
+                    </a:p>
+                  </a:txBody>
+                  <a:tcPr marL="9525" marR="9525" marT="9525" marB="0" anchor="ctr"/>
+                </a:tc>
+                <a:tc>
+                  <a:txBody>
+                    <a:bodyPr/>
+                    <a:lstStyle/>
+                    <a:p>
+                      <a:pPr algn="ctr" fontAlgn="ctr"/>
+                      <a:endParaRPr lang="en-US" altLang="zh-CN" sz="1800" b="0" i="0" u="none" strike="noStrike" dirty="0">
+                        <a:solidFill>
+                          <a:srgbClr val="000000"/>
+                        </a:solidFill>
+                        <a:effectLst/>
+                        <a:latin typeface="Times New Roman" panose="02020603050405020304" pitchFamily="18" charset="0"/>
+                        <a:cs typeface="Times New Roman" panose="02020603050405020304" pitchFamily="18" charset="0"/>
+                      </a:endParaRPr>
+                    </a:p>
+                  </a:txBody>
+                  <a:tcPr marL="9525" marR="9525" marT="9525" marB="0" anchor="ctr"/>
+                </a:tc>
+                <a:extLst>
+                  <a:ext uri="{0D108BD9-81ED-4DB2-BD59-A6C34878D82A}">
+                    <a16:rowId xmlns:a16="http://schemas.microsoft.com/office/drawing/2014/main" val="10007"/>
                   </a:ext>
                 </a:extLst>
               </a:tr>
@@ -4896,7 +7299,7 @@
     </p:spTree>
     <p:extLst>
       <p:ext uri="{BB962C8B-B14F-4D97-AF65-F5344CB8AC3E}">
-        <p14:creationId xmlns:p14="http://schemas.microsoft.com/office/powerpoint/2010/main" val="3049125031"/>
+        <p14:creationId xmlns:p14="http://schemas.microsoft.com/office/powerpoint/2010/main" val="3999531664"/>
       </p:ext>
     </p:extLst>
   </p:cSld>
@@ -8587,7 +10990,7 @@
               <a:t>-</a:t>
             </a:r>
             <a:r>
-              <a:rPr lang="zh-CN" altLang="en-US" b="1" dirty="0">
+              <a:rPr lang="zh-CN" altLang="en-US" b="1">
                 <a:solidFill>
                   <a:srgbClr val="000000"/>
                 </a:solidFill>
@@ -8622,14 +11025,14 @@
           <p:nvPr>
             <p:extLst>
               <p:ext uri="{D42A27DB-BD31-4B8C-83A1-F6EECF244321}">
-                <p14:modId xmlns:p14="http://schemas.microsoft.com/office/powerpoint/2010/main" val="3533348854"/>
+                <p14:modId xmlns:p14="http://schemas.microsoft.com/office/powerpoint/2010/main" val="1456764891"/>
               </p:ext>
             </p:extLst>
           </p:nvPr>
         </p:nvGraphicFramePr>
         <p:xfrm>
-          <a:off x="136605" y="573948"/>
-          <a:ext cx="11887201" cy="6163047"/>
+          <a:off x="136609" y="573948"/>
+          <a:ext cx="11887199" cy="6163047"/>
         </p:xfrm>
         <a:graphic>
           <a:graphicData uri="http://schemas.openxmlformats.org/drawingml/2006/table">
@@ -8645,34 +11048,97 @@
                     </a:ext>
                   </a:extLst>
                 </a:gridCol>
-                <a:gridCol w="1132114">
+                <a:gridCol w="1632320">
                   <a:extLst>
                     <a:ext uri="{9D8B030D-6E8A-4147-A177-3AD203B41FA5}">
                       <a16:colId xmlns:a16="http://schemas.microsoft.com/office/drawing/2014/main" val="20001"/>
                     </a:ext>
                   </a:extLst>
                 </a:gridCol>
-                <a:gridCol w="3425372">
+                <a:gridCol w="814659">
                   <a:extLst>
                     <a:ext uri="{9D8B030D-6E8A-4147-A177-3AD203B41FA5}">
                       <a16:colId xmlns:a16="http://schemas.microsoft.com/office/drawing/2014/main" val="20002"/>
                     </a:ext>
                   </a:extLst>
                 </a:gridCol>
-                <a:gridCol w="3425372">
+                <a:gridCol w="814659">
+                  <a:extLst>
+                    <a:ext uri="{9D8B030D-6E8A-4147-A177-3AD203B41FA5}">
+                      <a16:colId xmlns:a16="http://schemas.microsoft.com/office/drawing/2014/main" val="2178151460"/>
+                    </a:ext>
+                  </a:extLst>
+                </a:gridCol>
+                <a:gridCol w="814659">
+                  <a:extLst>
+                    <a:ext uri="{9D8B030D-6E8A-4147-A177-3AD203B41FA5}">
+                      <a16:colId xmlns:a16="http://schemas.microsoft.com/office/drawing/2014/main" val="3795221645"/>
+                    </a:ext>
+                  </a:extLst>
+                </a:gridCol>
+                <a:gridCol w="814659">
+                  <a:extLst>
+                    <a:ext uri="{9D8B030D-6E8A-4147-A177-3AD203B41FA5}">
+                      <a16:colId xmlns:a16="http://schemas.microsoft.com/office/drawing/2014/main" val="1831111882"/>
+                    </a:ext>
+                  </a:extLst>
+                </a:gridCol>
+                <a:gridCol w="814659">
                   <a:extLst>
                     <a:ext uri="{9D8B030D-6E8A-4147-A177-3AD203B41FA5}">
                       <a16:colId xmlns:a16="http://schemas.microsoft.com/office/drawing/2014/main" val="20003"/>
                     </a:ext>
                   </a:extLst>
                 </a:gridCol>
-                <a:gridCol w="3425372">
+                <a:gridCol w="814659">
+                  <a:extLst>
+                    <a:ext uri="{9D8B030D-6E8A-4147-A177-3AD203B41FA5}">
+                      <a16:colId xmlns:a16="http://schemas.microsoft.com/office/drawing/2014/main" val="251269237"/>
+                    </a:ext>
+                  </a:extLst>
+                </a:gridCol>
+                <a:gridCol w="814659">
+                  <a:extLst>
+                    <a:ext uri="{9D8B030D-6E8A-4147-A177-3AD203B41FA5}">
+                      <a16:colId xmlns:a16="http://schemas.microsoft.com/office/drawing/2014/main" val="3614160323"/>
+                    </a:ext>
+                  </a:extLst>
+                </a:gridCol>
+                <a:gridCol w="814659">
+                  <a:extLst>
+                    <a:ext uri="{9D8B030D-6E8A-4147-A177-3AD203B41FA5}">
+                      <a16:colId xmlns:a16="http://schemas.microsoft.com/office/drawing/2014/main" val="326833049"/>
+                    </a:ext>
+                  </a:extLst>
+                </a:gridCol>
+                <a:gridCol w="814659">
                   <a:extLst>
                     <a:ext uri="{9D8B030D-6E8A-4147-A177-3AD203B41FA5}">
                       <a16:colId xmlns:a16="http://schemas.microsoft.com/office/drawing/2014/main" val="20004"/>
                     </a:ext>
                   </a:extLst>
                 </a:gridCol>
+                <a:gridCol w="814659">
+                  <a:extLst>
+                    <a:ext uri="{9D8B030D-6E8A-4147-A177-3AD203B41FA5}">
+                      <a16:colId xmlns:a16="http://schemas.microsoft.com/office/drawing/2014/main" val="4162324503"/>
+                    </a:ext>
+                  </a:extLst>
+                </a:gridCol>
+                <a:gridCol w="814659">
+                  <a:extLst>
+                    <a:ext uri="{9D8B030D-6E8A-4147-A177-3AD203B41FA5}">
+                      <a16:colId xmlns:a16="http://schemas.microsoft.com/office/drawing/2014/main" val="3542158680"/>
+                    </a:ext>
+                  </a:extLst>
+                </a:gridCol>
+                <a:gridCol w="814659">
+                  <a:extLst>
+                    <a:ext uri="{9D8B030D-6E8A-4147-A177-3AD203B41FA5}">
+                      <a16:colId xmlns:a16="http://schemas.microsoft.com/office/drawing/2014/main" val="2941728888"/>
+                    </a:ext>
+                  </a:extLst>
+                </a:gridCol>
               </a:tblGrid>
               <a:tr h="398930">
                 <a:tc gridSpan="2">
@@ -8708,7 +11174,7 @@
                   </a:txBody>
                   <a:tcPr/>
                 </a:tc>
-                <a:tc gridSpan="3">
+                <a:tc gridSpan="12">
                   <a:txBody>
                     <a:bodyPr/>
                     <a:lstStyle/>
@@ -8733,6 +11199,36 @@
                     </a:p>
                   </a:txBody>
                   <a:tcPr anchor="ctr"/>
+                </a:tc>
+                <a:tc hMerge="1">
+                  <a:txBody>
+                    <a:bodyPr/>
+                    <a:lstStyle/>
+                    <a:p>
+                      <a:endParaRPr lang="en-US"/>
+                    </a:p>
+                  </a:txBody>
+                  <a:tcPr/>
+                </a:tc>
+                <a:tc hMerge="1">
+                  <a:txBody>
+                    <a:bodyPr/>
+                    <a:lstStyle/>
+                    <a:p>
+                      <a:endParaRPr lang="en-US"/>
+                    </a:p>
+                  </a:txBody>
+                  <a:tcPr/>
+                </a:tc>
+                <a:tc hMerge="1">
+                  <a:txBody>
+                    <a:bodyPr/>
+                    <a:lstStyle/>
+                    <a:p>
+                      <a:endParaRPr lang="en-US"/>
+                    </a:p>
+                  </a:txBody>
+                  <a:tcPr/>
                 </a:tc>
                 <a:tc hMerge="1">
                   <a:txBody>
@@ -8750,11 +11246,71 @@
                     <a:bodyPr/>
                     <a:lstStyle/>
                     <a:p>
+                      <a:endParaRPr lang="en-US"/>
+                    </a:p>
+                  </a:txBody>
+                  <a:tcPr/>
+                </a:tc>
+                <a:tc hMerge="1">
+                  <a:txBody>
+                    <a:bodyPr/>
+                    <a:lstStyle/>
+                    <a:p>
+                      <a:endParaRPr lang="en-US"/>
+                    </a:p>
+                  </a:txBody>
+                  <a:tcPr/>
+                </a:tc>
+                <a:tc hMerge="1">
+                  <a:txBody>
+                    <a:bodyPr/>
+                    <a:lstStyle/>
+                    <a:p>
+                      <a:endParaRPr lang="en-US"/>
+                    </a:p>
+                  </a:txBody>
+                  <a:tcPr/>
+                </a:tc>
+                <a:tc hMerge="1">
+                  <a:txBody>
+                    <a:bodyPr/>
+                    <a:lstStyle/>
+                    <a:p>
                       <a:pPr algn="ctr"/>
                       <a:endParaRPr lang="zh-TW" altLang="en-US" dirty="0"/>
                     </a:p>
                   </a:txBody>
                   <a:tcPr anchor="ctr"/>
+                </a:tc>
+                <a:tc hMerge="1">
+                  <a:txBody>
+                    <a:bodyPr/>
+                    <a:lstStyle/>
+                    <a:p>
+                      <a:endParaRPr lang="en-US"/>
+                    </a:p>
+                  </a:txBody>
+                  <a:tcPr/>
+                </a:tc>
+                <a:tc hMerge="1">
+                  <a:txBody>
+                    <a:bodyPr/>
+                    <a:lstStyle/>
+                    <a:p>
+                      <a:endParaRPr lang="en-US"/>
+                    </a:p>
+                  </a:txBody>
+                  <a:tcPr/>
+                </a:tc>
+                <a:tc hMerge="1">
+                  <a:txBody>
+                    <a:bodyPr/>
+                    <a:lstStyle/>
+                    <a:p>
+                      <a:endParaRPr lang="en-US"/>
+                    </a:p>
+                  </a:txBody>
+                  <a:tcPr/>
                 </a:tc>
                 <a:extLst>
                   <a:ext uri="{0D108BD9-81ED-4DB2-BD59-A6C34878D82A}">
@@ -8796,7 +11352,7 @@
                   </a:txBody>
                   <a:tcPr/>
                 </a:tc>
-                <a:tc>
+                <a:tc gridSpan="4">
                   <a:txBody>
                     <a:bodyPr/>
                     <a:lstStyle/>
@@ -8835,7 +11391,37 @@
                   </a:txBody>
                   <a:tcPr anchor="ctr"/>
                 </a:tc>
-                <a:tc>
+                <a:tc hMerge="1">
+                  <a:txBody>
+                    <a:bodyPr/>
+                    <a:lstStyle/>
+                    <a:p>
+                      <a:endParaRPr lang="en-US"/>
+                    </a:p>
+                  </a:txBody>
+                  <a:tcPr/>
+                </a:tc>
+                <a:tc hMerge="1">
+                  <a:txBody>
+                    <a:bodyPr/>
+                    <a:lstStyle/>
+                    <a:p>
+                      <a:endParaRPr lang="en-US"/>
+                    </a:p>
+                  </a:txBody>
+                  <a:tcPr/>
+                </a:tc>
+                <a:tc hMerge="1">
+                  <a:txBody>
+                    <a:bodyPr/>
+                    <a:lstStyle/>
+                    <a:p>
+                      <a:endParaRPr lang="en-US"/>
+                    </a:p>
+                  </a:txBody>
+                  <a:tcPr/>
+                </a:tc>
+                <a:tc gridSpan="4">
                   <a:txBody>
                     <a:bodyPr/>
                     <a:lstStyle/>
@@ -8874,7 +11460,37 @@
                   </a:txBody>
                   <a:tcPr anchor="ctr"/>
                 </a:tc>
-                <a:tc>
+                <a:tc hMerge="1">
+                  <a:txBody>
+                    <a:bodyPr/>
+                    <a:lstStyle/>
+                    <a:p>
+                      <a:endParaRPr lang="en-US"/>
+                    </a:p>
+                  </a:txBody>
+                  <a:tcPr/>
+                </a:tc>
+                <a:tc hMerge="1">
+                  <a:txBody>
+                    <a:bodyPr/>
+                    <a:lstStyle/>
+                    <a:p>
+                      <a:endParaRPr lang="en-US"/>
+                    </a:p>
+                  </a:txBody>
+                  <a:tcPr/>
+                </a:tc>
+                <a:tc hMerge="1">
+                  <a:txBody>
+                    <a:bodyPr/>
+                    <a:lstStyle/>
+                    <a:p>
+                      <a:endParaRPr lang="en-US"/>
+                    </a:p>
+                  </a:txBody>
+                  <a:tcPr/>
+                </a:tc>
+                <a:tc gridSpan="4">
                   <a:txBody>
                     <a:bodyPr/>
                     <a:lstStyle/>
@@ -8913,14 +11529,44 @@
                   </a:txBody>
                   <a:tcPr anchor="ctr"/>
                 </a:tc>
+                <a:tc hMerge="1">
+                  <a:txBody>
+                    <a:bodyPr/>
+                    <a:lstStyle/>
+                    <a:p>
+                      <a:endParaRPr lang="en-US"/>
+                    </a:p>
+                  </a:txBody>
+                  <a:tcPr/>
+                </a:tc>
+                <a:tc hMerge="1">
+                  <a:txBody>
+                    <a:bodyPr/>
+                    <a:lstStyle/>
+                    <a:p>
+                      <a:endParaRPr lang="en-US"/>
+                    </a:p>
+                  </a:txBody>
+                  <a:tcPr/>
+                </a:tc>
+                <a:tc hMerge="1">
+                  <a:txBody>
+                    <a:bodyPr/>
+                    <a:lstStyle/>
+                    <a:p>
+                      <a:endParaRPr lang="en-US"/>
+                    </a:p>
+                  </a:txBody>
+                  <a:tcPr/>
+                </a:tc>
                 <a:extLst>
                   <a:ext uri="{0D108BD9-81ED-4DB2-BD59-A6C34878D82A}">
                     <a16:rowId xmlns:a16="http://schemas.microsoft.com/office/drawing/2014/main" val="10001"/>
                   </a:ext>
                 </a:extLst>
               </a:tr>
-              <a:tr h="2678087">
-                <a:tc>
+              <a:tr h="1946567">
+                <a:tc rowSpan="3">
                   <a:txBody>
                     <a:bodyPr/>
                     <a:lstStyle/>
@@ -8998,7 +11644,7 @@
                   </a:txBody>
                   <a:tcPr anchor="ctr"/>
                 </a:tc>
-                <a:tc>
+                <a:tc gridSpan="4">
                   <a:txBody>
                     <a:bodyPr/>
                     <a:lstStyle/>
@@ -9021,7 +11667,37 @@
                   </a:txBody>
                   <a:tcPr anchor="ctr"/>
                 </a:tc>
-                <a:tc>
+                <a:tc hMerge="1">
+                  <a:txBody>
+                    <a:bodyPr/>
+                    <a:lstStyle/>
+                    <a:p>
+                      <a:endParaRPr lang="en-US"/>
+                    </a:p>
+                  </a:txBody>
+                  <a:tcPr/>
+                </a:tc>
+                <a:tc hMerge="1">
+                  <a:txBody>
+                    <a:bodyPr/>
+                    <a:lstStyle/>
+                    <a:p>
+                      <a:endParaRPr lang="en-US"/>
+                    </a:p>
+                  </a:txBody>
+                  <a:tcPr/>
+                </a:tc>
+                <a:tc hMerge="1">
+                  <a:txBody>
+                    <a:bodyPr/>
+                    <a:lstStyle/>
+                    <a:p>
+                      <a:endParaRPr lang="en-US"/>
+                    </a:p>
+                  </a:txBody>
+                  <a:tcPr/>
+                </a:tc>
+                <a:tc gridSpan="4">
                   <a:txBody>
                     <a:bodyPr/>
                     <a:lstStyle/>
@@ -9036,7 +11712,37 @@
                   </a:txBody>
                   <a:tcPr anchor="ctr"/>
                 </a:tc>
-                <a:tc>
+                <a:tc hMerge="1">
+                  <a:txBody>
+                    <a:bodyPr/>
+                    <a:lstStyle/>
+                    <a:p>
+                      <a:endParaRPr lang="en-US"/>
+                    </a:p>
+                  </a:txBody>
+                  <a:tcPr/>
+                </a:tc>
+                <a:tc hMerge="1">
+                  <a:txBody>
+                    <a:bodyPr/>
+                    <a:lstStyle/>
+                    <a:p>
+                      <a:endParaRPr lang="en-US"/>
+                    </a:p>
+                  </a:txBody>
+                  <a:tcPr/>
+                </a:tc>
+                <a:tc hMerge="1">
+                  <a:txBody>
+                    <a:bodyPr/>
+                    <a:lstStyle/>
+                    <a:p>
+                      <a:endParaRPr lang="en-US"/>
+                    </a:p>
+                  </a:txBody>
+                  <a:tcPr/>
+                </a:tc>
+                <a:tc gridSpan="4">
                   <a:txBody>
                     <a:bodyPr/>
                     <a:lstStyle/>
@@ -9050,6 +11756,36 @@
                     </a:p>
                   </a:txBody>
                   <a:tcPr anchor="ctr"/>
+                </a:tc>
+                <a:tc hMerge="1">
+                  <a:txBody>
+                    <a:bodyPr/>
+                    <a:lstStyle/>
+                    <a:p>
+                      <a:endParaRPr lang="en-US"/>
+                    </a:p>
+                  </a:txBody>
+                  <a:tcPr/>
+                </a:tc>
+                <a:tc hMerge="1">
+                  <a:txBody>
+                    <a:bodyPr/>
+                    <a:lstStyle/>
+                    <a:p>
+                      <a:endParaRPr lang="en-US"/>
+                    </a:p>
+                  </a:txBody>
+                  <a:tcPr/>
+                </a:tc>
+                <a:tc hMerge="1">
+                  <a:txBody>
+                    <a:bodyPr/>
+                    <a:lstStyle/>
+                    <a:p>
+                      <a:endParaRPr lang="en-US"/>
+                    </a:p>
+                  </a:txBody>
+                  <a:tcPr/>
                 </a:tc>
                 <a:extLst>
                   <a:ext uri="{0D108BD9-81ED-4DB2-BD59-A6C34878D82A}">
@@ -9057,8 +11793,8 @@
                   </a:ext>
                 </a:extLst>
               </a:tr>
-              <a:tr h="2687100">
-                <a:tc>
+              <a:tr h="365760">
+                <a:tc vMerge="1">
                   <a:txBody>
                     <a:bodyPr/>
                     <a:lstStyle/>
@@ -9080,14 +11816,6 @@
                         <a:tabLst/>
                         <a:defRPr/>
                       </a:pPr>
-                      <a:r>
-                        <a:rPr lang="zh-CN" altLang="en-US" dirty="0">
-                          <a:latin typeface="Times New Roman" panose="02020603050405020304" pitchFamily="18" charset="0"/>
-                          <a:ea typeface="標楷體" panose="03000509000000000000" pitchFamily="65" charset="-120"/>
-                          <a:cs typeface="Times New Roman" panose="02020603050405020304" pitchFamily="18" charset="0"/>
-                        </a:rPr>
-                        <a:t>下表面</a:t>
-                      </a:r>
                       <a:endParaRPr lang="zh-TW" altLang="en-US" dirty="0">
                         <a:latin typeface="Times New Roman" panose="02020603050405020304" pitchFamily="18" charset="0"/>
                         <a:ea typeface="標楷體" panose="03000509000000000000" pitchFamily="65" charset="-120"/>
@@ -9104,7 +11832,7 @@
                     <a:p>
                       <a:pPr marL="0" marR="0" indent="0" algn="ctr" defTabSz="914400" rtl="0" eaLnBrk="1" fontAlgn="auto" latinLnBrk="0" hangingPunct="1">
                         <a:lnSpc>
-                          <a:spcPct val="100000"/>
+                          <a:spcPts val="1500"/>
                         </a:lnSpc>
                         <a:spcBef>
                           <a:spcPts val="0"/>
@@ -9125,6 +11853,1004 @@
                           <a:ea typeface="標楷體" panose="03000509000000000000" pitchFamily="65" charset="-120"/>
                           <a:cs typeface="Times New Roman" panose="02020603050405020304" pitchFamily="18" charset="0"/>
                         </a:rPr>
+                        <a:t>相</a:t>
+                      </a:r>
+                      <a:endParaRPr lang="zh-TW" altLang="en-US" dirty="0">
+                        <a:latin typeface="Times New Roman" panose="02020603050405020304" pitchFamily="18" charset="0"/>
+                        <a:ea typeface="標楷體" panose="03000509000000000000" pitchFamily="65" charset="-120"/>
+                        <a:cs typeface="Times New Roman" panose="02020603050405020304" pitchFamily="18" charset="0"/>
+                      </a:endParaRPr>
+                    </a:p>
+                  </a:txBody>
+                  <a:tcPr anchor="ctr"/>
+                </a:tc>
+                <a:tc>
+                  <a:txBody>
+                    <a:bodyPr/>
+                    <a:lstStyle/>
+                    <a:p>
+                      <a:pPr marL="0" marR="0" indent="0" algn="ctr" defTabSz="914400" rtl="0" eaLnBrk="1" fontAlgn="auto" latinLnBrk="0" hangingPunct="1">
+                        <a:lnSpc>
+                          <a:spcPts val="1500"/>
+                        </a:lnSpc>
+                        <a:spcBef>
+                          <a:spcPts val="0"/>
+                        </a:spcBef>
+                        <a:spcAft>
+                          <a:spcPts val="0"/>
+                        </a:spcAft>
+                        <a:buClrTx/>
+                        <a:buSzTx/>
+                        <a:buFontTx/>
+                        <a:buNone/>
+                        <a:tabLst/>
+                        <a:defRPr/>
+                      </a:pPr>
+                      <a:r>
+                        <a:rPr lang="en-US" altLang="zh-CN" dirty="0">
+                          <a:latin typeface="Times New Roman" panose="02020603050405020304" pitchFamily="18" charset="0"/>
+                          <a:ea typeface="標楷體" panose="03000509000000000000" pitchFamily="65" charset="-120"/>
+                          <a:cs typeface="Times New Roman" panose="02020603050405020304" pitchFamily="18" charset="0"/>
+                        </a:rPr>
+                        <a:t>Fe</a:t>
+                      </a:r>
+                      <a:endParaRPr lang="zh-TW" altLang="en-US" dirty="0">
+                        <a:latin typeface="Times New Roman" panose="02020603050405020304" pitchFamily="18" charset="0"/>
+                        <a:ea typeface="標楷體" panose="03000509000000000000" pitchFamily="65" charset="-120"/>
+                        <a:cs typeface="Times New Roman" panose="02020603050405020304" pitchFamily="18" charset="0"/>
+                      </a:endParaRPr>
+                    </a:p>
+                  </a:txBody>
+                  <a:tcPr anchor="ctr"/>
+                </a:tc>
+                <a:tc>
+                  <a:txBody>
+                    <a:bodyPr/>
+                    <a:lstStyle/>
+                    <a:p>
+                      <a:pPr marL="0" marR="0" indent="0" algn="ctr" defTabSz="914400" rtl="0" eaLnBrk="1" fontAlgn="auto" latinLnBrk="0" hangingPunct="1">
+                        <a:lnSpc>
+                          <a:spcPts val="1500"/>
+                        </a:lnSpc>
+                        <a:spcBef>
+                          <a:spcPts val="0"/>
+                        </a:spcBef>
+                        <a:spcAft>
+                          <a:spcPts val="0"/>
+                        </a:spcAft>
+                        <a:buClrTx/>
+                        <a:buSzTx/>
+                        <a:buFontTx/>
+                        <a:buNone/>
+                        <a:tabLst/>
+                        <a:defRPr/>
+                      </a:pPr>
+                      <a:r>
+                        <a:rPr lang="en-US" altLang="zh-CN" dirty="0" err="1">
+                          <a:latin typeface="Times New Roman" panose="02020603050405020304" pitchFamily="18" charset="0"/>
+                          <a:ea typeface="標楷體" panose="03000509000000000000" pitchFamily="65" charset="-120"/>
+                          <a:cs typeface="Times New Roman" panose="02020603050405020304" pitchFamily="18" charset="0"/>
+                        </a:rPr>
+                        <a:t>FeO</a:t>
+                      </a:r>
+                      <a:endParaRPr lang="zh-TW" altLang="en-US" dirty="0">
+                        <a:latin typeface="Times New Roman" panose="02020603050405020304" pitchFamily="18" charset="0"/>
+                        <a:ea typeface="標楷體" panose="03000509000000000000" pitchFamily="65" charset="-120"/>
+                        <a:cs typeface="Times New Roman" panose="02020603050405020304" pitchFamily="18" charset="0"/>
+                      </a:endParaRPr>
+                    </a:p>
+                  </a:txBody>
+                  <a:tcPr anchor="ctr"/>
+                </a:tc>
+                <a:tc>
+                  <a:txBody>
+                    <a:bodyPr/>
+                    <a:lstStyle/>
+                    <a:p>
+                      <a:pPr marL="0" marR="0" indent="0" algn="ctr" defTabSz="914400" rtl="0" eaLnBrk="1" fontAlgn="auto" latinLnBrk="0" hangingPunct="1">
+                        <a:lnSpc>
+                          <a:spcPts val="1500"/>
+                        </a:lnSpc>
+                        <a:spcBef>
+                          <a:spcPts val="0"/>
+                        </a:spcBef>
+                        <a:spcAft>
+                          <a:spcPts val="0"/>
+                        </a:spcAft>
+                        <a:buClrTx/>
+                        <a:buSzTx/>
+                        <a:buFontTx/>
+                        <a:buNone/>
+                        <a:tabLst/>
+                        <a:defRPr/>
+                      </a:pPr>
+                      <a:r>
+                        <a:rPr lang="en-US" altLang="zh-CN" dirty="0">
+                          <a:latin typeface="Times New Roman" panose="02020603050405020304" pitchFamily="18" charset="0"/>
+                          <a:ea typeface="標楷體" panose="03000509000000000000" pitchFamily="65" charset="-120"/>
+                          <a:cs typeface="Times New Roman" panose="02020603050405020304" pitchFamily="18" charset="0"/>
+                        </a:rPr>
+                        <a:t>Fe</a:t>
+                      </a:r>
+                      <a:r>
+                        <a:rPr lang="en-US" altLang="zh-CN" baseline="-25000" dirty="0">
+                          <a:latin typeface="Times New Roman" panose="02020603050405020304" pitchFamily="18" charset="0"/>
+                          <a:ea typeface="標楷體" panose="03000509000000000000" pitchFamily="65" charset="-120"/>
+                          <a:cs typeface="Times New Roman" panose="02020603050405020304" pitchFamily="18" charset="0"/>
+                        </a:rPr>
+                        <a:t>2</a:t>
+                      </a:r>
+                      <a:r>
+                        <a:rPr lang="en-US" altLang="zh-CN" dirty="0">
+                          <a:latin typeface="Times New Roman" panose="02020603050405020304" pitchFamily="18" charset="0"/>
+                          <a:ea typeface="標楷體" panose="03000509000000000000" pitchFamily="65" charset="-120"/>
+                          <a:cs typeface="Times New Roman" panose="02020603050405020304" pitchFamily="18" charset="0"/>
+                        </a:rPr>
+                        <a:t>O</a:t>
+                      </a:r>
+                      <a:r>
+                        <a:rPr lang="en-US" altLang="zh-CN" baseline="-25000" dirty="0">
+                          <a:latin typeface="Times New Roman" panose="02020603050405020304" pitchFamily="18" charset="0"/>
+                          <a:ea typeface="標楷體" panose="03000509000000000000" pitchFamily="65" charset="-120"/>
+                          <a:cs typeface="Times New Roman" panose="02020603050405020304" pitchFamily="18" charset="0"/>
+                        </a:rPr>
+                        <a:t>3</a:t>
+                      </a:r>
+                      <a:endParaRPr lang="zh-TW" altLang="en-US" baseline="-25000" dirty="0">
+                        <a:latin typeface="Times New Roman" panose="02020603050405020304" pitchFamily="18" charset="0"/>
+                        <a:ea typeface="標楷體" panose="03000509000000000000" pitchFamily="65" charset="-120"/>
+                        <a:cs typeface="Times New Roman" panose="02020603050405020304" pitchFamily="18" charset="0"/>
+                      </a:endParaRPr>
+                    </a:p>
+                  </a:txBody>
+                  <a:tcPr anchor="ctr"/>
+                </a:tc>
+                <a:tc>
+                  <a:txBody>
+                    <a:bodyPr/>
+                    <a:lstStyle/>
+                    <a:p>
+                      <a:pPr marL="0" marR="0" indent="0" algn="ctr" defTabSz="914400" rtl="0" eaLnBrk="1" fontAlgn="auto" latinLnBrk="0" hangingPunct="1">
+                        <a:lnSpc>
+                          <a:spcPts val="1500"/>
+                        </a:lnSpc>
+                        <a:spcBef>
+                          <a:spcPts val="0"/>
+                        </a:spcBef>
+                        <a:spcAft>
+                          <a:spcPts val="0"/>
+                        </a:spcAft>
+                        <a:buClrTx/>
+                        <a:buSzTx/>
+                        <a:buFontTx/>
+                        <a:buNone/>
+                        <a:tabLst/>
+                        <a:defRPr/>
+                      </a:pPr>
+                      <a:r>
+                        <a:rPr lang="en-US" altLang="zh-CN" dirty="0">
+                          <a:latin typeface="Times New Roman" panose="02020603050405020304" pitchFamily="18" charset="0"/>
+                          <a:ea typeface="標楷體" panose="03000509000000000000" pitchFamily="65" charset="-120"/>
+                          <a:cs typeface="Times New Roman" panose="02020603050405020304" pitchFamily="18" charset="0"/>
+                        </a:rPr>
+                        <a:t>Fe</a:t>
+                      </a:r>
+                      <a:r>
+                        <a:rPr lang="en-US" altLang="zh-CN" baseline="-25000" dirty="0">
+                          <a:latin typeface="Times New Roman" panose="02020603050405020304" pitchFamily="18" charset="0"/>
+                          <a:ea typeface="標楷體" panose="03000509000000000000" pitchFamily="65" charset="-120"/>
+                          <a:cs typeface="Times New Roman" panose="02020603050405020304" pitchFamily="18" charset="0"/>
+                        </a:rPr>
+                        <a:t>3</a:t>
+                      </a:r>
+                      <a:r>
+                        <a:rPr lang="en-US" altLang="zh-CN" dirty="0">
+                          <a:latin typeface="Times New Roman" panose="02020603050405020304" pitchFamily="18" charset="0"/>
+                          <a:ea typeface="標楷體" panose="03000509000000000000" pitchFamily="65" charset="-120"/>
+                          <a:cs typeface="Times New Roman" panose="02020603050405020304" pitchFamily="18" charset="0"/>
+                        </a:rPr>
+                        <a:t>O</a:t>
+                      </a:r>
+                      <a:r>
+                        <a:rPr lang="en-US" altLang="zh-CN" baseline="-25000" dirty="0">
+                          <a:latin typeface="Times New Roman" panose="02020603050405020304" pitchFamily="18" charset="0"/>
+                          <a:ea typeface="標楷體" panose="03000509000000000000" pitchFamily="65" charset="-120"/>
+                          <a:cs typeface="Times New Roman" panose="02020603050405020304" pitchFamily="18" charset="0"/>
+                        </a:rPr>
+                        <a:t>4</a:t>
+                      </a:r>
+                      <a:endParaRPr lang="zh-TW" altLang="en-US" baseline="-25000" dirty="0">
+                        <a:latin typeface="Times New Roman" panose="02020603050405020304" pitchFamily="18" charset="0"/>
+                        <a:ea typeface="標楷體" panose="03000509000000000000" pitchFamily="65" charset="-120"/>
+                        <a:cs typeface="Times New Roman" panose="02020603050405020304" pitchFamily="18" charset="0"/>
+                      </a:endParaRPr>
+                    </a:p>
+                  </a:txBody>
+                  <a:tcPr anchor="ctr"/>
+                </a:tc>
+                <a:tc>
+                  <a:txBody>
+                    <a:bodyPr/>
+                    <a:lstStyle/>
+                    <a:p>
+                      <a:pPr marL="0" marR="0" indent="0" algn="ctr" defTabSz="914400" rtl="0" eaLnBrk="1" fontAlgn="auto" latinLnBrk="0" hangingPunct="1">
+                        <a:lnSpc>
+                          <a:spcPts val="1500"/>
+                        </a:lnSpc>
+                        <a:spcBef>
+                          <a:spcPts val="0"/>
+                        </a:spcBef>
+                        <a:spcAft>
+                          <a:spcPts val="0"/>
+                        </a:spcAft>
+                        <a:buClrTx/>
+                        <a:buSzTx/>
+                        <a:buFontTx/>
+                        <a:buNone/>
+                        <a:tabLst/>
+                        <a:defRPr/>
+                      </a:pPr>
+                      <a:r>
+                        <a:rPr lang="en-US" altLang="zh-CN" dirty="0">
+                          <a:latin typeface="Times New Roman" panose="02020603050405020304" pitchFamily="18" charset="0"/>
+                          <a:ea typeface="標楷體" panose="03000509000000000000" pitchFamily="65" charset="-120"/>
+                          <a:cs typeface="Times New Roman" panose="02020603050405020304" pitchFamily="18" charset="0"/>
+                        </a:rPr>
+                        <a:t>Fe</a:t>
+                      </a:r>
+                      <a:endParaRPr lang="zh-TW" altLang="en-US" dirty="0">
+                        <a:latin typeface="Times New Roman" panose="02020603050405020304" pitchFamily="18" charset="0"/>
+                        <a:ea typeface="標楷體" panose="03000509000000000000" pitchFamily="65" charset="-120"/>
+                        <a:cs typeface="Times New Roman" panose="02020603050405020304" pitchFamily="18" charset="0"/>
+                      </a:endParaRPr>
+                    </a:p>
+                  </a:txBody>
+                  <a:tcPr anchor="ctr"/>
+                </a:tc>
+                <a:tc>
+                  <a:txBody>
+                    <a:bodyPr/>
+                    <a:lstStyle/>
+                    <a:p>
+                      <a:pPr marL="0" marR="0" indent="0" algn="ctr" defTabSz="914400" rtl="0" eaLnBrk="1" fontAlgn="auto" latinLnBrk="0" hangingPunct="1">
+                        <a:lnSpc>
+                          <a:spcPts val="1500"/>
+                        </a:lnSpc>
+                        <a:spcBef>
+                          <a:spcPts val="0"/>
+                        </a:spcBef>
+                        <a:spcAft>
+                          <a:spcPts val="0"/>
+                        </a:spcAft>
+                        <a:buClrTx/>
+                        <a:buSzTx/>
+                        <a:buFontTx/>
+                        <a:buNone/>
+                        <a:tabLst/>
+                        <a:defRPr/>
+                      </a:pPr>
+                      <a:r>
+                        <a:rPr lang="en-US" altLang="zh-CN" dirty="0" err="1">
+                          <a:latin typeface="Times New Roman" panose="02020603050405020304" pitchFamily="18" charset="0"/>
+                          <a:ea typeface="標楷體" panose="03000509000000000000" pitchFamily="65" charset="-120"/>
+                          <a:cs typeface="Times New Roman" panose="02020603050405020304" pitchFamily="18" charset="0"/>
+                        </a:rPr>
+                        <a:t>FeO</a:t>
+                      </a:r>
+                      <a:endParaRPr lang="zh-TW" altLang="en-US" dirty="0">
+                        <a:latin typeface="Times New Roman" panose="02020603050405020304" pitchFamily="18" charset="0"/>
+                        <a:ea typeface="標楷體" panose="03000509000000000000" pitchFamily="65" charset="-120"/>
+                        <a:cs typeface="Times New Roman" panose="02020603050405020304" pitchFamily="18" charset="0"/>
+                      </a:endParaRPr>
+                    </a:p>
+                  </a:txBody>
+                  <a:tcPr anchor="ctr"/>
+                </a:tc>
+                <a:tc>
+                  <a:txBody>
+                    <a:bodyPr/>
+                    <a:lstStyle/>
+                    <a:p>
+                      <a:pPr marL="0" marR="0" indent="0" algn="ctr" defTabSz="914400" rtl="0" eaLnBrk="1" fontAlgn="auto" latinLnBrk="0" hangingPunct="1">
+                        <a:lnSpc>
+                          <a:spcPts val="1500"/>
+                        </a:lnSpc>
+                        <a:spcBef>
+                          <a:spcPts val="0"/>
+                        </a:spcBef>
+                        <a:spcAft>
+                          <a:spcPts val="0"/>
+                        </a:spcAft>
+                        <a:buClrTx/>
+                        <a:buSzTx/>
+                        <a:buFontTx/>
+                        <a:buNone/>
+                        <a:tabLst/>
+                        <a:defRPr/>
+                      </a:pPr>
+                      <a:r>
+                        <a:rPr lang="en-US" altLang="zh-CN" dirty="0">
+                          <a:latin typeface="Times New Roman" panose="02020603050405020304" pitchFamily="18" charset="0"/>
+                          <a:ea typeface="標楷體" panose="03000509000000000000" pitchFamily="65" charset="-120"/>
+                          <a:cs typeface="Times New Roman" panose="02020603050405020304" pitchFamily="18" charset="0"/>
+                        </a:rPr>
+                        <a:t>Fe</a:t>
+                      </a:r>
+                      <a:r>
+                        <a:rPr lang="en-US" altLang="zh-CN" baseline="-25000" dirty="0">
+                          <a:latin typeface="Times New Roman" panose="02020603050405020304" pitchFamily="18" charset="0"/>
+                          <a:ea typeface="標楷體" panose="03000509000000000000" pitchFamily="65" charset="-120"/>
+                          <a:cs typeface="Times New Roman" panose="02020603050405020304" pitchFamily="18" charset="0"/>
+                        </a:rPr>
+                        <a:t>2</a:t>
+                      </a:r>
+                      <a:r>
+                        <a:rPr lang="en-US" altLang="zh-CN" dirty="0">
+                          <a:latin typeface="Times New Roman" panose="02020603050405020304" pitchFamily="18" charset="0"/>
+                          <a:ea typeface="標楷體" panose="03000509000000000000" pitchFamily="65" charset="-120"/>
+                          <a:cs typeface="Times New Roman" panose="02020603050405020304" pitchFamily="18" charset="0"/>
+                        </a:rPr>
+                        <a:t>O</a:t>
+                      </a:r>
+                      <a:r>
+                        <a:rPr lang="en-US" altLang="zh-CN" baseline="-25000" dirty="0">
+                          <a:latin typeface="Times New Roman" panose="02020603050405020304" pitchFamily="18" charset="0"/>
+                          <a:ea typeface="標楷體" panose="03000509000000000000" pitchFamily="65" charset="-120"/>
+                          <a:cs typeface="Times New Roman" panose="02020603050405020304" pitchFamily="18" charset="0"/>
+                        </a:rPr>
+                        <a:t>3</a:t>
+                      </a:r>
+                      <a:endParaRPr lang="zh-TW" altLang="en-US" baseline="-25000" dirty="0">
+                        <a:latin typeface="Times New Roman" panose="02020603050405020304" pitchFamily="18" charset="0"/>
+                        <a:ea typeface="標楷體" panose="03000509000000000000" pitchFamily="65" charset="-120"/>
+                        <a:cs typeface="Times New Roman" panose="02020603050405020304" pitchFamily="18" charset="0"/>
+                      </a:endParaRPr>
+                    </a:p>
+                  </a:txBody>
+                  <a:tcPr anchor="ctr"/>
+                </a:tc>
+                <a:tc>
+                  <a:txBody>
+                    <a:bodyPr/>
+                    <a:lstStyle/>
+                    <a:p>
+                      <a:pPr marL="0" marR="0" indent="0" algn="ctr" defTabSz="914400" rtl="0" eaLnBrk="1" fontAlgn="auto" latinLnBrk="0" hangingPunct="1">
+                        <a:lnSpc>
+                          <a:spcPts val="1500"/>
+                        </a:lnSpc>
+                        <a:spcBef>
+                          <a:spcPts val="0"/>
+                        </a:spcBef>
+                        <a:spcAft>
+                          <a:spcPts val="0"/>
+                        </a:spcAft>
+                        <a:buClrTx/>
+                        <a:buSzTx/>
+                        <a:buFontTx/>
+                        <a:buNone/>
+                        <a:tabLst/>
+                        <a:defRPr/>
+                      </a:pPr>
+                      <a:r>
+                        <a:rPr lang="en-US" altLang="zh-CN" dirty="0">
+                          <a:latin typeface="Times New Roman" panose="02020603050405020304" pitchFamily="18" charset="0"/>
+                          <a:ea typeface="標楷體" panose="03000509000000000000" pitchFamily="65" charset="-120"/>
+                          <a:cs typeface="Times New Roman" panose="02020603050405020304" pitchFamily="18" charset="0"/>
+                        </a:rPr>
+                        <a:t>Fe</a:t>
+                      </a:r>
+                      <a:r>
+                        <a:rPr lang="en-US" altLang="zh-CN" baseline="-25000" dirty="0">
+                          <a:latin typeface="Times New Roman" panose="02020603050405020304" pitchFamily="18" charset="0"/>
+                          <a:ea typeface="標楷體" panose="03000509000000000000" pitchFamily="65" charset="-120"/>
+                          <a:cs typeface="Times New Roman" panose="02020603050405020304" pitchFamily="18" charset="0"/>
+                        </a:rPr>
+                        <a:t>3</a:t>
+                      </a:r>
+                      <a:r>
+                        <a:rPr lang="en-US" altLang="zh-CN" dirty="0">
+                          <a:latin typeface="Times New Roman" panose="02020603050405020304" pitchFamily="18" charset="0"/>
+                          <a:ea typeface="標楷體" panose="03000509000000000000" pitchFamily="65" charset="-120"/>
+                          <a:cs typeface="Times New Roman" panose="02020603050405020304" pitchFamily="18" charset="0"/>
+                        </a:rPr>
+                        <a:t>O</a:t>
+                      </a:r>
+                      <a:r>
+                        <a:rPr lang="en-US" altLang="zh-CN" baseline="-25000" dirty="0">
+                          <a:latin typeface="Times New Roman" panose="02020603050405020304" pitchFamily="18" charset="0"/>
+                          <a:ea typeface="標楷體" panose="03000509000000000000" pitchFamily="65" charset="-120"/>
+                          <a:cs typeface="Times New Roman" panose="02020603050405020304" pitchFamily="18" charset="0"/>
+                        </a:rPr>
+                        <a:t>4</a:t>
+                      </a:r>
+                      <a:endParaRPr lang="zh-TW" altLang="en-US" baseline="-25000" dirty="0">
+                        <a:latin typeface="Times New Roman" panose="02020603050405020304" pitchFamily="18" charset="0"/>
+                        <a:ea typeface="標楷體" panose="03000509000000000000" pitchFamily="65" charset="-120"/>
+                        <a:cs typeface="Times New Roman" panose="02020603050405020304" pitchFamily="18" charset="0"/>
+                      </a:endParaRPr>
+                    </a:p>
+                  </a:txBody>
+                  <a:tcPr anchor="ctr"/>
+                </a:tc>
+                <a:tc>
+                  <a:txBody>
+                    <a:bodyPr/>
+                    <a:lstStyle/>
+                    <a:p>
+                      <a:pPr marL="0" marR="0" indent="0" algn="ctr" defTabSz="914400" rtl="0" eaLnBrk="1" fontAlgn="auto" latinLnBrk="0" hangingPunct="1">
+                        <a:lnSpc>
+                          <a:spcPts val="1500"/>
+                        </a:lnSpc>
+                        <a:spcBef>
+                          <a:spcPts val="0"/>
+                        </a:spcBef>
+                        <a:spcAft>
+                          <a:spcPts val="0"/>
+                        </a:spcAft>
+                        <a:buClrTx/>
+                        <a:buSzTx/>
+                        <a:buFontTx/>
+                        <a:buNone/>
+                        <a:tabLst/>
+                        <a:defRPr/>
+                      </a:pPr>
+                      <a:r>
+                        <a:rPr lang="en-US" altLang="zh-CN" dirty="0">
+                          <a:latin typeface="Times New Roman" panose="02020603050405020304" pitchFamily="18" charset="0"/>
+                          <a:ea typeface="標楷體" panose="03000509000000000000" pitchFamily="65" charset="-120"/>
+                          <a:cs typeface="Times New Roman" panose="02020603050405020304" pitchFamily="18" charset="0"/>
+                        </a:rPr>
+                        <a:t>Fe</a:t>
+                      </a:r>
+                      <a:endParaRPr lang="zh-TW" altLang="en-US" dirty="0">
+                        <a:latin typeface="Times New Roman" panose="02020603050405020304" pitchFamily="18" charset="0"/>
+                        <a:ea typeface="標楷體" panose="03000509000000000000" pitchFamily="65" charset="-120"/>
+                        <a:cs typeface="Times New Roman" panose="02020603050405020304" pitchFamily="18" charset="0"/>
+                      </a:endParaRPr>
+                    </a:p>
+                  </a:txBody>
+                  <a:tcPr anchor="ctr"/>
+                </a:tc>
+                <a:tc>
+                  <a:txBody>
+                    <a:bodyPr/>
+                    <a:lstStyle/>
+                    <a:p>
+                      <a:pPr marL="0" marR="0" indent="0" algn="ctr" defTabSz="914400" rtl="0" eaLnBrk="1" fontAlgn="auto" latinLnBrk="0" hangingPunct="1">
+                        <a:lnSpc>
+                          <a:spcPts val="1500"/>
+                        </a:lnSpc>
+                        <a:spcBef>
+                          <a:spcPts val="0"/>
+                        </a:spcBef>
+                        <a:spcAft>
+                          <a:spcPts val="0"/>
+                        </a:spcAft>
+                        <a:buClrTx/>
+                        <a:buSzTx/>
+                        <a:buFontTx/>
+                        <a:buNone/>
+                        <a:tabLst/>
+                        <a:defRPr/>
+                      </a:pPr>
+                      <a:r>
+                        <a:rPr lang="en-US" altLang="zh-CN" dirty="0" err="1">
+                          <a:latin typeface="Times New Roman" panose="02020603050405020304" pitchFamily="18" charset="0"/>
+                          <a:ea typeface="標楷體" panose="03000509000000000000" pitchFamily="65" charset="-120"/>
+                          <a:cs typeface="Times New Roman" panose="02020603050405020304" pitchFamily="18" charset="0"/>
+                        </a:rPr>
+                        <a:t>FeO</a:t>
+                      </a:r>
+                      <a:endParaRPr lang="zh-TW" altLang="en-US" dirty="0">
+                        <a:latin typeface="Times New Roman" panose="02020603050405020304" pitchFamily="18" charset="0"/>
+                        <a:ea typeface="標楷體" panose="03000509000000000000" pitchFamily="65" charset="-120"/>
+                        <a:cs typeface="Times New Roman" panose="02020603050405020304" pitchFamily="18" charset="0"/>
+                      </a:endParaRPr>
+                    </a:p>
+                  </a:txBody>
+                  <a:tcPr anchor="ctr"/>
+                </a:tc>
+                <a:tc>
+                  <a:txBody>
+                    <a:bodyPr/>
+                    <a:lstStyle/>
+                    <a:p>
+                      <a:pPr marL="0" marR="0" indent="0" algn="ctr" defTabSz="914400" rtl="0" eaLnBrk="1" fontAlgn="auto" latinLnBrk="0" hangingPunct="1">
+                        <a:lnSpc>
+                          <a:spcPts val="1500"/>
+                        </a:lnSpc>
+                        <a:spcBef>
+                          <a:spcPts val="0"/>
+                        </a:spcBef>
+                        <a:spcAft>
+                          <a:spcPts val="0"/>
+                        </a:spcAft>
+                        <a:buClrTx/>
+                        <a:buSzTx/>
+                        <a:buFontTx/>
+                        <a:buNone/>
+                        <a:tabLst/>
+                        <a:defRPr/>
+                      </a:pPr>
+                      <a:r>
+                        <a:rPr lang="en-US" altLang="zh-CN" dirty="0">
+                          <a:latin typeface="Times New Roman" panose="02020603050405020304" pitchFamily="18" charset="0"/>
+                          <a:ea typeface="標楷體" panose="03000509000000000000" pitchFamily="65" charset="-120"/>
+                          <a:cs typeface="Times New Roman" panose="02020603050405020304" pitchFamily="18" charset="0"/>
+                        </a:rPr>
+                        <a:t>Fe</a:t>
+                      </a:r>
+                      <a:r>
+                        <a:rPr lang="en-US" altLang="zh-CN" baseline="-25000" dirty="0">
+                          <a:latin typeface="Times New Roman" panose="02020603050405020304" pitchFamily="18" charset="0"/>
+                          <a:ea typeface="標楷體" panose="03000509000000000000" pitchFamily="65" charset="-120"/>
+                          <a:cs typeface="Times New Roman" panose="02020603050405020304" pitchFamily="18" charset="0"/>
+                        </a:rPr>
+                        <a:t>2</a:t>
+                      </a:r>
+                      <a:r>
+                        <a:rPr lang="en-US" altLang="zh-CN" dirty="0">
+                          <a:latin typeface="Times New Roman" panose="02020603050405020304" pitchFamily="18" charset="0"/>
+                          <a:ea typeface="標楷體" panose="03000509000000000000" pitchFamily="65" charset="-120"/>
+                          <a:cs typeface="Times New Roman" panose="02020603050405020304" pitchFamily="18" charset="0"/>
+                        </a:rPr>
+                        <a:t>O</a:t>
+                      </a:r>
+                      <a:r>
+                        <a:rPr lang="en-US" altLang="zh-CN" baseline="-25000" dirty="0">
+                          <a:latin typeface="Times New Roman" panose="02020603050405020304" pitchFamily="18" charset="0"/>
+                          <a:ea typeface="標楷體" panose="03000509000000000000" pitchFamily="65" charset="-120"/>
+                          <a:cs typeface="Times New Roman" panose="02020603050405020304" pitchFamily="18" charset="0"/>
+                        </a:rPr>
+                        <a:t>3</a:t>
+                      </a:r>
+                      <a:endParaRPr lang="zh-TW" altLang="en-US" baseline="-25000" dirty="0">
+                        <a:latin typeface="Times New Roman" panose="02020603050405020304" pitchFamily="18" charset="0"/>
+                        <a:ea typeface="標楷體" panose="03000509000000000000" pitchFamily="65" charset="-120"/>
+                        <a:cs typeface="Times New Roman" panose="02020603050405020304" pitchFamily="18" charset="0"/>
+                      </a:endParaRPr>
+                    </a:p>
+                  </a:txBody>
+                  <a:tcPr anchor="ctr"/>
+                </a:tc>
+                <a:tc>
+                  <a:txBody>
+                    <a:bodyPr/>
+                    <a:lstStyle/>
+                    <a:p>
+                      <a:pPr marL="0" marR="0" indent="0" algn="ctr" defTabSz="914400" rtl="0" eaLnBrk="1" fontAlgn="auto" latinLnBrk="0" hangingPunct="1">
+                        <a:lnSpc>
+                          <a:spcPts val="1500"/>
+                        </a:lnSpc>
+                        <a:spcBef>
+                          <a:spcPts val="0"/>
+                        </a:spcBef>
+                        <a:spcAft>
+                          <a:spcPts val="0"/>
+                        </a:spcAft>
+                        <a:buClrTx/>
+                        <a:buSzTx/>
+                        <a:buFontTx/>
+                        <a:buNone/>
+                        <a:tabLst/>
+                        <a:defRPr/>
+                      </a:pPr>
+                      <a:r>
+                        <a:rPr lang="en-US" altLang="zh-CN" dirty="0">
+                          <a:latin typeface="Times New Roman" panose="02020603050405020304" pitchFamily="18" charset="0"/>
+                          <a:ea typeface="標楷體" panose="03000509000000000000" pitchFamily="65" charset="-120"/>
+                          <a:cs typeface="Times New Roman" panose="02020603050405020304" pitchFamily="18" charset="0"/>
+                        </a:rPr>
+                        <a:t>Fe</a:t>
+                      </a:r>
+                      <a:r>
+                        <a:rPr lang="en-US" altLang="zh-CN" baseline="-25000" dirty="0">
+                          <a:latin typeface="Times New Roman" panose="02020603050405020304" pitchFamily="18" charset="0"/>
+                          <a:ea typeface="標楷體" panose="03000509000000000000" pitchFamily="65" charset="-120"/>
+                          <a:cs typeface="Times New Roman" panose="02020603050405020304" pitchFamily="18" charset="0"/>
+                        </a:rPr>
+                        <a:t>3</a:t>
+                      </a:r>
+                      <a:r>
+                        <a:rPr lang="en-US" altLang="zh-CN" dirty="0">
+                          <a:latin typeface="Times New Roman" panose="02020603050405020304" pitchFamily="18" charset="0"/>
+                          <a:ea typeface="標楷體" panose="03000509000000000000" pitchFamily="65" charset="-120"/>
+                          <a:cs typeface="Times New Roman" panose="02020603050405020304" pitchFamily="18" charset="0"/>
+                        </a:rPr>
+                        <a:t>O</a:t>
+                      </a:r>
+                      <a:r>
+                        <a:rPr lang="en-US" altLang="zh-CN" baseline="-25000" dirty="0">
+                          <a:latin typeface="Times New Roman" panose="02020603050405020304" pitchFamily="18" charset="0"/>
+                          <a:ea typeface="標楷體" panose="03000509000000000000" pitchFamily="65" charset="-120"/>
+                          <a:cs typeface="Times New Roman" panose="02020603050405020304" pitchFamily="18" charset="0"/>
+                        </a:rPr>
+                        <a:t>4</a:t>
+                      </a:r>
+                      <a:endParaRPr lang="zh-TW" altLang="en-US" baseline="-25000" dirty="0">
+                        <a:latin typeface="Times New Roman" panose="02020603050405020304" pitchFamily="18" charset="0"/>
+                        <a:ea typeface="標楷體" panose="03000509000000000000" pitchFamily="65" charset="-120"/>
+                        <a:cs typeface="Times New Roman" panose="02020603050405020304" pitchFamily="18" charset="0"/>
+                      </a:endParaRPr>
+                    </a:p>
+                  </a:txBody>
+                  <a:tcPr anchor="ctr"/>
+                </a:tc>
+                <a:extLst>
+                  <a:ext uri="{0D108BD9-81ED-4DB2-BD59-A6C34878D82A}">
+                    <a16:rowId xmlns:a16="http://schemas.microsoft.com/office/drawing/2014/main" val="10003"/>
+                  </a:ext>
+                </a:extLst>
+              </a:tr>
+              <a:tr h="365760">
+                <a:tc vMerge="1">
+                  <a:txBody>
+                    <a:bodyPr/>
+                    <a:lstStyle/>
+                    <a:p>
+                      <a:pPr marL="0" marR="0" indent="0" algn="ctr" defTabSz="914400" rtl="0" eaLnBrk="1" fontAlgn="auto" latinLnBrk="0" hangingPunct="1">
+                        <a:lnSpc>
+                          <a:spcPct val="100000"/>
+                        </a:lnSpc>
+                        <a:spcBef>
+                          <a:spcPts val="0"/>
+                        </a:spcBef>
+                        <a:spcAft>
+                          <a:spcPts val="0"/>
+                        </a:spcAft>
+                        <a:buClrTx/>
+                        <a:buSzTx/>
+                        <a:buFontTx/>
+                        <a:buNone/>
+                        <a:tabLst/>
+                        <a:defRPr/>
+                      </a:pPr>
+                      <a:endParaRPr lang="zh-TW" altLang="en-US" dirty="0">
+                        <a:latin typeface="Times New Roman" panose="02020603050405020304" pitchFamily="18" charset="0"/>
+                        <a:ea typeface="標楷體" panose="03000509000000000000" pitchFamily="65" charset="-120"/>
+                        <a:cs typeface="Times New Roman" panose="02020603050405020304" pitchFamily="18" charset="0"/>
+                      </a:endParaRPr>
+                    </a:p>
+                  </a:txBody>
+                  <a:tcPr anchor="ctr"/>
+                </a:tc>
+                <a:tc>
+                  <a:txBody>
+                    <a:bodyPr/>
+                    <a:lstStyle/>
+                    <a:p>
+                      <a:pPr marL="0" marR="0" indent="0" algn="ctr" defTabSz="914400" rtl="0" eaLnBrk="1" fontAlgn="auto" latinLnBrk="0" hangingPunct="1">
+                        <a:lnSpc>
+                          <a:spcPts val="1500"/>
+                        </a:lnSpc>
+                        <a:spcBef>
+                          <a:spcPts val="0"/>
+                        </a:spcBef>
+                        <a:spcAft>
+                          <a:spcPts val="0"/>
+                        </a:spcAft>
+                        <a:buClrTx/>
+                        <a:buSzTx/>
+                        <a:buFontTx/>
+                        <a:buNone/>
+                        <a:tabLst/>
+                        <a:defRPr/>
+                      </a:pPr>
+                      <a:r>
+                        <a:rPr lang="zh-CN" altLang="en-US">
+                          <a:latin typeface="Times New Roman" panose="02020603050405020304" pitchFamily="18" charset="0"/>
+                          <a:ea typeface="標楷體" panose="03000509000000000000" pitchFamily="65" charset="-120"/>
+                          <a:cs typeface="Times New Roman" panose="02020603050405020304" pitchFamily="18" charset="0"/>
+                        </a:rPr>
+                        <a:t>比例</a:t>
+                      </a:r>
+                      <a:r>
+                        <a:rPr lang="en-US" altLang="zh-CN">
+                          <a:latin typeface="Times New Roman" panose="02020603050405020304" pitchFamily="18" charset="0"/>
+                          <a:ea typeface="標楷體" panose="03000509000000000000" pitchFamily="65" charset="-120"/>
+                          <a:cs typeface="Times New Roman" panose="02020603050405020304" pitchFamily="18" charset="0"/>
+                        </a:rPr>
+                        <a:t>(%)</a:t>
+                      </a:r>
+                      <a:endParaRPr lang="zh-TW" altLang="en-US" dirty="0">
+                        <a:latin typeface="Times New Roman" panose="02020603050405020304" pitchFamily="18" charset="0"/>
+                        <a:ea typeface="標楷體" panose="03000509000000000000" pitchFamily="65" charset="-120"/>
+                        <a:cs typeface="Times New Roman" panose="02020603050405020304" pitchFamily="18" charset="0"/>
+                      </a:endParaRPr>
+                    </a:p>
+                  </a:txBody>
+                  <a:tcPr anchor="ctr"/>
+                </a:tc>
+                <a:tc>
+                  <a:txBody>
+                    <a:bodyPr/>
+                    <a:lstStyle/>
+                    <a:p>
+                      <a:pPr algn="ctr" fontAlgn="ctr"/>
+                      <a:endParaRPr lang="en-US" altLang="zh-CN" sz="1800" b="0" i="0" u="none" strike="noStrike">
+                        <a:solidFill>
+                          <a:srgbClr val="000000"/>
+                        </a:solidFill>
+                        <a:effectLst/>
+                        <a:latin typeface="Times New Roman" panose="02020603050405020304" pitchFamily="18" charset="0"/>
+                        <a:cs typeface="Times New Roman" panose="02020603050405020304" pitchFamily="18" charset="0"/>
+                      </a:endParaRPr>
+                    </a:p>
+                  </a:txBody>
+                  <a:tcPr marL="9525" marR="9525" marT="9525" marB="0" anchor="ctr"/>
+                </a:tc>
+                <a:tc>
+                  <a:txBody>
+                    <a:bodyPr/>
+                    <a:lstStyle/>
+                    <a:p>
+                      <a:pPr algn="ctr" fontAlgn="ctr"/>
+                      <a:endParaRPr lang="en-US" altLang="zh-CN" sz="1800" b="0" i="0" u="none" strike="noStrike">
+                        <a:solidFill>
+                          <a:srgbClr val="000000"/>
+                        </a:solidFill>
+                        <a:effectLst/>
+                        <a:latin typeface="Times New Roman" panose="02020603050405020304" pitchFamily="18" charset="0"/>
+                        <a:cs typeface="Times New Roman" panose="02020603050405020304" pitchFamily="18" charset="0"/>
+                      </a:endParaRPr>
+                    </a:p>
+                  </a:txBody>
+                  <a:tcPr marL="9525" marR="9525" marT="9525" marB="0" anchor="ctr"/>
+                </a:tc>
+                <a:tc>
+                  <a:txBody>
+                    <a:bodyPr/>
+                    <a:lstStyle/>
+                    <a:p>
+                      <a:pPr algn="ctr" fontAlgn="ctr"/>
+                      <a:endParaRPr lang="en-US" altLang="zh-CN" sz="1800" b="0" i="0" u="none" strike="noStrike" dirty="0">
+                        <a:solidFill>
+                          <a:srgbClr val="000000"/>
+                        </a:solidFill>
+                        <a:effectLst/>
+                        <a:latin typeface="Times New Roman" panose="02020603050405020304" pitchFamily="18" charset="0"/>
+                        <a:cs typeface="Times New Roman" panose="02020603050405020304" pitchFamily="18" charset="0"/>
+                      </a:endParaRPr>
+                    </a:p>
+                  </a:txBody>
+                  <a:tcPr marL="9525" marR="9525" marT="9525" marB="0" anchor="ctr"/>
+                </a:tc>
+                <a:tc>
+                  <a:txBody>
+                    <a:bodyPr/>
+                    <a:lstStyle/>
+                    <a:p>
+                      <a:pPr algn="ctr" fontAlgn="ctr"/>
+                      <a:endParaRPr lang="en-US" altLang="zh-CN" sz="1800" b="0" i="0" u="none" strike="noStrike" dirty="0">
+                        <a:solidFill>
+                          <a:srgbClr val="000000"/>
+                        </a:solidFill>
+                        <a:effectLst/>
+                        <a:latin typeface="Times New Roman" panose="02020603050405020304" pitchFamily="18" charset="0"/>
+                        <a:cs typeface="Times New Roman" panose="02020603050405020304" pitchFamily="18" charset="0"/>
+                      </a:endParaRPr>
+                    </a:p>
+                  </a:txBody>
+                  <a:tcPr marL="9525" marR="9525" marT="9525" marB="0" anchor="ctr"/>
+                </a:tc>
+                <a:tc>
+                  <a:txBody>
+                    <a:bodyPr/>
+                    <a:lstStyle/>
+                    <a:p>
+                      <a:pPr algn="ctr" fontAlgn="ctr"/>
+                      <a:endParaRPr lang="en-US" altLang="zh-CN" sz="1800" b="0" i="0" u="none" strike="noStrike">
+                        <a:solidFill>
+                          <a:srgbClr val="000000"/>
+                        </a:solidFill>
+                        <a:effectLst/>
+                        <a:latin typeface="Times New Roman" panose="02020603050405020304" pitchFamily="18" charset="0"/>
+                        <a:cs typeface="Times New Roman" panose="02020603050405020304" pitchFamily="18" charset="0"/>
+                      </a:endParaRPr>
+                    </a:p>
+                  </a:txBody>
+                  <a:tcPr marL="9525" marR="9525" marT="9525" marB="0" anchor="ctr"/>
+                </a:tc>
+                <a:tc>
+                  <a:txBody>
+                    <a:bodyPr/>
+                    <a:lstStyle/>
+                    <a:p>
+                      <a:pPr algn="ctr" fontAlgn="ctr"/>
+                      <a:endParaRPr lang="en-US" altLang="zh-CN" sz="1800" b="0" i="0" u="none" strike="noStrike">
+                        <a:solidFill>
+                          <a:srgbClr val="000000"/>
+                        </a:solidFill>
+                        <a:effectLst/>
+                        <a:latin typeface="Times New Roman" panose="02020603050405020304" pitchFamily="18" charset="0"/>
+                        <a:cs typeface="Times New Roman" panose="02020603050405020304" pitchFamily="18" charset="0"/>
+                      </a:endParaRPr>
+                    </a:p>
+                  </a:txBody>
+                  <a:tcPr marL="9525" marR="9525" marT="9525" marB="0" anchor="ctr"/>
+                </a:tc>
+                <a:tc>
+                  <a:txBody>
+                    <a:bodyPr/>
+                    <a:lstStyle/>
+                    <a:p>
+                      <a:pPr algn="ctr" fontAlgn="ctr"/>
+                      <a:endParaRPr lang="en-US" altLang="zh-CN" sz="1800" b="0" i="0" u="none" strike="noStrike">
+                        <a:solidFill>
+                          <a:srgbClr val="000000"/>
+                        </a:solidFill>
+                        <a:effectLst/>
+                        <a:latin typeface="Times New Roman" panose="02020603050405020304" pitchFamily="18" charset="0"/>
+                        <a:cs typeface="Times New Roman" panose="02020603050405020304" pitchFamily="18" charset="0"/>
+                      </a:endParaRPr>
+                    </a:p>
+                  </a:txBody>
+                  <a:tcPr marL="9525" marR="9525" marT="9525" marB="0" anchor="ctr"/>
+                </a:tc>
+                <a:tc>
+                  <a:txBody>
+                    <a:bodyPr/>
+                    <a:lstStyle/>
+                    <a:p>
+                      <a:pPr algn="ctr" fontAlgn="ctr"/>
+                      <a:endParaRPr lang="en-US" altLang="zh-CN" sz="1800" b="0" i="0" u="none" strike="noStrike">
+                        <a:solidFill>
+                          <a:srgbClr val="000000"/>
+                        </a:solidFill>
+                        <a:effectLst/>
+                        <a:latin typeface="Times New Roman" panose="02020603050405020304" pitchFamily="18" charset="0"/>
+                        <a:cs typeface="Times New Roman" panose="02020603050405020304" pitchFamily="18" charset="0"/>
+                      </a:endParaRPr>
+                    </a:p>
+                  </a:txBody>
+                  <a:tcPr marL="9525" marR="9525" marT="9525" marB="0" anchor="ctr"/>
+                </a:tc>
+                <a:tc>
+                  <a:txBody>
+                    <a:bodyPr/>
+                    <a:lstStyle/>
+                    <a:p>
+                      <a:pPr algn="ctr" fontAlgn="ctr"/>
+                      <a:endParaRPr lang="en-US" altLang="zh-CN" sz="1800" b="0" i="0" u="none" strike="noStrike">
+                        <a:solidFill>
+                          <a:srgbClr val="000000"/>
+                        </a:solidFill>
+                        <a:effectLst/>
+                        <a:latin typeface="Times New Roman" panose="02020603050405020304" pitchFamily="18" charset="0"/>
+                        <a:cs typeface="Times New Roman" panose="02020603050405020304" pitchFamily="18" charset="0"/>
+                      </a:endParaRPr>
+                    </a:p>
+                  </a:txBody>
+                  <a:tcPr marL="9525" marR="9525" marT="9525" marB="0" anchor="ctr"/>
+                </a:tc>
+                <a:tc>
+                  <a:txBody>
+                    <a:bodyPr/>
+                    <a:lstStyle/>
+                    <a:p>
+                      <a:pPr algn="ctr" fontAlgn="ctr"/>
+                      <a:endParaRPr lang="en-US" altLang="zh-CN" sz="1800" b="0" i="0" u="none" strike="noStrike">
+                        <a:solidFill>
+                          <a:srgbClr val="000000"/>
+                        </a:solidFill>
+                        <a:effectLst/>
+                        <a:latin typeface="Times New Roman" panose="02020603050405020304" pitchFamily="18" charset="0"/>
+                        <a:cs typeface="Times New Roman" panose="02020603050405020304" pitchFamily="18" charset="0"/>
+                      </a:endParaRPr>
+                    </a:p>
+                  </a:txBody>
+                  <a:tcPr marL="9525" marR="9525" marT="9525" marB="0" anchor="ctr"/>
+                </a:tc>
+                <a:tc>
+                  <a:txBody>
+                    <a:bodyPr/>
+                    <a:lstStyle/>
+                    <a:p>
+                      <a:pPr algn="ctr" fontAlgn="ctr"/>
+                      <a:endParaRPr lang="en-US" altLang="zh-CN" sz="1800" b="0" i="0" u="none" strike="noStrike" dirty="0">
+                        <a:solidFill>
+                          <a:srgbClr val="000000"/>
+                        </a:solidFill>
+                        <a:effectLst/>
+                        <a:latin typeface="Times New Roman" panose="02020603050405020304" pitchFamily="18" charset="0"/>
+                        <a:cs typeface="Times New Roman" panose="02020603050405020304" pitchFamily="18" charset="0"/>
+                      </a:endParaRPr>
+                    </a:p>
+                  </a:txBody>
+                  <a:tcPr marL="9525" marR="9525" marT="9525" marB="0" anchor="ctr"/>
+                </a:tc>
+                <a:tc>
+                  <a:txBody>
+                    <a:bodyPr/>
+                    <a:lstStyle/>
+                    <a:p>
+                      <a:pPr algn="ctr" fontAlgn="ctr"/>
+                      <a:endParaRPr lang="en-US" altLang="zh-CN" sz="1800" b="0" i="0" u="none" strike="noStrike" dirty="0">
+                        <a:solidFill>
+                          <a:srgbClr val="000000"/>
+                        </a:solidFill>
+                        <a:effectLst/>
+                        <a:latin typeface="Times New Roman" panose="02020603050405020304" pitchFamily="18" charset="0"/>
+                        <a:cs typeface="Times New Roman" panose="02020603050405020304" pitchFamily="18" charset="0"/>
+                      </a:endParaRPr>
+                    </a:p>
+                  </a:txBody>
+                  <a:tcPr marL="9525" marR="9525" marT="9525" marB="0" anchor="ctr"/>
+                </a:tc>
+                <a:extLst>
+                  <a:ext uri="{0D108BD9-81ED-4DB2-BD59-A6C34878D82A}">
+                    <a16:rowId xmlns:a16="http://schemas.microsoft.com/office/drawing/2014/main" val="10004"/>
+                  </a:ext>
+                </a:extLst>
+              </a:tr>
+              <a:tr h="1950908">
+                <a:tc rowSpan="3">
+                  <a:txBody>
+                    <a:bodyPr/>
+                    <a:lstStyle/>
+                    <a:p>
+                      <a:pPr marL="0" marR="0" indent="0" algn="ctr" defTabSz="914400" rtl="0" eaLnBrk="1" fontAlgn="auto" latinLnBrk="0" hangingPunct="1">
+                        <a:lnSpc>
+                          <a:spcPct val="100000"/>
+                        </a:lnSpc>
+                        <a:spcBef>
+                          <a:spcPts val="0"/>
+                        </a:spcBef>
+                        <a:spcAft>
+                          <a:spcPts val="0"/>
+                        </a:spcAft>
+                        <a:buClrTx/>
+                        <a:buSzTx/>
+                        <a:buFontTx/>
+                        <a:buNone/>
+                        <a:tabLst/>
+                        <a:defRPr/>
+                      </a:pPr>
+                      <a:r>
+                        <a:rPr lang="zh-CN" altLang="en-US" dirty="0">
+                          <a:latin typeface="Times New Roman" panose="02020603050405020304" pitchFamily="18" charset="0"/>
+                          <a:ea typeface="標楷體" panose="03000509000000000000" pitchFamily="65" charset="-120"/>
+                          <a:cs typeface="Times New Roman" panose="02020603050405020304" pitchFamily="18" charset="0"/>
+                        </a:rPr>
+                        <a:t>下表面</a:t>
+                      </a:r>
+                      <a:endParaRPr lang="zh-TW" altLang="en-US" dirty="0">
+                        <a:latin typeface="Times New Roman" panose="02020603050405020304" pitchFamily="18" charset="0"/>
+                        <a:ea typeface="標楷體" panose="03000509000000000000" pitchFamily="65" charset="-120"/>
+                        <a:cs typeface="Times New Roman" panose="02020603050405020304" pitchFamily="18" charset="0"/>
+                      </a:endParaRPr>
+                    </a:p>
+                  </a:txBody>
+                  <a:tcPr anchor="ctr"/>
+                </a:tc>
+                <a:tc>
+                  <a:txBody>
+                    <a:bodyPr/>
+                    <a:lstStyle/>
+                    <a:p>
+                      <a:pPr marL="0" marR="0" indent="0" algn="ctr" defTabSz="914400" rtl="0" eaLnBrk="1" fontAlgn="auto" latinLnBrk="0" hangingPunct="1">
+                        <a:lnSpc>
+                          <a:spcPct val="100000"/>
+                        </a:lnSpc>
+                        <a:spcBef>
+                          <a:spcPts val="0"/>
+                        </a:spcBef>
+                        <a:spcAft>
+                          <a:spcPts val="0"/>
+                        </a:spcAft>
+                        <a:buClrTx/>
+                        <a:buSzTx/>
+                        <a:buFontTx/>
+                        <a:buNone/>
+                        <a:tabLst/>
+                        <a:defRPr/>
+                      </a:pPr>
+                      <a:r>
+                        <a:rPr lang="zh-CN" altLang="en-US" dirty="0">
+                          <a:latin typeface="Times New Roman" panose="02020603050405020304" pitchFamily="18" charset="0"/>
+                          <a:ea typeface="標楷體" panose="03000509000000000000" pitchFamily="65" charset="-120"/>
+                          <a:cs typeface="Times New Roman" panose="02020603050405020304" pitchFamily="18" charset="0"/>
+                        </a:rPr>
                         <a:t>照片</a:t>
                       </a:r>
                       <a:endParaRPr lang="zh-TW" altLang="en-US" dirty="0">
@@ -9136,7 +12862,7 @@
                   </a:txBody>
                   <a:tcPr anchor="ctr"/>
                 </a:tc>
-                <a:tc>
+                <a:tc gridSpan="4">
                   <a:txBody>
                     <a:bodyPr/>
                     <a:lstStyle/>
@@ -9215,7 +12941,37 @@
                   </a:txBody>
                   <a:tcPr anchor="ctr"/>
                 </a:tc>
-                <a:tc>
+                <a:tc hMerge="1">
+                  <a:txBody>
+                    <a:bodyPr/>
+                    <a:lstStyle/>
+                    <a:p>
+                      <a:endParaRPr lang="en-US"/>
+                    </a:p>
+                  </a:txBody>
+                  <a:tcPr/>
+                </a:tc>
+                <a:tc hMerge="1">
+                  <a:txBody>
+                    <a:bodyPr/>
+                    <a:lstStyle/>
+                    <a:p>
+                      <a:endParaRPr lang="en-US"/>
+                    </a:p>
+                  </a:txBody>
+                  <a:tcPr/>
+                </a:tc>
+                <a:tc hMerge="1">
+                  <a:txBody>
+                    <a:bodyPr/>
+                    <a:lstStyle/>
+                    <a:p>
+                      <a:endParaRPr lang="en-US"/>
+                    </a:p>
+                  </a:txBody>
+                  <a:tcPr/>
+                </a:tc>
+                <a:tc gridSpan="4">
                   <a:txBody>
                     <a:bodyPr/>
                     <a:lstStyle/>
@@ -9246,7 +13002,37 @@
                   </a:txBody>
                   <a:tcPr anchor="ctr"/>
                 </a:tc>
-                <a:tc>
+                <a:tc hMerge="1">
+                  <a:txBody>
+                    <a:bodyPr/>
+                    <a:lstStyle/>
+                    <a:p>
+                      <a:endParaRPr lang="en-US"/>
+                    </a:p>
+                  </a:txBody>
+                  <a:tcPr/>
+                </a:tc>
+                <a:tc hMerge="1">
+                  <a:txBody>
+                    <a:bodyPr/>
+                    <a:lstStyle/>
+                    <a:p>
+                      <a:endParaRPr lang="en-US"/>
+                    </a:p>
+                  </a:txBody>
+                  <a:tcPr/>
+                </a:tc>
+                <a:tc hMerge="1">
+                  <a:txBody>
+                    <a:bodyPr/>
+                    <a:lstStyle/>
+                    <a:p>
+                      <a:endParaRPr lang="en-US"/>
+                    </a:p>
+                  </a:txBody>
+                  <a:tcPr/>
+                </a:tc>
+                <a:tc gridSpan="4">
                   <a:txBody>
                     <a:bodyPr/>
                     <a:lstStyle/>
@@ -9277,9 +13063,1029 @@
                   </a:txBody>
                   <a:tcPr anchor="ctr"/>
                 </a:tc>
+                <a:tc hMerge="1">
+                  <a:txBody>
+                    <a:bodyPr/>
+                    <a:lstStyle/>
+                    <a:p>
+                      <a:endParaRPr lang="en-US"/>
+                    </a:p>
+                  </a:txBody>
+                  <a:tcPr/>
+                </a:tc>
+                <a:tc hMerge="1">
+                  <a:txBody>
+                    <a:bodyPr/>
+                    <a:lstStyle/>
+                    <a:p>
+                      <a:endParaRPr lang="en-US"/>
+                    </a:p>
+                  </a:txBody>
+                  <a:tcPr/>
+                </a:tc>
+                <a:tc hMerge="1">
+                  <a:txBody>
+                    <a:bodyPr/>
+                    <a:lstStyle/>
+                    <a:p>
+                      <a:endParaRPr lang="en-US"/>
+                    </a:p>
+                  </a:txBody>
+                  <a:tcPr/>
+                </a:tc>
                 <a:extLst>
                   <a:ext uri="{0D108BD9-81ED-4DB2-BD59-A6C34878D82A}">
                     <a16:rowId xmlns:a16="http://schemas.microsoft.com/office/drawing/2014/main" val="10005"/>
+                  </a:ext>
+                </a:extLst>
+              </a:tr>
+              <a:tr h="368096">
+                <a:tc vMerge="1">
+                  <a:txBody>
+                    <a:bodyPr/>
+                    <a:lstStyle/>
+                    <a:p>
+                      <a:pPr marL="0" marR="0" indent="0" algn="ctr" defTabSz="914400" rtl="0" eaLnBrk="1" fontAlgn="auto" latinLnBrk="0" hangingPunct="1">
+                        <a:lnSpc>
+                          <a:spcPct val="100000"/>
+                        </a:lnSpc>
+                        <a:spcBef>
+                          <a:spcPts val="0"/>
+                        </a:spcBef>
+                        <a:spcAft>
+                          <a:spcPts val="0"/>
+                        </a:spcAft>
+                        <a:buClrTx/>
+                        <a:buSzTx/>
+                        <a:buFontTx/>
+                        <a:buNone/>
+                        <a:tabLst/>
+                        <a:defRPr/>
+                      </a:pPr>
+                      <a:endParaRPr lang="zh-TW" altLang="en-US" dirty="0">
+                        <a:latin typeface="Times New Roman" panose="02020603050405020304" pitchFamily="18" charset="0"/>
+                        <a:ea typeface="標楷體" panose="03000509000000000000" pitchFamily="65" charset="-120"/>
+                        <a:cs typeface="Times New Roman" panose="02020603050405020304" pitchFamily="18" charset="0"/>
+                      </a:endParaRPr>
+                    </a:p>
+                  </a:txBody>
+                  <a:tcPr anchor="ctr"/>
+                </a:tc>
+                <a:tc>
+                  <a:txBody>
+                    <a:bodyPr/>
+                    <a:lstStyle/>
+                    <a:p>
+                      <a:pPr marL="0" marR="0" indent="0" algn="ctr" defTabSz="914400" rtl="0" eaLnBrk="1" fontAlgn="auto" latinLnBrk="0" hangingPunct="1">
+                        <a:lnSpc>
+                          <a:spcPts val="1500"/>
+                        </a:lnSpc>
+                        <a:spcBef>
+                          <a:spcPts val="0"/>
+                        </a:spcBef>
+                        <a:spcAft>
+                          <a:spcPts val="0"/>
+                        </a:spcAft>
+                        <a:buClrTx/>
+                        <a:buSzTx/>
+                        <a:buFontTx/>
+                        <a:buNone/>
+                        <a:tabLst/>
+                        <a:defRPr/>
+                      </a:pPr>
+                      <a:r>
+                        <a:rPr lang="zh-CN" altLang="en-US" dirty="0">
+                          <a:latin typeface="Times New Roman" panose="02020603050405020304" pitchFamily="18" charset="0"/>
+                          <a:ea typeface="標楷體" panose="03000509000000000000" pitchFamily="65" charset="-120"/>
+                          <a:cs typeface="Times New Roman" panose="02020603050405020304" pitchFamily="18" charset="0"/>
+                        </a:rPr>
+                        <a:t>相</a:t>
+                      </a:r>
+                      <a:endParaRPr lang="zh-TW" altLang="en-US" dirty="0">
+                        <a:latin typeface="Times New Roman" panose="02020603050405020304" pitchFamily="18" charset="0"/>
+                        <a:ea typeface="標楷體" panose="03000509000000000000" pitchFamily="65" charset="-120"/>
+                        <a:cs typeface="Times New Roman" panose="02020603050405020304" pitchFamily="18" charset="0"/>
+                      </a:endParaRPr>
+                    </a:p>
+                  </a:txBody>
+                  <a:tcPr anchor="ctr"/>
+                </a:tc>
+                <a:tc>
+                  <a:txBody>
+                    <a:bodyPr/>
+                    <a:lstStyle/>
+                    <a:p>
+                      <a:pPr marL="0" marR="0" indent="0" algn="ctr" defTabSz="914400" rtl="0" eaLnBrk="1" fontAlgn="auto" latinLnBrk="0" hangingPunct="1">
+                        <a:lnSpc>
+                          <a:spcPts val="1500"/>
+                        </a:lnSpc>
+                        <a:spcBef>
+                          <a:spcPts val="0"/>
+                        </a:spcBef>
+                        <a:spcAft>
+                          <a:spcPts val="0"/>
+                        </a:spcAft>
+                        <a:buClrTx/>
+                        <a:buSzTx/>
+                        <a:buFontTx/>
+                        <a:buNone/>
+                        <a:tabLst/>
+                        <a:defRPr/>
+                      </a:pPr>
+                      <a:r>
+                        <a:rPr lang="en-US" altLang="zh-CN" dirty="0">
+                          <a:latin typeface="Times New Roman" panose="02020603050405020304" pitchFamily="18" charset="0"/>
+                          <a:ea typeface="標楷體" panose="03000509000000000000" pitchFamily="65" charset="-120"/>
+                          <a:cs typeface="Times New Roman" panose="02020603050405020304" pitchFamily="18" charset="0"/>
+                        </a:rPr>
+                        <a:t>Fe</a:t>
+                      </a:r>
+                      <a:endParaRPr lang="zh-TW" altLang="en-US" dirty="0">
+                        <a:latin typeface="Times New Roman" panose="02020603050405020304" pitchFamily="18" charset="0"/>
+                        <a:ea typeface="標楷體" panose="03000509000000000000" pitchFamily="65" charset="-120"/>
+                        <a:cs typeface="Times New Roman" panose="02020603050405020304" pitchFamily="18" charset="0"/>
+                      </a:endParaRPr>
+                    </a:p>
+                  </a:txBody>
+                  <a:tcPr anchor="ctr"/>
+                </a:tc>
+                <a:tc>
+                  <a:txBody>
+                    <a:bodyPr/>
+                    <a:lstStyle/>
+                    <a:p>
+                      <a:pPr marL="0" marR="0" indent="0" algn="ctr" defTabSz="914400" rtl="0" eaLnBrk="1" fontAlgn="auto" latinLnBrk="0" hangingPunct="1">
+                        <a:lnSpc>
+                          <a:spcPts val="1500"/>
+                        </a:lnSpc>
+                        <a:spcBef>
+                          <a:spcPts val="0"/>
+                        </a:spcBef>
+                        <a:spcAft>
+                          <a:spcPts val="0"/>
+                        </a:spcAft>
+                        <a:buClrTx/>
+                        <a:buSzTx/>
+                        <a:buFontTx/>
+                        <a:buNone/>
+                        <a:tabLst/>
+                        <a:defRPr/>
+                      </a:pPr>
+                      <a:r>
+                        <a:rPr lang="en-US" altLang="zh-CN" dirty="0" err="1">
+                          <a:latin typeface="Times New Roman" panose="02020603050405020304" pitchFamily="18" charset="0"/>
+                          <a:ea typeface="標楷體" panose="03000509000000000000" pitchFamily="65" charset="-120"/>
+                          <a:cs typeface="Times New Roman" panose="02020603050405020304" pitchFamily="18" charset="0"/>
+                        </a:rPr>
+                        <a:t>FeO</a:t>
+                      </a:r>
+                      <a:endParaRPr lang="zh-TW" altLang="en-US" dirty="0">
+                        <a:latin typeface="Times New Roman" panose="02020603050405020304" pitchFamily="18" charset="0"/>
+                        <a:ea typeface="標楷體" panose="03000509000000000000" pitchFamily="65" charset="-120"/>
+                        <a:cs typeface="Times New Roman" panose="02020603050405020304" pitchFamily="18" charset="0"/>
+                      </a:endParaRPr>
+                    </a:p>
+                  </a:txBody>
+                  <a:tcPr anchor="ctr"/>
+                </a:tc>
+                <a:tc>
+                  <a:txBody>
+                    <a:bodyPr/>
+                    <a:lstStyle/>
+                    <a:p>
+                      <a:pPr marL="0" marR="0" indent="0" algn="ctr" defTabSz="914400" rtl="0" eaLnBrk="1" fontAlgn="auto" latinLnBrk="0" hangingPunct="1">
+                        <a:lnSpc>
+                          <a:spcPts val="1500"/>
+                        </a:lnSpc>
+                        <a:spcBef>
+                          <a:spcPts val="0"/>
+                        </a:spcBef>
+                        <a:spcAft>
+                          <a:spcPts val="0"/>
+                        </a:spcAft>
+                        <a:buClrTx/>
+                        <a:buSzTx/>
+                        <a:buFontTx/>
+                        <a:buNone/>
+                        <a:tabLst/>
+                        <a:defRPr/>
+                      </a:pPr>
+                      <a:r>
+                        <a:rPr lang="en-US" altLang="zh-CN" dirty="0">
+                          <a:latin typeface="Times New Roman" panose="02020603050405020304" pitchFamily="18" charset="0"/>
+                          <a:ea typeface="標楷體" panose="03000509000000000000" pitchFamily="65" charset="-120"/>
+                          <a:cs typeface="Times New Roman" panose="02020603050405020304" pitchFamily="18" charset="0"/>
+                        </a:rPr>
+                        <a:t>Fe</a:t>
+                      </a:r>
+                      <a:r>
+                        <a:rPr lang="en-US" altLang="zh-CN" baseline="-25000" dirty="0">
+                          <a:latin typeface="Times New Roman" panose="02020603050405020304" pitchFamily="18" charset="0"/>
+                          <a:ea typeface="標楷體" panose="03000509000000000000" pitchFamily="65" charset="-120"/>
+                          <a:cs typeface="Times New Roman" panose="02020603050405020304" pitchFamily="18" charset="0"/>
+                        </a:rPr>
+                        <a:t>2</a:t>
+                      </a:r>
+                      <a:r>
+                        <a:rPr lang="en-US" altLang="zh-CN" dirty="0">
+                          <a:latin typeface="Times New Roman" panose="02020603050405020304" pitchFamily="18" charset="0"/>
+                          <a:ea typeface="標楷體" panose="03000509000000000000" pitchFamily="65" charset="-120"/>
+                          <a:cs typeface="Times New Roman" panose="02020603050405020304" pitchFamily="18" charset="0"/>
+                        </a:rPr>
+                        <a:t>O</a:t>
+                      </a:r>
+                      <a:r>
+                        <a:rPr lang="en-US" altLang="zh-CN" baseline="-25000" dirty="0">
+                          <a:latin typeface="Times New Roman" panose="02020603050405020304" pitchFamily="18" charset="0"/>
+                          <a:ea typeface="標楷體" panose="03000509000000000000" pitchFamily="65" charset="-120"/>
+                          <a:cs typeface="Times New Roman" panose="02020603050405020304" pitchFamily="18" charset="0"/>
+                        </a:rPr>
+                        <a:t>3</a:t>
+                      </a:r>
+                      <a:endParaRPr lang="zh-TW" altLang="en-US" baseline="-25000" dirty="0">
+                        <a:latin typeface="Times New Roman" panose="02020603050405020304" pitchFamily="18" charset="0"/>
+                        <a:ea typeface="標楷體" panose="03000509000000000000" pitchFamily="65" charset="-120"/>
+                        <a:cs typeface="Times New Roman" panose="02020603050405020304" pitchFamily="18" charset="0"/>
+                      </a:endParaRPr>
+                    </a:p>
+                  </a:txBody>
+                  <a:tcPr anchor="ctr"/>
+                </a:tc>
+                <a:tc>
+                  <a:txBody>
+                    <a:bodyPr/>
+                    <a:lstStyle/>
+                    <a:p>
+                      <a:pPr marL="0" marR="0" indent="0" algn="ctr" defTabSz="914400" rtl="0" eaLnBrk="1" fontAlgn="auto" latinLnBrk="0" hangingPunct="1">
+                        <a:lnSpc>
+                          <a:spcPts val="1500"/>
+                        </a:lnSpc>
+                        <a:spcBef>
+                          <a:spcPts val="0"/>
+                        </a:spcBef>
+                        <a:spcAft>
+                          <a:spcPts val="0"/>
+                        </a:spcAft>
+                        <a:buClrTx/>
+                        <a:buSzTx/>
+                        <a:buFontTx/>
+                        <a:buNone/>
+                        <a:tabLst/>
+                        <a:defRPr/>
+                      </a:pPr>
+                      <a:r>
+                        <a:rPr lang="en-US" altLang="zh-CN" dirty="0">
+                          <a:latin typeface="Times New Roman" panose="02020603050405020304" pitchFamily="18" charset="0"/>
+                          <a:ea typeface="標楷體" panose="03000509000000000000" pitchFamily="65" charset="-120"/>
+                          <a:cs typeface="Times New Roman" panose="02020603050405020304" pitchFamily="18" charset="0"/>
+                        </a:rPr>
+                        <a:t>Fe</a:t>
+                      </a:r>
+                      <a:r>
+                        <a:rPr lang="en-US" altLang="zh-CN" baseline="-25000" dirty="0">
+                          <a:latin typeface="Times New Roman" panose="02020603050405020304" pitchFamily="18" charset="0"/>
+                          <a:ea typeface="標楷體" panose="03000509000000000000" pitchFamily="65" charset="-120"/>
+                          <a:cs typeface="Times New Roman" panose="02020603050405020304" pitchFamily="18" charset="0"/>
+                        </a:rPr>
+                        <a:t>3</a:t>
+                      </a:r>
+                      <a:r>
+                        <a:rPr lang="en-US" altLang="zh-CN" dirty="0">
+                          <a:latin typeface="Times New Roman" panose="02020603050405020304" pitchFamily="18" charset="0"/>
+                          <a:ea typeface="標楷體" panose="03000509000000000000" pitchFamily="65" charset="-120"/>
+                          <a:cs typeface="Times New Roman" panose="02020603050405020304" pitchFamily="18" charset="0"/>
+                        </a:rPr>
+                        <a:t>O</a:t>
+                      </a:r>
+                      <a:r>
+                        <a:rPr lang="en-US" altLang="zh-CN" baseline="-25000" dirty="0">
+                          <a:latin typeface="Times New Roman" panose="02020603050405020304" pitchFamily="18" charset="0"/>
+                          <a:ea typeface="標楷體" panose="03000509000000000000" pitchFamily="65" charset="-120"/>
+                          <a:cs typeface="Times New Roman" panose="02020603050405020304" pitchFamily="18" charset="0"/>
+                        </a:rPr>
+                        <a:t>4</a:t>
+                      </a:r>
+                      <a:endParaRPr lang="zh-TW" altLang="en-US" baseline="-25000" dirty="0">
+                        <a:latin typeface="Times New Roman" panose="02020603050405020304" pitchFamily="18" charset="0"/>
+                        <a:ea typeface="標楷體" panose="03000509000000000000" pitchFamily="65" charset="-120"/>
+                        <a:cs typeface="Times New Roman" panose="02020603050405020304" pitchFamily="18" charset="0"/>
+                      </a:endParaRPr>
+                    </a:p>
+                  </a:txBody>
+                  <a:tcPr anchor="ctr"/>
+                </a:tc>
+                <a:tc>
+                  <a:txBody>
+                    <a:bodyPr/>
+                    <a:lstStyle/>
+                    <a:p>
+                      <a:pPr marL="0" marR="0" indent="0" algn="ctr" defTabSz="914400" rtl="0" eaLnBrk="1" fontAlgn="auto" latinLnBrk="0" hangingPunct="1">
+                        <a:lnSpc>
+                          <a:spcPts val="1500"/>
+                        </a:lnSpc>
+                        <a:spcBef>
+                          <a:spcPts val="0"/>
+                        </a:spcBef>
+                        <a:spcAft>
+                          <a:spcPts val="0"/>
+                        </a:spcAft>
+                        <a:buClrTx/>
+                        <a:buSzTx/>
+                        <a:buFontTx/>
+                        <a:buNone/>
+                        <a:tabLst/>
+                        <a:defRPr/>
+                      </a:pPr>
+                      <a:r>
+                        <a:rPr lang="en-US" altLang="zh-CN" dirty="0">
+                          <a:latin typeface="Times New Roman" panose="02020603050405020304" pitchFamily="18" charset="0"/>
+                          <a:ea typeface="標楷體" panose="03000509000000000000" pitchFamily="65" charset="-120"/>
+                          <a:cs typeface="Times New Roman" panose="02020603050405020304" pitchFamily="18" charset="0"/>
+                        </a:rPr>
+                        <a:t>Fe</a:t>
+                      </a:r>
+                      <a:endParaRPr lang="zh-TW" altLang="en-US" dirty="0">
+                        <a:latin typeface="Times New Roman" panose="02020603050405020304" pitchFamily="18" charset="0"/>
+                        <a:ea typeface="標楷體" panose="03000509000000000000" pitchFamily="65" charset="-120"/>
+                        <a:cs typeface="Times New Roman" panose="02020603050405020304" pitchFamily="18" charset="0"/>
+                      </a:endParaRPr>
+                    </a:p>
+                  </a:txBody>
+                  <a:tcPr anchor="ctr"/>
+                </a:tc>
+                <a:tc>
+                  <a:txBody>
+                    <a:bodyPr/>
+                    <a:lstStyle/>
+                    <a:p>
+                      <a:pPr marL="0" marR="0" indent="0" algn="ctr" defTabSz="914400" rtl="0" eaLnBrk="1" fontAlgn="auto" latinLnBrk="0" hangingPunct="1">
+                        <a:lnSpc>
+                          <a:spcPts val="1500"/>
+                        </a:lnSpc>
+                        <a:spcBef>
+                          <a:spcPts val="0"/>
+                        </a:spcBef>
+                        <a:spcAft>
+                          <a:spcPts val="0"/>
+                        </a:spcAft>
+                        <a:buClrTx/>
+                        <a:buSzTx/>
+                        <a:buFontTx/>
+                        <a:buNone/>
+                        <a:tabLst/>
+                        <a:defRPr/>
+                      </a:pPr>
+                      <a:r>
+                        <a:rPr lang="en-US" altLang="zh-CN" dirty="0" err="1">
+                          <a:latin typeface="Times New Roman" panose="02020603050405020304" pitchFamily="18" charset="0"/>
+                          <a:ea typeface="標楷體" panose="03000509000000000000" pitchFamily="65" charset="-120"/>
+                          <a:cs typeface="Times New Roman" panose="02020603050405020304" pitchFamily="18" charset="0"/>
+                        </a:rPr>
+                        <a:t>FeO</a:t>
+                      </a:r>
+                      <a:endParaRPr lang="zh-TW" altLang="en-US" dirty="0">
+                        <a:latin typeface="Times New Roman" panose="02020603050405020304" pitchFamily="18" charset="0"/>
+                        <a:ea typeface="標楷體" panose="03000509000000000000" pitchFamily="65" charset="-120"/>
+                        <a:cs typeface="Times New Roman" panose="02020603050405020304" pitchFamily="18" charset="0"/>
+                      </a:endParaRPr>
+                    </a:p>
+                  </a:txBody>
+                  <a:tcPr anchor="ctr"/>
+                </a:tc>
+                <a:tc>
+                  <a:txBody>
+                    <a:bodyPr/>
+                    <a:lstStyle/>
+                    <a:p>
+                      <a:pPr marL="0" marR="0" indent="0" algn="ctr" defTabSz="914400" rtl="0" eaLnBrk="1" fontAlgn="auto" latinLnBrk="0" hangingPunct="1">
+                        <a:lnSpc>
+                          <a:spcPts val="1500"/>
+                        </a:lnSpc>
+                        <a:spcBef>
+                          <a:spcPts val="0"/>
+                        </a:spcBef>
+                        <a:spcAft>
+                          <a:spcPts val="0"/>
+                        </a:spcAft>
+                        <a:buClrTx/>
+                        <a:buSzTx/>
+                        <a:buFontTx/>
+                        <a:buNone/>
+                        <a:tabLst/>
+                        <a:defRPr/>
+                      </a:pPr>
+                      <a:r>
+                        <a:rPr lang="en-US" altLang="zh-CN" dirty="0">
+                          <a:latin typeface="Times New Roman" panose="02020603050405020304" pitchFamily="18" charset="0"/>
+                          <a:ea typeface="標楷體" panose="03000509000000000000" pitchFamily="65" charset="-120"/>
+                          <a:cs typeface="Times New Roman" panose="02020603050405020304" pitchFamily="18" charset="0"/>
+                        </a:rPr>
+                        <a:t>Fe</a:t>
+                      </a:r>
+                      <a:r>
+                        <a:rPr lang="en-US" altLang="zh-CN" baseline="-25000" dirty="0">
+                          <a:latin typeface="Times New Roman" panose="02020603050405020304" pitchFamily="18" charset="0"/>
+                          <a:ea typeface="標楷體" panose="03000509000000000000" pitchFamily="65" charset="-120"/>
+                          <a:cs typeface="Times New Roman" panose="02020603050405020304" pitchFamily="18" charset="0"/>
+                        </a:rPr>
+                        <a:t>2</a:t>
+                      </a:r>
+                      <a:r>
+                        <a:rPr lang="en-US" altLang="zh-CN" dirty="0">
+                          <a:latin typeface="Times New Roman" panose="02020603050405020304" pitchFamily="18" charset="0"/>
+                          <a:ea typeface="標楷體" panose="03000509000000000000" pitchFamily="65" charset="-120"/>
+                          <a:cs typeface="Times New Roman" panose="02020603050405020304" pitchFamily="18" charset="0"/>
+                        </a:rPr>
+                        <a:t>O</a:t>
+                      </a:r>
+                      <a:r>
+                        <a:rPr lang="en-US" altLang="zh-CN" baseline="-25000" dirty="0">
+                          <a:latin typeface="Times New Roman" panose="02020603050405020304" pitchFamily="18" charset="0"/>
+                          <a:ea typeface="標楷體" panose="03000509000000000000" pitchFamily="65" charset="-120"/>
+                          <a:cs typeface="Times New Roman" panose="02020603050405020304" pitchFamily="18" charset="0"/>
+                        </a:rPr>
+                        <a:t>3</a:t>
+                      </a:r>
+                      <a:endParaRPr lang="zh-TW" altLang="en-US" baseline="-25000" dirty="0">
+                        <a:latin typeface="Times New Roman" panose="02020603050405020304" pitchFamily="18" charset="0"/>
+                        <a:ea typeface="標楷體" panose="03000509000000000000" pitchFamily="65" charset="-120"/>
+                        <a:cs typeface="Times New Roman" panose="02020603050405020304" pitchFamily="18" charset="0"/>
+                      </a:endParaRPr>
+                    </a:p>
+                  </a:txBody>
+                  <a:tcPr anchor="ctr"/>
+                </a:tc>
+                <a:tc>
+                  <a:txBody>
+                    <a:bodyPr/>
+                    <a:lstStyle/>
+                    <a:p>
+                      <a:pPr marL="0" marR="0" indent="0" algn="ctr" defTabSz="914400" rtl="0" eaLnBrk="1" fontAlgn="auto" latinLnBrk="0" hangingPunct="1">
+                        <a:lnSpc>
+                          <a:spcPts val="1500"/>
+                        </a:lnSpc>
+                        <a:spcBef>
+                          <a:spcPts val="0"/>
+                        </a:spcBef>
+                        <a:spcAft>
+                          <a:spcPts val="0"/>
+                        </a:spcAft>
+                        <a:buClrTx/>
+                        <a:buSzTx/>
+                        <a:buFontTx/>
+                        <a:buNone/>
+                        <a:tabLst/>
+                        <a:defRPr/>
+                      </a:pPr>
+                      <a:r>
+                        <a:rPr lang="en-US" altLang="zh-CN" dirty="0">
+                          <a:latin typeface="Times New Roman" panose="02020603050405020304" pitchFamily="18" charset="0"/>
+                          <a:ea typeface="標楷體" panose="03000509000000000000" pitchFamily="65" charset="-120"/>
+                          <a:cs typeface="Times New Roman" panose="02020603050405020304" pitchFamily="18" charset="0"/>
+                        </a:rPr>
+                        <a:t>Fe</a:t>
+                      </a:r>
+                      <a:r>
+                        <a:rPr lang="en-US" altLang="zh-CN" baseline="-25000" dirty="0">
+                          <a:latin typeface="Times New Roman" panose="02020603050405020304" pitchFamily="18" charset="0"/>
+                          <a:ea typeface="標楷體" panose="03000509000000000000" pitchFamily="65" charset="-120"/>
+                          <a:cs typeface="Times New Roman" panose="02020603050405020304" pitchFamily="18" charset="0"/>
+                        </a:rPr>
+                        <a:t>3</a:t>
+                      </a:r>
+                      <a:r>
+                        <a:rPr lang="en-US" altLang="zh-CN" dirty="0">
+                          <a:latin typeface="Times New Roman" panose="02020603050405020304" pitchFamily="18" charset="0"/>
+                          <a:ea typeface="標楷體" panose="03000509000000000000" pitchFamily="65" charset="-120"/>
+                          <a:cs typeface="Times New Roman" panose="02020603050405020304" pitchFamily="18" charset="0"/>
+                        </a:rPr>
+                        <a:t>O</a:t>
+                      </a:r>
+                      <a:r>
+                        <a:rPr lang="en-US" altLang="zh-CN" baseline="-25000" dirty="0">
+                          <a:latin typeface="Times New Roman" panose="02020603050405020304" pitchFamily="18" charset="0"/>
+                          <a:ea typeface="標楷體" panose="03000509000000000000" pitchFamily="65" charset="-120"/>
+                          <a:cs typeface="Times New Roman" panose="02020603050405020304" pitchFamily="18" charset="0"/>
+                        </a:rPr>
+                        <a:t>4</a:t>
+                      </a:r>
+                      <a:endParaRPr lang="zh-TW" altLang="en-US" baseline="-25000" dirty="0">
+                        <a:latin typeface="Times New Roman" panose="02020603050405020304" pitchFamily="18" charset="0"/>
+                        <a:ea typeface="標楷體" panose="03000509000000000000" pitchFamily="65" charset="-120"/>
+                        <a:cs typeface="Times New Roman" panose="02020603050405020304" pitchFamily="18" charset="0"/>
+                      </a:endParaRPr>
+                    </a:p>
+                  </a:txBody>
+                  <a:tcPr anchor="ctr"/>
+                </a:tc>
+                <a:tc>
+                  <a:txBody>
+                    <a:bodyPr/>
+                    <a:lstStyle/>
+                    <a:p>
+                      <a:pPr marL="0" marR="0" indent="0" algn="ctr" defTabSz="914400" rtl="0" eaLnBrk="1" fontAlgn="auto" latinLnBrk="0" hangingPunct="1">
+                        <a:lnSpc>
+                          <a:spcPts val="1500"/>
+                        </a:lnSpc>
+                        <a:spcBef>
+                          <a:spcPts val="0"/>
+                        </a:spcBef>
+                        <a:spcAft>
+                          <a:spcPts val="0"/>
+                        </a:spcAft>
+                        <a:buClrTx/>
+                        <a:buSzTx/>
+                        <a:buFontTx/>
+                        <a:buNone/>
+                        <a:tabLst/>
+                        <a:defRPr/>
+                      </a:pPr>
+                      <a:r>
+                        <a:rPr lang="en-US" altLang="zh-CN" dirty="0">
+                          <a:latin typeface="Times New Roman" panose="02020603050405020304" pitchFamily="18" charset="0"/>
+                          <a:ea typeface="標楷體" panose="03000509000000000000" pitchFamily="65" charset="-120"/>
+                          <a:cs typeface="Times New Roman" panose="02020603050405020304" pitchFamily="18" charset="0"/>
+                        </a:rPr>
+                        <a:t>Fe</a:t>
+                      </a:r>
+                      <a:endParaRPr lang="zh-TW" altLang="en-US" dirty="0">
+                        <a:latin typeface="Times New Roman" panose="02020603050405020304" pitchFamily="18" charset="0"/>
+                        <a:ea typeface="標楷體" panose="03000509000000000000" pitchFamily="65" charset="-120"/>
+                        <a:cs typeface="Times New Roman" panose="02020603050405020304" pitchFamily="18" charset="0"/>
+                      </a:endParaRPr>
+                    </a:p>
+                  </a:txBody>
+                  <a:tcPr anchor="ctr"/>
+                </a:tc>
+                <a:tc>
+                  <a:txBody>
+                    <a:bodyPr/>
+                    <a:lstStyle/>
+                    <a:p>
+                      <a:pPr marL="0" marR="0" indent="0" algn="ctr" defTabSz="914400" rtl="0" eaLnBrk="1" fontAlgn="auto" latinLnBrk="0" hangingPunct="1">
+                        <a:lnSpc>
+                          <a:spcPts val="1500"/>
+                        </a:lnSpc>
+                        <a:spcBef>
+                          <a:spcPts val="0"/>
+                        </a:spcBef>
+                        <a:spcAft>
+                          <a:spcPts val="0"/>
+                        </a:spcAft>
+                        <a:buClrTx/>
+                        <a:buSzTx/>
+                        <a:buFontTx/>
+                        <a:buNone/>
+                        <a:tabLst/>
+                        <a:defRPr/>
+                      </a:pPr>
+                      <a:r>
+                        <a:rPr lang="en-US" altLang="zh-CN" dirty="0" err="1">
+                          <a:latin typeface="Times New Roman" panose="02020603050405020304" pitchFamily="18" charset="0"/>
+                          <a:ea typeface="標楷體" panose="03000509000000000000" pitchFamily="65" charset="-120"/>
+                          <a:cs typeface="Times New Roman" panose="02020603050405020304" pitchFamily="18" charset="0"/>
+                        </a:rPr>
+                        <a:t>FeO</a:t>
+                      </a:r>
+                      <a:endParaRPr lang="zh-TW" altLang="en-US" dirty="0">
+                        <a:latin typeface="Times New Roman" panose="02020603050405020304" pitchFamily="18" charset="0"/>
+                        <a:ea typeface="標楷體" panose="03000509000000000000" pitchFamily="65" charset="-120"/>
+                        <a:cs typeface="Times New Roman" panose="02020603050405020304" pitchFamily="18" charset="0"/>
+                      </a:endParaRPr>
+                    </a:p>
+                  </a:txBody>
+                  <a:tcPr anchor="ctr"/>
+                </a:tc>
+                <a:tc>
+                  <a:txBody>
+                    <a:bodyPr/>
+                    <a:lstStyle/>
+                    <a:p>
+                      <a:pPr marL="0" marR="0" indent="0" algn="ctr" defTabSz="914400" rtl="0" eaLnBrk="1" fontAlgn="auto" latinLnBrk="0" hangingPunct="1">
+                        <a:lnSpc>
+                          <a:spcPts val="1500"/>
+                        </a:lnSpc>
+                        <a:spcBef>
+                          <a:spcPts val="0"/>
+                        </a:spcBef>
+                        <a:spcAft>
+                          <a:spcPts val="0"/>
+                        </a:spcAft>
+                        <a:buClrTx/>
+                        <a:buSzTx/>
+                        <a:buFontTx/>
+                        <a:buNone/>
+                        <a:tabLst/>
+                        <a:defRPr/>
+                      </a:pPr>
+                      <a:r>
+                        <a:rPr lang="en-US" altLang="zh-CN" dirty="0">
+                          <a:latin typeface="Times New Roman" panose="02020603050405020304" pitchFamily="18" charset="0"/>
+                          <a:ea typeface="標楷體" panose="03000509000000000000" pitchFamily="65" charset="-120"/>
+                          <a:cs typeface="Times New Roman" panose="02020603050405020304" pitchFamily="18" charset="0"/>
+                        </a:rPr>
+                        <a:t>Fe</a:t>
+                      </a:r>
+                      <a:r>
+                        <a:rPr lang="en-US" altLang="zh-CN" baseline="-25000" dirty="0">
+                          <a:latin typeface="Times New Roman" panose="02020603050405020304" pitchFamily="18" charset="0"/>
+                          <a:ea typeface="標楷體" panose="03000509000000000000" pitchFamily="65" charset="-120"/>
+                          <a:cs typeface="Times New Roman" panose="02020603050405020304" pitchFamily="18" charset="0"/>
+                        </a:rPr>
+                        <a:t>2</a:t>
+                      </a:r>
+                      <a:r>
+                        <a:rPr lang="en-US" altLang="zh-CN" dirty="0">
+                          <a:latin typeface="Times New Roman" panose="02020603050405020304" pitchFamily="18" charset="0"/>
+                          <a:ea typeface="標楷體" panose="03000509000000000000" pitchFamily="65" charset="-120"/>
+                          <a:cs typeface="Times New Roman" panose="02020603050405020304" pitchFamily="18" charset="0"/>
+                        </a:rPr>
+                        <a:t>O</a:t>
+                      </a:r>
+                      <a:r>
+                        <a:rPr lang="en-US" altLang="zh-CN" baseline="-25000" dirty="0">
+                          <a:latin typeface="Times New Roman" panose="02020603050405020304" pitchFamily="18" charset="0"/>
+                          <a:ea typeface="標楷體" panose="03000509000000000000" pitchFamily="65" charset="-120"/>
+                          <a:cs typeface="Times New Roman" panose="02020603050405020304" pitchFamily="18" charset="0"/>
+                        </a:rPr>
+                        <a:t>3</a:t>
+                      </a:r>
+                      <a:endParaRPr lang="zh-TW" altLang="en-US" baseline="-25000" dirty="0">
+                        <a:latin typeface="Times New Roman" panose="02020603050405020304" pitchFamily="18" charset="0"/>
+                        <a:ea typeface="標楷體" panose="03000509000000000000" pitchFamily="65" charset="-120"/>
+                        <a:cs typeface="Times New Roman" panose="02020603050405020304" pitchFamily="18" charset="0"/>
+                      </a:endParaRPr>
+                    </a:p>
+                  </a:txBody>
+                  <a:tcPr anchor="ctr"/>
+                </a:tc>
+                <a:tc>
+                  <a:txBody>
+                    <a:bodyPr/>
+                    <a:lstStyle/>
+                    <a:p>
+                      <a:pPr marL="0" marR="0" indent="0" algn="ctr" defTabSz="914400" rtl="0" eaLnBrk="1" fontAlgn="auto" latinLnBrk="0" hangingPunct="1">
+                        <a:lnSpc>
+                          <a:spcPts val="1500"/>
+                        </a:lnSpc>
+                        <a:spcBef>
+                          <a:spcPts val="0"/>
+                        </a:spcBef>
+                        <a:spcAft>
+                          <a:spcPts val="0"/>
+                        </a:spcAft>
+                        <a:buClrTx/>
+                        <a:buSzTx/>
+                        <a:buFontTx/>
+                        <a:buNone/>
+                        <a:tabLst/>
+                        <a:defRPr/>
+                      </a:pPr>
+                      <a:r>
+                        <a:rPr lang="en-US" altLang="zh-CN" dirty="0">
+                          <a:latin typeface="Times New Roman" panose="02020603050405020304" pitchFamily="18" charset="0"/>
+                          <a:ea typeface="標楷體" panose="03000509000000000000" pitchFamily="65" charset="-120"/>
+                          <a:cs typeface="Times New Roman" panose="02020603050405020304" pitchFamily="18" charset="0"/>
+                        </a:rPr>
+                        <a:t>Fe</a:t>
+                      </a:r>
+                      <a:r>
+                        <a:rPr lang="en-US" altLang="zh-CN" baseline="-25000" dirty="0">
+                          <a:latin typeface="Times New Roman" panose="02020603050405020304" pitchFamily="18" charset="0"/>
+                          <a:ea typeface="標楷體" panose="03000509000000000000" pitchFamily="65" charset="-120"/>
+                          <a:cs typeface="Times New Roman" panose="02020603050405020304" pitchFamily="18" charset="0"/>
+                        </a:rPr>
+                        <a:t>3</a:t>
+                      </a:r>
+                      <a:r>
+                        <a:rPr lang="en-US" altLang="zh-CN" dirty="0">
+                          <a:latin typeface="Times New Roman" panose="02020603050405020304" pitchFamily="18" charset="0"/>
+                          <a:ea typeface="標楷體" panose="03000509000000000000" pitchFamily="65" charset="-120"/>
+                          <a:cs typeface="Times New Roman" panose="02020603050405020304" pitchFamily="18" charset="0"/>
+                        </a:rPr>
+                        <a:t>O</a:t>
+                      </a:r>
+                      <a:r>
+                        <a:rPr lang="en-US" altLang="zh-CN" baseline="-25000" dirty="0">
+                          <a:latin typeface="Times New Roman" panose="02020603050405020304" pitchFamily="18" charset="0"/>
+                          <a:ea typeface="標楷體" panose="03000509000000000000" pitchFamily="65" charset="-120"/>
+                          <a:cs typeface="Times New Roman" panose="02020603050405020304" pitchFamily="18" charset="0"/>
+                        </a:rPr>
+                        <a:t>4</a:t>
+                      </a:r>
+                      <a:endParaRPr lang="zh-TW" altLang="en-US" baseline="-25000" dirty="0">
+                        <a:latin typeface="Times New Roman" panose="02020603050405020304" pitchFamily="18" charset="0"/>
+                        <a:ea typeface="標楷體" panose="03000509000000000000" pitchFamily="65" charset="-120"/>
+                        <a:cs typeface="Times New Roman" panose="02020603050405020304" pitchFamily="18" charset="0"/>
+                      </a:endParaRPr>
+                    </a:p>
+                  </a:txBody>
+                  <a:tcPr anchor="ctr"/>
+                </a:tc>
+                <a:extLst>
+                  <a:ext uri="{0D108BD9-81ED-4DB2-BD59-A6C34878D82A}">
+                    <a16:rowId xmlns:a16="http://schemas.microsoft.com/office/drawing/2014/main" val="10006"/>
+                  </a:ext>
+                </a:extLst>
+              </a:tr>
+              <a:tr h="368096">
+                <a:tc vMerge="1">
+                  <a:txBody>
+                    <a:bodyPr/>
+                    <a:lstStyle/>
+                    <a:p>
+                      <a:pPr marL="0" marR="0" indent="0" algn="ctr" defTabSz="914400" rtl="0" eaLnBrk="1" fontAlgn="auto" latinLnBrk="0" hangingPunct="1">
+                        <a:lnSpc>
+                          <a:spcPct val="100000"/>
+                        </a:lnSpc>
+                        <a:spcBef>
+                          <a:spcPts val="0"/>
+                        </a:spcBef>
+                        <a:spcAft>
+                          <a:spcPts val="0"/>
+                        </a:spcAft>
+                        <a:buClrTx/>
+                        <a:buSzTx/>
+                        <a:buFontTx/>
+                        <a:buNone/>
+                        <a:tabLst/>
+                        <a:defRPr/>
+                      </a:pPr>
+                      <a:endParaRPr lang="zh-TW" altLang="en-US" dirty="0">
+                        <a:latin typeface="Times New Roman" panose="02020603050405020304" pitchFamily="18" charset="0"/>
+                        <a:ea typeface="標楷體" panose="03000509000000000000" pitchFamily="65" charset="-120"/>
+                        <a:cs typeface="Times New Roman" panose="02020603050405020304" pitchFamily="18" charset="0"/>
+                      </a:endParaRPr>
+                    </a:p>
+                  </a:txBody>
+                  <a:tcPr anchor="ctr"/>
+                </a:tc>
+                <a:tc>
+                  <a:txBody>
+                    <a:bodyPr/>
+                    <a:lstStyle/>
+                    <a:p>
+                      <a:pPr marL="0" marR="0" indent="0" algn="ctr" defTabSz="914400" rtl="0" eaLnBrk="1" fontAlgn="auto" latinLnBrk="0" hangingPunct="1">
+                        <a:lnSpc>
+                          <a:spcPts val="1500"/>
+                        </a:lnSpc>
+                        <a:spcBef>
+                          <a:spcPts val="0"/>
+                        </a:spcBef>
+                        <a:spcAft>
+                          <a:spcPts val="0"/>
+                        </a:spcAft>
+                        <a:buClrTx/>
+                        <a:buSzTx/>
+                        <a:buFontTx/>
+                        <a:buNone/>
+                        <a:tabLst/>
+                        <a:defRPr/>
+                      </a:pPr>
+                      <a:r>
+                        <a:rPr lang="zh-CN" altLang="en-US">
+                          <a:latin typeface="Times New Roman" panose="02020603050405020304" pitchFamily="18" charset="0"/>
+                          <a:ea typeface="標楷體" panose="03000509000000000000" pitchFamily="65" charset="-120"/>
+                          <a:cs typeface="Times New Roman" panose="02020603050405020304" pitchFamily="18" charset="0"/>
+                        </a:rPr>
+                        <a:t>比例</a:t>
+                      </a:r>
+                      <a:r>
+                        <a:rPr lang="en-US" altLang="zh-CN">
+                          <a:latin typeface="Times New Roman" panose="02020603050405020304" pitchFamily="18" charset="0"/>
+                          <a:ea typeface="標楷體" panose="03000509000000000000" pitchFamily="65" charset="-120"/>
+                          <a:cs typeface="Times New Roman" panose="02020603050405020304" pitchFamily="18" charset="0"/>
+                        </a:rPr>
+                        <a:t>(%)</a:t>
+                      </a:r>
+                      <a:endParaRPr lang="zh-TW" altLang="en-US" dirty="0">
+                        <a:latin typeface="Times New Roman" panose="02020603050405020304" pitchFamily="18" charset="0"/>
+                        <a:ea typeface="標楷體" panose="03000509000000000000" pitchFamily="65" charset="-120"/>
+                        <a:cs typeface="Times New Roman" panose="02020603050405020304" pitchFamily="18" charset="0"/>
+                      </a:endParaRPr>
+                    </a:p>
+                  </a:txBody>
+                  <a:tcPr anchor="ctr"/>
+                </a:tc>
+                <a:tc>
+                  <a:txBody>
+                    <a:bodyPr/>
+                    <a:lstStyle/>
+                    <a:p>
+                      <a:pPr algn="ctr" fontAlgn="ctr"/>
+                      <a:endParaRPr lang="en-US" altLang="zh-CN" sz="1800" b="0" i="0" u="none" strike="noStrike">
+                        <a:solidFill>
+                          <a:srgbClr val="000000"/>
+                        </a:solidFill>
+                        <a:effectLst/>
+                        <a:latin typeface="Times New Roman" panose="02020603050405020304" pitchFamily="18" charset="0"/>
+                        <a:cs typeface="Times New Roman" panose="02020603050405020304" pitchFamily="18" charset="0"/>
+                      </a:endParaRPr>
+                    </a:p>
+                  </a:txBody>
+                  <a:tcPr marL="9525" marR="9525" marT="9525" marB="0" anchor="ctr"/>
+                </a:tc>
+                <a:tc>
+                  <a:txBody>
+                    <a:bodyPr/>
+                    <a:lstStyle/>
+                    <a:p>
+                      <a:pPr algn="ctr" fontAlgn="ctr"/>
+                      <a:endParaRPr lang="en-US" altLang="zh-CN" sz="1800" b="0" i="0" u="none" strike="noStrike">
+                        <a:solidFill>
+                          <a:srgbClr val="000000"/>
+                        </a:solidFill>
+                        <a:effectLst/>
+                        <a:latin typeface="Times New Roman" panose="02020603050405020304" pitchFamily="18" charset="0"/>
+                        <a:cs typeface="Times New Roman" panose="02020603050405020304" pitchFamily="18" charset="0"/>
+                      </a:endParaRPr>
+                    </a:p>
+                  </a:txBody>
+                  <a:tcPr marL="9525" marR="9525" marT="9525" marB="0" anchor="ctr"/>
+                </a:tc>
+                <a:tc>
+                  <a:txBody>
+                    <a:bodyPr/>
+                    <a:lstStyle/>
+                    <a:p>
+                      <a:pPr algn="ctr" fontAlgn="ctr"/>
+                      <a:endParaRPr lang="en-US" altLang="zh-CN" sz="1800" b="0" i="0" u="none" strike="noStrike" dirty="0">
+                        <a:solidFill>
+                          <a:srgbClr val="000000"/>
+                        </a:solidFill>
+                        <a:effectLst/>
+                        <a:latin typeface="Times New Roman" panose="02020603050405020304" pitchFamily="18" charset="0"/>
+                        <a:cs typeface="Times New Roman" panose="02020603050405020304" pitchFamily="18" charset="0"/>
+                      </a:endParaRPr>
+                    </a:p>
+                  </a:txBody>
+                  <a:tcPr marL="9525" marR="9525" marT="9525" marB="0" anchor="ctr"/>
+                </a:tc>
+                <a:tc>
+                  <a:txBody>
+                    <a:bodyPr/>
+                    <a:lstStyle/>
+                    <a:p>
+                      <a:pPr algn="ctr" fontAlgn="ctr"/>
+                      <a:endParaRPr lang="en-US" altLang="zh-CN" sz="1800" b="0" i="0" u="none" strike="noStrike" dirty="0">
+                        <a:solidFill>
+                          <a:srgbClr val="000000"/>
+                        </a:solidFill>
+                        <a:effectLst/>
+                        <a:latin typeface="Times New Roman" panose="02020603050405020304" pitchFamily="18" charset="0"/>
+                        <a:cs typeface="Times New Roman" panose="02020603050405020304" pitchFamily="18" charset="0"/>
+                      </a:endParaRPr>
+                    </a:p>
+                  </a:txBody>
+                  <a:tcPr marL="9525" marR="9525" marT="9525" marB="0" anchor="ctr"/>
+                </a:tc>
+                <a:tc>
+                  <a:txBody>
+                    <a:bodyPr/>
+                    <a:lstStyle/>
+                    <a:p>
+                      <a:pPr algn="ctr" fontAlgn="ctr"/>
+                      <a:endParaRPr lang="en-US" altLang="zh-CN" sz="1800" b="0" i="0" u="none" strike="noStrike">
+                        <a:solidFill>
+                          <a:srgbClr val="000000"/>
+                        </a:solidFill>
+                        <a:effectLst/>
+                        <a:latin typeface="Times New Roman" panose="02020603050405020304" pitchFamily="18" charset="0"/>
+                        <a:cs typeface="Times New Roman" panose="02020603050405020304" pitchFamily="18" charset="0"/>
+                      </a:endParaRPr>
+                    </a:p>
+                  </a:txBody>
+                  <a:tcPr marL="9525" marR="9525" marT="9525" marB="0" anchor="ctr"/>
+                </a:tc>
+                <a:tc>
+                  <a:txBody>
+                    <a:bodyPr/>
+                    <a:lstStyle/>
+                    <a:p>
+                      <a:pPr algn="ctr" fontAlgn="ctr"/>
+                      <a:endParaRPr lang="en-US" altLang="zh-CN" sz="1800" b="0" i="0" u="none" strike="noStrike">
+                        <a:solidFill>
+                          <a:srgbClr val="000000"/>
+                        </a:solidFill>
+                        <a:effectLst/>
+                        <a:latin typeface="Times New Roman" panose="02020603050405020304" pitchFamily="18" charset="0"/>
+                        <a:cs typeface="Times New Roman" panose="02020603050405020304" pitchFamily="18" charset="0"/>
+                      </a:endParaRPr>
+                    </a:p>
+                  </a:txBody>
+                  <a:tcPr marL="9525" marR="9525" marT="9525" marB="0" anchor="ctr"/>
+                </a:tc>
+                <a:tc>
+                  <a:txBody>
+                    <a:bodyPr/>
+                    <a:lstStyle/>
+                    <a:p>
+                      <a:pPr algn="ctr" fontAlgn="ctr"/>
+                      <a:endParaRPr lang="en-US" altLang="zh-CN" sz="1800" b="0" i="0" u="none" strike="noStrike" dirty="0">
+                        <a:solidFill>
+                          <a:srgbClr val="000000"/>
+                        </a:solidFill>
+                        <a:effectLst/>
+                        <a:latin typeface="Times New Roman" panose="02020603050405020304" pitchFamily="18" charset="0"/>
+                        <a:cs typeface="Times New Roman" panose="02020603050405020304" pitchFamily="18" charset="0"/>
+                      </a:endParaRPr>
+                    </a:p>
+                  </a:txBody>
+                  <a:tcPr marL="9525" marR="9525" marT="9525" marB="0" anchor="ctr"/>
+                </a:tc>
+                <a:tc>
+                  <a:txBody>
+                    <a:bodyPr/>
+                    <a:lstStyle/>
+                    <a:p>
+                      <a:pPr algn="ctr" fontAlgn="ctr"/>
+                      <a:endParaRPr lang="en-US" altLang="zh-CN" sz="1800" b="0" i="0" u="none" strike="noStrike" dirty="0">
+                        <a:solidFill>
+                          <a:srgbClr val="000000"/>
+                        </a:solidFill>
+                        <a:effectLst/>
+                        <a:latin typeface="Times New Roman" panose="02020603050405020304" pitchFamily="18" charset="0"/>
+                        <a:cs typeface="Times New Roman" panose="02020603050405020304" pitchFamily="18" charset="0"/>
+                      </a:endParaRPr>
+                    </a:p>
+                  </a:txBody>
+                  <a:tcPr marL="9525" marR="9525" marT="9525" marB="0" anchor="ctr"/>
+                </a:tc>
+                <a:tc>
+                  <a:txBody>
+                    <a:bodyPr/>
+                    <a:lstStyle/>
+                    <a:p>
+                      <a:pPr algn="ctr" fontAlgn="ctr"/>
+                      <a:endParaRPr lang="en-US" altLang="zh-CN" sz="1800" b="0" i="0" u="none" strike="noStrike">
+                        <a:solidFill>
+                          <a:srgbClr val="000000"/>
+                        </a:solidFill>
+                        <a:effectLst/>
+                        <a:latin typeface="Times New Roman" panose="02020603050405020304" pitchFamily="18" charset="0"/>
+                        <a:cs typeface="Times New Roman" panose="02020603050405020304" pitchFamily="18" charset="0"/>
+                      </a:endParaRPr>
+                    </a:p>
+                  </a:txBody>
+                  <a:tcPr marL="9525" marR="9525" marT="9525" marB="0" anchor="ctr"/>
+                </a:tc>
+                <a:tc>
+                  <a:txBody>
+                    <a:bodyPr/>
+                    <a:lstStyle/>
+                    <a:p>
+                      <a:pPr algn="ctr" fontAlgn="ctr"/>
+                      <a:endParaRPr lang="en-US" altLang="zh-CN" sz="1800" b="0" i="0" u="none" strike="noStrike">
+                        <a:solidFill>
+                          <a:srgbClr val="000000"/>
+                        </a:solidFill>
+                        <a:effectLst/>
+                        <a:latin typeface="Times New Roman" panose="02020603050405020304" pitchFamily="18" charset="0"/>
+                        <a:cs typeface="Times New Roman" panose="02020603050405020304" pitchFamily="18" charset="0"/>
+                      </a:endParaRPr>
+                    </a:p>
+                  </a:txBody>
+                  <a:tcPr marL="9525" marR="9525" marT="9525" marB="0" anchor="ctr"/>
+                </a:tc>
+                <a:tc>
+                  <a:txBody>
+                    <a:bodyPr/>
+                    <a:lstStyle/>
+                    <a:p>
+                      <a:pPr algn="ctr" fontAlgn="ctr"/>
+                      <a:endParaRPr lang="en-US" altLang="zh-CN" sz="1800" b="0" i="0" u="none" strike="noStrike" dirty="0">
+                        <a:solidFill>
+                          <a:srgbClr val="000000"/>
+                        </a:solidFill>
+                        <a:effectLst/>
+                        <a:latin typeface="Times New Roman" panose="02020603050405020304" pitchFamily="18" charset="0"/>
+                        <a:cs typeface="Times New Roman" panose="02020603050405020304" pitchFamily="18" charset="0"/>
+                      </a:endParaRPr>
+                    </a:p>
+                  </a:txBody>
+                  <a:tcPr marL="9525" marR="9525" marT="9525" marB="0" anchor="ctr"/>
+                </a:tc>
+                <a:tc>
+                  <a:txBody>
+                    <a:bodyPr/>
+                    <a:lstStyle/>
+                    <a:p>
+                      <a:pPr algn="ctr" fontAlgn="ctr"/>
+                      <a:endParaRPr lang="en-US" altLang="zh-CN" sz="1800" b="0" i="0" u="none" strike="noStrike" dirty="0">
+                        <a:solidFill>
+                          <a:srgbClr val="000000"/>
+                        </a:solidFill>
+                        <a:effectLst/>
+                        <a:latin typeface="Times New Roman" panose="02020603050405020304" pitchFamily="18" charset="0"/>
+                        <a:cs typeface="Times New Roman" panose="02020603050405020304" pitchFamily="18" charset="0"/>
+                      </a:endParaRPr>
+                    </a:p>
+                  </a:txBody>
+                  <a:tcPr marL="9525" marR="9525" marT="9525" marB="0" anchor="ctr"/>
+                </a:tc>
+                <a:extLst>
+                  <a:ext uri="{0D108BD9-81ED-4DB2-BD59-A6C34878D82A}">
+                    <a16:rowId xmlns:a16="http://schemas.microsoft.com/office/drawing/2014/main" val="10007"/>
                   </a:ext>
                 </a:extLst>
               </a:tr>
@@ -9290,7 +14096,7 @@
     </p:spTree>
     <p:extLst>
       <p:ext uri="{BB962C8B-B14F-4D97-AF65-F5344CB8AC3E}">
-        <p14:creationId xmlns:p14="http://schemas.microsoft.com/office/powerpoint/2010/main" val="1212513190"/>
+        <p14:creationId xmlns:p14="http://schemas.microsoft.com/office/powerpoint/2010/main" val="2956591765"/>
       </p:ext>
     </p:extLst>
   </p:cSld>
@@ -11015,17 +15821,11 @@
           <p:cNvGraphicFramePr>
             <a:graphicFrameLocks noGrp="1"/>
           </p:cNvGraphicFramePr>
-          <p:nvPr>
-            <p:extLst>
-              <p:ext uri="{D42A27DB-BD31-4B8C-83A1-F6EECF244321}">
-                <p14:modId xmlns:p14="http://schemas.microsoft.com/office/powerpoint/2010/main" val="3020575749"/>
-              </p:ext>
-            </p:extLst>
-          </p:nvPr>
+          <p:nvPr/>
         </p:nvGraphicFramePr>
         <p:xfrm>
           <a:off x="136609" y="573948"/>
-          <a:ext cx="11887199" cy="6163047"/>
+          <a:ext cx="11887197" cy="6163047"/>
         </p:xfrm>
         <a:graphic>
           <a:graphicData uri="http://schemas.openxmlformats.org/drawingml/2006/table">
@@ -11041,55 +15841,34 @@
                     </a:ext>
                   </a:extLst>
                 </a:gridCol>
-                <a:gridCol w="1632320">
+                <a:gridCol w="1634565">
                   <a:extLst>
                     <a:ext uri="{9D8B030D-6E8A-4147-A177-3AD203B41FA5}">
                       <a16:colId xmlns:a16="http://schemas.microsoft.com/office/drawing/2014/main" val="20001"/>
                     </a:ext>
                   </a:extLst>
                 </a:gridCol>
-                <a:gridCol w="1629318">
+                <a:gridCol w="3257887">
                   <a:extLst>
                     <a:ext uri="{9D8B030D-6E8A-4147-A177-3AD203B41FA5}">
                       <a16:colId xmlns:a16="http://schemas.microsoft.com/office/drawing/2014/main" val="20002"/>
                     </a:ext>
                   </a:extLst>
                 </a:gridCol>
-                <a:gridCol w="1629318">
-                  <a:extLst>
-                    <a:ext uri="{9D8B030D-6E8A-4147-A177-3AD203B41FA5}">
-                      <a16:colId xmlns:a16="http://schemas.microsoft.com/office/drawing/2014/main" val="3795221645"/>
-                    </a:ext>
-                  </a:extLst>
-                </a:gridCol>
-                <a:gridCol w="1629318">
+                <a:gridCol w="3257887">
                   <a:extLst>
                     <a:ext uri="{9D8B030D-6E8A-4147-A177-3AD203B41FA5}">
                       <a16:colId xmlns:a16="http://schemas.microsoft.com/office/drawing/2014/main" val="20003"/>
                     </a:ext>
                   </a:extLst>
                 </a:gridCol>
-                <a:gridCol w="1629318">
-                  <a:extLst>
-                    <a:ext uri="{9D8B030D-6E8A-4147-A177-3AD203B41FA5}">
-                      <a16:colId xmlns:a16="http://schemas.microsoft.com/office/drawing/2014/main" val="3614160323"/>
-                    </a:ext>
-                  </a:extLst>
-                </a:gridCol>
-                <a:gridCol w="1629318">
+                <a:gridCol w="3257887">
                   <a:extLst>
                     <a:ext uri="{9D8B030D-6E8A-4147-A177-3AD203B41FA5}">
                       <a16:colId xmlns:a16="http://schemas.microsoft.com/office/drawing/2014/main" val="20004"/>
                     </a:ext>
                   </a:extLst>
                 </a:gridCol>
-                <a:gridCol w="1629318">
-                  <a:extLst>
-                    <a:ext uri="{9D8B030D-6E8A-4147-A177-3AD203B41FA5}">
-                      <a16:colId xmlns:a16="http://schemas.microsoft.com/office/drawing/2014/main" val="3542158680"/>
-                    </a:ext>
-                  </a:extLst>
-                </a:gridCol>
               </a:tblGrid>
               <a:tr h="398930">
                 <a:tc gridSpan="2">
@@ -11125,46 +15904,47 @@
                   </a:txBody>
                   <a:tcPr/>
                 </a:tc>
-                <a:tc gridSpan="6">
+                <a:tc gridSpan="3">
                   <a:txBody>
                     <a:bodyPr/>
                     <a:lstStyle/>
                     <a:p>
                       <a:pPr algn="ctr"/>
                       <a:r>
-                        <a:rPr lang="en-US" altLang="zh-CN" b="1">
-                          <a:latin typeface="Times New Roman" panose="02020603050405020304" pitchFamily="18" charset="0"/>
-                          <a:ea typeface="標楷體" panose="03000509000000000000" pitchFamily="65" charset="-120"/>
-                          <a:cs typeface="Times New Roman" panose="02020603050405020304" pitchFamily="18" charset="0"/>
-                        </a:rPr>
-                        <a:t>SEM</a:t>
-                      </a:r>
-                      <a:r>
-                        <a:rPr lang="zh-TW" altLang="en-US" b="1">
-                          <a:latin typeface="Times New Roman" panose="02020603050405020304" pitchFamily="18" charset="0"/>
-                          <a:ea typeface="標楷體" panose="03000509000000000000" pitchFamily="65" charset="-120"/>
-                          <a:cs typeface="Times New Roman" panose="02020603050405020304" pitchFamily="18" charset="0"/>
-                        </a:rPr>
-                        <a:t>相比例</a:t>
-                      </a:r>
-                      <a:endParaRPr lang="zh-TW" altLang="en-US" b="1" dirty="0">
-                        <a:latin typeface="Times New Roman" panose="02020603050405020304" pitchFamily="18" charset="0"/>
-                        <a:ea typeface="標楷體" panose="03000509000000000000" pitchFamily="65" charset="-120"/>
-                        <a:cs typeface="Times New Roman" panose="02020603050405020304" pitchFamily="18" charset="0"/>
-                      </a:endParaRPr>
-                    </a:p>
-                  </a:txBody>
-                  <a:tcPr anchor="ctr"/>
-                </a:tc>
-                <a:tc hMerge="1">
-                  <a:txBody>
-                    <a:bodyPr/>
-                    <a:lstStyle/>
-                    <a:p>
-                      <a:endParaRPr lang="en-US"/>
-                    </a:p>
-                  </a:txBody>
-                  <a:tcPr/>
+                        <a:rPr lang="zh-CN" altLang="en-US" b="1" dirty="0">
+                          <a:latin typeface="Times New Roman" panose="02020603050405020304" pitchFamily="18" charset="0"/>
+                          <a:ea typeface="標楷體" panose="03000509000000000000" pitchFamily="65" charset="-120"/>
+                          <a:cs typeface="Times New Roman" panose="02020603050405020304" pitchFamily="18" charset="0"/>
+                        </a:rPr>
+                        <a:t>銹皮厚度</a:t>
+                      </a:r>
+                      <a:r>
+                        <a:rPr lang="zh-TW" altLang="en-US" b="1" dirty="0">
+                          <a:latin typeface="Times New Roman" panose="02020603050405020304" pitchFamily="18" charset="0"/>
+                          <a:ea typeface="標楷體" panose="03000509000000000000" pitchFamily="65" charset="-120"/>
+                          <a:cs typeface="Times New Roman" panose="02020603050405020304" pitchFamily="18" charset="0"/>
+                        </a:rPr>
+                        <a:t>量測</a:t>
+                      </a:r>
+                      <a:r>
+                        <a:rPr lang="zh-CN" altLang="en-US" b="1" dirty="0">
+                          <a:latin typeface="Times New Roman" panose="02020603050405020304" pitchFamily="18" charset="0"/>
+                          <a:ea typeface="標楷體" panose="03000509000000000000" pitchFamily="65" charset="-120"/>
+                          <a:cs typeface="Times New Roman" panose="02020603050405020304" pitchFamily="18" charset="0"/>
+                        </a:rPr>
+                        <a:t>及硬度</a:t>
+                      </a:r>
+                      <a:r>
+                        <a:rPr lang="zh-TW" altLang="en-US" b="1" dirty="0">
+                          <a:latin typeface="Times New Roman" panose="02020603050405020304" pitchFamily="18" charset="0"/>
+                          <a:ea typeface="標楷體" panose="03000509000000000000" pitchFamily="65" charset="-120"/>
+                          <a:cs typeface="Times New Roman" panose="02020603050405020304" pitchFamily="18" charset="0"/>
+                        </a:rPr>
+                        <a:t>試驗</a:t>
+                      </a:r>
+                    </a:p>
+                  </a:txBody>
+                  <a:tcPr anchor="ctr"/>
                 </a:tc>
                 <a:tc hMerge="1">
                   <a:txBody>
@@ -11182,31 +15962,11 @@
                     <a:bodyPr/>
                     <a:lstStyle/>
                     <a:p>
-                      <a:endParaRPr lang="en-US"/>
-                    </a:p>
-                  </a:txBody>
-                  <a:tcPr/>
-                </a:tc>
-                <a:tc hMerge="1">
-                  <a:txBody>
-                    <a:bodyPr/>
-                    <a:lstStyle/>
-                    <a:p>
                       <a:pPr algn="ctr"/>
                       <a:endParaRPr lang="zh-TW" altLang="en-US" dirty="0"/>
                     </a:p>
                   </a:txBody>
                   <a:tcPr anchor="ctr"/>
-                </a:tc>
-                <a:tc hMerge="1">
-                  <a:txBody>
-                    <a:bodyPr/>
-                    <a:lstStyle/>
-                    <a:p>
-                      <a:endParaRPr lang="en-US"/>
-                    </a:p>
-                  </a:txBody>
-                  <a:tcPr/>
                 </a:tc>
                 <a:extLst>
                   <a:ext uri="{0D108BD9-81ED-4DB2-BD59-A6C34878D82A}">
@@ -11248,7 +16008,7 @@
                   </a:txBody>
                   <a:tcPr/>
                 </a:tc>
-                <a:tc gridSpan="2">
+                <a:tc>
                   <a:txBody>
                     <a:bodyPr/>
                     <a:lstStyle/>
@@ -11287,17 +16047,7 @@
                   </a:txBody>
                   <a:tcPr anchor="ctr"/>
                 </a:tc>
-                <a:tc hMerge="1">
-                  <a:txBody>
-                    <a:bodyPr/>
-                    <a:lstStyle/>
-                    <a:p>
-                      <a:endParaRPr lang="en-US"/>
-                    </a:p>
-                  </a:txBody>
-                  <a:tcPr/>
-                </a:tc>
-                <a:tc gridSpan="2">
+                <a:tc>
                   <a:txBody>
                     <a:bodyPr/>
                     <a:lstStyle/>
@@ -11336,17 +16086,7 @@
                   </a:txBody>
                   <a:tcPr anchor="ctr"/>
                 </a:tc>
-                <a:tc hMerge="1">
-                  <a:txBody>
-                    <a:bodyPr/>
-                    <a:lstStyle/>
-                    <a:p>
-                      <a:endParaRPr lang="en-US"/>
-                    </a:p>
-                  </a:txBody>
-                  <a:tcPr/>
-                </a:tc>
-                <a:tc gridSpan="2">
+                <a:tc>
                   <a:txBody>
                     <a:bodyPr/>
                     <a:lstStyle/>
@@ -11385,16 +16125,6 @@
                   </a:txBody>
                   <a:tcPr anchor="ctr"/>
                 </a:tc>
-                <a:tc hMerge="1">
-                  <a:txBody>
-                    <a:bodyPr/>
-                    <a:lstStyle/>
-                    <a:p>
-                      <a:endParaRPr lang="en-US"/>
-                    </a:p>
-                  </a:txBody>
-                  <a:tcPr/>
-                </a:tc>
                 <a:extLst>
                   <a:ext uri="{0D108BD9-81ED-4DB2-BD59-A6C34878D82A}">
                     <a16:rowId xmlns:a16="http://schemas.microsoft.com/office/drawing/2014/main" val="10001"/>
@@ -11480,7 +16210,7 @@
                   </a:txBody>
                   <a:tcPr anchor="ctr"/>
                 </a:tc>
-                <a:tc gridSpan="2">
+                <a:tc>
                   <a:txBody>
                     <a:bodyPr/>
                     <a:lstStyle/>
@@ -11503,17 +16233,7 @@
                   </a:txBody>
                   <a:tcPr anchor="ctr"/>
                 </a:tc>
-                <a:tc hMerge="1">
-                  <a:txBody>
-                    <a:bodyPr/>
-                    <a:lstStyle/>
-                    <a:p>
-                      <a:endParaRPr lang="en-US"/>
-                    </a:p>
-                  </a:txBody>
-                  <a:tcPr/>
-                </a:tc>
-                <a:tc gridSpan="2">
+                <a:tc>
                   <a:txBody>
                     <a:bodyPr/>
                     <a:lstStyle/>
@@ -11528,17 +16248,7 @@
                   </a:txBody>
                   <a:tcPr anchor="ctr"/>
                 </a:tc>
-                <a:tc hMerge="1">
-                  <a:txBody>
-                    <a:bodyPr/>
-                    <a:lstStyle/>
-                    <a:p>
-                      <a:endParaRPr lang="en-US"/>
-                    </a:p>
-                  </a:txBody>
-                  <a:tcPr/>
-                </a:tc>
-                <a:tc gridSpan="2">
+                <a:tc>
                   <a:txBody>
                     <a:bodyPr/>
                     <a:lstStyle/>
@@ -11552,16 +16262,6 @@
                     </a:p>
                   </a:txBody>
                   <a:tcPr anchor="ctr"/>
-                </a:tc>
-                <a:tc hMerge="1">
-                  <a:txBody>
-                    <a:bodyPr/>
-                    <a:lstStyle/>
-                    <a:p>
-                      <a:endParaRPr lang="en-US"/>
-                    </a:p>
-                  </a:txBody>
-                  <a:tcPr/>
                 </a:tc>
                 <a:extLst>
                   <a:ext uri="{0D108BD9-81ED-4DB2-BD59-A6C34878D82A}">
@@ -11606,152 +16306,154 @@
                     <a:bodyPr/>
                     <a:lstStyle/>
                     <a:p>
-                      <a:pPr algn="ctr"/>
                       <a:r>
                         <a:rPr lang="zh-CN" altLang="en-US" dirty="0">
                           <a:latin typeface="Times New Roman" panose="02020603050405020304" pitchFamily="18" charset="0"/>
                           <a:ea typeface="標楷體" panose="03000509000000000000" pitchFamily="65" charset="-120"/>
                           <a:cs typeface="Times New Roman" panose="02020603050405020304" pitchFamily="18" charset="0"/>
                         </a:rPr>
-                        <a:t>顏色</a:t>
-                      </a:r>
-                      <a:endParaRPr lang="zh-TW" altLang="en-US" dirty="0">
-                        <a:latin typeface="Times New Roman" panose="02020603050405020304" pitchFamily="18" charset="0"/>
-                        <a:ea typeface="標楷體" panose="03000509000000000000" pitchFamily="65" charset="-120"/>
-                        <a:cs typeface="Times New Roman" panose="02020603050405020304" pitchFamily="18" charset="0"/>
-                      </a:endParaRPr>
-                    </a:p>
-                  </a:txBody>
-                  <a:tcPr anchor="ctr"/>
-                </a:tc>
-                <a:tc>
-                  <a:txBody>
-                    <a:bodyPr/>
-                    <a:lstStyle/>
-                    <a:p>
-                      <a:pPr algn="ctr"/>
-                      <a:r>
-                        <a:rPr lang="zh-CN" altLang="en-US" dirty="0">
-                          <a:latin typeface="Times New Roman" panose="02020603050405020304" pitchFamily="18" charset="0"/>
-                          <a:ea typeface="標楷體" panose="03000509000000000000" pitchFamily="65" charset="-120"/>
-                          <a:cs typeface="Times New Roman" panose="02020603050405020304" pitchFamily="18" charset="0"/>
-                        </a:rPr>
-                        <a:t>白色</a:t>
-                      </a:r>
-                      <a:endParaRPr lang="zh-TW" altLang="en-US" dirty="0">
-                        <a:latin typeface="Times New Roman" panose="02020603050405020304" pitchFamily="18" charset="0"/>
-                        <a:ea typeface="標楷體" panose="03000509000000000000" pitchFamily="65" charset="-120"/>
-                        <a:cs typeface="Times New Roman" panose="02020603050405020304" pitchFamily="18" charset="0"/>
-                      </a:endParaRPr>
-                    </a:p>
-                  </a:txBody>
-                  <a:tcPr anchor="ctr"/>
-                </a:tc>
-                <a:tc>
-                  <a:txBody>
-                    <a:bodyPr/>
-                    <a:lstStyle/>
-                    <a:p>
-                      <a:pPr algn="ctr"/>
-                      <a:r>
-                        <a:rPr lang="zh-CN" altLang="en-US" dirty="0">
-                          <a:latin typeface="Times New Roman" panose="02020603050405020304" pitchFamily="18" charset="0"/>
-                          <a:ea typeface="標楷體" panose="03000509000000000000" pitchFamily="65" charset="-120"/>
-                          <a:cs typeface="Times New Roman" panose="02020603050405020304" pitchFamily="18" charset="0"/>
-                        </a:rPr>
-                        <a:t>灰色</a:t>
-                      </a:r>
-                      <a:endParaRPr lang="zh-TW" altLang="en-US" dirty="0">
-                        <a:latin typeface="Times New Roman" panose="02020603050405020304" pitchFamily="18" charset="0"/>
-                        <a:ea typeface="標楷體" panose="03000509000000000000" pitchFamily="65" charset="-120"/>
-                        <a:cs typeface="Times New Roman" panose="02020603050405020304" pitchFamily="18" charset="0"/>
-                      </a:endParaRPr>
-                    </a:p>
-                  </a:txBody>
-                  <a:tcPr anchor="ctr"/>
-                </a:tc>
-                <a:tc>
-                  <a:txBody>
-                    <a:bodyPr/>
-                    <a:lstStyle/>
-                    <a:p>
-                      <a:pPr algn="ctr"/>
-                      <a:r>
-                        <a:rPr lang="zh-CN" altLang="en-US" dirty="0">
-                          <a:latin typeface="Times New Roman" panose="02020603050405020304" pitchFamily="18" charset="0"/>
-                          <a:ea typeface="標楷體" panose="03000509000000000000" pitchFamily="65" charset="-120"/>
-                          <a:cs typeface="Times New Roman" panose="02020603050405020304" pitchFamily="18" charset="0"/>
-                        </a:rPr>
-                        <a:t>白色</a:t>
-                      </a:r>
-                      <a:endParaRPr lang="zh-TW" altLang="en-US" dirty="0">
-                        <a:latin typeface="Times New Roman" panose="02020603050405020304" pitchFamily="18" charset="0"/>
-                        <a:ea typeface="標楷體" panose="03000509000000000000" pitchFamily="65" charset="-120"/>
-                        <a:cs typeface="Times New Roman" panose="02020603050405020304" pitchFamily="18" charset="0"/>
-                      </a:endParaRPr>
-                    </a:p>
-                  </a:txBody>
-                  <a:tcPr anchor="ctr"/>
-                </a:tc>
-                <a:tc>
-                  <a:txBody>
-                    <a:bodyPr/>
-                    <a:lstStyle/>
-                    <a:p>
-                      <a:pPr algn="ctr"/>
-                      <a:r>
-                        <a:rPr lang="zh-CN" altLang="en-US" dirty="0">
-                          <a:latin typeface="Times New Roman" panose="02020603050405020304" pitchFamily="18" charset="0"/>
-                          <a:ea typeface="標楷體" panose="03000509000000000000" pitchFamily="65" charset="-120"/>
-                          <a:cs typeface="Times New Roman" panose="02020603050405020304" pitchFamily="18" charset="0"/>
-                        </a:rPr>
-                        <a:t>灰色</a:t>
-                      </a:r>
-                      <a:endParaRPr lang="zh-TW" altLang="en-US" dirty="0">
-                        <a:latin typeface="Times New Roman" panose="02020603050405020304" pitchFamily="18" charset="0"/>
-                        <a:ea typeface="標楷體" panose="03000509000000000000" pitchFamily="65" charset="-120"/>
-                        <a:cs typeface="Times New Roman" panose="02020603050405020304" pitchFamily="18" charset="0"/>
-                      </a:endParaRPr>
-                    </a:p>
-                  </a:txBody>
-                  <a:tcPr anchor="ctr"/>
-                </a:tc>
-                <a:tc>
-                  <a:txBody>
-                    <a:bodyPr/>
-                    <a:lstStyle/>
-                    <a:p>
-                      <a:pPr algn="ctr"/>
-                      <a:r>
-                        <a:rPr lang="zh-CN" altLang="en-US" dirty="0">
-                          <a:latin typeface="Times New Roman" panose="02020603050405020304" pitchFamily="18" charset="0"/>
-                          <a:ea typeface="標楷體" panose="03000509000000000000" pitchFamily="65" charset="-120"/>
-                          <a:cs typeface="Times New Roman" panose="02020603050405020304" pitchFamily="18" charset="0"/>
-                        </a:rPr>
-                        <a:t>白色</a:t>
-                      </a:r>
-                      <a:endParaRPr lang="zh-TW" altLang="en-US" dirty="0">
-                        <a:latin typeface="Times New Roman" panose="02020603050405020304" pitchFamily="18" charset="0"/>
-                        <a:ea typeface="標楷體" panose="03000509000000000000" pitchFamily="65" charset="-120"/>
-                        <a:cs typeface="Times New Roman" panose="02020603050405020304" pitchFamily="18" charset="0"/>
-                      </a:endParaRPr>
-                    </a:p>
-                  </a:txBody>
-                  <a:tcPr anchor="ctr"/>
-                </a:tc>
-                <a:tc>
-                  <a:txBody>
-                    <a:bodyPr/>
-                    <a:lstStyle/>
-                    <a:p>
-                      <a:pPr algn="ctr"/>
-                      <a:r>
-                        <a:rPr lang="zh-CN" altLang="en-US" dirty="0">
-                          <a:latin typeface="Times New Roman" panose="02020603050405020304" pitchFamily="18" charset="0"/>
-                          <a:ea typeface="標楷體" panose="03000509000000000000" pitchFamily="65" charset="-120"/>
-                          <a:cs typeface="Times New Roman" panose="02020603050405020304" pitchFamily="18" charset="0"/>
-                        </a:rPr>
-                        <a:t>灰色</a:t>
+                        <a:t>厚度</a:t>
+                      </a:r>
+                      <a:r>
+                        <a:rPr lang="en-US" altLang="zh-CN" dirty="0">
+                          <a:latin typeface="Times New Roman" panose="02020603050405020304" pitchFamily="18" charset="0"/>
+                          <a:ea typeface="標楷體" panose="03000509000000000000" pitchFamily="65" charset="-120"/>
+                          <a:cs typeface="Times New Roman" panose="02020603050405020304" pitchFamily="18" charset="0"/>
+                        </a:rPr>
+                        <a:t>(</a:t>
+                      </a:r>
+                      <a:r>
+                        <a:rPr lang="en-US" altLang="zh-CN" dirty="0" err="1">
+                          <a:latin typeface="Times New Roman" panose="02020603050405020304" pitchFamily="18" charset="0"/>
+                          <a:ea typeface="標楷體" panose="03000509000000000000" pitchFamily="65" charset="-120"/>
+                          <a:cs typeface="Times New Roman" panose="02020603050405020304" pitchFamily="18" charset="0"/>
+                        </a:rPr>
+                        <a:t>μm</a:t>
+                      </a:r>
+                      <a:r>
+                        <a:rPr lang="en-US" altLang="zh-CN" dirty="0">
+                          <a:latin typeface="Times New Roman" panose="02020603050405020304" pitchFamily="18" charset="0"/>
+                          <a:ea typeface="標楷體" panose="03000509000000000000" pitchFamily="65" charset="-120"/>
+                          <a:cs typeface="Times New Roman" panose="02020603050405020304" pitchFamily="18" charset="0"/>
+                        </a:rPr>
+                        <a:t>)</a:t>
+                      </a:r>
+                      <a:endParaRPr lang="zh-TW" altLang="en-US" dirty="0">
+                        <a:latin typeface="Times New Roman" panose="02020603050405020304" pitchFamily="18" charset="0"/>
+                        <a:ea typeface="標楷體" panose="03000509000000000000" pitchFamily="65" charset="-120"/>
+                        <a:cs typeface="Times New Roman" panose="02020603050405020304" pitchFamily="18" charset="0"/>
+                      </a:endParaRPr>
+                    </a:p>
+                  </a:txBody>
+                  <a:tcPr anchor="ctr"/>
+                </a:tc>
+                <a:tc>
+                  <a:txBody>
+                    <a:bodyPr/>
+                    <a:lstStyle/>
+                    <a:p>
+                      <a:pPr marL="0" marR="0" indent="0" algn="ctr" defTabSz="914400" rtl="0" eaLnBrk="1" fontAlgn="auto" latinLnBrk="0" hangingPunct="1">
+                        <a:lnSpc>
+                          <a:spcPct val="100000"/>
+                        </a:lnSpc>
+                        <a:spcBef>
+                          <a:spcPts val="0"/>
+                        </a:spcBef>
+                        <a:spcAft>
+                          <a:spcPts val="0"/>
+                        </a:spcAft>
+                        <a:buClrTx/>
+                        <a:buSzTx/>
+                        <a:buFontTx/>
+                        <a:buNone/>
+                        <a:tabLst/>
+                        <a:defRPr/>
+                      </a:pPr>
+                      <a:r>
+                        <a:rPr lang="en-US" altLang="zh-CN">
+                          <a:latin typeface="Times New Roman" panose="02020603050405020304" pitchFamily="18" charset="0"/>
+                          <a:ea typeface="標楷體" panose="03000509000000000000" pitchFamily="65" charset="-120"/>
+                          <a:cs typeface="Times New Roman" panose="02020603050405020304" pitchFamily="18" charset="0"/>
+                        </a:rPr>
+                        <a:t>T0-1μm</a:t>
+                      </a:r>
+                      <a:endParaRPr lang="zh-TW" altLang="en-US" dirty="0">
+                        <a:latin typeface="Times New Roman" panose="02020603050405020304" pitchFamily="18" charset="0"/>
+                        <a:ea typeface="標楷體" panose="03000509000000000000" pitchFamily="65" charset="-120"/>
+                        <a:cs typeface="Times New Roman" panose="02020603050405020304" pitchFamily="18" charset="0"/>
+                      </a:endParaRPr>
+                    </a:p>
+                  </a:txBody>
+                  <a:tcPr anchor="ctr"/>
+                </a:tc>
+                <a:tc>
+                  <a:txBody>
+                    <a:bodyPr/>
+                    <a:lstStyle/>
+                    <a:p>
+                      <a:pPr marL="0" marR="0" indent="0" algn="ctr" defTabSz="914400" rtl="0" eaLnBrk="1" fontAlgn="auto" latinLnBrk="0" hangingPunct="1">
+                        <a:lnSpc>
+                          <a:spcPct val="100000"/>
+                        </a:lnSpc>
+                        <a:spcBef>
+                          <a:spcPts val="0"/>
+                        </a:spcBef>
+                        <a:spcAft>
+                          <a:spcPts val="0"/>
+                        </a:spcAft>
+                        <a:buClrTx/>
+                        <a:buSzTx/>
+                        <a:buFontTx/>
+                        <a:buNone/>
+                        <a:tabLst/>
+                        <a:defRPr/>
+                      </a:pPr>
+                      <a:r>
+                        <a:rPr lang="en-US" altLang="zh-CN">
+                          <a:latin typeface="Times New Roman" panose="02020603050405020304" pitchFamily="18" charset="0"/>
+                          <a:ea typeface="標楷體" panose="03000509000000000000" pitchFamily="65" charset="-120"/>
+                          <a:cs typeface="Times New Roman" panose="02020603050405020304" pitchFamily="18" charset="0"/>
+                        </a:rPr>
+                        <a:t>T1-1μm</a:t>
+                      </a:r>
+                      <a:endParaRPr lang="zh-TW" altLang="en-US" dirty="0">
+                        <a:latin typeface="Times New Roman" panose="02020603050405020304" pitchFamily="18" charset="0"/>
+                        <a:ea typeface="標楷體" panose="03000509000000000000" pitchFamily="65" charset="-120"/>
+                        <a:cs typeface="Times New Roman" panose="02020603050405020304" pitchFamily="18" charset="0"/>
+                      </a:endParaRPr>
+                    </a:p>
+                  </a:txBody>
+                  <a:tcPr anchor="ctr"/>
+                </a:tc>
+                <a:tc>
+                  <a:txBody>
+                    <a:bodyPr/>
+                    <a:lstStyle/>
+                    <a:p>
+                      <a:pPr marL="0" marR="0" indent="0" algn="ctr" defTabSz="914400" rtl="0" eaLnBrk="1" fontAlgn="auto" latinLnBrk="0" hangingPunct="1">
+                        <a:lnSpc>
+                          <a:spcPct val="100000"/>
+                        </a:lnSpc>
+                        <a:spcBef>
+                          <a:spcPts val="0"/>
+                        </a:spcBef>
+                        <a:spcAft>
+                          <a:spcPts val="0"/>
+                        </a:spcAft>
+                        <a:buClrTx/>
+                        <a:buSzTx/>
+                        <a:buFontTx/>
+                        <a:buNone/>
+                        <a:tabLst/>
+                        <a:defRPr/>
+                      </a:pPr>
+                      <a:r>
+                        <a:rPr lang="en-US" altLang="zh-CN">
+                          <a:latin typeface="Times New Roman" panose="02020603050405020304" pitchFamily="18" charset="0"/>
+                          <a:ea typeface="標楷體" panose="03000509000000000000" pitchFamily="65" charset="-120"/>
+                          <a:cs typeface="Times New Roman" panose="02020603050405020304" pitchFamily="18" charset="0"/>
+                        </a:rPr>
+                        <a:t>T2-1μm</a:t>
                       </a:r>
                       <a:endParaRPr lang="zh-TW" altLang="en-US" dirty="0">
                         <a:latin typeface="Times New Roman" panose="02020603050405020304" pitchFamily="18" charset="0"/>
@@ -11805,271 +16507,115 @@
                     <a:bodyPr/>
                     <a:lstStyle/>
                     <a:p>
+                      <a:r>
+                        <a:rPr lang="zh-CN" altLang="en-US">
+                          <a:latin typeface="Times New Roman" panose="02020603050405020304" pitchFamily="18" charset="0"/>
+                          <a:ea typeface="標楷體" panose="03000509000000000000" pitchFamily="65" charset="-120"/>
+                          <a:cs typeface="Times New Roman" panose="02020603050405020304" pitchFamily="18" charset="0"/>
+                        </a:rPr>
+                        <a:t>硬度</a:t>
+                      </a:r>
+                      <a:r>
+                        <a:rPr lang="en-US" altLang="zh-CN">
+                          <a:latin typeface="Times New Roman" panose="02020603050405020304" pitchFamily="18" charset="0"/>
+                          <a:ea typeface="標楷體" panose="03000509000000000000" pitchFamily="65" charset="-120"/>
+                          <a:cs typeface="Times New Roman" panose="02020603050405020304" pitchFamily="18" charset="0"/>
+                        </a:rPr>
+                        <a:t>(</a:t>
+                      </a:r>
+                      <a:r>
+                        <a:rPr lang="vi-VN" altLang="zh-CN">
+                          <a:latin typeface="Times New Roman" panose="02020603050405020304" pitchFamily="18" charset="0"/>
+                          <a:ea typeface="標楷體" panose="03000509000000000000" pitchFamily="65" charset="-120"/>
+                          <a:cs typeface="Times New Roman" panose="02020603050405020304" pitchFamily="18" charset="0"/>
+                        </a:rPr>
+                        <a:t>HV0.005</a:t>
+                      </a:r>
+                      <a:r>
+                        <a:rPr lang="en-US" altLang="zh-CN">
+                          <a:latin typeface="Times New Roman" panose="02020603050405020304" pitchFamily="18" charset="0"/>
+                          <a:ea typeface="標楷體" panose="03000509000000000000" pitchFamily="65" charset="-120"/>
+                          <a:cs typeface="Times New Roman" panose="02020603050405020304" pitchFamily="18" charset="0"/>
+                        </a:rPr>
+                        <a:t>)</a:t>
+                      </a:r>
+                      <a:endParaRPr lang="zh-TW" altLang="en-US" dirty="0">
+                        <a:latin typeface="Times New Roman" panose="02020603050405020304" pitchFamily="18" charset="0"/>
+                        <a:ea typeface="標楷體" panose="03000509000000000000" pitchFamily="65" charset="-120"/>
+                        <a:cs typeface="Times New Roman" panose="02020603050405020304" pitchFamily="18" charset="0"/>
+                      </a:endParaRPr>
+                    </a:p>
+                  </a:txBody>
+                  <a:tcPr anchor="ctr"/>
+                </a:tc>
+                <a:tc>
+                  <a:txBody>
+                    <a:bodyPr/>
+                    <a:lstStyle/>
+                    <a:p>
                       <a:pPr algn="ctr"/>
                       <a:r>
-                        <a:rPr lang="zh-CN" altLang="en-US">
-                          <a:latin typeface="Times New Roman" panose="02020603050405020304" pitchFamily="18" charset="0"/>
-                          <a:ea typeface="標楷體" panose="03000509000000000000" pitchFamily="65" charset="-120"/>
-                          <a:cs typeface="Times New Roman" panose="02020603050405020304" pitchFamily="18" charset="0"/>
-                        </a:rPr>
-                        <a:t>相比例</a:t>
-                      </a:r>
-                      <a:r>
-                        <a:rPr lang="vi-VN" altLang="zh-CN">
-                          <a:latin typeface="Times New Roman" panose="02020603050405020304" pitchFamily="18" charset="0"/>
-                          <a:ea typeface="標楷體" panose="03000509000000000000" pitchFamily="65" charset="-120"/>
-                          <a:cs typeface="Times New Roman" panose="02020603050405020304" pitchFamily="18" charset="0"/>
-                        </a:rPr>
-                        <a:t>(%)</a:t>
-                      </a:r>
-                      <a:endParaRPr lang="zh-TW" altLang="en-US" dirty="0">
-                        <a:latin typeface="Times New Roman" panose="02020603050405020304" pitchFamily="18" charset="0"/>
-                        <a:ea typeface="標楷體" panose="03000509000000000000" pitchFamily="65" charset="-120"/>
-                        <a:cs typeface="Times New Roman" panose="02020603050405020304" pitchFamily="18" charset="0"/>
-                      </a:endParaRPr>
-                    </a:p>
-                  </a:txBody>
-                  <a:tcPr anchor="ctr"/>
-                </a:tc>
-                <a:tc>
-                  <a:txBody>
-                    <a:bodyPr/>
-                    <a:lstStyle/>
-                    <a:p>
-                      <a:pPr algn="ctr" fontAlgn="ctr"/>
-                      <a:r>
-                        <a:rPr lang="en-US" altLang="zh-CN" sz="1800" b="0" i="0" u="none" strike="noStrike">
-                          <a:solidFill>
-                            <a:srgbClr val="000000"/>
-                          </a:solidFill>
-                          <a:effectLst/>
-                          <a:latin typeface="Times New Roman" panose="02020603050405020304" pitchFamily="18" charset="0"/>
-                          <a:cs typeface="Times New Roman" panose="02020603050405020304" pitchFamily="18" charset="0"/>
-                        </a:rPr>
-                        <a:t>T0</a:t>
-                      </a:r>
-                      <a:r>
-                        <a:rPr lang="vi-VN" altLang="zh-CN" sz="1800" b="0" i="0" u="none" strike="noStrike">
-                          <a:solidFill>
-                            <a:srgbClr val="000000"/>
-                          </a:solidFill>
-                          <a:effectLst/>
-                          <a:latin typeface="Times New Roman" panose="02020603050405020304" pitchFamily="18" charset="0"/>
-                          <a:cs typeface="Times New Roman" panose="02020603050405020304" pitchFamily="18" charset="0"/>
-                        </a:rPr>
-                        <a:t>-1</a:t>
-                      </a:r>
-                      <a:endParaRPr lang="en-US" altLang="zh-CN" sz="1800" b="0" i="0" u="none" strike="noStrike">
-                        <a:solidFill>
-                          <a:srgbClr val="000000"/>
-                        </a:solidFill>
-                        <a:effectLst/>
-                        <a:latin typeface="Times New Roman" panose="02020603050405020304" pitchFamily="18" charset="0"/>
-                        <a:cs typeface="Times New Roman" panose="02020603050405020304" pitchFamily="18" charset="0"/>
-                      </a:endParaRPr>
-                    </a:p>
-                  </a:txBody>
-                  <a:tcPr marL="9525" marR="9525" marT="9525" marB="0" anchor="ctr"/>
-                </a:tc>
-                <a:tc>
-                  <a:txBody>
-                    <a:bodyPr/>
-                    <a:lstStyle/>
-                    <a:p>
-                      <a:pPr algn="ctr" fontAlgn="ctr"/>
-                      <a:r>
-                        <a:rPr lang="en-US" altLang="zh-CN" sz="1800" b="0" i="0" u="none" strike="noStrike">
-                          <a:solidFill>
-                            <a:srgbClr val="000000"/>
-                          </a:solidFill>
-                          <a:effectLst/>
-                          <a:latin typeface="Times New Roman" panose="02020603050405020304" pitchFamily="18" charset="0"/>
-                          <a:cs typeface="Times New Roman" panose="02020603050405020304" pitchFamily="18" charset="0"/>
-                        </a:rPr>
-                        <a:t>T0</a:t>
-                      </a:r>
-                      <a:r>
-                        <a:rPr lang="vi-VN" altLang="zh-CN" sz="1800" b="0" i="0" u="none" strike="noStrike">
-                          <a:solidFill>
-                            <a:srgbClr val="000000"/>
-                          </a:solidFill>
-                          <a:effectLst/>
-                          <a:latin typeface="Times New Roman" panose="02020603050405020304" pitchFamily="18" charset="0"/>
-                          <a:cs typeface="Times New Roman" panose="02020603050405020304" pitchFamily="18" charset="0"/>
-                        </a:rPr>
-                        <a:t>-2</a:t>
-                      </a:r>
-                      <a:endParaRPr lang="en-US" altLang="zh-CN" sz="1800" b="0" i="0" u="none" strike="noStrike" dirty="0">
-                        <a:solidFill>
-                          <a:srgbClr val="000000"/>
-                        </a:solidFill>
-                        <a:effectLst/>
-                        <a:latin typeface="Times New Roman" panose="02020603050405020304" pitchFamily="18" charset="0"/>
-                        <a:cs typeface="Times New Roman" panose="02020603050405020304" pitchFamily="18" charset="0"/>
-                      </a:endParaRPr>
-                    </a:p>
-                  </a:txBody>
-                  <a:tcPr marL="9525" marR="9525" marT="9525" marB="0" anchor="ctr"/>
-                </a:tc>
-                <a:tc>
-                  <a:txBody>
-                    <a:bodyPr/>
-                    <a:lstStyle/>
-                    <a:p>
-                      <a:pPr algn="ctr" fontAlgn="ctr"/>
-                      <a:r>
-                        <a:rPr lang="en-US" altLang="zh-CN" sz="1800" b="0" i="0" u="none" strike="noStrike">
-                          <a:solidFill>
-                            <a:srgbClr val="000000"/>
-                          </a:solidFill>
-                          <a:effectLst/>
-                          <a:latin typeface="Times New Roman" panose="02020603050405020304" pitchFamily="18" charset="0"/>
-                          <a:cs typeface="Times New Roman" panose="02020603050405020304" pitchFamily="18" charset="0"/>
-                        </a:rPr>
-                        <a:t>T1</a:t>
-                      </a:r>
-                      <a:r>
-                        <a:rPr lang="vi-VN" altLang="zh-CN" sz="1800" b="0" i="0" u="none" strike="noStrike">
-                          <a:solidFill>
-                            <a:srgbClr val="000000"/>
-                          </a:solidFill>
-                          <a:effectLst/>
-                          <a:latin typeface="Times New Roman" panose="02020603050405020304" pitchFamily="18" charset="0"/>
-                          <a:cs typeface="Times New Roman" panose="02020603050405020304" pitchFamily="18" charset="0"/>
-                        </a:rPr>
-                        <a:t>-1</a:t>
-                      </a:r>
-                      <a:endParaRPr lang="en-US" altLang="zh-CN" sz="1800" b="0" i="0" u="none" strike="noStrike">
-                        <a:solidFill>
-                          <a:srgbClr val="000000"/>
-                        </a:solidFill>
-                        <a:effectLst/>
-                        <a:latin typeface="Times New Roman" panose="02020603050405020304" pitchFamily="18" charset="0"/>
-                        <a:cs typeface="Times New Roman" panose="02020603050405020304" pitchFamily="18" charset="0"/>
-                      </a:endParaRPr>
-                    </a:p>
-                  </a:txBody>
-                  <a:tcPr marL="9525" marR="9525" marT="9525" marB="0" anchor="ctr"/>
-                </a:tc>
-                <a:tc>
-                  <a:txBody>
-                    <a:bodyPr/>
-                    <a:lstStyle/>
-                    <a:p>
-                      <a:pPr algn="ctr" fontAlgn="ctr"/>
-                      <a:r>
-                        <a:rPr lang="en-US" altLang="zh-CN" sz="1800" b="0" i="0" u="none" strike="noStrike">
-                          <a:solidFill>
-                            <a:srgbClr val="000000"/>
-                          </a:solidFill>
-                          <a:effectLst/>
-                          <a:latin typeface="Times New Roman" panose="02020603050405020304" pitchFamily="18" charset="0"/>
-                          <a:cs typeface="Times New Roman" panose="02020603050405020304" pitchFamily="18" charset="0"/>
-                        </a:rPr>
-                        <a:t>T1</a:t>
-                      </a:r>
-                      <a:r>
-                        <a:rPr lang="vi-VN" altLang="zh-CN" sz="1800" b="0" i="0" u="none" strike="noStrike">
-                          <a:solidFill>
-                            <a:srgbClr val="000000"/>
-                          </a:solidFill>
-                          <a:effectLst/>
-                          <a:latin typeface="Times New Roman" panose="02020603050405020304" pitchFamily="18" charset="0"/>
-                          <a:cs typeface="Times New Roman" panose="02020603050405020304" pitchFamily="18" charset="0"/>
-                        </a:rPr>
-                        <a:t>-2</a:t>
-                      </a:r>
-                      <a:endParaRPr lang="en-US" altLang="zh-CN" sz="1800" b="0" i="0" u="none" strike="noStrike" dirty="0">
-                        <a:solidFill>
-                          <a:srgbClr val="000000"/>
-                        </a:solidFill>
-                        <a:effectLst/>
-                        <a:latin typeface="Times New Roman" panose="02020603050405020304" pitchFamily="18" charset="0"/>
-                        <a:cs typeface="Times New Roman" panose="02020603050405020304" pitchFamily="18" charset="0"/>
-                      </a:endParaRPr>
-                    </a:p>
-                  </a:txBody>
-                  <a:tcPr marL="9525" marR="9525" marT="9525" marB="0" anchor="ctr"/>
-                </a:tc>
-                <a:tc>
-                  <a:txBody>
-                    <a:bodyPr/>
-                    <a:lstStyle/>
-                    <a:p>
-                      <a:pPr algn="ctr" fontAlgn="ctr"/>
-                      <a:r>
-                        <a:rPr lang="en-US" altLang="zh-CN" sz="1800" b="0" i="0" u="none" strike="noStrike">
-                          <a:solidFill>
-                            <a:srgbClr val="000000"/>
-                          </a:solidFill>
-                          <a:effectLst/>
-                          <a:latin typeface="Times New Roman" panose="02020603050405020304" pitchFamily="18" charset="0"/>
-                          <a:cs typeface="Times New Roman" panose="02020603050405020304" pitchFamily="18" charset="0"/>
-                        </a:rPr>
-                        <a:t>T2</a:t>
-                      </a:r>
-                      <a:r>
-                        <a:rPr lang="vi-VN" altLang="zh-CN" sz="1800" b="0" i="0" u="none" strike="noStrike">
-                          <a:solidFill>
-                            <a:srgbClr val="000000"/>
-                          </a:solidFill>
-                          <a:effectLst/>
-                          <a:latin typeface="Times New Roman" panose="02020603050405020304" pitchFamily="18" charset="0"/>
-                          <a:cs typeface="Times New Roman" panose="02020603050405020304" pitchFamily="18" charset="0"/>
-                        </a:rPr>
-                        <a:t>-1</a:t>
-                      </a:r>
-                      <a:endParaRPr lang="en-US" altLang="zh-CN" sz="1800" b="0" i="0" u="none" strike="noStrike">
-                        <a:solidFill>
-                          <a:srgbClr val="000000"/>
-                        </a:solidFill>
-                        <a:effectLst/>
-                        <a:latin typeface="Times New Roman" panose="02020603050405020304" pitchFamily="18" charset="0"/>
-                        <a:cs typeface="Times New Roman" panose="02020603050405020304" pitchFamily="18" charset="0"/>
-                      </a:endParaRPr>
-                    </a:p>
-                  </a:txBody>
-                  <a:tcPr marL="9525" marR="9525" marT="9525" marB="0" anchor="ctr"/>
-                </a:tc>
-                <a:tc>
-                  <a:txBody>
-                    <a:bodyPr/>
-                    <a:lstStyle/>
-                    <a:p>
-                      <a:pPr algn="ctr" fontAlgn="ctr"/>
-                      <a:r>
-                        <a:rPr lang="en-US" altLang="zh-CN" sz="1800" b="0" i="0" u="none" strike="noStrike">
-                          <a:solidFill>
-                            <a:srgbClr val="000000"/>
-                          </a:solidFill>
-                          <a:effectLst/>
-                          <a:latin typeface="Times New Roman" panose="02020603050405020304" pitchFamily="18" charset="0"/>
-                          <a:cs typeface="Times New Roman" panose="02020603050405020304" pitchFamily="18" charset="0"/>
-                        </a:rPr>
-                        <a:t>T2</a:t>
-                      </a:r>
-                      <a:r>
-                        <a:rPr lang="vi-VN" altLang="zh-CN" sz="1800" b="0" i="0" u="none" strike="noStrike">
-                          <a:solidFill>
-                            <a:srgbClr val="000000"/>
-                          </a:solidFill>
-                          <a:effectLst/>
-                          <a:latin typeface="Times New Roman" panose="02020603050405020304" pitchFamily="18" charset="0"/>
-                          <a:cs typeface="Times New Roman" panose="02020603050405020304" pitchFamily="18" charset="0"/>
-                        </a:rPr>
-                        <a:t>-2</a:t>
-                      </a:r>
-                      <a:endParaRPr lang="en-US" altLang="zh-CN" sz="1800" b="0" i="0" u="none" strike="noStrike" dirty="0">
-                        <a:solidFill>
-                          <a:srgbClr val="000000"/>
-                        </a:solidFill>
-                        <a:effectLst/>
-                        <a:latin typeface="Times New Roman" panose="02020603050405020304" pitchFamily="18" charset="0"/>
-                        <a:cs typeface="Times New Roman" panose="02020603050405020304" pitchFamily="18" charset="0"/>
-                      </a:endParaRPr>
-                    </a:p>
-                  </a:txBody>
-                  <a:tcPr marL="9525" marR="9525" marT="9525" marB="0" anchor="ctr"/>
+                        <a:rPr lang="en-US" altLang="zh-CN">
+                          <a:latin typeface="Times New Roman" panose="02020603050405020304" pitchFamily="18" charset="0"/>
+                          <a:ea typeface="標楷體" panose="03000509000000000000" pitchFamily="65" charset="-120"/>
+                          <a:cs typeface="Times New Roman" panose="02020603050405020304" pitchFamily="18" charset="0"/>
+                        </a:rPr>
+                        <a:t>T0-2</a:t>
+                      </a:r>
+                      <a:endParaRPr lang="zh-TW" altLang="en-US" dirty="0">
+                        <a:latin typeface="Times New Roman" panose="02020603050405020304" pitchFamily="18" charset="0"/>
+                        <a:ea typeface="標楷體" panose="03000509000000000000" pitchFamily="65" charset="-120"/>
+                        <a:cs typeface="Times New Roman" panose="02020603050405020304" pitchFamily="18" charset="0"/>
+                      </a:endParaRPr>
+                    </a:p>
+                  </a:txBody>
+                  <a:tcPr anchor="ctr"/>
+                </a:tc>
+                <a:tc>
+                  <a:txBody>
+                    <a:bodyPr/>
+                    <a:lstStyle/>
+                    <a:p>
+                      <a:pPr algn="ctr"/>
+                      <a:r>
+                        <a:rPr lang="en-US" altLang="zh-CN">
+                          <a:latin typeface="Times New Roman" panose="02020603050405020304" pitchFamily="18" charset="0"/>
+                          <a:ea typeface="標楷體" panose="03000509000000000000" pitchFamily="65" charset="-120"/>
+                          <a:cs typeface="Times New Roman" panose="02020603050405020304" pitchFamily="18" charset="0"/>
+                        </a:rPr>
+                        <a:t>T1-2</a:t>
+                      </a:r>
+                      <a:endParaRPr lang="zh-TW" altLang="en-US" dirty="0">
+                        <a:latin typeface="Times New Roman" panose="02020603050405020304" pitchFamily="18" charset="0"/>
+                        <a:ea typeface="標楷體" panose="03000509000000000000" pitchFamily="65" charset="-120"/>
+                        <a:cs typeface="Times New Roman" panose="02020603050405020304" pitchFamily="18" charset="0"/>
+                      </a:endParaRPr>
+                    </a:p>
+                  </a:txBody>
+                  <a:tcPr anchor="ctr"/>
+                </a:tc>
+                <a:tc>
+                  <a:txBody>
+                    <a:bodyPr/>
+                    <a:lstStyle/>
+                    <a:p>
+                      <a:pPr algn="ctr"/>
+                      <a:r>
+                        <a:rPr lang="en-US" altLang="zh-CN">
+                          <a:latin typeface="Times New Roman" panose="02020603050405020304" pitchFamily="18" charset="0"/>
+                          <a:ea typeface="標楷體" panose="03000509000000000000" pitchFamily="65" charset="-120"/>
+                          <a:cs typeface="Times New Roman" panose="02020603050405020304" pitchFamily="18" charset="0"/>
+                        </a:rPr>
+                        <a:t>T2-2</a:t>
+                      </a:r>
+                      <a:endParaRPr lang="zh-TW" altLang="en-US" dirty="0">
+                        <a:latin typeface="Times New Roman" panose="02020603050405020304" pitchFamily="18" charset="0"/>
+                        <a:ea typeface="標楷體" panose="03000509000000000000" pitchFamily="65" charset="-120"/>
+                        <a:cs typeface="Times New Roman" panose="02020603050405020304" pitchFamily="18" charset="0"/>
+                      </a:endParaRPr>
+                    </a:p>
+                  </a:txBody>
+                  <a:tcPr anchor="ctr"/>
                 </a:tc>
                 <a:extLst>
                   <a:ext uri="{0D108BD9-81ED-4DB2-BD59-A6C34878D82A}">
@@ -12156,7 +16702,7 @@
                   </a:txBody>
                   <a:tcPr anchor="ctr"/>
                 </a:tc>
-                <a:tc gridSpan="2">
+                <a:tc>
                   <a:txBody>
                     <a:bodyPr/>
                     <a:lstStyle/>
@@ -12235,17 +16781,7 @@
                   </a:txBody>
                   <a:tcPr anchor="ctr"/>
                 </a:tc>
-                <a:tc hMerge="1">
-                  <a:txBody>
-                    <a:bodyPr/>
-                    <a:lstStyle/>
-                    <a:p>
-                      <a:endParaRPr lang="en-US"/>
-                    </a:p>
-                  </a:txBody>
-                  <a:tcPr/>
-                </a:tc>
-                <a:tc gridSpan="2">
+                <a:tc>
                   <a:txBody>
                     <a:bodyPr/>
                     <a:lstStyle/>
@@ -12276,17 +16812,7 @@
                   </a:txBody>
                   <a:tcPr anchor="ctr"/>
                 </a:tc>
-                <a:tc hMerge="1">
-                  <a:txBody>
-                    <a:bodyPr/>
-                    <a:lstStyle/>
-                    <a:p>
-                      <a:endParaRPr lang="en-US"/>
-                    </a:p>
-                  </a:txBody>
-                  <a:tcPr/>
-                </a:tc>
-                <a:tc gridSpan="2">
+                <a:tc>
                   <a:txBody>
                     <a:bodyPr/>
                     <a:lstStyle/>
@@ -12317,16 +16843,6 @@
                   </a:txBody>
                   <a:tcPr anchor="ctr"/>
                 </a:tc>
-                <a:tc hMerge="1">
-                  <a:txBody>
-                    <a:bodyPr/>
-                    <a:lstStyle/>
-                    <a:p>
-                      <a:endParaRPr lang="en-US"/>
-                    </a:p>
-                  </a:txBody>
-                  <a:tcPr/>
-                </a:tc>
                 <a:extLst>
                   <a:ext uri="{0D108BD9-81ED-4DB2-BD59-A6C34878D82A}">
                     <a16:rowId xmlns:a16="http://schemas.microsoft.com/office/drawing/2014/main" val="10005"/>
@@ -12370,152 +16886,154 @@
                     <a:bodyPr/>
                     <a:lstStyle/>
                     <a:p>
-                      <a:pPr algn="ctr"/>
                       <a:r>
                         <a:rPr lang="zh-CN" altLang="en-US" dirty="0">
                           <a:latin typeface="Times New Roman" panose="02020603050405020304" pitchFamily="18" charset="0"/>
                           <a:ea typeface="標楷體" panose="03000509000000000000" pitchFamily="65" charset="-120"/>
                           <a:cs typeface="Times New Roman" panose="02020603050405020304" pitchFamily="18" charset="0"/>
                         </a:rPr>
-                        <a:t>顏色</a:t>
-                      </a:r>
-                      <a:endParaRPr lang="zh-TW" altLang="en-US" dirty="0">
-                        <a:latin typeface="Times New Roman" panose="02020603050405020304" pitchFamily="18" charset="0"/>
-                        <a:ea typeface="標楷體" panose="03000509000000000000" pitchFamily="65" charset="-120"/>
-                        <a:cs typeface="Times New Roman" panose="02020603050405020304" pitchFamily="18" charset="0"/>
-                      </a:endParaRPr>
-                    </a:p>
-                  </a:txBody>
-                  <a:tcPr anchor="ctr"/>
-                </a:tc>
-                <a:tc>
-                  <a:txBody>
-                    <a:bodyPr/>
-                    <a:lstStyle/>
-                    <a:p>
-                      <a:pPr algn="ctr"/>
-                      <a:r>
-                        <a:rPr lang="zh-CN" altLang="en-US" dirty="0">
-                          <a:latin typeface="Times New Roman" panose="02020603050405020304" pitchFamily="18" charset="0"/>
-                          <a:ea typeface="標楷體" panose="03000509000000000000" pitchFamily="65" charset="-120"/>
-                          <a:cs typeface="Times New Roman" panose="02020603050405020304" pitchFamily="18" charset="0"/>
-                        </a:rPr>
-                        <a:t>白色</a:t>
-                      </a:r>
-                      <a:endParaRPr lang="zh-TW" altLang="en-US" dirty="0">
-                        <a:latin typeface="Times New Roman" panose="02020603050405020304" pitchFamily="18" charset="0"/>
-                        <a:ea typeface="標楷體" panose="03000509000000000000" pitchFamily="65" charset="-120"/>
-                        <a:cs typeface="Times New Roman" panose="02020603050405020304" pitchFamily="18" charset="0"/>
-                      </a:endParaRPr>
-                    </a:p>
-                  </a:txBody>
-                  <a:tcPr anchor="ctr"/>
-                </a:tc>
-                <a:tc>
-                  <a:txBody>
-                    <a:bodyPr/>
-                    <a:lstStyle/>
-                    <a:p>
-                      <a:pPr algn="ctr"/>
-                      <a:r>
-                        <a:rPr lang="zh-CN" altLang="en-US" dirty="0">
-                          <a:latin typeface="Times New Roman" panose="02020603050405020304" pitchFamily="18" charset="0"/>
-                          <a:ea typeface="標楷體" panose="03000509000000000000" pitchFamily="65" charset="-120"/>
-                          <a:cs typeface="Times New Roman" panose="02020603050405020304" pitchFamily="18" charset="0"/>
-                        </a:rPr>
-                        <a:t>灰色</a:t>
-                      </a:r>
-                      <a:endParaRPr lang="zh-TW" altLang="en-US" dirty="0">
-                        <a:latin typeface="Times New Roman" panose="02020603050405020304" pitchFamily="18" charset="0"/>
-                        <a:ea typeface="標楷體" panose="03000509000000000000" pitchFamily="65" charset="-120"/>
-                        <a:cs typeface="Times New Roman" panose="02020603050405020304" pitchFamily="18" charset="0"/>
-                      </a:endParaRPr>
-                    </a:p>
-                  </a:txBody>
-                  <a:tcPr anchor="ctr"/>
-                </a:tc>
-                <a:tc>
-                  <a:txBody>
-                    <a:bodyPr/>
-                    <a:lstStyle/>
-                    <a:p>
-                      <a:pPr algn="ctr"/>
-                      <a:r>
-                        <a:rPr lang="zh-CN" altLang="en-US" dirty="0">
-                          <a:latin typeface="Times New Roman" panose="02020603050405020304" pitchFamily="18" charset="0"/>
-                          <a:ea typeface="標楷體" panose="03000509000000000000" pitchFamily="65" charset="-120"/>
-                          <a:cs typeface="Times New Roman" panose="02020603050405020304" pitchFamily="18" charset="0"/>
-                        </a:rPr>
-                        <a:t>白色</a:t>
-                      </a:r>
-                      <a:endParaRPr lang="zh-TW" altLang="en-US" dirty="0">
-                        <a:latin typeface="Times New Roman" panose="02020603050405020304" pitchFamily="18" charset="0"/>
-                        <a:ea typeface="標楷體" panose="03000509000000000000" pitchFamily="65" charset="-120"/>
-                        <a:cs typeface="Times New Roman" panose="02020603050405020304" pitchFamily="18" charset="0"/>
-                      </a:endParaRPr>
-                    </a:p>
-                  </a:txBody>
-                  <a:tcPr anchor="ctr"/>
-                </a:tc>
-                <a:tc>
-                  <a:txBody>
-                    <a:bodyPr/>
-                    <a:lstStyle/>
-                    <a:p>
-                      <a:pPr algn="ctr"/>
-                      <a:r>
-                        <a:rPr lang="zh-CN" altLang="en-US" dirty="0">
-                          <a:latin typeface="Times New Roman" panose="02020603050405020304" pitchFamily="18" charset="0"/>
-                          <a:ea typeface="標楷體" panose="03000509000000000000" pitchFamily="65" charset="-120"/>
-                          <a:cs typeface="Times New Roman" panose="02020603050405020304" pitchFamily="18" charset="0"/>
-                        </a:rPr>
-                        <a:t>灰色</a:t>
-                      </a:r>
-                      <a:endParaRPr lang="zh-TW" altLang="en-US" dirty="0">
-                        <a:latin typeface="Times New Roman" panose="02020603050405020304" pitchFamily="18" charset="0"/>
-                        <a:ea typeface="標楷體" panose="03000509000000000000" pitchFamily="65" charset="-120"/>
-                        <a:cs typeface="Times New Roman" panose="02020603050405020304" pitchFamily="18" charset="0"/>
-                      </a:endParaRPr>
-                    </a:p>
-                  </a:txBody>
-                  <a:tcPr anchor="ctr"/>
-                </a:tc>
-                <a:tc>
-                  <a:txBody>
-                    <a:bodyPr/>
-                    <a:lstStyle/>
-                    <a:p>
-                      <a:pPr algn="ctr"/>
-                      <a:r>
-                        <a:rPr lang="zh-CN" altLang="en-US" dirty="0">
-                          <a:latin typeface="Times New Roman" panose="02020603050405020304" pitchFamily="18" charset="0"/>
-                          <a:ea typeface="標楷體" panose="03000509000000000000" pitchFamily="65" charset="-120"/>
-                          <a:cs typeface="Times New Roman" panose="02020603050405020304" pitchFamily="18" charset="0"/>
-                        </a:rPr>
-                        <a:t>白色</a:t>
-                      </a:r>
-                      <a:endParaRPr lang="zh-TW" altLang="en-US" dirty="0">
-                        <a:latin typeface="Times New Roman" panose="02020603050405020304" pitchFamily="18" charset="0"/>
-                        <a:ea typeface="標楷體" panose="03000509000000000000" pitchFamily="65" charset="-120"/>
-                        <a:cs typeface="Times New Roman" panose="02020603050405020304" pitchFamily="18" charset="0"/>
-                      </a:endParaRPr>
-                    </a:p>
-                  </a:txBody>
-                  <a:tcPr anchor="ctr"/>
-                </a:tc>
-                <a:tc>
-                  <a:txBody>
-                    <a:bodyPr/>
-                    <a:lstStyle/>
-                    <a:p>
-                      <a:pPr algn="ctr"/>
-                      <a:r>
-                        <a:rPr lang="zh-CN" altLang="en-US" dirty="0">
-                          <a:latin typeface="Times New Roman" panose="02020603050405020304" pitchFamily="18" charset="0"/>
-                          <a:ea typeface="標楷體" panose="03000509000000000000" pitchFamily="65" charset="-120"/>
-                          <a:cs typeface="Times New Roman" panose="02020603050405020304" pitchFamily="18" charset="0"/>
-                        </a:rPr>
-                        <a:t>灰色</a:t>
+                        <a:t>厚度</a:t>
+                      </a:r>
+                      <a:r>
+                        <a:rPr lang="en-US" altLang="zh-CN" dirty="0">
+                          <a:latin typeface="Times New Roman" panose="02020603050405020304" pitchFamily="18" charset="0"/>
+                          <a:ea typeface="標楷體" panose="03000509000000000000" pitchFamily="65" charset="-120"/>
+                          <a:cs typeface="Times New Roman" panose="02020603050405020304" pitchFamily="18" charset="0"/>
+                        </a:rPr>
+                        <a:t>(</a:t>
+                      </a:r>
+                      <a:r>
+                        <a:rPr lang="en-US" altLang="zh-CN" dirty="0" err="1">
+                          <a:latin typeface="Times New Roman" panose="02020603050405020304" pitchFamily="18" charset="0"/>
+                          <a:ea typeface="標楷體" panose="03000509000000000000" pitchFamily="65" charset="-120"/>
+                          <a:cs typeface="Times New Roman" panose="02020603050405020304" pitchFamily="18" charset="0"/>
+                        </a:rPr>
+                        <a:t>μm</a:t>
+                      </a:r>
+                      <a:r>
+                        <a:rPr lang="en-US" altLang="zh-CN" dirty="0">
+                          <a:latin typeface="Times New Roman" panose="02020603050405020304" pitchFamily="18" charset="0"/>
+                          <a:ea typeface="標楷體" panose="03000509000000000000" pitchFamily="65" charset="-120"/>
+                          <a:cs typeface="Times New Roman" panose="02020603050405020304" pitchFamily="18" charset="0"/>
+                        </a:rPr>
+                        <a:t>)</a:t>
+                      </a:r>
+                      <a:endParaRPr lang="zh-TW" altLang="en-US" dirty="0">
+                        <a:latin typeface="Times New Roman" panose="02020603050405020304" pitchFamily="18" charset="0"/>
+                        <a:ea typeface="標楷體" panose="03000509000000000000" pitchFamily="65" charset="-120"/>
+                        <a:cs typeface="Times New Roman" panose="02020603050405020304" pitchFamily="18" charset="0"/>
+                      </a:endParaRPr>
+                    </a:p>
+                  </a:txBody>
+                  <a:tcPr anchor="ctr"/>
+                </a:tc>
+                <a:tc>
+                  <a:txBody>
+                    <a:bodyPr/>
+                    <a:lstStyle/>
+                    <a:p>
+                      <a:pPr marL="0" marR="0" indent="0" algn="ctr" defTabSz="914400" rtl="0" eaLnBrk="1" fontAlgn="auto" latinLnBrk="0" hangingPunct="1">
+                        <a:lnSpc>
+                          <a:spcPct val="100000"/>
+                        </a:lnSpc>
+                        <a:spcBef>
+                          <a:spcPts val="0"/>
+                        </a:spcBef>
+                        <a:spcAft>
+                          <a:spcPts val="0"/>
+                        </a:spcAft>
+                        <a:buClrTx/>
+                        <a:buSzTx/>
+                        <a:buFontTx/>
+                        <a:buNone/>
+                        <a:tabLst/>
+                        <a:defRPr/>
+                      </a:pPr>
+                      <a:r>
+                        <a:rPr lang="en-US" altLang="zh-CN">
+                          <a:latin typeface="Times New Roman" panose="02020603050405020304" pitchFamily="18" charset="0"/>
+                          <a:ea typeface="標楷體" panose="03000509000000000000" pitchFamily="65" charset="-120"/>
+                          <a:cs typeface="Times New Roman" panose="02020603050405020304" pitchFamily="18" charset="0"/>
+                        </a:rPr>
+                        <a:t>B0-1μm</a:t>
+                      </a:r>
+                      <a:endParaRPr lang="zh-TW" altLang="en-US" dirty="0">
+                        <a:latin typeface="Times New Roman" panose="02020603050405020304" pitchFamily="18" charset="0"/>
+                        <a:ea typeface="標楷體" panose="03000509000000000000" pitchFamily="65" charset="-120"/>
+                        <a:cs typeface="Times New Roman" panose="02020603050405020304" pitchFamily="18" charset="0"/>
+                      </a:endParaRPr>
+                    </a:p>
+                  </a:txBody>
+                  <a:tcPr anchor="ctr"/>
+                </a:tc>
+                <a:tc>
+                  <a:txBody>
+                    <a:bodyPr/>
+                    <a:lstStyle/>
+                    <a:p>
+                      <a:pPr marL="0" marR="0" indent="0" algn="ctr" defTabSz="914400" rtl="0" eaLnBrk="1" fontAlgn="auto" latinLnBrk="0" hangingPunct="1">
+                        <a:lnSpc>
+                          <a:spcPct val="100000"/>
+                        </a:lnSpc>
+                        <a:spcBef>
+                          <a:spcPts val="0"/>
+                        </a:spcBef>
+                        <a:spcAft>
+                          <a:spcPts val="0"/>
+                        </a:spcAft>
+                        <a:buClrTx/>
+                        <a:buSzTx/>
+                        <a:buFontTx/>
+                        <a:buNone/>
+                        <a:tabLst/>
+                        <a:defRPr/>
+                      </a:pPr>
+                      <a:r>
+                        <a:rPr lang="en-US" altLang="zh-CN">
+                          <a:latin typeface="Times New Roman" panose="02020603050405020304" pitchFamily="18" charset="0"/>
+                          <a:ea typeface="標楷體" panose="03000509000000000000" pitchFamily="65" charset="-120"/>
+                          <a:cs typeface="Times New Roman" panose="02020603050405020304" pitchFamily="18" charset="0"/>
+                        </a:rPr>
+                        <a:t>B1-1μm</a:t>
+                      </a:r>
+                      <a:endParaRPr lang="zh-TW" altLang="en-US" dirty="0">
+                        <a:latin typeface="Times New Roman" panose="02020603050405020304" pitchFamily="18" charset="0"/>
+                        <a:ea typeface="標楷體" panose="03000509000000000000" pitchFamily="65" charset="-120"/>
+                        <a:cs typeface="Times New Roman" panose="02020603050405020304" pitchFamily="18" charset="0"/>
+                      </a:endParaRPr>
+                    </a:p>
+                  </a:txBody>
+                  <a:tcPr anchor="ctr"/>
+                </a:tc>
+                <a:tc>
+                  <a:txBody>
+                    <a:bodyPr/>
+                    <a:lstStyle/>
+                    <a:p>
+                      <a:pPr marL="0" marR="0" indent="0" algn="ctr" defTabSz="914400" rtl="0" eaLnBrk="1" fontAlgn="auto" latinLnBrk="0" hangingPunct="1">
+                        <a:lnSpc>
+                          <a:spcPct val="100000"/>
+                        </a:lnSpc>
+                        <a:spcBef>
+                          <a:spcPts val="0"/>
+                        </a:spcBef>
+                        <a:spcAft>
+                          <a:spcPts val="0"/>
+                        </a:spcAft>
+                        <a:buClrTx/>
+                        <a:buSzTx/>
+                        <a:buFontTx/>
+                        <a:buNone/>
+                        <a:tabLst/>
+                        <a:defRPr/>
+                      </a:pPr>
+                      <a:r>
+                        <a:rPr lang="en-US" altLang="zh-CN">
+                          <a:latin typeface="Times New Roman" panose="02020603050405020304" pitchFamily="18" charset="0"/>
+                          <a:ea typeface="標楷體" panose="03000509000000000000" pitchFamily="65" charset="-120"/>
+                          <a:cs typeface="Times New Roman" panose="02020603050405020304" pitchFamily="18" charset="0"/>
+                        </a:rPr>
+                        <a:t>B2-1μm</a:t>
                       </a:r>
                       <a:endParaRPr lang="zh-TW" altLang="en-US" dirty="0">
                         <a:latin typeface="Times New Roman" panose="02020603050405020304" pitchFamily="18" charset="0"/>
@@ -12569,263 +17087,99 @@
                     <a:bodyPr/>
                     <a:lstStyle/>
                     <a:p>
+                      <a:r>
+                        <a:rPr lang="zh-CN" altLang="en-US" dirty="0">
+                          <a:latin typeface="Times New Roman" panose="02020603050405020304" pitchFamily="18" charset="0"/>
+                          <a:ea typeface="標楷體" panose="03000509000000000000" pitchFamily="65" charset="-120"/>
+                          <a:cs typeface="Times New Roman" panose="02020603050405020304" pitchFamily="18" charset="0"/>
+                        </a:rPr>
+                        <a:t>硬度</a:t>
+                      </a:r>
+                      <a:r>
+                        <a:rPr lang="en-US" altLang="zh-CN" dirty="0">
+                          <a:latin typeface="Times New Roman" panose="02020603050405020304" pitchFamily="18" charset="0"/>
+                          <a:ea typeface="標楷體" panose="03000509000000000000" pitchFamily="65" charset="-120"/>
+                          <a:cs typeface="Times New Roman" panose="02020603050405020304" pitchFamily="18" charset="0"/>
+                        </a:rPr>
+                        <a:t>(HV)</a:t>
+                      </a:r>
+                      <a:endParaRPr lang="zh-TW" altLang="en-US" dirty="0">
+                        <a:latin typeface="Times New Roman" panose="02020603050405020304" pitchFamily="18" charset="0"/>
+                        <a:ea typeface="標楷體" panose="03000509000000000000" pitchFamily="65" charset="-120"/>
+                        <a:cs typeface="Times New Roman" panose="02020603050405020304" pitchFamily="18" charset="0"/>
+                      </a:endParaRPr>
+                    </a:p>
+                  </a:txBody>
+                  <a:tcPr anchor="ctr"/>
+                </a:tc>
+                <a:tc>
+                  <a:txBody>
+                    <a:bodyPr/>
+                    <a:lstStyle/>
+                    <a:p>
                       <a:pPr algn="ctr"/>
                       <a:r>
-                        <a:rPr lang="zh-CN" altLang="en-US" dirty="0">
-                          <a:latin typeface="Times New Roman" panose="02020603050405020304" pitchFamily="18" charset="0"/>
-                          <a:ea typeface="標楷體" panose="03000509000000000000" pitchFamily="65" charset="-120"/>
-                          <a:cs typeface="Times New Roman" panose="02020603050405020304" pitchFamily="18" charset="0"/>
-                        </a:rPr>
-                        <a:t>相比例</a:t>
-                      </a:r>
-                      <a:endParaRPr lang="zh-TW" altLang="en-US" dirty="0">
-                        <a:latin typeface="Times New Roman" panose="02020603050405020304" pitchFamily="18" charset="0"/>
-                        <a:ea typeface="標楷體" panose="03000509000000000000" pitchFamily="65" charset="-120"/>
-                        <a:cs typeface="Times New Roman" panose="02020603050405020304" pitchFamily="18" charset="0"/>
-                      </a:endParaRPr>
-                    </a:p>
-                  </a:txBody>
-                  <a:tcPr anchor="ctr"/>
-                </a:tc>
-                <a:tc>
-                  <a:txBody>
-                    <a:bodyPr/>
-                    <a:lstStyle/>
-                    <a:p>
-                      <a:pPr algn="ctr" fontAlgn="ctr"/>
-                      <a:r>
-                        <a:rPr lang="en-US" altLang="zh-CN" sz="1800" b="0" i="0" u="none" strike="noStrike">
-                          <a:solidFill>
-                            <a:srgbClr val="000000"/>
-                          </a:solidFill>
-                          <a:effectLst/>
-                          <a:latin typeface="Times New Roman" panose="02020603050405020304" pitchFamily="18" charset="0"/>
-                          <a:cs typeface="Times New Roman" panose="02020603050405020304" pitchFamily="18" charset="0"/>
-                        </a:rPr>
-                        <a:t>B0</a:t>
-                      </a:r>
-                      <a:r>
-                        <a:rPr lang="vi-VN" altLang="zh-CN" sz="1800" b="0" i="0" u="none" strike="noStrike">
-                          <a:solidFill>
-                            <a:srgbClr val="000000"/>
-                          </a:solidFill>
-                          <a:effectLst/>
-                          <a:latin typeface="Times New Roman" panose="02020603050405020304" pitchFamily="18" charset="0"/>
-                          <a:cs typeface="Times New Roman" panose="02020603050405020304" pitchFamily="18" charset="0"/>
-                        </a:rPr>
-                        <a:t>-1</a:t>
-                      </a:r>
-                      <a:endParaRPr lang="en-US" altLang="zh-CN" sz="1800" b="0" i="0" u="none" strike="noStrike">
-                        <a:solidFill>
-                          <a:srgbClr val="000000"/>
-                        </a:solidFill>
-                        <a:effectLst/>
-                        <a:latin typeface="Times New Roman" panose="02020603050405020304" pitchFamily="18" charset="0"/>
-                        <a:cs typeface="Times New Roman" panose="02020603050405020304" pitchFamily="18" charset="0"/>
-                      </a:endParaRPr>
-                    </a:p>
-                  </a:txBody>
-                  <a:tcPr marL="9525" marR="9525" marT="9525" marB="0" anchor="ctr"/>
-                </a:tc>
-                <a:tc>
-                  <a:txBody>
-                    <a:bodyPr/>
-                    <a:lstStyle/>
-                    <a:p>
-                      <a:pPr algn="ctr" fontAlgn="ctr"/>
-                      <a:r>
-                        <a:rPr lang="en-US" altLang="zh-CN" sz="1800" b="0" i="0" u="none" strike="noStrike">
-                          <a:solidFill>
-                            <a:srgbClr val="000000"/>
-                          </a:solidFill>
-                          <a:effectLst/>
-                          <a:latin typeface="Times New Roman" panose="02020603050405020304" pitchFamily="18" charset="0"/>
-                          <a:cs typeface="Times New Roman" panose="02020603050405020304" pitchFamily="18" charset="0"/>
-                        </a:rPr>
-                        <a:t>B0</a:t>
-                      </a:r>
-                      <a:r>
-                        <a:rPr lang="vi-VN" altLang="zh-CN" sz="1800" b="0" i="0" u="none" strike="noStrike">
-                          <a:solidFill>
-                            <a:srgbClr val="000000"/>
-                          </a:solidFill>
-                          <a:effectLst/>
-                          <a:latin typeface="Times New Roman" panose="02020603050405020304" pitchFamily="18" charset="0"/>
-                          <a:cs typeface="Times New Roman" panose="02020603050405020304" pitchFamily="18" charset="0"/>
-                        </a:rPr>
-                        <a:t>-2</a:t>
-                      </a:r>
-                      <a:endParaRPr lang="en-US" altLang="zh-CN" sz="1800" b="0" i="0" u="none" strike="noStrike" dirty="0">
-                        <a:solidFill>
-                          <a:srgbClr val="000000"/>
-                        </a:solidFill>
-                        <a:effectLst/>
-                        <a:latin typeface="Times New Roman" panose="02020603050405020304" pitchFamily="18" charset="0"/>
-                        <a:cs typeface="Times New Roman" panose="02020603050405020304" pitchFamily="18" charset="0"/>
-                      </a:endParaRPr>
-                    </a:p>
-                  </a:txBody>
-                  <a:tcPr marL="9525" marR="9525" marT="9525" marB="0" anchor="ctr"/>
-                </a:tc>
-                <a:tc>
-                  <a:txBody>
-                    <a:bodyPr/>
-                    <a:lstStyle/>
-                    <a:p>
-                      <a:pPr algn="ctr" fontAlgn="ctr"/>
-                      <a:r>
-                        <a:rPr lang="en-US" altLang="zh-CN" sz="1800" b="0" i="0" u="none" strike="noStrike">
-                          <a:solidFill>
-                            <a:srgbClr val="000000"/>
-                          </a:solidFill>
-                          <a:effectLst/>
-                          <a:latin typeface="Times New Roman" panose="02020603050405020304" pitchFamily="18" charset="0"/>
-                          <a:cs typeface="Times New Roman" panose="02020603050405020304" pitchFamily="18" charset="0"/>
-                        </a:rPr>
-                        <a:t>B1</a:t>
-                      </a:r>
-                      <a:r>
-                        <a:rPr lang="vi-VN" altLang="zh-CN" sz="1800" b="0" i="0" u="none" strike="noStrike">
-                          <a:solidFill>
-                            <a:srgbClr val="000000"/>
-                          </a:solidFill>
-                          <a:effectLst/>
-                          <a:latin typeface="Times New Roman" panose="02020603050405020304" pitchFamily="18" charset="0"/>
-                          <a:cs typeface="Times New Roman" panose="02020603050405020304" pitchFamily="18" charset="0"/>
-                        </a:rPr>
-                        <a:t>-1</a:t>
-                      </a:r>
-                      <a:endParaRPr lang="en-US" altLang="zh-CN" sz="1800" b="0" i="0" u="none" strike="noStrike">
-                        <a:solidFill>
-                          <a:srgbClr val="000000"/>
-                        </a:solidFill>
-                        <a:effectLst/>
-                        <a:latin typeface="Times New Roman" panose="02020603050405020304" pitchFamily="18" charset="0"/>
-                        <a:cs typeface="Times New Roman" panose="02020603050405020304" pitchFamily="18" charset="0"/>
-                      </a:endParaRPr>
-                    </a:p>
-                  </a:txBody>
-                  <a:tcPr marL="9525" marR="9525" marT="9525" marB="0" anchor="ctr"/>
-                </a:tc>
-                <a:tc>
-                  <a:txBody>
-                    <a:bodyPr/>
-                    <a:lstStyle/>
-                    <a:p>
-                      <a:pPr algn="ctr" fontAlgn="ctr"/>
-                      <a:r>
-                        <a:rPr lang="en-US" altLang="zh-CN" sz="1800" b="0" i="0" u="none" strike="noStrike">
-                          <a:solidFill>
-                            <a:srgbClr val="000000"/>
-                          </a:solidFill>
-                          <a:effectLst/>
-                          <a:latin typeface="Times New Roman" panose="02020603050405020304" pitchFamily="18" charset="0"/>
-                          <a:cs typeface="Times New Roman" panose="02020603050405020304" pitchFamily="18" charset="0"/>
-                        </a:rPr>
-                        <a:t>B1</a:t>
-                      </a:r>
-                      <a:r>
-                        <a:rPr lang="vi-VN" altLang="zh-CN" sz="1800" b="0" i="0" u="none" strike="noStrike">
-                          <a:solidFill>
-                            <a:srgbClr val="000000"/>
-                          </a:solidFill>
-                          <a:effectLst/>
-                          <a:latin typeface="Times New Roman" panose="02020603050405020304" pitchFamily="18" charset="0"/>
-                          <a:cs typeface="Times New Roman" panose="02020603050405020304" pitchFamily="18" charset="0"/>
-                        </a:rPr>
-                        <a:t>-2</a:t>
-                      </a:r>
-                      <a:endParaRPr lang="en-US" altLang="zh-CN" sz="1800" b="0" i="0" u="none" strike="noStrike" dirty="0">
-                        <a:solidFill>
-                          <a:srgbClr val="000000"/>
-                        </a:solidFill>
-                        <a:effectLst/>
-                        <a:latin typeface="Times New Roman" panose="02020603050405020304" pitchFamily="18" charset="0"/>
-                        <a:cs typeface="Times New Roman" panose="02020603050405020304" pitchFamily="18" charset="0"/>
-                      </a:endParaRPr>
-                    </a:p>
-                  </a:txBody>
-                  <a:tcPr marL="9525" marR="9525" marT="9525" marB="0" anchor="ctr"/>
-                </a:tc>
-                <a:tc>
-                  <a:txBody>
-                    <a:bodyPr/>
-                    <a:lstStyle/>
-                    <a:p>
-                      <a:pPr algn="ctr" fontAlgn="ctr"/>
-                      <a:r>
-                        <a:rPr lang="en-US" altLang="zh-CN" sz="1800" b="0" i="0" u="none" strike="noStrike">
-                          <a:solidFill>
-                            <a:srgbClr val="000000"/>
-                          </a:solidFill>
-                          <a:effectLst/>
-                          <a:latin typeface="Times New Roman" panose="02020603050405020304" pitchFamily="18" charset="0"/>
-                          <a:cs typeface="Times New Roman" panose="02020603050405020304" pitchFamily="18" charset="0"/>
-                        </a:rPr>
-                        <a:t>B2</a:t>
-                      </a:r>
-                      <a:r>
-                        <a:rPr lang="vi-VN" altLang="zh-CN" sz="1800" b="0" i="0" u="none" strike="noStrike">
-                          <a:solidFill>
-                            <a:srgbClr val="000000"/>
-                          </a:solidFill>
-                          <a:effectLst/>
-                          <a:latin typeface="Times New Roman" panose="02020603050405020304" pitchFamily="18" charset="0"/>
-                          <a:cs typeface="Times New Roman" panose="02020603050405020304" pitchFamily="18" charset="0"/>
-                        </a:rPr>
-                        <a:t>-1</a:t>
-                      </a:r>
-                      <a:endParaRPr lang="en-US" altLang="zh-CN" sz="1800" b="0" i="0" u="none" strike="noStrike">
-                        <a:solidFill>
-                          <a:srgbClr val="000000"/>
-                        </a:solidFill>
-                        <a:effectLst/>
-                        <a:latin typeface="Times New Roman" panose="02020603050405020304" pitchFamily="18" charset="0"/>
-                        <a:cs typeface="Times New Roman" panose="02020603050405020304" pitchFamily="18" charset="0"/>
-                      </a:endParaRPr>
-                    </a:p>
-                  </a:txBody>
-                  <a:tcPr marL="9525" marR="9525" marT="9525" marB="0" anchor="ctr"/>
-                </a:tc>
-                <a:tc>
-                  <a:txBody>
-                    <a:bodyPr/>
-                    <a:lstStyle/>
-                    <a:p>
-                      <a:pPr algn="ctr" fontAlgn="ctr"/>
-                      <a:r>
-                        <a:rPr lang="en-US" altLang="zh-CN" sz="1800" b="0" i="0" u="none" strike="noStrike">
-                          <a:solidFill>
-                            <a:srgbClr val="000000"/>
-                          </a:solidFill>
-                          <a:effectLst/>
-                          <a:latin typeface="Times New Roman" panose="02020603050405020304" pitchFamily="18" charset="0"/>
-                          <a:cs typeface="Times New Roman" panose="02020603050405020304" pitchFamily="18" charset="0"/>
-                        </a:rPr>
-                        <a:t>B2</a:t>
-                      </a:r>
-                      <a:r>
-                        <a:rPr lang="vi-VN" altLang="zh-CN" sz="1800" b="0" i="0" u="none" strike="noStrike">
-                          <a:solidFill>
-                            <a:srgbClr val="000000"/>
-                          </a:solidFill>
-                          <a:effectLst/>
-                          <a:latin typeface="Times New Roman" panose="02020603050405020304" pitchFamily="18" charset="0"/>
-                          <a:cs typeface="Times New Roman" panose="02020603050405020304" pitchFamily="18" charset="0"/>
-                        </a:rPr>
-                        <a:t>-2</a:t>
-                      </a:r>
-                      <a:endParaRPr lang="en-US" altLang="zh-CN" sz="1800" b="0" i="0" u="none" strike="noStrike" dirty="0">
-                        <a:solidFill>
-                          <a:srgbClr val="000000"/>
-                        </a:solidFill>
-                        <a:effectLst/>
-                        <a:latin typeface="Times New Roman" panose="02020603050405020304" pitchFamily="18" charset="0"/>
-                        <a:cs typeface="Times New Roman" panose="02020603050405020304" pitchFamily="18" charset="0"/>
-                      </a:endParaRPr>
-                    </a:p>
-                  </a:txBody>
-                  <a:tcPr marL="9525" marR="9525" marT="9525" marB="0" anchor="ctr"/>
+                        <a:rPr lang="en-US" altLang="zh-CN">
+                          <a:latin typeface="Times New Roman" panose="02020603050405020304" pitchFamily="18" charset="0"/>
+                          <a:ea typeface="標楷體" panose="03000509000000000000" pitchFamily="65" charset="-120"/>
+                          <a:cs typeface="Times New Roman" panose="02020603050405020304" pitchFamily="18" charset="0"/>
+                        </a:rPr>
+                        <a:t>B0-2</a:t>
+                      </a:r>
+                      <a:endParaRPr lang="zh-TW" altLang="en-US" dirty="0">
+                        <a:latin typeface="Times New Roman" panose="02020603050405020304" pitchFamily="18" charset="0"/>
+                        <a:ea typeface="標楷體" panose="03000509000000000000" pitchFamily="65" charset="-120"/>
+                        <a:cs typeface="Times New Roman" panose="02020603050405020304" pitchFamily="18" charset="0"/>
+                      </a:endParaRPr>
+                    </a:p>
+                  </a:txBody>
+                  <a:tcPr anchor="ctr"/>
+                </a:tc>
+                <a:tc>
+                  <a:txBody>
+                    <a:bodyPr/>
+                    <a:lstStyle/>
+                    <a:p>
+                      <a:pPr algn="ctr"/>
+                      <a:r>
+                        <a:rPr lang="en-US" altLang="zh-CN">
+                          <a:latin typeface="Times New Roman" panose="02020603050405020304" pitchFamily="18" charset="0"/>
+                          <a:ea typeface="標楷體" panose="03000509000000000000" pitchFamily="65" charset="-120"/>
+                          <a:cs typeface="Times New Roman" panose="02020603050405020304" pitchFamily="18" charset="0"/>
+                        </a:rPr>
+                        <a:t>B1-2</a:t>
+                      </a:r>
+                      <a:endParaRPr lang="zh-TW" altLang="en-US" dirty="0">
+                        <a:latin typeface="Times New Roman" panose="02020603050405020304" pitchFamily="18" charset="0"/>
+                        <a:ea typeface="標楷體" panose="03000509000000000000" pitchFamily="65" charset="-120"/>
+                        <a:cs typeface="Times New Roman" panose="02020603050405020304" pitchFamily="18" charset="0"/>
+                      </a:endParaRPr>
+                    </a:p>
+                  </a:txBody>
+                  <a:tcPr anchor="ctr"/>
+                </a:tc>
+                <a:tc>
+                  <a:txBody>
+                    <a:bodyPr/>
+                    <a:lstStyle/>
+                    <a:p>
+                      <a:pPr algn="ctr"/>
+                      <a:r>
+                        <a:rPr lang="en-US" altLang="zh-CN">
+                          <a:latin typeface="Times New Roman" panose="02020603050405020304" pitchFamily="18" charset="0"/>
+                          <a:ea typeface="標楷體" panose="03000509000000000000" pitchFamily="65" charset="-120"/>
+                          <a:cs typeface="Times New Roman" panose="02020603050405020304" pitchFamily="18" charset="0"/>
+                        </a:rPr>
+                        <a:t>B2-2</a:t>
+                      </a:r>
+                      <a:endParaRPr lang="zh-TW" altLang="en-US" dirty="0">
+                        <a:latin typeface="Times New Roman" panose="02020603050405020304" pitchFamily="18" charset="0"/>
+                        <a:ea typeface="標楷體" panose="03000509000000000000" pitchFamily="65" charset="-120"/>
+                        <a:cs typeface="Times New Roman" panose="02020603050405020304" pitchFamily="18" charset="0"/>
+                      </a:endParaRPr>
+                    </a:p>
+                  </a:txBody>
+                  <a:tcPr anchor="ctr"/>
                 </a:tc>
                 <a:extLst>
                   <a:ext uri="{0D108BD9-81ED-4DB2-BD59-A6C34878D82A}">
@@ -12840,7 +17194,7 @@
     </p:spTree>
     <p:extLst>
       <p:ext uri="{BB962C8B-B14F-4D97-AF65-F5344CB8AC3E}">
-        <p14:creationId xmlns:p14="http://schemas.microsoft.com/office/powerpoint/2010/main" val="2956591765"/>
+        <p14:creationId xmlns:p14="http://schemas.microsoft.com/office/powerpoint/2010/main" val="822479060"/>
       </p:ext>
     </p:extLst>
   </p:cSld>
